--- a/022_91893+_+91897+Documentation.pptx
+++ b/022_91893+_+91897+Documentation.pptx
@@ -5,7 +5,7 @@
     <p:sldMasterId id="2147483659" r:id="rId1"/>
   </p:sldMasterIdLst>
   <p:notesMasterIdLst>
-    <p:notesMasterId r:id="rId9"/>
+    <p:notesMasterId r:id="rId11"/>
   </p:notesMasterIdLst>
   <p:sldIdLst>
     <p:sldId id="256" r:id="rId2"/>
@@ -13,8 +13,10 @@
     <p:sldId id="258" r:id="rId4"/>
     <p:sldId id="259" r:id="rId5"/>
     <p:sldId id="260" r:id="rId6"/>
-    <p:sldId id="261" r:id="rId7"/>
-    <p:sldId id="262" r:id="rId8"/>
+    <p:sldId id="263" r:id="rId7"/>
+    <p:sldId id="264" r:id="rId8"/>
+    <p:sldId id="261" r:id="rId9"/>
+    <p:sldId id="262" r:id="rId10"/>
   </p:sldIdLst>
   <p:sldSz cx="9144000" cy="5143500" type="screen16x9"/>
   <p:notesSz cx="6858000" cy="9144000"/>
@@ -269,13 +271,177 @@
 <file path=ppt/revisionInfo.xml><?xml version="1.0" encoding="utf-8"?>
 <p1510:revInfo xmlns:a="http://schemas.openxmlformats.org/drawingml/2006/main" xmlns:r="http://schemas.openxmlformats.org/officeDocument/2006/relationships" xmlns:p1510="http://schemas.microsoft.com/office/powerpoint/2015/10/main">
   <p1510:revLst>
-    <p1510:client id="{4F71BE14-C53D-0861-4E1D-406D0C4E55B4}" v="10" dt="2022-02-05T23:55:44.511"/>
+    <p1510:client id="{53BB49C2-00DF-4AB6-9D9D-351DBF063D16}" v="1" dt="2022-02-09T22:43:54.317"/>
   </p1510:revLst>
 </p1510:revInfo>
 </file>
 
 <file path=ppt/changesInfos/changesInfo1.xml><?xml version="1.0" encoding="utf-8"?>
 <pc:chgInfo xmlns:a="http://schemas.openxmlformats.org/drawingml/2006/main" xmlns:r="http://schemas.openxmlformats.org/officeDocument/2006/relationships" xmlns:ac="http://schemas.microsoft.com/office/drawing/2013/main/command" xmlns:pc="http://schemas.microsoft.com/office/powerpoint/2013/main/command">
+  <pc:docChgLst>
+    <pc:chgData name="Danett Pepito" userId="ddef1e2176689e9a" providerId="LiveId" clId="{53BB49C2-00DF-4AB6-9D9D-351DBF063D16}"/>
+    <pc:docChg chg="custSel addSld modSld sldOrd">
+      <pc:chgData name="Danett Pepito" userId="ddef1e2176689e9a" providerId="LiveId" clId="{53BB49C2-00DF-4AB6-9D9D-351DBF063D16}" dt="2022-02-09T23:13:13.287" v="160" actId="20577"/>
+      <pc:docMkLst>
+        <pc:docMk/>
+      </pc:docMkLst>
+      <pc:sldChg chg="addSp delSp modSp mod">
+        <pc:chgData name="Danett Pepito" userId="ddef1e2176689e9a" providerId="LiveId" clId="{53BB49C2-00DF-4AB6-9D9D-351DBF063D16}" dt="2022-02-09T22:44:43.961" v="57" actId="1076"/>
+        <pc:sldMkLst>
+          <pc:docMk/>
+          <pc:sldMk cId="0" sldId="258"/>
+        </pc:sldMkLst>
+        <pc:spChg chg="add del mod">
+          <ac:chgData name="Danett Pepito" userId="ddef1e2176689e9a" providerId="LiveId" clId="{53BB49C2-00DF-4AB6-9D9D-351DBF063D16}" dt="2022-02-09T22:36:48.156" v="21" actId="478"/>
+          <ac:spMkLst>
+            <pc:docMk/>
+            <pc:sldMk cId="0" sldId="258"/>
+            <ac:spMk id="3" creationId="{0A5FA98C-5FA5-4BF7-9962-0162DA69D5AF}"/>
+          </ac:spMkLst>
+        </pc:spChg>
+        <pc:spChg chg="del">
+          <ac:chgData name="Danett Pepito" userId="ddef1e2176689e9a" providerId="LiveId" clId="{53BB49C2-00DF-4AB6-9D9D-351DBF063D16}" dt="2022-02-09T22:35:21.701" v="0" actId="478"/>
+          <ac:spMkLst>
+            <pc:docMk/>
+            <pc:sldMk cId="0" sldId="258"/>
+            <ac:spMk id="68" creationId="{00000000-0000-0000-0000-000000000000}"/>
+          </ac:spMkLst>
+        </pc:spChg>
+        <pc:picChg chg="add del mod">
+          <ac:chgData name="Danett Pepito" userId="ddef1e2176689e9a" providerId="LiveId" clId="{53BB49C2-00DF-4AB6-9D9D-351DBF063D16}" dt="2022-02-09T22:35:45.993" v="4" actId="478"/>
+          <ac:picMkLst>
+            <pc:docMk/>
+            <pc:sldMk cId="0" sldId="258"/>
+            <ac:picMk id="5" creationId="{88D36D3F-13C3-4FA6-9314-C3E5C775F91A}"/>
+          </ac:picMkLst>
+        </pc:picChg>
+        <pc:picChg chg="add del mod">
+          <ac:chgData name="Danett Pepito" userId="ddef1e2176689e9a" providerId="LiveId" clId="{53BB49C2-00DF-4AB6-9D9D-351DBF063D16}" dt="2022-02-09T22:43:34.928" v="36" actId="478"/>
+          <ac:picMkLst>
+            <pc:docMk/>
+            <pc:sldMk cId="0" sldId="258"/>
+            <ac:picMk id="7" creationId="{28172E6F-D4F4-4B74-A012-E1C313FD2860}"/>
+          </ac:picMkLst>
+        </pc:picChg>
+        <pc:picChg chg="add del mod modCrop">
+          <ac:chgData name="Danett Pepito" userId="ddef1e2176689e9a" providerId="LiveId" clId="{53BB49C2-00DF-4AB6-9D9D-351DBF063D16}" dt="2022-02-09T22:43:56.191" v="45" actId="478"/>
+          <ac:picMkLst>
+            <pc:docMk/>
+            <pc:sldMk cId="0" sldId="258"/>
+            <ac:picMk id="9" creationId="{52741B65-F370-4E80-BDFA-FBBAB35F2B81}"/>
+          </ac:picMkLst>
+        </pc:picChg>
+        <pc:picChg chg="add mod">
+          <ac:chgData name="Danett Pepito" userId="ddef1e2176689e9a" providerId="LiveId" clId="{53BB49C2-00DF-4AB6-9D9D-351DBF063D16}" dt="2022-02-09T22:44:27.644" v="52" actId="1076"/>
+          <ac:picMkLst>
+            <pc:docMk/>
+            <pc:sldMk cId="0" sldId="258"/>
+            <ac:picMk id="11" creationId="{2FFC6E7E-C008-45D1-AA27-CC1B9D95679C}"/>
+          </ac:picMkLst>
+        </pc:picChg>
+        <pc:picChg chg="add mod modCrop">
+          <ac:chgData name="Danett Pepito" userId="ddef1e2176689e9a" providerId="LiveId" clId="{53BB49C2-00DF-4AB6-9D9D-351DBF063D16}" dt="2022-02-09T22:44:43.961" v="57" actId="1076"/>
+          <ac:picMkLst>
+            <pc:docMk/>
+            <pc:sldMk cId="0" sldId="258"/>
+            <ac:picMk id="13" creationId="{C0654FC3-E9DE-4EBE-8F7D-D01B46508E94}"/>
+          </ac:picMkLst>
+        </pc:picChg>
+        <pc:picChg chg="add del mod">
+          <ac:chgData name="Danett Pepito" userId="ddef1e2176689e9a" providerId="LiveId" clId="{53BB49C2-00DF-4AB6-9D9D-351DBF063D16}" dt="2022-02-09T22:44:01.987" v="47" actId="478"/>
+          <ac:picMkLst>
+            <pc:docMk/>
+            <pc:sldMk cId="0" sldId="258"/>
+            <ac:picMk id="14" creationId="{5F6C7D83-A26B-443E-8980-11440877A727}"/>
+          </ac:picMkLst>
+        </pc:picChg>
+      </pc:sldChg>
+      <pc:sldChg chg="addSp mod">
+        <pc:chgData name="Danett Pepito" userId="ddef1e2176689e9a" providerId="LiveId" clId="{53BB49C2-00DF-4AB6-9D9D-351DBF063D16}" dt="2022-02-09T22:43:03.109" v="35" actId="22"/>
+        <pc:sldMkLst>
+          <pc:docMk/>
+          <pc:sldMk cId="0" sldId="259"/>
+        </pc:sldMkLst>
+        <pc:picChg chg="add">
+          <ac:chgData name="Danett Pepito" userId="ddef1e2176689e9a" providerId="LiveId" clId="{53BB49C2-00DF-4AB6-9D9D-351DBF063D16}" dt="2022-02-09T22:43:03.109" v="35" actId="22"/>
+          <ac:picMkLst>
+            <pc:docMk/>
+            <pc:sldMk cId="0" sldId="259"/>
+            <ac:picMk id="3" creationId="{9E5C3E6E-F7C5-4E80-93AA-4061F6AE4392}"/>
+          </ac:picMkLst>
+        </pc:picChg>
+      </pc:sldChg>
+      <pc:sldChg chg="addSp modSp mod">
+        <pc:chgData name="Danett Pepito" userId="ddef1e2176689e9a" providerId="LiveId" clId="{53BB49C2-00DF-4AB6-9D9D-351DBF063D16}" dt="2022-02-09T23:13:13.287" v="160" actId="20577"/>
+        <pc:sldMkLst>
+          <pc:docMk/>
+          <pc:sldMk cId="0" sldId="260"/>
+        </pc:sldMkLst>
+        <pc:spChg chg="mod">
+          <ac:chgData name="Danett Pepito" userId="ddef1e2176689e9a" providerId="LiveId" clId="{53BB49C2-00DF-4AB6-9D9D-351DBF063D16}" dt="2022-02-09T23:03:54.966" v="58" actId="20577"/>
+          <ac:spMkLst>
+            <pc:docMk/>
+            <pc:sldMk cId="0" sldId="260"/>
+            <ac:spMk id="78" creationId="{00000000-0000-0000-0000-000000000000}"/>
+          </ac:spMkLst>
+        </pc:spChg>
+        <pc:graphicFrameChg chg="mod modGraphic">
+          <ac:chgData name="Danett Pepito" userId="ddef1e2176689e9a" providerId="LiveId" clId="{53BB49C2-00DF-4AB6-9D9D-351DBF063D16}" dt="2022-02-09T23:13:13.287" v="160" actId="20577"/>
+          <ac:graphicFrameMkLst>
+            <pc:docMk/>
+            <pc:sldMk cId="0" sldId="260"/>
+            <ac:graphicFrameMk id="79" creationId="{00000000-0000-0000-0000-000000000000}"/>
+          </ac:graphicFrameMkLst>
+        </pc:graphicFrameChg>
+        <pc:picChg chg="add mod">
+          <ac:chgData name="Danett Pepito" userId="ddef1e2176689e9a" providerId="LiveId" clId="{53BB49C2-00DF-4AB6-9D9D-351DBF063D16}" dt="2022-02-09T23:12:08.883" v="66" actId="1076"/>
+          <ac:picMkLst>
+            <pc:docMk/>
+            <pc:sldMk cId="0" sldId="260"/>
+            <ac:picMk id="3" creationId="{AD42DFDF-2603-4794-AA53-2C2C97B49469}"/>
+          </ac:picMkLst>
+        </pc:picChg>
+        <pc:picChg chg="add mod">
+          <ac:chgData name="Danett Pepito" userId="ddef1e2176689e9a" providerId="LiveId" clId="{53BB49C2-00DF-4AB6-9D9D-351DBF063D16}" dt="2022-02-09T23:12:10.265" v="67" actId="1076"/>
+          <ac:picMkLst>
+            <pc:docMk/>
+            <pc:sldMk cId="0" sldId="260"/>
+            <ac:picMk id="5" creationId="{78CA568B-CA95-4746-BA40-F314249B0E1A}"/>
+          </ac:picMkLst>
+        </pc:picChg>
+      </pc:sldChg>
+      <pc:sldChg chg="modSp add mod ord">
+        <pc:chgData name="Danett Pepito" userId="ddef1e2176689e9a" providerId="LiveId" clId="{53BB49C2-00DF-4AB6-9D9D-351DBF063D16}" dt="2022-02-09T22:43:00.735" v="34" actId="20577"/>
+        <pc:sldMkLst>
+          <pc:docMk/>
+          <pc:sldMk cId="3776443291" sldId="263"/>
+        </pc:sldMkLst>
+        <pc:spChg chg="mod">
+          <ac:chgData name="Danett Pepito" userId="ddef1e2176689e9a" providerId="LiveId" clId="{53BB49C2-00DF-4AB6-9D9D-351DBF063D16}" dt="2022-02-09T22:43:00.735" v="34" actId="20577"/>
+          <ac:spMkLst>
+            <pc:docMk/>
+            <pc:sldMk cId="3776443291" sldId="263"/>
+            <ac:spMk id="73" creationId="{00000000-0000-0000-0000-000000000000}"/>
+          </ac:spMkLst>
+        </pc:spChg>
+      </pc:sldChg>
+      <pc:sldChg chg="modSp add mod ord">
+        <pc:chgData name="Danett Pepito" userId="ddef1e2176689e9a" providerId="LiveId" clId="{53BB49C2-00DF-4AB6-9D9D-351DBF063D16}" dt="2022-02-09T22:42:57.866" v="32" actId="20577"/>
+        <pc:sldMkLst>
+          <pc:docMk/>
+          <pc:sldMk cId="893616874" sldId="264"/>
+        </pc:sldMkLst>
+        <pc:spChg chg="mod">
+          <ac:chgData name="Danett Pepito" userId="ddef1e2176689e9a" providerId="LiveId" clId="{53BB49C2-00DF-4AB6-9D9D-351DBF063D16}" dt="2022-02-09T22:42:57.866" v="32" actId="20577"/>
+          <ac:spMkLst>
+            <pc:docMk/>
+            <pc:sldMk cId="893616874" sldId="264"/>
+            <ac:spMk id="78" creationId="{00000000-0000-0000-0000-000000000000}"/>
+          </ac:spMkLst>
+        </pc:spChg>
+      </pc:sldChg>
+    </pc:docChg>
+  </pc:docChgLst>
   <pc:docChgLst>
     <pc:chgData name="Mark Glasse" userId="S::m.glasse@sanctamaria.school.nz::4001b6f1-9796-4fe4-a857-9145db2b6168" providerId="AD" clId="Web-{4F71BE14-C53D-0861-4E1D-406D0C4E55B4}"/>
     <pc:docChg chg="modSld">
@@ -1309,6 +1475,224 @@
   <p:cSld>
     <p:spTree>
       <p:nvGrpSpPr>
+        <p:cNvPr id="1" name="Shape 69"/>
+        <p:cNvGrpSpPr/>
+        <p:nvPr/>
+      </p:nvGrpSpPr>
+      <p:grpSpPr>
+        <a:xfrm>
+          <a:off x="0" y="0"/>
+          <a:ext cx="0" cy="0"/>
+          <a:chOff x="0" y="0"/>
+          <a:chExt cx="0" cy="0"/>
+        </a:xfrm>
+      </p:grpSpPr>
+      <p:sp>
+        <p:nvSpPr>
+          <p:cNvPr id="70" name="Google Shape;70;gac10fef634_0_16:notes"/>
+          <p:cNvSpPr>
+            <a:spLocks noGrp="1" noRot="1" noChangeAspect="1"/>
+          </p:cNvSpPr>
+          <p:nvPr>
+            <p:ph type="sldImg" idx="2"/>
+          </p:nvPr>
+        </p:nvSpPr>
+        <p:spPr>
+          <a:xfrm>
+            <a:off x="381000" y="685800"/>
+            <a:ext cx="6096000" cy="3429000"/>
+          </a:xfrm>
+          <a:custGeom>
+            <a:avLst/>
+            <a:gdLst/>
+            <a:ahLst/>
+            <a:cxnLst/>
+            <a:rect l="l" t="t" r="r" b="b"/>
+            <a:pathLst>
+              <a:path w="120000" h="120000" extrusionOk="0">
+                <a:moveTo>
+                  <a:pt x="0" y="0"/>
+                </a:moveTo>
+                <a:lnTo>
+                  <a:pt x="120000" y="0"/>
+                </a:lnTo>
+                <a:lnTo>
+                  <a:pt x="120000" y="120000"/>
+                </a:lnTo>
+                <a:lnTo>
+                  <a:pt x="0" y="120000"/>
+                </a:lnTo>
+                <a:close/>
+              </a:path>
+            </a:pathLst>
+          </a:custGeom>
+        </p:spPr>
+      </p:sp>
+      <p:sp>
+        <p:nvSpPr>
+          <p:cNvPr id="71" name="Google Shape;71;gac10fef634_0_16:notes"/>
+          <p:cNvSpPr txBox="1">
+            <a:spLocks noGrp="1"/>
+          </p:cNvSpPr>
+          <p:nvPr>
+            <p:ph type="body" idx="1"/>
+          </p:nvPr>
+        </p:nvSpPr>
+        <p:spPr>
+          <a:xfrm>
+            <a:off x="685800" y="4343400"/>
+            <a:ext cx="5486400" cy="4114800"/>
+          </a:xfrm>
+          <a:prstGeom prst="rect">
+            <a:avLst/>
+          </a:prstGeom>
+        </p:spPr>
+        <p:txBody>
+          <a:bodyPr spcFirstLastPara="1" wrap="square" lIns="91425" tIns="91425" rIns="91425" bIns="91425" anchor="t" anchorCtr="0">
+            <a:noAutofit/>
+          </a:bodyPr>
+          <a:lstStyle/>
+          <a:p>
+            <a:pPr marL="0" lvl="0" indent="0" algn="l" rtl="0">
+              <a:spcBef>
+                <a:spcPts val="0"/>
+              </a:spcBef>
+              <a:spcAft>
+                <a:spcPts val="0"/>
+              </a:spcAft>
+              <a:buNone/>
+            </a:pPr>
+            <a:endParaRPr/>
+          </a:p>
+        </p:txBody>
+      </p:sp>
+    </p:spTree>
+    <p:extLst>
+      <p:ext uri="{BB962C8B-B14F-4D97-AF65-F5344CB8AC3E}">
+        <p14:creationId xmlns:p14="http://schemas.microsoft.com/office/powerpoint/2010/main" val="1825344413"/>
+      </p:ext>
+    </p:extLst>
+  </p:cSld>
+  <p:clrMapOvr>
+    <a:masterClrMapping/>
+  </p:clrMapOvr>
+</p:notes>
+</file>
+
+<file path=ppt/notesSlides/notesSlide7.xml><?xml version="1.0" encoding="utf-8"?>
+<p:notes xmlns:a="http://schemas.openxmlformats.org/drawingml/2006/main" xmlns:r="http://schemas.openxmlformats.org/officeDocument/2006/relationships" xmlns:p="http://schemas.openxmlformats.org/presentationml/2006/main" showMasterSp="0" showMasterPhAnim="0">
+  <p:cSld>
+    <p:spTree>
+      <p:nvGrpSpPr>
+        <p:cNvPr id="1" name="Shape 74"/>
+        <p:cNvGrpSpPr/>
+        <p:nvPr/>
+      </p:nvGrpSpPr>
+      <p:grpSpPr>
+        <a:xfrm>
+          <a:off x="0" y="0"/>
+          <a:ext cx="0" cy="0"/>
+          <a:chOff x="0" y="0"/>
+          <a:chExt cx="0" cy="0"/>
+        </a:xfrm>
+      </p:grpSpPr>
+      <p:sp>
+        <p:nvSpPr>
+          <p:cNvPr id="75" name="Google Shape;75;gac10fef634_0_20:notes"/>
+          <p:cNvSpPr>
+            <a:spLocks noGrp="1" noRot="1" noChangeAspect="1"/>
+          </p:cNvSpPr>
+          <p:nvPr>
+            <p:ph type="sldImg" idx="2"/>
+          </p:nvPr>
+        </p:nvSpPr>
+        <p:spPr>
+          <a:xfrm>
+            <a:off x="381000" y="685800"/>
+            <a:ext cx="6096000" cy="3429000"/>
+          </a:xfrm>
+          <a:custGeom>
+            <a:avLst/>
+            <a:gdLst/>
+            <a:ahLst/>
+            <a:cxnLst/>
+            <a:rect l="l" t="t" r="r" b="b"/>
+            <a:pathLst>
+              <a:path w="120000" h="120000" extrusionOk="0">
+                <a:moveTo>
+                  <a:pt x="0" y="0"/>
+                </a:moveTo>
+                <a:lnTo>
+                  <a:pt x="120000" y="0"/>
+                </a:lnTo>
+                <a:lnTo>
+                  <a:pt x="120000" y="120000"/>
+                </a:lnTo>
+                <a:lnTo>
+                  <a:pt x="0" y="120000"/>
+                </a:lnTo>
+                <a:close/>
+              </a:path>
+            </a:pathLst>
+          </a:custGeom>
+        </p:spPr>
+      </p:sp>
+      <p:sp>
+        <p:nvSpPr>
+          <p:cNvPr id="76" name="Google Shape;76;gac10fef634_0_20:notes"/>
+          <p:cNvSpPr txBox="1">
+            <a:spLocks noGrp="1"/>
+          </p:cNvSpPr>
+          <p:nvPr>
+            <p:ph type="body" idx="1"/>
+          </p:nvPr>
+        </p:nvSpPr>
+        <p:spPr>
+          <a:xfrm>
+            <a:off x="685800" y="4343400"/>
+            <a:ext cx="5486400" cy="4114800"/>
+          </a:xfrm>
+          <a:prstGeom prst="rect">
+            <a:avLst/>
+          </a:prstGeom>
+        </p:spPr>
+        <p:txBody>
+          <a:bodyPr spcFirstLastPara="1" wrap="square" lIns="91425" tIns="91425" rIns="91425" bIns="91425" anchor="t" anchorCtr="0">
+            <a:noAutofit/>
+          </a:bodyPr>
+          <a:lstStyle/>
+          <a:p>
+            <a:pPr marL="0" lvl="0" indent="0" algn="l" rtl="0">
+              <a:spcBef>
+                <a:spcPts val="0"/>
+              </a:spcBef>
+              <a:spcAft>
+                <a:spcPts val="0"/>
+              </a:spcAft>
+              <a:buNone/>
+            </a:pPr>
+            <a:endParaRPr/>
+          </a:p>
+        </p:txBody>
+      </p:sp>
+    </p:spTree>
+    <p:extLst>
+      <p:ext uri="{BB962C8B-B14F-4D97-AF65-F5344CB8AC3E}">
+        <p14:creationId xmlns:p14="http://schemas.microsoft.com/office/powerpoint/2010/main" val="2533359748"/>
+      </p:ext>
+    </p:extLst>
+  </p:cSld>
+  <p:clrMapOvr>
+    <a:masterClrMapping/>
+  </p:clrMapOvr>
+</p:notes>
+</file>
+
+<file path=ppt/notesSlides/notesSlide8.xml><?xml version="1.0" encoding="utf-8"?>
+<p:notes xmlns:a="http://schemas.openxmlformats.org/drawingml/2006/main" xmlns:r="http://schemas.openxmlformats.org/officeDocument/2006/relationships" xmlns:p="http://schemas.openxmlformats.org/presentationml/2006/main" showMasterSp="0" showMasterPhAnim="0">
+  <p:cSld>
+    <p:spTree>
+      <p:nvGrpSpPr>
         <p:cNvPr id="1" name="Shape 80"/>
         <p:cNvGrpSpPr/>
         <p:nvPr/>
@@ -1429,7 +1813,7 @@
 </p:notes>
 </file>
 
-<file path=ppt/notesSlides/notesSlide7.xml><?xml version="1.0" encoding="utf-8"?>
+<file path=ppt/notesSlides/notesSlide9.xml><?xml version="1.0" encoding="utf-8"?>
 <p:notes xmlns:a="http://schemas.openxmlformats.org/drawingml/2006/main" xmlns:r="http://schemas.openxmlformats.org/officeDocument/2006/relationships" xmlns:p="http://schemas.openxmlformats.org/presentationml/2006/main" showMasterSp="0" showMasterPhAnim="0">
   <p:cSld>
     <p:spTree>
@@ -6338,10 +6722,10 @@
               <a:buNone/>
             </a:pPr>
             <a:r>
-              <a:rPr lang="en"/>
-              <a:t>Program Name goes here</a:t>
+              <a:rPr lang="en" dirty="0"/>
+              <a:t>pizza_bot</a:t>
             </a:r>
-            <a:endParaRPr/>
+            <a:endParaRPr dirty="0"/>
           </a:p>
         </p:txBody>
       </p:sp>
@@ -6405,23 +6789,16 @@
                   <a:srgbClr val="274E13"/>
                 </a:solidFill>
               </a:rPr>
-              <a:t>Link to </a:t>
+              <a:t>Link to github Repository: </a:t>
             </a:r>
             <a:r>
-              <a:rPr lang="en" sz="2000" b="1" dirty="0" err="1">
+              <a:rPr lang="en-NZ" sz="2000" b="1" dirty="0">
                 <a:solidFill>
                   <a:srgbClr val="274E13"/>
                 </a:solidFill>
+                <a:hlinkClick r:id="rId3"/>
               </a:rPr>
-              <a:t>github</a:t>
-            </a:r>
-            <a:r>
-              <a:rPr lang="en" sz="2000" b="1" dirty="0">
-                <a:solidFill>
-                  <a:srgbClr val="274E13"/>
-                </a:solidFill>
-              </a:rPr>
-              <a:t> Repository: </a:t>
+              <a:t>GitHub</a:t>
             </a:r>
             <a:endParaRPr sz="2000" b="1" dirty="0">
               <a:solidFill>
@@ -6447,7 +6824,7 @@
               <a:buFont typeface="Arial"/>
               <a:buNone/>
             </a:pPr>
-            <a:endParaRPr sz="2000">
+            <a:endParaRPr sz="2000" dirty="0">
               <a:solidFill>
                 <a:srgbClr val="274E13"/>
               </a:solidFill>
@@ -6477,23 +6854,16 @@
                   <a:srgbClr val="274E13"/>
                 </a:solidFill>
               </a:rPr>
-              <a:t>Links to </a:t>
+              <a:t>Links to trello board / project management tools: </a:t>
             </a:r>
             <a:r>
-              <a:rPr lang="en" sz="2000" b="1" dirty="0" err="1">
+              <a:rPr lang="en-NZ" sz="2000" b="1">
                 <a:solidFill>
                   <a:srgbClr val="274E13"/>
                 </a:solidFill>
+                <a:hlinkClick r:id="rId4"/>
               </a:rPr>
-              <a:t>trello</a:t>
-            </a:r>
-            <a:r>
-              <a:rPr lang="en" sz="2000" b="1" dirty="0">
-                <a:solidFill>
-                  <a:srgbClr val="274E13"/>
-                </a:solidFill>
-              </a:rPr>
-              <a:t> board / project management tools:</a:t>
+              <a:t>Trello Board</a:t>
             </a:r>
             <a:endParaRPr sz="2000" dirty="0"/>
           </a:p>
@@ -6811,48 +7181,65 @@
           </a:p>
         </p:txBody>
       </p:sp>
-      <p:sp>
-        <p:nvSpPr>
-          <p:cNvPr id="68" name="Google Shape;68;p15"/>
-          <p:cNvSpPr txBox="1">
-            <a:spLocks noGrp="1"/>
-          </p:cNvSpPr>
-          <p:nvPr>
-            <p:ph type="body" idx="1"/>
-          </p:nvPr>
-        </p:nvSpPr>
+      <p:pic>
+        <p:nvPicPr>
+          <p:cNvPr id="11" name="Picture 10">
+            <a:extLst>
+              <a:ext uri="{FF2B5EF4-FFF2-40B4-BE49-F238E27FC236}">
+                <a16:creationId xmlns:a16="http://schemas.microsoft.com/office/drawing/2014/main" id="{2FFC6E7E-C008-45D1-AA27-CC1B9D95679C}"/>
+              </a:ext>
+            </a:extLst>
+          </p:cNvPr>
+          <p:cNvPicPr>
+            <a:picLocks noChangeAspect="1"/>
+          </p:cNvPicPr>
+          <p:nvPr/>
+        </p:nvPicPr>
+        <p:blipFill>
+          <a:blip r:embed="rId3"/>
+          <a:stretch>
+            <a:fillRect/>
+          </a:stretch>
+        </p:blipFill>
         <p:spPr>
           <a:xfrm>
-            <a:off x="311700" y="1152475"/>
-            <a:ext cx="8424300" cy="1180800"/>
+            <a:off x="448786" y="945397"/>
+            <a:ext cx="5453669" cy="4007946"/>
           </a:xfrm>
           <a:prstGeom prst="rect">
             <a:avLst/>
           </a:prstGeom>
         </p:spPr>
-        <p:txBody>
-          <a:bodyPr spcFirstLastPara="1" wrap="square" lIns="91425" tIns="91425" rIns="91425" bIns="91425" anchor="t" anchorCtr="0">
-            <a:noAutofit/>
-          </a:bodyPr>
-          <a:lstStyle/>
-          <a:p>
-            <a:pPr marL="0" lvl="0" indent="0" algn="l" rtl="0">
-              <a:spcBef>
-                <a:spcPts val="0"/>
-              </a:spcBef>
-              <a:spcAft>
-                <a:spcPts val="1600"/>
-              </a:spcAft>
-              <a:buNone/>
-            </a:pPr>
-            <a:r>
-              <a:rPr lang="en" i="1"/>
-              <a:t>Paste screenshots of your initial Trello board / task decomposition on this slide.  If you have a long list, you might need to break it up into several columns.  Delete this instruction when you are done.</a:t>
-            </a:r>
-            <a:endParaRPr i="1"/>
-          </a:p>
-        </p:txBody>
-      </p:sp>
+      </p:pic>
+      <p:pic>
+        <p:nvPicPr>
+          <p:cNvPr id="13" name="Picture 12">
+            <a:extLst>
+              <a:ext uri="{FF2B5EF4-FFF2-40B4-BE49-F238E27FC236}">
+                <a16:creationId xmlns:a16="http://schemas.microsoft.com/office/drawing/2014/main" id="{C0654FC3-E9DE-4EBE-8F7D-D01B46508E94}"/>
+              </a:ext>
+            </a:extLst>
+          </p:cNvPr>
+          <p:cNvPicPr>
+            <a:picLocks noChangeAspect="1"/>
+          </p:cNvPicPr>
+          <p:nvPr/>
+        </p:nvPicPr>
+        <p:blipFill rotWithShape="1">
+          <a:blip r:embed="rId4"/>
+          <a:srcRect l="26452"/>
+          <a:stretch/>
+        </p:blipFill>
+        <p:spPr>
+          <a:xfrm>
+            <a:off x="3211910" y="945397"/>
+            <a:ext cx="4035995" cy="4007946"/>
+          </a:xfrm>
+          <a:prstGeom prst="rect">
+            <a:avLst/>
+          </a:prstGeom>
+        </p:spPr>
+      </p:pic>
     </p:spTree>
   </p:cSld>
   <p:clrMapOvr>
@@ -6928,6 +7315,36 @@
           </a:p>
         </p:txBody>
       </p:sp>
+      <p:pic>
+        <p:nvPicPr>
+          <p:cNvPr id="3" name="Picture 2">
+            <a:extLst>
+              <a:ext uri="{FF2B5EF4-FFF2-40B4-BE49-F238E27FC236}">
+                <a16:creationId xmlns:a16="http://schemas.microsoft.com/office/drawing/2014/main" id="{9E5C3E6E-F7C5-4E80-93AA-4061F6AE4392}"/>
+              </a:ext>
+            </a:extLst>
+          </p:cNvPr>
+          <p:cNvPicPr>
+            <a:picLocks noChangeAspect="1"/>
+          </p:cNvPicPr>
+          <p:nvPr/>
+        </p:nvPicPr>
+        <p:blipFill>
+          <a:blip r:embed="rId3"/>
+          <a:stretch>
+            <a:fillRect/>
+          </a:stretch>
+        </p:blipFill>
+        <p:spPr>
+          <a:xfrm>
+            <a:off x="0" y="1208942"/>
+            <a:ext cx="9144000" cy="2725615"/>
+          </a:xfrm>
+          <a:prstGeom prst="rect">
+            <a:avLst/>
+          </a:prstGeom>
+        </p:spPr>
+      </p:pic>
     </p:spTree>
   </p:cSld>
   <p:clrMapOvr>
@@ -6988,10 +7405,378 @@
               <a:buNone/>
             </a:pPr>
             <a:r>
-              <a:rPr lang="en"/>
-              <a:t>Component 1 - Test Plan (?and screenshot)</a:t>
+              <a:rPr lang="en" dirty="0"/>
+              <a:t>Component 1 - Test Plan (and screenshot)</a:t>
             </a:r>
-            <a:endParaRPr/>
+            <a:endParaRPr dirty="0"/>
+          </a:p>
+        </p:txBody>
+      </p:sp>
+      <p:graphicFrame>
+        <p:nvGraphicFramePr>
+          <p:cNvPr id="79" name="Google Shape;79;p17"/>
+          <p:cNvGraphicFramePr/>
+          <p:nvPr>
+            <p:extLst>
+              <p:ext uri="{D42A27DB-BD31-4B8C-83A1-F6EECF244321}">
+                <p14:modId xmlns:p14="http://schemas.microsoft.com/office/powerpoint/2010/main" val="1889840519"/>
+              </p:ext>
+            </p:extLst>
+          </p:nvPr>
+        </p:nvGraphicFramePr>
+        <p:xfrm>
+          <a:off x="311700" y="3326935"/>
+          <a:ext cx="8520600" cy="1188660"/>
+        </p:xfrm>
+        <a:graphic>
+          <a:graphicData uri="http://schemas.openxmlformats.org/drawingml/2006/table">
+            <a:tbl>
+              <a:tblPr>
+                <a:noFill/>
+                <a:tableStyleId>{E1099E06-0E6B-448D-9D27-60429F06E6F4}</a:tableStyleId>
+              </a:tblPr>
+              <a:tblGrid>
+                <a:gridCol w="4260300">
+                  <a:extLst>
+                    <a:ext uri="{9D8B030D-6E8A-4147-A177-3AD203B41FA5}">
+                      <a16:colId xmlns:a16="http://schemas.microsoft.com/office/drawing/2014/main" val="20000"/>
+                    </a:ext>
+                  </a:extLst>
+                </a:gridCol>
+                <a:gridCol w="4260300">
+                  <a:extLst>
+                    <a:ext uri="{9D8B030D-6E8A-4147-A177-3AD203B41FA5}">
+                      <a16:colId xmlns:a16="http://schemas.microsoft.com/office/drawing/2014/main" val="20001"/>
+                    </a:ext>
+                  </a:extLst>
+                </a:gridCol>
+              </a:tblGrid>
+              <a:tr h="381000">
+                <a:tc>
+                  <a:txBody>
+                    <a:bodyPr/>
+                    <a:lstStyle/>
+                    <a:p>
+                      <a:pPr marL="0" lvl="0" indent="0" algn="l" rtl="0">
+                        <a:spcBef>
+                          <a:spcPts val="0"/>
+                        </a:spcBef>
+                        <a:spcAft>
+                          <a:spcPts val="0"/>
+                        </a:spcAft>
+                        <a:buNone/>
+                      </a:pPr>
+                      <a:r>
+                        <a:rPr lang="en" sz="1800" b="1" dirty="0"/>
+                        <a:t>Test Case</a:t>
+                      </a:r>
+                      <a:endParaRPr sz="1800" b="1" dirty="0"/>
+                    </a:p>
+                  </a:txBody>
+                  <a:tcPr marL="91425" marR="91425" marT="91425" marB="91425">
+                    <a:solidFill>
+                      <a:srgbClr val="CCCCCC"/>
+                    </a:solidFill>
+                  </a:tcPr>
+                </a:tc>
+                <a:tc>
+                  <a:txBody>
+                    <a:bodyPr/>
+                    <a:lstStyle/>
+                    <a:p>
+                      <a:pPr marL="0" lvl="0" indent="0" algn="l" rtl="0">
+                        <a:spcBef>
+                          <a:spcPts val="0"/>
+                        </a:spcBef>
+                        <a:spcAft>
+                          <a:spcPts val="0"/>
+                        </a:spcAft>
+                        <a:buNone/>
+                      </a:pPr>
+                      <a:r>
+                        <a:rPr lang="en" sz="1800" b="1"/>
+                        <a:t>Expected Values</a:t>
+                      </a:r>
+                      <a:endParaRPr sz="1800" b="1"/>
+                    </a:p>
+                  </a:txBody>
+                  <a:tcPr marL="91425" marR="91425" marT="91425" marB="91425">
+                    <a:solidFill>
+                      <a:srgbClr val="CCCCCC"/>
+                    </a:solidFill>
+                  </a:tcPr>
+                </a:tc>
+                <a:extLst>
+                  <a:ext uri="{0D108BD9-81ED-4DB2-BD59-A6C34878D82A}">
+                    <a16:rowId xmlns:a16="http://schemas.microsoft.com/office/drawing/2014/main" val="10000"/>
+                  </a:ext>
+                </a:extLst>
+              </a:tr>
+              <a:tr h="396200">
+                <a:tc>
+                  <a:txBody>
+                    <a:bodyPr/>
+                    <a:lstStyle/>
+                    <a:p>
+                      <a:pPr marL="0" lvl="0" indent="0" algn="l" rtl="0">
+                        <a:spcBef>
+                          <a:spcPts val="0"/>
+                        </a:spcBef>
+                        <a:spcAft>
+                          <a:spcPts val="0"/>
+                        </a:spcAft>
+                        <a:buNone/>
+                      </a:pPr>
+                      <a:r>
+                        <a:rPr lang="en-NZ" sz="1800" dirty="0"/>
+                        <a:t>Run program</a:t>
+                      </a:r>
+                      <a:endParaRPr sz="1800" dirty="0"/>
+                    </a:p>
+                  </a:txBody>
+                  <a:tcPr marL="91425" marR="91425" marT="91425" marB="91425"/>
+                </a:tc>
+                <a:tc>
+                  <a:txBody>
+                    <a:bodyPr/>
+                    <a:lstStyle/>
+                    <a:p>
+                      <a:pPr marL="0" lvl="0" indent="0" algn="l" rtl="0">
+                        <a:spcBef>
+                          <a:spcPts val="0"/>
+                        </a:spcBef>
+                        <a:spcAft>
+                          <a:spcPts val="0"/>
+                        </a:spcAft>
+                        <a:buNone/>
+                      </a:pPr>
+                      <a:r>
+                        <a:rPr lang="en-NZ" sz="1800" dirty="0"/>
+                        <a:t>Print Welcome message with random name from list of names – </a:t>
+                      </a:r>
+                      <a:r>
+                        <a:rPr lang="en-NZ" sz="1800"/>
+                        <a:t>runs correctly</a:t>
+                      </a:r>
+                      <a:endParaRPr sz="1800" dirty="0"/>
+                    </a:p>
+                  </a:txBody>
+                  <a:tcPr marL="91425" marR="91425" marT="91425" marB="91425"/>
+                </a:tc>
+                <a:extLst>
+                  <a:ext uri="{0D108BD9-81ED-4DB2-BD59-A6C34878D82A}">
+                    <a16:rowId xmlns:a16="http://schemas.microsoft.com/office/drawing/2014/main" val="10001"/>
+                  </a:ext>
+                </a:extLst>
+              </a:tr>
+            </a:tbl>
+          </a:graphicData>
+        </a:graphic>
+      </p:graphicFrame>
+      <p:pic>
+        <p:nvPicPr>
+          <p:cNvPr id="3" name="Picture 2">
+            <a:extLst>
+              <a:ext uri="{FF2B5EF4-FFF2-40B4-BE49-F238E27FC236}">
+                <a16:creationId xmlns:a16="http://schemas.microsoft.com/office/drawing/2014/main" id="{AD42DFDF-2603-4794-AA53-2C2C97B49469}"/>
+              </a:ext>
+            </a:extLst>
+          </p:cNvPr>
+          <p:cNvPicPr>
+            <a:picLocks noChangeAspect="1"/>
+          </p:cNvPicPr>
+          <p:nvPr/>
+        </p:nvPicPr>
+        <p:blipFill>
+          <a:blip r:embed="rId3"/>
+          <a:stretch>
+            <a:fillRect/>
+          </a:stretch>
+        </p:blipFill>
+        <p:spPr>
+          <a:xfrm>
+            <a:off x="137775" y="1165268"/>
+            <a:ext cx="4163006" cy="1238423"/>
+          </a:xfrm>
+          <a:prstGeom prst="rect">
+            <a:avLst/>
+          </a:prstGeom>
+        </p:spPr>
+      </p:pic>
+      <p:pic>
+        <p:nvPicPr>
+          <p:cNvPr id="5" name="Picture 4">
+            <a:extLst>
+              <a:ext uri="{FF2B5EF4-FFF2-40B4-BE49-F238E27FC236}">
+                <a16:creationId xmlns:a16="http://schemas.microsoft.com/office/drawing/2014/main" id="{78CA568B-CA95-4746-BA40-F314249B0E1A}"/>
+              </a:ext>
+            </a:extLst>
+          </p:cNvPr>
+          <p:cNvPicPr>
+            <a:picLocks noChangeAspect="1"/>
+          </p:cNvPicPr>
+          <p:nvPr/>
+        </p:nvPicPr>
+        <p:blipFill>
+          <a:blip r:embed="rId4"/>
+          <a:stretch>
+            <a:fillRect/>
+          </a:stretch>
+        </p:blipFill>
+        <p:spPr>
+          <a:xfrm>
+            <a:off x="4409268" y="1422478"/>
+            <a:ext cx="4667901" cy="724001"/>
+          </a:xfrm>
+          <a:prstGeom prst="rect">
+            <a:avLst/>
+          </a:prstGeom>
+        </p:spPr>
+      </p:pic>
+    </p:spTree>
+  </p:cSld>
+  <p:clrMapOvr>
+    <a:masterClrMapping/>
+  </p:clrMapOvr>
+</p:sld>
+</file>
+
+<file path=ppt/slides/slide6.xml><?xml version="1.0" encoding="utf-8"?>
+<p:sld xmlns:a="http://schemas.openxmlformats.org/drawingml/2006/main" xmlns:r="http://schemas.openxmlformats.org/officeDocument/2006/relationships" xmlns:p="http://schemas.openxmlformats.org/presentationml/2006/main">
+  <p:cSld>
+    <p:bg>
+      <p:bgPr>
+        <a:solidFill>
+          <a:srgbClr val="D9EAD3"/>
+        </a:solidFill>
+        <a:effectLst/>
+      </p:bgPr>
+    </p:bg>
+    <p:spTree>
+      <p:nvGrpSpPr>
+        <p:cNvPr id="1" name="Shape 72"/>
+        <p:cNvGrpSpPr/>
+        <p:nvPr/>
+      </p:nvGrpSpPr>
+      <p:grpSpPr>
+        <a:xfrm>
+          <a:off x="0" y="0"/>
+          <a:ext cx="0" cy="0"/>
+          <a:chOff x="0" y="0"/>
+          <a:chExt cx="0" cy="0"/>
+        </a:xfrm>
+      </p:grpSpPr>
+      <p:sp>
+        <p:nvSpPr>
+          <p:cNvPr id="73" name="Google Shape;73;p16"/>
+          <p:cNvSpPr txBox="1">
+            <a:spLocks noGrp="1"/>
+          </p:cNvSpPr>
+          <p:nvPr>
+            <p:ph type="title"/>
+          </p:nvPr>
+        </p:nvSpPr>
+        <p:spPr>
+          <a:xfrm>
+            <a:off x="311700" y="445025"/>
+            <a:ext cx="8520600" cy="572700"/>
+          </a:xfrm>
+          <a:prstGeom prst="rect">
+            <a:avLst/>
+          </a:prstGeom>
+        </p:spPr>
+        <p:txBody>
+          <a:bodyPr spcFirstLastPara="1" wrap="square" lIns="91425" tIns="91425" rIns="91425" bIns="91425" anchor="t" anchorCtr="0">
+            <a:noAutofit/>
+          </a:bodyPr>
+          <a:lstStyle/>
+          <a:p>
+            <a:pPr marL="0" lvl="0" indent="0" algn="l" rtl="0">
+              <a:spcBef>
+                <a:spcPts val="0"/>
+              </a:spcBef>
+              <a:spcAft>
+                <a:spcPts val="0"/>
+              </a:spcAft>
+              <a:buNone/>
+            </a:pPr>
+            <a:r>
+              <a:rPr lang="en" dirty="0"/>
+              <a:t>Component 2 (Trello screenshot)</a:t>
+            </a:r>
+            <a:endParaRPr dirty="0"/>
+          </a:p>
+        </p:txBody>
+      </p:sp>
+    </p:spTree>
+    <p:extLst>
+      <p:ext uri="{BB962C8B-B14F-4D97-AF65-F5344CB8AC3E}">
+        <p14:creationId xmlns:p14="http://schemas.microsoft.com/office/powerpoint/2010/main" val="3776443291"/>
+      </p:ext>
+    </p:extLst>
+  </p:cSld>
+  <p:clrMapOvr>
+    <a:masterClrMapping/>
+  </p:clrMapOvr>
+</p:sld>
+</file>
+
+<file path=ppt/slides/slide7.xml><?xml version="1.0" encoding="utf-8"?>
+<p:sld xmlns:a="http://schemas.openxmlformats.org/drawingml/2006/main" xmlns:r="http://schemas.openxmlformats.org/officeDocument/2006/relationships" xmlns:p="http://schemas.openxmlformats.org/presentationml/2006/main">
+  <p:cSld>
+    <p:spTree>
+      <p:nvGrpSpPr>
+        <p:cNvPr id="1" name="Shape 77"/>
+        <p:cNvGrpSpPr/>
+        <p:nvPr/>
+      </p:nvGrpSpPr>
+      <p:grpSpPr>
+        <a:xfrm>
+          <a:off x="0" y="0"/>
+          <a:ext cx="0" cy="0"/>
+          <a:chOff x="0" y="0"/>
+          <a:chExt cx="0" cy="0"/>
+        </a:xfrm>
+      </p:grpSpPr>
+      <p:sp>
+        <p:nvSpPr>
+          <p:cNvPr id="78" name="Google Shape;78;p17"/>
+          <p:cNvSpPr txBox="1">
+            <a:spLocks noGrp="1"/>
+          </p:cNvSpPr>
+          <p:nvPr>
+            <p:ph type="title"/>
+          </p:nvPr>
+        </p:nvSpPr>
+        <p:spPr>
+          <a:xfrm>
+            <a:off x="311700" y="445025"/>
+            <a:ext cx="8520600" cy="572700"/>
+          </a:xfrm>
+          <a:prstGeom prst="rect">
+            <a:avLst/>
+          </a:prstGeom>
+        </p:spPr>
+        <p:txBody>
+          <a:bodyPr spcFirstLastPara="1" wrap="square" lIns="91425" tIns="91425" rIns="91425" bIns="91425" anchor="t" anchorCtr="0">
+            <a:noAutofit/>
+          </a:bodyPr>
+          <a:lstStyle/>
+          <a:p>
+            <a:pPr marL="0" lvl="0" indent="0" algn="l" rtl="0">
+              <a:spcBef>
+                <a:spcPts val="0"/>
+              </a:spcBef>
+              <a:spcAft>
+                <a:spcPts val="0"/>
+              </a:spcAft>
+              <a:buNone/>
+            </a:pPr>
+            <a:r>
+              <a:rPr lang="en" dirty="0"/>
+              <a:t>Component 2 - Test Plan (?and screenshot)</a:t>
+            </a:r>
+            <a:endParaRPr dirty="0"/>
           </a:p>
         </p:txBody>
       </p:sp>
@@ -7139,6 +7924,11 @@
         </a:graphic>
       </p:graphicFrame>
     </p:spTree>
+    <p:extLst>
+      <p:ext uri="{BB962C8B-B14F-4D97-AF65-F5344CB8AC3E}">
+        <p14:creationId xmlns:p14="http://schemas.microsoft.com/office/powerpoint/2010/main" val="893616874"/>
+      </p:ext>
+    </p:extLst>
   </p:cSld>
   <p:clrMapOvr>
     <a:masterClrMapping/>
@@ -7146,7 +7936,7 @@
 </p:sld>
 </file>
 
-<file path=ppt/slides/slide6.xml><?xml version="1.0" encoding="utf-8"?>
+<file path=ppt/slides/slide8.xml><?xml version="1.0" encoding="utf-8"?>
 <p:sld xmlns:a="http://schemas.openxmlformats.org/drawingml/2006/main" xmlns:r="http://schemas.openxmlformats.org/officeDocument/2006/relationships" xmlns:p="http://schemas.openxmlformats.org/presentationml/2006/main">
   <p:cSld>
     <p:bg>
@@ -7263,7 +8053,7 @@
 </p:sld>
 </file>
 
-<file path=ppt/slides/slide7.xml><?xml version="1.0" encoding="utf-8"?>
+<file path=ppt/slides/slide9.xml><?xml version="1.0" encoding="utf-8"?>
 <p:sld xmlns:a="http://schemas.openxmlformats.org/drawingml/2006/main" xmlns:r="http://schemas.openxmlformats.org/officeDocument/2006/relationships" xmlns:p="http://schemas.openxmlformats.org/presentationml/2006/main">
   <p:cSld>
     <p:bg>

--- a/022_91893+_+91897+Documentation.pptx
+++ b/022_91893+_+91897+Documentation.pptx
@@ -5,7 +5,7 @@
     <p:sldMasterId id="2147483659" r:id="rId1"/>
   </p:sldMasterIdLst>
   <p:notesMasterIdLst>
-    <p:notesMasterId r:id="rId11"/>
+    <p:notesMasterId r:id="rId12"/>
   </p:notesMasterIdLst>
   <p:sldIdLst>
     <p:sldId id="256" r:id="rId2"/>
@@ -13,10 +13,11 @@
     <p:sldId id="258" r:id="rId4"/>
     <p:sldId id="259" r:id="rId5"/>
     <p:sldId id="260" r:id="rId6"/>
-    <p:sldId id="263" r:id="rId7"/>
-    <p:sldId id="264" r:id="rId8"/>
-    <p:sldId id="261" r:id="rId9"/>
-    <p:sldId id="262" r:id="rId10"/>
+    <p:sldId id="265" r:id="rId7"/>
+    <p:sldId id="263" r:id="rId8"/>
+    <p:sldId id="266" r:id="rId9"/>
+    <p:sldId id="261" r:id="rId10"/>
+    <p:sldId id="262" r:id="rId11"/>
   </p:sldIdLst>
   <p:sldSz cx="9144000" cy="5143500" type="screen16x9"/>
   <p:notesSz cx="6858000" cy="9144000"/>
@@ -280,8 +281,8 @@
 <pc:chgInfo xmlns:a="http://schemas.openxmlformats.org/drawingml/2006/main" xmlns:r="http://schemas.openxmlformats.org/officeDocument/2006/relationships" xmlns:ac="http://schemas.microsoft.com/office/drawing/2013/main/command" xmlns:pc="http://schemas.microsoft.com/office/powerpoint/2013/main/command">
   <pc:docChgLst>
     <pc:chgData name="Danett Pepito" userId="ddef1e2176689e9a" providerId="LiveId" clId="{53BB49C2-00DF-4AB6-9D9D-351DBF063D16}"/>
-    <pc:docChg chg="custSel addSld modSld sldOrd">
-      <pc:chgData name="Danett Pepito" userId="ddef1e2176689e9a" providerId="LiveId" clId="{53BB49C2-00DF-4AB6-9D9D-351DBF063D16}" dt="2022-02-09T23:13:13.287" v="160" actId="20577"/>
+    <pc:docChg chg="custSel addSld delSld modSld sldOrd">
+      <pc:chgData name="Danett Pepito" userId="ddef1e2176689e9a" providerId="LiveId" clId="{53BB49C2-00DF-4AB6-9D9D-351DBF063D16}" dt="2022-02-14T00:02:06.259" v="331" actId="20577"/>
       <pc:docMkLst>
         <pc:docMk/>
       </pc:docMkLst>
@@ -356,18 +357,34 @@
           </ac:picMkLst>
         </pc:picChg>
       </pc:sldChg>
-      <pc:sldChg chg="addSp mod">
-        <pc:chgData name="Danett Pepito" userId="ddef1e2176689e9a" providerId="LiveId" clId="{53BB49C2-00DF-4AB6-9D9D-351DBF063D16}" dt="2022-02-09T22:43:03.109" v="35" actId="22"/>
+      <pc:sldChg chg="addSp modSp mod">
+        <pc:chgData name="Danett Pepito" userId="ddef1e2176689e9a" providerId="LiveId" clId="{53BB49C2-00DF-4AB6-9D9D-351DBF063D16}" dt="2022-02-14T00:02:06.259" v="331" actId="20577"/>
         <pc:sldMkLst>
           <pc:docMk/>
           <pc:sldMk cId="0" sldId="259"/>
         </pc:sldMkLst>
-        <pc:picChg chg="add">
-          <ac:chgData name="Danett Pepito" userId="ddef1e2176689e9a" providerId="LiveId" clId="{53BB49C2-00DF-4AB6-9D9D-351DBF063D16}" dt="2022-02-09T22:43:03.109" v="35" actId="22"/>
+        <pc:spChg chg="mod">
+          <ac:chgData name="Danett Pepito" userId="ddef1e2176689e9a" providerId="LiveId" clId="{53BB49C2-00DF-4AB6-9D9D-351DBF063D16}" dt="2022-02-14T00:02:06.259" v="331" actId="20577"/>
+          <ac:spMkLst>
+            <pc:docMk/>
+            <pc:sldMk cId="0" sldId="259"/>
+            <ac:spMk id="73" creationId="{00000000-0000-0000-0000-000000000000}"/>
+          </ac:spMkLst>
+        </pc:spChg>
+        <pc:picChg chg="add mod">
+          <ac:chgData name="Danett Pepito" userId="ddef1e2176689e9a" providerId="LiveId" clId="{53BB49C2-00DF-4AB6-9D9D-351DBF063D16}" dt="2022-02-14T00:01:54.776" v="280" actId="1076"/>
           <ac:picMkLst>
             <pc:docMk/>
             <pc:sldMk cId="0" sldId="259"/>
             <ac:picMk id="3" creationId="{9E5C3E6E-F7C5-4E80-93AA-4061F6AE4392}"/>
+          </ac:picMkLst>
+        </pc:picChg>
+        <pc:picChg chg="add mod">
+          <ac:chgData name="Danett Pepito" userId="ddef1e2176689e9a" providerId="LiveId" clId="{53BB49C2-00DF-4AB6-9D9D-351DBF063D16}" dt="2022-02-14T00:01:56.346" v="281" actId="1076"/>
+          <ac:picMkLst>
+            <pc:docMk/>
+            <pc:sldMk cId="0" sldId="259"/>
+            <ac:picMk id="4" creationId="{C75AF3EC-C0A4-4A39-8F8C-214CD8963C5B}"/>
           </ac:picMkLst>
         </pc:picChg>
       </pc:sldChg>
@@ -425,8 +442,8 @@
           </ac:spMkLst>
         </pc:spChg>
       </pc:sldChg>
-      <pc:sldChg chg="modSp add mod ord">
-        <pc:chgData name="Danett Pepito" userId="ddef1e2176689e9a" providerId="LiveId" clId="{53BB49C2-00DF-4AB6-9D9D-351DBF063D16}" dt="2022-02-09T22:42:57.866" v="32" actId="20577"/>
+      <pc:sldChg chg="modSp add del mod ord">
+        <pc:chgData name="Danett Pepito" userId="ddef1e2176689e9a" providerId="LiveId" clId="{53BB49C2-00DF-4AB6-9D9D-351DBF063D16}" dt="2022-02-13T23:59:39.370" v="266" actId="2696"/>
         <pc:sldMkLst>
           <pc:docMk/>
           <pc:sldMk cId="893616874" sldId="264"/>
@@ -436,6 +453,76 @@
           <ac:spMkLst>
             <pc:docMk/>
             <pc:sldMk cId="893616874" sldId="264"/>
+            <ac:spMk id="78" creationId="{00000000-0000-0000-0000-000000000000}"/>
+          </ac:spMkLst>
+        </pc:spChg>
+      </pc:sldChg>
+      <pc:sldChg chg="addSp delSp modSp add mod">
+        <pc:chgData name="Danett Pepito" userId="ddef1e2176689e9a" providerId="LiveId" clId="{53BB49C2-00DF-4AB6-9D9D-351DBF063D16}" dt="2022-02-13T23:59:42.392" v="268" actId="478"/>
+        <pc:sldMkLst>
+          <pc:docMk/>
+          <pc:sldMk cId="3502294391" sldId="265"/>
+        </pc:sldMkLst>
+        <pc:spChg chg="mod">
+          <ac:chgData name="Danett Pepito" userId="ddef1e2176689e9a" providerId="LiveId" clId="{53BB49C2-00DF-4AB6-9D9D-351DBF063D16}" dt="2022-02-13T23:55:40.270" v="173" actId="20577"/>
+          <ac:spMkLst>
+            <pc:docMk/>
+            <pc:sldMk cId="3502294391" sldId="265"/>
+            <ac:spMk id="78" creationId="{00000000-0000-0000-0000-000000000000}"/>
+          </ac:spMkLst>
+        </pc:spChg>
+        <pc:graphicFrameChg chg="mod modGraphic">
+          <ac:chgData name="Danett Pepito" userId="ddef1e2176689e9a" providerId="LiveId" clId="{53BB49C2-00DF-4AB6-9D9D-351DBF063D16}" dt="2022-02-13T23:58:27.977" v="259" actId="1076"/>
+          <ac:graphicFrameMkLst>
+            <pc:docMk/>
+            <pc:sldMk cId="3502294391" sldId="265"/>
+            <ac:graphicFrameMk id="79" creationId="{00000000-0000-0000-0000-000000000000}"/>
+          </ac:graphicFrameMkLst>
+        </pc:graphicFrameChg>
+        <pc:picChg chg="del">
+          <ac:chgData name="Danett Pepito" userId="ddef1e2176689e9a" providerId="LiveId" clId="{53BB49C2-00DF-4AB6-9D9D-351DBF063D16}" dt="2022-02-13T23:35:46.727" v="162" actId="478"/>
+          <ac:picMkLst>
+            <pc:docMk/>
+            <pc:sldMk cId="3502294391" sldId="265"/>
+            <ac:picMk id="3" creationId="{AD42DFDF-2603-4794-AA53-2C2C97B49469}"/>
+          </ac:picMkLst>
+        </pc:picChg>
+        <pc:picChg chg="add del mod">
+          <ac:chgData name="Danett Pepito" userId="ddef1e2176689e9a" providerId="LiveId" clId="{53BB49C2-00DF-4AB6-9D9D-351DBF063D16}" dt="2022-02-13T23:59:41.350" v="267" actId="478"/>
+          <ac:picMkLst>
+            <pc:docMk/>
+            <pc:sldMk cId="3502294391" sldId="265"/>
+            <ac:picMk id="4" creationId="{20B7E5E2-D228-402B-BC82-DCCA1B087E56}"/>
+          </ac:picMkLst>
+        </pc:picChg>
+        <pc:picChg chg="del">
+          <ac:chgData name="Danett Pepito" userId="ddef1e2176689e9a" providerId="LiveId" clId="{53BB49C2-00DF-4AB6-9D9D-351DBF063D16}" dt="2022-02-13T23:35:47.768" v="163" actId="478"/>
+          <ac:picMkLst>
+            <pc:docMk/>
+            <pc:sldMk cId="3502294391" sldId="265"/>
+            <ac:picMk id="5" creationId="{78CA568B-CA95-4746-BA40-F314249B0E1A}"/>
+          </ac:picMkLst>
+        </pc:picChg>
+        <pc:picChg chg="add del mod">
+          <ac:chgData name="Danett Pepito" userId="ddef1e2176689e9a" providerId="LiveId" clId="{53BB49C2-00DF-4AB6-9D9D-351DBF063D16}" dt="2022-02-13T23:59:42.392" v="268" actId="478"/>
+          <ac:picMkLst>
+            <pc:docMk/>
+            <pc:sldMk cId="3502294391" sldId="265"/>
+            <ac:picMk id="7" creationId="{2A910E99-4A47-45CC-95F0-DD4A6DBDA811}"/>
+          </ac:picMkLst>
+        </pc:picChg>
+      </pc:sldChg>
+      <pc:sldChg chg="modSp add mod ord">
+        <pc:chgData name="Danett Pepito" userId="ddef1e2176689e9a" providerId="LiveId" clId="{53BB49C2-00DF-4AB6-9D9D-351DBF063D16}" dt="2022-02-13T23:59:32.793" v="265" actId="20577"/>
+        <pc:sldMkLst>
+          <pc:docMk/>
+          <pc:sldMk cId="303811128" sldId="266"/>
+        </pc:sldMkLst>
+        <pc:spChg chg="mod">
+          <ac:chgData name="Danett Pepito" userId="ddef1e2176689e9a" providerId="LiveId" clId="{53BB49C2-00DF-4AB6-9D9D-351DBF063D16}" dt="2022-02-13T23:59:32.793" v="265" actId="20577"/>
+          <ac:spMkLst>
+            <pc:docMk/>
+            <pc:sldMk cId="303811128" sldId="266"/>
             <ac:spMk id="78" creationId="{00000000-0000-0000-0000-000000000000}"/>
           </ac:spMkLst>
         </pc:spChg>
@@ -1029,6 +1116,114 @@
 </p:notes>
 </file>
 
+<file path=ppt/notesSlides/notesSlide10.xml><?xml version="1.0" encoding="utf-8"?>
+<p:notes xmlns:a="http://schemas.openxmlformats.org/drawingml/2006/main" xmlns:r="http://schemas.openxmlformats.org/officeDocument/2006/relationships" xmlns:p="http://schemas.openxmlformats.org/presentationml/2006/main" showMasterSp="0" showMasterPhAnim="0">
+  <p:cSld>
+    <p:spTree>
+      <p:nvGrpSpPr>
+        <p:cNvPr id="1" name="Shape 86"/>
+        <p:cNvGrpSpPr/>
+        <p:nvPr/>
+      </p:nvGrpSpPr>
+      <p:grpSpPr>
+        <a:xfrm>
+          <a:off x="0" y="0"/>
+          <a:ext cx="0" cy="0"/>
+          <a:chOff x="0" y="0"/>
+          <a:chExt cx="0" cy="0"/>
+        </a:xfrm>
+      </p:grpSpPr>
+      <p:sp>
+        <p:nvSpPr>
+          <p:cNvPr id="87" name="Google Shape;87;gac10fef634_0_30:notes"/>
+          <p:cNvSpPr>
+            <a:spLocks noGrp="1" noRot="1" noChangeAspect="1"/>
+          </p:cNvSpPr>
+          <p:nvPr>
+            <p:ph type="sldImg" idx="2"/>
+          </p:nvPr>
+        </p:nvSpPr>
+        <p:spPr>
+          <a:xfrm>
+            <a:off x="381000" y="685800"/>
+            <a:ext cx="6096000" cy="3429000"/>
+          </a:xfrm>
+          <a:custGeom>
+            <a:avLst/>
+            <a:gdLst/>
+            <a:ahLst/>
+            <a:cxnLst/>
+            <a:rect l="l" t="t" r="r" b="b"/>
+            <a:pathLst>
+              <a:path w="120000" h="120000" extrusionOk="0">
+                <a:moveTo>
+                  <a:pt x="0" y="0"/>
+                </a:moveTo>
+                <a:lnTo>
+                  <a:pt x="120000" y="0"/>
+                </a:lnTo>
+                <a:lnTo>
+                  <a:pt x="120000" y="120000"/>
+                </a:lnTo>
+                <a:lnTo>
+                  <a:pt x="0" y="120000"/>
+                </a:lnTo>
+                <a:close/>
+              </a:path>
+            </a:pathLst>
+          </a:custGeom>
+        </p:spPr>
+      </p:sp>
+      <p:sp>
+        <p:nvSpPr>
+          <p:cNvPr id="88" name="Google Shape;88;gac10fef634_0_30:notes"/>
+          <p:cNvSpPr txBox="1">
+            <a:spLocks noGrp="1"/>
+          </p:cNvSpPr>
+          <p:nvPr>
+            <p:ph type="body" idx="1"/>
+          </p:nvPr>
+        </p:nvSpPr>
+        <p:spPr>
+          <a:xfrm>
+            <a:off x="685800" y="4343400"/>
+            <a:ext cx="5486400" cy="4114800"/>
+          </a:xfrm>
+          <a:prstGeom prst="rect">
+            <a:avLst/>
+          </a:prstGeom>
+        </p:spPr>
+        <p:txBody>
+          <a:bodyPr spcFirstLastPara="1" wrap="square" lIns="91425" tIns="91425" rIns="91425" bIns="91425" anchor="t" anchorCtr="0">
+            <a:noAutofit/>
+          </a:bodyPr>
+          <a:lstStyle/>
+          <a:p>
+            <a:pPr marL="0" lvl="0" indent="0" algn="l" rtl="0">
+              <a:spcBef>
+                <a:spcPts val="0"/>
+              </a:spcBef>
+              <a:spcAft>
+                <a:spcPts val="0"/>
+              </a:spcAft>
+              <a:buNone/>
+            </a:pPr>
+            <a:r>
+              <a:rPr lang="en"/>
+              <a:t>Discusses how the information from planning, testing and trialling of components assisted in the development of a high-quality outcome</a:t>
+            </a:r>
+            <a:endParaRPr/>
+          </a:p>
+        </p:txBody>
+      </p:sp>
+    </p:spTree>
+  </p:cSld>
+  <p:clrMapOvr>
+    <a:masterClrMapping/>
+  </p:clrMapOvr>
+</p:notes>
+</file>
+
 <file path=ppt/notesSlides/notesSlide2.xml><?xml version="1.0" encoding="utf-8"?>
 <p:notes xmlns:a="http://schemas.openxmlformats.org/drawingml/2006/main" xmlns:r="http://schemas.openxmlformats.org/officeDocument/2006/relationships" xmlns:p="http://schemas.openxmlformats.org/presentationml/2006/main" showMasterSp="0" showMasterPhAnim="0">
   <p:cSld>
@@ -1475,6 +1670,115 @@
   <p:cSld>
     <p:spTree>
       <p:nvGrpSpPr>
+        <p:cNvPr id="1" name="Shape 74"/>
+        <p:cNvGrpSpPr/>
+        <p:nvPr/>
+      </p:nvGrpSpPr>
+      <p:grpSpPr>
+        <a:xfrm>
+          <a:off x="0" y="0"/>
+          <a:ext cx="0" cy="0"/>
+          <a:chOff x="0" y="0"/>
+          <a:chExt cx="0" cy="0"/>
+        </a:xfrm>
+      </p:grpSpPr>
+      <p:sp>
+        <p:nvSpPr>
+          <p:cNvPr id="75" name="Google Shape;75;gac10fef634_0_20:notes"/>
+          <p:cNvSpPr>
+            <a:spLocks noGrp="1" noRot="1" noChangeAspect="1"/>
+          </p:cNvSpPr>
+          <p:nvPr>
+            <p:ph type="sldImg" idx="2"/>
+          </p:nvPr>
+        </p:nvSpPr>
+        <p:spPr>
+          <a:xfrm>
+            <a:off x="381000" y="685800"/>
+            <a:ext cx="6096000" cy="3429000"/>
+          </a:xfrm>
+          <a:custGeom>
+            <a:avLst/>
+            <a:gdLst/>
+            <a:ahLst/>
+            <a:cxnLst/>
+            <a:rect l="l" t="t" r="r" b="b"/>
+            <a:pathLst>
+              <a:path w="120000" h="120000" extrusionOk="0">
+                <a:moveTo>
+                  <a:pt x="0" y="0"/>
+                </a:moveTo>
+                <a:lnTo>
+                  <a:pt x="120000" y="0"/>
+                </a:lnTo>
+                <a:lnTo>
+                  <a:pt x="120000" y="120000"/>
+                </a:lnTo>
+                <a:lnTo>
+                  <a:pt x="0" y="120000"/>
+                </a:lnTo>
+                <a:close/>
+              </a:path>
+            </a:pathLst>
+          </a:custGeom>
+        </p:spPr>
+      </p:sp>
+      <p:sp>
+        <p:nvSpPr>
+          <p:cNvPr id="76" name="Google Shape;76;gac10fef634_0_20:notes"/>
+          <p:cNvSpPr txBox="1">
+            <a:spLocks noGrp="1"/>
+          </p:cNvSpPr>
+          <p:nvPr>
+            <p:ph type="body" idx="1"/>
+          </p:nvPr>
+        </p:nvSpPr>
+        <p:spPr>
+          <a:xfrm>
+            <a:off x="685800" y="4343400"/>
+            <a:ext cx="5486400" cy="4114800"/>
+          </a:xfrm>
+          <a:prstGeom prst="rect">
+            <a:avLst/>
+          </a:prstGeom>
+        </p:spPr>
+        <p:txBody>
+          <a:bodyPr spcFirstLastPara="1" wrap="square" lIns="91425" tIns="91425" rIns="91425" bIns="91425" anchor="t" anchorCtr="0">
+            <a:noAutofit/>
+          </a:bodyPr>
+          <a:lstStyle/>
+          <a:p>
+            <a:pPr marL="0" lvl="0" indent="0" algn="l" rtl="0">
+              <a:spcBef>
+                <a:spcPts val="0"/>
+              </a:spcBef>
+              <a:spcAft>
+                <a:spcPts val="0"/>
+              </a:spcAft>
+              <a:buNone/>
+            </a:pPr>
+            <a:endParaRPr/>
+          </a:p>
+        </p:txBody>
+      </p:sp>
+    </p:spTree>
+    <p:extLst>
+      <p:ext uri="{BB962C8B-B14F-4D97-AF65-F5344CB8AC3E}">
+        <p14:creationId xmlns:p14="http://schemas.microsoft.com/office/powerpoint/2010/main" val="897383955"/>
+      </p:ext>
+    </p:extLst>
+  </p:cSld>
+  <p:clrMapOvr>
+    <a:masterClrMapping/>
+  </p:clrMapOvr>
+</p:notes>
+</file>
+
+<file path=ppt/notesSlides/notesSlide7.xml><?xml version="1.0" encoding="utf-8"?>
+<p:notes xmlns:a="http://schemas.openxmlformats.org/drawingml/2006/main" xmlns:r="http://schemas.openxmlformats.org/officeDocument/2006/relationships" xmlns:p="http://schemas.openxmlformats.org/presentationml/2006/main" showMasterSp="0" showMasterPhAnim="0">
+  <p:cSld>
+    <p:spTree>
+      <p:nvGrpSpPr>
         <p:cNvPr id="1" name="Shape 69"/>
         <p:cNvGrpSpPr/>
         <p:nvPr/>
@@ -1579,7 +1883,7 @@
 </p:notes>
 </file>
 
-<file path=ppt/notesSlides/notesSlide7.xml><?xml version="1.0" encoding="utf-8"?>
+<file path=ppt/notesSlides/notesSlide8.xml><?xml version="1.0" encoding="utf-8"?>
 <p:notes xmlns:a="http://schemas.openxmlformats.org/drawingml/2006/main" xmlns:r="http://schemas.openxmlformats.org/officeDocument/2006/relationships" xmlns:p="http://schemas.openxmlformats.org/presentationml/2006/main" showMasterSp="0" showMasterPhAnim="0">
   <p:cSld>
     <p:spTree>
@@ -1678,7 +1982,7 @@
     </p:spTree>
     <p:extLst>
       <p:ext uri="{BB962C8B-B14F-4D97-AF65-F5344CB8AC3E}">
-        <p14:creationId xmlns:p14="http://schemas.microsoft.com/office/powerpoint/2010/main" val="2533359748"/>
+        <p14:creationId xmlns:p14="http://schemas.microsoft.com/office/powerpoint/2010/main" val="2204060233"/>
       </p:ext>
     </p:extLst>
   </p:cSld>
@@ -1688,7 +1992,7 @@
 </p:notes>
 </file>
 
-<file path=ppt/notesSlides/notesSlide8.xml><?xml version="1.0" encoding="utf-8"?>
+<file path=ppt/notesSlides/notesSlide9.xml><?xml version="1.0" encoding="utf-8"?>
 <p:notes xmlns:a="http://schemas.openxmlformats.org/drawingml/2006/main" xmlns:r="http://schemas.openxmlformats.org/officeDocument/2006/relationships" xmlns:p="http://schemas.openxmlformats.org/presentationml/2006/main" showMasterSp="0" showMasterPhAnim="0">
   <p:cSld>
     <p:spTree>
@@ -1801,114 +2105,6 @@
               </a:spcAft>
               <a:buNone/>
             </a:pPr>
-            <a:endParaRPr/>
-          </a:p>
-        </p:txBody>
-      </p:sp>
-    </p:spTree>
-  </p:cSld>
-  <p:clrMapOvr>
-    <a:masterClrMapping/>
-  </p:clrMapOvr>
-</p:notes>
-</file>
-
-<file path=ppt/notesSlides/notesSlide9.xml><?xml version="1.0" encoding="utf-8"?>
-<p:notes xmlns:a="http://schemas.openxmlformats.org/drawingml/2006/main" xmlns:r="http://schemas.openxmlformats.org/officeDocument/2006/relationships" xmlns:p="http://schemas.openxmlformats.org/presentationml/2006/main" showMasterSp="0" showMasterPhAnim="0">
-  <p:cSld>
-    <p:spTree>
-      <p:nvGrpSpPr>
-        <p:cNvPr id="1" name="Shape 86"/>
-        <p:cNvGrpSpPr/>
-        <p:nvPr/>
-      </p:nvGrpSpPr>
-      <p:grpSpPr>
-        <a:xfrm>
-          <a:off x="0" y="0"/>
-          <a:ext cx="0" cy="0"/>
-          <a:chOff x="0" y="0"/>
-          <a:chExt cx="0" cy="0"/>
-        </a:xfrm>
-      </p:grpSpPr>
-      <p:sp>
-        <p:nvSpPr>
-          <p:cNvPr id="87" name="Google Shape;87;gac10fef634_0_30:notes"/>
-          <p:cNvSpPr>
-            <a:spLocks noGrp="1" noRot="1" noChangeAspect="1"/>
-          </p:cNvSpPr>
-          <p:nvPr>
-            <p:ph type="sldImg" idx="2"/>
-          </p:nvPr>
-        </p:nvSpPr>
-        <p:spPr>
-          <a:xfrm>
-            <a:off x="381000" y="685800"/>
-            <a:ext cx="6096000" cy="3429000"/>
-          </a:xfrm>
-          <a:custGeom>
-            <a:avLst/>
-            <a:gdLst/>
-            <a:ahLst/>
-            <a:cxnLst/>
-            <a:rect l="l" t="t" r="r" b="b"/>
-            <a:pathLst>
-              <a:path w="120000" h="120000" extrusionOk="0">
-                <a:moveTo>
-                  <a:pt x="0" y="0"/>
-                </a:moveTo>
-                <a:lnTo>
-                  <a:pt x="120000" y="0"/>
-                </a:lnTo>
-                <a:lnTo>
-                  <a:pt x="120000" y="120000"/>
-                </a:lnTo>
-                <a:lnTo>
-                  <a:pt x="0" y="120000"/>
-                </a:lnTo>
-                <a:close/>
-              </a:path>
-            </a:pathLst>
-          </a:custGeom>
-        </p:spPr>
-      </p:sp>
-      <p:sp>
-        <p:nvSpPr>
-          <p:cNvPr id="88" name="Google Shape;88;gac10fef634_0_30:notes"/>
-          <p:cNvSpPr txBox="1">
-            <a:spLocks noGrp="1"/>
-          </p:cNvSpPr>
-          <p:nvPr>
-            <p:ph type="body" idx="1"/>
-          </p:nvPr>
-        </p:nvSpPr>
-        <p:spPr>
-          <a:xfrm>
-            <a:off x="685800" y="4343400"/>
-            <a:ext cx="5486400" cy="4114800"/>
-          </a:xfrm>
-          <a:prstGeom prst="rect">
-            <a:avLst/>
-          </a:prstGeom>
-        </p:spPr>
-        <p:txBody>
-          <a:bodyPr spcFirstLastPara="1" wrap="square" lIns="91425" tIns="91425" rIns="91425" bIns="91425" anchor="t" anchorCtr="0">
-            <a:noAutofit/>
-          </a:bodyPr>
-          <a:lstStyle/>
-          <a:p>
-            <a:pPr marL="0" lvl="0" indent="0" algn="l" rtl="0">
-              <a:spcBef>
-                <a:spcPts val="0"/>
-              </a:spcBef>
-              <a:spcAft>
-                <a:spcPts val="0"/>
-              </a:spcAft>
-              <a:buNone/>
-            </a:pPr>
-            <a:r>
-              <a:rPr lang="en"/>
-              <a:t>Discusses how the information from planning, testing and trialling of components assisted in the development of a high-quality outcome</a:t>
-            </a:r>
             <a:endParaRPr/>
           </a:p>
         </p:txBody>
@@ -6952,6 +7148,85 @@
 </p:sld>
 </file>
 
+<file path=ppt/slides/slide10.xml><?xml version="1.0" encoding="utf-8"?>
+<p:sld xmlns:a="http://schemas.openxmlformats.org/drawingml/2006/main" xmlns:r="http://schemas.openxmlformats.org/officeDocument/2006/relationships" xmlns:p="http://schemas.openxmlformats.org/presentationml/2006/main">
+  <p:cSld>
+    <p:bg>
+      <p:bgPr>
+        <a:solidFill>
+          <a:srgbClr val="FFE599"/>
+        </a:solidFill>
+        <a:effectLst/>
+      </p:bgPr>
+    </p:bg>
+    <p:spTree>
+      <p:nvGrpSpPr>
+        <p:cNvPr id="1" name="Shape 89"/>
+        <p:cNvGrpSpPr/>
+        <p:nvPr/>
+      </p:nvGrpSpPr>
+      <p:grpSpPr>
+        <a:xfrm>
+          <a:off x="0" y="0"/>
+          <a:ext cx="0" cy="0"/>
+          <a:chOff x="0" y="0"/>
+          <a:chExt cx="0" cy="0"/>
+        </a:xfrm>
+      </p:grpSpPr>
+      <p:sp>
+        <p:nvSpPr>
+          <p:cNvPr id="90" name="Google Shape;90;p19"/>
+          <p:cNvSpPr txBox="1">
+            <a:spLocks noGrp="1"/>
+          </p:cNvSpPr>
+          <p:nvPr>
+            <p:ph type="body" idx="1"/>
+          </p:nvPr>
+        </p:nvSpPr>
+        <p:spPr>
+          <a:xfrm>
+            <a:off x="311700" y="397700"/>
+            <a:ext cx="8520600" cy="4171200"/>
+          </a:xfrm>
+          <a:prstGeom prst="rect">
+            <a:avLst/>
+          </a:prstGeom>
+        </p:spPr>
+        <p:txBody>
+          <a:bodyPr spcFirstLastPara="1" wrap="square" lIns="91425" tIns="91425" rIns="91425" bIns="91425" anchor="t" anchorCtr="0">
+            <a:noAutofit/>
+          </a:bodyPr>
+          <a:lstStyle/>
+          <a:p>
+            <a:pPr marL="0" lvl="0" indent="0" algn="l" rtl="0">
+              <a:spcBef>
+                <a:spcPts val="0"/>
+              </a:spcBef>
+              <a:spcAft>
+                <a:spcPts val="1600"/>
+              </a:spcAft>
+              <a:buNone/>
+            </a:pPr>
+            <a:r>
+              <a:rPr lang="en" b="1" i="1">
+                <a:solidFill>
+                  <a:srgbClr val="595959"/>
+                </a:solidFill>
+              </a:rPr>
+              <a:t>Discusses how the information from planning, testing and trialling of components assisted in the development of a high-quality outcome</a:t>
+            </a:r>
+            <a:endParaRPr/>
+          </a:p>
+        </p:txBody>
+      </p:sp>
+    </p:spTree>
+  </p:cSld>
+  <p:clrMapOvr>
+    <a:masterClrMapping/>
+  </p:clrMapOvr>
+</p:sld>
+</file>
+
 <file path=ppt/slides/slide2.xml><?xml version="1.0" encoding="utf-8"?>
 <p:sld xmlns:a="http://schemas.openxmlformats.org/drawingml/2006/main" xmlns:r="http://schemas.openxmlformats.org/officeDocument/2006/relationships" xmlns:p="http://schemas.openxmlformats.org/presentationml/2006/main">
   <p:cSld>
@@ -7311,7 +7586,17 @@
               <a:rPr lang="en"/>
               <a:t>Component 1 (Trello screenshot)</a:t>
             </a:r>
-            <a:endParaRPr/>
+            <a:br>
+              <a:rPr lang="en"/>
+            </a:br>
+            <a:br>
+              <a:rPr lang="en"/>
+            </a:br>
+            <a:r>
+              <a:rPr lang="en"/>
+              <a:t>version 1                              version 2</a:t>
+            </a:r>
+            <a:endParaRPr dirty="0"/>
           </a:p>
         </p:txBody>
       </p:sp>
@@ -7337,8 +7622,38 @@
         </p:blipFill>
         <p:spPr>
           <a:xfrm>
-            <a:off x="0" y="1208942"/>
-            <a:ext cx="9144000" cy="2725615"/>
+            <a:off x="167825" y="2696780"/>
+            <a:ext cx="4404175" cy="1851973"/>
+          </a:xfrm>
+          <a:prstGeom prst="rect">
+            <a:avLst/>
+          </a:prstGeom>
+        </p:spPr>
+      </p:pic>
+      <p:pic>
+        <p:nvPicPr>
+          <p:cNvPr id="4" name="Picture 3">
+            <a:extLst>
+              <a:ext uri="{FF2B5EF4-FFF2-40B4-BE49-F238E27FC236}">
+                <a16:creationId xmlns:a16="http://schemas.microsoft.com/office/drawing/2014/main" id="{C75AF3EC-C0A4-4A39-8F8C-214CD8963C5B}"/>
+              </a:ext>
+            </a:extLst>
+          </p:cNvPr>
+          <p:cNvPicPr>
+            <a:picLocks noChangeAspect="1"/>
+          </p:cNvPicPr>
+          <p:nvPr/>
+        </p:nvPicPr>
+        <p:blipFill>
+          <a:blip r:embed="rId4"/>
+          <a:stretch>
+            <a:fillRect/>
+          </a:stretch>
+        </p:blipFill>
+        <p:spPr>
+          <a:xfrm>
+            <a:off x="4779988" y="2696779"/>
+            <a:ext cx="4052312" cy="1851973"/>
           </a:xfrm>
           <a:prstGeom prst="rect">
             <a:avLst/>
@@ -7644,86 +7959,6 @@
 <file path=ppt/slides/slide6.xml><?xml version="1.0" encoding="utf-8"?>
 <p:sld xmlns:a="http://schemas.openxmlformats.org/drawingml/2006/main" xmlns:r="http://schemas.openxmlformats.org/officeDocument/2006/relationships" xmlns:p="http://schemas.openxmlformats.org/presentationml/2006/main">
   <p:cSld>
-    <p:bg>
-      <p:bgPr>
-        <a:solidFill>
-          <a:srgbClr val="D9EAD3"/>
-        </a:solidFill>
-        <a:effectLst/>
-      </p:bgPr>
-    </p:bg>
-    <p:spTree>
-      <p:nvGrpSpPr>
-        <p:cNvPr id="1" name="Shape 72"/>
-        <p:cNvGrpSpPr/>
-        <p:nvPr/>
-      </p:nvGrpSpPr>
-      <p:grpSpPr>
-        <a:xfrm>
-          <a:off x="0" y="0"/>
-          <a:ext cx="0" cy="0"/>
-          <a:chOff x="0" y="0"/>
-          <a:chExt cx="0" cy="0"/>
-        </a:xfrm>
-      </p:grpSpPr>
-      <p:sp>
-        <p:nvSpPr>
-          <p:cNvPr id="73" name="Google Shape;73;p16"/>
-          <p:cNvSpPr txBox="1">
-            <a:spLocks noGrp="1"/>
-          </p:cNvSpPr>
-          <p:nvPr>
-            <p:ph type="title"/>
-          </p:nvPr>
-        </p:nvSpPr>
-        <p:spPr>
-          <a:xfrm>
-            <a:off x="311700" y="445025"/>
-            <a:ext cx="8520600" cy="572700"/>
-          </a:xfrm>
-          <a:prstGeom prst="rect">
-            <a:avLst/>
-          </a:prstGeom>
-        </p:spPr>
-        <p:txBody>
-          <a:bodyPr spcFirstLastPara="1" wrap="square" lIns="91425" tIns="91425" rIns="91425" bIns="91425" anchor="t" anchorCtr="0">
-            <a:noAutofit/>
-          </a:bodyPr>
-          <a:lstStyle/>
-          <a:p>
-            <a:pPr marL="0" lvl="0" indent="0" algn="l" rtl="0">
-              <a:spcBef>
-                <a:spcPts val="0"/>
-              </a:spcBef>
-              <a:spcAft>
-                <a:spcPts val="0"/>
-              </a:spcAft>
-              <a:buNone/>
-            </a:pPr>
-            <a:r>
-              <a:rPr lang="en" dirty="0"/>
-              <a:t>Component 2 (Trello screenshot)</a:t>
-            </a:r>
-            <a:endParaRPr dirty="0"/>
-          </a:p>
-        </p:txBody>
-      </p:sp>
-    </p:spTree>
-    <p:extLst>
-      <p:ext uri="{BB962C8B-B14F-4D97-AF65-F5344CB8AC3E}">
-        <p14:creationId xmlns:p14="http://schemas.microsoft.com/office/powerpoint/2010/main" val="3776443291"/>
-      </p:ext>
-    </p:extLst>
-  </p:cSld>
-  <p:clrMapOvr>
-    <a:masterClrMapping/>
-  </p:clrMapOvr>
-</p:sld>
-</file>
-
-<file path=ppt/slides/slide7.xml><?xml version="1.0" encoding="utf-8"?>
-<p:sld xmlns:a="http://schemas.openxmlformats.org/drawingml/2006/main" xmlns:r="http://schemas.openxmlformats.org/officeDocument/2006/relationships" xmlns:p="http://schemas.openxmlformats.org/presentationml/2006/main">
-  <p:cSld>
     <p:spTree>
       <p:nvGrpSpPr>
         <p:cNvPr id="1" name="Shape 77"/>
@@ -7774,7 +8009,7 @@
             </a:pPr>
             <a:r>
               <a:rPr lang="en" dirty="0"/>
-              <a:t>Component 2 - Test Plan (?and screenshot)</a:t>
+              <a:t>Component 1 version 2 - Test Plan (and screenshot)</a:t>
             </a:r>
             <a:endParaRPr dirty="0"/>
           </a:p>
@@ -7784,11 +8019,17 @@
         <p:nvGraphicFramePr>
           <p:cNvPr id="79" name="Google Shape;79;p17"/>
           <p:cNvGraphicFramePr/>
-          <p:nvPr/>
+          <p:nvPr>
+            <p:extLst>
+              <p:ext uri="{D42A27DB-BD31-4B8C-83A1-F6EECF244321}">
+                <p14:modId xmlns:p14="http://schemas.microsoft.com/office/powerpoint/2010/main" val="909796399"/>
+              </p:ext>
+            </p:extLst>
+          </p:nvPr>
         </p:nvGraphicFramePr>
         <p:xfrm>
-          <a:off x="382475" y="1267725"/>
-          <a:ext cx="8520600" cy="914340"/>
+          <a:off x="334947" y="3583335"/>
+          <a:ext cx="8520600" cy="1462980"/>
         </p:xfrm>
         <a:graphic>
           <a:graphicData uri="http://schemas.openxmlformats.org/drawingml/2006/table">
@@ -7829,10 +8070,10 @@
                         <a:buNone/>
                       </a:pPr>
                       <a:r>
-                        <a:rPr lang="en" sz="1800" b="1"/>
+                        <a:rPr lang="en" sz="1800" b="1" dirty="0"/>
                         <a:t>Test Case</a:t>
                       </a:r>
-                      <a:endParaRPr sz="1800" b="1"/>
+                      <a:endParaRPr sz="1800" b="1" dirty="0"/>
                     </a:p>
                   </a:txBody>
                   <a:tcPr marL="91425" marR="91425" marT="91425" marB="91425">
@@ -7889,7 +8130,11 @@
                         </a:spcAft>
                         <a:buNone/>
                       </a:pPr>
-                      <a:endParaRPr sz="1800"/>
+                      <a:r>
+                        <a:rPr lang="en-NZ" sz="1800" dirty="0"/>
+                        <a:t>Run program</a:t>
+                      </a:r>
+                      <a:endParaRPr sz="1800" dirty="0"/>
                     </a:p>
                   </a:txBody>
                   <a:tcPr marL="91425" marR="91425" marT="91425" marB="91425"/>
@@ -7908,7 +8153,11 @@
                         </a:spcAft>
                         <a:buNone/>
                       </a:pPr>
-                      <a:endParaRPr sz="1800"/>
+                      <a:r>
+                        <a:rPr lang="en-NZ" sz="1800" dirty="0"/>
+                        <a:t>Main and welcome run correctly. Welcome message prints with random name</a:t>
+                      </a:r>
+                      <a:endParaRPr sz="1800" dirty="0"/>
                     </a:p>
                   </a:txBody>
                   <a:tcPr marL="91425" marR="91425" marT="91425" marB="91425"/>
@@ -7926,7 +8175,87 @@
     </p:spTree>
     <p:extLst>
       <p:ext uri="{BB962C8B-B14F-4D97-AF65-F5344CB8AC3E}">
-        <p14:creationId xmlns:p14="http://schemas.microsoft.com/office/powerpoint/2010/main" val="893616874"/>
+        <p14:creationId xmlns:p14="http://schemas.microsoft.com/office/powerpoint/2010/main" val="3502294391"/>
+      </p:ext>
+    </p:extLst>
+  </p:cSld>
+  <p:clrMapOvr>
+    <a:masterClrMapping/>
+  </p:clrMapOvr>
+</p:sld>
+</file>
+
+<file path=ppt/slides/slide7.xml><?xml version="1.0" encoding="utf-8"?>
+<p:sld xmlns:a="http://schemas.openxmlformats.org/drawingml/2006/main" xmlns:r="http://schemas.openxmlformats.org/officeDocument/2006/relationships" xmlns:p="http://schemas.openxmlformats.org/presentationml/2006/main">
+  <p:cSld>
+    <p:bg>
+      <p:bgPr>
+        <a:solidFill>
+          <a:srgbClr val="D9EAD3"/>
+        </a:solidFill>
+        <a:effectLst/>
+      </p:bgPr>
+    </p:bg>
+    <p:spTree>
+      <p:nvGrpSpPr>
+        <p:cNvPr id="1" name="Shape 72"/>
+        <p:cNvGrpSpPr/>
+        <p:nvPr/>
+      </p:nvGrpSpPr>
+      <p:grpSpPr>
+        <a:xfrm>
+          <a:off x="0" y="0"/>
+          <a:ext cx="0" cy="0"/>
+          <a:chOff x="0" y="0"/>
+          <a:chExt cx="0" cy="0"/>
+        </a:xfrm>
+      </p:grpSpPr>
+      <p:sp>
+        <p:nvSpPr>
+          <p:cNvPr id="73" name="Google Shape;73;p16"/>
+          <p:cNvSpPr txBox="1">
+            <a:spLocks noGrp="1"/>
+          </p:cNvSpPr>
+          <p:nvPr>
+            <p:ph type="title"/>
+          </p:nvPr>
+        </p:nvSpPr>
+        <p:spPr>
+          <a:xfrm>
+            <a:off x="311700" y="445025"/>
+            <a:ext cx="8520600" cy="572700"/>
+          </a:xfrm>
+          <a:prstGeom prst="rect">
+            <a:avLst/>
+          </a:prstGeom>
+        </p:spPr>
+        <p:txBody>
+          <a:bodyPr spcFirstLastPara="1" wrap="square" lIns="91425" tIns="91425" rIns="91425" bIns="91425" anchor="t" anchorCtr="0">
+            <a:noAutofit/>
+          </a:bodyPr>
+          <a:lstStyle/>
+          <a:p>
+            <a:pPr marL="0" lvl="0" indent="0" algn="l" rtl="0">
+              <a:spcBef>
+                <a:spcPts val="0"/>
+              </a:spcBef>
+              <a:spcAft>
+                <a:spcPts val="0"/>
+              </a:spcAft>
+              <a:buNone/>
+            </a:pPr>
+            <a:r>
+              <a:rPr lang="en" dirty="0"/>
+              <a:t>Component 2 (Trello screenshot)</a:t>
+            </a:r>
+            <a:endParaRPr dirty="0"/>
+          </a:p>
+        </p:txBody>
+      </p:sp>
+    </p:spTree>
+    <p:extLst>
+      <p:ext uri="{BB962C8B-B14F-4D97-AF65-F5344CB8AC3E}">
+        <p14:creationId xmlns:p14="http://schemas.microsoft.com/office/powerpoint/2010/main" val="3776443291"/>
       </p:ext>
     </p:extLst>
   </p:cSld>
@@ -7937,6 +8266,289 @@
 </file>
 
 <file path=ppt/slides/slide8.xml><?xml version="1.0" encoding="utf-8"?>
+<p:sld xmlns:a="http://schemas.openxmlformats.org/drawingml/2006/main" xmlns:r="http://schemas.openxmlformats.org/officeDocument/2006/relationships" xmlns:p="http://schemas.openxmlformats.org/presentationml/2006/main">
+  <p:cSld>
+    <p:spTree>
+      <p:nvGrpSpPr>
+        <p:cNvPr id="1" name="Shape 77"/>
+        <p:cNvGrpSpPr/>
+        <p:nvPr/>
+      </p:nvGrpSpPr>
+      <p:grpSpPr>
+        <a:xfrm>
+          <a:off x="0" y="0"/>
+          <a:ext cx="0" cy="0"/>
+          <a:chOff x="0" y="0"/>
+          <a:chExt cx="0" cy="0"/>
+        </a:xfrm>
+      </p:grpSpPr>
+      <p:sp>
+        <p:nvSpPr>
+          <p:cNvPr id="78" name="Google Shape;78;p17"/>
+          <p:cNvSpPr txBox="1">
+            <a:spLocks noGrp="1"/>
+          </p:cNvSpPr>
+          <p:nvPr>
+            <p:ph type="title"/>
+          </p:nvPr>
+        </p:nvSpPr>
+        <p:spPr>
+          <a:xfrm>
+            <a:off x="311700" y="445025"/>
+            <a:ext cx="8520600" cy="572700"/>
+          </a:xfrm>
+          <a:prstGeom prst="rect">
+            <a:avLst/>
+          </a:prstGeom>
+        </p:spPr>
+        <p:txBody>
+          <a:bodyPr spcFirstLastPara="1" wrap="square" lIns="91425" tIns="91425" rIns="91425" bIns="91425" anchor="t" anchorCtr="0">
+            <a:noAutofit/>
+          </a:bodyPr>
+          <a:lstStyle/>
+          <a:p>
+            <a:pPr marL="0" lvl="0" indent="0" algn="l" rtl="0">
+              <a:spcBef>
+                <a:spcPts val="0"/>
+              </a:spcBef>
+              <a:spcAft>
+                <a:spcPts val="0"/>
+              </a:spcAft>
+              <a:buNone/>
+            </a:pPr>
+            <a:r>
+              <a:rPr lang="en" dirty="0"/>
+              <a:t>Component 2 - Test Plan (and screenshot)</a:t>
+            </a:r>
+            <a:endParaRPr dirty="0"/>
+          </a:p>
+        </p:txBody>
+      </p:sp>
+      <p:graphicFrame>
+        <p:nvGraphicFramePr>
+          <p:cNvPr id="79" name="Google Shape;79;p17"/>
+          <p:cNvGraphicFramePr/>
+          <p:nvPr/>
+        </p:nvGraphicFramePr>
+        <p:xfrm>
+          <a:off x="334947" y="3583335"/>
+          <a:ext cx="8520600" cy="1462980"/>
+        </p:xfrm>
+        <a:graphic>
+          <a:graphicData uri="http://schemas.openxmlformats.org/drawingml/2006/table">
+            <a:tbl>
+              <a:tblPr>
+                <a:noFill/>
+                <a:tableStyleId>{E1099E06-0E6B-448D-9D27-60429F06E6F4}</a:tableStyleId>
+              </a:tblPr>
+              <a:tblGrid>
+                <a:gridCol w="4260300">
+                  <a:extLst>
+                    <a:ext uri="{9D8B030D-6E8A-4147-A177-3AD203B41FA5}">
+                      <a16:colId xmlns:a16="http://schemas.microsoft.com/office/drawing/2014/main" val="20000"/>
+                    </a:ext>
+                  </a:extLst>
+                </a:gridCol>
+                <a:gridCol w="4260300">
+                  <a:extLst>
+                    <a:ext uri="{9D8B030D-6E8A-4147-A177-3AD203B41FA5}">
+                      <a16:colId xmlns:a16="http://schemas.microsoft.com/office/drawing/2014/main" val="20001"/>
+                    </a:ext>
+                  </a:extLst>
+                </a:gridCol>
+              </a:tblGrid>
+              <a:tr h="381000">
+                <a:tc>
+                  <a:txBody>
+                    <a:bodyPr/>
+                    <a:lstStyle/>
+                    <a:p>
+                      <a:pPr marL="0" lvl="0" indent="0" algn="l" rtl="0">
+                        <a:spcBef>
+                          <a:spcPts val="0"/>
+                        </a:spcBef>
+                        <a:spcAft>
+                          <a:spcPts val="0"/>
+                        </a:spcAft>
+                        <a:buNone/>
+                      </a:pPr>
+                      <a:r>
+                        <a:rPr lang="en" sz="1800" b="1" dirty="0"/>
+                        <a:t>Test Case</a:t>
+                      </a:r>
+                      <a:endParaRPr sz="1800" b="1" dirty="0"/>
+                    </a:p>
+                  </a:txBody>
+                  <a:tcPr marL="91425" marR="91425" marT="91425" marB="91425">
+                    <a:solidFill>
+                      <a:srgbClr val="CCCCCC"/>
+                    </a:solidFill>
+                  </a:tcPr>
+                </a:tc>
+                <a:tc>
+                  <a:txBody>
+                    <a:bodyPr/>
+                    <a:lstStyle/>
+                    <a:p>
+                      <a:pPr marL="0" lvl="0" indent="0" algn="l" rtl="0">
+                        <a:spcBef>
+                          <a:spcPts val="0"/>
+                        </a:spcBef>
+                        <a:spcAft>
+                          <a:spcPts val="0"/>
+                        </a:spcAft>
+                        <a:buNone/>
+                      </a:pPr>
+                      <a:r>
+                        <a:rPr lang="en" sz="1800" b="1"/>
+                        <a:t>Expected Values</a:t>
+                      </a:r>
+                      <a:endParaRPr sz="1800" b="1"/>
+                    </a:p>
+                  </a:txBody>
+                  <a:tcPr marL="91425" marR="91425" marT="91425" marB="91425">
+                    <a:solidFill>
+                      <a:srgbClr val="CCCCCC"/>
+                    </a:solidFill>
+                  </a:tcPr>
+                </a:tc>
+                <a:extLst>
+                  <a:ext uri="{0D108BD9-81ED-4DB2-BD59-A6C34878D82A}">
+                    <a16:rowId xmlns:a16="http://schemas.microsoft.com/office/drawing/2014/main" val="10000"/>
+                  </a:ext>
+                </a:extLst>
+              </a:tr>
+              <a:tr h="396200">
+                <a:tc>
+                  <a:txBody>
+                    <a:bodyPr/>
+                    <a:lstStyle/>
+                    <a:p>
+                      <a:pPr marL="0" lvl="0" indent="0" algn="l" rtl="0">
+                        <a:spcBef>
+                          <a:spcPts val="0"/>
+                        </a:spcBef>
+                        <a:spcAft>
+                          <a:spcPts val="0"/>
+                        </a:spcAft>
+                        <a:buNone/>
+                      </a:pPr>
+                      <a:r>
+                        <a:rPr lang="en-NZ" sz="1800" dirty="0"/>
+                        <a:t>Run program</a:t>
+                      </a:r>
+                      <a:endParaRPr sz="1800" dirty="0"/>
+                    </a:p>
+                  </a:txBody>
+                  <a:tcPr marL="91425" marR="91425" marT="91425" marB="91425"/>
+                </a:tc>
+                <a:tc>
+                  <a:txBody>
+                    <a:bodyPr/>
+                    <a:lstStyle/>
+                    <a:p>
+                      <a:pPr marL="0" lvl="0" indent="0" algn="l" rtl="0">
+                        <a:spcBef>
+                          <a:spcPts val="0"/>
+                        </a:spcBef>
+                        <a:spcAft>
+                          <a:spcPts val="0"/>
+                        </a:spcAft>
+                        <a:buNone/>
+                      </a:pPr>
+                      <a:r>
+                        <a:rPr lang="en-NZ" sz="1800" dirty="0"/>
+                        <a:t>Main and welcome run correctly. Welcome message prints with random name</a:t>
+                      </a:r>
+                      <a:endParaRPr sz="1800" dirty="0"/>
+                    </a:p>
+                  </a:txBody>
+                  <a:tcPr marL="91425" marR="91425" marT="91425" marB="91425"/>
+                </a:tc>
+                <a:extLst>
+                  <a:ext uri="{0D108BD9-81ED-4DB2-BD59-A6C34878D82A}">
+                    <a16:rowId xmlns:a16="http://schemas.microsoft.com/office/drawing/2014/main" val="10001"/>
+                  </a:ext>
+                </a:extLst>
+              </a:tr>
+            </a:tbl>
+          </a:graphicData>
+        </a:graphic>
+      </p:graphicFrame>
+      <p:pic>
+        <p:nvPicPr>
+          <p:cNvPr id="4" name="Picture 3">
+            <a:extLst>
+              <a:ext uri="{FF2B5EF4-FFF2-40B4-BE49-F238E27FC236}">
+                <a16:creationId xmlns:a16="http://schemas.microsoft.com/office/drawing/2014/main" id="{20B7E5E2-D228-402B-BC82-DCCA1B087E56}"/>
+              </a:ext>
+            </a:extLst>
+          </p:cNvPr>
+          <p:cNvPicPr>
+            <a:picLocks noChangeAspect="1"/>
+          </p:cNvPicPr>
+          <p:nvPr/>
+        </p:nvPicPr>
+        <p:blipFill>
+          <a:blip r:embed="rId3"/>
+          <a:stretch>
+            <a:fillRect/>
+          </a:stretch>
+        </p:blipFill>
+        <p:spPr>
+          <a:xfrm>
+            <a:off x="334947" y="1074245"/>
+            <a:ext cx="3549112" cy="2452570"/>
+          </a:xfrm>
+          <a:prstGeom prst="rect">
+            <a:avLst/>
+          </a:prstGeom>
+        </p:spPr>
+      </p:pic>
+      <p:pic>
+        <p:nvPicPr>
+          <p:cNvPr id="7" name="Picture 6">
+            <a:extLst>
+              <a:ext uri="{FF2B5EF4-FFF2-40B4-BE49-F238E27FC236}">
+                <a16:creationId xmlns:a16="http://schemas.microsoft.com/office/drawing/2014/main" id="{2A910E99-4A47-45CC-95F0-DD4A6DBDA811}"/>
+              </a:ext>
+            </a:extLst>
+          </p:cNvPr>
+          <p:cNvPicPr>
+            <a:picLocks noChangeAspect="1"/>
+          </p:cNvPicPr>
+          <p:nvPr/>
+        </p:nvPicPr>
+        <p:blipFill>
+          <a:blip r:embed="rId4"/>
+          <a:stretch>
+            <a:fillRect/>
+          </a:stretch>
+        </p:blipFill>
+        <p:spPr>
+          <a:xfrm>
+            <a:off x="3997106" y="1929003"/>
+            <a:ext cx="4667901" cy="743054"/>
+          </a:xfrm>
+          <a:prstGeom prst="rect">
+            <a:avLst/>
+          </a:prstGeom>
+        </p:spPr>
+      </p:pic>
+    </p:spTree>
+    <p:extLst>
+      <p:ext uri="{BB962C8B-B14F-4D97-AF65-F5344CB8AC3E}">
+        <p14:creationId xmlns:p14="http://schemas.microsoft.com/office/powerpoint/2010/main" val="303811128"/>
+      </p:ext>
+    </p:extLst>
+  </p:cSld>
+  <p:clrMapOvr>
+    <a:masterClrMapping/>
+  </p:clrMapOvr>
+</p:sld>
+</file>
+
+<file path=ppt/slides/slide9.xml><?xml version="1.0" encoding="utf-8"?>
 <p:sld xmlns:a="http://schemas.openxmlformats.org/drawingml/2006/main" xmlns:r="http://schemas.openxmlformats.org/officeDocument/2006/relationships" xmlns:p="http://schemas.openxmlformats.org/presentationml/2006/main">
   <p:cSld>
     <p:bg>
@@ -8042,85 +8654,6 @@
               <a:t>Your version control evidence should go here.  This could be in the form of annotated screenshots which show you you managed this process or you could make a brief screencast explaining how you implemented version control.</a:t>
             </a:r>
             <a:endParaRPr i="1"/>
-          </a:p>
-        </p:txBody>
-      </p:sp>
-    </p:spTree>
-  </p:cSld>
-  <p:clrMapOvr>
-    <a:masterClrMapping/>
-  </p:clrMapOvr>
-</p:sld>
-</file>
-
-<file path=ppt/slides/slide9.xml><?xml version="1.0" encoding="utf-8"?>
-<p:sld xmlns:a="http://schemas.openxmlformats.org/drawingml/2006/main" xmlns:r="http://schemas.openxmlformats.org/officeDocument/2006/relationships" xmlns:p="http://schemas.openxmlformats.org/presentationml/2006/main">
-  <p:cSld>
-    <p:bg>
-      <p:bgPr>
-        <a:solidFill>
-          <a:srgbClr val="FFE599"/>
-        </a:solidFill>
-        <a:effectLst/>
-      </p:bgPr>
-    </p:bg>
-    <p:spTree>
-      <p:nvGrpSpPr>
-        <p:cNvPr id="1" name="Shape 89"/>
-        <p:cNvGrpSpPr/>
-        <p:nvPr/>
-      </p:nvGrpSpPr>
-      <p:grpSpPr>
-        <a:xfrm>
-          <a:off x="0" y="0"/>
-          <a:ext cx="0" cy="0"/>
-          <a:chOff x="0" y="0"/>
-          <a:chExt cx="0" cy="0"/>
-        </a:xfrm>
-      </p:grpSpPr>
-      <p:sp>
-        <p:nvSpPr>
-          <p:cNvPr id="90" name="Google Shape;90;p19"/>
-          <p:cNvSpPr txBox="1">
-            <a:spLocks noGrp="1"/>
-          </p:cNvSpPr>
-          <p:nvPr>
-            <p:ph type="body" idx="1"/>
-          </p:nvPr>
-        </p:nvSpPr>
-        <p:spPr>
-          <a:xfrm>
-            <a:off x="311700" y="397700"/>
-            <a:ext cx="8520600" cy="4171200"/>
-          </a:xfrm>
-          <a:prstGeom prst="rect">
-            <a:avLst/>
-          </a:prstGeom>
-        </p:spPr>
-        <p:txBody>
-          <a:bodyPr spcFirstLastPara="1" wrap="square" lIns="91425" tIns="91425" rIns="91425" bIns="91425" anchor="t" anchorCtr="0">
-            <a:noAutofit/>
-          </a:bodyPr>
-          <a:lstStyle/>
-          <a:p>
-            <a:pPr marL="0" lvl="0" indent="0" algn="l" rtl="0">
-              <a:spcBef>
-                <a:spcPts val="0"/>
-              </a:spcBef>
-              <a:spcAft>
-                <a:spcPts val="1600"/>
-              </a:spcAft>
-              <a:buNone/>
-            </a:pPr>
-            <a:r>
-              <a:rPr lang="en" b="1" i="1">
-                <a:solidFill>
-                  <a:srgbClr val="595959"/>
-                </a:solidFill>
-              </a:rPr>
-              <a:t>Discusses how the information from planning, testing and trialling of components assisted in the development of a high-quality outcome</a:t>
-            </a:r>
-            <a:endParaRPr/>
           </a:p>
         </p:txBody>
       </p:sp>

--- a/022_91893+_+91897+Documentation.pptx
+++ b/022_91893+_+91897+Documentation.pptx
@@ -282,7 +282,7 @@
   <pc:docChgLst>
     <pc:chgData name="Danett Pepito" userId="ddef1e2176689e9a" providerId="LiveId" clId="{53BB49C2-00DF-4AB6-9D9D-351DBF063D16}"/>
     <pc:docChg chg="custSel addSld delSld modSld sldOrd">
-      <pc:chgData name="Danett Pepito" userId="ddef1e2176689e9a" providerId="LiveId" clId="{53BB49C2-00DF-4AB6-9D9D-351DBF063D16}" dt="2022-02-14T00:02:06.259" v="331" actId="20577"/>
+      <pc:chgData name="Danett Pepito" userId="ddef1e2176689e9a" providerId="LiveId" clId="{53BB49C2-00DF-4AB6-9D9D-351DBF063D16}" dt="2022-02-14T00:17:44.410" v="333" actId="20577"/>
       <pc:docMkLst>
         <pc:docMk/>
       </pc:docMkLst>
@@ -358,13 +358,13 @@
         </pc:picChg>
       </pc:sldChg>
       <pc:sldChg chg="addSp modSp mod">
-        <pc:chgData name="Danett Pepito" userId="ddef1e2176689e9a" providerId="LiveId" clId="{53BB49C2-00DF-4AB6-9D9D-351DBF063D16}" dt="2022-02-14T00:02:06.259" v="331" actId="20577"/>
+        <pc:chgData name="Danett Pepito" userId="ddef1e2176689e9a" providerId="LiveId" clId="{53BB49C2-00DF-4AB6-9D9D-351DBF063D16}" dt="2022-02-14T00:17:44.410" v="333" actId="20577"/>
         <pc:sldMkLst>
           <pc:docMk/>
           <pc:sldMk cId="0" sldId="259"/>
         </pc:sldMkLst>
         <pc:spChg chg="mod">
-          <ac:chgData name="Danett Pepito" userId="ddef1e2176689e9a" providerId="LiveId" clId="{53BB49C2-00DF-4AB6-9D9D-351DBF063D16}" dt="2022-02-14T00:02:06.259" v="331" actId="20577"/>
+          <ac:chgData name="Danett Pepito" userId="ddef1e2176689e9a" providerId="LiveId" clId="{53BB49C2-00DF-4AB6-9D9D-351DBF063D16}" dt="2022-02-14T00:17:44.410" v="333" actId="20577"/>
           <ac:spMkLst>
             <pc:docMk/>
             <pc:sldMk cId="0" sldId="259"/>

--- a/022_91893+_+91897+Documentation.pptx
+++ b/022_91893+_+91897+Documentation.pptx
@@ -5,7 +5,7 @@
     <p:sldMasterId id="2147483659" r:id="rId1"/>
   </p:sldMasterIdLst>
   <p:notesMasterIdLst>
-    <p:notesMasterId r:id="rId12"/>
+    <p:notesMasterId r:id="rId18"/>
   </p:notesMasterIdLst>
   <p:sldIdLst>
     <p:sldId id="256" r:id="rId2"/>
@@ -15,9 +15,15 @@
     <p:sldId id="260" r:id="rId6"/>
     <p:sldId id="265" r:id="rId7"/>
     <p:sldId id="263" r:id="rId8"/>
-    <p:sldId id="266" r:id="rId9"/>
-    <p:sldId id="261" r:id="rId10"/>
-    <p:sldId id="262" r:id="rId11"/>
+    <p:sldId id="267" r:id="rId9"/>
+    <p:sldId id="269" r:id="rId10"/>
+    <p:sldId id="270" r:id="rId11"/>
+    <p:sldId id="271" r:id="rId12"/>
+    <p:sldId id="272" r:id="rId13"/>
+    <p:sldId id="268" r:id="rId14"/>
+    <p:sldId id="266" r:id="rId15"/>
+    <p:sldId id="261" r:id="rId16"/>
+    <p:sldId id="262" r:id="rId17"/>
   </p:sldIdLst>
   <p:sldSz cx="9144000" cy="5143500" type="screen16x9"/>
   <p:notesSz cx="6858000" cy="9144000"/>
@@ -282,7 +288,7 @@
   <pc:docChgLst>
     <pc:chgData name="Danett Pepito" userId="ddef1e2176689e9a" providerId="LiveId" clId="{53BB49C2-00DF-4AB6-9D9D-351DBF063D16}"/>
     <pc:docChg chg="custSel addSld delSld modSld sldOrd">
-      <pc:chgData name="Danett Pepito" userId="ddef1e2176689e9a" providerId="LiveId" clId="{53BB49C2-00DF-4AB6-9D9D-351DBF063D16}" dt="2022-02-14T00:17:44.410" v="333" actId="20577"/>
+      <pc:chgData name="Danett Pepito" userId="ddef1e2176689e9a" providerId="LiveId" clId="{53BB49C2-00DF-4AB6-9D9D-351DBF063D16}" dt="2022-02-15T20:45:45.302" v="794" actId="1076"/>
       <pc:docMkLst>
         <pc:docMk/>
       </pc:docMkLst>
@@ -427,8 +433,8 @@
           </ac:picMkLst>
         </pc:picChg>
       </pc:sldChg>
-      <pc:sldChg chg="modSp add mod ord">
-        <pc:chgData name="Danett Pepito" userId="ddef1e2176689e9a" providerId="LiveId" clId="{53BB49C2-00DF-4AB6-9D9D-351DBF063D16}" dt="2022-02-09T22:43:00.735" v="34" actId="20577"/>
+      <pc:sldChg chg="addSp modSp add mod ord">
+        <pc:chgData name="Danett Pepito" userId="ddef1e2176689e9a" providerId="LiveId" clId="{53BB49C2-00DF-4AB6-9D9D-351DBF063D16}" dt="2022-02-14T21:41:55.086" v="341" actId="1076"/>
         <pc:sldMkLst>
           <pc:docMk/>
           <pc:sldMk cId="3776443291" sldId="263"/>
@@ -441,6 +447,14 @@
             <ac:spMk id="73" creationId="{00000000-0000-0000-0000-000000000000}"/>
           </ac:spMkLst>
         </pc:spChg>
+        <pc:picChg chg="add mod">
+          <ac:chgData name="Danett Pepito" userId="ddef1e2176689e9a" providerId="LiveId" clId="{53BB49C2-00DF-4AB6-9D9D-351DBF063D16}" dt="2022-02-14T21:41:55.086" v="341" actId="1076"/>
+          <ac:picMkLst>
+            <pc:docMk/>
+            <pc:sldMk cId="3776443291" sldId="263"/>
+            <ac:picMk id="3" creationId="{52671A77-10F0-4674-8325-846984ED61E1}"/>
+          </ac:picMkLst>
+        </pc:picChg>
       </pc:sldChg>
       <pc:sldChg chg="modSp add del mod ord">
         <pc:chgData name="Danett Pepito" userId="ddef1e2176689e9a" providerId="LiveId" clId="{53BB49C2-00DF-4AB6-9D9D-351DBF063D16}" dt="2022-02-13T23:59:39.370" v="266" actId="2696"/>
@@ -526,6 +540,224 @@
             <ac:spMk id="78" creationId="{00000000-0000-0000-0000-000000000000}"/>
           </ac:spMkLst>
         </pc:spChg>
+      </pc:sldChg>
+      <pc:sldChg chg="addSp modSp add mod">
+        <pc:chgData name="Danett Pepito" userId="ddef1e2176689e9a" providerId="LiveId" clId="{53BB49C2-00DF-4AB6-9D9D-351DBF063D16}" dt="2022-02-14T21:59:38.428" v="604" actId="1076"/>
+        <pc:sldMkLst>
+          <pc:docMk/>
+          <pc:sldMk cId="1264391336" sldId="267"/>
+        </pc:sldMkLst>
+        <pc:spChg chg="mod">
+          <ac:chgData name="Danett Pepito" userId="ddef1e2176689e9a" providerId="LiveId" clId="{53BB49C2-00DF-4AB6-9D9D-351DBF063D16}" dt="2022-02-14T21:44:04.020" v="347" actId="1076"/>
+          <ac:spMkLst>
+            <pc:docMk/>
+            <pc:sldMk cId="1264391336" sldId="267"/>
+            <ac:spMk id="78" creationId="{00000000-0000-0000-0000-000000000000}"/>
+          </ac:spMkLst>
+        </pc:spChg>
+        <pc:graphicFrameChg chg="modGraphic">
+          <ac:chgData name="Danett Pepito" userId="ddef1e2176689e9a" providerId="LiveId" clId="{53BB49C2-00DF-4AB6-9D9D-351DBF063D16}" dt="2022-02-14T21:45:05.345" v="532" actId="20577"/>
+          <ac:graphicFrameMkLst>
+            <pc:docMk/>
+            <pc:sldMk cId="1264391336" sldId="267"/>
+            <ac:graphicFrameMk id="79" creationId="{00000000-0000-0000-0000-000000000000}"/>
+          </ac:graphicFrameMkLst>
+        </pc:graphicFrameChg>
+        <pc:picChg chg="add mod">
+          <ac:chgData name="Danett Pepito" userId="ddef1e2176689e9a" providerId="LiveId" clId="{53BB49C2-00DF-4AB6-9D9D-351DBF063D16}" dt="2022-02-14T21:59:38.428" v="604" actId="1076"/>
+          <ac:picMkLst>
+            <pc:docMk/>
+            <pc:sldMk cId="1264391336" sldId="267"/>
+            <ac:picMk id="3" creationId="{DFBC493D-5C29-46AF-B090-56852580D3E5}"/>
+          </ac:picMkLst>
+        </pc:picChg>
+      </pc:sldChg>
+      <pc:sldChg chg="add replId">
+        <pc:chgData name="Danett Pepito" userId="ddef1e2176689e9a" providerId="LiveId" clId="{53BB49C2-00DF-4AB6-9D9D-351DBF063D16}" dt="2022-02-14T21:38:17.291" v="334" actId="2890"/>
+        <pc:sldMkLst>
+          <pc:docMk/>
+          <pc:sldMk cId="2139286805" sldId="268"/>
+        </pc:sldMkLst>
+      </pc:sldChg>
+      <pc:sldChg chg="addSp delSp modSp add mod">
+        <pc:chgData name="Danett Pepito" userId="ddef1e2176689e9a" providerId="LiveId" clId="{53BB49C2-00DF-4AB6-9D9D-351DBF063D16}" dt="2022-02-14T21:59:27.352" v="600" actId="14100"/>
+        <pc:sldMkLst>
+          <pc:docMk/>
+          <pc:sldMk cId="3316105938" sldId="269"/>
+        </pc:sldMkLst>
+        <pc:spChg chg="mod">
+          <ac:chgData name="Danett Pepito" userId="ddef1e2176689e9a" providerId="LiveId" clId="{53BB49C2-00DF-4AB6-9D9D-351DBF063D16}" dt="2022-02-14T21:46:11.700" v="535" actId="20577"/>
+          <ac:spMkLst>
+            <pc:docMk/>
+            <pc:sldMk cId="3316105938" sldId="269"/>
+            <ac:spMk id="78" creationId="{00000000-0000-0000-0000-000000000000}"/>
+          </ac:spMkLst>
+        </pc:spChg>
+        <pc:graphicFrameChg chg="modGraphic">
+          <ac:chgData name="Danett Pepito" userId="ddef1e2176689e9a" providerId="LiveId" clId="{53BB49C2-00DF-4AB6-9D9D-351DBF063D16}" dt="2022-02-14T21:49:11.464" v="563" actId="20577"/>
+          <ac:graphicFrameMkLst>
+            <pc:docMk/>
+            <pc:sldMk cId="3316105938" sldId="269"/>
+            <ac:graphicFrameMk id="79" creationId="{00000000-0000-0000-0000-000000000000}"/>
+          </ac:graphicFrameMkLst>
+        </pc:graphicFrameChg>
+        <pc:picChg chg="del">
+          <ac:chgData name="Danett Pepito" userId="ddef1e2176689e9a" providerId="LiveId" clId="{53BB49C2-00DF-4AB6-9D9D-351DBF063D16}" dt="2022-02-14T21:48:42.974" v="536" actId="478"/>
+          <ac:picMkLst>
+            <pc:docMk/>
+            <pc:sldMk cId="3316105938" sldId="269"/>
+            <ac:picMk id="3" creationId="{DFBC493D-5C29-46AF-B090-56852580D3E5}"/>
+          </ac:picMkLst>
+        </pc:picChg>
+        <pc:picChg chg="add mod">
+          <ac:chgData name="Danett Pepito" userId="ddef1e2176689e9a" providerId="LiveId" clId="{53BB49C2-00DF-4AB6-9D9D-351DBF063D16}" dt="2022-02-14T21:59:27.352" v="600" actId="14100"/>
+          <ac:picMkLst>
+            <pc:docMk/>
+            <pc:sldMk cId="3316105938" sldId="269"/>
+            <ac:picMk id="4" creationId="{62872750-E30E-4559-863C-2E5EDC933B14}"/>
+          </ac:picMkLst>
+        </pc:picChg>
+      </pc:sldChg>
+      <pc:sldChg chg="addSp delSp modSp add mod">
+        <pc:chgData name="Danett Pepito" userId="ddef1e2176689e9a" providerId="LiveId" clId="{53BB49C2-00DF-4AB6-9D9D-351DBF063D16}" dt="2022-02-14T21:59:44.533" v="605" actId="1076"/>
+        <pc:sldMkLst>
+          <pc:docMk/>
+          <pc:sldMk cId="1407199106" sldId="270"/>
+        </pc:sldMkLst>
+        <pc:spChg chg="mod">
+          <ac:chgData name="Danett Pepito" userId="ddef1e2176689e9a" providerId="LiveId" clId="{53BB49C2-00DF-4AB6-9D9D-351DBF063D16}" dt="2022-02-14T21:49:34.724" v="566" actId="20577"/>
+          <ac:spMkLst>
+            <pc:docMk/>
+            <pc:sldMk cId="1407199106" sldId="270"/>
+            <ac:spMk id="78" creationId="{00000000-0000-0000-0000-000000000000}"/>
+          </ac:spMkLst>
+        </pc:spChg>
+        <pc:graphicFrameChg chg="mod modGraphic">
+          <ac:chgData name="Danett Pepito" userId="ddef1e2176689e9a" providerId="LiveId" clId="{53BB49C2-00DF-4AB6-9D9D-351DBF063D16}" dt="2022-02-14T21:59:05.794" v="598" actId="1076"/>
+          <ac:graphicFrameMkLst>
+            <pc:docMk/>
+            <pc:sldMk cId="1407199106" sldId="270"/>
+            <ac:graphicFrameMk id="79" creationId="{00000000-0000-0000-0000-000000000000}"/>
+          </ac:graphicFrameMkLst>
+        </pc:graphicFrameChg>
+        <pc:picChg chg="del">
+          <ac:chgData name="Danett Pepito" userId="ddef1e2176689e9a" providerId="LiveId" clId="{53BB49C2-00DF-4AB6-9D9D-351DBF063D16}" dt="2022-02-14T21:58:26.970" v="569" actId="478"/>
+          <ac:picMkLst>
+            <pc:docMk/>
+            <pc:sldMk cId="1407199106" sldId="270"/>
+            <ac:picMk id="3" creationId="{DFBC493D-5C29-46AF-B090-56852580D3E5}"/>
+          </ac:picMkLst>
+        </pc:picChg>
+        <pc:picChg chg="add mod">
+          <ac:chgData name="Danett Pepito" userId="ddef1e2176689e9a" providerId="LiveId" clId="{53BB49C2-00DF-4AB6-9D9D-351DBF063D16}" dt="2022-02-14T21:59:44.533" v="605" actId="1076"/>
+          <ac:picMkLst>
+            <pc:docMk/>
+            <pc:sldMk cId="1407199106" sldId="270"/>
+            <ac:picMk id="4" creationId="{9145E8C4-B927-4E25-8F10-2AD1C4598FCC}"/>
+          </ac:picMkLst>
+        </pc:picChg>
+      </pc:sldChg>
+      <pc:sldChg chg="addSp delSp modSp add mod replId">
+        <pc:chgData name="Danett Pepito" userId="ddef1e2176689e9a" providerId="LiveId" clId="{53BB49C2-00DF-4AB6-9D9D-351DBF063D16}" dt="2022-02-15T20:30:36.130" v="683" actId="20577"/>
+        <pc:sldMkLst>
+          <pc:docMk/>
+          <pc:sldMk cId="1142597644" sldId="271"/>
+        </pc:sldMkLst>
+        <pc:spChg chg="mod">
+          <ac:chgData name="Danett Pepito" userId="ddef1e2176689e9a" providerId="LiveId" clId="{53BB49C2-00DF-4AB6-9D9D-351DBF063D16}" dt="2022-02-14T21:49:38.819" v="568" actId="20577"/>
+          <ac:spMkLst>
+            <pc:docMk/>
+            <pc:sldMk cId="1142597644" sldId="271"/>
+            <ac:spMk id="78" creationId="{00000000-0000-0000-0000-000000000000}"/>
+          </ac:spMkLst>
+        </pc:spChg>
+        <pc:graphicFrameChg chg="mod modGraphic">
+          <ac:chgData name="Danett Pepito" userId="ddef1e2176689e9a" providerId="LiveId" clId="{53BB49C2-00DF-4AB6-9D9D-351DBF063D16}" dt="2022-02-15T20:30:36.130" v="683" actId="20577"/>
+          <ac:graphicFrameMkLst>
+            <pc:docMk/>
+            <pc:sldMk cId="1142597644" sldId="271"/>
+            <ac:graphicFrameMk id="79" creationId="{00000000-0000-0000-0000-000000000000}"/>
+          </ac:graphicFrameMkLst>
+        </pc:graphicFrameChg>
+        <pc:picChg chg="add mod modCrop">
+          <ac:chgData name="Danett Pepito" userId="ddef1e2176689e9a" providerId="LiveId" clId="{53BB49C2-00DF-4AB6-9D9D-351DBF063D16}" dt="2022-02-15T20:29:45.285" v="623" actId="1076"/>
+          <ac:picMkLst>
+            <pc:docMk/>
+            <pc:sldMk cId="1142597644" sldId="271"/>
+            <ac:picMk id="3" creationId="{D82B78F8-9FB1-426F-B968-4FC96700969D}"/>
+          </ac:picMkLst>
+        </pc:picChg>
+        <pc:picChg chg="del">
+          <ac:chgData name="Danett Pepito" userId="ddef1e2176689e9a" providerId="LiveId" clId="{53BB49C2-00DF-4AB6-9D9D-351DBF063D16}" dt="2022-02-15T20:28:28.115" v="606" actId="478"/>
+          <ac:picMkLst>
+            <pc:docMk/>
+            <pc:sldMk cId="1142597644" sldId="271"/>
+            <ac:picMk id="4" creationId="{62872750-E30E-4559-863C-2E5EDC933B14}"/>
+          </ac:picMkLst>
+        </pc:picChg>
+        <pc:picChg chg="add mod">
+          <ac:chgData name="Danett Pepito" userId="ddef1e2176689e9a" providerId="LiveId" clId="{53BB49C2-00DF-4AB6-9D9D-351DBF063D16}" dt="2022-02-15T20:29:18.986" v="616" actId="1076"/>
+          <ac:picMkLst>
+            <pc:docMk/>
+            <pc:sldMk cId="1142597644" sldId="271"/>
+            <ac:picMk id="6" creationId="{66FA179E-266B-410A-BFB2-429EBF123380}"/>
+          </ac:picMkLst>
+        </pc:picChg>
+      </pc:sldChg>
+      <pc:sldChg chg="addSp delSp modSp add mod">
+        <pc:chgData name="Danett Pepito" userId="ddef1e2176689e9a" providerId="LiveId" clId="{53BB49C2-00DF-4AB6-9D9D-351DBF063D16}" dt="2022-02-15T20:45:45.302" v="794" actId="1076"/>
+        <pc:sldMkLst>
+          <pc:docMk/>
+          <pc:sldMk cId="1464118612" sldId="272"/>
+        </pc:sldMkLst>
+        <pc:spChg chg="mod">
+          <ac:chgData name="Danett Pepito" userId="ddef1e2176689e9a" providerId="LiveId" clId="{53BB49C2-00DF-4AB6-9D9D-351DBF063D16}" dt="2022-02-15T20:31:06.028" v="690" actId="20577"/>
+          <ac:spMkLst>
+            <pc:docMk/>
+            <pc:sldMk cId="1464118612" sldId="272"/>
+            <ac:spMk id="78" creationId="{00000000-0000-0000-0000-000000000000}"/>
+          </ac:spMkLst>
+        </pc:spChg>
+        <pc:graphicFrameChg chg="mod modGraphic">
+          <ac:chgData name="Danett Pepito" userId="ddef1e2176689e9a" providerId="LiveId" clId="{53BB49C2-00DF-4AB6-9D9D-351DBF063D16}" dt="2022-02-15T20:45:45.302" v="794" actId="1076"/>
+          <ac:graphicFrameMkLst>
+            <pc:docMk/>
+            <pc:sldMk cId="1464118612" sldId="272"/>
+            <ac:graphicFrameMk id="79" creationId="{00000000-0000-0000-0000-000000000000}"/>
+          </ac:graphicFrameMkLst>
+        </pc:graphicFrameChg>
+        <pc:picChg chg="del">
+          <ac:chgData name="Danett Pepito" userId="ddef1e2176689e9a" providerId="LiveId" clId="{53BB49C2-00DF-4AB6-9D9D-351DBF063D16}" dt="2022-02-15T20:31:07.124" v="691" actId="478"/>
+          <ac:picMkLst>
+            <pc:docMk/>
+            <pc:sldMk cId="1464118612" sldId="272"/>
+            <ac:picMk id="3" creationId="{D82B78F8-9FB1-426F-B968-4FC96700969D}"/>
+          </ac:picMkLst>
+        </pc:picChg>
+        <pc:picChg chg="add mod">
+          <ac:chgData name="Danett Pepito" userId="ddef1e2176689e9a" providerId="LiveId" clId="{53BB49C2-00DF-4AB6-9D9D-351DBF063D16}" dt="2022-02-15T20:44:13.519" v="703" actId="1076"/>
+          <ac:picMkLst>
+            <pc:docMk/>
+            <pc:sldMk cId="1464118612" sldId="272"/>
+            <ac:picMk id="4" creationId="{AA8E0E2E-0322-4920-8979-B8BF174400A5}"/>
+          </ac:picMkLst>
+        </pc:picChg>
+        <pc:picChg chg="del">
+          <ac:chgData name="Danett Pepito" userId="ddef1e2176689e9a" providerId="LiveId" clId="{53BB49C2-00DF-4AB6-9D9D-351DBF063D16}" dt="2022-02-15T20:31:08.075" v="692" actId="478"/>
+          <ac:picMkLst>
+            <pc:docMk/>
+            <pc:sldMk cId="1464118612" sldId="272"/>
+            <ac:picMk id="6" creationId="{66FA179E-266B-410A-BFB2-429EBF123380}"/>
+          </ac:picMkLst>
+        </pc:picChg>
+        <pc:picChg chg="add mod">
+          <ac:chgData name="Danett Pepito" userId="ddef1e2176689e9a" providerId="LiveId" clId="{53BB49C2-00DF-4AB6-9D9D-351DBF063D16}" dt="2022-02-15T20:44:10.077" v="702" actId="1076"/>
+          <ac:picMkLst>
+            <pc:docMk/>
+            <pc:sldMk cId="1464118612" sldId="272"/>
+            <ac:picMk id="7" creationId="{6318221A-F649-4AA8-9E2C-1E071E2EC27A}"/>
+          </ac:picMkLst>
+        </pc:picChg>
       </pc:sldChg>
     </pc:docChg>
   </pc:docChgLst>
@@ -1121,6 +1353,676 @@
   <p:cSld>
     <p:spTree>
       <p:nvGrpSpPr>
+        <p:cNvPr id="1" name="Shape 74"/>
+        <p:cNvGrpSpPr/>
+        <p:nvPr/>
+      </p:nvGrpSpPr>
+      <p:grpSpPr>
+        <a:xfrm>
+          <a:off x="0" y="0"/>
+          <a:ext cx="0" cy="0"/>
+          <a:chOff x="0" y="0"/>
+          <a:chExt cx="0" cy="0"/>
+        </a:xfrm>
+      </p:grpSpPr>
+      <p:sp>
+        <p:nvSpPr>
+          <p:cNvPr id="75" name="Google Shape;75;gac10fef634_0_20:notes"/>
+          <p:cNvSpPr>
+            <a:spLocks noGrp="1" noRot="1" noChangeAspect="1"/>
+          </p:cNvSpPr>
+          <p:nvPr>
+            <p:ph type="sldImg" idx="2"/>
+          </p:nvPr>
+        </p:nvSpPr>
+        <p:spPr>
+          <a:xfrm>
+            <a:off x="381000" y="685800"/>
+            <a:ext cx="6096000" cy="3429000"/>
+          </a:xfrm>
+          <a:custGeom>
+            <a:avLst/>
+            <a:gdLst/>
+            <a:ahLst/>
+            <a:cxnLst/>
+            <a:rect l="l" t="t" r="r" b="b"/>
+            <a:pathLst>
+              <a:path w="120000" h="120000" extrusionOk="0">
+                <a:moveTo>
+                  <a:pt x="0" y="0"/>
+                </a:moveTo>
+                <a:lnTo>
+                  <a:pt x="120000" y="0"/>
+                </a:lnTo>
+                <a:lnTo>
+                  <a:pt x="120000" y="120000"/>
+                </a:lnTo>
+                <a:lnTo>
+                  <a:pt x="0" y="120000"/>
+                </a:lnTo>
+                <a:close/>
+              </a:path>
+            </a:pathLst>
+          </a:custGeom>
+        </p:spPr>
+      </p:sp>
+      <p:sp>
+        <p:nvSpPr>
+          <p:cNvPr id="76" name="Google Shape;76;gac10fef634_0_20:notes"/>
+          <p:cNvSpPr txBox="1">
+            <a:spLocks noGrp="1"/>
+          </p:cNvSpPr>
+          <p:nvPr>
+            <p:ph type="body" idx="1"/>
+          </p:nvPr>
+        </p:nvSpPr>
+        <p:spPr>
+          <a:xfrm>
+            <a:off x="685800" y="4343400"/>
+            <a:ext cx="5486400" cy="4114800"/>
+          </a:xfrm>
+          <a:prstGeom prst="rect">
+            <a:avLst/>
+          </a:prstGeom>
+        </p:spPr>
+        <p:txBody>
+          <a:bodyPr spcFirstLastPara="1" wrap="square" lIns="91425" tIns="91425" rIns="91425" bIns="91425" anchor="t" anchorCtr="0">
+            <a:noAutofit/>
+          </a:bodyPr>
+          <a:lstStyle/>
+          <a:p>
+            <a:pPr marL="0" lvl="0" indent="0" algn="l" rtl="0">
+              <a:spcBef>
+                <a:spcPts val="0"/>
+              </a:spcBef>
+              <a:spcAft>
+                <a:spcPts val="0"/>
+              </a:spcAft>
+              <a:buNone/>
+            </a:pPr>
+            <a:endParaRPr/>
+          </a:p>
+        </p:txBody>
+      </p:sp>
+    </p:spTree>
+    <p:extLst>
+      <p:ext uri="{BB962C8B-B14F-4D97-AF65-F5344CB8AC3E}">
+        <p14:creationId xmlns:p14="http://schemas.microsoft.com/office/powerpoint/2010/main" val="928938672"/>
+      </p:ext>
+    </p:extLst>
+  </p:cSld>
+  <p:clrMapOvr>
+    <a:masterClrMapping/>
+  </p:clrMapOvr>
+</p:notes>
+</file>
+
+<file path=ppt/notesSlides/notesSlide11.xml><?xml version="1.0" encoding="utf-8"?>
+<p:notes xmlns:a="http://schemas.openxmlformats.org/drawingml/2006/main" xmlns:r="http://schemas.openxmlformats.org/officeDocument/2006/relationships" xmlns:p="http://schemas.openxmlformats.org/presentationml/2006/main" showMasterSp="0" showMasterPhAnim="0">
+  <p:cSld>
+    <p:spTree>
+      <p:nvGrpSpPr>
+        <p:cNvPr id="1" name="Shape 74"/>
+        <p:cNvGrpSpPr/>
+        <p:nvPr/>
+      </p:nvGrpSpPr>
+      <p:grpSpPr>
+        <a:xfrm>
+          <a:off x="0" y="0"/>
+          <a:ext cx="0" cy="0"/>
+          <a:chOff x="0" y="0"/>
+          <a:chExt cx="0" cy="0"/>
+        </a:xfrm>
+      </p:grpSpPr>
+      <p:sp>
+        <p:nvSpPr>
+          <p:cNvPr id="75" name="Google Shape;75;gac10fef634_0_20:notes"/>
+          <p:cNvSpPr>
+            <a:spLocks noGrp="1" noRot="1" noChangeAspect="1"/>
+          </p:cNvSpPr>
+          <p:nvPr>
+            <p:ph type="sldImg" idx="2"/>
+          </p:nvPr>
+        </p:nvSpPr>
+        <p:spPr>
+          <a:xfrm>
+            <a:off x="381000" y="685800"/>
+            <a:ext cx="6096000" cy="3429000"/>
+          </a:xfrm>
+          <a:custGeom>
+            <a:avLst/>
+            <a:gdLst/>
+            <a:ahLst/>
+            <a:cxnLst/>
+            <a:rect l="l" t="t" r="r" b="b"/>
+            <a:pathLst>
+              <a:path w="120000" h="120000" extrusionOk="0">
+                <a:moveTo>
+                  <a:pt x="0" y="0"/>
+                </a:moveTo>
+                <a:lnTo>
+                  <a:pt x="120000" y="0"/>
+                </a:lnTo>
+                <a:lnTo>
+                  <a:pt x="120000" y="120000"/>
+                </a:lnTo>
+                <a:lnTo>
+                  <a:pt x="0" y="120000"/>
+                </a:lnTo>
+                <a:close/>
+              </a:path>
+            </a:pathLst>
+          </a:custGeom>
+        </p:spPr>
+      </p:sp>
+      <p:sp>
+        <p:nvSpPr>
+          <p:cNvPr id="76" name="Google Shape;76;gac10fef634_0_20:notes"/>
+          <p:cNvSpPr txBox="1">
+            <a:spLocks noGrp="1"/>
+          </p:cNvSpPr>
+          <p:nvPr>
+            <p:ph type="body" idx="1"/>
+          </p:nvPr>
+        </p:nvSpPr>
+        <p:spPr>
+          <a:xfrm>
+            <a:off x="685800" y="4343400"/>
+            <a:ext cx="5486400" cy="4114800"/>
+          </a:xfrm>
+          <a:prstGeom prst="rect">
+            <a:avLst/>
+          </a:prstGeom>
+        </p:spPr>
+        <p:txBody>
+          <a:bodyPr spcFirstLastPara="1" wrap="square" lIns="91425" tIns="91425" rIns="91425" bIns="91425" anchor="t" anchorCtr="0">
+            <a:noAutofit/>
+          </a:bodyPr>
+          <a:lstStyle/>
+          <a:p>
+            <a:pPr marL="0" lvl="0" indent="0" algn="l" rtl="0">
+              <a:spcBef>
+                <a:spcPts val="0"/>
+              </a:spcBef>
+              <a:spcAft>
+                <a:spcPts val="0"/>
+              </a:spcAft>
+              <a:buNone/>
+            </a:pPr>
+            <a:endParaRPr/>
+          </a:p>
+        </p:txBody>
+      </p:sp>
+    </p:spTree>
+    <p:extLst>
+      <p:ext uri="{BB962C8B-B14F-4D97-AF65-F5344CB8AC3E}">
+        <p14:creationId xmlns:p14="http://schemas.microsoft.com/office/powerpoint/2010/main" val="1940359579"/>
+      </p:ext>
+    </p:extLst>
+  </p:cSld>
+  <p:clrMapOvr>
+    <a:masterClrMapping/>
+  </p:clrMapOvr>
+</p:notes>
+</file>
+
+<file path=ppt/notesSlides/notesSlide12.xml><?xml version="1.0" encoding="utf-8"?>
+<p:notes xmlns:a="http://schemas.openxmlformats.org/drawingml/2006/main" xmlns:r="http://schemas.openxmlformats.org/officeDocument/2006/relationships" xmlns:p="http://schemas.openxmlformats.org/presentationml/2006/main" showMasterSp="0" showMasterPhAnim="0">
+  <p:cSld>
+    <p:spTree>
+      <p:nvGrpSpPr>
+        <p:cNvPr id="1" name="Shape 74"/>
+        <p:cNvGrpSpPr/>
+        <p:nvPr/>
+      </p:nvGrpSpPr>
+      <p:grpSpPr>
+        <a:xfrm>
+          <a:off x="0" y="0"/>
+          <a:ext cx="0" cy="0"/>
+          <a:chOff x="0" y="0"/>
+          <a:chExt cx="0" cy="0"/>
+        </a:xfrm>
+      </p:grpSpPr>
+      <p:sp>
+        <p:nvSpPr>
+          <p:cNvPr id="75" name="Google Shape;75;gac10fef634_0_20:notes"/>
+          <p:cNvSpPr>
+            <a:spLocks noGrp="1" noRot="1" noChangeAspect="1"/>
+          </p:cNvSpPr>
+          <p:nvPr>
+            <p:ph type="sldImg" idx="2"/>
+          </p:nvPr>
+        </p:nvSpPr>
+        <p:spPr>
+          <a:xfrm>
+            <a:off x="381000" y="685800"/>
+            <a:ext cx="6096000" cy="3429000"/>
+          </a:xfrm>
+          <a:custGeom>
+            <a:avLst/>
+            <a:gdLst/>
+            <a:ahLst/>
+            <a:cxnLst/>
+            <a:rect l="l" t="t" r="r" b="b"/>
+            <a:pathLst>
+              <a:path w="120000" h="120000" extrusionOk="0">
+                <a:moveTo>
+                  <a:pt x="0" y="0"/>
+                </a:moveTo>
+                <a:lnTo>
+                  <a:pt x="120000" y="0"/>
+                </a:lnTo>
+                <a:lnTo>
+                  <a:pt x="120000" y="120000"/>
+                </a:lnTo>
+                <a:lnTo>
+                  <a:pt x="0" y="120000"/>
+                </a:lnTo>
+                <a:close/>
+              </a:path>
+            </a:pathLst>
+          </a:custGeom>
+        </p:spPr>
+      </p:sp>
+      <p:sp>
+        <p:nvSpPr>
+          <p:cNvPr id="76" name="Google Shape;76;gac10fef634_0_20:notes"/>
+          <p:cNvSpPr txBox="1">
+            <a:spLocks noGrp="1"/>
+          </p:cNvSpPr>
+          <p:nvPr>
+            <p:ph type="body" idx="1"/>
+          </p:nvPr>
+        </p:nvSpPr>
+        <p:spPr>
+          <a:xfrm>
+            <a:off x="685800" y="4343400"/>
+            <a:ext cx="5486400" cy="4114800"/>
+          </a:xfrm>
+          <a:prstGeom prst="rect">
+            <a:avLst/>
+          </a:prstGeom>
+        </p:spPr>
+        <p:txBody>
+          <a:bodyPr spcFirstLastPara="1" wrap="square" lIns="91425" tIns="91425" rIns="91425" bIns="91425" anchor="t" anchorCtr="0">
+            <a:noAutofit/>
+          </a:bodyPr>
+          <a:lstStyle/>
+          <a:p>
+            <a:pPr marL="0" lvl="0" indent="0" algn="l" rtl="0">
+              <a:spcBef>
+                <a:spcPts val="0"/>
+              </a:spcBef>
+              <a:spcAft>
+                <a:spcPts val="0"/>
+              </a:spcAft>
+              <a:buNone/>
+            </a:pPr>
+            <a:endParaRPr/>
+          </a:p>
+        </p:txBody>
+      </p:sp>
+    </p:spTree>
+    <p:extLst>
+      <p:ext uri="{BB962C8B-B14F-4D97-AF65-F5344CB8AC3E}">
+        <p14:creationId xmlns:p14="http://schemas.microsoft.com/office/powerpoint/2010/main" val="4217551404"/>
+      </p:ext>
+    </p:extLst>
+  </p:cSld>
+  <p:clrMapOvr>
+    <a:masterClrMapping/>
+  </p:clrMapOvr>
+</p:notes>
+</file>
+
+<file path=ppt/notesSlides/notesSlide13.xml><?xml version="1.0" encoding="utf-8"?>
+<p:notes xmlns:a="http://schemas.openxmlformats.org/drawingml/2006/main" xmlns:r="http://schemas.openxmlformats.org/officeDocument/2006/relationships" xmlns:p="http://schemas.openxmlformats.org/presentationml/2006/main" showMasterSp="0" showMasterPhAnim="0">
+  <p:cSld>
+    <p:spTree>
+      <p:nvGrpSpPr>
+        <p:cNvPr id="1" name="Shape 69"/>
+        <p:cNvGrpSpPr/>
+        <p:nvPr/>
+      </p:nvGrpSpPr>
+      <p:grpSpPr>
+        <a:xfrm>
+          <a:off x="0" y="0"/>
+          <a:ext cx="0" cy="0"/>
+          <a:chOff x="0" y="0"/>
+          <a:chExt cx="0" cy="0"/>
+        </a:xfrm>
+      </p:grpSpPr>
+      <p:sp>
+        <p:nvSpPr>
+          <p:cNvPr id="70" name="Google Shape;70;gac10fef634_0_16:notes"/>
+          <p:cNvSpPr>
+            <a:spLocks noGrp="1" noRot="1" noChangeAspect="1"/>
+          </p:cNvSpPr>
+          <p:nvPr>
+            <p:ph type="sldImg" idx="2"/>
+          </p:nvPr>
+        </p:nvSpPr>
+        <p:spPr>
+          <a:xfrm>
+            <a:off x="381000" y="685800"/>
+            <a:ext cx="6096000" cy="3429000"/>
+          </a:xfrm>
+          <a:custGeom>
+            <a:avLst/>
+            <a:gdLst/>
+            <a:ahLst/>
+            <a:cxnLst/>
+            <a:rect l="l" t="t" r="r" b="b"/>
+            <a:pathLst>
+              <a:path w="120000" h="120000" extrusionOk="0">
+                <a:moveTo>
+                  <a:pt x="0" y="0"/>
+                </a:moveTo>
+                <a:lnTo>
+                  <a:pt x="120000" y="0"/>
+                </a:lnTo>
+                <a:lnTo>
+                  <a:pt x="120000" y="120000"/>
+                </a:lnTo>
+                <a:lnTo>
+                  <a:pt x="0" y="120000"/>
+                </a:lnTo>
+                <a:close/>
+              </a:path>
+            </a:pathLst>
+          </a:custGeom>
+        </p:spPr>
+      </p:sp>
+      <p:sp>
+        <p:nvSpPr>
+          <p:cNvPr id="71" name="Google Shape;71;gac10fef634_0_16:notes"/>
+          <p:cNvSpPr txBox="1">
+            <a:spLocks noGrp="1"/>
+          </p:cNvSpPr>
+          <p:nvPr>
+            <p:ph type="body" idx="1"/>
+          </p:nvPr>
+        </p:nvSpPr>
+        <p:spPr>
+          <a:xfrm>
+            <a:off x="685800" y="4343400"/>
+            <a:ext cx="5486400" cy="4114800"/>
+          </a:xfrm>
+          <a:prstGeom prst="rect">
+            <a:avLst/>
+          </a:prstGeom>
+        </p:spPr>
+        <p:txBody>
+          <a:bodyPr spcFirstLastPara="1" wrap="square" lIns="91425" tIns="91425" rIns="91425" bIns="91425" anchor="t" anchorCtr="0">
+            <a:noAutofit/>
+          </a:bodyPr>
+          <a:lstStyle/>
+          <a:p>
+            <a:pPr marL="0" lvl="0" indent="0" algn="l" rtl="0">
+              <a:spcBef>
+                <a:spcPts val="0"/>
+              </a:spcBef>
+              <a:spcAft>
+                <a:spcPts val="0"/>
+              </a:spcAft>
+              <a:buNone/>
+            </a:pPr>
+            <a:endParaRPr/>
+          </a:p>
+        </p:txBody>
+      </p:sp>
+    </p:spTree>
+    <p:extLst>
+      <p:ext uri="{BB962C8B-B14F-4D97-AF65-F5344CB8AC3E}">
+        <p14:creationId xmlns:p14="http://schemas.microsoft.com/office/powerpoint/2010/main" val="1475891710"/>
+      </p:ext>
+    </p:extLst>
+  </p:cSld>
+  <p:clrMapOvr>
+    <a:masterClrMapping/>
+  </p:clrMapOvr>
+</p:notes>
+</file>
+
+<file path=ppt/notesSlides/notesSlide14.xml><?xml version="1.0" encoding="utf-8"?>
+<p:notes xmlns:a="http://schemas.openxmlformats.org/drawingml/2006/main" xmlns:r="http://schemas.openxmlformats.org/officeDocument/2006/relationships" xmlns:p="http://schemas.openxmlformats.org/presentationml/2006/main" showMasterSp="0" showMasterPhAnim="0">
+  <p:cSld>
+    <p:spTree>
+      <p:nvGrpSpPr>
+        <p:cNvPr id="1" name="Shape 74"/>
+        <p:cNvGrpSpPr/>
+        <p:nvPr/>
+      </p:nvGrpSpPr>
+      <p:grpSpPr>
+        <a:xfrm>
+          <a:off x="0" y="0"/>
+          <a:ext cx="0" cy="0"/>
+          <a:chOff x="0" y="0"/>
+          <a:chExt cx="0" cy="0"/>
+        </a:xfrm>
+      </p:grpSpPr>
+      <p:sp>
+        <p:nvSpPr>
+          <p:cNvPr id="75" name="Google Shape;75;gac10fef634_0_20:notes"/>
+          <p:cNvSpPr>
+            <a:spLocks noGrp="1" noRot="1" noChangeAspect="1"/>
+          </p:cNvSpPr>
+          <p:nvPr>
+            <p:ph type="sldImg" idx="2"/>
+          </p:nvPr>
+        </p:nvSpPr>
+        <p:spPr>
+          <a:xfrm>
+            <a:off x="381000" y="685800"/>
+            <a:ext cx="6096000" cy="3429000"/>
+          </a:xfrm>
+          <a:custGeom>
+            <a:avLst/>
+            <a:gdLst/>
+            <a:ahLst/>
+            <a:cxnLst/>
+            <a:rect l="l" t="t" r="r" b="b"/>
+            <a:pathLst>
+              <a:path w="120000" h="120000" extrusionOk="0">
+                <a:moveTo>
+                  <a:pt x="0" y="0"/>
+                </a:moveTo>
+                <a:lnTo>
+                  <a:pt x="120000" y="0"/>
+                </a:lnTo>
+                <a:lnTo>
+                  <a:pt x="120000" y="120000"/>
+                </a:lnTo>
+                <a:lnTo>
+                  <a:pt x="0" y="120000"/>
+                </a:lnTo>
+                <a:close/>
+              </a:path>
+            </a:pathLst>
+          </a:custGeom>
+        </p:spPr>
+      </p:sp>
+      <p:sp>
+        <p:nvSpPr>
+          <p:cNvPr id="76" name="Google Shape;76;gac10fef634_0_20:notes"/>
+          <p:cNvSpPr txBox="1">
+            <a:spLocks noGrp="1"/>
+          </p:cNvSpPr>
+          <p:nvPr>
+            <p:ph type="body" idx="1"/>
+          </p:nvPr>
+        </p:nvSpPr>
+        <p:spPr>
+          <a:xfrm>
+            <a:off x="685800" y="4343400"/>
+            <a:ext cx="5486400" cy="4114800"/>
+          </a:xfrm>
+          <a:prstGeom prst="rect">
+            <a:avLst/>
+          </a:prstGeom>
+        </p:spPr>
+        <p:txBody>
+          <a:bodyPr spcFirstLastPara="1" wrap="square" lIns="91425" tIns="91425" rIns="91425" bIns="91425" anchor="t" anchorCtr="0">
+            <a:noAutofit/>
+          </a:bodyPr>
+          <a:lstStyle/>
+          <a:p>
+            <a:pPr marL="0" lvl="0" indent="0" algn="l" rtl="0">
+              <a:spcBef>
+                <a:spcPts val="0"/>
+              </a:spcBef>
+              <a:spcAft>
+                <a:spcPts val="0"/>
+              </a:spcAft>
+              <a:buNone/>
+            </a:pPr>
+            <a:endParaRPr/>
+          </a:p>
+        </p:txBody>
+      </p:sp>
+    </p:spTree>
+    <p:extLst>
+      <p:ext uri="{BB962C8B-B14F-4D97-AF65-F5344CB8AC3E}">
+        <p14:creationId xmlns:p14="http://schemas.microsoft.com/office/powerpoint/2010/main" val="2204060233"/>
+      </p:ext>
+    </p:extLst>
+  </p:cSld>
+  <p:clrMapOvr>
+    <a:masterClrMapping/>
+  </p:clrMapOvr>
+</p:notes>
+</file>
+
+<file path=ppt/notesSlides/notesSlide15.xml><?xml version="1.0" encoding="utf-8"?>
+<p:notes xmlns:a="http://schemas.openxmlformats.org/drawingml/2006/main" xmlns:r="http://schemas.openxmlformats.org/officeDocument/2006/relationships" xmlns:p="http://schemas.openxmlformats.org/presentationml/2006/main" showMasterSp="0" showMasterPhAnim="0">
+  <p:cSld>
+    <p:spTree>
+      <p:nvGrpSpPr>
+        <p:cNvPr id="1" name="Shape 80"/>
+        <p:cNvGrpSpPr/>
+        <p:nvPr/>
+      </p:nvGrpSpPr>
+      <p:grpSpPr>
+        <a:xfrm>
+          <a:off x="0" y="0"/>
+          <a:ext cx="0" cy="0"/>
+          <a:chOff x="0" y="0"/>
+          <a:chExt cx="0" cy="0"/>
+        </a:xfrm>
+      </p:grpSpPr>
+      <p:sp>
+        <p:nvSpPr>
+          <p:cNvPr id="81" name="Google Shape;81;gac10fef634_0_25:notes"/>
+          <p:cNvSpPr>
+            <a:spLocks noGrp="1" noRot="1" noChangeAspect="1"/>
+          </p:cNvSpPr>
+          <p:nvPr>
+            <p:ph type="sldImg" idx="2"/>
+          </p:nvPr>
+        </p:nvSpPr>
+        <p:spPr>
+          <a:xfrm>
+            <a:off x="381000" y="685800"/>
+            <a:ext cx="6096000" cy="3429000"/>
+          </a:xfrm>
+          <a:custGeom>
+            <a:avLst/>
+            <a:gdLst/>
+            <a:ahLst/>
+            <a:cxnLst/>
+            <a:rect l="l" t="t" r="r" b="b"/>
+            <a:pathLst>
+              <a:path w="120000" h="120000" extrusionOk="0">
+                <a:moveTo>
+                  <a:pt x="0" y="0"/>
+                </a:moveTo>
+                <a:lnTo>
+                  <a:pt x="120000" y="0"/>
+                </a:lnTo>
+                <a:lnTo>
+                  <a:pt x="120000" y="120000"/>
+                </a:lnTo>
+                <a:lnTo>
+                  <a:pt x="0" y="120000"/>
+                </a:lnTo>
+                <a:close/>
+              </a:path>
+            </a:pathLst>
+          </a:custGeom>
+        </p:spPr>
+      </p:sp>
+      <p:sp>
+        <p:nvSpPr>
+          <p:cNvPr id="82" name="Google Shape;82;gac10fef634_0_25:notes"/>
+          <p:cNvSpPr txBox="1">
+            <a:spLocks noGrp="1"/>
+          </p:cNvSpPr>
+          <p:nvPr>
+            <p:ph type="body" idx="1"/>
+          </p:nvPr>
+        </p:nvSpPr>
+        <p:spPr>
+          <a:xfrm>
+            <a:off x="685800" y="4343400"/>
+            <a:ext cx="5486400" cy="4114800"/>
+          </a:xfrm>
+          <a:prstGeom prst="rect">
+            <a:avLst/>
+          </a:prstGeom>
+        </p:spPr>
+        <p:txBody>
+          <a:bodyPr spcFirstLastPara="1" wrap="square" lIns="91425" tIns="91425" rIns="91425" bIns="91425" anchor="t" anchorCtr="0">
+            <a:noAutofit/>
+          </a:bodyPr>
+          <a:lstStyle/>
+          <a:p>
+            <a:pPr marL="0" lvl="0" indent="0" algn="l" rtl="0">
+              <a:spcBef>
+                <a:spcPts val="0"/>
+              </a:spcBef>
+              <a:spcAft>
+                <a:spcPts val="0"/>
+              </a:spcAft>
+              <a:buClr>
+                <a:schemeClr val="dk1"/>
+              </a:buClr>
+              <a:buSzPts val="1100"/>
+              <a:buFont typeface="Arial"/>
+              <a:buNone/>
+            </a:pPr>
+            <a:r>
+              <a:rPr lang="en"/>
+              <a:t>Your version control evidence should go here.  This could be in the form of annotated screenshots which show you you managed this process or you could make a brief screencast explaining how you implemented version control.</a:t>
+            </a:r>
+            <a:endParaRPr/>
+          </a:p>
+          <a:p>
+            <a:pPr marL="0" lvl="0" indent="0" algn="l" rtl="0">
+              <a:spcBef>
+                <a:spcPts val="0"/>
+              </a:spcBef>
+              <a:spcAft>
+                <a:spcPts val="0"/>
+              </a:spcAft>
+              <a:buNone/>
+            </a:pPr>
+            <a:endParaRPr/>
+          </a:p>
+        </p:txBody>
+      </p:sp>
+    </p:spTree>
+  </p:cSld>
+  <p:clrMapOvr>
+    <a:masterClrMapping/>
+  </p:clrMapOvr>
+</p:notes>
+</file>
+
+<file path=ppt/notesSlides/notesSlide16.xml><?xml version="1.0" encoding="utf-8"?>
+<p:notes xmlns:a="http://schemas.openxmlformats.org/drawingml/2006/main" xmlns:r="http://schemas.openxmlformats.org/officeDocument/2006/relationships" xmlns:p="http://schemas.openxmlformats.org/presentationml/2006/main" showMasterSp="0" showMasterPhAnim="0">
+  <p:cSld>
+    <p:spTree>
+      <p:nvGrpSpPr>
         <p:cNvPr id="1" name="Shape 86"/>
         <p:cNvGrpSpPr/>
         <p:nvPr/>
@@ -1982,7 +2884,7 @@
     </p:spTree>
     <p:extLst>
       <p:ext uri="{BB962C8B-B14F-4D97-AF65-F5344CB8AC3E}">
-        <p14:creationId xmlns:p14="http://schemas.microsoft.com/office/powerpoint/2010/main" val="2204060233"/>
+        <p14:creationId xmlns:p14="http://schemas.microsoft.com/office/powerpoint/2010/main" val="2279297015"/>
       </p:ext>
     </p:extLst>
   </p:cSld>
@@ -1997,7 +2899,7 @@
   <p:cSld>
     <p:spTree>
       <p:nvGrpSpPr>
-        <p:cNvPr id="1" name="Shape 80"/>
+        <p:cNvPr id="1" name="Shape 74"/>
         <p:cNvGrpSpPr/>
         <p:nvPr/>
       </p:nvGrpSpPr>
@@ -2011,7 +2913,7 @@
       </p:grpSpPr>
       <p:sp>
         <p:nvSpPr>
-          <p:cNvPr id="81" name="Google Shape;81;gac10fef634_0_25:notes"/>
+          <p:cNvPr id="75" name="Google Shape;75;gac10fef634_0_20:notes"/>
           <p:cNvSpPr>
             <a:spLocks noGrp="1" noRot="1" noChangeAspect="1"/>
           </p:cNvSpPr>
@@ -2052,7 +2954,7 @@
       </p:sp>
       <p:sp>
         <p:nvSpPr>
-          <p:cNvPr id="82" name="Google Shape;82;gac10fef634_0_25:notes"/>
+          <p:cNvPr id="76" name="Google Shape;76;gac10fef634_0_20:notes"/>
           <p:cNvSpPr txBox="1">
             <a:spLocks noGrp="1"/>
           </p:cNvSpPr>
@@ -2082,27 +2984,6 @@
               <a:spcAft>
                 <a:spcPts val="0"/>
               </a:spcAft>
-              <a:buClr>
-                <a:schemeClr val="dk1"/>
-              </a:buClr>
-              <a:buSzPts val="1100"/>
-              <a:buFont typeface="Arial"/>
-              <a:buNone/>
-            </a:pPr>
-            <a:r>
-              <a:rPr lang="en"/>
-              <a:t>Your version control evidence should go here.  This could be in the form of annotated screenshots which show you you managed this process or you could make a brief screencast explaining how you implemented version control.</a:t>
-            </a:r>
-            <a:endParaRPr/>
-          </a:p>
-          <a:p>
-            <a:pPr marL="0" lvl="0" indent="0" algn="l" rtl="0">
-              <a:spcBef>
-                <a:spcPts val="0"/>
-              </a:spcBef>
-              <a:spcAft>
-                <a:spcPts val="0"/>
-              </a:spcAft>
               <a:buNone/>
             </a:pPr>
             <a:endParaRPr/>
@@ -2110,6 +2991,11 @@
         </p:txBody>
       </p:sp>
     </p:spTree>
+    <p:extLst>
+      <p:ext uri="{BB962C8B-B14F-4D97-AF65-F5344CB8AC3E}">
+        <p14:creationId xmlns:p14="http://schemas.microsoft.com/office/powerpoint/2010/main" val="3500412906"/>
+      </p:ext>
+    </p:extLst>
   </p:cSld>
   <p:clrMapOvr>
     <a:masterClrMapping/>
@@ -7151,6 +8037,1450 @@
 <file path=ppt/slides/slide10.xml><?xml version="1.0" encoding="utf-8"?>
 <p:sld xmlns:a="http://schemas.openxmlformats.org/drawingml/2006/main" xmlns:r="http://schemas.openxmlformats.org/officeDocument/2006/relationships" xmlns:p="http://schemas.openxmlformats.org/presentationml/2006/main">
   <p:cSld>
+    <p:spTree>
+      <p:nvGrpSpPr>
+        <p:cNvPr id="1" name="Shape 77"/>
+        <p:cNvGrpSpPr/>
+        <p:nvPr/>
+      </p:nvGrpSpPr>
+      <p:grpSpPr>
+        <a:xfrm>
+          <a:off x="0" y="0"/>
+          <a:ext cx="0" cy="0"/>
+          <a:chOff x="0" y="0"/>
+          <a:chExt cx="0" cy="0"/>
+        </a:xfrm>
+      </p:grpSpPr>
+      <p:sp>
+        <p:nvSpPr>
+          <p:cNvPr id="78" name="Google Shape;78;p17"/>
+          <p:cNvSpPr txBox="1">
+            <a:spLocks noGrp="1"/>
+          </p:cNvSpPr>
+          <p:nvPr>
+            <p:ph type="title"/>
+          </p:nvPr>
+        </p:nvSpPr>
+        <p:spPr>
+          <a:xfrm>
+            <a:off x="187713" y="97185"/>
+            <a:ext cx="8520600" cy="572700"/>
+          </a:xfrm>
+          <a:prstGeom prst="rect">
+            <a:avLst/>
+          </a:prstGeom>
+        </p:spPr>
+        <p:txBody>
+          <a:bodyPr spcFirstLastPara="1" wrap="square" lIns="91425" tIns="91425" rIns="91425" bIns="91425" anchor="t" anchorCtr="0">
+            <a:noAutofit/>
+          </a:bodyPr>
+          <a:lstStyle/>
+          <a:p>
+            <a:pPr marL="0" lvl="0" indent="0" algn="l" rtl="0">
+              <a:spcBef>
+                <a:spcPts val="0"/>
+              </a:spcBef>
+              <a:spcAft>
+                <a:spcPts val="0"/>
+              </a:spcAft>
+              <a:buNone/>
+            </a:pPr>
+            <a:r>
+              <a:rPr lang="en" dirty="0"/>
+              <a:t>Component 2 version 3 - Test Plan (and screenshot)</a:t>
+            </a:r>
+            <a:endParaRPr dirty="0"/>
+          </a:p>
+        </p:txBody>
+      </p:sp>
+      <p:graphicFrame>
+        <p:nvGraphicFramePr>
+          <p:cNvPr id="79" name="Google Shape;79;p17"/>
+          <p:cNvGraphicFramePr/>
+          <p:nvPr>
+            <p:extLst>
+              <p:ext uri="{D42A27DB-BD31-4B8C-83A1-F6EECF244321}">
+                <p14:modId xmlns:p14="http://schemas.microsoft.com/office/powerpoint/2010/main" val="1404829703"/>
+              </p:ext>
+            </p:extLst>
+          </p:nvPr>
+        </p:nvGraphicFramePr>
+        <p:xfrm>
+          <a:off x="427936" y="3382700"/>
+          <a:ext cx="8520600" cy="1737300"/>
+        </p:xfrm>
+        <a:graphic>
+          <a:graphicData uri="http://schemas.openxmlformats.org/drawingml/2006/table">
+            <a:tbl>
+              <a:tblPr>
+                <a:noFill/>
+                <a:tableStyleId>{E1099E06-0E6B-448D-9D27-60429F06E6F4}</a:tableStyleId>
+              </a:tblPr>
+              <a:tblGrid>
+                <a:gridCol w="4260300">
+                  <a:extLst>
+                    <a:ext uri="{9D8B030D-6E8A-4147-A177-3AD203B41FA5}">
+                      <a16:colId xmlns:a16="http://schemas.microsoft.com/office/drawing/2014/main" val="20000"/>
+                    </a:ext>
+                  </a:extLst>
+                </a:gridCol>
+                <a:gridCol w="4260300">
+                  <a:extLst>
+                    <a:ext uri="{9D8B030D-6E8A-4147-A177-3AD203B41FA5}">
+                      <a16:colId xmlns:a16="http://schemas.microsoft.com/office/drawing/2014/main" val="20001"/>
+                    </a:ext>
+                  </a:extLst>
+                </a:gridCol>
+              </a:tblGrid>
+              <a:tr h="381000">
+                <a:tc>
+                  <a:txBody>
+                    <a:bodyPr/>
+                    <a:lstStyle/>
+                    <a:p>
+                      <a:pPr marL="0" lvl="0" indent="0" algn="l" rtl="0">
+                        <a:spcBef>
+                          <a:spcPts val="0"/>
+                        </a:spcBef>
+                        <a:spcAft>
+                          <a:spcPts val="0"/>
+                        </a:spcAft>
+                        <a:buNone/>
+                      </a:pPr>
+                      <a:r>
+                        <a:rPr lang="en" sz="1800" b="1" dirty="0"/>
+                        <a:t>Test Case</a:t>
+                      </a:r>
+                      <a:endParaRPr sz="1800" b="1" dirty="0"/>
+                    </a:p>
+                  </a:txBody>
+                  <a:tcPr marL="91425" marR="91425" marT="91425" marB="91425">
+                    <a:solidFill>
+                      <a:srgbClr val="CCCCCC"/>
+                    </a:solidFill>
+                  </a:tcPr>
+                </a:tc>
+                <a:tc>
+                  <a:txBody>
+                    <a:bodyPr/>
+                    <a:lstStyle/>
+                    <a:p>
+                      <a:pPr marL="0" lvl="0" indent="0" algn="l" rtl="0">
+                        <a:spcBef>
+                          <a:spcPts val="0"/>
+                        </a:spcBef>
+                        <a:spcAft>
+                          <a:spcPts val="0"/>
+                        </a:spcAft>
+                        <a:buNone/>
+                      </a:pPr>
+                      <a:r>
+                        <a:rPr lang="en" sz="1800" b="1"/>
+                        <a:t>Expected Values</a:t>
+                      </a:r>
+                      <a:endParaRPr sz="1800" b="1"/>
+                    </a:p>
+                  </a:txBody>
+                  <a:tcPr marL="91425" marR="91425" marT="91425" marB="91425">
+                    <a:solidFill>
+                      <a:srgbClr val="CCCCCC"/>
+                    </a:solidFill>
+                  </a:tcPr>
+                </a:tc>
+                <a:extLst>
+                  <a:ext uri="{0D108BD9-81ED-4DB2-BD59-A6C34878D82A}">
+                    <a16:rowId xmlns:a16="http://schemas.microsoft.com/office/drawing/2014/main" val="10000"/>
+                  </a:ext>
+                </a:extLst>
+              </a:tr>
+              <a:tr h="396200">
+                <a:tc>
+                  <a:txBody>
+                    <a:bodyPr/>
+                    <a:lstStyle/>
+                    <a:p>
+                      <a:pPr marL="0" lvl="0" indent="0" algn="l" rtl="0">
+                        <a:spcBef>
+                          <a:spcPts val="0"/>
+                        </a:spcBef>
+                        <a:spcAft>
+                          <a:spcPts val="0"/>
+                        </a:spcAft>
+                        <a:buNone/>
+                      </a:pPr>
+                      <a:r>
+                        <a:rPr lang="en-NZ" sz="1800" dirty="0"/>
+                        <a:t>Run program</a:t>
+                      </a:r>
+                      <a:endParaRPr sz="1800" dirty="0"/>
+                    </a:p>
+                  </a:txBody>
+                  <a:tcPr marL="91425" marR="91425" marT="91425" marB="91425"/>
+                </a:tc>
+                <a:tc>
+                  <a:txBody>
+                    <a:bodyPr/>
+                    <a:lstStyle/>
+                    <a:p>
+                      <a:pPr marL="0" lvl="0" indent="0" algn="l" rtl="0">
+                        <a:spcBef>
+                          <a:spcPts val="0"/>
+                        </a:spcBef>
+                        <a:spcAft>
+                          <a:spcPts val="0"/>
+                        </a:spcAft>
+                        <a:buNone/>
+                      </a:pPr>
+                      <a:r>
+                        <a:rPr lang="en-NZ" sz="1800" dirty="0"/>
+                        <a:t>Enter 1 program prints pickup</a:t>
+                      </a:r>
+                    </a:p>
+                    <a:p>
+                      <a:pPr marL="0" lvl="0" indent="0" algn="l" rtl="0">
+                        <a:spcBef>
+                          <a:spcPts val="0"/>
+                        </a:spcBef>
+                        <a:spcAft>
+                          <a:spcPts val="0"/>
+                        </a:spcAft>
+                        <a:buNone/>
+                      </a:pPr>
+                      <a:r>
+                        <a:rPr lang="en-NZ" sz="1800" dirty="0"/>
+                        <a:t>Enter 2 program prints delivery</a:t>
+                      </a:r>
+                    </a:p>
+                    <a:p>
+                      <a:pPr marL="0" lvl="0" indent="0" algn="l" rtl="0">
+                        <a:spcBef>
+                          <a:spcPts val="0"/>
+                        </a:spcBef>
+                        <a:spcAft>
+                          <a:spcPts val="0"/>
+                        </a:spcAft>
+                        <a:buNone/>
+                      </a:pPr>
+                      <a:r>
+                        <a:rPr lang="en-NZ" sz="1800" dirty="0"/>
+                        <a:t>Enter invalid program displays value error</a:t>
+                      </a:r>
+                      <a:endParaRPr sz="1800" dirty="0"/>
+                    </a:p>
+                  </a:txBody>
+                  <a:tcPr marL="91425" marR="91425" marT="91425" marB="91425"/>
+                </a:tc>
+                <a:extLst>
+                  <a:ext uri="{0D108BD9-81ED-4DB2-BD59-A6C34878D82A}">
+                    <a16:rowId xmlns:a16="http://schemas.microsoft.com/office/drawing/2014/main" val="10001"/>
+                  </a:ext>
+                </a:extLst>
+              </a:tr>
+            </a:tbl>
+          </a:graphicData>
+        </a:graphic>
+      </p:graphicFrame>
+      <p:pic>
+        <p:nvPicPr>
+          <p:cNvPr id="4" name="Picture 3">
+            <a:extLst>
+              <a:ext uri="{FF2B5EF4-FFF2-40B4-BE49-F238E27FC236}">
+                <a16:creationId xmlns:a16="http://schemas.microsoft.com/office/drawing/2014/main" id="{9145E8C4-B927-4E25-8F10-2AD1C4598FCC}"/>
+              </a:ext>
+            </a:extLst>
+          </p:cNvPr>
+          <p:cNvPicPr>
+            <a:picLocks noChangeAspect="1"/>
+          </p:cNvPicPr>
+          <p:nvPr/>
+        </p:nvPicPr>
+        <p:blipFill>
+          <a:blip r:embed="rId3"/>
+          <a:stretch>
+            <a:fillRect/>
+          </a:stretch>
+        </p:blipFill>
+        <p:spPr>
+          <a:xfrm>
+            <a:off x="2475765" y="600143"/>
+            <a:ext cx="3944495" cy="2712815"/>
+          </a:xfrm>
+          <a:prstGeom prst="rect">
+            <a:avLst/>
+          </a:prstGeom>
+        </p:spPr>
+      </p:pic>
+    </p:spTree>
+    <p:extLst>
+      <p:ext uri="{BB962C8B-B14F-4D97-AF65-F5344CB8AC3E}">
+        <p14:creationId xmlns:p14="http://schemas.microsoft.com/office/powerpoint/2010/main" val="1407199106"/>
+      </p:ext>
+    </p:extLst>
+  </p:cSld>
+  <p:clrMapOvr>
+    <a:masterClrMapping/>
+  </p:clrMapOvr>
+</p:sld>
+</file>
+
+<file path=ppt/slides/slide11.xml><?xml version="1.0" encoding="utf-8"?>
+<p:sld xmlns:a="http://schemas.openxmlformats.org/drawingml/2006/main" xmlns:r="http://schemas.openxmlformats.org/officeDocument/2006/relationships" xmlns:p="http://schemas.openxmlformats.org/presentationml/2006/main">
+  <p:cSld>
+    <p:spTree>
+      <p:nvGrpSpPr>
+        <p:cNvPr id="1" name="Shape 77"/>
+        <p:cNvGrpSpPr/>
+        <p:nvPr/>
+      </p:nvGrpSpPr>
+      <p:grpSpPr>
+        <a:xfrm>
+          <a:off x="0" y="0"/>
+          <a:ext cx="0" cy="0"/>
+          <a:chOff x="0" y="0"/>
+          <a:chExt cx="0" cy="0"/>
+        </a:xfrm>
+      </p:grpSpPr>
+      <p:sp>
+        <p:nvSpPr>
+          <p:cNvPr id="78" name="Google Shape;78;p17"/>
+          <p:cNvSpPr txBox="1">
+            <a:spLocks noGrp="1"/>
+          </p:cNvSpPr>
+          <p:nvPr>
+            <p:ph type="title"/>
+          </p:nvPr>
+        </p:nvSpPr>
+        <p:spPr>
+          <a:xfrm>
+            <a:off x="187713" y="97185"/>
+            <a:ext cx="8520600" cy="572700"/>
+          </a:xfrm>
+          <a:prstGeom prst="rect">
+            <a:avLst/>
+          </a:prstGeom>
+        </p:spPr>
+        <p:txBody>
+          <a:bodyPr spcFirstLastPara="1" wrap="square" lIns="91425" tIns="91425" rIns="91425" bIns="91425" anchor="t" anchorCtr="0">
+            <a:noAutofit/>
+          </a:bodyPr>
+          <a:lstStyle/>
+          <a:p>
+            <a:pPr marL="0" lvl="0" indent="0" algn="l" rtl="0">
+              <a:spcBef>
+                <a:spcPts val="0"/>
+              </a:spcBef>
+              <a:spcAft>
+                <a:spcPts val="0"/>
+              </a:spcAft>
+              <a:buNone/>
+            </a:pPr>
+            <a:r>
+              <a:rPr lang="en" dirty="0"/>
+              <a:t>Component 2 </a:t>
+            </a:r>
+            <a:r>
+              <a:rPr lang="en"/>
+              <a:t>version 4 </a:t>
+            </a:r>
+            <a:r>
+              <a:rPr lang="en" dirty="0"/>
+              <a:t>- Test Plan (and screenshot)</a:t>
+            </a:r>
+            <a:endParaRPr dirty="0"/>
+          </a:p>
+        </p:txBody>
+      </p:sp>
+      <p:graphicFrame>
+        <p:nvGraphicFramePr>
+          <p:cNvPr id="79" name="Google Shape;79;p17"/>
+          <p:cNvGraphicFramePr/>
+          <p:nvPr>
+            <p:extLst>
+              <p:ext uri="{D42A27DB-BD31-4B8C-83A1-F6EECF244321}">
+                <p14:modId xmlns:p14="http://schemas.microsoft.com/office/powerpoint/2010/main" val="4152128592"/>
+              </p:ext>
+            </p:extLst>
+          </p:nvPr>
+        </p:nvGraphicFramePr>
+        <p:xfrm>
+          <a:off x="311700" y="3226874"/>
+          <a:ext cx="8520600" cy="1737300"/>
+        </p:xfrm>
+        <a:graphic>
+          <a:graphicData uri="http://schemas.openxmlformats.org/drawingml/2006/table">
+            <a:tbl>
+              <a:tblPr>
+                <a:noFill/>
+                <a:tableStyleId>{E1099E06-0E6B-448D-9D27-60429F06E6F4}</a:tableStyleId>
+              </a:tblPr>
+              <a:tblGrid>
+                <a:gridCol w="2741466">
+                  <a:extLst>
+                    <a:ext uri="{9D8B030D-6E8A-4147-A177-3AD203B41FA5}">
+                      <a16:colId xmlns:a16="http://schemas.microsoft.com/office/drawing/2014/main" val="20000"/>
+                    </a:ext>
+                  </a:extLst>
+                </a:gridCol>
+                <a:gridCol w="5779134">
+                  <a:extLst>
+                    <a:ext uri="{9D8B030D-6E8A-4147-A177-3AD203B41FA5}">
+                      <a16:colId xmlns:a16="http://schemas.microsoft.com/office/drawing/2014/main" val="20001"/>
+                    </a:ext>
+                  </a:extLst>
+                </a:gridCol>
+              </a:tblGrid>
+              <a:tr h="381000">
+                <a:tc>
+                  <a:txBody>
+                    <a:bodyPr/>
+                    <a:lstStyle/>
+                    <a:p>
+                      <a:pPr marL="0" lvl="0" indent="0" algn="l" rtl="0">
+                        <a:spcBef>
+                          <a:spcPts val="0"/>
+                        </a:spcBef>
+                        <a:spcAft>
+                          <a:spcPts val="0"/>
+                        </a:spcAft>
+                        <a:buNone/>
+                      </a:pPr>
+                      <a:r>
+                        <a:rPr lang="en" sz="1800" b="1" dirty="0"/>
+                        <a:t>Test Case</a:t>
+                      </a:r>
+                      <a:endParaRPr sz="1800" b="1" dirty="0"/>
+                    </a:p>
+                  </a:txBody>
+                  <a:tcPr marL="91425" marR="91425" marT="91425" marB="91425">
+                    <a:solidFill>
+                      <a:srgbClr val="CCCCCC"/>
+                    </a:solidFill>
+                  </a:tcPr>
+                </a:tc>
+                <a:tc>
+                  <a:txBody>
+                    <a:bodyPr/>
+                    <a:lstStyle/>
+                    <a:p>
+                      <a:pPr marL="0" lvl="0" indent="0" algn="l" rtl="0">
+                        <a:spcBef>
+                          <a:spcPts val="0"/>
+                        </a:spcBef>
+                        <a:spcAft>
+                          <a:spcPts val="0"/>
+                        </a:spcAft>
+                        <a:buNone/>
+                      </a:pPr>
+                      <a:r>
+                        <a:rPr lang="en" sz="1800" b="1"/>
+                        <a:t>Expected Values</a:t>
+                      </a:r>
+                      <a:endParaRPr sz="1800" b="1"/>
+                    </a:p>
+                  </a:txBody>
+                  <a:tcPr marL="91425" marR="91425" marT="91425" marB="91425">
+                    <a:solidFill>
+                      <a:srgbClr val="CCCCCC"/>
+                    </a:solidFill>
+                  </a:tcPr>
+                </a:tc>
+                <a:extLst>
+                  <a:ext uri="{0D108BD9-81ED-4DB2-BD59-A6C34878D82A}">
+                    <a16:rowId xmlns:a16="http://schemas.microsoft.com/office/drawing/2014/main" val="10000"/>
+                  </a:ext>
+                </a:extLst>
+              </a:tr>
+              <a:tr h="396200">
+                <a:tc>
+                  <a:txBody>
+                    <a:bodyPr/>
+                    <a:lstStyle/>
+                    <a:p>
+                      <a:pPr marL="0" lvl="0" indent="0" algn="l" rtl="0">
+                        <a:spcBef>
+                          <a:spcPts val="0"/>
+                        </a:spcBef>
+                        <a:spcAft>
+                          <a:spcPts val="0"/>
+                        </a:spcAft>
+                        <a:buNone/>
+                      </a:pPr>
+                      <a:r>
+                        <a:rPr lang="en-NZ" sz="1800" dirty="0"/>
+                        <a:t>Run program</a:t>
+                      </a:r>
+                      <a:endParaRPr sz="1800" dirty="0"/>
+                    </a:p>
+                  </a:txBody>
+                  <a:tcPr marL="91425" marR="91425" marT="91425" marB="91425"/>
+                </a:tc>
+                <a:tc>
+                  <a:txBody>
+                    <a:bodyPr/>
+                    <a:lstStyle/>
+                    <a:p>
+                      <a:pPr marL="0" lvl="0" indent="0" algn="l" rtl="0">
+                        <a:spcBef>
+                          <a:spcPts val="0"/>
+                        </a:spcBef>
+                        <a:spcAft>
+                          <a:spcPts val="0"/>
+                        </a:spcAft>
+                        <a:buNone/>
+                      </a:pPr>
+                      <a:r>
+                        <a:rPr lang="en-NZ" sz="1800" dirty="0"/>
+                        <a:t>Enter 1 program prints pickup.</a:t>
+                      </a:r>
+                    </a:p>
+                    <a:p>
+                      <a:pPr marL="0" lvl="0" indent="0" algn="l" rtl="0">
+                        <a:spcBef>
+                          <a:spcPts val="0"/>
+                        </a:spcBef>
+                        <a:spcAft>
+                          <a:spcPts val="0"/>
+                        </a:spcAft>
+                        <a:buNone/>
+                      </a:pPr>
+                      <a:r>
+                        <a:rPr lang="en-NZ" sz="1800" dirty="0"/>
+                        <a:t>Enter 2 program prints delivery.</a:t>
+                      </a:r>
+                    </a:p>
+                    <a:p>
+                      <a:pPr marL="0" lvl="0" indent="0" algn="l" rtl="0">
+                        <a:spcBef>
+                          <a:spcPts val="0"/>
+                        </a:spcBef>
+                        <a:spcAft>
+                          <a:spcPts val="0"/>
+                        </a:spcAft>
+                        <a:buNone/>
+                      </a:pPr>
+                      <a:r>
+                        <a:rPr lang="en-NZ" sz="1800" dirty="0"/>
+                        <a:t>Enter invalid prints error message.</a:t>
+                      </a:r>
+                    </a:p>
+                    <a:p>
+                      <a:pPr marL="0" lvl="0" indent="0" algn="l" rtl="0">
+                        <a:spcBef>
+                          <a:spcPts val="0"/>
+                        </a:spcBef>
+                        <a:spcAft>
+                          <a:spcPts val="0"/>
+                        </a:spcAft>
+                        <a:buNone/>
+                      </a:pPr>
+                      <a:r>
+                        <a:rPr lang="en-NZ" sz="1800" dirty="0"/>
+                        <a:t>Enter no. other than 1 or 2 does not work</a:t>
+                      </a:r>
+                      <a:endParaRPr sz="1800" dirty="0"/>
+                    </a:p>
+                  </a:txBody>
+                  <a:tcPr marL="91425" marR="91425" marT="91425" marB="91425"/>
+                </a:tc>
+                <a:extLst>
+                  <a:ext uri="{0D108BD9-81ED-4DB2-BD59-A6C34878D82A}">
+                    <a16:rowId xmlns:a16="http://schemas.microsoft.com/office/drawing/2014/main" val="10001"/>
+                  </a:ext>
+                </a:extLst>
+              </a:tr>
+            </a:tbl>
+          </a:graphicData>
+        </a:graphic>
+      </p:graphicFrame>
+      <p:pic>
+        <p:nvPicPr>
+          <p:cNvPr id="3" name="Picture 2">
+            <a:extLst>
+              <a:ext uri="{FF2B5EF4-FFF2-40B4-BE49-F238E27FC236}">
+                <a16:creationId xmlns:a16="http://schemas.microsoft.com/office/drawing/2014/main" id="{D82B78F8-9FB1-426F-B968-4FC96700969D}"/>
+              </a:ext>
+            </a:extLst>
+          </p:cNvPr>
+          <p:cNvPicPr>
+            <a:picLocks noChangeAspect="1"/>
+          </p:cNvPicPr>
+          <p:nvPr/>
+        </p:nvPicPr>
+        <p:blipFill rotWithShape="1">
+          <a:blip r:embed="rId3"/>
+          <a:srcRect b="5064"/>
+          <a:stretch/>
+        </p:blipFill>
+        <p:spPr>
+          <a:xfrm>
+            <a:off x="995927" y="675586"/>
+            <a:ext cx="2491191" cy="2484838"/>
+          </a:xfrm>
+          <a:prstGeom prst="rect">
+            <a:avLst/>
+          </a:prstGeom>
+        </p:spPr>
+      </p:pic>
+      <p:pic>
+        <p:nvPicPr>
+          <p:cNvPr id="6" name="Picture 5">
+            <a:extLst>
+              <a:ext uri="{FF2B5EF4-FFF2-40B4-BE49-F238E27FC236}">
+                <a16:creationId xmlns:a16="http://schemas.microsoft.com/office/drawing/2014/main" id="{66FA179E-266B-410A-BFB2-429EBF123380}"/>
+              </a:ext>
+            </a:extLst>
+          </p:cNvPr>
+          <p:cNvPicPr>
+            <a:picLocks noChangeAspect="1"/>
+          </p:cNvPicPr>
+          <p:nvPr/>
+        </p:nvPicPr>
+        <p:blipFill>
+          <a:blip r:embed="rId4"/>
+          <a:stretch>
+            <a:fillRect/>
+          </a:stretch>
+        </p:blipFill>
+        <p:spPr>
+          <a:xfrm>
+            <a:off x="4355023" y="1012977"/>
+            <a:ext cx="4105848" cy="2048161"/>
+          </a:xfrm>
+          <a:prstGeom prst="rect">
+            <a:avLst/>
+          </a:prstGeom>
+        </p:spPr>
+      </p:pic>
+    </p:spTree>
+    <p:extLst>
+      <p:ext uri="{BB962C8B-B14F-4D97-AF65-F5344CB8AC3E}">
+        <p14:creationId xmlns:p14="http://schemas.microsoft.com/office/powerpoint/2010/main" val="1142597644"/>
+      </p:ext>
+    </p:extLst>
+  </p:cSld>
+  <p:clrMapOvr>
+    <a:masterClrMapping/>
+  </p:clrMapOvr>
+</p:sld>
+</file>
+
+<file path=ppt/slides/slide12.xml><?xml version="1.0" encoding="utf-8"?>
+<p:sld xmlns:a="http://schemas.openxmlformats.org/drawingml/2006/main" xmlns:r="http://schemas.openxmlformats.org/officeDocument/2006/relationships" xmlns:p="http://schemas.openxmlformats.org/presentationml/2006/main">
+  <p:cSld>
+    <p:spTree>
+      <p:nvGrpSpPr>
+        <p:cNvPr id="1" name="Shape 77"/>
+        <p:cNvGrpSpPr/>
+        <p:nvPr/>
+      </p:nvGrpSpPr>
+      <p:grpSpPr>
+        <a:xfrm>
+          <a:off x="0" y="0"/>
+          <a:ext cx="0" cy="0"/>
+          <a:chOff x="0" y="0"/>
+          <a:chExt cx="0" cy="0"/>
+        </a:xfrm>
+      </p:grpSpPr>
+      <p:sp>
+        <p:nvSpPr>
+          <p:cNvPr id="78" name="Google Shape;78;p17"/>
+          <p:cNvSpPr txBox="1">
+            <a:spLocks noGrp="1"/>
+          </p:cNvSpPr>
+          <p:nvPr>
+            <p:ph type="title"/>
+          </p:nvPr>
+        </p:nvSpPr>
+        <p:spPr>
+          <a:xfrm>
+            <a:off x="187713" y="97185"/>
+            <a:ext cx="8520600" cy="572700"/>
+          </a:xfrm>
+          <a:prstGeom prst="rect">
+            <a:avLst/>
+          </a:prstGeom>
+        </p:spPr>
+        <p:txBody>
+          <a:bodyPr spcFirstLastPara="1" wrap="square" lIns="91425" tIns="91425" rIns="91425" bIns="91425" anchor="t" anchorCtr="0">
+            <a:noAutofit/>
+          </a:bodyPr>
+          <a:lstStyle/>
+          <a:p>
+            <a:pPr marL="0" lvl="0" indent="0" algn="l" rtl="0">
+              <a:spcBef>
+                <a:spcPts val="0"/>
+              </a:spcBef>
+              <a:spcAft>
+                <a:spcPts val="0"/>
+              </a:spcAft>
+              <a:buNone/>
+            </a:pPr>
+            <a:r>
+              <a:rPr lang="en" dirty="0"/>
+              <a:t>Component 2 version 5 - Test Plan (and screenshot)</a:t>
+            </a:r>
+            <a:endParaRPr dirty="0"/>
+          </a:p>
+        </p:txBody>
+      </p:sp>
+      <p:graphicFrame>
+        <p:nvGraphicFramePr>
+          <p:cNvPr id="79" name="Google Shape;79;p17"/>
+          <p:cNvGraphicFramePr/>
+          <p:nvPr>
+            <p:extLst>
+              <p:ext uri="{D42A27DB-BD31-4B8C-83A1-F6EECF244321}">
+                <p14:modId xmlns:p14="http://schemas.microsoft.com/office/powerpoint/2010/main" val="415560009"/>
+              </p:ext>
+            </p:extLst>
+          </p:nvPr>
+        </p:nvGraphicFramePr>
+        <p:xfrm>
+          <a:off x="155850" y="3037668"/>
+          <a:ext cx="8832300" cy="2011620"/>
+        </p:xfrm>
+        <a:graphic>
+          <a:graphicData uri="http://schemas.openxmlformats.org/drawingml/2006/table">
+            <a:tbl>
+              <a:tblPr>
+                <a:noFill/>
+                <a:tableStyleId>{E1099E06-0E6B-448D-9D27-60429F06E6F4}</a:tableStyleId>
+              </a:tblPr>
+              <a:tblGrid>
+                <a:gridCol w="2841754">
+                  <a:extLst>
+                    <a:ext uri="{9D8B030D-6E8A-4147-A177-3AD203B41FA5}">
+                      <a16:colId xmlns:a16="http://schemas.microsoft.com/office/drawing/2014/main" val="20000"/>
+                    </a:ext>
+                  </a:extLst>
+                </a:gridCol>
+                <a:gridCol w="5990546">
+                  <a:extLst>
+                    <a:ext uri="{9D8B030D-6E8A-4147-A177-3AD203B41FA5}">
+                      <a16:colId xmlns:a16="http://schemas.microsoft.com/office/drawing/2014/main" val="20001"/>
+                    </a:ext>
+                  </a:extLst>
+                </a:gridCol>
+              </a:tblGrid>
+              <a:tr h="427583">
+                <a:tc>
+                  <a:txBody>
+                    <a:bodyPr/>
+                    <a:lstStyle/>
+                    <a:p>
+                      <a:pPr marL="0" lvl="0" indent="0" algn="l" rtl="0">
+                        <a:spcBef>
+                          <a:spcPts val="0"/>
+                        </a:spcBef>
+                        <a:spcAft>
+                          <a:spcPts val="0"/>
+                        </a:spcAft>
+                        <a:buNone/>
+                      </a:pPr>
+                      <a:r>
+                        <a:rPr lang="en" sz="1800" b="1" dirty="0"/>
+                        <a:t>Test Case</a:t>
+                      </a:r>
+                      <a:endParaRPr sz="1800" b="1" dirty="0"/>
+                    </a:p>
+                  </a:txBody>
+                  <a:tcPr marL="91425" marR="91425" marT="91425" marB="91425">
+                    <a:solidFill>
+                      <a:srgbClr val="CCCCCC"/>
+                    </a:solidFill>
+                  </a:tcPr>
+                </a:tc>
+                <a:tc>
+                  <a:txBody>
+                    <a:bodyPr/>
+                    <a:lstStyle/>
+                    <a:p>
+                      <a:pPr marL="0" lvl="0" indent="0" algn="l" rtl="0">
+                        <a:spcBef>
+                          <a:spcPts val="0"/>
+                        </a:spcBef>
+                        <a:spcAft>
+                          <a:spcPts val="0"/>
+                        </a:spcAft>
+                        <a:buNone/>
+                      </a:pPr>
+                      <a:r>
+                        <a:rPr lang="en" sz="1800" b="1"/>
+                        <a:t>Expected Values</a:t>
+                      </a:r>
+                      <a:endParaRPr sz="1800" b="1"/>
+                    </a:p>
+                  </a:txBody>
+                  <a:tcPr marL="91425" marR="91425" marT="91425" marB="91425">
+                    <a:solidFill>
+                      <a:srgbClr val="CCCCCC"/>
+                    </a:solidFill>
+                  </a:tcPr>
+                </a:tc>
+                <a:extLst>
+                  <a:ext uri="{0D108BD9-81ED-4DB2-BD59-A6C34878D82A}">
+                    <a16:rowId xmlns:a16="http://schemas.microsoft.com/office/drawing/2014/main" val="10000"/>
+                  </a:ext>
+                </a:extLst>
+              </a:tr>
+              <a:tr h="1453851">
+                <a:tc>
+                  <a:txBody>
+                    <a:bodyPr/>
+                    <a:lstStyle/>
+                    <a:p>
+                      <a:pPr marL="0" lvl="0" indent="0" algn="l" rtl="0">
+                        <a:spcBef>
+                          <a:spcPts val="0"/>
+                        </a:spcBef>
+                        <a:spcAft>
+                          <a:spcPts val="0"/>
+                        </a:spcAft>
+                        <a:buNone/>
+                      </a:pPr>
+                      <a:r>
+                        <a:rPr lang="en-NZ" sz="1800" dirty="0"/>
+                        <a:t>Run program</a:t>
+                      </a:r>
+                      <a:endParaRPr sz="1800" dirty="0"/>
+                    </a:p>
+                  </a:txBody>
+                  <a:tcPr marL="91425" marR="91425" marT="91425" marB="91425"/>
+                </a:tc>
+                <a:tc>
+                  <a:txBody>
+                    <a:bodyPr/>
+                    <a:lstStyle/>
+                    <a:p>
+                      <a:pPr marL="0" lvl="0" indent="0" algn="l" rtl="0">
+                        <a:spcBef>
+                          <a:spcPts val="0"/>
+                        </a:spcBef>
+                        <a:spcAft>
+                          <a:spcPts val="0"/>
+                        </a:spcAft>
+                        <a:buNone/>
+                      </a:pPr>
+                      <a:r>
+                        <a:rPr lang="en-NZ" sz="1800" dirty="0"/>
+                        <a:t>Enter 1 program prints pickup.</a:t>
+                      </a:r>
+                    </a:p>
+                    <a:p>
+                      <a:pPr marL="0" lvl="0" indent="0" algn="l" rtl="0">
+                        <a:spcBef>
+                          <a:spcPts val="0"/>
+                        </a:spcBef>
+                        <a:spcAft>
+                          <a:spcPts val="0"/>
+                        </a:spcAft>
+                        <a:buNone/>
+                      </a:pPr>
+                      <a:r>
+                        <a:rPr lang="en-NZ" sz="1800" dirty="0"/>
+                        <a:t>Enter 2 program prints delivery.</a:t>
+                      </a:r>
+                    </a:p>
+                    <a:p>
+                      <a:pPr marL="0" lvl="0" indent="0" algn="l" rtl="0">
+                        <a:spcBef>
+                          <a:spcPts val="0"/>
+                        </a:spcBef>
+                        <a:spcAft>
+                          <a:spcPts val="0"/>
+                        </a:spcAft>
+                        <a:buNone/>
+                      </a:pPr>
+                      <a:r>
+                        <a:rPr lang="en-NZ" sz="1800" dirty="0"/>
+                        <a:t>Enter invalid entry - error message asks for input again.</a:t>
+                      </a:r>
+                    </a:p>
+                    <a:p>
+                      <a:pPr marL="0" lvl="0" indent="0" algn="l" rtl="0">
+                        <a:spcBef>
+                          <a:spcPts val="0"/>
+                        </a:spcBef>
+                        <a:spcAft>
+                          <a:spcPts val="0"/>
+                        </a:spcAft>
+                        <a:buNone/>
+                      </a:pPr>
+                      <a:r>
+                        <a:rPr lang="en-NZ" sz="1800" dirty="0"/>
+                        <a:t>Enter no. other than 1 or 2 – error messages asks for entry again</a:t>
+                      </a:r>
+                      <a:endParaRPr sz="1800" dirty="0"/>
+                    </a:p>
+                  </a:txBody>
+                  <a:tcPr marL="91425" marR="91425" marT="91425" marB="91425"/>
+                </a:tc>
+                <a:extLst>
+                  <a:ext uri="{0D108BD9-81ED-4DB2-BD59-A6C34878D82A}">
+                    <a16:rowId xmlns:a16="http://schemas.microsoft.com/office/drawing/2014/main" val="10001"/>
+                  </a:ext>
+                </a:extLst>
+              </a:tr>
+            </a:tbl>
+          </a:graphicData>
+        </a:graphic>
+      </p:graphicFrame>
+      <p:pic>
+        <p:nvPicPr>
+          <p:cNvPr id="4" name="Picture 3">
+            <a:extLst>
+              <a:ext uri="{FF2B5EF4-FFF2-40B4-BE49-F238E27FC236}">
+                <a16:creationId xmlns:a16="http://schemas.microsoft.com/office/drawing/2014/main" id="{AA8E0E2E-0322-4920-8979-B8BF174400A5}"/>
+              </a:ext>
+            </a:extLst>
+          </p:cNvPr>
+          <p:cNvPicPr>
+            <a:picLocks noChangeAspect="1"/>
+          </p:cNvPicPr>
+          <p:nvPr/>
+        </p:nvPicPr>
+        <p:blipFill>
+          <a:blip r:embed="rId3"/>
+          <a:stretch>
+            <a:fillRect/>
+          </a:stretch>
+        </p:blipFill>
+        <p:spPr>
+          <a:xfrm>
+            <a:off x="1482322" y="669885"/>
+            <a:ext cx="2490173" cy="2367783"/>
+          </a:xfrm>
+          <a:prstGeom prst="rect">
+            <a:avLst/>
+          </a:prstGeom>
+        </p:spPr>
+      </p:pic>
+      <p:pic>
+        <p:nvPicPr>
+          <p:cNvPr id="7" name="Picture 6">
+            <a:extLst>
+              <a:ext uri="{FF2B5EF4-FFF2-40B4-BE49-F238E27FC236}">
+                <a16:creationId xmlns:a16="http://schemas.microsoft.com/office/drawing/2014/main" id="{6318221A-F649-4AA8-9E2C-1E071E2EC27A}"/>
+              </a:ext>
+            </a:extLst>
+          </p:cNvPr>
+          <p:cNvPicPr>
+            <a:picLocks noChangeAspect="1"/>
+          </p:cNvPicPr>
+          <p:nvPr/>
+        </p:nvPicPr>
+        <p:blipFill>
+          <a:blip r:embed="rId4"/>
+          <a:stretch>
+            <a:fillRect/>
+          </a:stretch>
+        </p:blipFill>
+        <p:spPr>
+          <a:xfrm>
+            <a:off x="4507688" y="664882"/>
+            <a:ext cx="2642545" cy="2372786"/>
+          </a:xfrm>
+          <a:prstGeom prst="rect">
+            <a:avLst/>
+          </a:prstGeom>
+        </p:spPr>
+      </p:pic>
+    </p:spTree>
+    <p:extLst>
+      <p:ext uri="{BB962C8B-B14F-4D97-AF65-F5344CB8AC3E}">
+        <p14:creationId xmlns:p14="http://schemas.microsoft.com/office/powerpoint/2010/main" val="1464118612"/>
+      </p:ext>
+    </p:extLst>
+  </p:cSld>
+  <p:clrMapOvr>
+    <a:masterClrMapping/>
+  </p:clrMapOvr>
+</p:sld>
+</file>
+
+<file path=ppt/slides/slide13.xml><?xml version="1.0" encoding="utf-8"?>
+<p:sld xmlns:a="http://schemas.openxmlformats.org/drawingml/2006/main" xmlns:r="http://schemas.openxmlformats.org/officeDocument/2006/relationships" xmlns:p="http://schemas.openxmlformats.org/presentationml/2006/main">
+  <p:cSld>
+    <p:bg>
+      <p:bgPr>
+        <a:solidFill>
+          <a:srgbClr val="D9EAD3"/>
+        </a:solidFill>
+        <a:effectLst/>
+      </p:bgPr>
+    </p:bg>
+    <p:spTree>
+      <p:nvGrpSpPr>
+        <p:cNvPr id="1" name="Shape 72"/>
+        <p:cNvGrpSpPr/>
+        <p:nvPr/>
+      </p:nvGrpSpPr>
+      <p:grpSpPr>
+        <a:xfrm>
+          <a:off x="0" y="0"/>
+          <a:ext cx="0" cy="0"/>
+          <a:chOff x="0" y="0"/>
+          <a:chExt cx="0" cy="0"/>
+        </a:xfrm>
+      </p:grpSpPr>
+      <p:sp>
+        <p:nvSpPr>
+          <p:cNvPr id="73" name="Google Shape;73;p16"/>
+          <p:cNvSpPr txBox="1">
+            <a:spLocks noGrp="1"/>
+          </p:cNvSpPr>
+          <p:nvPr>
+            <p:ph type="title"/>
+          </p:nvPr>
+        </p:nvSpPr>
+        <p:spPr>
+          <a:xfrm>
+            <a:off x="311700" y="445025"/>
+            <a:ext cx="8520600" cy="572700"/>
+          </a:xfrm>
+          <a:prstGeom prst="rect">
+            <a:avLst/>
+          </a:prstGeom>
+        </p:spPr>
+        <p:txBody>
+          <a:bodyPr spcFirstLastPara="1" wrap="square" lIns="91425" tIns="91425" rIns="91425" bIns="91425" anchor="t" anchorCtr="0">
+            <a:noAutofit/>
+          </a:bodyPr>
+          <a:lstStyle/>
+          <a:p>
+            <a:pPr marL="0" lvl="0" indent="0" algn="l" rtl="0">
+              <a:spcBef>
+                <a:spcPts val="0"/>
+              </a:spcBef>
+              <a:spcAft>
+                <a:spcPts val="0"/>
+              </a:spcAft>
+              <a:buNone/>
+            </a:pPr>
+            <a:r>
+              <a:rPr lang="en" dirty="0"/>
+              <a:t>Component 2 (Trello screenshot)</a:t>
+            </a:r>
+            <a:endParaRPr dirty="0"/>
+          </a:p>
+        </p:txBody>
+      </p:sp>
+    </p:spTree>
+    <p:extLst>
+      <p:ext uri="{BB962C8B-B14F-4D97-AF65-F5344CB8AC3E}">
+        <p14:creationId xmlns:p14="http://schemas.microsoft.com/office/powerpoint/2010/main" val="2139286805"/>
+      </p:ext>
+    </p:extLst>
+  </p:cSld>
+  <p:clrMapOvr>
+    <a:masterClrMapping/>
+  </p:clrMapOvr>
+</p:sld>
+</file>
+
+<file path=ppt/slides/slide14.xml><?xml version="1.0" encoding="utf-8"?>
+<p:sld xmlns:a="http://schemas.openxmlformats.org/drawingml/2006/main" xmlns:r="http://schemas.openxmlformats.org/officeDocument/2006/relationships" xmlns:p="http://schemas.openxmlformats.org/presentationml/2006/main">
+  <p:cSld>
+    <p:spTree>
+      <p:nvGrpSpPr>
+        <p:cNvPr id="1" name="Shape 77"/>
+        <p:cNvGrpSpPr/>
+        <p:nvPr/>
+      </p:nvGrpSpPr>
+      <p:grpSpPr>
+        <a:xfrm>
+          <a:off x="0" y="0"/>
+          <a:ext cx="0" cy="0"/>
+          <a:chOff x="0" y="0"/>
+          <a:chExt cx="0" cy="0"/>
+        </a:xfrm>
+      </p:grpSpPr>
+      <p:sp>
+        <p:nvSpPr>
+          <p:cNvPr id="78" name="Google Shape;78;p17"/>
+          <p:cNvSpPr txBox="1">
+            <a:spLocks noGrp="1"/>
+          </p:cNvSpPr>
+          <p:nvPr>
+            <p:ph type="title"/>
+          </p:nvPr>
+        </p:nvSpPr>
+        <p:spPr>
+          <a:xfrm>
+            <a:off x="311700" y="445025"/>
+            <a:ext cx="8520600" cy="572700"/>
+          </a:xfrm>
+          <a:prstGeom prst="rect">
+            <a:avLst/>
+          </a:prstGeom>
+        </p:spPr>
+        <p:txBody>
+          <a:bodyPr spcFirstLastPara="1" wrap="square" lIns="91425" tIns="91425" rIns="91425" bIns="91425" anchor="t" anchorCtr="0">
+            <a:noAutofit/>
+          </a:bodyPr>
+          <a:lstStyle/>
+          <a:p>
+            <a:pPr marL="0" lvl="0" indent="0" algn="l" rtl="0">
+              <a:spcBef>
+                <a:spcPts val="0"/>
+              </a:spcBef>
+              <a:spcAft>
+                <a:spcPts val="0"/>
+              </a:spcAft>
+              <a:buNone/>
+            </a:pPr>
+            <a:r>
+              <a:rPr lang="en" dirty="0"/>
+              <a:t>Component 2 - Test Plan (and screenshot)</a:t>
+            </a:r>
+            <a:endParaRPr dirty="0"/>
+          </a:p>
+        </p:txBody>
+      </p:sp>
+      <p:graphicFrame>
+        <p:nvGraphicFramePr>
+          <p:cNvPr id="79" name="Google Shape;79;p17"/>
+          <p:cNvGraphicFramePr/>
+          <p:nvPr/>
+        </p:nvGraphicFramePr>
+        <p:xfrm>
+          <a:off x="334947" y="3583335"/>
+          <a:ext cx="8520600" cy="1462980"/>
+        </p:xfrm>
+        <a:graphic>
+          <a:graphicData uri="http://schemas.openxmlformats.org/drawingml/2006/table">
+            <a:tbl>
+              <a:tblPr>
+                <a:noFill/>
+                <a:tableStyleId>{E1099E06-0E6B-448D-9D27-60429F06E6F4}</a:tableStyleId>
+              </a:tblPr>
+              <a:tblGrid>
+                <a:gridCol w="4260300">
+                  <a:extLst>
+                    <a:ext uri="{9D8B030D-6E8A-4147-A177-3AD203B41FA5}">
+                      <a16:colId xmlns:a16="http://schemas.microsoft.com/office/drawing/2014/main" val="20000"/>
+                    </a:ext>
+                  </a:extLst>
+                </a:gridCol>
+                <a:gridCol w="4260300">
+                  <a:extLst>
+                    <a:ext uri="{9D8B030D-6E8A-4147-A177-3AD203B41FA5}">
+                      <a16:colId xmlns:a16="http://schemas.microsoft.com/office/drawing/2014/main" val="20001"/>
+                    </a:ext>
+                  </a:extLst>
+                </a:gridCol>
+              </a:tblGrid>
+              <a:tr h="381000">
+                <a:tc>
+                  <a:txBody>
+                    <a:bodyPr/>
+                    <a:lstStyle/>
+                    <a:p>
+                      <a:pPr marL="0" lvl="0" indent="0" algn="l" rtl="0">
+                        <a:spcBef>
+                          <a:spcPts val="0"/>
+                        </a:spcBef>
+                        <a:spcAft>
+                          <a:spcPts val="0"/>
+                        </a:spcAft>
+                        <a:buNone/>
+                      </a:pPr>
+                      <a:r>
+                        <a:rPr lang="en" sz="1800" b="1" dirty="0"/>
+                        <a:t>Test Case</a:t>
+                      </a:r>
+                      <a:endParaRPr sz="1800" b="1" dirty="0"/>
+                    </a:p>
+                  </a:txBody>
+                  <a:tcPr marL="91425" marR="91425" marT="91425" marB="91425">
+                    <a:solidFill>
+                      <a:srgbClr val="CCCCCC"/>
+                    </a:solidFill>
+                  </a:tcPr>
+                </a:tc>
+                <a:tc>
+                  <a:txBody>
+                    <a:bodyPr/>
+                    <a:lstStyle/>
+                    <a:p>
+                      <a:pPr marL="0" lvl="0" indent="0" algn="l" rtl="0">
+                        <a:spcBef>
+                          <a:spcPts val="0"/>
+                        </a:spcBef>
+                        <a:spcAft>
+                          <a:spcPts val="0"/>
+                        </a:spcAft>
+                        <a:buNone/>
+                      </a:pPr>
+                      <a:r>
+                        <a:rPr lang="en" sz="1800" b="1"/>
+                        <a:t>Expected Values</a:t>
+                      </a:r>
+                      <a:endParaRPr sz="1800" b="1"/>
+                    </a:p>
+                  </a:txBody>
+                  <a:tcPr marL="91425" marR="91425" marT="91425" marB="91425">
+                    <a:solidFill>
+                      <a:srgbClr val="CCCCCC"/>
+                    </a:solidFill>
+                  </a:tcPr>
+                </a:tc>
+                <a:extLst>
+                  <a:ext uri="{0D108BD9-81ED-4DB2-BD59-A6C34878D82A}">
+                    <a16:rowId xmlns:a16="http://schemas.microsoft.com/office/drawing/2014/main" val="10000"/>
+                  </a:ext>
+                </a:extLst>
+              </a:tr>
+              <a:tr h="396200">
+                <a:tc>
+                  <a:txBody>
+                    <a:bodyPr/>
+                    <a:lstStyle/>
+                    <a:p>
+                      <a:pPr marL="0" lvl="0" indent="0" algn="l" rtl="0">
+                        <a:spcBef>
+                          <a:spcPts val="0"/>
+                        </a:spcBef>
+                        <a:spcAft>
+                          <a:spcPts val="0"/>
+                        </a:spcAft>
+                        <a:buNone/>
+                      </a:pPr>
+                      <a:r>
+                        <a:rPr lang="en-NZ" sz="1800" dirty="0"/>
+                        <a:t>Run program</a:t>
+                      </a:r>
+                      <a:endParaRPr sz="1800" dirty="0"/>
+                    </a:p>
+                  </a:txBody>
+                  <a:tcPr marL="91425" marR="91425" marT="91425" marB="91425"/>
+                </a:tc>
+                <a:tc>
+                  <a:txBody>
+                    <a:bodyPr/>
+                    <a:lstStyle/>
+                    <a:p>
+                      <a:pPr marL="0" lvl="0" indent="0" algn="l" rtl="0">
+                        <a:spcBef>
+                          <a:spcPts val="0"/>
+                        </a:spcBef>
+                        <a:spcAft>
+                          <a:spcPts val="0"/>
+                        </a:spcAft>
+                        <a:buNone/>
+                      </a:pPr>
+                      <a:r>
+                        <a:rPr lang="en-NZ" sz="1800" dirty="0"/>
+                        <a:t>Main and welcome run correctly. Welcome message prints with random name</a:t>
+                      </a:r>
+                      <a:endParaRPr sz="1800" dirty="0"/>
+                    </a:p>
+                  </a:txBody>
+                  <a:tcPr marL="91425" marR="91425" marT="91425" marB="91425"/>
+                </a:tc>
+                <a:extLst>
+                  <a:ext uri="{0D108BD9-81ED-4DB2-BD59-A6C34878D82A}">
+                    <a16:rowId xmlns:a16="http://schemas.microsoft.com/office/drawing/2014/main" val="10001"/>
+                  </a:ext>
+                </a:extLst>
+              </a:tr>
+            </a:tbl>
+          </a:graphicData>
+        </a:graphic>
+      </p:graphicFrame>
+      <p:pic>
+        <p:nvPicPr>
+          <p:cNvPr id="4" name="Picture 3">
+            <a:extLst>
+              <a:ext uri="{FF2B5EF4-FFF2-40B4-BE49-F238E27FC236}">
+                <a16:creationId xmlns:a16="http://schemas.microsoft.com/office/drawing/2014/main" id="{20B7E5E2-D228-402B-BC82-DCCA1B087E56}"/>
+              </a:ext>
+            </a:extLst>
+          </p:cNvPr>
+          <p:cNvPicPr>
+            <a:picLocks noChangeAspect="1"/>
+          </p:cNvPicPr>
+          <p:nvPr/>
+        </p:nvPicPr>
+        <p:blipFill>
+          <a:blip r:embed="rId3"/>
+          <a:stretch>
+            <a:fillRect/>
+          </a:stretch>
+        </p:blipFill>
+        <p:spPr>
+          <a:xfrm>
+            <a:off x="334947" y="1074245"/>
+            <a:ext cx="3549112" cy="2452570"/>
+          </a:xfrm>
+          <a:prstGeom prst="rect">
+            <a:avLst/>
+          </a:prstGeom>
+        </p:spPr>
+      </p:pic>
+      <p:pic>
+        <p:nvPicPr>
+          <p:cNvPr id="7" name="Picture 6">
+            <a:extLst>
+              <a:ext uri="{FF2B5EF4-FFF2-40B4-BE49-F238E27FC236}">
+                <a16:creationId xmlns:a16="http://schemas.microsoft.com/office/drawing/2014/main" id="{2A910E99-4A47-45CC-95F0-DD4A6DBDA811}"/>
+              </a:ext>
+            </a:extLst>
+          </p:cNvPr>
+          <p:cNvPicPr>
+            <a:picLocks noChangeAspect="1"/>
+          </p:cNvPicPr>
+          <p:nvPr/>
+        </p:nvPicPr>
+        <p:blipFill>
+          <a:blip r:embed="rId4"/>
+          <a:stretch>
+            <a:fillRect/>
+          </a:stretch>
+        </p:blipFill>
+        <p:spPr>
+          <a:xfrm>
+            <a:off x="3997106" y="1929003"/>
+            <a:ext cx="4667901" cy="743054"/>
+          </a:xfrm>
+          <a:prstGeom prst="rect">
+            <a:avLst/>
+          </a:prstGeom>
+        </p:spPr>
+      </p:pic>
+    </p:spTree>
+    <p:extLst>
+      <p:ext uri="{BB962C8B-B14F-4D97-AF65-F5344CB8AC3E}">
+        <p14:creationId xmlns:p14="http://schemas.microsoft.com/office/powerpoint/2010/main" val="303811128"/>
+      </p:ext>
+    </p:extLst>
+  </p:cSld>
+  <p:clrMapOvr>
+    <a:masterClrMapping/>
+  </p:clrMapOvr>
+</p:sld>
+</file>
+
+<file path=ppt/slides/slide15.xml><?xml version="1.0" encoding="utf-8"?>
+<p:sld xmlns:a="http://schemas.openxmlformats.org/drawingml/2006/main" xmlns:r="http://schemas.openxmlformats.org/officeDocument/2006/relationships" xmlns:p="http://schemas.openxmlformats.org/presentationml/2006/main">
+  <p:cSld>
+    <p:bg>
+      <p:bgPr>
+        <a:solidFill>
+          <a:srgbClr val="D9EAD3"/>
+        </a:solidFill>
+        <a:effectLst/>
+      </p:bgPr>
+    </p:bg>
+    <p:spTree>
+      <p:nvGrpSpPr>
+        <p:cNvPr id="1" name="Shape 83"/>
+        <p:cNvGrpSpPr/>
+        <p:nvPr/>
+      </p:nvGrpSpPr>
+      <p:grpSpPr>
+        <a:xfrm>
+          <a:off x="0" y="0"/>
+          <a:ext cx="0" cy="0"/>
+          <a:chOff x="0" y="0"/>
+          <a:chExt cx="0" cy="0"/>
+        </a:xfrm>
+      </p:grpSpPr>
+      <p:sp>
+        <p:nvSpPr>
+          <p:cNvPr id="84" name="Google Shape;84;p18"/>
+          <p:cNvSpPr txBox="1">
+            <a:spLocks noGrp="1"/>
+          </p:cNvSpPr>
+          <p:nvPr>
+            <p:ph type="title"/>
+          </p:nvPr>
+        </p:nvSpPr>
+        <p:spPr>
+          <a:xfrm>
+            <a:off x="311700" y="445025"/>
+            <a:ext cx="8520600" cy="572700"/>
+          </a:xfrm>
+          <a:prstGeom prst="rect">
+            <a:avLst/>
+          </a:prstGeom>
+        </p:spPr>
+        <p:txBody>
+          <a:bodyPr spcFirstLastPara="1" wrap="square" lIns="91425" tIns="91425" rIns="91425" bIns="91425" anchor="t" anchorCtr="0">
+            <a:noAutofit/>
+          </a:bodyPr>
+          <a:lstStyle/>
+          <a:p>
+            <a:pPr marL="0" lvl="0" indent="0" algn="l" rtl="0">
+              <a:spcBef>
+                <a:spcPts val="0"/>
+              </a:spcBef>
+              <a:spcAft>
+                <a:spcPts val="0"/>
+              </a:spcAft>
+              <a:buNone/>
+            </a:pPr>
+            <a:r>
+              <a:rPr lang="en"/>
+              <a:t>Version Control Evidence</a:t>
+            </a:r>
+            <a:endParaRPr/>
+          </a:p>
+        </p:txBody>
+      </p:sp>
+      <p:sp>
+        <p:nvSpPr>
+          <p:cNvPr id="85" name="Google Shape;85;p18"/>
+          <p:cNvSpPr txBox="1">
+            <a:spLocks noGrp="1"/>
+          </p:cNvSpPr>
+          <p:nvPr>
+            <p:ph type="body" idx="1"/>
+          </p:nvPr>
+        </p:nvSpPr>
+        <p:spPr>
+          <a:xfrm>
+            <a:off x="311700" y="1152475"/>
+            <a:ext cx="8464200" cy="3739200"/>
+          </a:xfrm>
+          <a:prstGeom prst="rect">
+            <a:avLst/>
+          </a:prstGeom>
+        </p:spPr>
+        <p:txBody>
+          <a:bodyPr spcFirstLastPara="1" wrap="square" lIns="91425" tIns="91425" rIns="91425" bIns="91425" anchor="t" anchorCtr="0">
+            <a:noAutofit/>
+          </a:bodyPr>
+          <a:lstStyle/>
+          <a:p>
+            <a:pPr marL="0" lvl="0" indent="0" algn="l" rtl="0">
+              <a:spcBef>
+                <a:spcPts val="0"/>
+              </a:spcBef>
+              <a:spcAft>
+                <a:spcPts val="1600"/>
+              </a:spcAft>
+              <a:buNone/>
+            </a:pPr>
+            <a:r>
+              <a:rPr lang="en" i="1"/>
+              <a:t>Your version control evidence should go here.  This could be in the form of annotated screenshots which show you you managed this process or you could make a brief screencast explaining how you implemented version control.</a:t>
+            </a:r>
+            <a:endParaRPr i="1"/>
+          </a:p>
+        </p:txBody>
+      </p:sp>
+    </p:spTree>
+  </p:cSld>
+  <p:clrMapOvr>
+    <a:masterClrMapping/>
+  </p:clrMapOvr>
+</p:sld>
+</file>
+
+<file path=ppt/slides/slide16.xml><?xml version="1.0" encoding="utf-8"?>
+<p:sld xmlns:a="http://schemas.openxmlformats.org/drawingml/2006/main" xmlns:r="http://schemas.openxmlformats.org/officeDocument/2006/relationships" xmlns:p="http://schemas.openxmlformats.org/presentationml/2006/main">
+  <p:cSld>
     <p:bg>
       <p:bgPr>
         <a:solidFill>
@@ -8252,6 +10582,36 @@
           </a:p>
         </p:txBody>
       </p:sp>
+      <p:pic>
+        <p:nvPicPr>
+          <p:cNvPr id="3" name="Picture 2">
+            <a:extLst>
+              <a:ext uri="{FF2B5EF4-FFF2-40B4-BE49-F238E27FC236}">
+                <a16:creationId xmlns:a16="http://schemas.microsoft.com/office/drawing/2014/main" id="{52671A77-10F0-4674-8325-846984ED61E1}"/>
+              </a:ext>
+            </a:extLst>
+          </p:cNvPr>
+          <p:cNvPicPr>
+            <a:picLocks noChangeAspect="1"/>
+          </p:cNvPicPr>
+          <p:nvPr/>
+        </p:nvPicPr>
+        <p:blipFill>
+          <a:blip r:embed="rId3"/>
+          <a:stretch>
+            <a:fillRect/>
+          </a:stretch>
+        </p:blipFill>
+        <p:spPr>
+          <a:xfrm>
+            <a:off x="774915" y="1375613"/>
+            <a:ext cx="8121112" cy="2262310"/>
+          </a:xfrm>
+          <a:prstGeom prst="rect">
+            <a:avLst/>
+          </a:prstGeom>
+        </p:spPr>
+      </p:pic>
     </p:spTree>
     <p:extLst>
       <p:ext uri="{BB962C8B-B14F-4D97-AF65-F5344CB8AC3E}">
@@ -8294,7 +10654,7 @@
         </p:nvSpPr>
         <p:spPr>
           <a:xfrm>
-            <a:off x="311700" y="445025"/>
+            <a:off x="187713" y="97185"/>
             <a:ext cx="8520600" cy="572700"/>
           </a:xfrm>
           <a:prstGeom prst="rect">
@@ -8318,7 +10678,7 @@
             </a:pPr>
             <a:r>
               <a:rPr lang="en" dirty="0"/>
-              <a:t>Component 2 - Test Plan (and screenshot)</a:t>
+              <a:t>Component 2 version 1 - Test Plan (and screenshot)</a:t>
             </a:r>
             <a:endParaRPr dirty="0"/>
           </a:p>
@@ -8328,7 +10688,13 @@
         <p:nvGraphicFramePr>
           <p:cNvPr id="79" name="Google Shape;79;p17"/>
           <p:cNvGraphicFramePr/>
-          <p:nvPr/>
+          <p:nvPr>
+            <p:extLst>
+              <p:ext uri="{D42A27DB-BD31-4B8C-83A1-F6EECF244321}">
+                <p14:modId xmlns:p14="http://schemas.microsoft.com/office/powerpoint/2010/main" val="1676824903"/>
+              </p:ext>
+            </p:extLst>
+          </p:nvPr>
         </p:nvGraphicFramePr>
         <p:xfrm>
           <a:off x="334947" y="3583335"/>
@@ -8458,7 +10824,326 @@
                       </a:pPr>
                       <a:r>
                         <a:rPr lang="en-NZ" sz="1800" dirty="0"/>
-                        <a:t>Main and welcome run correctly. Welcome message prints with random name</a:t>
+                        <a:t>Enter p program prints pickup</a:t>
+                      </a:r>
+                    </a:p>
+                    <a:p>
+                      <a:pPr marL="0" lvl="0" indent="0" algn="l" rtl="0">
+                        <a:spcBef>
+                          <a:spcPts val="0"/>
+                        </a:spcBef>
+                        <a:spcAft>
+                          <a:spcPts val="0"/>
+                        </a:spcAft>
+                        <a:buNone/>
+                      </a:pPr>
+                      <a:r>
+                        <a:rPr lang="en-NZ" sz="1800" dirty="0"/>
+                        <a:t>Enter d program prints delivery</a:t>
+                      </a:r>
+                    </a:p>
+                    <a:p>
+                      <a:pPr marL="0" lvl="0" indent="0" algn="l" rtl="0">
+                        <a:spcBef>
+                          <a:spcPts val="0"/>
+                        </a:spcBef>
+                        <a:spcAft>
+                          <a:spcPts val="0"/>
+                        </a:spcAft>
+                        <a:buNone/>
+                      </a:pPr>
+                      <a:r>
+                        <a:rPr lang="en-NZ" sz="1800" dirty="0"/>
+                        <a:t>Enter invalid program stops</a:t>
+                      </a:r>
+                      <a:endParaRPr sz="1800" dirty="0"/>
+                    </a:p>
+                  </a:txBody>
+                  <a:tcPr marL="91425" marR="91425" marT="91425" marB="91425"/>
+                </a:tc>
+                <a:extLst>
+                  <a:ext uri="{0D108BD9-81ED-4DB2-BD59-A6C34878D82A}">
+                    <a16:rowId xmlns:a16="http://schemas.microsoft.com/office/drawing/2014/main" val="10001"/>
+                  </a:ext>
+                </a:extLst>
+              </a:tr>
+            </a:tbl>
+          </a:graphicData>
+        </a:graphic>
+      </p:graphicFrame>
+      <p:pic>
+        <p:nvPicPr>
+          <p:cNvPr id="3" name="Picture 2">
+            <a:extLst>
+              <a:ext uri="{FF2B5EF4-FFF2-40B4-BE49-F238E27FC236}">
+                <a16:creationId xmlns:a16="http://schemas.microsoft.com/office/drawing/2014/main" id="{DFBC493D-5C29-46AF-B090-56852580D3E5}"/>
+              </a:ext>
+            </a:extLst>
+          </p:cNvPr>
+          <p:cNvPicPr>
+            <a:picLocks noChangeAspect="1"/>
+          </p:cNvPicPr>
+          <p:nvPr/>
+        </p:nvPicPr>
+        <p:blipFill>
+          <a:blip r:embed="rId3"/>
+          <a:stretch>
+            <a:fillRect/>
+          </a:stretch>
+        </p:blipFill>
+        <p:spPr>
+          <a:xfrm>
+            <a:off x="3079474" y="638353"/>
+            <a:ext cx="2794384" cy="2885703"/>
+          </a:xfrm>
+          <a:prstGeom prst="rect">
+            <a:avLst/>
+          </a:prstGeom>
+        </p:spPr>
+      </p:pic>
+    </p:spTree>
+    <p:extLst>
+      <p:ext uri="{BB962C8B-B14F-4D97-AF65-F5344CB8AC3E}">
+        <p14:creationId xmlns:p14="http://schemas.microsoft.com/office/powerpoint/2010/main" val="1264391336"/>
+      </p:ext>
+    </p:extLst>
+  </p:cSld>
+  <p:clrMapOvr>
+    <a:masterClrMapping/>
+  </p:clrMapOvr>
+</p:sld>
+</file>
+
+<file path=ppt/slides/slide9.xml><?xml version="1.0" encoding="utf-8"?>
+<p:sld xmlns:a="http://schemas.openxmlformats.org/drawingml/2006/main" xmlns:r="http://schemas.openxmlformats.org/officeDocument/2006/relationships" xmlns:p="http://schemas.openxmlformats.org/presentationml/2006/main">
+  <p:cSld>
+    <p:spTree>
+      <p:nvGrpSpPr>
+        <p:cNvPr id="1" name="Shape 77"/>
+        <p:cNvGrpSpPr/>
+        <p:nvPr/>
+      </p:nvGrpSpPr>
+      <p:grpSpPr>
+        <a:xfrm>
+          <a:off x="0" y="0"/>
+          <a:ext cx="0" cy="0"/>
+          <a:chOff x="0" y="0"/>
+          <a:chExt cx="0" cy="0"/>
+        </a:xfrm>
+      </p:grpSpPr>
+      <p:sp>
+        <p:nvSpPr>
+          <p:cNvPr id="78" name="Google Shape;78;p17"/>
+          <p:cNvSpPr txBox="1">
+            <a:spLocks noGrp="1"/>
+          </p:cNvSpPr>
+          <p:nvPr>
+            <p:ph type="title"/>
+          </p:nvPr>
+        </p:nvSpPr>
+        <p:spPr>
+          <a:xfrm>
+            <a:off x="187713" y="97185"/>
+            <a:ext cx="8520600" cy="572700"/>
+          </a:xfrm>
+          <a:prstGeom prst="rect">
+            <a:avLst/>
+          </a:prstGeom>
+        </p:spPr>
+        <p:txBody>
+          <a:bodyPr spcFirstLastPara="1" wrap="square" lIns="91425" tIns="91425" rIns="91425" bIns="91425" anchor="t" anchorCtr="0">
+            <a:noAutofit/>
+          </a:bodyPr>
+          <a:lstStyle/>
+          <a:p>
+            <a:pPr marL="0" lvl="0" indent="0" algn="l" rtl="0">
+              <a:spcBef>
+                <a:spcPts val="0"/>
+              </a:spcBef>
+              <a:spcAft>
+                <a:spcPts val="0"/>
+              </a:spcAft>
+              <a:buNone/>
+            </a:pPr>
+            <a:r>
+              <a:rPr lang="en" dirty="0"/>
+              <a:t>Component 2 version 2 - Test Plan (and screenshot)</a:t>
+            </a:r>
+            <a:endParaRPr dirty="0"/>
+          </a:p>
+        </p:txBody>
+      </p:sp>
+      <p:graphicFrame>
+        <p:nvGraphicFramePr>
+          <p:cNvPr id="79" name="Google Shape;79;p17"/>
+          <p:cNvGraphicFramePr/>
+          <p:nvPr>
+            <p:extLst>
+              <p:ext uri="{D42A27DB-BD31-4B8C-83A1-F6EECF244321}">
+                <p14:modId xmlns:p14="http://schemas.microsoft.com/office/powerpoint/2010/main" val="3664887622"/>
+              </p:ext>
+            </p:extLst>
+          </p:nvPr>
+        </p:nvGraphicFramePr>
+        <p:xfrm>
+          <a:off x="334947" y="3583335"/>
+          <a:ext cx="8520600" cy="1462980"/>
+        </p:xfrm>
+        <a:graphic>
+          <a:graphicData uri="http://schemas.openxmlformats.org/drawingml/2006/table">
+            <a:tbl>
+              <a:tblPr>
+                <a:noFill/>
+                <a:tableStyleId>{E1099E06-0E6B-448D-9D27-60429F06E6F4}</a:tableStyleId>
+              </a:tblPr>
+              <a:tblGrid>
+                <a:gridCol w="4260300">
+                  <a:extLst>
+                    <a:ext uri="{9D8B030D-6E8A-4147-A177-3AD203B41FA5}">
+                      <a16:colId xmlns:a16="http://schemas.microsoft.com/office/drawing/2014/main" val="20000"/>
+                    </a:ext>
+                  </a:extLst>
+                </a:gridCol>
+                <a:gridCol w="4260300">
+                  <a:extLst>
+                    <a:ext uri="{9D8B030D-6E8A-4147-A177-3AD203B41FA5}">
+                      <a16:colId xmlns:a16="http://schemas.microsoft.com/office/drawing/2014/main" val="20001"/>
+                    </a:ext>
+                  </a:extLst>
+                </a:gridCol>
+              </a:tblGrid>
+              <a:tr h="381000">
+                <a:tc>
+                  <a:txBody>
+                    <a:bodyPr/>
+                    <a:lstStyle/>
+                    <a:p>
+                      <a:pPr marL="0" lvl="0" indent="0" algn="l" rtl="0">
+                        <a:spcBef>
+                          <a:spcPts val="0"/>
+                        </a:spcBef>
+                        <a:spcAft>
+                          <a:spcPts val="0"/>
+                        </a:spcAft>
+                        <a:buNone/>
+                      </a:pPr>
+                      <a:r>
+                        <a:rPr lang="en" sz="1800" b="1" dirty="0"/>
+                        <a:t>Test Case</a:t>
+                      </a:r>
+                      <a:endParaRPr sz="1800" b="1" dirty="0"/>
+                    </a:p>
+                  </a:txBody>
+                  <a:tcPr marL="91425" marR="91425" marT="91425" marB="91425">
+                    <a:solidFill>
+                      <a:srgbClr val="CCCCCC"/>
+                    </a:solidFill>
+                  </a:tcPr>
+                </a:tc>
+                <a:tc>
+                  <a:txBody>
+                    <a:bodyPr/>
+                    <a:lstStyle/>
+                    <a:p>
+                      <a:pPr marL="0" lvl="0" indent="0" algn="l" rtl="0">
+                        <a:spcBef>
+                          <a:spcPts val="0"/>
+                        </a:spcBef>
+                        <a:spcAft>
+                          <a:spcPts val="0"/>
+                        </a:spcAft>
+                        <a:buNone/>
+                      </a:pPr>
+                      <a:r>
+                        <a:rPr lang="en" sz="1800" b="1"/>
+                        <a:t>Expected Values</a:t>
+                      </a:r>
+                      <a:endParaRPr sz="1800" b="1"/>
+                    </a:p>
+                  </a:txBody>
+                  <a:tcPr marL="91425" marR="91425" marT="91425" marB="91425">
+                    <a:solidFill>
+                      <a:srgbClr val="CCCCCC"/>
+                    </a:solidFill>
+                  </a:tcPr>
+                </a:tc>
+                <a:extLst>
+                  <a:ext uri="{0D108BD9-81ED-4DB2-BD59-A6C34878D82A}">
+                    <a16:rowId xmlns:a16="http://schemas.microsoft.com/office/drawing/2014/main" val="10000"/>
+                  </a:ext>
+                </a:extLst>
+              </a:tr>
+              <a:tr h="396200">
+                <a:tc>
+                  <a:txBody>
+                    <a:bodyPr/>
+                    <a:lstStyle/>
+                    <a:p>
+                      <a:pPr marL="0" lvl="0" indent="0" algn="l" rtl="0">
+                        <a:spcBef>
+                          <a:spcPts val="0"/>
+                        </a:spcBef>
+                        <a:spcAft>
+                          <a:spcPts val="0"/>
+                        </a:spcAft>
+                        <a:buNone/>
+                      </a:pPr>
+                      <a:r>
+                        <a:rPr lang="en-NZ" sz="1800" dirty="0"/>
+                        <a:t>Run program</a:t>
+                      </a:r>
+                      <a:endParaRPr sz="1800" dirty="0"/>
+                    </a:p>
+                  </a:txBody>
+                  <a:tcPr marL="91425" marR="91425" marT="91425" marB="91425"/>
+                </a:tc>
+                <a:tc>
+                  <a:txBody>
+                    <a:bodyPr/>
+                    <a:lstStyle/>
+                    <a:p>
+                      <a:pPr marL="0" lvl="0" indent="0" algn="l" rtl="0">
+                        <a:spcBef>
+                          <a:spcPts val="0"/>
+                        </a:spcBef>
+                        <a:spcAft>
+                          <a:spcPts val="0"/>
+                        </a:spcAft>
+                        <a:buNone/>
+                      </a:pPr>
+                      <a:r>
+                        <a:rPr lang="en-NZ" sz="1800" dirty="0"/>
+                        <a:t>Enter p program prints pickup</a:t>
+                      </a:r>
+                    </a:p>
+                    <a:p>
+                      <a:pPr marL="0" lvl="0" indent="0" algn="l" rtl="0">
+                        <a:spcBef>
+                          <a:spcPts val="0"/>
+                        </a:spcBef>
+                        <a:spcAft>
+                          <a:spcPts val="0"/>
+                        </a:spcAft>
+                        <a:buNone/>
+                      </a:pPr>
+                      <a:r>
+                        <a:rPr lang="en-NZ" sz="1800" dirty="0"/>
+                        <a:t>Enter d program prints delivery</a:t>
+                      </a:r>
+                    </a:p>
+                    <a:p>
+                      <a:pPr marL="0" lvl="0" indent="0" algn="l" rtl="0">
+                        <a:spcBef>
+                          <a:spcPts val="0"/>
+                        </a:spcBef>
+                        <a:spcAft>
+                          <a:spcPts val="0"/>
+                        </a:spcAft>
+                        <a:buNone/>
+                      </a:pPr>
+                      <a:r>
+                        <a:rPr lang="en-NZ" sz="1800" dirty="0"/>
+                        <a:t>Enter invalid prints error message</a:t>
                       </a:r>
                       <a:endParaRPr sz="1800" dirty="0"/>
                     </a:p>
@@ -8480,7 +11165,7 @@
           <p:cNvPr id="4" name="Picture 3">
             <a:extLst>
               <a:ext uri="{FF2B5EF4-FFF2-40B4-BE49-F238E27FC236}">
-                <a16:creationId xmlns:a16="http://schemas.microsoft.com/office/drawing/2014/main" id="{20B7E5E2-D228-402B-BC82-DCCA1B087E56}"/>
+                <a16:creationId xmlns:a16="http://schemas.microsoft.com/office/drawing/2014/main" id="{62872750-E30E-4559-863C-2E5EDC933B14}"/>
               </a:ext>
             </a:extLst>
           </p:cNvPr>
@@ -8497,38 +11182,8 @@
         </p:blipFill>
         <p:spPr>
           <a:xfrm>
-            <a:off x="334947" y="1074245"/>
-            <a:ext cx="3549112" cy="2452570"/>
-          </a:xfrm>
-          <a:prstGeom prst="rect">
-            <a:avLst/>
-          </a:prstGeom>
-        </p:spPr>
-      </p:pic>
-      <p:pic>
-        <p:nvPicPr>
-          <p:cNvPr id="7" name="Picture 6">
-            <a:extLst>
-              <a:ext uri="{FF2B5EF4-FFF2-40B4-BE49-F238E27FC236}">
-                <a16:creationId xmlns:a16="http://schemas.microsoft.com/office/drawing/2014/main" id="{2A910E99-4A47-45CC-95F0-DD4A6DBDA811}"/>
-              </a:ext>
-            </a:extLst>
-          </p:cNvPr>
-          <p:cNvPicPr>
-            <a:picLocks noChangeAspect="1"/>
-          </p:cNvPicPr>
-          <p:nvPr/>
-        </p:nvPicPr>
-        <p:blipFill>
-          <a:blip r:embed="rId4"/>
-          <a:stretch>
-            <a:fillRect/>
-          </a:stretch>
-        </p:blipFill>
-        <p:spPr>
-          <a:xfrm>
-            <a:off x="3997106" y="1929003"/>
-            <a:ext cx="4667901" cy="743054"/>
+            <a:off x="3043123" y="669885"/>
+            <a:ext cx="2853982" cy="2833712"/>
           </a:xfrm>
           <a:prstGeom prst="rect">
             <a:avLst/>
@@ -8538,126 +11193,9 @@
     </p:spTree>
     <p:extLst>
       <p:ext uri="{BB962C8B-B14F-4D97-AF65-F5344CB8AC3E}">
-        <p14:creationId xmlns:p14="http://schemas.microsoft.com/office/powerpoint/2010/main" val="303811128"/>
+        <p14:creationId xmlns:p14="http://schemas.microsoft.com/office/powerpoint/2010/main" val="3316105938"/>
       </p:ext>
     </p:extLst>
-  </p:cSld>
-  <p:clrMapOvr>
-    <a:masterClrMapping/>
-  </p:clrMapOvr>
-</p:sld>
-</file>
-
-<file path=ppt/slides/slide9.xml><?xml version="1.0" encoding="utf-8"?>
-<p:sld xmlns:a="http://schemas.openxmlformats.org/drawingml/2006/main" xmlns:r="http://schemas.openxmlformats.org/officeDocument/2006/relationships" xmlns:p="http://schemas.openxmlformats.org/presentationml/2006/main">
-  <p:cSld>
-    <p:bg>
-      <p:bgPr>
-        <a:solidFill>
-          <a:srgbClr val="D9EAD3"/>
-        </a:solidFill>
-        <a:effectLst/>
-      </p:bgPr>
-    </p:bg>
-    <p:spTree>
-      <p:nvGrpSpPr>
-        <p:cNvPr id="1" name="Shape 83"/>
-        <p:cNvGrpSpPr/>
-        <p:nvPr/>
-      </p:nvGrpSpPr>
-      <p:grpSpPr>
-        <a:xfrm>
-          <a:off x="0" y="0"/>
-          <a:ext cx="0" cy="0"/>
-          <a:chOff x="0" y="0"/>
-          <a:chExt cx="0" cy="0"/>
-        </a:xfrm>
-      </p:grpSpPr>
-      <p:sp>
-        <p:nvSpPr>
-          <p:cNvPr id="84" name="Google Shape;84;p18"/>
-          <p:cNvSpPr txBox="1">
-            <a:spLocks noGrp="1"/>
-          </p:cNvSpPr>
-          <p:nvPr>
-            <p:ph type="title"/>
-          </p:nvPr>
-        </p:nvSpPr>
-        <p:spPr>
-          <a:xfrm>
-            <a:off x="311700" y="445025"/>
-            <a:ext cx="8520600" cy="572700"/>
-          </a:xfrm>
-          <a:prstGeom prst="rect">
-            <a:avLst/>
-          </a:prstGeom>
-        </p:spPr>
-        <p:txBody>
-          <a:bodyPr spcFirstLastPara="1" wrap="square" lIns="91425" tIns="91425" rIns="91425" bIns="91425" anchor="t" anchorCtr="0">
-            <a:noAutofit/>
-          </a:bodyPr>
-          <a:lstStyle/>
-          <a:p>
-            <a:pPr marL="0" lvl="0" indent="0" algn="l" rtl="0">
-              <a:spcBef>
-                <a:spcPts val="0"/>
-              </a:spcBef>
-              <a:spcAft>
-                <a:spcPts val="0"/>
-              </a:spcAft>
-              <a:buNone/>
-            </a:pPr>
-            <a:r>
-              <a:rPr lang="en"/>
-              <a:t>Version Control Evidence</a:t>
-            </a:r>
-            <a:endParaRPr/>
-          </a:p>
-        </p:txBody>
-      </p:sp>
-      <p:sp>
-        <p:nvSpPr>
-          <p:cNvPr id="85" name="Google Shape;85;p18"/>
-          <p:cNvSpPr txBox="1">
-            <a:spLocks noGrp="1"/>
-          </p:cNvSpPr>
-          <p:nvPr>
-            <p:ph type="body" idx="1"/>
-          </p:nvPr>
-        </p:nvSpPr>
-        <p:spPr>
-          <a:xfrm>
-            <a:off x="311700" y="1152475"/>
-            <a:ext cx="8464200" cy="3739200"/>
-          </a:xfrm>
-          <a:prstGeom prst="rect">
-            <a:avLst/>
-          </a:prstGeom>
-        </p:spPr>
-        <p:txBody>
-          <a:bodyPr spcFirstLastPara="1" wrap="square" lIns="91425" tIns="91425" rIns="91425" bIns="91425" anchor="t" anchorCtr="0">
-            <a:noAutofit/>
-          </a:bodyPr>
-          <a:lstStyle/>
-          <a:p>
-            <a:pPr marL="0" lvl="0" indent="0" algn="l" rtl="0">
-              <a:spcBef>
-                <a:spcPts val="0"/>
-              </a:spcBef>
-              <a:spcAft>
-                <a:spcPts val="1600"/>
-              </a:spcAft>
-              <a:buNone/>
-            </a:pPr>
-            <a:r>
-              <a:rPr lang="en" i="1"/>
-              <a:t>Your version control evidence should go here.  This could be in the form of annotated screenshots which show you you managed this process or you could make a brief screencast explaining how you implemented version control.</a:t>
-            </a:r>
-            <a:endParaRPr i="1"/>
-          </a:p>
-        </p:txBody>
-      </p:sp>
-    </p:spTree>
   </p:cSld>
   <p:clrMapOvr>
     <a:masterClrMapping/>

--- a/022_91893+_+91897+Documentation.pptx
+++ b/022_91893+_+91897+Documentation.pptx
@@ -5,7 +5,7 @@
     <p:sldMasterId id="2147483659" r:id="rId1"/>
   </p:sldMasterIdLst>
   <p:notesMasterIdLst>
-    <p:notesMasterId r:id="rId18"/>
+    <p:notesMasterId r:id="rId19"/>
   </p:notesMasterIdLst>
   <p:sldIdLst>
     <p:sldId id="256" r:id="rId2"/>
@@ -15,15 +15,16 @@
     <p:sldId id="260" r:id="rId6"/>
     <p:sldId id="265" r:id="rId7"/>
     <p:sldId id="263" r:id="rId8"/>
-    <p:sldId id="267" r:id="rId9"/>
-    <p:sldId id="269" r:id="rId10"/>
-    <p:sldId id="270" r:id="rId11"/>
-    <p:sldId id="271" r:id="rId12"/>
-    <p:sldId id="272" r:id="rId13"/>
-    <p:sldId id="268" r:id="rId14"/>
-    <p:sldId id="266" r:id="rId15"/>
-    <p:sldId id="261" r:id="rId16"/>
-    <p:sldId id="262" r:id="rId17"/>
+    <p:sldId id="273" r:id="rId9"/>
+    <p:sldId id="267" r:id="rId10"/>
+    <p:sldId id="269" r:id="rId11"/>
+    <p:sldId id="270" r:id="rId12"/>
+    <p:sldId id="271" r:id="rId13"/>
+    <p:sldId id="272" r:id="rId14"/>
+    <p:sldId id="268" r:id="rId15"/>
+    <p:sldId id="266" r:id="rId16"/>
+    <p:sldId id="261" r:id="rId17"/>
+    <p:sldId id="262" r:id="rId18"/>
   </p:sldIdLst>
   <p:sldSz cx="9144000" cy="5143500" type="screen16x9"/>
   <p:notesSz cx="6858000" cy="9144000"/>
@@ -287,8 +288,8 @@
 <pc:chgInfo xmlns:a="http://schemas.openxmlformats.org/drawingml/2006/main" xmlns:r="http://schemas.openxmlformats.org/officeDocument/2006/relationships" xmlns:ac="http://schemas.microsoft.com/office/drawing/2013/main/command" xmlns:pc="http://schemas.microsoft.com/office/powerpoint/2013/main/command">
   <pc:docChgLst>
     <pc:chgData name="Danett Pepito" userId="ddef1e2176689e9a" providerId="LiveId" clId="{53BB49C2-00DF-4AB6-9D9D-351DBF063D16}"/>
-    <pc:docChg chg="custSel addSld delSld modSld sldOrd">
-      <pc:chgData name="Danett Pepito" userId="ddef1e2176689e9a" providerId="LiveId" clId="{53BB49C2-00DF-4AB6-9D9D-351DBF063D16}" dt="2022-02-15T20:45:45.302" v="794" actId="1076"/>
+    <pc:docChg chg="undo custSel addSld delSld modSld sldOrd">
+      <pc:chgData name="Danett Pepito" userId="ddef1e2176689e9a" providerId="LiveId" clId="{53BB49C2-00DF-4AB6-9D9D-351DBF063D16}" dt="2022-02-18T02:01:42.142" v="1029" actId="20577"/>
       <pc:docMkLst>
         <pc:docMk/>
       </pc:docMkLst>
@@ -433,14 +434,14 @@
           </ac:picMkLst>
         </pc:picChg>
       </pc:sldChg>
-      <pc:sldChg chg="addSp modSp add mod ord">
-        <pc:chgData name="Danett Pepito" userId="ddef1e2176689e9a" providerId="LiveId" clId="{53BB49C2-00DF-4AB6-9D9D-351DBF063D16}" dt="2022-02-14T21:41:55.086" v="341" actId="1076"/>
+      <pc:sldChg chg="addSp delSp modSp add mod ord">
+        <pc:chgData name="Danett Pepito" userId="ddef1e2176689e9a" providerId="LiveId" clId="{53BB49C2-00DF-4AB6-9D9D-351DBF063D16}" dt="2022-02-18T01:23:58.500" v="810" actId="1076"/>
         <pc:sldMkLst>
           <pc:docMk/>
           <pc:sldMk cId="3776443291" sldId="263"/>
         </pc:sldMkLst>
         <pc:spChg chg="mod">
-          <ac:chgData name="Danett Pepito" userId="ddef1e2176689e9a" providerId="LiveId" clId="{53BB49C2-00DF-4AB6-9D9D-351DBF063D16}" dt="2022-02-09T22:43:00.735" v="34" actId="20577"/>
+          <ac:chgData name="Danett Pepito" userId="ddef1e2176689e9a" providerId="LiveId" clId="{53BB49C2-00DF-4AB6-9D9D-351DBF063D16}" dt="2022-02-18T01:23:58.244" v="809" actId="1076"/>
           <ac:spMkLst>
             <pc:docMk/>
             <pc:sldMk cId="3776443291" sldId="263"/>
@@ -448,11 +449,19 @@
           </ac:spMkLst>
         </pc:spChg>
         <pc:picChg chg="add mod">
-          <ac:chgData name="Danett Pepito" userId="ddef1e2176689e9a" providerId="LiveId" clId="{53BB49C2-00DF-4AB6-9D9D-351DBF063D16}" dt="2022-02-14T21:41:55.086" v="341" actId="1076"/>
+          <ac:chgData name="Danett Pepito" userId="ddef1e2176689e9a" providerId="LiveId" clId="{53BB49C2-00DF-4AB6-9D9D-351DBF063D16}" dt="2022-02-18T01:23:58.500" v="810" actId="1076"/>
           <ac:picMkLst>
             <pc:docMk/>
             <pc:sldMk cId="3776443291" sldId="263"/>
             <ac:picMk id="3" creationId="{52671A77-10F0-4674-8325-846984ED61E1}"/>
+          </ac:picMkLst>
+        </pc:picChg>
+        <pc:picChg chg="add del mod">
+          <ac:chgData name="Danett Pepito" userId="ddef1e2176689e9a" providerId="LiveId" clId="{53BB49C2-00DF-4AB6-9D9D-351DBF063D16}" dt="2022-02-18T01:23:52.163" v="805" actId="22"/>
+          <ac:picMkLst>
+            <pc:docMk/>
+            <pc:sldMk cId="3776443291" sldId="263"/>
+            <ac:picMk id="4" creationId="{8F7F5E66-B72A-4CD6-B998-E8B882750F5F}"/>
           </ac:picMkLst>
         </pc:picChg>
       </pc:sldChg>
@@ -526,20 +535,68 @@
           </ac:picMkLst>
         </pc:picChg>
       </pc:sldChg>
-      <pc:sldChg chg="modSp add mod ord">
-        <pc:chgData name="Danett Pepito" userId="ddef1e2176689e9a" providerId="LiveId" clId="{53BB49C2-00DF-4AB6-9D9D-351DBF063D16}" dt="2022-02-13T23:59:32.793" v="265" actId="20577"/>
+      <pc:sldChg chg="addSp delSp modSp add mod ord">
+        <pc:chgData name="Danett Pepito" userId="ddef1e2176689e9a" providerId="LiveId" clId="{53BB49C2-00DF-4AB6-9D9D-351DBF063D16}" dt="2022-02-18T02:01:42.142" v="1029" actId="20577"/>
         <pc:sldMkLst>
           <pc:docMk/>
           <pc:sldMk cId="303811128" sldId="266"/>
         </pc:sldMkLst>
         <pc:spChg chg="mod">
-          <ac:chgData name="Danett Pepito" userId="ddef1e2176689e9a" providerId="LiveId" clId="{53BB49C2-00DF-4AB6-9D9D-351DBF063D16}" dt="2022-02-13T23:59:32.793" v="265" actId="20577"/>
+          <ac:chgData name="Danett Pepito" userId="ddef1e2176689e9a" providerId="LiveId" clId="{53BB49C2-00DF-4AB6-9D9D-351DBF063D16}" dt="2022-02-18T01:56:17.857" v="857" actId="20577"/>
           <ac:spMkLst>
             <pc:docMk/>
             <pc:sldMk cId="303811128" sldId="266"/>
             <ac:spMk id="78" creationId="{00000000-0000-0000-0000-000000000000}"/>
           </ac:spMkLst>
         </pc:spChg>
+        <pc:graphicFrameChg chg="modGraphic">
+          <ac:chgData name="Danett Pepito" userId="ddef1e2176689e9a" providerId="LiveId" clId="{53BB49C2-00DF-4AB6-9D9D-351DBF063D16}" dt="2022-02-18T02:01:42.142" v="1029" actId="20577"/>
+          <ac:graphicFrameMkLst>
+            <pc:docMk/>
+            <pc:sldMk cId="303811128" sldId="266"/>
+            <ac:graphicFrameMk id="79" creationId="{00000000-0000-0000-0000-000000000000}"/>
+          </ac:graphicFrameMkLst>
+        </pc:graphicFrameChg>
+        <pc:picChg chg="add del mod">
+          <ac:chgData name="Danett Pepito" userId="ddef1e2176689e9a" providerId="LiveId" clId="{53BB49C2-00DF-4AB6-9D9D-351DBF063D16}" dt="2022-02-18T01:59:01.575" v="861" actId="478"/>
+          <ac:picMkLst>
+            <pc:docMk/>
+            <pc:sldMk cId="303811128" sldId="266"/>
+            <ac:picMk id="3" creationId="{E72E7BCC-0F20-4838-A4E1-4A506C480D5E}"/>
+          </ac:picMkLst>
+        </pc:picChg>
+        <pc:picChg chg="del">
+          <ac:chgData name="Danett Pepito" userId="ddef1e2176689e9a" providerId="LiveId" clId="{53BB49C2-00DF-4AB6-9D9D-351DBF063D16}" dt="2022-02-18T01:56:04.464" v="851" actId="478"/>
+          <ac:picMkLst>
+            <pc:docMk/>
+            <pc:sldMk cId="303811128" sldId="266"/>
+            <ac:picMk id="4" creationId="{20B7E5E2-D228-402B-BC82-DCCA1B087E56}"/>
+          </ac:picMkLst>
+        </pc:picChg>
+        <pc:picChg chg="add mod">
+          <ac:chgData name="Danett Pepito" userId="ddef1e2176689e9a" providerId="LiveId" clId="{53BB49C2-00DF-4AB6-9D9D-351DBF063D16}" dt="2022-02-18T01:59:10.423" v="863" actId="1076"/>
+          <ac:picMkLst>
+            <pc:docMk/>
+            <pc:sldMk cId="303811128" sldId="266"/>
+            <ac:picMk id="6" creationId="{F49F66CA-C02D-4151-B92A-457220B8F7A7}"/>
+          </ac:picMkLst>
+        </pc:picChg>
+        <pc:picChg chg="del">
+          <ac:chgData name="Danett Pepito" userId="ddef1e2176689e9a" providerId="LiveId" clId="{53BB49C2-00DF-4AB6-9D9D-351DBF063D16}" dt="2022-02-18T01:56:05.465" v="852" actId="478"/>
+          <ac:picMkLst>
+            <pc:docMk/>
+            <pc:sldMk cId="303811128" sldId="266"/>
+            <ac:picMk id="7" creationId="{2A910E99-4A47-45CC-95F0-DD4A6DBDA811}"/>
+          </ac:picMkLst>
+        </pc:picChg>
+        <pc:picChg chg="add mod">
+          <ac:chgData name="Danett Pepito" userId="ddef1e2176689e9a" providerId="LiveId" clId="{53BB49C2-00DF-4AB6-9D9D-351DBF063D16}" dt="2022-02-18T02:00:11.133" v="868" actId="14100"/>
+          <ac:picMkLst>
+            <pc:docMk/>
+            <pc:sldMk cId="303811128" sldId="266"/>
+            <ac:picMk id="9" creationId="{949F4C10-7620-4E33-AE2C-8F71C3EA1DD1}"/>
+          </ac:picMkLst>
+        </pc:picChg>
       </pc:sldChg>
       <pc:sldChg chg="addSp modSp add mod">
         <pc:chgData name="Danett Pepito" userId="ddef1e2176689e9a" providerId="LiveId" clId="{53BB49C2-00DF-4AB6-9D9D-351DBF063D16}" dt="2022-02-14T21:59:38.428" v="604" actId="1076"/>
@@ -572,12 +629,28 @@
           </ac:picMkLst>
         </pc:picChg>
       </pc:sldChg>
-      <pc:sldChg chg="add replId">
-        <pc:chgData name="Danett Pepito" userId="ddef1e2176689e9a" providerId="LiveId" clId="{53BB49C2-00DF-4AB6-9D9D-351DBF063D16}" dt="2022-02-14T21:38:17.291" v="334" actId="2890"/>
+      <pc:sldChg chg="addSp modSp add mod replId">
+        <pc:chgData name="Danett Pepito" userId="ddef1e2176689e9a" providerId="LiveId" clId="{53BB49C2-00DF-4AB6-9D9D-351DBF063D16}" dt="2022-02-18T01:56:02.633" v="850" actId="1076"/>
         <pc:sldMkLst>
           <pc:docMk/>
           <pc:sldMk cId="2139286805" sldId="268"/>
         </pc:sldMkLst>
+        <pc:spChg chg="mod">
+          <ac:chgData name="Danett Pepito" userId="ddef1e2176689e9a" providerId="LiveId" clId="{53BB49C2-00DF-4AB6-9D9D-351DBF063D16}" dt="2022-02-18T01:55:44.123" v="847" actId="20577"/>
+          <ac:spMkLst>
+            <pc:docMk/>
+            <pc:sldMk cId="2139286805" sldId="268"/>
+            <ac:spMk id="73" creationId="{00000000-0000-0000-0000-000000000000}"/>
+          </ac:spMkLst>
+        </pc:spChg>
+        <pc:picChg chg="add mod">
+          <ac:chgData name="Danett Pepito" userId="ddef1e2176689e9a" providerId="LiveId" clId="{53BB49C2-00DF-4AB6-9D9D-351DBF063D16}" dt="2022-02-18T01:56:02.633" v="850" actId="1076"/>
+          <ac:picMkLst>
+            <pc:docMk/>
+            <pc:sldMk cId="2139286805" sldId="268"/>
+            <ac:picMk id="3" creationId="{7B5C387B-D0C2-4744-8A5F-95D2FF7C02F4}"/>
+          </ac:picMkLst>
+        </pc:picChg>
       </pc:sldChg>
       <pc:sldChg chg="addSp delSp modSp add mod">
         <pc:chgData name="Danett Pepito" userId="ddef1e2176689e9a" providerId="LiveId" clId="{53BB49C2-00DF-4AB6-9D9D-351DBF063D16}" dt="2022-02-14T21:59:27.352" v="600" actId="14100"/>
@@ -756,6 +829,37 @@
             <pc:docMk/>
             <pc:sldMk cId="1464118612" sldId="272"/>
             <ac:picMk id="7" creationId="{6318221A-F649-4AA8-9E2C-1E071E2EC27A}"/>
+          </ac:picMkLst>
+        </pc:picChg>
+      </pc:sldChg>
+      <pc:sldChg chg="addSp delSp modSp add mod">
+        <pc:chgData name="Danett Pepito" userId="ddef1e2176689e9a" providerId="LiveId" clId="{53BB49C2-00DF-4AB6-9D9D-351DBF063D16}" dt="2022-02-18T01:24:12.899" v="828" actId="20577"/>
+        <pc:sldMkLst>
+          <pc:docMk/>
+          <pc:sldMk cId="1921870498" sldId="273"/>
+        </pc:sldMkLst>
+        <pc:spChg chg="mod">
+          <ac:chgData name="Danett Pepito" userId="ddef1e2176689e9a" providerId="LiveId" clId="{53BB49C2-00DF-4AB6-9D9D-351DBF063D16}" dt="2022-02-18T01:24:12.899" v="828" actId="20577"/>
+          <ac:spMkLst>
+            <pc:docMk/>
+            <pc:sldMk cId="1921870498" sldId="273"/>
+            <ac:spMk id="73" creationId="{00000000-0000-0000-0000-000000000000}"/>
+          </ac:spMkLst>
+        </pc:spChg>
+        <pc:picChg chg="del">
+          <ac:chgData name="Danett Pepito" userId="ddef1e2176689e9a" providerId="LiveId" clId="{53BB49C2-00DF-4AB6-9D9D-351DBF063D16}" dt="2022-02-18T01:24:03.605" v="812" actId="478"/>
+          <ac:picMkLst>
+            <pc:docMk/>
+            <pc:sldMk cId="1921870498" sldId="273"/>
+            <ac:picMk id="3" creationId="{52671A77-10F0-4674-8325-846984ED61E1}"/>
+          </ac:picMkLst>
+        </pc:picChg>
+        <pc:picChg chg="add mod">
+          <ac:chgData name="Danett Pepito" userId="ddef1e2176689e9a" providerId="LiveId" clId="{53BB49C2-00DF-4AB6-9D9D-351DBF063D16}" dt="2022-02-18T01:24:09.712" v="816" actId="1076"/>
+          <ac:picMkLst>
+            <pc:docMk/>
+            <pc:sldMk cId="1921870498" sldId="273"/>
+            <ac:picMk id="4" creationId="{AA1A87CD-D7F1-4DC1-A46D-AEC8F451155F}"/>
           </ac:picMkLst>
         </pc:picChg>
       </pc:sldChg>
@@ -1447,7 +1551,7 @@
     </p:spTree>
     <p:extLst>
       <p:ext uri="{BB962C8B-B14F-4D97-AF65-F5344CB8AC3E}">
-        <p14:creationId xmlns:p14="http://schemas.microsoft.com/office/powerpoint/2010/main" val="928938672"/>
+        <p14:creationId xmlns:p14="http://schemas.microsoft.com/office/powerpoint/2010/main" val="3500412906"/>
       </p:ext>
     </p:extLst>
   </p:cSld>
@@ -1556,7 +1660,7 @@
     </p:spTree>
     <p:extLst>
       <p:ext uri="{BB962C8B-B14F-4D97-AF65-F5344CB8AC3E}">
-        <p14:creationId xmlns:p14="http://schemas.microsoft.com/office/powerpoint/2010/main" val="1940359579"/>
+        <p14:creationId xmlns:p14="http://schemas.microsoft.com/office/powerpoint/2010/main" val="928938672"/>
       </p:ext>
     </p:extLst>
   </p:cSld>
@@ -1665,6 +1769,115 @@
     </p:spTree>
     <p:extLst>
       <p:ext uri="{BB962C8B-B14F-4D97-AF65-F5344CB8AC3E}">
+        <p14:creationId xmlns:p14="http://schemas.microsoft.com/office/powerpoint/2010/main" val="1940359579"/>
+      </p:ext>
+    </p:extLst>
+  </p:cSld>
+  <p:clrMapOvr>
+    <a:masterClrMapping/>
+  </p:clrMapOvr>
+</p:notes>
+</file>
+
+<file path=ppt/notesSlides/notesSlide13.xml><?xml version="1.0" encoding="utf-8"?>
+<p:notes xmlns:a="http://schemas.openxmlformats.org/drawingml/2006/main" xmlns:r="http://schemas.openxmlformats.org/officeDocument/2006/relationships" xmlns:p="http://schemas.openxmlformats.org/presentationml/2006/main" showMasterSp="0" showMasterPhAnim="0">
+  <p:cSld>
+    <p:spTree>
+      <p:nvGrpSpPr>
+        <p:cNvPr id="1" name="Shape 74"/>
+        <p:cNvGrpSpPr/>
+        <p:nvPr/>
+      </p:nvGrpSpPr>
+      <p:grpSpPr>
+        <a:xfrm>
+          <a:off x="0" y="0"/>
+          <a:ext cx="0" cy="0"/>
+          <a:chOff x="0" y="0"/>
+          <a:chExt cx="0" cy="0"/>
+        </a:xfrm>
+      </p:grpSpPr>
+      <p:sp>
+        <p:nvSpPr>
+          <p:cNvPr id="75" name="Google Shape;75;gac10fef634_0_20:notes"/>
+          <p:cNvSpPr>
+            <a:spLocks noGrp="1" noRot="1" noChangeAspect="1"/>
+          </p:cNvSpPr>
+          <p:nvPr>
+            <p:ph type="sldImg" idx="2"/>
+          </p:nvPr>
+        </p:nvSpPr>
+        <p:spPr>
+          <a:xfrm>
+            <a:off x="381000" y="685800"/>
+            <a:ext cx="6096000" cy="3429000"/>
+          </a:xfrm>
+          <a:custGeom>
+            <a:avLst/>
+            <a:gdLst/>
+            <a:ahLst/>
+            <a:cxnLst/>
+            <a:rect l="l" t="t" r="r" b="b"/>
+            <a:pathLst>
+              <a:path w="120000" h="120000" extrusionOk="0">
+                <a:moveTo>
+                  <a:pt x="0" y="0"/>
+                </a:moveTo>
+                <a:lnTo>
+                  <a:pt x="120000" y="0"/>
+                </a:lnTo>
+                <a:lnTo>
+                  <a:pt x="120000" y="120000"/>
+                </a:lnTo>
+                <a:lnTo>
+                  <a:pt x="0" y="120000"/>
+                </a:lnTo>
+                <a:close/>
+              </a:path>
+            </a:pathLst>
+          </a:custGeom>
+        </p:spPr>
+      </p:sp>
+      <p:sp>
+        <p:nvSpPr>
+          <p:cNvPr id="76" name="Google Shape;76;gac10fef634_0_20:notes"/>
+          <p:cNvSpPr txBox="1">
+            <a:spLocks noGrp="1"/>
+          </p:cNvSpPr>
+          <p:nvPr>
+            <p:ph type="body" idx="1"/>
+          </p:nvPr>
+        </p:nvSpPr>
+        <p:spPr>
+          <a:xfrm>
+            <a:off x="685800" y="4343400"/>
+            <a:ext cx="5486400" cy="4114800"/>
+          </a:xfrm>
+          <a:prstGeom prst="rect">
+            <a:avLst/>
+          </a:prstGeom>
+        </p:spPr>
+        <p:txBody>
+          <a:bodyPr spcFirstLastPara="1" wrap="square" lIns="91425" tIns="91425" rIns="91425" bIns="91425" anchor="t" anchorCtr="0">
+            <a:noAutofit/>
+          </a:bodyPr>
+          <a:lstStyle/>
+          <a:p>
+            <a:pPr marL="0" lvl="0" indent="0" algn="l" rtl="0">
+              <a:spcBef>
+                <a:spcPts val="0"/>
+              </a:spcBef>
+              <a:spcAft>
+                <a:spcPts val="0"/>
+              </a:spcAft>
+              <a:buNone/>
+            </a:pPr>
+            <a:endParaRPr/>
+          </a:p>
+        </p:txBody>
+      </p:sp>
+    </p:spTree>
+    <p:extLst>
+      <p:ext uri="{BB962C8B-B14F-4D97-AF65-F5344CB8AC3E}">
         <p14:creationId xmlns:p14="http://schemas.microsoft.com/office/powerpoint/2010/main" val="4217551404"/>
       </p:ext>
     </p:extLst>
@@ -1675,7 +1888,7 @@
 </p:notes>
 </file>
 
-<file path=ppt/notesSlides/notesSlide13.xml><?xml version="1.0" encoding="utf-8"?>
+<file path=ppt/notesSlides/notesSlide14.xml><?xml version="1.0" encoding="utf-8"?>
 <p:notes xmlns:a="http://schemas.openxmlformats.org/drawingml/2006/main" xmlns:r="http://schemas.openxmlformats.org/officeDocument/2006/relationships" xmlns:p="http://schemas.openxmlformats.org/presentationml/2006/main" showMasterSp="0" showMasterPhAnim="0">
   <p:cSld>
     <p:spTree>
@@ -1784,7 +1997,7 @@
 </p:notes>
 </file>
 
-<file path=ppt/notesSlides/notesSlide14.xml><?xml version="1.0" encoding="utf-8"?>
+<file path=ppt/notesSlides/notesSlide15.xml><?xml version="1.0" encoding="utf-8"?>
 <p:notes xmlns:a="http://schemas.openxmlformats.org/drawingml/2006/main" xmlns:r="http://schemas.openxmlformats.org/officeDocument/2006/relationships" xmlns:p="http://schemas.openxmlformats.org/presentationml/2006/main" showMasterSp="0" showMasterPhAnim="0">
   <p:cSld>
     <p:spTree>
@@ -1893,7 +2106,7 @@
 </p:notes>
 </file>
 
-<file path=ppt/notesSlides/notesSlide15.xml><?xml version="1.0" encoding="utf-8"?>
+<file path=ppt/notesSlides/notesSlide16.xml><?xml version="1.0" encoding="utf-8"?>
 <p:notes xmlns:a="http://schemas.openxmlformats.org/drawingml/2006/main" xmlns:r="http://schemas.openxmlformats.org/officeDocument/2006/relationships" xmlns:p="http://schemas.openxmlformats.org/presentationml/2006/main" showMasterSp="0" showMasterPhAnim="0">
   <p:cSld>
     <p:spTree>
@@ -2018,7 +2231,7 @@
 </p:notes>
 </file>
 
-<file path=ppt/notesSlides/notesSlide16.xml><?xml version="1.0" encoding="utf-8"?>
+<file path=ppt/notesSlides/notesSlide17.xml><?xml version="1.0" encoding="utf-8"?>
 <p:notes xmlns:a="http://schemas.openxmlformats.org/drawingml/2006/main" xmlns:r="http://schemas.openxmlformats.org/officeDocument/2006/relationships" xmlns:p="http://schemas.openxmlformats.org/presentationml/2006/main" showMasterSp="0" showMasterPhAnim="0">
   <p:cSld>
     <p:spTree>
@@ -2790,7 +3003,7 @@
   <p:cSld>
     <p:spTree>
       <p:nvGrpSpPr>
-        <p:cNvPr id="1" name="Shape 74"/>
+        <p:cNvPr id="1" name="Shape 69"/>
         <p:cNvGrpSpPr/>
         <p:nvPr/>
       </p:nvGrpSpPr>
@@ -2804,7 +3017,7 @@
       </p:grpSpPr>
       <p:sp>
         <p:nvSpPr>
-          <p:cNvPr id="75" name="Google Shape;75;gac10fef634_0_20:notes"/>
+          <p:cNvPr id="70" name="Google Shape;70;gac10fef634_0_16:notes"/>
           <p:cNvSpPr>
             <a:spLocks noGrp="1" noRot="1" noChangeAspect="1"/>
           </p:cNvSpPr>
@@ -2845,7 +3058,7 @@
       </p:sp>
       <p:sp>
         <p:nvSpPr>
-          <p:cNvPr id="76" name="Google Shape;76;gac10fef634_0_20:notes"/>
+          <p:cNvPr id="71" name="Google Shape;71;gac10fef634_0_16:notes"/>
           <p:cNvSpPr txBox="1">
             <a:spLocks noGrp="1"/>
           </p:cNvSpPr>
@@ -2884,7 +3097,7 @@
     </p:spTree>
     <p:extLst>
       <p:ext uri="{BB962C8B-B14F-4D97-AF65-F5344CB8AC3E}">
-        <p14:creationId xmlns:p14="http://schemas.microsoft.com/office/powerpoint/2010/main" val="2279297015"/>
+        <p14:creationId xmlns:p14="http://schemas.microsoft.com/office/powerpoint/2010/main" val="351658337"/>
       </p:ext>
     </p:extLst>
   </p:cSld>
@@ -2993,7 +3206,7 @@
     </p:spTree>
     <p:extLst>
       <p:ext uri="{BB962C8B-B14F-4D97-AF65-F5344CB8AC3E}">
-        <p14:creationId xmlns:p14="http://schemas.microsoft.com/office/powerpoint/2010/main" val="3500412906"/>
+        <p14:creationId xmlns:p14="http://schemas.microsoft.com/office/powerpoint/2010/main" val="2279297015"/>
       </p:ext>
     </p:extLst>
   </p:cSld>
@@ -8087,6 +8300,295 @@
             </a:pPr>
             <a:r>
               <a:rPr lang="en" dirty="0"/>
+              <a:t>Component 2 version 2 - Test Plan (and screenshot)</a:t>
+            </a:r>
+            <a:endParaRPr dirty="0"/>
+          </a:p>
+        </p:txBody>
+      </p:sp>
+      <p:graphicFrame>
+        <p:nvGraphicFramePr>
+          <p:cNvPr id="79" name="Google Shape;79;p17"/>
+          <p:cNvGraphicFramePr/>
+          <p:nvPr>
+            <p:extLst>
+              <p:ext uri="{D42A27DB-BD31-4B8C-83A1-F6EECF244321}">
+                <p14:modId xmlns:p14="http://schemas.microsoft.com/office/powerpoint/2010/main" val="3664887622"/>
+              </p:ext>
+            </p:extLst>
+          </p:nvPr>
+        </p:nvGraphicFramePr>
+        <p:xfrm>
+          <a:off x="334947" y="3583335"/>
+          <a:ext cx="8520600" cy="1462980"/>
+        </p:xfrm>
+        <a:graphic>
+          <a:graphicData uri="http://schemas.openxmlformats.org/drawingml/2006/table">
+            <a:tbl>
+              <a:tblPr>
+                <a:noFill/>
+                <a:tableStyleId>{E1099E06-0E6B-448D-9D27-60429F06E6F4}</a:tableStyleId>
+              </a:tblPr>
+              <a:tblGrid>
+                <a:gridCol w="4260300">
+                  <a:extLst>
+                    <a:ext uri="{9D8B030D-6E8A-4147-A177-3AD203B41FA5}">
+                      <a16:colId xmlns:a16="http://schemas.microsoft.com/office/drawing/2014/main" val="20000"/>
+                    </a:ext>
+                  </a:extLst>
+                </a:gridCol>
+                <a:gridCol w="4260300">
+                  <a:extLst>
+                    <a:ext uri="{9D8B030D-6E8A-4147-A177-3AD203B41FA5}">
+                      <a16:colId xmlns:a16="http://schemas.microsoft.com/office/drawing/2014/main" val="20001"/>
+                    </a:ext>
+                  </a:extLst>
+                </a:gridCol>
+              </a:tblGrid>
+              <a:tr h="381000">
+                <a:tc>
+                  <a:txBody>
+                    <a:bodyPr/>
+                    <a:lstStyle/>
+                    <a:p>
+                      <a:pPr marL="0" lvl="0" indent="0" algn="l" rtl="0">
+                        <a:spcBef>
+                          <a:spcPts val="0"/>
+                        </a:spcBef>
+                        <a:spcAft>
+                          <a:spcPts val="0"/>
+                        </a:spcAft>
+                        <a:buNone/>
+                      </a:pPr>
+                      <a:r>
+                        <a:rPr lang="en" sz="1800" b="1" dirty="0"/>
+                        <a:t>Test Case</a:t>
+                      </a:r>
+                      <a:endParaRPr sz="1800" b="1" dirty="0"/>
+                    </a:p>
+                  </a:txBody>
+                  <a:tcPr marL="91425" marR="91425" marT="91425" marB="91425">
+                    <a:solidFill>
+                      <a:srgbClr val="CCCCCC"/>
+                    </a:solidFill>
+                  </a:tcPr>
+                </a:tc>
+                <a:tc>
+                  <a:txBody>
+                    <a:bodyPr/>
+                    <a:lstStyle/>
+                    <a:p>
+                      <a:pPr marL="0" lvl="0" indent="0" algn="l" rtl="0">
+                        <a:spcBef>
+                          <a:spcPts val="0"/>
+                        </a:spcBef>
+                        <a:spcAft>
+                          <a:spcPts val="0"/>
+                        </a:spcAft>
+                        <a:buNone/>
+                      </a:pPr>
+                      <a:r>
+                        <a:rPr lang="en" sz="1800" b="1"/>
+                        <a:t>Expected Values</a:t>
+                      </a:r>
+                      <a:endParaRPr sz="1800" b="1"/>
+                    </a:p>
+                  </a:txBody>
+                  <a:tcPr marL="91425" marR="91425" marT="91425" marB="91425">
+                    <a:solidFill>
+                      <a:srgbClr val="CCCCCC"/>
+                    </a:solidFill>
+                  </a:tcPr>
+                </a:tc>
+                <a:extLst>
+                  <a:ext uri="{0D108BD9-81ED-4DB2-BD59-A6C34878D82A}">
+                    <a16:rowId xmlns:a16="http://schemas.microsoft.com/office/drawing/2014/main" val="10000"/>
+                  </a:ext>
+                </a:extLst>
+              </a:tr>
+              <a:tr h="396200">
+                <a:tc>
+                  <a:txBody>
+                    <a:bodyPr/>
+                    <a:lstStyle/>
+                    <a:p>
+                      <a:pPr marL="0" lvl="0" indent="0" algn="l" rtl="0">
+                        <a:spcBef>
+                          <a:spcPts val="0"/>
+                        </a:spcBef>
+                        <a:spcAft>
+                          <a:spcPts val="0"/>
+                        </a:spcAft>
+                        <a:buNone/>
+                      </a:pPr>
+                      <a:r>
+                        <a:rPr lang="en-NZ" sz="1800" dirty="0"/>
+                        <a:t>Run program</a:t>
+                      </a:r>
+                      <a:endParaRPr sz="1800" dirty="0"/>
+                    </a:p>
+                  </a:txBody>
+                  <a:tcPr marL="91425" marR="91425" marT="91425" marB="91425"/>
+                </a:tc>
+                <a:tc>
+                  <a:txBody>
+                    <a:bodyPr/>
+                    <a:lstStyle/>
+                    <a:p>
+                      <a:pPr marL="0" lvl="0" indent="0" algn="l" rtl="0">
+                        <a:spcBef>
+                          <a:spcPts val="0"/>
+                        </a:spcBef>
+                        <a:spcAft>
+                          <a:spcPts val="0"/>
+                        </a:spcAft>
+                        <a:buNone/>
+                      </a:pPr>
+                      <a:r>
+                        <a:rPr lang="en-NZ" sz="1800" dirty="0"/>
+                        <a:t>Enter p program prints pickup</a:t>
+                      </a:r>
+                    </a:p>
+                    <a:p>
+                      <a:pPr marL="0" lvl="0" indent="0" algn="l" rtl="0">
+                        <a:spcBef>
+                          <a:spcPts val="0"/>
+                        </a:spcBef>
+                        <a:spcAft>
+                          <a:spcPts val="0"/>
+                        </a:spcAft>
+                        <a:buNone/>
+                      </a:pPr>
+                      <a:r>
+                        <a:rPr lang="en-NZ" sz="1800" dirty="0"/>
+                        <a:t>Enter d program prints delivery</a:t>
+                      </a:r>
+                    </a:p>
+                    <a:p>
+                      <a:pPr marL="0" lvl="0" indent="0" algn="l" rtl="0">
+                        <a:spcBef>
+                          <a:spcPts val="0"/>
+                        </a:spcBef>
+                        <a:spcAft>
+                          <a:spcPts val="0"/>
+                        </a:spcAft>
+                        <a:buNone/>
+                      </a:pPr>
+                      <a:r>
+                        <a:rPr lang="en-NZ" sz="1800" dirty="0"/>
+                        <a:t>Enter invalid prints error message</a:t>
+                      </a:r>
+                      <a:endParaRPr sz="1800" dirty="0"/>
+                    </a:p>
+                  </a:txBody>
+                  <a:tcPr marL="91425" marR="91425" marT="91425" marB="91425"/>
+                </a:tc>
+                <a:extLst>
+                  <a:ext uri="{0D108BD9-81ED-4DB2-BD59-A6C34878D82A}">
+                    <a16:rowId xmlns:a16="http://schemas.microsoft.com/office/drawing/2014/main" val="10001"/>
+                  </a:ext>
+                </a:extLst>
+              </a:tr>
+            </a:tbl>
+          </a:graphicData>
+        </a:graphic>
+      </p:graphicFrame>
+      <p:pic>
+        <p:nvPicPr>
+          <p:cNvPr id="4" name="Picture 3">
+            <a:extLst>
+              <a:ext uri="{FF2B5EF4-FFF2-40B4-BE49-F238E27FC236}">
+                <a16:creationId xmlns:a16="http://schemas.microsoft.com/office/drawing/2014/main" id="{62872750-E30E-4559-863C-2E5EDC933B14}"/>
+              </a:ext>
+            </a:extLst>
+          </p:cNvPr>
+          <p:cNvPicPr>
+            <a:picLocks noChangeAspect="1"/>
+          </p:cNvPicPr>
+          <p:nvPr/>
+        </p:nvPicPr>
+        <p:blipFill>
+          <a:blip r:embed="rId3"/>
+          <a:stretch>
+            <a:fillRect/>
+          </a:stretch>
+        </p:blipFill>
+        <p:spPr>
+          <a:xfrm>
+            <a:off x="3043123" y="669885"/>
+            <a:ext cx="2853982" cy="2833712"/>
+          </a:xfrm>
+          <a:prstGeom prst="rect">
+            <a:avLst/>
+          </a:prstGeom>
+        </p:spPr>
+      </p:pic>
+    </p:spTree>
+    <p:extLst>
+      <p:ext uri="{BB962C8B-B14F-4D97-AF65-F5344CB8AC3E}">
+        <p14:creationId xmlns:p14="http://schemas.microsoft.com/office/powerpoint/2010/main" val="3316105938"/>
+      </p:ext>
+    </p:extLst>
+  </p:cSld>
+  <p:clrMapOvr>
+    <a:masterClrMapping/>
+  </p:clrMapOvr>
+</p:sld>
+</file>
+
+<file path=ppt/slides/slide11.xml><?xml version="1.0" encoding="utf-8"?>
+<p:sld xmlns:a="http://schemas.openxmlformats.org/drawingml/2006/main" xmlns:r="http://schemas.openxmlformats.org/officeDocument/2006/relationships" xmlns:p="http://schemas.openxmlformats.org/presentationml/2006/main">
+  <p:cSld>
+    <p:spTree>
+      <p:nvGrpSpPr>
+        <p:cNvPr id="1" name="Shape 77"/>
+        <p:cNvGrpSpPr/>
+        <p:nvPr/>
+      </p:nvGrpSpPr>
+      <p:grpSpPr>
+        <a:xfrm>
+          <a:off x="0" y="0"/>
+          <a:ext cx="0" cy="0"/>
+          <a:chOff x="0" y="0"/>
+          <a:chExt cx="0" cy="0"/>
+        </a:xfrm>
+      </p:grpSpPr>
+      <p:sp>
+        <p:nvSpPr>
+          <p:cNvPr id="78" name="Google Shape;78;p17"/>
+          <p:cNvSpPr txBox="1">
+            <a:spLocks noGrp="1"/>
+          </p:cNvSpPr>
+          <p:nvPr>
+            <p:ph type="title"/>
+          </p:nvPr>
+        </p:nvSpPr>
+        <p:spPr>
+          <a:xfrm>
+            <a:off x="187713" y="97185"/>
+            <a:ext cx="8520600" cy="572700"/>
+          </a:xfrm>
+          <a:prstGeom prst="rect">
+            <a:avLst/>
+          </a:prstGeom>
+        </p:spPr>
+        <p:txBody>
+          <a:bodyPr spcFirstLastPara="1" wrap="square" lIns="91425" tIns="91425" rIns="91425" bIns="91425" anchor="t" anchorCtr="0">
+            <a:noAutofit/>
+          </a:bodyPr>
+          <a:lstStyle/>
+          <a:p>
+            <a:pPr marL="0" lvl="0" indent="0" algn="l" rtl="0">
+              <a:spcBef>
+                <a:spcPts val="0"/>
+              </a:spcBef>
+              <a:spcAft>
+                <a:spcPts val="0"/>
+              </a:spcAft>
+              <a:buNone/>
+            </a:pPr>
+            <a:r>
+              <a:rPr lang="en" dirty="0"/>
               <a:t>Component 2 version 3 - Test Plan (and screenshot)</a:t>
             </a:r>
             <a:endParaRPr dirty="0"/>
@@ -8323,7 +8825,7 @@
 </p:sld>
 </file>
 
-<file path=ppt/slides/slide11.xml><?xml version="1.0" encoding="utf-8"?>
+<file path=ppt/slides/slide12.xml><?xml version="1.0" encoding="utf-8"?>
 <p:sld xmlns:a="http://schemas.openxmlformats.org/drawingml/2006/main" xmlns:r="http://schemas.openxmlformats.org/officeDocument/2006/relationships" xmlns:p="http://schemas.openxmlformats.org/presentationml/2006/main">
   <p:cSld>
     <p:spTree>
@@ -8664,7 +9166,7 @@
 </p:sld>
 </file>
 
-<file path=ppt/slides/slide12.xml><?xml version="1.0" encoding="utf-8"?>
+<file path=ppt/slides/slide13.xml><?xml version="1.0" encoding="utf-8"?>
 <p:sld xmlns:a="http://schemas.openxmlformats.org/drawingml/2006/main" xmlns:r="http://schemas.openxmlformats.org/officeDocument/2006/relationships" xmlns:p="http://schemas.openxmlformats.org/presentationml/2006/main">
   <p:cSld>
     <p:spTree>
@@ -8998,7 +9500,7 @@
 </p:sld>
 </file>
 
-<file path=ppt/slides/slide13.xml><?xml version="1.0" encoding="utf-8"?>
+<file path=ppt/slides/slide14.xml><?xml version="1.0" encoding="utf-8"?>
 <p:sld xmlns:a="http://schemas.openxmlformats.org/drawingml/2006/main" xmlns:r="http://schemas.openxmlformats.org/officeDocument/2006/relationships" xmlns:p="http://schemas.openxmlformats.org/presentationml/2006/main">
   <p:cSld>
     <p:bg>
@@ -9059,12 +9561,42 @@
             </a:pPr>
             <a:r>
               <a:rPr lang="en" dirty="0"/>
-              <a:t>Component 2 (Trello screenshot)</a:t>
+              <a:t>Component 3 Pick up info (Trello screenshot)</a:t>
             </a:r>
             <a:endParaRPr dirty="0"/>
           </a:p>
         </p:txBody>
       </p:sp>
+      <p:pic>
+        <p:nvPicPr>
+          <p:cNvPr id="3" name="Picture 2">
+            <a:extLst>
+              <a:ext uri="{FF2B5EF4-FFF2-40B4-BE49-F238E27FC236}">
+                <a16:creationId xmlns:a16="http://schemas.microsoft.com/office/drawing/2014/main" id="{7B5C387B-D0C2-4744-8A5F-95D2FF7C02F4}"/>
+              </a:ext>
+            </a:extLst>
+          </p:cNvPr>
+          <p:cNvPicPr>
+            <a:picLocks noChangeAspect="1"/>
+          </p:cNvPicPr>
+          <p:nvPr/>
+        </p:nvPicPr>
+        <p:blipFill>
+          <a:blip r:embed="rId3"/>
+          <a:stretch>
+            <a:fillRect/>
+          </a:stretch>
+        </p:blipFill>
+        <p:spPr>
+          <a:xfrm>
+            <a:off x="701040" y="1328107"/>
+            <a:ext cx="7856220" cy="2774424"/>
+          </a:xfrm>
+          <a:prstGeom prst="rect">
+            <a:avLst/>
+          </a:prstGeom>
+        </p:spPr>
+      </p:pic>
     </p:spTree>
     <p:extLst>
       <p:ext uri="{BB962C8B-B14F-4D97-AF65-F5344CB8AC3E}">
@@ -9078,7 +9610,7 @@
 </p:sld>
 </file>
 
-<file path=ppt/slides/slide14.xml><?xml version="1.0" encoding="utf-8"?>
+<file path=ppt/slides/slide15.xml><?xml version="1.0" encoding="utf-8"?>
 <p:sld xmlns:a="http://schemas.openxmlformats.org/drawingml/2006/main" xmlns:r="http://schemas.openxmlformats.org/officeDocument/2006/relationships" xmlns:p="http://schemas.openxmlformats.org/presentationml/2006/main">
   <p:cSld>
     <p:spTree>
@@ -9131,7 +9663,7 @@
             </a:pPr>
             <a:r>
               <a:rPr lang="en" dirty="0"/>
-              <a:t>Component 2 - Test Plan (and screenshot)</a:t>
+              <a:t>Component 3 v1 - Test Plan (and screenshot)</a:t>
             </a:r>
             <a:endParaRPr dirty="0"/>
           </a:p>
@@ -9141,7 +9673,13 @@
         <p:nvGraphicFramePr>
           <p:cNvPr id="79" name="Google Shape;79;p17"/>
           <p:cNvGraphicFramePr/>
-          <p:nvPr/>
+          <p:nvPr>
+            <p:extLst>
+              <p:ext uri="{D42A27DB-BD31-4B8C-83A1-F6EECF244321}">
+                <p14:modId xmlns:p14="http://schemas.microsoft.com/office/powerpoint/2010/main" val="2328392355"/>
+              </p:ext>
+            </p:extLst>
+          </p:nvPr>
         </p:nvGraphicFramePr>
         <p:xfrm>
           <a:off x="334947" y="3583335"/>
@@ -9248,7 +9786,37 @@
                       </a:pPr>
                       <a:r>
                         <a:rPr lang="en-NZ" sz="1800" dirty="0"/>
-                        <a:t>Run program</a:t>
+                        <a:t>Input name</a:t>
+                      </a:r>
+                    </a:p>
+                    <a:p>
+                      <a:pPr marL="0" lvl="0" indent="0" algn="l" rtl="0">
+                        <a:spcBef>
+                          <a:spcPts val="0"/>
+                        </a:spcBef>
+                        <a:spcAft>
+                          <a:spcPts val="0"/>
+                        </a:spcAft>
+                        <a:buNone/>
+                      </a:pPr>
+                      <a:r>
+                        <a:rPr lang="en-NZ" sz="1800" dirty="0"/>
+                        <a:t>Input phone number</a:t>
+                      </a:r>
+                    </a:p>
+                    <a:p>
+                      <a:pPr marL="0" lvl="0" indent="0" algn="l" rtl="0">
+                        <a:spcBef>
+                          <a:spcPts val="0"/>
+                        </a:spcBef>
+                        <a:spcAft>
+                          <a:spcPts val="0"/>
+                        </a:spcAft>
+                        <a:buNone/>
+                      </a:pPr>
+                      <a:r>
+                        <a:rPr lang="en-NZ" sz="1800" dirty="0"/>
+                        <a:t>Left input blank</a:t>
                       </a:r>
                       <a:endParaRPr sz="1800" dirty="0"/>
                     </a:p>
@@ -9271,7 +9839,41 @@
                       </a:pPr>
                       <a:r>
                         <a:rPr lang="en-NZ" sz="1800" dirty="0"/>
-                        <a:t>Main and welcome run correctly. Welcome message prints with random name</a:t>
+                        <a:t>Printed name correctly</a:t>
+                      </a:r>
+                    </a:p>
+                    <a:p>
+                      <a:pPr marL="0" lvl="0" indent="0" algn="l" rtl="0">
+                        <a:spcBef>
+                          <a:spcPts val="0"/>
+                        </a:spcBef>
+                        <a:spcAft>
+                          <a:spcPts val="0"/>
+                        </a:spcAft>
+                        <a:buNone/>
+                      </a:pPr>
+                      <a:r>
+                        <a:rPr lang="en-NZ" sz="1800" dirty="0"/>
+                        <a:t>Printed phone number correctly </a:t>
+                      </a:r>
+                    </a:p>
+                    <a:p>
+                      <a:pPr marL="0" lvl="0" indent="0" algn="l" rtl="0">
+                        <a:spcBef>
+                          <a:spcPts val="0"/>
+                        </a:spcBef>
+                        <a:spcAft>
+                          <a:spcPts val="0"/>
+                        </a:spcAft>
+                        <a:buNone/>
+                      </a:pPr>
+                      <a:r>
+                        <a:rPr lang="en-NZ" sz="1800" dirty="0"/>
+                        <a:t>Accept blank and printed </a:t>
+                      </a:r>
+                      <a:r>
+                        <a:rPr lang="en-NZ" sz="1800"/>
+                        <a:t>blank input</a:t>
                       </a:r>
                       <a:endParaRPr sz="1800" dirty="0"/>
                     </a:p>
@@ -9290,10 +9892,10 @@
       </p:graphicFrame>
       <p:pic>
         <p:nvPicPr>
-          <p:cNvPr id="4" name="Picture 3">
+          <p:cNvPr id="6" name="Picture 5">
             <a:extLst>
               <a:ext uri="{FF2B5EF4-FFF2-40B4-BE49-F238E27FC236}">
-                <a16:creationId xmlns:a16="http://schemas.microsoft.com/office/drawing/2014/main" id="{20B7E5E2-D228-402B-BC82-DCCA1B087E56}"/>
+                <a16:creationId xmlns:a16="http://schemas.microsoft.com/office/drawing/2014/main" id="{F49F66CA-C02D-4151-B92A-457220B8F7A7}"/>
               </a:ext>
             </a:extLst>
           </p:cNvPr>
@@ -9310,8 +9912,8 @@
         </p:blipFill>
         <p:spPr>
           <a:xfrm>
-            <a:off x="334947" y="1074245"/>
-            <a:ext cx="3549112" cy="2452570"/>
+            <a:off x="417841" y="1017725"/>
+            <a:ext cx="4391638" cy="2400635"/>
           </a:xfrm>
           <a:prstGeom prst="rect">
             <a:avLst/>
@@ -9320,10 +9922,10 @@
       </p:pic>
       <p:pic>
         <p:nvPicPr>
-          <p:cNvPr id="7" name="Picture 6">
+          <p:cNvPr id="9" name="Picture 8">
             <a:extLst>
               <a:ext uri="{FF2B5EF4-FFF2-40B4-BE49-F238E27FC236}">
-                <a16:creationId xmlns:a16="http://schemas.microsoft.com/office/drawing/2014/main" id="{2A910E99-4A47-45CC-95F0-DD4A6DBDA811}"/>
+                <a16:creationId xmlns:a16="http://schemas.microsoft.com/office/drawing/2014/main" id="{949F4C10-7620-4E33-AE2C-8F71C3EA1DD1}"/>
               </a:ext>
             </a:extLst>
           </p:cNvPr>
@@ -9340,8 +9942,8 @@
         </p:blipFill>
         <p:spPr>
           <a:xfrm>
-            <a:off x="3997106" y="1929003"/>
-            <a:ext cx="4667901" cy="743054"/>
+            <a:off x="5225074" y="1017725"/>
+            <a:ext cx="3448469" cy="2400635"/>
           </a:xfrm>
           <a:prstGeom prst="rect">
             <a:avLst/>
@@ -9361,7 +9963,7 @@
 </p:sld>
 </file>
 
-<file path=ppt/slides/slide15.xml><?xml version="1.0" encoding="utf-8"?>
+<file path=ppt/slides/slide16.xml><?xml version="1.0" encoding="utf-8"?>
 <p:sld xmlns:a="http://schemas.openxmlformats.org/drawingml/2006/main" xmlns:r="http://schemas.openxmlformats.org/officeDocument/2006/relationships" xmlns:p="http://schemas.openxmlformats.org/presentationml/2006/main">
   <p:cSld>
     <p:bg>
@@ -9478,7 +10080,7 @@
 </p:sld>
 </file>
 
-<file path=ppt/slides/slide16.xml><?xml version="1.0" encoding="utf-8"?>
+<file path=ppt/slides/slide17.xml><?xml version="1.0" encoding="utf-8"?>
 <p:sld xmlns:a="http://schemas.openxmlformats.org/drawingml/2006/main" xmlns:r="http://schemas.openxmlformats.org/officeDocument/2006/relationships" xmlns:p="http://schemas.openxmlformats.org/presentationml/2006/main">
   <p:cSld>
     <p:bg>
@@ -10628,6 +11230,120 @@
 <file path=ppt/slides/slide8.xml><?xml version="1.0" encoding="utf-8"?>
 <p:sld xmlns:a="http://schemas.openxmlformats.org/drawingml/2006/main" xmlns:r="http://schemas.openxmlformats.org/officeDocument/2006/relationships" xmlns:p="http://schemas.openxmlformats.org/presentationml/2006/main">
   <p:cSld>
+    <p:bg>
+      <p:bgPr>
+        <a:solidFill>
+          <a:srgbClr val="D9EAD3"/>
+        </a:solidFill>
+        <a:effectLst/>
+      </p:bgPr>
+    </p:bg>
+    <p:spTree>
+      <p:nvGrpSpPr>
+        <p:cNvPr id="1" name="Shape 72"/>
+        <p:cNvGrpSpPr/>
+        <p:nvPr/>
+      </p:nvGrpSpPr>
+      <p:grpSpPr>
+        <a:xfrm>
+          <a:off x="0" y="0"/>
+          <a:ext cx="0" cy="0"/>
+          <a:chOff x="0" y="0"/>
+          <a:chExt cx="0" cy="0"/>
+        </a:xfrm>
+      </p:grpSpPr>
+      <p:sp>
+        <p:nvSpPr>
+          <p:cNvPr id="73" name="Google Shape;73;p16"/>
+          <p:cNvSpPr txBox="1">
+            <a:spLocks noGrp="1"/>
+          </p:cNvSpPr>
+          <p:nvPr>
+            <p:ph type="title"/>
+          </p:nvPr>
+        </p:nvSpPr>
+        <p:spPr>
+          <a:xfrm>
+            <a:off x="311700" y="445025"/>
+            <a:ext cx="8520600" cy="572700"/>
+          </a:xfrm>
+          <a:prstGeom prst="rect">
+            <a:avLst/>
+          </a:prstGeom>
+        </p:spPr>
+        <p:txBody>
+          <a:bodyPr spcFirstLastPara="1" wrap="square" lIns="91425" tIns="91425" rIns="91425" bIns="91425" anchor="t" anchorCtr="0">
+            <a:noAutofit/>
+          </a:bodyPr>
+          <a:lstStyle/>
+          <a:p>
+            <a:pPr marL="0" lvl="0" indent="0" algn="l" rtl="0">
+              <a:spcBef>
+                <a:spcPts val="0"/>
+              </a:spcBef>
+              <a:spcAft>
+                <a:spcPts val="0"/>
+              </a:spcAft>
+              <a:buNone/>
+            </a:pPr>
+            <a:r>
+              <a:rPr lang="en"/>
+              <a:t>Component 2 Version 2 </a:t>
+            </a:r>
+            <a:r>
+              <a:rPr lang="en" dirty="0"/>
+              <a:t>(Trello screenshot)</a:t>
+            </a:r>
+            <a:endParaRPr dirty="0"/>
+          </a:p>
+        </p:txBody>
+      </p:sp>
+      <p:pic>
+        <p:nvPicPr>
+          <p:cNvPr id="4" name="Picture 3">
+            <a:extLst>
+              <a:ext uri="{FF2B5EF4-FFF2-40B4-BE49-F238E27FC236}">
+                <a16:creationId xmlns:a16="http://schemas.microsoft.com/office/drawing/2014/main" id="{AA1A87CD-D7F1-4DC1-A46D-AEC8F451155F}"/>
+              </a:ext>
+            </a:extLst>
+          </p:cNvPr>
+          <p:cNvPicPr>
+            <a:picLocks noChangeAspect="1"/>
+          </p:cNvPicPr>
+          <p:nvPr/>
+        </p:nvPicPr>
+        <p:blipFill>
+          <a:blip r:embed="rId3"/>
+          <a:stretch>
+            <a:fillRect/>
+          </a:stretch>
+        </p:blipFill>
+        <p:spPr>
+          <a:xfrm>
+            <a:off x="584010" y="1440179"/>
+            <a:ext cx="7975979" cy="2776403"/>
+          </a:xfrm>
+          <a:prstGeom prst="rect">
+            <a:avLst/>
+          </a:prstGeom>
+        </p:spPr>
+      </p:pic>
+    </p:spTree>
+    <p:extLst>
+      <p:ext uri="{BB962C8B-B14F-4D97-AF65-F5344CB8AC3E}">
+        <p14:creationId xmlns:p14="http://schemas.microsoft.com/office/powerpoint/2010/main" val="1921870498"/>
+      </p:ext>
+    </p:extLst>
+  </p:cSld>
+  <p:clrMapOvr>
+    <a:masterClrMapping/>
+  </p:clrMapOvr>
+</p:sld>
+</file>
+
+<file path=ppt/slides/slide9.xml><?xml version="1.0" encoding="utf-8"?>
+<p:sld xmlns:a="http://schemas.openxmlformats.org/drawingml/2006/main" xmlns:r="http://schemas.openxmlformats.org/officeDocument/2006/relationships" xmlns:p="http://schemas.openxmlformats.org/presentationml/2006/main">
+  <p:cSld>
     <p:spTree>
       <p:nvGrpSpPr>
         <p:cNvPr id="1" name="Shape 77"/>
@@ -10905,295 +11621,6 @@
     <p:extLst>
       <p:ext uri="{BB962C8B-B14F-4D97-AF65-F5344CB8AC3E}">
         <p14:creationId xmlns:p14="http://schemas.microsoft.com/office/powerpoint/2010/main" val="1264391336"/>
-      </p:ext>
-    </p:extLst>
-  </p:cSld>
-  <p:clrMapOvr>
-    <a:masterClrMapping/>
-  </p:clrMapOvr>
-</p:sld>
-</file>
-
-<file path=ppt/slides/slide9.xml><?xml version="1.0" encoding="utf-8"?>
-<p:sld xmlns:a="http://schemas.openxmlformats.org/drawingml/2006/main" xmlns:r="http://schemas.openxmlformats.org/officeDocument/2006/relationships" xmlns:p="http://schemas.openxmlformats.org/presentationml/2006/main">
-  <p:cSld>
-    <p:spTree>
-      <p:nvGrpSpPr>
-        <p:cNvPr id="1" name="Shape 77"/>
-        <p:cNvGrpSpPr/>
-        <p:nvPr/>
-      </p:nvGrpSpPr>
-      <p:grpSpPr>
-        <a:xfrm>
-          <a:off x="0" y="0"/>
-          <a:ext cx="0" cy="0"/>
-          <a:chOff x="0" y="0"/>
-          <a:chExt cx="0" cy="0"/>
-        </a:xfrm>
-      </p:grpSpPr>
-      <p:sp>
-        <p:nvSpPr>
-          <p:cNvPr id="78" name="Google Shape;78;p17"/>
-          <p:cNvSpPr txBox="1">
-            <a:spLocks noGrp="1"/>
-          </p:cNvSpPr>
-          <p:nvPr>
-            <p:ph type="title"/>
-          </p:nvPr>
-        </p:nvSpPr>
-        <p:spPr>
-          <a:xfrm>
-            <a:off x="187713" y="97185"/>
-            <a:ext cx="8520600" cy="572700"/>
-          </a:xfrm>
-          <a:prstGeom prst="rect">
-            <a:avLst/>
-          </a:prstGeom>
-        </p:spPr>
-        <p:txBody>
-          <a:bodyPr spcFirstLastPara="1" wrap="square" lIns="91425" tIns="91425" rIns="91425" bIns="91425" anchor="t" anchorCtr="0">
-            <a:noAutofit/>
-          </a:bodyPr>
-          <a:lstStyle/>
-          <a:p>
-            <a:pPr marL="0" lvl="0" indent="0" algn="l" rtl="0">
-              <a:spcBef>
-                <a:spcPts val="0"/>
-              </a:spcBef>
-              <a:spcAft>
-                <a:spcPts val="0"/>
-              </a:spcAft>
-              <a:buNone/>
-            </a:pPr>
-            <a:r>
-              <a:rPr lang="en" dirty="0"/>
-              <a:t>Component 2 version 2 - Test Plan (and screenshot)</a:t>
-            </a:r>
-            <a:endParaRPr dirty="0"/>
-          </a:p>
-        </p:txBody>
-      </p:sp>
-      <p:graphicFrame>
-        <p:nvGraphicFramePr>
-          <p:cNvPr id="79" name="Google Shape;79;p17"/>
-          <p:cNvGraphicFramePr/>
-          <p:nvPr>
-            <p:extLst>
-              <p:ext uri="{D42A27DB-BD31-4B8C-83A1-F6EECF244321}">
-                <p14:modId xmlns:p14="http://schemas.microsoft.com/office/powerpoint/2010/main" val="3664887622"/>
-              </p:ext>
-            </p:extLst>
-          </p:nvPr>
-        </p:nvGraphicFramePr>
-        <p:xfrm>
-          <a:off x="334947" y="3583335"/>
-          <a:ext cx="8520600" cy="1462980"/>
-        </p:xfrm>
-        <a:graphic>
-          <a:graphicData uri="http://schemas.openxmlformats.org/drawingml/2006/table">
-            <a:tbl>
-              <a:tblPr>
-                <a:noFill/>
-                <a:tableStyleId>{E1099E06-0E6B-448D-9D27-60429F06E6F4}</a:tableStyleId>
-              </a:tblPr>
-              <a:tblGrid>
-                <a:gridCol w="4260300">
-                  <a:extLst>
-                    <a:ext uri="{9D8B030D-6E8A-4147-A177-3AD203B41FA5}">
-                      <a16:colId xmlns:a16="http://schemas.microsoft.com/office/drawing/2014/main" val="20000"/>
-                    </a:ext>
-                  </a:extLst>
-                </a:gridCol>
-                <a:gridCol w="4260300">
-                  <a:extLst>
-                    <a:ext uri="{9D8B030D-6E8A-4147-A177-3AD203B41FA5}">
-                      <a16:colId xmlns:a16="http://schemas.microsoft.com/office/drawing/2014/main" val="20001"/>
-                    </a:ext>
-                  </a:extLst>
-                </a:gridCol>
-              </a:tblGrid>
-              <a:tr h="381000">
-                <a:tc>
-                  <a:txBody>
-                    <a:bodyPr/>
-                    <a:lstStyle/>
-                    <a:p>
-                      <a:pPr marL="0" lvl="0" indent="0" algn="l" rtl="0">
-                        <a:spcBef>
-                          <a:spcPts val="0"/>
-                        </a:spcBef>
-                        <a:spcAft>
-                          <a:spcPts val="0"/>
-                        </a:spcAft>
-                        <a:buNone/>
-                      </a:pPr>
-                      <a:r>
-                        <a:rPr lang="en" sz="1800" b="1" dirty="0"/>
-                        <a:t>Test Case</a:t>
-                      </a:r>
-                      <a:endParaRPr sz="1800" b="1" dirty="0"/>
-                    </a:p>
-                  </a:txBody>
-                  <a:tcPr marL="91425" marR="91425" marT="91425" marB="91425">
-                    <a:solidFill>
-                      <a:srgbClr val="CCCCCC"/>
-                    </a:solidFill>
-                  </a:tcPr>
-                </a:tc>
-                <a:tc>
-                  <a:txBody>
-                    <a:bodyPr/>
-                    <a:lstStyle/>
-                    <a:p>
-                      <a:pPr marL="0" lvl="0" indent="0" algn="l" rtl="0">
-                        <a:spcBef>
-                          <a:spcPts val="0"/>
-                        </a:spcBef>
-                        <a:spcAft>
-                          <a:spcPts val="0"/>
-                        </a:spcAft>
-                        <a:buNone/>
-                      </a:pPr>
-                      <a:r>
-                        <a:rPr lang="en" sz="1800" b="1"/>
-                        <a:t>Expected Values</a:t>
-                      </a:r>
-                      <a:endParaRPr sz="1800" b="1"/>
-                    </a:p>
-                  </a:txBody>
-                  <a:tcPr marL="91425" marR="91425" marT="91425" marB="91425">
-                    <a:solidFill>
-                      <a:srgbClr val="CCCCCC"/>
-                    </a:solidFill>
-                  </a:tcPr>
-                </a:tc>
-                <a:extLst>
-                  <a:ext uri="{0D108BD9-81ED-4DB2-BD59-A6C34878D82A}">
-                    <a16:rowId xmlns:a16="http://schemas.microsoft.com/office/drawing/2014/main" val="10000"/>
-                  </a:ext>
-                </a:extLst>
-              </a:tr>
-              <a:tr h="396200">
-                <a:tc>
-                  <a:txBody>
-                    <a:bodyPr/>
-                    <a:lstStyle/>
-                    <a:p>
-                      <a:pPr marL="0" lvl="0" indent="0" algn="l" rtl="0">
-                        <a:spcBef>
-                          <a:spcPts val="0"/>
-                        </a:spcBef>
-                        <a:spcAft>
-                          <a:spcPts val="0"/>
-                        </a:spcAft>
-                        <a:buNone/>
-                      </a:pPr>
-                      <a:r>
-                        <a:rPr lang="en-NZ" sz="1800" dirty="0"/>
-                        <a:t>Run program</a:t>
-                      </a:r>
-                      <a:endParaRPr sz="1800" dirty="0"/>
-                    </a:p>
-                  </a:txBody>
-                  <a:tcPr marL="91425" marR="91425" marT="91425" marB="91425"/>
-                </a:tc>
-                <a:tc>
-                  <a:txBody>
-                    <a:bodyPr/>
-                    <a:lstStyle/>
-                    <a:p>
-                      <a:pPr marL="0" lvl="0" indent="0" algn="l" rtl="0">
-                        <a:spcBef>
-                          <a:spcPts val="0"/>
-                        </a:spcBef>
-                        <a:spcAft>
-                          <a:spcPts val="0"/>
-                        </a:spcAft>
-                        <a:buNone/>
-                      </a:pPr>
-                      <a:r>
-                        <a:rPr lang="en-NZ" sz="1800" dirty="0"/>
-                        <a:t>Enter p program prints pickup</a:t>
-                      </a:r>
-                    </a:p>
-                    <a:p>
-                      <a:pPr marL="0" lvl="0" indent="0" algn="l" rtl="0">
-                        <a:spcBef>
-                          <a:spcPts val="0"/>
-                        </a:spcBef>
-                        <a:spcAft>
-                          <a:spcPts val="0"/>
-                        </a:spcAft>
-                        <a:buNone/>
-                      </a:pPr>
-                      <a:r>
-                        <a:rPr lang="en-NZ" sz="1800" dirty="0"/>
-                        <a:t>Enter d program prints delivery</a:t>
-                      </a:r>
-                    </a:p>
-                    <a:p>
-                      <a:pPr marL="0" lvl="0" indent="0" algn="l" rtl="0">
-                        <a:spcBef>
-                          <a:spcPts val="0"/>
-                        </a:spcBef>
-                        <a:spcAft>
-                          <a:spcPts val="0"/>
-                        </a:spcAft>
-                        <a:buNone/>
-                      </a:pPr>
-                      <a:r>
-                        <a:rPr lang="en-NZ" sz="1800" dirty="0"/>
-                        <a:t>Enter invalid prints error message</a:t>
-                      </a:r>
-                      <a:endParaRPr sz="1800" dirty="0"/>
-                    </a:p>
-                  </a:txBody>
-                  <a:tcPr marL="91425" marR="91425" marT="91425" marB="91425"/>
-                </a:tc>
-                <a:extLst>
-                  <a:ext uri="{0D108BD9-81ED-4DB2-BD59-A6C34878D82A}">
-                    <a16:rowId xmlns:a16="http://schemas.microsoft.com/office/drawing/2014/main" val="10001"/>
-                  </a:ext>
-                </a:extLst>
-              </a:tr>
-            </a:tbl>
-          </a:graphicData>
-        </a:graphic>
-      </p:graphicFrame>
-      <p:pic>
-        <p:nvPicPr>
-          <p:cNvPr id="4" name="Picture 3">
-            <a:extLst>
-              <a:ext uri="{FF2B5EF4-FFF2-40B4-BE49-F238E27FC236}">
-                <a16:creationId xmlns:a16="http://schemas.microsoft.com/office/drawing/2014/main" id="{62872750-E30E-4559-863C-2E5EDC933B14}"/>
-              </a:ext>
-            </a:extLst>
-          </p:cNvPr>
-          <p:cNvPicPr>
-            <a:picLocks noChangeAspect="1"/>
-          </p:cNvPicPr>
-          <p:nvPr/>
-        </p:nvPicPr>
-        <p:blipFill>
-          <a:blip r:embed="rId3"/>
-          <a:stretch>
-            <a:fillRect/>
-          </a:stretch>
-        </p:blipFill>
-        <p:spPr>
-          <a:xfrm>
-            <a:off x="3043123" y="669885"/>
-            <a:ext cx="2853982" cy="2833712"/>
-          </a:xfrm>
-          <a:prstGeom prst="rect">
-            <a:avLst/>
-          </a:prstGeom>
-        </p:spPr>
-      </p:pic>
-    </p:spTree>
-    <p:extLst>
-      <p:ext uri="{BB962C8B-B14F-4D97-AF65-F5344CB8AC3E}">
-        <p14:creationId xmlns:p14="http://schemas.microsoft.com/office/powerpoint/2010/main" val="3316105938"/>
       </p:ext>
     </p:extLst>
   </p:cSld>

--- a/022_91893+_+91897+Documentation.pptx
+++ b/022_91893+_+91897+Documentation.pptx
@@ -5,7 +5,7 @@
     <p:sldMasterId id="2147483659" r:id="rId1"/>
   </p:sldMasterIdLst>
   <p:notesMasterIdLst>
-    <p:notesMasterId r:id="rId19"/>
+    <p:notesMasterId r:id="rId21"/>
   </p:notesMasterIdLst>
   <p:sldIdLst>
     <p:sldId id="256" r:id="rId2"/>
@@ -23,8 +23,10 @@
     <p:sldId id="272" r:id="rId14"/>
     <p:sldId id="268" r:id="rId15"/>
     <p:sldId id="266" r:id="rId16"/>
-    <p:sldId id="261" r:id="rId17"/>
-    <p:sldId id="262" r:id="rId18"/>
+    <p:sldId id="274" r:id="rId17"/>
+    <p:sldId id="275" r:id="rId18"/>
+    <p:sldId id="261" r:id="rId19"/>
+    <p:sldId id="262" r:id="rId20"/>
   </p:sldIdLst>
   <p:sldSz cx="9144000" cy="5143500" type="screen16x9"/>
   <p:notesSz cx="6858000" cy="9144000"/>
@@ -289,7 +291,7 @@
   <pc:docChgLst>
     <pc:chgData name="Danett Pepito" userId="ddef1e2176689e9a" providerId="LiveId" clId="{53BB49C2-00DF-4AB6-9D9D-351DBF063D16}"/>
     <pc:docChg chg="undo custSel addSld delSld modSld sldOrd">
-      <pc:chgData name="Danett Pepito" userId="ddef1e2176689e9a" providerId="LiveId" clId="{53BB49C2-00DF-4AB6-9D9D-351DBF063D16}" dt="2022-02-18T02:01:42.142" v="1029" actId="20577"/>
+      <pc:chgData name="Danett Pepito" userId="ddef1e2176689e9a" providerId="LiveId" clId="{53BB49C2-00DF-4AB6-9D9D-351DBF063D16}" dt="2022-02-20T21:35:32.624" v="1119" actId="1076"/>
       <pc:docMkLst>
         <pc:docMk/>
       </pc:docMkLst>
@@ -863,6 +865,92 @@
           </ac:picMkLst>
         </pc:picChg>
       </pc:sldChg>
+      <pc:sldChg chg="addSp delSp modSp add mod">
+        <pc:chgData name="Danett Pepito" userId="ddef1e2176689e9a" providerId="LiveId" clId="{53BB49C2-00DF-4AB6-9D9D-351DBF063D16}" dt="2022-02-20T21:32:21.299" v="1041" actId="1076"/>
+        <pc:sldMkLst>
+          <pc:docMk/>
+          <pc:sldMk cId="520230128" sldId="274"/>
+        </pc:sldMkLst>
+        <pc:spChg chg="mod">
+          <ac:chgData name="Danett Pepito" userId="ddef1e2176689e9a" providerId="LiveId" clId="{53BB49C2-00DF-4AB6-9D9D-351DBF063D16}" dt="2022-02-20T21:31:03.151" v="1034" actId="20577"/>
+          <ac:spMkLst>
+            <pc:docMk/>
+            <pc:sldMk cId="520230128" sldId="274"/>
+            <ac:spMk id="73" creationId="{00000000-0000-0000-0000-000000000000}"/>
+          </ac:spMkLst>
+        </pc:spChg>
+        <pc:picChg chg="del">
+          <ac:chgData name="Danett Pepito" userId="ddef1e2176689e9a" providerId="LiveId" clId="{53BB49C2-00DF-4AB6-9D9D-351DBF063D16}" dt="2022-02-20T21:30:56.539" v="1031" actId="478"/>
+          <ac:picMkLst>
+            <pc:docMk/>
+            <pc:sldMk cId="520230128" sldId="274"/>
+            <ac:picMk id="3" creationId="{7B5C387B-D0C2-4744-8A5F-95D2FF7C02F4}"/>
+          </ac:picMkLst>
+        </pc:picChg>
+        <pc:picChg chg="add mod">
+          <ac:chgData name="Danett Pepito" userId="ddef1e2176689e9a" providerId="LiveId" clId="{53BB49C2-00DF-4AB6-9D9D-351DBF063D16}" dt="2022-02-20T21:32:21.299" v="1041" actId="1076"/>
+          <ac:picMkLst>
+            <pc:docMk/>
+            <pc:sldMk cId="520230128" sldId="274"/>
+            <ac:picMk id="4" creationId="{05B2A0F6-71C6-468A-AB63-C4D8F57F4168}"/>
+          </ac:picMkLst>
+        </pc:picChg>
+      </pc:sldChg>
+      <pc:sldChg chg="addSp delSp modSp add mod replId">
+        <pc:chgData name="Danett Pepito" userId="ddef1e2176689e9a" providerId="LiveId" clId="{53BB49C2-00DF-4AB6-9D9D-351DBF063D16}" dt="2022-02-20T21:35:32.624" v="1119" actId="1076"/>
+        <pc:sldMkLst>
+          <pc:docMk/>
+          <pc:sldMk cId="2572955887" sldId="275"/>
+        </pc:sldMkLst>
+        <pc:spChg chg="mod">
+          <ac:chgData name="Danett Pepito" userId="ddef1e2176689e9a" providerId="LiveId" clId="{53BB49C2-00DF-4AB6-9D9D-351DBF063D16}" dt="2022-02-20T21:31:29.470" v="1036" actId="20577"/>
+          <ac:spMkLst>
+            <pc:docMk/>
+            <pc:sldMk cId="2572955887" sldId="275"/>
+            <ac:spMk id="78" creationId="{00000000-0000-0000-0000-000000000000}"/>
+          </ac:spMkLst>
+        </pc:spChg>
+        <pc:graphicFrameChg chg="mod modGraphic">
+          <ac:chgData name="Danett Pepito" userId="ddef1e2176689e9a" providerId="LiveId" clId="{53BB49C2-00DF-4AB6-9D9D-351DBF063D16}" dt="2022-02-20T21:35:32.624" v="1119" actId="1076"/>
+          <ac:graphicFrameMkLst>
+            <pc:docMk/>
+            <pc:sldMk cId="2572955887" sldId="275"/>
+            <ac:graphicFrameMk id="79" creationId="{00000000-0000-0000-0000-000000000000}"/>
+          </ac:graphicFrameMkLst>
+        </pc:graphicFrameChg>
+        <pc:picChg chg="add mod">
+          <ac:chgData name="Danett Pepito" userId="ddef1e2176689e9a" providerId="LiveId" clId="{53BB49C2-00DF-4AB6-9D9D-351DBF063D16}" dt="2022-02-20T21:35:27.539" v="1118" actId="1076"/>
+          <ac:picMkLst>
+            <pc:docMk/>
+            <pc:sldMk cId="2572955887" sldId="275"/>
+            <ac:picMk id="3" creationId="{C5BE0AED-6101-477F-8BAB-BC8BA1ACFF97}"/>
+          </ac:picMkLst>
+        </pc:picChg>
+        <pc:picChg chg="add mod">
+          <ac:chgData name="Danett Pepito" userId="ddef1e2176689e9a" providerId="LiveId" clId="{53BB49C2-00DF-4AB6-9D9D-351DBF063D16}" dt="2022-02-20T21:35:26.109" v="1117" actId="1076"/>
+          <ac:picMkLst>
+            <pc:docMk/>
+            <pc:sldMk cId="2572955887" sldId="275"/>
+            <ac:picMk id="5" creationId="{6D8C850B-EC5C-410B-9F1A-0C859588FE55}"/>
+          </ac:picMkLst>
+        </pc:picChg>
+        <pc:picChg chg="del">
+          <ac:chgData name="Danett Pepito" userId="ddef1e2176689e9a" providerId="LiveId" clId="{53BB49C2-00DF-4AB6-9D9D-351DBF063D16}" dt="2022-02-20T21:31:31.340" v="1037" actId="478"/>
+          <ac:picMkLst>
+            <pc:docMk/>
+            <pc:sldMk cId="2572955887" sldId="275"/>
+            <ac:picMk id="6" creationId="{F49F66CA-C02D-4151-B92A-457220B8F7A7}"/>
+          </ac:picMkLst>
+        </pc:picChg>
+        <pc:picChg chg="del">
+          <ac:chgData name="Danett Pepito" userId="ddef1e2176689e9a" providerId="LiveId" clId="{53BB49C2-00DF-4AB6-9D9D-351DBF063D16}" dt="2022-02-20T21:31:32.350" v="1038" actId="478"/>
+          <ac:picMkLst>
+            <pc:docMk/>
+            <pc:sldMk cId="2572955887" sldId="275"/>
+            <ac:picMk id="9" creationId="{949F4C10-7620-4E33-AE2C-8F71C3EA1DD1}"/>
+          </ac:picMkLst>
+        </pc:picChg>
+      </pc:sldChg>
     </pc:docChg>
   </pc:docChgLst>
   <pc:docChgLst>
@@ -2111,6 +2199,224 @@
   <p:cSld>
     <p:spTree>
       <p:nvGrpSpPr>
+        <p:cNvPr id="1" name="Shape 69"/>
+        <p:cNvGrpSpPr/>
+        <p:nvPr/>
+      </p:nvGrpSpPr>
+      <p:grpSpPr>
+        <a:xfrm>
+          <a:off x="0" y="0"/>
+          <a:ext cx="0" cy="0"/>
+          <a:chOff x="0" y="0"/>
+          <a:chExt cx="0" cy="0"/>
+        </a:xfrm>
+      </p:grpSpPr>
+      <p:sp>
+        <p:nvSpPr>
+          <p:cNvPr id="70" name="Google Shape;70;gac10fef634_0_16:notes"/>
+          <p:cNvSpPr>
+            <a:spLocks noGrp="1" noRot="1" noChangeAspect="1"/>
+          </p:cNvSpPr>
+          <p:nvPr>
+            <p:ph type="sldImg" idx="2"/>
+          </p:nvPr>
+        </p:nvSpPr>
+        <p:spPr>
+          <a:xfrm>
+            <a:off x="381000" y="685800"/>
+            <a:ext cx="6096000" cy="3429000"/>
+          </a:xfrm>
+          <a:custGeom>
+            <a:avLst/>
+            <a:gdLst/>
+            <a:ahLst/>
+            <a:cxnLst/>
+            <a:rect l="l" t="t" r="r" b="b"/>
+            <a:pathLst>
+              <a:path w="120000" h="120000" extrusionOk="0">
+                <a:moveTo>
+                  <a:pt x="0" y="0"/>
+                </a:moveTo>
+                <a:lnTo>
+                  <a:pt x="120000" y="0"/>
+                </a:lnTo>
+                <a:lnTo>
+                  <a:pt x="120000" y="120000"/>
+                </a:lnTo>
+                <a:lnTo>
+                  <a:pt x="0" y="120000"/>
+                </a:lnTo>
+                <a:close/>
+              </a:path>
+            </a:pathLst>
+          </a:custGeom>
+        </p:spPr>
+      </p:sp>
+      <p:sp>
+        <p:nvSpPr>
+          <p:cNvPr id="71" name="Google Shape;71;gac10fef634_0_16:notes"/>
+          <p:cNvSpPr txBox="1">
+            <a:spLocks noGrp="1"/>
+          </p:cNvSpPr>
+          <p:nvPr>
+            <p:ph type="body" idx="1"/>
+          </p:nvPr>
+        </p:nvSpPr>
+        <p:spPr>
+          <a:xfrm>
+            <a:off x="685800" y="4343400"/>
+            <a:ext cx="5486400" cy="4114800"/>
+          </a:xfrm>
+          <a:prstGeom prst="rect">
+            <a:avLst/>
+          </a:prstGeom>
+        </p:spPr>
+        <p:txBody>
+          <a:bodyPr spcFirstLastPara="1" wrap="square" lIns="91425" tIns="91425" rIns="91425" bIns="91425" anchor="t" anchorCtr="0">
+            <a:noAutofit/>
+          </a:bodyPr>
+          <a:lstStyle/>
+          <a:p>
+            <a:pPr marL="0" lvl="0" indent="0" algn="l" rtl="0">
+              <a:spcBef>
+                <a:spcPts val="0"/>
+              </a:spcBef>
+              <a:spcAft>
+                <a:spcPts val="0"/>
+              </a:spcAft>
+              <a:buNone/>
+            </a:pPr>
+            <a:endParaRPr/>
+          </a:p>
+        </p:txBody>
+      </p:sp>
+    </p:spTree>
+    <p:extLst>
+      <p:ext uri="{BB962C8B-B14F-4D97-AF65-F5344CB8AC3E}">
+        <p14:creationId xmlns:p14="http://schemas.microsoft.com/office/powerpoint/2010/main" val="2887798547"/>
+      </p:ext>
+    </p:extLst>
+  </p:cSld>
+  <p:clrMapOvr>
+    <a:masterClrMapping/>
+  </p:clrMapOvr>
+</p:notes>
+</file>
+
+<file path=ppt/notesSlides/notesSlide17.xml><?xml version="1.0" encoding="utf-8"?>
+<p:notes xmlns:a="http://schemas.openxmlformats.org/drawingml/2006/main" xmlns:r="http://schemas.openxmlformats.org/officeDocument/2006/relationships" xmlns:p="http://schemas.openxmlformats.org/presentationml/2006/main" showMasterSp="0" showMasterPhAnim="0">
+  <p:cSld>
+    <p:spTree>
+      <p:nvGrpSpPr>
+        <p:cNvPr id="1" name="Shape 74"/>
+        <p:cNvGrpSpPr/>
+        <p:nvPr/>
+      </p:nvGrpSpPr>
+      <p:grpSpPr>
+        <a:xfrm>
+          <a:off x="0" y="0"/>
+          <a:ext cx="0" cy="0"/>
+          <a:chOff x="0" y="0"/>
+          <a:chExt cx="0" cy="0"/>
+        </a:xfrm>
+      </p:grpSpPr>
+      <p:sp>
+        <p:nvSpPr>
+          <p:cNvPr id="75" name="Google Shape;75;gac10fef634_0_20:notes"/>
+          <p:cNvSpPr>
+            <a:spLocks noGrp="1" noRot="1" noChangeAspect="1"/>
+          </p:cNvSpPr>
+          <p:nvPr>
+            <p:ph type="sldImg" idx="2"/>
+          </p:nvPr>
+        </p:nvSpPr>
+        <p:spPr>
+          <a:xfrm>
+            <a:off x="381000" y="685800"/>
+            <a:ext cx="6096000" cy="3429000"/>
+          </a:xfrm>
+          <a:custGeom>
+            <a:avLst/>
+            <a:gdLst/>
+            <a:ahLst/>
+            <a:cxnLst/>
+            <a:rect l="l" t="t" r="r" b="b"/>
+            <a:pathLst>
+              <a:path w="120000" h="120000" extrusionOk="0">
+                <a:moveTo>
+                  <a:pt x="0" y="0"/>
+                </a:moveTo>
+                <a:lnTo>
+                  <a:pt x="120000" y="0"/>
+                </a:lnTo>
+                <a:lnTo>
+                  <a:pt x="120000" y="120000"/>
+                </a:lnTo>
+                <a:lnTo>
+                  <a:pt x="0" y="120000"/>
+                </a:lnTo>
+                <a:close/>
+              </a:path>
+            </a:pathLst>
+          </a:custGeom>
+        </p:spPr>
+      </p:sp>
+      <p:sp>
+        <p:nvSpPr>
+          <p:cNvPr id="76" name="Google Shape;76;gac10fef634_0_20:notes"/>
+          <p:cNvSpPr txBox="1">
+            <a:spLocks noGrp="1"/>
+          </p:cNvSpPr>
+          <p:nvPr>
+            <p:ph type="body" idx="1"/>
+          </p:nvPr>
+        </p:nvSpPr>
+        <p:spPr>
+          <a:xfrm>
+            <a:off x="685800" y="4343400"/>
+            <a:ext cx="5486400" cy="4114800"/>
+          </a:xfrm>
+          <a:prstGeom prst="rect">
+            <a:avLst/>
+          </a:prstGeom>
+        </p:spPr>
+        <p:txBody>
+          <a:bodyPr spcFirstLastPara="1" wrap="square" lIns="91425" tIns="91425" rIns="91425" bIns="91425" anchor="t" anchorCtr="0">
+            <a:noAutofit/>
+          </a:bodyPr>
+          <a:lstStyle/>
+          <a:p>
+            <a:pPr marL="0" lvl="0" indent="0" algn="l" rtl="0">
+              <a:spcBef>
+                <a:spcPts val="0"/>
+              </a:spcBef>
+              <a:spcAft>
+                <a:spcPts val="0"/>
+              </a:spcAft>
+              <a:buNone/>
+            </a:pPr>
+            <a:endParaRPr/>
+          </a:p>
+        </p:txBody>
+      </p:sp>
+    </p:spTree>
+    <p:extLst>
+      <p:ext uri="{BB962C8B-B14F-4D97-AF65-F5344CB8AC3E}">
+        <p14:creationId xmlns:p14="http://schemas.microsoft.com/office/powerpoint/2010/main" val="3498085470"/>
+      </p:ext>
+    </p:extLst>
+  </p:cSld>
+  <p:clrMapOvr>
+    <a:masterClrMapping/>
+  </p:clrMapOvr>
+</p:notes>
+</file>
+
+<file path=ppt/notesSlides/notesSlide18.xml><?xml version="1.0" encoding="utf-8"?>
+<p:notes xmlns:a="http://schemas.openxmlformats.org/drawingml/2006/main" xmlns:r="http://schemas.openxmlformats.org/officeDocument/2006/relationships" xmlns:p="http://schemas.openxmlformats.org/presentationml/2006/main" showMasterSp="0" showMasterPhAnim="0">
+  <p:cSld>
+    <p:spTree>
+      <p:nvGrpSpPr>
         <p:cNvPr id="1" name="Shape 80"/>
         <p:cNvGrpSpPr/>
         <p:nvPr/>
@@ -2231,7 +2537,7 @@
 </p:notes>
 </file>
 
-<file path=ppt/notesSlides/notesSlide17.xml><?xml version="1.0" encoding="utf-8"?>
+<file path=ppt/notesSlides/notesSlide19.xml><?xml version="1.0" encoding="utf-8"?>
 <p:notes xmlns:a="http://schemas.openxmlformats.org/drawingml/2006/main" xmlns:r="http://schemas.openxmlformats.org/officeDocument/2006/relationships" xmlns:p="http://schemas.openxmlformats.org/presentationml/2006/main" showMasterSp="0" showMasterPhAnim="0">
   <p:cSld>
     <p:spTree>
@@ -9976,6 +10282,465 @@
     </p:bg>
     <p:spTree>
       <p:nvGrpSpPr>
+        <p:cNvPr id="1" name="Shape 72"/>
+        <p:cNvGrpSpPr/>
+        <p:nvPr/>
+      </p:nvGrpSpPr>
+      <p:grpSpPr>
+        <a:xfrm>
+          <a:off x="0" y="0"/>
+          <a:ext cx="0" cy="0"/>
+          <a:chOff x="0" y="0"/>
+          <a:chExt cx="0" cy="0"/>
+        </a:xfrm>
+      </p:grpSpPr>
+      <p:sp>
+        <p:nvSpPr>
+          <p:cNvPr id="73" name="Google Shape;73;p16"/>
+          <p:cNvSpPr txBox="1">
+            <a:spLocks noGrp="1"/>
+          </p:cNvSpPr>
+          <p:nvPr>
+            <p:ph type="title"/>
+          </p:nvPr>
+        </p:nvSpPr>
+        <p:spPr>
+          <a:xfrm>
+            <a:off x="311700" y="445025"/>
+            <a:ext cx="8520600" cy="572700"/>
+          </a:xfrm>
+          <a:prstGeom prst="rect">
+            <a:avLst/>
+          </a:prstGeom>
+        </p:spPr>
+        <p:txBody>
+          <a:bodyPr spcFirstLastPara="1" wrap="square" lIns="91425" tIns="91425" rIns="91425" bIns="91425" anchor="t" anchorCtr="0">
+            <a:noAutofit/>
+          </a:bodyPr>
+          <a:lstStyle/>
+          <a:p>
+            <a:pPr marL="0" lvl="0" indent="0" algn="l" rtl="0">
+              <a:spcBef>
+                <a:spcPts val="0"/>
+              </a:spcBef>
+              <a:spcAft>
+                <a:spcPts val="0"/>
+              </a:spcAft>
+              <a:buNone/>
+            </a:pPr>
+            <a:r>
+              <a:rPr lang="en" dirty="0"/>
+              <a:t>Component 3 Pick up info v2 (Trello screenshot)</a:t>
+            </a:r>
+            <a:endParaRPr dirty="0"/>
+          </a:p>
+        </p:txBody>
+      </p:sp>
+      <p:pic>
+        <p:nvPicPr>
+          <p:cNvPr id="4" name="Picture 3">
+            <a:extLst>
+              <a:ext uri="{FF2B5EF4-FFF2-40B4-BE49-F238E27FC236}">
+                <a16:creationId xmlns:a16="http://schemas.microsoft.com/office/drawing/2014/main" id="{05B2A0F6-71C6-468A-AB63-C4D8F57F4168}"/>
+              </a:ext>
+            </a:extLst>
+          </p:cNvPr>
+          <p:cNvPicPr>
+            <a:picLocks noChangeAspect="1"/>
+          </p:cNvPicPr>
+          <p:nvPr/>
+        </p:nvPicPr>
+        <p:blipFill>
+          <a:blip r:embed="rId3"/>
+          <a:stretch>
+            <a:fillRect/>
+          </a:stretch>
+        </p:blipFill>
+        <p:spPr>
+          <a:xfrm>
+            <a:off x="412200" y="1246646"/>
+            <a:ext cx="8420100" cy="3082891"/>
+          </a:xfrm>
+          <a:prstGeom prst="rect">
+            <a:avLst/>
+          </a:prstGeom>
+        </p:spPr>
+      </p:pic>
+    </p:spTree>
+    <p:extLst>
+      <p:ext uri="{BB962C8B-B14F-4D97-AF65-F5344CB8AC3E}">
+        <p14:creationId xmlns:p14="http://schemas.microsoft.com/office/powerpoint/2010/main" val="520230128"/>
+      </p:ext>
+    </p:extLst>
+  </p:cSld>
+  <p:clrMapOvr>
+    <a:masterClrMapping/>
+  </p:clrMapOvr>
+</p:sld>
+</file>
+
+<file path=ppt/slides/slide17.xml><?xml version="1.0" encoding="utf-8"?>
+<p:sld xmlns:a="http://schemas.openxmlformats.org/drawingml/2006/main" xmlns:r="http://schemas.openxmlformats.org/officeDocument/2006/relationships" xmlns:p="http://schemas.openxmlformats.org/presentationml/2006/main">
+  <p:cSld>
+    <p:spTree>
+      <p:nvGrpSpPr>
+        <p:cNvPr id="1" name="Shape 77"/>
+        <p:cNvGrpSpPr/>
+        <p:nvPr/>
+      </p:nvGrpSpPr>
+      <p:grpSpPr>
+        <a:xfrm>
+          <a:off x="0" y="0"/>
+          <a:ext cx="0" cy="0"/>
+          <a:chOff x="0" y="0"/>
+          <a:chExt cx="0" cy="0"/>
+        </a:xfrm>
+      </p:grpSpPr>
+      <p:sp>
+        <p:nvSpPr>
+          <p:cNvPr id="78" name="Google Shape;78;p17"/>
+          <p:cNvSpPr txBox="1">
+            <a:spLocks noGrp="1"/>
+          </p:cNvSpPr>
+          <p:nvPr>
+            <p:ph type="title"/>
+          </p:nvPr>
+        </p:nvSpPr>
+        <p:spPr>
+          <a:xfrm>
+            <a:off x="311700" y="445025"/>
+            <a:ext cx="8520600" cy="572700"/>
+          </a:xfrm>
+          <a:prstGeom prst="rect">
+            <a:avLst/>
+          </a:prstGeom>
+        </p:spPr>
+        <p:txBody>
+          <a:bodyPr spcFirstLastPara="1" wrap="square" lIns="91425" tIns="91425" rIns="91425" bIns="91425" anchor="t" anchorCtr="0">
+            <a:noAutofit/>
+          </a:bodyPr>
+          <a:lstStyle/>
+          <a:p>
+            <a:pPr marL="0" lvl="0" indent="0" algn="l" rtl="0">
+              <a:spcBef>
+                <a:spcPts val="0"/>
+              </a:spcBef>
+              <a:spcAft>
+                <a:spcPts val="0"/>
+              </a:spcAft>
+              <a:buNone/>
+            </a:pPr>
+            <a:r>
+              <a:rPr lang="en" dirty="0"/>
+              <a:t>Component 3 v2 - Test Plan (and screenshot)</a:t>
+            </a:r>
+            <a:endParaRPr dirty="0"/>
+          </a:p>
+        </p:txBody>
+      </p:sp>
+      <p:graphicFrame>
+        <p:nvGraphicFramePr>
+          <p:cNvPr id="79" name="Google Shape;79;p17"/>
+          <p:cNvGraphicFramePr/>
+          <p:nvPr>
+            <p:extLst>
+              <p:ext uri="{D42A27DB-BD31-4B8C-83A1-F6EECF244321}">
+                <p14:modId xmlns:p14="http://schemas.microsoft.com/office/powerpoint/2010/main" val="54401271"/>
+              </p:ext>
+            </p:extLst>
+          </p:nvPr>
+        </p:nvGraphicFramePr>
+        <p:xfrm>
+          <a:off x="311700" y="3369975"/>
+          <a:ext cx="8520600" cy="1493460"/>
+        </p:xfrm>
+        <a:graphic>
+          <a:graphicData uri="http://schemas.openxmlformats.org/drawingml/2006/table">
+            <a:tbl>
+              <a:tblPr>
+                <a:noFill/>
+                <a:tableStyleId>{E1099E06-0E6B-448D-9D27-60429F06E6F4}</a:tableStyleId>
+              </a:tblPr>
+              <a:tblGrid>
+                <a:gridCol w="4260300">
+                  <a:extLst>
+                    <a:ext uri="{9D8B030D-6E8A-4147-A177-3AD203B41FA5}">
+                      <a16:colId xmlns:a16="http://schemas.microsoft.com/office/drawing/2014/main" val="20000"/>
+                    </a:ext>
+                  </a:extLst>
+                </a:gridCol>
+                <a:gridCol w="4260300">
+                  <a:extLst>
+                    <a:ext uri="{9D8B030D-6E8A-4147-A177-3AD203B41FA5}">
+                      <a16:colId xmlns:a16="http://schemas.microsoft.com/office/drawing/2014/main" val="20001"/>
+                    </a:ext>
+                  </a:extLst>
+                </a:gridCol>
+              </a:tblGrid>
+              <a:tr h="381000">
+                <a:tc>
+                  <a:txBody>
+                    <a:bodyPr/>
+                    <a:lstStyle/>
+                    <a:p>
+                      <a:pPr marL="0" lvl="0" indent="0" algn="l" rtl="0">
+                        <a:spcBef>
+                          <a:spcPts val="0"/>
+                        </a:spcBef>
+                        <a:spcAft>
+                          <a:spcPts val="0"/>
+                        </a:spcAft>
+                        <a:buNone/>
+                      </a:pPr>
+                      <a:r>
+                        <a:rPr lang="en" sz="1800" b="1" dirty="0"/>
+                        <a:t>Test Case</a:t>
+                      </a:r>
+                      <a:endParaRPr sz="1800" b="1" dirty="0"/>
+                    </a:p>
+                  </a:txBody>
+                  <a:tcPr marL="91425" marR="91425" marT="91425" marB="91425">
+                    <a:solidFill>
+                      <a:srgbClr val="CCCCCC"/>
+                    </a:solidFill>
+                  </a:tcPr>
+                </a:tc>
+                <a:tc>
+                  <a:txBody>
+                    <a:bodyPr/>
+                    <a:lstStyle/>
+                    <a:p>
+                      <a:pPr marL="0" lvl="0" indent="0" algn="l" rtl="0">
+                        <a:spcBef>
+                          <a:spcPts val="0"/>
+                        </a:spcBef>
+                        <a:spcAft>
+                          <a:spcPts val="0"/>
+                        </a:spcAft>
+                        <a:buNone/>
+                      </a:pPr>
+                      <a:r>
+                        <a:rPr lang="en" sz="1800" b="1"/>
+                        <a:t>Expected Values</a:t>
+                      </a:r>
+                      <a:endParaRPr sz="1800" b="1"/>
+                    </a:p>
+                  </a:txBody>
+                  <a:tcPr marL="91425" marR="91425" marT="91425" marB="91425">
+                    <a:solidFill>
+                      <a:srgbClr val="CCCCCC"/>
+                    </a:solidFill>
+                  </a:tcPr>
+                </a:tc>
+                <a:extLst>
+                  <a:ext uri="{0D108BD9-81ED-4DB2-BD59-A6C34878D82A}">
+                    <a16:rowId xmlns:a16="http://schemas.microsoft.com/office/drawing/2014/main" val="10000"/>
+                  </a:ext>
+                </a:extLst>
+              </a:tr>
+              <a:tr h="396200">
+                <a:tc>
+                  <a:txBody>
+                    <a:bodyPr/>
+                    <a:lstStyle/>
+                    <a:p>
+                      <a:pPr marL="0" lvl="0" indent="0" algn="l" rtl="0">
+                        <a:spcBef>
+                          <a:spcPts val="0"/>
+                        </a:spcBef>
+                        <a:spcAft>
+                          <a:spcPts val="0"/>
+                        </a:spcAft>
+                        <a:buNone/>
+                      </a:pPr>
+                      <a:r>
+                        <a:rPr lang="en-NZ" sz="1800" dirty="0"/>
+                        <a:t>Input name</a:t>
+                      </a:r>
+                    </a:p>
+                    <a:p>
+                      <a:pPr marL="0" lvl="0" indent="0" algn="l" rtl="0">
+                        <a:spcBef>
+                          <a:spcPts val="0"/>
+                        </a:spcBef>
+                        <a:spcAft>
+                          <a:spcPts val="0"/>
+                        </a:spcAft>
+                        <a:buNone/>
+                      </a:pPr>
+                      <a:r>
+                        <a:rPr lang="en-NZ" sz="1800" dirty="0"/>
+                        <a:t>Input phone number</a:t>
+                      </a:r>
+                    </a:p>
+                    <a:p>
+                      <a:pPr marL="0" lvl="0" indent="0" algn="l" rtl="0">
+                        <a:spcBef>
+                          <a:spcPts val="0"/>
+                        </a:spcBef>
+                        <a:spcAft>
+                          <a:spcPts val="0"/>
+                        </a:spcAft>
+                        <a:buNone/>
+                      </a:pPr>
+                      <a:r>
+                        <a:rPr lang="en-NZ" sz="1800" dirty="0"/>
+                        <a:t>Left input blank</a:t>
+                      </a:r>
+                      <a:endParaRPr sz="1800" dirty="0"/>
+                    </a:p>
+                  </a:txBody>
+                  <a:tcPr marL="91425" marR="91425" marT="91425" marB="91425"/>
+                </a:tc>
+                <a:tc>
+                  <a:txBody>
+                    <a:bodyPr/>
+                    <a:lstStyle/>
+                    <a:p>
+                      <a:pPr marL="0" lvl="0" indent="0" algn="l" rtl="0">
+                        <a:spcBef>
+                          <a:spcPts val="0"/>
+                        </a:spcBef>
+                        <a:spcAft>
+                          <a:spcPts val="0"/>
+                        </a:spcAft>
+                        <a:buNone/>
+                      </a:pPr>
+                      <a:r>
+                        <a:rPr lang="en-NZ" sz="1400" dirty="0"/>
+                        <a:t>Printed name correctly</a:t>
+                      </a:r>
+                    </a:p>
+                    <a:p>
+                      <a:pPr marL="0" lvl="0" indent="0" algn="l" rtl="0">
+                        <a:spcBef>
+                          <a:spcPts val="0"/>
+                        </a:spcBef>
+                        <a:spcAft>
+                          <a:spcPts val="0"/>
+                        </a:spcAft>
+                        <a:buNone/>
+                      </a:pPr>
+                      <a:r>
+                        <a:rPr lang="en-NZ" sz="1400" dirty="0"/>
+                        <a:t>Printed phone number correctly </a:t>
+                      </a:r>
+                    </a:p>
+                    <a:p>
+                      <a:pPr marL="0" lvl="0" indent="0" algn="l" rtl="0">
+                        <a:spcBef>
+                          <a:spcPts val="0"/>
+                        </a:spcBef>
+                        <a:spcAft>
+                          <a:spcPts val="0"/>
+                        </a:spcAft>
+                        <a:buNone/>
+                      </a:pPr>
+                      <a:r>
+                        <a:rPr lang="en-NZ" sz="1400" dirty="0"/>
+                        <a:t>Prints “Sorry this cannot be blank” – goes back to input</a:t>
+                      </a:r>
+                      <a:endParaRPr sz="1400" dirty="0"/>
+                    </a:p>
+                  </a:txBody>
+                  <a:tcPr marL="91425" marR="91425" marT="91425" marB="91425"/>
+                </a:tc>
+                <a:extLst>
+                  <a:ext uri="{0D108BD9-81ED-4DB2-BD59-A6C34878D82A}">
+                    <a16:rowId xmlns:a16="http://schemas.microsoft.com/office/drawing/2014/main" val="10001"/>
+                  </a:ext>
+                </a:extLst>
+              </a:tr>
+            </a:tbl>
+          </a:graphicData>
+        </a:graphic>
+      </p:graphicFrame>
+      <p:pic>
+        <p:nvPicPr>
+          <p:cNvPr id="3" name="Picture 2">
+            <a:extLst>
+              <a:ext uri="{FF2B5EF4-FFF2-40B4-BE49-F238E27FC236}">
+                <a16:creationId xmlns:a16="http://schemas.microsoft.com/office/drawing/2014/main" id="{C5BE0AED-6101-477F-8BAB-BC8BA1ACFF97}"/>
+              </a:ext>
+            </a:extLst>
+          </p:cNvPr>
+          <p:cNvPicPr>
+            <a:picLocks noChangeAspect="1"/>
+          </p:cNvPicPr>
+          <p:nvPr/>
+        </p:nvPicPr>
+        <p:blipFill>
+          <a:blip r:embed="rId3"/>
+          <a:stretch>
+            <a:fillRect/>
+          </a:stretch>
+        </p:blipFill>
+        <p:spPr>
+          <a:xfrm>
+            <a:off x="951780" y="1314702"/>
+            <a:ext cx="3010320" cy="1047896"/>
+          </a:xfrm>
+          <a:prstGeom prst="rect">
+            <a:avLst/>
+          </a:prstGeom>
+        </p:spPr>
+      </p:pic>
+      <p:pic>
+        <p:nvPicPr>
+          <p:cNvPr id="5" name="Picture 4">
+            <a:extLst>
+              <a:ext uri="{FF2B5EF4-FFF2-40B4-BE49-F238E27FC236}">
+                <a16:creationId xmlns:a16="http://schemas.microsoft.com/office/drawing/2014/main" id="{6D8C850B-EC5C-410B-9F1A-0C859588FE55}"/>
+              </a:ext>
+            </a:extLst>
+          </p:cNvPr>
+          <p:cNvPicPr>
+            <a:picLocks noChangeAspect="1"/>
+          </p:cNvPicPr>
+          <p:nvPr/>
+        </p:nvPicPr>
+        <p:blipFill>
+          <a:blip r:embed="rId4"/>
+          <a:stretch>
+            <a:fillRect/>
+          </a:stretch>
+        </p:blipFill>
+        <p:spPr>
+          <a:xfrm>
+            <a:off x="4572000" y="1095302"/>
+            <a:ext cx="3324689" cy="1667108"/>
+          </a:xfrm>
+          <a:prstGeom prst="rect">
+            <a:avLst/>
+          </a:prstGeom>
+        </p:spPr>
+      </p:pic>
+    </p:spTree>
+    <p:extLst>
+      <p:ext uri="{BB962C8B-B14F-4D97-AF65-F5344CB8AC3E}">
+        <p14:creationId xmlns:p14="http://schemas.microsoft.com/office/powerpoint/2010/main" val="2572955887"/>
+      </p:ext>
+    </p:extLst>
+  </p:cSld>
+  <p:clrMapOvr>
+    <a:masterClrMapping/>
+  </p:clrMapOvr>
+</p:sld>
+</file>
+
+<file path=ppt/slides/slide18.xml><?xml version="1.0" encoding="utf-8"?>
+<p:sld xmlns:a="http://schemas.openxmlformats.org/drawingml/2006/main" xmlns:r="http://schemas.openxmlformats.org/officeDocument/2006/relationships" xmlns:p="http://schemas.openxmlformats.org/presentationml/2006/main">
+  <p:cSld>
+    <p:bg>
+      <p:bgPr>
+        <a:solidFill>
+          <a:srgbClr val="D9EAD3"/>
+        </a:solidFill>
+        <a:effectLst/>
+      </p:bgPr>
+    </p:bg>
+    <p:spTree>
+      <p:nvGrpSpPr>
         <p:cNvPr id="1" name="Shape 83"/>
         <p:cNvGrpSpPr/>
         <p:nvPr/>
@@ -10080,7 +10845,7 @@
 </p:sld>
 </file>
 
-<file path=ppt/slides/slide17.xml><?xml version="1.0" encoding="utf-8"?>
+<file path=ppt/slides/slide19.xml><?xml version="1.0" encoding="utf-8"?>
 <p:sld xmlns:a="http://schemas.openxmlformats.org/drawingml/2006/main" xmlns:r="http://schemas.openxmlformats.org/officeDocument/2006/relationships" xmlns:p="http://schemas.openxmlformats.org/presentationml/2006/main">
   <p:cSld>
     <p:bg>

--- a/022_91893+_+91897+Documentation.pptx
+++ b/022_91893+_+91897+Documentation.pptx
@@ -5,7 +5,7 @@
     <p:sldMasterId id="2147483659" r:id="rId1"/>
   </p:sldMasterIdLst>
   <p:notesMasterIdLst>
-    <p:notesMasterId r:id="rId21"/>
+    <p:notesMasterId r:id="rId23"/>
   </p:notesMasterIdLst>
   <p:sldIdLst>
     <p:sldId id="256" r:id="rId2"/>
@@ -25,8 +25,10 @@
     <p:sldId id="266" r:id="rId16"/>
     <p:sldId id="274" r:id="rId17"/>
     <p:sldId id="275" r:id="rId18"/>
-    <p:sldId id="261" r:id="rId19"/>
-    <p:sldId id="262" r:id="rId20"/>
+    <p:sldId id="277" r:id="rId19"/>
+    <p:sldId id="278" r:id="rId20"/>
+    <p:sldId id="261" r:id="rId21"/>
+    <p:sldId id="262" r:id="rId22"/>
   </p:sldIdLst>
   <p:sldSz cx="9144000" cy="5143500" type="screen16x9"/>
   <p:notesSz cx="6858000" cy="9144000"/>
@@ -291,7 +293,7 @@
   <pc:docChgLst>
     <pc:chgData name="Danett Pepito" userId="ddef1e2176689e9a" providerId="LiveId" clId="{53BB49C2-00DF-4AB6-9D9D-351DBF063D16}"/>
     <pc:docChg chg="undo custSel addSld delSld modSld sldOrd">
-      <pc:chgData name="Danett Pepito" userId="ddef1e2176689e9a" providerId="LiveId" clId="{53BB49C2-00DF-4AB6-9D9D-351DBF063D16}" dt="2022-02-20T21:35:32.624" v="1119" actId="1076"/>
+      <pc:chgData name="Danett Pepito" userId="ddef1e2176689e9a" providerId="LiveId" clId="{53BB49C2-00DF-4AB6-9D9D-351DBF063D16}" dt="2022-02-20T21:52:31.146" v="1147" actId="1076"/>
       <pc:docMkLst>
         <pc:docMk/>
       </pc:docMkLst>
@@ -951,6 +953,120 @@
           </ac:picMkLst>
         </pc:picChg>
       </pc:sldChg>
+      <pc:sldChg chg="add del">
+        <pc:chgData name="Danett Pepito" userId="ddef1e2176689e9a" providerId="LiveId" clId="{53BB49C2-00DF-4AB6-9D9D-351DBF063D16}" dt="2022-02-20T21:49:46.417" v="1121" actId="2890"/>
+        <pc:sldMkLst>
+          <pc:docMk/>
+          <pc:sldMk cId="1343789128" sldId="276"/>
+        </pc:sldMkLst>
+      </pc:sldChg>
+      <pc:sldChg chg="add del">
+        <pc:chgData name="Danett Pepito" userId="ddef1e2176689e9a" providerId="LiveId" clId="{53BB49C2-00DF-4AB6-9D9D-351DBF063D16}" dt="2022-02-20T21:49:58.487" v="1123" actId="47"/>
+        <pc:sldMkLst>
+          <pc:docMk/>
+          <pc:sldMk cId="2662612355" sldId="276"/>
+        </pc:sldMkLst>
+      </pc:sldChg>
+      <pc:sldChg chg="addSp delSp modSp add mod replId">
+        <pc:chgData name="Danett Pepito" userId="ddef1e2176689e9a" providerId="LiveId" clId="{53BB49C2-00DF-4AB6-9D9D-351DBF063D16}" dt="2022-02-20T21:51:12.086" v="1133" actId="1076"/>
+        <pc:sldMkLst>
+          <pc:docMk/>
+          <pc:sldMk cId="672235735" sldId="277"/>
+        </pc:sldMkLst>
+        <pc:spChg chg="mod">
+          <ac:chgData name="Danett Pepito" userId="ddef1e2176689e9a" providerId="LiveId" clId="{53BB49C2-00DF-4AB6-9D9D-351DBF063D16}" dt="2022-02-20T21:50:05.197" v="1125" actId="20577"/>
+          <ac:spMkLst>
+            <pc:docMk/>
+            <pc:sldMk cId="672235735" sldId="277"/>
+            <ac:spMk id="73" creationId="{00000000-0000-0000-0000-000000000000}"/>
+          </ac:spMkLst>
+        </pc:spChg>
+        <pc:picChg chg="add mod">
+          <ac:chgData name="Danett Pepito" userId="ddef1e2176689e9a" providerId="LiveId" clId="{53BB49C2-00DF-4AB6-9D9D-351DBF063D16}" dt="2022-02-20T21:51:12.086" v="1133" actId="1076"/>
+          <ac:picMkLst>
+            <pc:docMk/>
+            <pc:sldMk cId="672235735" sldId="277"/>
+            <ac:picMk id="3" creationId="{795705C8-F589-43AD-986C-86EAF6F663BD}"/>
+          </ac:picMkLst>
+        </pc:picChg>
+        <pc:picChg chg="del">
+          <ac:chgData name="Danett Pepito" userId="ddef1e2176689e9a" providerId="LiveId" clId="{53BB49C2-00DF-4AB6-9D9D-351DBF063D16}" dt="2022-02-20T21:50:08.717" v="1126" actId="478"/>
+          <ac:picMkLst>
+            <pc:docMk/>
+            <pc:sldMk cId="672235735" sldId="277"/>
+            <ac:picMk id="4" creationId="{05B2A0F6-71C6-468A-AB63-C4D8F57F4168}"/>
+          </ac:picMkLst>
+        </pc:picChg>
+      </pc:sldChg>
+      <pc:sldChg chg="add del replId">
+        <pc:chgData name="Danett Pepito" userId="ddef1e2176689e9a" providerId="LiveId" clId="{53BB49C2-00DF-4AB6-9D9D-351DBF063D16}" dt="2022-02-20T21:49:46.417" v="1121" actId="2890"/>
+        <pc:sldMkLst>
+          <pc:docMk/>
+          <pc:sldMk cId="3562052833" sldId="277"/>
+        </pc:sldMkLst>
+      </pc:sldChg>
+      <pc:sldChg chg="add del replId">
+        <pc:chgData name="Danett Pepito" userId="ddef1e2176689e9a" providerId="LiveId" clId="{53BB49C2-00DF-4AB6-9D9D-351DBF063D16}" dt="2022-02-20T21:49:46.417" v="1121" actId="2890"/>
+        <pc:sldMkLst>
+          <pc:docMk/>
+          <pc:sldMk cId="478412875" sldId="278"/>
+        </pc:sldMkLst>
+      </pc:sldChg>
+      <pc:sldChg chg="addSp delSp modSp add mod replId">
+        <pc:chgData name="Danett Pepito" userId="ddef1e2176689e9a" providerId="LiveId" clId="{53BB49C2-00DF-4AB6-9D9D-351DBF063D16}" dt="2022-02-20T21:52:31.146" v="1147" actId="1076"/>
+        <pc:sldMkLst>
+          <pc:docMk/>
+          <pc:sldMk cId="4048396644" sldId="278"/>
+        </pc:sldMkLst>
+        <pc:spChg chg="mod">
+          <ac:chgData name="Danett Pepito" userId="ddef1e2176689e9a" providerId="LiveId" clId="{53BB49C2-00DF-4AB6-9D9D-351DBF063D16}" dt="2022-02-20T21:50:16.319" v="1128" actId="20577"/>
+          <ac:spMkLst>
+            <pc:docMk/>
+            <pc:sldMk cId="4048396644" sldId="278"/>
+            <ac:spMk id="78" creationId="{00000000-0000-0000-0000-000000000000}"/>
+          </ac:spMkLst>
+        </pc:spChg>
+        <pc:graphicFrameChg chg="mod">
+          <ac:chgData name="Danett Pepito" userId="ddef1e2176689e9a" providerId="LiveId" clId="{53BB49C2-00DF-4AB6-9D9D-351DBF063D16}" dt="2022-02-20T21:51:53.367" v="1139" actId="1076"/>
+          <ac:graphicFrameMkLst>
+            <pc:docMk/>
+            <pc:sldMk cId="4048396644" sldId="278"/>
+            <ac:graphicFrameMk id="79" creationId="{00000000-0000-0000-0000-000000000000}"/>
+          </ac:graphicFrameMkLst>
+        </pc:graphicFrameChg>
+        <pc:picChg chg="del">
+          <ac:chgData name="Danett Pepito" userId="ddef1e2176689e9a" providerId="LiveId" clId="{53BB49C2-00DF-4AB6-9D9D-351DBF063D16}" dt="2022-02-20T21:50:17.257" v="1129" actId="478"/>
+          <ac:picMkLst>
+            <pc:docMk/>
+            <pc:sldMk cId="4048396644" sldId="278"/>
+            <ac:picMk id="3" creationId="{C5BE0AED-6101-477F-8BAB-BC8BA1ACFF97}"/>
+          </ac:picMkLst>
+        </pc:picChg>
+        <pc:picChg chg="add mod">
+          <ac:chgData name="Danett Pepito" userId="ddef1e2176689e9a" providerId="LiveId" clId="{53BB49C2-00DF-4AB6-9D9D-351DBF063D16}" dt="2022-02-20T21:51:57.506" v="1141" actId="1076"/>
+          <ac:picMkLst>
+            <pc:docMk/>
+            <pc:sldMk cId="4048396644" sldId="278"/>
+            <ac:picMk id="4" creationId="{16789AFE-6800-4D53-862B-4C2EF8FED310}"/>
+          </ac:picMkLst>
+        </pc:picChg>
+        <pc:picChg chg="del">
+          <ac:chgData name="Danett Pepito" userId="ddef1e2176689e9a" providerId="LiveId" clId="{53BB49C2-00DF-4AB6-9D9D-351DBF063D16}" dt="2022-02-20T21:50:18.186" v="1130" actId="478"/>
+          <ac:picMkLst>
+            <pc:docMk/>
+            <pc:sldMk cId="4048396644" sldId="278"/>
+            <ac:picMk id="5" creationId="{6D8C850B-EC5C-410B-9F1A-0C859588FE55}"/>
+          </ac:picMkLst>
+        </pc:picChg>
+        <pc:picChg chg="add mod">
+          <ac:chgData name="Danett Pepito" userId="ddef1e2176689e9a" providerId="LiveId" clId="{53BB49C2-00DF-4AB6-9D9D-351DBF063D16}" dt="2022-02-20T21:52:31.146" v="1147" actId="1076"/>
+          <ac:picMkLst>
+            <pc:docMk/>
+            <pc:sldMk cId="4048396644" sldId="278"/>
+            <ac:picMk id="7" creationId="{08A35C95-F8B9-472C-81FD-E8E0009DB1A5}"/>
+          </ac:picMkLst>
+        </pc:picChg>
+      </pc:sldChg>
     </pc:docChg>
   </pc:docChgLst>
   <pc:docChgLst>
@@ -2417,7 +2533,7 @@
   <p:cSld>
     <p:spTree>
       <p:nvGrpSpPr>
-        <p:cNvPr id="1" name="Shape 80"/>
+        <p:cNvPr id="1" name="Shape 69"/>
         <p:cNvGrpSpPr/>
         <p:nvPr/>
       </p:nvGrpSpPr>
@@ -2431,7 +2547,7 @@
       </p:grpSpPr>
       <p:sp>
         <p:nvSpPr>
-          <p:cNvPr id="81" name="Google Shape;81;gac10fef634_0_25:notes"/>
+          <p:cNvPr id="70" name="Google Shape;70;gac10fef634_0_16:notes"/>
           <p:cNvSpPr>
             <a:spLocks noGrp="1" noRot="1" noChangeAspect="1"/>
           </p:cNvSpPr>
@@ -2472,7 +2588,7 @@
       </p:sp>
       <p:sp>
         <p:nvSpPr>
-          <p:cNvPr id="82" name="Google Shape;82;gac10fef634_0_25:notes"/>
+          <p:cNvPr id="71" name="Google Shape;71;gac10fef634_0_16:notes"/>
           <p:cNvSpPr txBox="1">
             <a:spLocks noGrp="1"/>
           </p:cNvSpPr>
@@ -2502,27 +2618,6 @@
               <a:spcAft>
                 <a:spcPts val="0"/>
               </a:spcAft>
-              <a:buClr>
-                <a:schemeClr val="dk1"/>
-              </a:buClr>
-              <a:buSzPts val="1100"/>
-              <a:buFont typeface="Arial"/>
-              <a:buNone/>
-            </a:pPr>
-            <a:r>
-              <a:rPr lang="en"/>
-              <a:t>Your version control evidence should go here.  This could be in the form of annotated screenshots which show you you managed this process or you could make a brief screencast explaining how you implemented version control.</a:t>
-            </a:r>
-            <a:endParaRPr/>
-          </a:p>
-          <a:p>
-            <a:pPr marL="0" lvl="0" indent="0" algn="l" rtl="0">
-              <a:spcBef>
-                <a:spcPts val="0"/>
-              </a:spcBef>
-              <a:spcAft>
-                <a:spcPts val="0"/>
-              </a:spcAft>
               <a:buNone/>
             </a:pPr>
             <a:endParaRPr/>
@@ -2530,6 +2625,11 @@
         </p:txBody>
       </p:sp>
     </p:spTree>
+    <p:extLst>
+      <p:ext uri="{BB962C8B-B14F-4D97-AF65-F5344CB8AC3E}">
+        <p14:creationId xmlns:p14="http://schemas.microsoft.com/office/powerpoint/2010/main" val="905812485"/>
+      </p:ext>
+    </p:extLst>
   </p:cSld>
   <p:clrMapOvr>
     <a:masterClrMapping/>
@@ -2542,7 +2642,7 @@
   <p:cSld>
     <p:spTree>
       <p:nvGrpSpPr>
-        <p:cNvPr id="1" name="Shape 86"/>
+        <p:cNvPr id="1" name="Shape 74"/>
         <p:cNvGrpSpPr/>
         <p:nvPr/>
       </p:nvGrpSpPr>
@@ -2556,7 +2656,7 @@
       </p:grpSpPr>
       <p:sp>
         <p:nvSpPr>
-          <p:cNvPr id="87" name="Google Shape;87;gac10fef634_0_30:notes"/>
+          <p:cNvPr id="75" name="Google Shape;75;gac10fef634_0_20:notes"/>
           <p:cNvSpPr>
             <a:spLocks noGrp="1" noRot="1" noChangeAspect="1"/>
           </p:cNvSpPr>
@@ -2597,7 +2697,7 @@
       </p:sp>
       <p:sp>
         <p:nvSpPr>
-          <p:cNvPr id="88" name="Google Shape;88;gac10fef634_0_30:notes"/>
+          <p:cNvPr id="76" name="Google Shape;76;gac10fef634_0_20:notes"/>
           <p:cNvSpPr txBox="1">
             <a:spLocks noGrp="1"/>
           </p:cNvSpPr>
@@ -2629,15 +2729,16 @@
               </a:spcAft>
               <a:buNone/>
             </a:pPr>
-            <a:r>
-              <a:rPr lang="en"/>
-              <a:t>Discusses how the information from planning, testing and trialling of components assisted in the development of a high-quality outcome</a:t>
-            </a:r>
             <a:endParaRPr/>
           </a:p>
         </p:txBody>
       </p:sp>
     </p:spTree>
+    <p:extLst>
+      <p:ext uri="{BB962C8B-B14F-4D97-AF65-F5344CB8AC3E}">
+        <p14:creationId xmlns:p14="http://schemas.microsoft.com/office/powerpoint/2010/main" val="2271518620"/>
+      </p:ext>
+    </p:extLst>
   </p:cSld>
   <p:clrMapOvr>
     <a:masterClrMapping/>
@@ -2740,6 +2841,239 @@
             <a:r>
               <a:rPr lang="en"/>
               <a:t>Explain the relevant implications here.  Then as you work, develop your code, discuss how the implications are being met.</a:t>
+            </a:r>
+            <a:endParaRPr/>
+          </a:p>
+        </p:txBody>
+      </p:sp>
+    </p:spTree>
+  </p:cSld>
+  <p:clrMapOvr>
+    <a:masterClrMapping/>
+  </p:clrMapOvr>
+</p:notes>
+</file>
+
+<file path=ppt/notesSlides/notesSlide20.xml><?xml version="1.0" encoding="utf-8"?>
+<p:notes xmlns:a="http://schemas.openxmlformats.org/drawingml/2006/main" xmlns:r="http://schemas.openxmlformats.org/officeDocument/2006/relationships" xmlns:p="http://schemas.openxmlformats.org/presentationml/2006/main" showMasterSp="0" showMasterPhAnim="0">
+  <p:cSld>
+    <p:spTree>
+      <p:nvGrpSpPr>
+        <p:cNvPr id="1" name="Shape 80"/>
+        <p:cNvGrpSpPr/>
+        <p:nvPr/>
+      </p:nvGrpSpPr>
+      <p:grpSpPr>
+        <a:xfrm>
+          <a:off x="0" y="0"/>
+          <a:ext cx="0" cy="0"/>
+          <a:chOff x="0" y="0"/>
+          <a:chExt cx="0" cy="0"/>
+        </a:xfrm>
+      </p:grpSpPr>
+      <p:sp>
+        <p:nvSpPr>
+          <p:cNvPr id="81" name="Google Shape;81;gac10fef634_0_25:notes"/>
+          <p:cNvSpPr>
+            <a:spLocks noGrp="1" noRot="1" noChangeAspect="1"/>
+          </p:cNvSpPr>
+          <p:nvPr>
+            <p:ph type="sldImg" idx="2"/>
+          </p:nvPr>
+        </p:nvSpPr>
+        <p:spPr>
+          <a:xfrm>
+            <a:off x="381000" y="685800"/>
+            <a:ext cx="6096000" cy="3429000"/>
+          </a:xfrm>
+          <a:custGeom>
+            <a:avLst/>
+            <a:gdLst/>
+            <a:ahLst/>
+            <a:cxnLst/>
+            <a:rect l="l" t="t" r="r" b="b"/>
+            <a:pathLst>
+              <a:path w="120000" h="120000" extrusionOk="0">
+                <a:moveTo>
+                  <a:pt x="0" y="0"/>
+                </a:moveTo>
+                <a:lnTo>
+                  <a:pt x="120000" y="0"/>
+                </a:lnTo>
+                <a:lnTo>
+                  <a:pt x="120000" y="120000"/>
+                </a:lnTo>
+                <a:lnTo>
+                  <a:pt x="0" y="120000"/>
+                </a:lnTo>
+                <a:close/>
+              </a:path>
+            </a:pathLst>
+          </a:custGeom>
+        </p:spPr>
+      </p:sp>
+      <p:sp>
+        <p:nvSpPr>
+          <p:cNvPr id="82" name="Google Shape;82;gac10fef634_0_25:notes"/>
+          <p:cNvSpPr txBox="1">
+            <a:spLocks noGrp="1"/>
+          </p:cNvSpPr>
+          <p:nvPr>
+            <p:ph type="body" idx="1"/>
+          </p:nvPr>
+        </p:nvSpPr>
+        <p:spPr>
+          <a:xfrm>
+            <a:off x="685800" y="4343400"/>
+            <a:ext cx="5486400" cy="4114800"/>
+          </a:xfrm>
+          <a:prstGeom prst="rect">
+            <a:avLst/>
+          </a:prstGeom>
+        </p:spPr>
+        <p:txBody>
+          <a:bodyPr spcFirstLastPara="1" wrap="square" lIns="91425" tIns="91425" rIns="91425" bIns="91425" anchor="t" anchorCtr="0">
+            <a:noAutofit/>
+          </a:bodyPr>
+          <a:lstStyle/>
+          <a:p>
+            <a:pPr marL="0" lvl="0" indent="0" algn="l" rtl="0">
+              <a:spcBef>
+                <a:spcPts val="0"/>
+              </a:spcBef>
+              <a:spcAft>
+                <a:spcPts val="0"/>
+              </a:spcAft>
+              <a:buClr>
+                <a:schemeClr val="dk1"/>
+              </a:buClr>
+              <a:buSzPts val="1100"/>
+              <a:buFont typeface="Arial"/>
+              <a:buNone/>
+            </a:pPr>
+            <a:r>
+              <a:rPr lang="en"/>
+              <a:t>Your version control evidence should go here.  This could be in the form of annotated screenshots which show you you managed this process or you could make a brief screencast explaining how you implemented version control.</a:t>
+            </a:r>
+            <a:endParaRPr/>
+          </a:p>
+          <a:p>
+            <a:pPr marL="0" lvl="0" indent="0" algn="l" rtl="0">
+              <a:spcBef>
+                <a:spcPts val="0"/>
+              </a:spcBef>
+              <a:spcAft>
+                <a:spcPts val="0"/>
+              </a:spcAft>
+              <a:buNone/>
+            </a:pPr>
+            <a:endParaRPr/>
+          </a:p>
+        </p:txBody>
+      </p:sp>
+    </p:spTree>
+  </p:cSld>
+  <p:clrMapOvr>
+    <a:masterClrMapping/>
+  </p:clrMapOvr>
+</p:notes>
+</file>
+
+<file path=ppt/notesSlides/notesSlide21.xml><?xml version="1.0" encoding="utf-8"?>
+<p:notes xmlns:a="http://schemas.openxmlformats.org/drawingml/2006/main" xmlns:r="http://schemas.openxmlformats.org/officeDocument/2006/relationships" xmlns:p="http://schemas.openxmlformats.org/presentationml/2006/main" showMasterSp="0" showMasterPhAnim="0">
+  <p:cSld>
+    <p:spTree>
+      <p:nvGrpSpPr>
+        <p:cNvPr id="1" name="Shape 86"/>
+        <p:cNvGrpSpPr/>
+        <p:nvPr/>
+      </p:nvGrpSpPr>
+      <p:grpSpPr>
+        <a:xfrm>
+          <a:off x="0" y="0"/>
+          <a:ext cx="0" cy="0"/>
+          <a:chOff x="0" y="0"/>
+          <a:chExt cx="0" cy="0"/>
+        </a:xfrm>
+      </p:grpSpPr>
+      <p:sp>
+        <p:nvSpPr>
+          <p:cNvPr id="87" name="Google Shape;87;gac10fef634_0_30:notes"/>
+          <p:cNvSpPr>
+            <a:spLocks noGrp="1" noRot="1" noChangeAspect="1"/>
+          </p:cNvSpPr>
+          <p:nvPr>
+            <p:ph type="sldImg" idx="2"/>
+          </p:nvPr>
+        </p:nvSpPr>
+        <p:spPr>
+          <a:xfrm>
+            <a:off x="381000" y="685800"/>
+            <a:ext cx="6096000" cy="3429000"/>
+          </a:xfrm>
+          <a:custGeom>
+            <a:avLst/>
+            <a:gdLst/>
+            <a:ahLst/>
+            <a:cxnLst/>
+            <a:rect l="l" t="t" r="r" b="b"/>
+            <a:pathLst>
+              <a:path w="120000" h="120000" extrusionOk="0">
+                <a:moveTo>
+                  <a:pt x="0" y="0"/>
+                </a:moveTo>
+                <a:lnTo>
+                  <a:pt x="120000" y="0"/>
+                </a:lnTo>
+                <a:lnTo>
+                  <a:pt x="120000" y="120000"/>
+                </a:lnTo>
+                <a:lnTo>
+                  <a:pt x="0" y="120000"/>
+                </a:lnTo>
+                <a:close/>
+              </a:path>
+            </a:pathLst>
+          </a:custGeom>
+        </p:spPr>
+      </p:sp>
+      <p:sp>
+        <p:nvSpPr>
+          <p:cNvPr id="88" name="Google Shape;88;gac10fef634_0_30:notes"/>
+          <p:cNvSpPr txBox="1">
+            <a:spLocks noGrp="1"/>
+          </p:cNvSpPr>
+          <p:nvPr>
+            <p:ph type="body" idx="1"/>
+          </p:nvPr>
+        </p:nvSpPr>
+        <p:spPr>
+          <a:xfrm>
+            <a:off x="685800" y="4343400"/>
+            <a:ext cx="5486400" cy="4114800"/>
+          </a:xfrm>
+          <a:prstGeom prst="rect">
+            <a:avLst/>
+          </a:prstGeom>
+        </p:spPr>
+        <p:txBody>
+          <a:bodyPr spcFirstLastPara="1" wrap="square" lIns="91425" tIns="91425" rIns="91425" bIns="91425" anchor="t" anchorCtr="0">
+            <a:noAutofit/>
+          </a:bodyPr>
+          <a:lstStyle/>
+          <a:p>
+            <a:pPr marL="0" lvl="0" indent="0" algn="l" rtl="0">
+              <a:spcBef>
+                <a:spcPts val="0"/>
+              </a:spcBef>
+              <a:spcAft>
+                <a:spcPts val="0"/>
+              </a:spcAft>
+              <a:buNone/>
+            </a:pPr>
+            <a:r>
+              <a:rPr lang="en"/>
+              <a:t>Discusses how the information from planning, testing and trialling of components assisted in the development of a high-quality outcome</a:t>
             </a:r>
             <a:endParaRPr/>
           </a:p>
@@ -10741,7 +11075,7 @@
     </p:bg>
     <p:spTree>
       <p:nvGrpSpPr>
-        <p:cNvPr id="1" name="Shape 83"/>
+        <p:cNvPr id="1" name="Shape 72"/>
         <p:cNvGrpSpPr/>
         <p:nvPr/>
       </p:nvGrpSpPr>
@@ -10755,7 +11089,7 @@
       </p:grpSpPr>
       <p:sp>
         <p:nvSpPr>
-          <p:cNvPr id="84" name="Google Shape;84;p18"/>
+          <p:cNvPr id="73" name="Google Shape;73;p16"/>
           <p:cNvSpPr txBox="1">
             <a:spLocks noGrp="1"/>
           </p:cNvSpPr>
@@ -10788,56 +11122,49 @@
               <a:buNone/>
             </a:pPr>
             <a:r>
-              <a:rPr lang="en"/>
-              <a:t>Version Control Evidence</a:t>
+              <a:rPr lang="en" dirty="0"/>
+              <a:t>Component 3 Pick up info v3 (Trello screenshot)</a:t>
             </a:r>
-            <a:endParaRPr/>
+            <a:endParaRPr dirty="0"/>
           </a:p>
         </p:txBody>
       </p:sp>
-      <p:sp>
-        <p:nvSpPr>
-          <p:cNvPr id="85" name="Google Shape;85;p18"/>
-          <p:cNvSpPr txBox="1">
-            <a:spLocks noGrp="1"/>
-          </p:cNvSpPr>
-          <p:nvPr>
-            <p:ph type="body" idx="1"/>
-          </p:nvPr>
-        </p:nvSpPr>
+      <p:pic>
+        <p:nvPicPr>
+          <p:cNvPr id="3" name="Picture 2">
+            <a:extLst>
+              <a:ext uri="{FF2B5EF4-FFF2-40B4-BE49-F238E27FC236}">
+                <a16:creationId xmlns:a16="http://schemas.microsoft.com/office/drawing/2014/main" id="{795705C8-F589-43AD-986C-86EAF6F663BD}"/>
+              </a:ext>
+            </a:extLst>
+          </p:cNvPr>
+          <p:cNvPicPr>
+            <a:picLocks noChangeAspect="1"/>
+          </p:cNvPicPr>
+          <p:nvPr/>
+        </p:nvPicPr>
+        <p:blipFill>
+          <a:blip r:embed="rId3"/>
+          <a:stretch>
+            <a:fillRect/>
+          </a:stretch>
+        </p:blipFill>
         <p:spPr>
           <a:xfrm>
-            <a:off x="311700" y="1152475"/>
-            <a:ext cx="8464200" cy="3739200"/>
+            <a:off x="868680" y="1289967"/>
+            <a:ext cx="7277100" cy="3408508"/>
           </a:xfrm>
           <a:prstGeom prst="rect">
             <a:avLst/>
           </a:prstGeom>
         </p:spPr>
-        <p:txBody>
-          <a:bodyPr spcFirstLastPara="1" wrap="square" lIns="91425" tIns="91425" rIns="91425" bIns="91425" anchor="t" anchorCtr="0">
-            <a:noAutofit/>
-          </a:bodyPr>
-          <a:lstStyle/>
-          <a:p>
-            <a:pPr marL="0" lvl="0" indent="0" algn="l" rtl="0">
-              <a:spcBef>
-                <a:spcPts val="0"/>
-              </a:spcBef>
-              <a:spcAft>
-                <a:spcPts val="1600"/>
-              </a:spcAft>
-              <a:buNone/>
-            </a:pPr>
-            <a:r>
-              <a:rPr lang="en" i="1"/>
-              <a:t>Your version control evidence should go here.  This could be in the form of annotated screenshots which show you you managed this process or you could make a brief screencast explaining how you implemented version control.</a:t>
-            </a:r>
-            <a:endParaRPr i="1"/>
-          </a:p>
-        </p:txBody>
-      </p:sp>
+      </p:pic>
     </p:spTree>
+    <p:extLst>
+      <p:ext uri="{BB962C8B-B14F-4D97-AF65-F5344CB8AC3E}">
+        <p14:creationId xmlns:p14="http://schemas.microsoft.com/office/powerpoint/2010/main" val="672235735"/>
+      </p:ext>
+    </p:extLst>
   </p:cSld>
   <p:clrMapOvr>
     <a:masterClrMapping/>
@@ -10848,17 +11175,9 @@
 <file path=ppt/slides/slide19.xml><?xml version="1.0" encoding="utf-8"?>
 <p:sld xmlns:a="http://schemas.openxmlformats.org/drawingml/2006/main" xmlns:r="http://schemas.openxmlformats.org/officeDocument/2006/relationships" xmlns:p="http://schemas.openxmlformats.org/presentationml/2006/main">
   <p:cSld>
-    <p:bg>
-      <p:bgPr>
-        <a:solidFill>
-          <a:srgbClr val="FFE599"/>
-        </a:solidFill>
-        <a:effectLst/>
-      </p:bgPr>
-    </p:bg>
     <p:spTree>
       <p:nvGrpSpPr>
-        <p:cNvPr id="1" name="Shape 89"/>
+        <p:cNvPr id="1" name="Shape 77"/>
         <p:cNvGrpSpPr/>
         <p:nvPr/>
       </p:nvGrpSpPr>
@@ -10872,18 +11191,18 @@
       </p:grpSpPr>
       <p:sp>
         <p:nvSpPr>
-          <p:cNvPr id="90" name="Google Shape;90;p19"/>
+          <p:cNvPr id="78" name="Google Shape;78;p17"/>
           <p:cNvSpPr txBox="1">
             <a:spLocks noGrp="1"/>
           </p:cNvSpPr>
           <p:nvPr>
-            <p:ph type="body" idx="1"/>
+            <p:ph type="title"/>
           </p:nvPr>
         </p:nvSpPr>
         <p:spPr>
           <a:xfrm>
-            <a:off x="311700" y="397700"/>
-            <a:ext cx="8520600" cy="4171200"/>
+            <a:off x="311700" y="445025"/>
+            <a:ext cx="8520600" cy="572700"/>
           </a:xfrm>
           <a:prstGeom prst="rect">
             <a:avLst/>
@@ -10900,23 +11219,301 @@
                 <a:spcPts val="0"/>
               </a:spcBef>
               <a:spcAft>
-                <a:spcPts val="1600"/>
+                <a:spcPts val="0"/>
               </a:spcAft>
               <a:buNone/>
             </a:pPr>
             <a:r>
-              <a:rPr lang="en" b="1" i="1">
-                <a:solidFill>
-                  <a:srgbClr val="595959"/>
-                </a:solidFill>
-              </a:rPr>
-              <a:t>Discusses how the information from planning, testing and trialling of components assisted in the development of a high-quality outcome</a:t>
+              <a:rPr lang="en" dirty="0"/>
+              <a:t>Component 3 v3 - Test Plan (and screenshot)</a:t>
             </a:r>
-            <a:endParaRPr/>
+            <a:endParaRPr dirty="0"/>
           </a:p>
         </p:txBody>
       </p:sp>
+      <p:graphicFrame>
+        <p:nvGraphicFramePr>
+          <p:cNvPr id="79" name="Google Shape;79;p17"/>
+          <p:cNvGraphicFramePr/>
+          <p:nvPr>
+            <p:extLst>
+              <p:ext uri="{D42A27DB-BD31-4B8C-83A1-F6EECF244321}">
+                <p14:modId xmlns:p14="http://schemas.microsoft.com/office/powerpoint/2010/main" val="3405914541"/>
+              </p:ext>
+            </p:extLst>
+          </p:nvPr>
+        </p:nvGraphicFramePr>
+        <p:xfrm>
+          <a:off x="311700" y="3545235"/>
+          <a:ext cx="8520600" cy="1493460"/>
+        </p:xfrm>
+        <a:graphic>
+          <a:graphicData uri="http://schemas.openxmlformats.org/drawingml/2006/table">
+            <a:tbl>
+              <a:tblPr>
+                <a:noFill/>
+                <a:tableStyleId>{E1099E06-0E6B-448D-9D27-60429F06E6F4}</a:tableStyleId>
+              </a:tblPr>
+              <a:tblGrid>
+                <a:gridCol w="4260300">
+                  <a:extLst>
+                    <a:ext uri="{9D8B030D-6E8A-4147-A177-3AD203B41FA5}">
+                      <a16:colId xmlns:a16="http://schemas.microsoft.com/office/drawing/2014/main" val="20000"/>
+                    </a:ext>
+                  </a:extLst>
+                </a:gridCol>
+                <a:gridCol w="4260300">
+                  <a:extLst>
+                    <a:ext uri="{9D8B030D-6E8A-4147-A177-3AD203B41FA5}">
+                      <a16:colId xmlns:a16="http://schemas.microsoft.com/office/drawing/2014/main" val="20001"/>
+                    </a:ext>
+                  </a:extLst>
+                </a:gridCol>
+              </a:tblGrid>
+              <a:tr h="381000">
+                <a:tc>
+                  <a:txBody>
+                    <a:bodyPr/>
+                    <a:lstStyle/>
+                    <a:p>
+                      <a:pPr marL="0" lvl="0" indent="0" algn="l" rtl="0">
+                        <a:spcBef>
+                          <a:spcPts val="0"/>
+                        </a:spcBef>
+                        <a:spcAft>
+                          <a:spcPts val="0"/>
+                        </a:spcAft>
+                        <a:buNone/>
+                      </a:pPr>
+                      <a:r>
+                        <a:rPr lang="en" sz="1800" b="1" dirty="0"/>
+                        <a:t>Test Case</a:t>
+                      </a:r>
+                      <a:endParaRPr sz="1800" b="1" dirty="0"/>
+                    </a:p>
+                  </a:txBody>
+                  <a:tcPr marL="91425" marR="91425" marT="91425" marB="91425">
+                    <a:solidFill>
+                      <a:srgbClr val="CCCCCC"/>
+                    </a:solidFill>
+                  </a:tcPr>
+                </a:tc>
+                <a:tc>
+                  <a:txBody>
+                    <a:bodyPr/>
+                    <a:lstStyle/>
+                    <a:p>
+                      <a:pPr marL="0" lvl="0" indent="0" algn="l" rtl="0">
+                        <a:spcBef>
+                          <a:spcPts val="0"/>
+                        </a:spcBef>
+                        <a:spcAft>
+                          <a:spcPts val="0"/>
+                        </a:spcAft>
+                        <a:buNone/>
+                      </a:pPr>
+                      <a:r>
+                        <a:rPr lang="en" sz="1800" b="1" dirty="0"/>
+                        <a:t>Expected Values</a:t>
+                      </a:r>
+                      <a:endParaRPr sz="1800" b="1" dirty="0"/>
+                    </a:p>
+                  </a:txBody>
+                  <a:tcPr marL="91425" marR="91425" marT="91425" marB="91425">
+                    <a:solidFill>
+                      <a:srgbClr val="CCCCCC"/>
+                    </a:solidFill>
+                  </a:tcPr>
+                </a:tc>
+                <a:extLst>
+                  <a:ext uri="{0D108BD9-81ED-4DB2-BD59-A6C34878D82A}">
+                    <a16:rowId xmlns:a16="http://schemas.microsoft.com/office/drawing/2014/main" val="10000"/>
+                  </a:ext>
+                </a:extLst>
+              </a:tr>
+              <a:tr h="396200">
+                <a:tc>
+                  <a:txBody>
+                    <a:bodyPr/>
+                    <a:lstStyle/>
+                    <a:p>
+                      <a:pPr marL="0" lvl="0" indent="0" algn="l" rtl="0">
+                        <a:spcBef>
+                          <a:spcPts val="0"/>
+                        </a:spcBef>
+                        <a:spcAft>
+                          <a:spcPts val="0"/>
+                        </a:spcAft>
+                        <a:buNone/>
+                      </a:pPr>
+                      <a:r>
+                        <a:rPr lang="en-NZ" sz="1800" dirty="0"/>
+                        <a:t>Input name</a:t>
+                      </a:r>
+                    </a:p>
+                    <a:p>
+                      <a:pPr marL="0" lvl="0" indent="0" algn="l" rtl="0">
+                        <a:spcBef>
+                          <a:spcPts val="0"/>
+                        </a:spcBef>
+                        <a:spcAft>
+                          <a:spcPts val="0"/>
+                        </a:spcAft>
+                        <a:buNone/>
+                      </a:pPr>
+                      <a:r>
+                        <a:rPr lang="en-NZ" sz="1800" dirty="0"/>
+                        <a:t>Input phone number</a:t>
+                      </a:r>
+                    </a:p>
+                    <a:p>
+                      <a:pPr marL="0" lvl="0" indent="0" algn="l" rtl="0">
+                        <a:spcBef>
+                          <a:spcPts val="0"/>
+                        </a:spcBef>
+                        <a:spcAft>
+                          <a:spcPts val="0"/>
+                        </a:spcAft>
+                        <a:buNone/>
+                      </a:pPr>
+                      <a:r>
+                        <a:rPr lang="en-NZ" sz="1800" dirty="0"/>
+                        <a:t>Left input blank</a:t>
+                      </a:r>
+                      <a:endParaRPr sz="1800" dirty="0"/>
+                    </a:p>
+                  </a:txBody>
+                  <a:tcPr marL="91425" marR="91425" marT="91425" marB="91425"/>
+                </a:tc>
+                <a:tc>
+                  <a:txBody>
+                    <a:bodyPr/>
+                    <a:lstStyle/>
+                    <a:p>
+                      <a:pPr marL="0" lvl="0" indent="0" algn="l" rtl="0">
+                        <a:spcBef>
+                          <a:spcPts val="0"/>
+                        </a:spcBef>
+                        <a:spcAft>
+                          <a:spcPts val="0"/>
+                        </a:spcAft>
+                        <a:buNone/>
+                      </a:pPr>
+                      <a:r>
+                        <a:rPr lang="en-NZ" sz="1400" dirty="0"/>
+                        <a:t>Printed name correctly</a:t>
+                      </a:r>
+                    </a:p>
+                    <a:p>
+                      <a:pPr marL="0" lvl="0" indent="0" algn="l" rtl="0">
+                        <a:spcBef>
+                          <a:spcPts val="0"/>
+                        </a:spcBef>
+                        <a:spcAft>
+                          <a:spcPts val="0"/>
+                        </a:spcAft>
+                        <a:buNone/>
+                      </a:pPr>
+                      <a:r>
+                        <a:rPr lang="en-NZ" sz="1400" dirty="0"/>
+                        <a:t>Printed phone number correctly </a:t>
+                      </a:r>
+                    </a:p>
+                    <a:p>
+                      <a:pPr marL="0" lvl="0" indent="0" algn="l" rtl="0">
+                        <a:spcBef>
+                          <a:spcPts val="0"/>
+                        </a:spcBef>
+                        <a:spcAft>
+                          <a:spcPts val="0"/>
+                        </a:spcAft>
+                        <a:buNone/>
+                      </a:pPr>
+                      <a:r>
+                        <a:rPr lang="en-NZ" sz="1400" dirty="0"/>
+                        <a:t>Prints “Sorry this cannot be blank” – goes back to input</a:t>
+                      </a:r>
+                      <a:endParaRPr sz="1400" dirty="0"/>
+                    </a:p>
+                  </a:txBody>
+                  <a:tcPr marL="91425" marR="91425" marT="91425" marB="91425"/>
+                </a:tc>
+                <a:extLst>
+                  <a:ext uri="{0D108BD9-81ED-4DB2-BD59-A6C34878D82A}">
+                    <a16:rowId xmlns:a16="http://schemas.microsoft.com/office/drawing/2014/main" val="10001"/>
+                  </a:ext>
+                </a:extLst>
+              </a:tr>
+            </a:tbl>
+          </a:graphicData>
+        </a:graphic>
+      </p:graphicFrame>
+      <p:pic>
+        <p:nvPicPr>
+          <p:cNvPr id="4" name="Picture 3">
+            <a:extLst>
+              <a:ext uri="{FF2B5EF4-FFF2-40B4-BE49-F238E27FC236}">
+                <a16:creationId xmlns:a16="http://schemas.microsoft.com/office/drawing/2014/main" id="{16789AFE-6800-4D53-862B-4C2EF8FED310}"/>
+              </a:ext>
+            </a:extLst>
+          </p:cNvPr>
+          <p:cNvPicPr>
+            <a:picLocks noChangeAspect="1"/>
+          </p:cNvPicPr>
+          <p:nvPr/>
+        </p:nvPicPr>
+        <p:blipFill>
+          <a:blip r:embed="rId3"/>
+          <a:stretch>
+            <a:fillRect/>
+          </a:stretch>
+        </p:blipFill>
+        <p:spPr>
+          <a:xfrm>
+            <a:off x="311700" y="1017725"/>
+            <a:ext cx="3135409" cy="2434135"/>
+          </a:xfrm>
+          <a:prstGeom prst="rect">
+            <a:avLst/>
+          </a:prstGeom>
+        </p:spPr>
+      </p:pic>
+      <p:pic>
+        <p:nvPicPr>
+          <p:cNvPr id="7" name="Picture 6">
+            <a:extLst>
+              <a:ext uri="{FF2B5EF4-FFF2-40B4-BE49-F238E27FC236}">
+                <a16:creationId xmlns:a16="http://schemas.microsoft.com/office/drawing/2014/main" id="{08A35C95-F8B9-472C-81FD-E8E0009DB1A5}"/>
+              </a:ext>
+            </a:extLst>
+          </p:cNvPr>
+          <p:cNvPicPr>
+            <a:picLocks noChangeAspect="1"/>
+          </p:cNvPicPr>
+          <p:nvPr/>
+        </p:nvPicPr>
+        <p:blipFill>
+          <a:blip r:embed="rId4"/>
+          <a:stretch>
+            <a:fillRect/>
+          </a:stretch>
+        </p:blipFill>
+        <p:spPr>
+          <a:xfrm>
+            <a:off x="4572000" y="1017725"/>
+            <a:ext cx="3429222" cy="2434135"/>
+          </a:xfrm>
+          <a:prstGeom prst="rect">
+            <a:avLst/>
+          </a:prstGeom>
+        </p:spPr>
+      </p:pic>
     </p:spTree>
+    <p:extLst>
+      <p:ext uri="{BB962C8B-B14F-4D97-AF65-F5344CB8AC3E}">
+        <p14:creationId xmlns:p14="http://schemas.microsoft.com/office/powerpoint/2010/main" val="4048396644"/>
+      </p:ext>
+    </p:extLst>
   </p:cSld>
   <p:clrMapOvr>
     <a:masterClrMapping/>
@@ -11075,6 +11672,202 @@
               <a:t> to learn how to do this.</a:t>
             </a:r>
             <a:endParaRPr dirty="0"/>
+          </a:p>
+        </p:txBody>
+      </p:sp>
+    </p:spTree>
+  </p:cSld>
+  <p:clrMapOvr>
+    <a:masterClrMapping/>
+  </p:clrMapOvr>
+</p:sld>
+</file>
+
+<file path=ppt/slides/slide20.xml><?xml version="1.0" encoding="utf-8"?>
+<p:sld xmlns:a="http://schemas.openxmlformats.org/drawingml/2006/main" xmlns:r="http://schemas.openxmlformats.org/officeDocument/2006/relationships" xmlns:p="http://schemas.openxmlformats.org/presentationml/2006/main">
+  <p:cSld>
+    <p:bg>
+      <p:bgPr>
+        <a:solidFill>
+          <a:srgbClr val="D9EAD3"/>
+        </a:solidFill>
+        <a:effectLst/>
+      </p:bgPr>
+    </p:bg>
+    <p:spTree>
+      <p:nvGrpSpPr>
+        <p:cNvPr id="1" name="Shape 83"/>
+        <p:cNvGrpSpPr/>
+        <p:nvPr/>
+      </p:nvGrpSpPr>
+      <p:grpSpPr>
+        <a:xfrm>
+          <a:off x="0" y="0"/>
+          <a:ext cx="0" cy="0"/>
+          <a:chOff x="0" y="0"/>
+          <a:chExt cx="0" cy="0"/>
+        </a:xfrm>
+      </p:grpSpPr>
+      <p:sp>
+        <p:nvSpPr>
+          <p:cNvPr id="84" name="Google Shape;84;p18"/>
+          <p:cNvSpPr txBox="1">
+            <a:spLocks noGrp="1"/>
+          </p:cNvSpPr>
+          <p:nvPr>
+            <p:ph type="title"/>
+          </p:nvPr>
+        </p:nvSpPr>
+        <p:spPr>
+          <a:xfrm>
+            <a:off x="311700" y="445025"/>
+            <a:ext cx="8520600" cy="572700"/>
+          </a:xfrm>
+          <a:prstGeom prst="rect">
+            <a:avLst/>
+          </a:prstGeom>
+        </p:spPr>
+        <p:txBody>
+          <a:bodyPr spcFirstLastPara="1" wrap="square" lIns="91425" tIns="91425" rIns="91425" bIns="91425" anchor="t" anchorCtr="0">
+            <a:noAutofit/>
+          </a:bodyPr>
+          <a:lstStyle/>
+          <a:p>
+            <a:pPr marL="0" lvl="0" indent="0" algn="l" rtl="0">
+              <a:spcBef>
+                <a:spcPts val="0"/>
+              </a:spcBef>
+              <a:spcAft>
+                <a:spcPts val="0"/>
+              </a:spcAft>
+              <a:buNone/>
+            </a:pPr>
+            <a:r>
+              <a:rPr lang="en"/>
+              <a:t>Version Control Evidence</a:t>
+            </a:r>
+            <a:endParaRPr/>
+          </a:p>
+        </p:txBody>
+      </p:sp>
+      <p:sp>
+        <p:nvSpPr>
+          <p:cNvPr id="85" name="Google Shape;85;p18"/>
+          <p:cNvSpPr txBox="1">
+            <a:spLocks noGrp="1"/>
+          </p:cNvSpPr>
+          <p:nvPr>
+            <p:ph type="body" idx="1"/>
+          </p:nvPr>
+        </p:nvSpPr>
+        <p:spPr>
+          <a:xfrm>
+            <a:off x="311700" y="1152475"/>
+            <a:ext cx="8464200" cy="3739200"/>
+          </a:xfrm>
+          <a:prstGeom prst="rect">
+            <a:avLst/>
+          </a:prstGeom>
+        </p:spPr>
+        <p:txBody>
+          <a:bodyPr spcFirstLastPara="1" wrap="square" lIns="91425" tIns="91425" rIns="91425" bIns="91425" anchor="t" anchorCtr="0">
+            <a:noAutofit/>
+          </a:bodyPr>
+          <a:lstStyle/>
+          <a:p>
+            <a:pPr marL="0" lvl="0" indent="0" algn="l" rtl="0">
+              <a:spcBef>
+                <a:spcPts val="0"/>
+              </a:spcBef>
+              <a:spcAft>
+                <a:spcPts val="1600"/>
+              </a:spcAft>
+              <a:buNone/>
+            </a:pPr>
+            <a:r>
+              <a:rPr lang="en" i="1"/>
+              <a:t>Your version control evidence should go here.  This could be in the form of annotated screenshots which show you you managed this process or you could make a brief screencast explaining how you implemented version control.</a:t>
+            </a:r>
+            <a:endParaRPr i="1"/>
+          </a:p>
+        </p:txBody>
+      </p:sp>
+    </p:spTree>
+  </p:cSld>
+  <p:clrMapOvr>
+    <a:masterClrMapping/>
+  </p:clrMapOvr>
+</p:sld>
+</file>
+
+<file path=ppt/slides/slide21.xml><?xml version="1.0" encoding="utf-8"?>
+<p:sld xmlns:a="http://schemas.openxmlformats.org/drawingml/2006/main" xmlns:r="http://schemas.openxmlformats.org/officeDocument/2006/relationships" xmlns:p="http://schemas.openxmlformats.org/presentationml/2006/main">
+  <p:cSld>
+    <p:bg>
+      <p:bgPr>
+        <a:solidFill>
+          <a:srgbClr val="FFE599"/>
+        </a:solidFill>
+        <a:effectLst/>
+      </p:bgPr>
+    </p:bg>
+    <p:spTree>
+      <p:nvGrpSpPr>
+        <p:cNvPr id="1" name="Shape 89"/>
+        <p:cNvGrpSpPr/>
+        <p:nvPr/>
+      </p:nvGrpSpPr>
+      <p:grpSpPr>
+        <a:xfrm>
+          <a:off x="0" y="0"/>
+          <a:ext cx="0" cy="0"/>
+          <a:chOff x="0" y="0"/>
+          <a:chExt cx="0" cy="0"/>
+        </a:xfrm>
+      </p:grpSpPr>
+      <p:sp>
+        <p:nvSpPr>
+          <p:cNvPr id="90" name="Google Shape;90;p19"/>
+          <p:cNvSpPr txBox="1">
+            <a:spLocks noGrp="1"/>
+          </p:cNvSpPr>
+          <p:nvPr>
+            <p:ph type="body" idx="1"/>
+          </p:nvPr>
+        </p:nvSpPr>
+        <p:spPr>
+          <a:xfrm>
+            <a:off x="311700" y="397700"/>
+            <a:ext cx="8520600" cy="4171200"/>
+          </a:xfrm>
+          <a:prstGeom prst="rect">
+            <a:avLst/>
+          </a:prstGeom>
+        </p:spPr>
+        <p:txBody>
+          <a:bodyPr spcFirstLastPara="1" wrap="square" lIns="91425" tIns="91425" rIns="91425" bIns="91425" anchor="t" anchorCtr="0">
+            <a:noAutofit/>
+          </a:bodyPr>
+          <a:lstStyle/>
+          <a:p>
+            <a:pPr marL="0" lvl="0" indent="0" algn="l" rtl="0">
+              <a:spcBef>
+                <a:spcPts val="0"/>
+              </a:spcBef>
+              <a:spcAft>
+                <a:spcPts val="1600"/>
+              </a:spcAft>
+              <a:buNone/>
+            </a:pPr>
+            <a:r>
+              <a:rPr lang="en" b="1" i="1">
+                <a:solidFill>
+                  <a:srgbClr val="595959"/>
+                </a:solidFill>
+              </a:rPr>
+              <a:t>Discusses how the information from planning, testing and trialling of components assisted in the development of a high-quality outcome</a:t>
+            </a:r>
+            <a:endParaRPr/>
           </a:p>
         </p:txBody>
       </p:sp>

--- a/022_91893+_+91897+Documentation.pptx
+++ b/022_91893+_+91897+Documentation.pptx
@@ -5,7 +5,7 @@
     <p:sldMasterId id="2147483659" r:id="rId1"/>
   </p:sldMasterIdLst>
   <p:notesMasterIdLst>
-    <p:notesMasterId r:id="rId23"/>
+    <p:notesMasterId r:id="rId25"/>
   </p:notesMasterIdLst>
   <p:sldIdLst>
     <p:sldId id="256" r:id="rId2"/>
@@ -27,8 +27,10 @@
     <p:sldId id="275" r:id="rId18"/>
     <p:sldId id="277" r:id="rId19"/>
     <p:sldId id="278" r:id="rId20"/>
-    <p:sldId id="261" r:id="rId21"/>
-    <p:sldId id="262" r:id="rId22"/>
+    <p:sldId id="279" r:id="rId21"/>
+    <p:sldId id="280" r:id="rId22"/>
+    <p:sldId id="261" r:id="rId23"/>
+    <p:sldId id="262" r:id="rId24"/>
   </p:sldIdLst>
   <p:sldSz cx="9144000" cy="5143500" type="screen16x9"/>
   <p:notesSz cx="6858000" cy="9144000"/>
@@ -293,7 +295,7 @@
   <pc:docChgLst>
     <pc:chgData name="Danett Pepito" userId="ddef1e2176689e9a" providerId="LiveId" clId="{53BB49C2-00DF-4AB6-9D9D-351DBF063D16}"/>
     <pc:docChg chg="undo custSel addSld delSld modSld sldOrd">
-      <pc:chgData name="Danett Pepito" userId="ddef1e2176689e9a" providerId="LiveId" clId="{53BB49C2-00DF-4AB6-9D9D-351DBF063D16}" dt="2022-02-20T21:52:31.146" v="1147" actId="1076"/>
+      <pc:chgData name="Danett Pepito" userId="ddef1e2176689e9a" providerId="LiveId" clId="{53BB49C2-00DF-4AB6-9D9D-351DBF063D16}" dt="2022-02-22T06:09:34.034" v="1169" actId="1076"/>
       <pc:docMkLst>
         <pc:docMk/>
       </pc:docMkLst>
@@ -1067,6 +1069,84 @@
           </ac:picMkLst>
         </pc:picChg>
       </pc:sldChg>
+      <pc:sldChg chg="addSp delSp modSp add mod">
+        <pc:chgData name="Danett Pepito" userId="ddef1e2176689e9a" providerId="LiveId" clId="{53BB49C2-00DF-4AB6-9D9D-351DBF063D16}" dt="2022-02-21T22:51:05.130" v="1156" actId="1076"/>
+        <pc:sldMkLst>
+          <pc:docMk/>
+          <pc:sldMk cId="4218304611" sldId="279"/>
+        </pc:sldMkLst>
+        <pc:spChg chg="mod">
+          <ac:chgData name="Danett Pepito" userId="ddef1e2176689e9a" providerId="LiveId" clId="{53BB49C2-00DF-4AB6-9D9D-351DBF063D16}" dt="2022-02-21T22:50:35.815" v="1152" actId="20577"/>
+          <ac:spMkLst>
+            <pc:docMk/>
+            <pc:sldMk cId="4218304611" sldId="279"/>
+            <ac:spMk id="73" creationId="{00000000-0000-0000-0000-000000000000}"/>
+          </ac:spMkLst>
+        </pc:spChg>
+        <pc:picChg chg="del">
+          <ac:chgData name="Danett Pepito" userId="ddef1e2176689e9a" providerId="LiveId" clId="{53BB49C2-00DF-4AB6-9D9D-351DBF063D16}" dt="2022-02-21T22:51:00.489" v="1153" actId="478"/>
+          <ac:picMkLst>
+            <pc:docMk/>
+            <pc:sldMk cId="4218304611" sldId="279"/>
+            <ac:picMk id="3" creationId="{795705C8-F589-43AD-986C-86EAF6F663BD}"/>
+          </ac:picMkLst>
+        </pc:picChg>
+        <pc:picChg chg="add mod">
+          <ac:chgData name="Danett Pepito" userId="ddef1e2176689e9a" providerId="LiveId" clId="{53BB49C2-00DF-4AB6-9D9D-351DBF063D16}" dt="2022-02-21T22:51:05.130" v="1156" actId="1076"/>
+          <ac:picMkLst>
+            <pc:docMk/>
+            <pc:sldMk cId="4218304611" sldId="279"/>
+            <ac:picMk id="4" creationId="{B0DCDD4C-6555-445D-9393-E94B2BCD9B8A}"/>
+          </ac:picMkLst>
+        </pc:picChg>
+      </pc:sldChg>
+      <pc:sldChg chg="addSp delSp modSp add mod replId">
+        <pc:chgData name="Danett Pepito" userId="ddef1e2176689e9a" providerId="LiveId" clId="{53BB49C2-00DF-4AB6-9D9D-351DBF063D16}" dt="2022-02-22T06:09:34.034" v="1169" actId="1076"/>
+        <pc:sldMkLst>
+          <pc:docMk/>
+          <pc:sldMk cId="2062765363" sldId="280"/>
+        </pc:sldMkLst>
+        <pc:spChg chg="mod">
+          <ac:chgData name="Danett Pepito" userId="ddef1e2176689e9a" providerId="LiveId" clId="{53BB49C2-00DF-4AB6-9D9D-351DBF063D16}" dt="2022-02-21T22:50:30.703" v="1150" actId="20577"/>
+          <ac:spMkLst>
+            <pc:docMk/>
+            <pc:sldMk cId="2062765363" sldId="280"/>
+            <ac:spMk id="78" creationId="{00000000-0000-0000-0000-000000000000}"/>
+          </ac:spMkLst>
+        </pc:spChg>
+        <pc:picChg chg="add mod">
+          <ac:chgData name="Danett Pepito" userId="ddef1e2176689e9a" providerId="LiveId" clId="{53BB49C2-00DF-4AB6-9D9D-351DBF063D16}" dt="2022-02-22T06:08:54.644" v="1165" actId="1076"/>
+          <ac:picMkLst>
+            <pc:docMk/>
+            <pc:sldMk cId="2062765363" sldId="280"/>
+            <ac:picMk id="3" creationId="{7EB59818-F709-400D-A010-87F7C4E70951}"/>
+          </ac:picMkLst>
+        </pc:picChg>
+        <pc:picChg chg="del">
+          <ac:chgData name="Danett Pepito" userId="ddef1e2176689e9a" providerId="LiveId" clId="{53BB49C2-00DF-4AB6-9D9D-351DBF063D16}" dt="2022-02-21T22:51:08.865" v="1157" actId="478"/>
+          <ac:picMkLst>
+            <pc:docMk/>
+            <pc:sldMk cId="2062765363" sldId="280"/>
+            <ac:picMk id="4" creationId="{16789AFE-6800-4D53-862B-4C2EF8FED310}"/>
+          </ac:picMkLst>
+        </pc:picChg>
+        <pc:picChg chg="add mod">
+          <ac:chgData name="Danett Pepito" userId="ddef1e2176689e9a" providerId="LiveId" clId="{53BB49C2-00DF-4AB6-9D9D-351DBF063D16}" dt="2022-02-22T06:09:34.034" v="1169" actId="1076"/>
+          <ac:picMkLst>
+            <pc:docMk/>
+            <pc:sldMk cId="2062765363" sldId="280"/>
+            <ac:picMk id="5" creationId="{46123917-B191-4017-B1A5-D5114F8456AE}"/>
+          </ac:picMkLst>
+        </pc:picChg>
+        <pc:picChg chg="del">
+          <ac:chgData name="Danett Pepito" userId="ddef1e2176689e9a" providerId="LiveId" clId="{53BB49C2-00DF-4AB6-9D9D-351DBF063D16}" dt="2022-02-21T22:51:09.791" v="1158" actId="478"/>
+          <ac:picMkLst>
+            <pc:docMk/>
+            <pc:sldMk cId="2062765363" sldId="280"/>
+            <ac:picMk id="7" creationId="{08A35C95-F8B9-472C-81FD-E8E0009DB1A5}"/>
+          </ac:picMkLst>
+        </pc:picChg>
+      </pc:sldChg>
     </pc:docChg>
   </pc:docChgLst>
   <pc:docChgLst>
@@ -2859,6 +2939,224 @@
   <p:cSld>
     <p:spTree>
       <p:nvGrpSpPr>
+        <p:cNvPr id="1" name="Shape 69"/>
+        <p:cNvGrpSpPr/>
+        <p:nvPr/>
+      </p:nvGrpSpPr>
+      <p:grpSpPr>
+        <a:xfrm>
+          <a:off x="0" y="0"/>
+          <a:ext cx="0" cy="0"/>
+          <a:chOff x="0" y="0"/>
+          <a:chExt cx="0" cy="0"/>
+        </a:xfrm>
+      </p:grpSpPr>
+      <p:sp>
+        <p:nvSpPr>
+          <p:cNvPr id="70" name="Google Shape;70;gac10fef634_0_16:notes"/>
+          <p:cNvSpPr>
+            <a:spLocks noGrp="1" noRot="1" noChangeAspect="1"/>
+          </p:cNvSpPr>
+          <p:nvPr>
+            <p:ph type="sldImg" idx="2"/>
+          </p:nvPr>
+        </p:nvSpPr>
+        <p:spPr>
+          <a:xfrm>
+            <a:off x="381000" y="685800"/>
+            <a:ext cx="6096000" cy="3429000"/>
+          </a:xfrm>
+          <a:custGeom>
+            <a:avLst/>
+            <a:gdLst/>
+            <a:ahLst/>
+            <a:cxnLst/>
+            <a:rect l="l" t="t" r="r" b="b"/>
+            <a:pathLst>
+              <a:path w="120000" h="120000" extrusionOk="0">
+                <a:moveTo>
+                  <a:pt x="0" y="0"/>
+                </a:moveTo>
+                <a:lnTo>
+                  <a:pt x="120000" y="0"/>
+                </a:lnTo>
+                <a:lnTo>
+                  <a:pt x="120000" y="120000"/>
+                </a:lnTo>
+                <a:lnTo>
+                  <a:pt x="0" y="120000"/>
+                </a:lnTo>
+                <a:close/>
+              </a:path>
+            </a:pathLst>
+          </a:custGeom>
+        </p:spPr>
+      </p:sp>
+      <p:sp>
+        <p:nvSpPr>
+          <p:cNvPr id="71" name="Google Shape;71;gac10fef634_0_16:notes"/>
+          <p:cNvSpPr txBox="1">
+            <a:spLocks noGrp="1"/>
+          </p:cNvSpPr>
+          <p:nvPr>
+            <p:ph type="body" idx="1"/>
+          </p:nvPr>
+        </p:nvSpPr>
+        <p:spPr>
+          <a:xfrm>
+            <a:off x="685800" y="4343400"/>
+            <a:ext cx="5486400" cy="4114800"/>
+          </a:xfrm>
+          <a:prstGeom prst="rect">
+            <a:avLst/>
+          </a:prstGeom>
+        </p:spPr>
+        <p:txBody>
+          <a:bodyPr spcFirstLastPara="1" wrap="square" lIns="91425" tIns="91425" rIns="91425" bIns="91425" anchor="t" anchorCtr="0">
+            <a:noAutofit/>
+          </a:bodyPr>
+          <a:lstStyle/>
+          <a:p>
+            <a:pPr marL="0" lvl="0" indent="0" algn="l" rtl="0">
+              <a:spcBef>
+                <a:spcPts val="0"/>
+              </a:spcBef>
+              <a:spcAft>
+                <a:spcPts val="0"/>
+              </a:spcAft>
+              <a:buNone/>
+            </a:pPr>
+            <a:endParaRPr/>
+          </a:p>
+        </p:txBody>
+      </p:sp>
+    </p:spTree>
+    <p:extLst>
+      <p:ext uri="{BB962C8B-B14F-4D97-AF65-F5344CB8AC3E}">
+        <p14:creationId xmlns:p14="http://schemas.microsoft.com/office/powerpoint/2010/main" val="1589242028"/>
+      </p:ext>
+    </p:extLst>
+  </p:cSld>
+  <p:clrMapOvr>
+    <a:masterClrMapping/>
+  </p:clrMapOvr>
+</p:notes>
+</file>
+
+<file path=ppt/notesSlides/notesSlide21.xml><?xml version="1.0" encoding="utf-8"?>
+<p:notes xmlns:a="http://schemas.openxmlformats.org/drawingml/2006/main" xmlns:r="http://schemas.openxmlformats.org/officeDocument/2006/relationships" xmlns:p="http://schemas.openxmlformats.org/presentationml/2006/main" showMasterSp="0" showMasterPhAnim="0">
+  <p:cSld>
+    <p:spTree>
+      <p:nvGrpSpPr>
+        <p:cNvPr id="1" name="Shape 74"/>
+        <p:cNvGrpSpPr/>
+        <p:nvPr/>
+      </p:nvGrpSpPr>
+      <p:grpSpPr>
+        <a:xfrm>
+          <a:off x="0" y="0"/>
+          <a:ext cx="0" cy="0"/>
+          <a:chOff x="0" y="0"/>
+          <a:chExt cx="0" cy="0"/>
+        </a:xfrm>
+      </p:grpSpPr>
+      <p:sp>
+        <p:nvSpPr>
+          <p:cNvPr id="75" name="Google Shape;75;gac10fef634_0_20:notes"/>
+          <p:cNvSpPr>
+            <a:spLocks noGrp="1" noRot="1" noChangeAspect="1"/>
+          </p:cNvSpPr>
+          <p:nvPr>
+            <p:ph type="sldImg" idx="2"/>
+          </p:nvPr>
+        </p:nvSpPr>
+        <p:spPr>
+          <a:xfrm>
+            <a:off x="381000" y="685800"/>
+            <a:ext cx="6096000" cy="3429000"/>
+          </a:xfrm>
+          <a:custGeom>
+            <a:avLst/>
+            <a:gdLst/>
+            <a:ahLst/>
+            <a:cxnLst/>
+            <a:rect l="l" t="t" r="r" b="b"/>
+            <a:pathLst>
+              <a:path w="120000" h="120000" extrusionOk="0">
+                <a:moveTo>
+                  <a:pt x="0" y="0"/>
+                </a:moveTo>
+                <a:lnTo>
+                  <a:pt x="120000" y="0"/>
+                </a:lnTo>
+                <a:lnTo>
+                  <a:pt x="120000" y="120000"/>
+                </a:lnTo>
+                <a:lnTo>
+                  <a:pt x="0" y="120000"/>
+                </a:lnTo>
+                <a:close/>
+              </a:path>
+            </a:pathLst>
+          </a:custGeom>
+        </p:spPr>
+      </p:sp>
+      <p:sp>
+        <p:nvSpPr>
+          <p:cNvPr id="76" name="Google Shape;76;gac10fef634_0_20:notes"/>
+          <p:cNvSpPr txBox="1">
+            <a:spLocks noGrp="1"/>
+          </p:cNvSpPr>
+          <p:nvPr>
+            <p:ph type="body" idx="1"/>
+          </p:nvPr>
+        </p:nvSpPr>
+        <p:spPr>
+          <a:xfrm>
+            <a:off x="685800" y="4343400"/>
+            <a:ext cx="5486400" cy="4114800"/>
+          </a:xfrm>
+          <a:prstGeom prst="rect">
+            <a:avLst/>
+          </a:prstGeom>
+        </p:spPr>
+        <p:txBody>
+          <a:bodyPr spcFirstLastPara="1" wrap="square" lIns="91425" tIns="91425" rIns="91425" bIns="91425" anchor="t" anchorCtr="0">
+            <a:noAutofit/>
+          </a:bodyPr>
+          <a:lstStyle/>
+          <a:p>
+            <a:pPr marL="0" lvl="0" indent="0" algn="l" rtl="0">
+              <a:spcBef>
+                <a:spcPts val="0"/>
+              </a:spcBef>
+              <a:spcAft>
+                <a:spcPts val="0"/>
+              </a:spcAft>
+              <a:buNone/>
+            </a:pPr>
+            <a:endParaRPr/>
+          </a:p>
+        </p:txBody>
+      </p:sp>
+    </p:spTree>
+    <p:extLst>
+      <p:ext uri="{BB962C8B-B14F-4D97-AF65-F5344CB8AC3E}">
+        <p14:creationId xmlns:p14="http://schemas.microsoft.com/office/powerpoint/2010/main" val="1098896509"/>
+      </p:ext>
+    </p:extLst>
+  </p:cSld>
+  <p:clrMapOvr>
+    <a:masterClrMapping/>
+  </p:clrMapOvr>
+</p:notes>
+</file>
+
+<file path=ppt/notesSlides/notesSlide22.xml><?xml version="1.0" encoding="utf-8"?>
+<p:notes xmlns:a="http://schemas.openxmlformats.org/drawingml/2006/main" xmlns:r="http://schemas.openxmlformats.org/officeDocument/2006/relationships" xmlns:p="http://schemas.openxmlformats.org/presentationml/2006/main" showMasterSp="0" showMasterPhAnim="0">
+  <p:cSld>
+    <p:spTree>
+      <p:nvGrpSpPr>
         <p:cNvPr id="1" name="Shape 80"/>
         <p:cNvGrpSpPr/>
         <p:nvPr/>
@@ -2979,7 +3277,7 @@
 </p:notes>
 </file>
 
-<file path=ppt/notesSlides/notesSlide21.xml><?xml version="1.0" encoding="utf-8"?>
+<file path=ppt/notesSlides/notesSlide23.xml><?xml version="1.0" encoding="utf-8"?>
 <p:notes xmlns:a="http://schemas.openxmlformats.org/drawingml/2006/main" xmlns:r="http://schemas.openxmlformats.org/officeDocument/2006/relationships" xmlns:p="http://schemas.openxmlformats.org/presentationml/2006/main" showMasterSp="0" showMasterPhAnim="0">
   <p:cSld>
     <p:spTree>
@@ -11696,6 +11994,459 @@
     </p:bg>
     <p:spTree>
       <p:nvGrpSpPr>
+        <p:cNvPr id="1" name="Shape 72"/>
+        <p:cNvGrpSpPr/>
+        <p:nvPr/>
+      </p:nvGrpSpPr>
+      <p:grpSpPr>
+        <a:xfrm>
+          <a:off x="0" y="0"/>
+          <a:ext cx="0" cy="0"/>
+          <a:chOff x="0" y="0"/>
+          <a:chExt cx="0" cy="0"/>
+        </a:xfrm>
+      </p:grpSpPr>
+      <p:sp>
+        <p:nvSpPr>
+          <p:cNvPr id="73" name="Google Shape;73;p16"/>
+          <p:cNvSpPr txBox="1">
+            <a:spLocks noGrp="1"/>
+          </p:cNvSpPr>
+          <p:nvPr>
+            <p:ph type="title"/>
+          </p:nvPr>
+        </p:nvSpPr>
+        <p:spPr>
+          <a:xfrm>
+            <a:off x="311700" y="445025"/>
+            <a:ext cx="8520600" cy="572700"/>
+          </a:xfrm>
+          <a:prstGeom prst="rect">
+            <a:avLst/>
+          </a:prstGeom>
+        </p:spPr>
+        <p:txBody>
+          <a:bodyPr spcFirstLastPara="1" wrap="square" lIns="91425" tIns="91425" rIns="91425" bIns="91425" anchor="t" anchorCtr="0">
+            <a:noAutofit/>
+          </a:bodyPr>
+          <a:lstStyle/>
+          <a:p>
+            <a:pPr marL="0" lvl="0" indent="0" algn="l" rtl="0">
+              <a:spcBef>
+                <a:spcPts val="0"/>
+              </a:spcBef>
+              <a:spcAft>
+                <a:spcPts val="0"/>
+              </a:spcAft>
+              <a:buNone/>
+            </a:pPr>
+            <a:r>
+              <a:rPr lang="en" dirty="0"/>
+              <a:t>Component 3 Pick up info v4 (Trello screenshot)</a:t>
+            </a:r>
+            <a:endParaRPr dirty="0"/>
+          </a:p>
+        </p:txBody>
+      </p:sp>
+      <p:pic>
+        <p:nvPicPr>
+          <p:cNvPr id="4" name="Picture 3">
+            <a:extLst>
+              <a:ext uri="{FF2B5EF4-FFF2-40B4-BE49-F238E27FC236}">
+                <a16:creationId xmlns:a16="http://schemas.microsoft.com/office/drawing/2014/main" id="{B0DCDD4C-6555-445D-9393-E94B2BCD9B8A}"/>
+              </a:ext>
+            </a:extLst>
+          </p:cNvPr>
+          <p:cNvPicPr>
+            <a:picLocks noChangeAspect="1"/>
+          </p:cNvPicPr>
+          <p:nvPr/>
+        </p:nvPicPr>
+        <p:blipFill>
+          <a:blip r:embed="rId3"/>
+          <a:stretch>
+            <a:fillRect/>
+          </a:stretch>
+        </p:blipFill>
+        <p:spPr>
+          <a:xfrm>
+            <a:off x="906780" y="1117290"/>
+            <a:ext cx="7551420" cy="3473922"/>
+          </a:xfrm>
+          <a:prstGeom prst="rect">
+            <a:avLst/>
+          </a:prstGeom>
+        </p:spPr>
+      </p:pic>
+    </p:spTree>
+    <p:extLst>
+      <p:ext uri="{BB962C8B-B14F-4D97-AF65-F5344CB8AC3E}">
+        <p14:creationId xmlns:p14="http://schemas.microsoft.com/office/powerpoint/2010/main" val="4218304611"/>
+      </p:ext>
+    </p:extLst>
+  </p:cSld>
+  <p:clrMapOvr>
+    <a:masterClrMapping/>
+  </p:clrMapOvr>
+</p:sld>
+</file>
+
+<file path=ppt/slides/slide21.xml><?xml version="1.0" encoding="utf-8"?>
+<p:sld xmlns:a="http://schemas.openxmlformats.org/drawingml/2006/main" xmlns:r="http://schemas.openxmlformats.org/officeDocument/2006/relationships" xmlns:p="http://schemas.openxmlformats.org/presentationml/2006/main">
+  <p:cSld>
+    <p:spTree>
+      <p:nvGrpSpPr>
+        <p:cNvPr id="1" name="Shape 77"/>
+        <p:cNvGrpSpPr/>
+        <p:nvPr/>
+      </p:nvGrpSpPr>
+      <p:grpSpPr>
+        <a:xfrm>
+          <a:off x="0" y="0"/>
+          <a:ext cx="0" cy="0"/>
+          <a:chOff x="0" y="0"/>
+          <a:chExt cx="0" cy="0"/>
+        </a:xfrm>
+      </p:grpSpPr>
+      <p:sp>
+        <p:nvSpPr>
+          <p:cNvPr id="78" name="Google Shape;78;p17"/>
+          <p:cNvSpPr txBox="1">
+            <a:spLocks noGrp="1"/>
+          </p:cNvSpPr>
+          <p:nvPr>
+            <p:ph type="title"/>
+          </p:nvPr>
+        </p:nvSpPr>
+        <p:spPr>
+          <a:xfrm>
+            <a:off x="311700" y="445025"/>
+            <a:ext cx="8520600" cy="572700"/>
+          </a:xfrm>
+          <a:prstGeom prst="rect">
+            <a:avLst/>
+          </a:prstGeom>
+        </p:spPr>
+        <p:txBody>
+          <a:bodyPr spcFirstLastPara="1" wrap="square" lIns="91425" tIns="91425" rIns="91425" bIns="91425" anchor="t" anchorCtr="0">
+            <a:noAutofit/>
+          </a:bodyPr>
+          <a:lstStyle/>
+          <a:p>
+            <a:pPr marL="0" lvl="0" indent="0" algn="l" rtl="0">
+              <a:spcBef>
+                <a:spcPts val="0"/>
+              </a:spcBef>
+              <a:spcAft>
+                <a:spcPts val="0"/>
+              </a:spcAft>
+              <a:buNone/>
+            </a:pPr>
+            <a:r>
+              <a:rPr lang="en" dirty="0"/>
+              <a:t>Component 3 v4 - Test Plan (and screenshot)</a:t>
+            </a:r>
+            <a:endParaRPr dirty="0"/>
+          </a:p>
+        </p:txBody>
+      </p:sp>
+      <p:graphicFrame>
+        <p:nvGraphicFramePr>
+          <p:cNvPr id="79" name="Google Shape;79;p17"/>
+          <p:cNvGraphicFramePr/>
+          <p:nvPr/>
+        </p:nvGraphicFramePr>
+        <p:xfrm>
+          <a:off x="311700" y="3545235"/>
+          <a:ext cx="8520600" cy="1493460"/>
+        </p:xfrm>
+        <a:graphic>
+          <a:graphicData uri="http://schemas.openxmlformats.org/drawingml/2006/table">
+            <a:tbl>
+              <a:tblPr>
+                <a:noFill/>
+                <a:tableStyleId>{E1099E06-0E6B-448D-9D27-60429F06E6F4}</a:tableStyleId>
+              </a:tblPr>
+              <a:tblGrid>
+                <a:gridCol w="4260300">
+                  <a:extLst>
+                    <a:ext uri="{9D8B030D-6E8A-4147-A177-3AD203B41FA5}">
+                      <a16:colId xmlns:a16="http://schemas.microsoft.com/office/drawing/2014/main" val="20000"/>
+                    </a:ext>
+                  </a:extLst>
+                </a:gridCol>
+                <a:gridCol w="4260300">
+                  <a:extLst>
+                    <a:ext uri="{9D8B030D-6E8A-4147-A177-3AD203B41FA5}">
+                      <a16:colId xmlns:a16="http://schemas.microsoft.com/office/drawing/2014/main" val="20001"/>
+                    </a:ext>
+                  </a:extLst>
+                </a:gridCol>
+              </a:tblGrid>
+              <a:tr h="381000">
+                <a:tc>
+                  <a:txBody>
+                    <a:bodyPr/>
+                    <a:lstStyle/>
+                    <a:p>
+                      <a:pPr marL="0" lvl="0" indent="0" algn="l" rtl="0">
+                        <a:spcBef>
+                          <a:spcPts val="0"/>
+                        </a:spcBef>
+                        <a:spcAft>
+                          <a:spcPts val="0"/>
+                        </a:spcAft>
+                        <a:buNone/>
+                      </a:pPr>
+                      <a:r>
+                        <a:rPr lang="en" sz="1800" b="1" dirty="0"/>
+                        <a:t>Test Case</a:t>
+                      </a:r>
+                      <a:endParaRPr sz="1800" b="1" dirty="0"/>
+                    </a:p>
+                  </a:txBody>
+                  <a:tcPr marL="91425" marR="91425" marT="91425" marB="91425">
+                    <a:solidFill>
+                      <a:srgbClr val="CCCCCC"/>
+                    </a:solidFill>
+                  </a:tcPr>
+                </a:tc>
+                <a:tc>
+                  <a:txBody>
+                    <a:bodyPr/>
+                    <a:lstStyle/>
+                    <a:p>
+                      <a:pPr marL="0" lvl="0" indent="0" algn="l" rtl="0">
+                        <a:spcBef>
+                          <a:spcPts val="0"/>
+                        </a:spcBef>
+                        <a:spcAft>
+                          <a:spcPts val="0"/>
+                        </a:spcAft>
+                        <a:buNone/>
+                      </a:pPr>
+                      <a:r>
+                        <a:rPr lang="en" sz="1800" b="1" dirty="0"/>
+                        <a:t>Expected Values</a:t>
+                      </a:r>
+                      <a:endParaRPr sz="1800" b="1" dirty="0"/>
+                    </a:p>
+                  </a:txBody>
+                  <a:tcPr marL="91425" marR="91425" marT="91425" marB="91425">
+                    <a:solidFill>
+                      <a:srgbClr val="CCCCCC"/>
+                    </a:solidFill>
+                  </a:tcPr>
+                </a:tc>
+                <a:extLst>
+                  <a:ext uri="{0D108BD9-81ED-4DB2-BD59-A6C34878D82A}">
+                    <a16:rowId xmlns:a16="http://schemas.microsoft.com/office/drawing/2014/main" val="10000"/>
+                  </a:ext>
+                </a:extLst>
+              </a:tr>
+              <a:tr h="396200">
+                <a:tc>
+                  <a:txBody>
+                    <a:bodyPr/>
+                    <a:lstStyle/>
+                    <a:p>
+                      <a:pPr marL="0" lvl="0" indent="0" algn="l" rtl="0">
+                        <a:spcBef>
+                          <a:spcPts val="0"/>
+                        </a:spcBef>
+                        <a:spcAft>
+                          <a:spcPts val="0"/>
+                        </a:spcAft>
+                        <a:buNone/>
+                      </a:pPr>
+                      <a:r>
+                        <a:rPr lang="en-NZ" sz="1800" dirty="0"/>
+                        <a:t>Input name</a:t>
+                      </a:r>
+                    </a:p>
+                    <a:p>
+                      <a:pPr marL="0" lvl="0" indent="0" algn="l" rtl="0">
+                        <a:spcBef>
+                          <a:spcPts val="0"/>
+                        </a:spcBef>
+                        <a:spcAft>
+                          <a:spcPts val="0"/>
+                        </a:spcAft>
+                        <a:buNone/>
+                      </a:pPr>
+                      <a:r>
+                        <a:rPr lang="en-NZ" sz="1800" dirty="0"/>
+                        <a:t>Input phone number</a:t>
+                      </a:r>
+                    </a:p>
+                    <a:p>
+                      <a:pPr marL="0" lvl="0" indent="0" algn="l" rtl="0">
+                        <a:spcBef>
+                          <a:spcPts val="0"/>
+                        </a:spcBef>
+                        <a:spcAft>
+                          <a:spcPts val="0"/>
+                        </a:spcAft>
+                        <a:buNone/>
+                      </a:pPr>
+                      <a:r>
+                        <a:rPr lang="en-NZ" sz="1800" dirty="0"/>
+                        <a:t>Left input blank</a:t>
+                      </a:r>
+                      <a:endParaRPr sz="1800" dirty="0"/>
+                    </a:p>
+                  </a:txBody>
+                  <a:tcPr marL="91425" marR="91425" marT="91425" marB="91425"/>
+                </a:tc>
+                <a:tc>
+                  <a:txBody>
+                    <a:bodyPr/>
+                    <a:lstStyle/>
+                    <a:p>
+                      <a:pPr marL="0" lvl="0" indent="0" algn="l" rtl="0">
+                        <a:spcBef>
+                          <a:spcPts val="0"/>
+                        </a:spcBef>
+                        <a:spcAft>
+                          <a:spcPts val="0"/>
+                        </a:spcAft>
+                        <a:buNone/>
+                      </a:pPr>
+                      <a:r>
+                        <a:rPr lang="en-NZ" sz="1400" dirty="0"/>
+                        <a:t>Printed name correctly</a:t>
+                      </a:r>
+                    </a:p>
+                    <a:p>
+                      <a:pPr marL="0" lvl="0" indent="0" algn="l" rtl="0">
+                        <a:spcBef>
+                          <a:spcPts val="0"/>
+                        </a:spcBef>
+                        <a:spcAft>
+                          <a:spcPts val="0"/>
+                        </a:spcAft>
+                        <a:buNone/>
+                      </a:pPr>
+                      <a:r>
+                        <a:rPr lang="en-NZ" sz="1400" dirty="0"/>
+                        <a:t>Printed phone number correctly </a:t>
+                      </a:r>
+                    </a:p>
+                    <a:p>
+                      <a:pPr marL="0" lvl="0" indent="0" algn="l" rtl="0">
+                        <a:spcBef>
+                          <a:spcPts val="0"/>
+                        </a:spcBef>
+                        <a:spcAft>
+                          <a:spcPts val="0"/>
+                        </a:spcAft>
+                        <a:buNone/>
+                      </a:pPr>
+                      <a:r>
+                        <a:rPr lang="en-NZ" sz="1400" dirty="0"/>
+                        <a:t>Prints “Sorry this cannot be blank” – goes back to input</a:t>
+                      </a:r>
+                      <a:endParaRPr sz="1400" dirty="0"/>
+                    </a:p>
+                  </a:txBody>
+                  <a:tcPr marL="91425" marR="91425" marT="91425" marB="91425"/>
+                </a:tc>
+                <a:extLst>
+                  <a:ext uri="{0D108BD9-81ED-4DB2-BD59-A6C34878D82A}">
+                    <a16:rowId xmlns:a16="http://schemas.microsoft.com/office/drawing/2014/main" val="10001"/>
+                  </a:ext>
+                </a:extLst>
+              </a:tr>
+            </a:tbl>
+          </a:graphicData>
+        </a:graphic>
+      </p:graphicFrame>
+      <p:pic>
+        <p:nvPicPr>
+          <p:cNvPr id="3" name="Picture 2">
+            <a:extLst>
+              <a:ext uri="{FF2B5EF4-FFF2-40B4-BE49-F238E27FC236}">
+                <a16:creationId xmlns:a16="http://schemas.microsoft.com/office/drawing/2014/main" id="{7EB59818-F709-400D-A010-87F7C4E70951}"/>
+              </a:ext>
+            </a:extLst>
+          </p:cNvPr>
+          <p:cNvPicPr>
+            <a:picLocks noChangeAspect="1"/>
+          </p:cNvPicPr>
+          <p:nvPr/>
+        </p:nvPicPr>
+        <p:blipFill>
+          <a:blip r:embed="rId3"/>
+          <a:stretch>
+            <a:fillRect/>
+          </a:stretch>
+        </p:blipFill>
+        <p:spPr>
+          <a:xfrm>
+            <a:off x="560544" y="1017725"/>
+            <a:ext cx="2357916" cy="2422962"/>
+          </a:xfrm>
+          <a:prstGeom prst="rect">
+            <a:avLst/>
+          </a:prstGeom>
+        </p:spPr>
+      </p:pic>
+      <p:pic>
+        <p:nvPicPr>
+          <p:cNvPr id="5" name="Picture 4">
+            <a:extLst>
+              <a:ext uri="{FF2B5EF4-FFF2-40B4-BE49-F238E27FC236}">
+                <a16:creationId xmlns:a16="http://schemas.microsoft.com/office/drawing/2014/main" id="{46123917-B191-4017-B1A5-D5114F8456AE}"/>
+              </a:ext>
+            </a:extLst>
+          </p:cNvPr>
+          <p:cNvPicPr>
+            <a:picLocks noChangeAspect="1"/>
+          </p:cNvPicPr>
+          <p:nvPr/>
+        </p:nvPicPr>
+        <p:blipFill>
+          <a:blip r:embed="rId4"/>
+          <a:stretch>
+            <a:fillRect/>
+          </a:stretch>
+        </p:blipFill>
+        <p:spPr>
+          <a:xfrm>
+            <a:off x="3453490" y="1404213"/>
+            <a:ext cx="4967894" cy="1559967"/>
+          </a:xfrm>
+          <a:prstGeom prst="rect">
+            <a:avLst/>
+          </a:prstGeom>
+        </p:spPr>
+      </p:pic>
+    </p:spTree>
+    <p:extLst>
+      <p:ext uri="{BB962C8B-B14F-4D97-AF65-F5344CB8AC3E}">
+        <p14:creationId xmlns:p14="http://schemas.microsoft.com/office/powerpoint/2010/main" val="2062765363"/>
+      </p:ext>
+    </p:extLst>
+  </p:cSld>
+  <p:clrMapOvr>
+    <a:masterClrMapping/>
+  </p:clrMapOvr>
+</p:sld>
+</file>
+
+<file path=ppt/slides/slide22.xml><?xml version="1.0" encoding="utf-8"?>
+<p:sld xmlns:a="http://schemas.openxmlformats.org/drawingml/2006/main" xmlns:r="http://schemas.openxmlformats.org/officeDocument/2006/relationships" xmlns:p="http://schemas.openxmlformats.org/presentationml/2006/main">
+  <p:cSld>
+    <p:bg>
+      <p:bgPr>
+        <a:solidFill>
+          <a:srgbClr val="D9EAD3"/>
+        </a:solidFill>
+        <a:effectLst/>
+      </p:bgPr>
+    </p:bg>
+    <p:spTree>
+      <p:nvGrpSpPr>
         <p:cNvPr id="1" name="Shape 83"/>
         <p:cNvGrpSpPr/>
         <p:nvPr/>
@@ -11800,7 +12551,7 @@
 </p:sld>
 </file>
 
-<file path=ppt/slides/slide21.xml><?xml version="1.0" encoding="utf-8"?>
+<file path=ppt/slides/slide23.xml><?xml version="1.0" encoding="utf-8"?>
 <p:sld xmlns:a="http://schemas.openxmlformats.org/drawingml/2006/main" xmlns:r="http://schemas.openxmlformats.org/officeDocument/2006/relationships" xmlns:p="http://schemas.openxmlformats.org/presentationml/2006/main">
   <p:cSld>
     <p:bg>

--- a/022_91893+_+91897+Documentation.pptx
+++ b/022_91893+_+91897+Documentation.pptx
@@ -5,7 +5,7 @@
     <p:sldMasterId id="2147483659" r:id="rId1"/>
   </p:sldMasterIdLst>
   <p:notesMasterIdLst>
-    <p:notesMasterId r:id="rId25"/>
+    <p:notesMasterId r:id="rId27"/>
   </p:notesMasterIdLst>
   <p:sldIdLst>
     <p:sldId id="256" r:id="rId2"/>
@@ -29,8 +29,10 @@
     <p:sldId id="278" r:id="rId20"/>
     <p:sldId id="279" r:id="rId21"/>
     <p:sldId id="280" r:id="rId22"/>
-    <p:sldId id="261" r:id="rId23"/>
-    <p:sldId id="262" r:id="rId24"/>
+    <p:sldId id="281" r:id="rId23"/>
+    <p:sldId id="282" r:id="rId24"/>
+    <p:sldId id="261" r:id="rId25"/>
+    <p:sldId id="262" r:id="rId26"/>
   </p:sldIdLst>
   <p:sldSz cx="9144000" cy="5143500" type="screen16x9"/>
   <p:notesSz cx="6858000" cy="9144000"/>
@@ -285,7 +287,7 @@
 <file path=ppt/revisionInfo.xml><?xml version="1.0" encoding="utf-8"?>
 <p1510:revInfo xmlns:a="http://schemas.openxmlformats.org/drawingml/2006/main" xmlns:r="http://schemas.openxmlformats.org/officeDocument/2006/relationships" xmlns:p1510="http://schemas.microsoft.com/office/powerpoint/2015/10/main">
   <p1510:revLst>
-    <p1510:client id="{53BB49C2-00DF-4AB6-9D9D-351DBF063D16}" v="1" dt="2022-02-09T22:43:54.317"/>
+    <p1510:client id="{53BB49C2-00DF-4AB6-9D9D-351DBF063D16}" v="2" dt="2022-02-28T21:51:25.208"/>
   </p1510:revLst>
 </p1510:revInfo>
 </file>
@@ -295,7 +297,7 @@
   <pc:docChgLst>
     <pc:chgData name="Danett Pepito" userId="ddef1e2176689e9a" providerId="LiveId" clId="{53BB49C2-00DF-4AB6-9D9D-351DBF063D16}"/>
     <pc:docChg chg="undo custSel addSld delSld modSld sldOrd">
-      <pc:chgData name="Danett Pepito" userId="ddef1e2176689e9a" providerId="LiveId" clId="{53BB49C2-00DF-4AB6-9D9D-351DBF063D16}" dt="2022-02-22T06:09:34.034" v="1169" actId="1076"/>
+      <pc:chgData name="Danett Pepito" userId="ddef1e2176689e9a" providerId="LiveId" clId="{53BB49C2-00DF-4AB6-9D9D-351DBF063D16}" dt="2022-02-28T21:56:11.393" v="1346" actId="20577"/>
       <pc:docMkLst>
         <pc:docMk/>
       </pc:docMkLst>
@@ -1147,6 +1149,92 @@
           </ac:picMkLst>
         </pc:picChg>
       </pc:sldChg>
+      <pc:sldChg chg="addSp delSp modSp add mod setBg">
+        <pc:chgData name="Danett Pepito" userId="ddef1e2176689e9a" providerId="LiveId" clId="{53BB49C2-00DF-4AB6-9D9D-351DBF063D16}" dt="2022-02-28T21:52:36.538" v="1187" actId="1076"/>
+        <pc:sldMkLst>
+          <pc:docMk/>
+          <pc:sldMk cId="573711298" sldId="281"/>
+        </pc:sldMkLst>
+        <pc:spChg chg="mod">
+          <ac:chgData name="Danett Pepito" userId="ddef1e2176689e9a" providerId="LiveId" clId="{53BB49C2-00DF-4AB6-9D9D-351DBF063D16}" dt="2022-02-28T21:51:46.890" v="1181" actId="20577"/>
+          <ac:spMkLst>
+            <pc:docMk/>
+            <pc:sldMk cId="573711298" sldId="281"/>
+            <ac:spMk id="73" creationId="{00000000-0000-0000-0000-000000000000}"/>
+          </ac:spMkLst>
+        </pc:spChg>
+        <pc:picChg chg="del">
+          <ac:chgData name="Danett Pepito" userId="ddef1e2176689e9a" providerId="LiveId" clId="{53BB49C2-00DF-4AB6-9D9D-351DBF063D16}" dt="2022-02-28T21:52:28.867" v="1182" actId="478"/>
+          <ac:picMkLst>
+            <pc:docMk/>
+            <pc:sldMk cId="573711298" sldId="281"/>
+            <ac:picMk id="3" creationId="{7B5C387B-D0C2-4744-8A5F-95D2FF7C02F4}"/>
+          </ac:picMkLst>
+        </pc:picChg>
+        <pc:picChg chg="add mod">
+          <ac:chgData name="Danett Pepito" userId="ddef1e2176689e9a" providerId="LiveId" clId="{53BB49C2-00DF-4AB6-9D9D-351DBF063D16}" dt="2022-02-28T21:52:36.538" v="1187" actId="1076"/>
+          <ac:picMkLst>
+            <pc:docMk/>
+            <pc:sldMk cId="573711298" sldId="281"/>
+            <ac:picMk id="4" creationId="{994B848F-63E8-4428-B2FD-CDB9DE1FDDA9}"/>
+          </ac:picMkLst>
+        </pc:picChg>
+      </pc:sldChg>
+      <pc:sldChg chg="addSp delSp modSp add mod">
+        <pc:chgData name="Danett Pepito" userId="ddef1e2176689e9a" providerId="LiveId" clId="{53BB49C2-00DF-4AB6-9D9D-351DBF063D16}" dt="2022-02-28T21:56:11.393" v="1346" actId="20577"/>
+        <pc:sldMkLst>
+          <pc:docMk/>
+          <pc:sldMk cId="3054406559" sldId="282"/>
+        </pc:sldMkLst>
+        <pc:spChg chg="mod">
+          <ac:chgData name="Danett Pepito" userId="ddef1e2176689e9a" providerId="LiveId" clId="{53BB49C2-00DF-4AB6-9D9D-351DBF063D16}" dt="2022-02-28T21:55:25.587" v="1261" actId="255"/>
+          <ac:spMkLst>
+            <pc:docMk/>
+            <pc:sldMk cId="3054406559" sldId="282"/>
+            <ac:spMk id="78" creationId="{00000000-0000-0000-0000-000000000000}"/>
+          </ac:spMkLst>
+        </pc:spChg>
+        <pc:graphicFrameChg chg="mod modGraphic">
+          <ac:chgData name="Danett Pepito" userId="ddef1e2176689e9a" providerId="LiveId" clId="{53BB49C2-00DF-4AB6-9D9D-351DBF063D16}" dt="2022-02-28T21:56:11.393" v="1346" actId="20577"/>
+          <ac:graphicFrameMkLst>
+            <pc:docMk/>
+            <pc:sldMk cId="3054406559" sldId="282"/>
+            <ac:graphicFrameMk id="79" creationId="{00000000-0000-0000-0000-000000000000}"/>
+          </ac:graphicFrameMkLst>
+        </pc:graphicFrameChg>
+        <pc:picChg chg="add mod">
+          <ac:chgData name="Danett Pepito" userId="ddef1e2176689e9a" providerId="LiveId" clId="{53BB49C2-00DF-4AB6-9D9D-351DBF063D16}" dt="2022-02-28T21:54:54.913" v="1258" actId="1076"/>
+          <ac:picMkLst>
+            <pc:docMk/>
+            <pc:sldMk cId="3054406559" sldId="282"/>
+            <ac:picMk id="3" creationId="{3DB47A2F-33DD-4DC4-9B2E-79D2DBD68C4A}"/>
+          </ac:picMkLst>
+        </pc:picChg>
+        <pc:picChg chg="add mod">
+          <ac:chgData name="Danett Pepito" userId="ddef1e2176689e9a" providerId="LiveId" clId="{53BB49C2-00DF-4AB6-9D9D-351DBF063D16}" dt="2022-02-28T21:55:29.608" v="1263" actId="1076"/>
+          <ac:picMkLst>
+            <pc:docMk/>
+            <pc:sldMk cId="3054406559" sldId="282"/>
+            <ac:picMk id="5" creationId="{A20F300F-D754-409F-B71A-A41DC2146712}"/>
+          </ac:picMkLst>
+        </pc:picChg>
+        <pc:picChg chg="del">
+          <ac:chgData name="Danett Pepito" userId="ddef1e2176689e9a" providerId="LiveId" clId="{53BB49C2-00DF-4AB6-9D9D-351DBF063D16}" dt="2022-02-28T21:53:03.563" v="1188" actId="478"/>
+          <ac:picMkLst>
+            <pc:docMk/>
+            <pc:sldMk cId="3054406559" sldId="282"/>
+            <ac:picMk id="6" creationId="{F49F66CA-C02D-4151-B92A-457220B8F7A7}"/>
+          </ac:picMkLst>
+        </pc:picChg>
+        <pc:picChg chg="del">
+          <ac:chgData name="Danett Pepito" userId="ddef1e2176689e9a" providerId="LiveId" clId="{53BB49C2-00DF-4AB6-9D9D-351DBF063D16}" dt="2022-02-28T21:53:04.824" v="1189" actId="478"/>
+          <ac:picMkLst>
+            <pc:docMk/>
+            <pc:sldMk cId="3054406559" sldId="282"/>
+            <ac:picMk id="9" creationId="{949F4C10-7620-4E33-AE2C-8F71C3EA1DD1}"/>
+          </ac:picMkLst>
+        </pc:picChg>
+      </pc:sldChg>
     </pc:docChg>
   </pc:docChgLst>
   <pc:docChgLst>
@@ -3157,6 +3245,224 @@
   <p:cSld>
     <p:spTree>
       <p:nvGrpSpPr>
+        <p:cNvPr id="1" name="Shape 69"/>
+        <p:cNvGrpSpPr/>
+        <p:nvPr/>
+      </p:nvGrpSpPr>
+      <p:grpSpPr>
+        <a:xfrm>
+          <a:off x="0" y="0"/>
+          <a:ext cx="0" cy="0"/>
+          <a:chOff x="0" y="0"/>
+          <a:chExt cx="0" cy="0"/>
+        </a:xfrm>
+      </p:grpSpPr>
+      <p:sp>
+        <p:nvSpPr>
+          <p:cNvPr id="70" name="Google Shape;70;gac10fef634_0_16:notes"/>
+          <p:cNvSpPr>
+            <a:spLocks noGrp="1" noRot="1" noChangeAspect="1"/>
+          </p:cNvSpPr>
+          <p:nvPr>
+            <p:ph type="sldImg" idx="2"/>
+          </p:nvPr>
+        </p:nvSpPr>
+        <p:spPr>
+          <a:xfrm>
+            <a:off x="381000" y="685800"/>
+            <a:ext cx="6096000" cy="3429000"/>
+          </a:xfrm>
+          <a:custGeom>
+            <a:avLst/>
+            <a:gdLst/>
+            <a:ahLst/>
+            <a:cxnLst/>
+            <a:rect l="l" t="t" r="r" b="b"/>
+            <a:pathLst>
+              <a:path w="120000" h="120000" extrusionOk="0">
+                <a:moveTo>
+                  <a:pt x="0" y="0"/>
+                </a:moveTo>
+                <a:lnTo>
+                  <a:pt x="120000" y="0"/>
+                </a:lnTo>
+                <a:lnTo>
+                  <a:pt x="120000" y="120000"/>
+                </a:lnTo>
+                <a:lnTo>
+                  <a:pt x="0" y="120000"/>
+                </a:lnTo>
+                <a:close/>
+              </a:path>
+            </a:pathLst>
+          </a:custGeom>
+        </p:spPr>
+      </p:sp>
+      <p:sp>
+        <p:nvSpPr>
+          <p:cNvPr id="71" name="Google Shape;71;gac10fef634_0_16:notes"/>
+          <p:cNvSpPr txBox="1">
+            <a:spLocks noGrp="1"/>
+          </p:cNvSpPr>
+          <p:nvPr>
+            <p:ph type="body" idx="1"/>
+          </p:nvPr>
+        </p:nvSpPr>
+        <p:spPr>
+          <a:xfrm>
+            <a:off x="685800" y="4343400"/>
+            <a:ext cx="5486400" cy="4114800"/>
+          </a:xfrm>
+          <a:prstGeom prst="rect">
+            <a:avLst/>
+          </a:prstGeom>
+        </p:spPr>
+        <p:txBody>
+          <a:bodyPr spcFirstLastPara="1" wrap="square" lIns="91425" tIns="91425" rIns="91425" bIns="91425" anchor="t" anchorCtr="0">
+            <a:noAutofit/>
+          </a:bodyPr>
+          <a:lstStyle/>
+          <a:p>
+            <a:pPr marL="0" lvl="0" indent="0" algn="l" rtl="0">
+              <a:spcBef>
+                <a:spcPts val="0"/>
+              </a:spcBef>
+              <a:spcAft>
+                <a:spcPts val="0"/>
+              </a:spcAft>
+              <a:buNone/>
+            </a:pPr>
+            <a:endParaRPr/>
+          </a:p>
+        </p:txBody>
+      </p:sp>
+    </p:spTree>
+    <p:extLst>
+      <p:ext uri="{BB962C8B-B14F-4D97-AF65-F5344CB8AC3E}">
+        <p14:creationId xmlns:p14="http://schemas.microsoft.com/office/powerpoint/2010/main" val="2851415212"/>
+      </p:ext>
+    </p:extLst>
+  </p:cSld>
+  <p:clrMapOvr>
+    <a:masterClrMapping/>
+  </p:clrMapOvr>
+</p:notes>
+</file>
+
+<file path=ppt/notesSlides/notesSlide23.xml><?xml version="1.0" encoding="utf-8"?>
+<p:notes xmlns:a="http://schemas.openxmlformats.org/drawingml/2006/main" xmlns:r="http://schemas.openxmlformats.org/officeDocument/2006/relationships" xmlns:p="http://schemas.openxmlformats.org/presentationml/2006/main" showMasterSp="0" showMasterPhAnim="0">
+  <p:cSld>
+    <p:spTree>
+      <p:nvGrpSpPr>
+        <p:cNvPr id="1" name="Shape 74"/>
+        <p:cNvGrpSpPr/>
+        <p:nvPr/>
+      </p:nvGrpSpPr>
+      <p:grpSpPr>
+        <a:xfrm>
+          <a:off x="0" y="0"/>
+          <a:ext cx="0" cy="0"/>
+          <a:chOff x="0" y="0"/>
+          <a:chExt cx="0" cy="0"/>
+        </a:xfrm>
+      </p:grpSpPr>
+      <p:sp>
+        <p:nvSpPr>
+          <p:cNvPr id="75" name="Google Shape;75;gac10fef634_0_20:notes"/>
+          <p:cNvSpPr>
+            <a:spLocks noGrp="1" noRot="1" noChangeAspect="1"/>
+          </p:cNvSpPr>
+          <p:nvPr>
+            <p:ph type="sldImg" idx="2"/>
+          </p:nvPr>
+        </p:nvSpPr>
+        <p:spPr>
+          <a:xfrm>
+            <a:off x="381000" y="685800"/>
+            <a:ext cx="6096000" cy="3429000"/>
+          </a:xfrm>
+          <a:custGeom>
+            <a:avLst/>
+            <a:gdLst/>
+            <a:ahLst/>
+            <a:cxnLst/>
+            <a:rect l="l" t="t" r="r" b="b"/>
+            <a:pathLst>
+              <a:path w="120000" h="120000" extrusionOk="0">
+                <a:moveTo>
+                  <a:pt x="0" y="0"/>
+                </a:moveTo>
+                <a:lnTo>
+                  <a:pt x="120000" y="0"/>
+                </a:lnTo>
+                <a:lnTo>
+                  <a:pt x="120000" y="120000"/>
+                </a:lnTo>
+                <a:lnTo>
+                  <a:pt x="0" y="120000"/>
+                </a:lnTo>
+                <a:close/>
+              </a:path>
+            </a:pathLst>
+          </a:custGeom>
+        </p:spPr>
+      </p:sp>
+      <p:sp>
+        <p:nvSpPr>
+          <p:cNvPr id="76" name="Google Shape;76;gac10fef634_0_20:notes"/>
+          <p:cNvSpPr txBox="1">
+            <a:spLocks noGrp="1"/>
+          </p:cNvSpPr>
+          <p:nvPr>
+            <p:ph type="body" idx="1"/>
+          </p:nvPr>
+        </p:nvSpPr>
+        <p:spPr>
+          <a:xfrm>
+            <a:off x="685800" y="4343400"/>
+            <a:ext cx="5486400" cy="4114800"/>
+          </a:xfrm>
+          <a:prstGeom prst="rect">
+            <a:avLst/>
+          </a:prstGeom>
+        </p:spPr>
+        <p:txBody>
+          <a:bodyPr spcFirstLastPara="1" wrap="square" lIns="91425" tIns="91425" rIns="91425" bIns="91425" anchor="t" anchorCtr="0">
+            <a:noAutofit/>
+          </a:bodyPr>
+          <a:lstStyle/>
+          <a:p>
+            <a:pPr marL="0" lvl="0" indent="0" algn="l" rtl="0">
+              <a:spcBef>
+                <a:spcPts val="0"/>
+              </a:spcBef>
+              <a:spcAft>
+                <a:spcPts val="0"/>
+              </a:spcAft>
+              <a:buNone/>
+            </a:pPr>
+            <a:endParaRPr/>
+          </a:p>
+        </p:txBody>
+      </p:sp>
+    </p:spTree>
+    <p:extLst>
+      <p:ext uri="{BB962C8B-B14F-4D97-AF65-F5344CB8AC3E}">
+        <p14:creationId xmlns:p14="http://schemas.microsoft.com/office/powerpoint/2010/main" val="2698695312"/>
+      </p:ext>
+    </p:extLst>
+  </p:cSld>
+  <p:clrMapOvr>
+    <a:masterClrMapping/>
+  </p:clrMapOvr>
+</p:notes>
+</file>
+
+<file path=ppt/notesSlides/notesSlide24.xml><?xml version="1.0" encoding="utf-8"?>
+<p:notes xmlns:a="http://schemas.openxmlformats.org/drawingml/2006/main" xmlns:r="http://schemas.openxmlformats.org/officeDocument/2006/relationships" xmlns:p="http://schemas.openxmlformats.org/presentationml/2006/main" showMasterSp="0" showMasterPhAnim="0">
+  <p:cSld>
+    <p:spTree>
+      <p:nvGrpSpPr>
         <p:cNvPr id="1" name="Shape 80"/>
         <p:cNvGrpSpPr/>
         <p:nvPr/>
@@ -3277,7 +3583,7 @@
 </p:notes>
 </file>
 
-<file path=ppt/notesSlides/notesSlide23.xml><?xml version="1.0" encoding="utf-8"?>
+<file path=ppt/notesSlides/notesSlide25.xml><?xml version="1.0" encoding="utf-8"?>
 <p:notes xmlns:a="http://schemas.openxmlformats.org/drawingml/2006/main" xmlns:r="http://schemas.openxmlformats.org/officeDocument/2006/relationships" xmlns:p="http://schemas.openxmlformats.org/presentationml/2006/main" showMasterSp="0" showMasterPhAnim="0">
   <p:cSld>
     <p:spTree>
@@ -12437,6 +12743,551 @@
 <file path=ppt/slides/slide22.xml><?xml version="1.0" encoding="utf-8"?>
 <p:sld xmlns:a="http://schemas.openxmlformats.org/drawingml/2006/main" xmlns:r="http://schemas.openxmlformats.org/officeDocument/2006/relationships" xmlns:p="http://schemas.openxmlformats.org/presentationml/2006/main">
   <p:cSld>
+    <p:spTree>
+      <p:nvGrpSpPr>
+        <p:cNvPr id="1" name="Shape 72"/>
+        <p:cNvGrpSpPr/>
+        <p:nvPr/>
+      </p:nvGrpSpPr>
+      <p:grpSpPr>
+        <a:xfrm>
+          <a:off x="0" y="0"/>
+          <a:ext cx="0" cy="0"/>
+          <a:chOff x="0" y="0"/>
+          <a:chExt cx="0" cy="0"/>
+        </a:xfrm>
+      </p:grpSpPr>
+      <p:sp>
+        <p:nvSpPr>
+          <p:cNvPr id="73" name="Google Shape;73;p16"/>
+          <p:cNvSpPr txBox="1">
+            <a:spLocks noGrp="1"/>
+          </p:cNvSpPr>
+          <p:nvPr>
+            <p:ph type="title"/>
+          </p:nvPr>
+        </p:nvSpPr>
+        <p:spPr>
+          <a:xfrm>
+            <a:off x="311700" y="445025"/>
+            <a:ext cx="8520600" cy="572700"/>
+          </a:xfrm>
+          <a:prstGeom prst="rect">
+            <a:avLst/>
+          </a:prstGeom>
+        </p:spPr>
+        <p:txBody>
+          <a:bodyPr spcFirstLastPara="1" wrap="square" lIns="91425" tIns="91425" rIns="91425" bIns="91425" anchor="t" anchorCtr="0">
+            <a:noAutofit/>
+          </a:bodyPr>
+          <a:lstStyle/>
+          <a:p>
+            <a:pPr marL="0" lvl="0" indent="0" algn="l" rtl="0">
+              <a:spcBef>
+                <a:spcPts val="0"/>
+              </a:spcBef>
+              <a:spcAft>
+                <a:spcPts val="0"/>
+              </a:spcAft>
+              <a:buNone/>
+            </a:pPr>
+            <a:r>
+              <a:rPr lang="en" dirty="0"/>
+              <a:t>Component 4 Delivery info (Trello screenshot)</a:t>
+            </a:r>
+            <a:endParaRPr dirty="0"/>
+          </a:p>
+        </p:txBody>
+      </p:sp>
+      <p:pic>
+        <p:nvPicPr>
+          <p:cNvPr id="4" name="Picture 3">
+            <a:extLst>
+              <a:ext uri="{FF2B5EF4-FFF2-40B4-BE49-F238E27FC236}">
+                <a16:creationId xmlns:a16="http://schemas.microsoft.com/office/drawing/2014/main" id="{994B848F-63E8-4428-B2FD-CDB9DE1FDDA9}"/>
+              </a:ext>
+            </a:extLst>
+          </p:cNvPr>
+          <p:cNvPicPr>
+            <a:picLocks noChangeAspect="1"/>
+          </p:cNvPicPr>
+          <p:nvPr/>
+        </p:nvPicPr>
+        <p:blipFill>
+          <a:blip r:embed="rId3"/>
+          <a:stretch>
+            <a:fillRect/>
+          </a:stretch>
+        </p:blipFill>
+        <p:spPr>
+          <a:xfrm>
+            <a:off x="655319" y="1071065"/>
+            <a:ext cx="7680193" cy="3744775"/>
+          </a:xfrm>
+          <a:prstGeom prst="rect">
+            <a:avLst/>
+          </a:prstGeom>
+        </p:spPr>
+      </p:pic>
+    </p:spTree>
+    <p:extLst>
+      <p:ext uri="{BB962C8B-B14F-4D97-AF65-F5344CB8AC3E}">
+        <p14:creationId xmlns:p14="http://schemas.microsoft.com/office/powerpoint/2010/main" val="573711298"/>
+      </p:ext>
+    </p:extLst>
+  </p:cSld>
+  <p:clrMapOvr>
+    <a:masterClrMapping/>
+  </p:clrMapOvr>
+</p:sld>
+</file>
+
+<file path=ppt/slides/slide23.xml><?xml version="1.0" encoding="utf-8"?>
+<p:sld xmlns:a="http://schemas.openxmlformats.org/drawingml/2006/main" xmlns:r="http://schemas.openxmlformats.org/officeDocument/2006/relationships" xmlns:p="http://schemas.openxmlformats.org/presentationml/2006/main">
+  <p:cSld>
+    <p:spTree>
+      <p:nvGrpSpPr>
+        <p:cNvPr id="1" name="Shape 77"/>
+        <p:cNvGrpSpPr/>
+        <p:nvPr/>
+      </p:nvGrpSpPr>
+      <p:grpSpPr>
+        <a:xfrm>
+          <a:off x="0" y="0"/>
+          <a:ext cx="0" cy="0"/>
+          <a:chOff x="0" y="0"/>
+          <a:chExt cx="0" cy="0"/>
+        </a:xfrm>
+      </p:grpSpPr>
+      <p:sp>
+        <p:nvSpPr>
+          <p:cNvPr id="78" name="Google Shape;78;p17"/>
+          <p:cNvSpPr txBox="1">
+            <a:spLocks noGrp="1"/>
+          </p:cNvSpPr>
+          <p:nvPr>
+            <p:ph type="title"/>
+          </p:nvPr>
+        </p:nvSpPr>
+        <p:spPr>
+          <a:xfrm>
+            <a:off x="311700" y="117365"/>
+            <a:ext cx="8520600" cy="572700"/>
+          </a:xfrm>
+          <a:prstGeom prst="rect">
+            <a:avLst/>
+          </a:prstGeom>
+        </p:spPr>
+        <p:txBody>
+          <a:bodyPr spcFirstLastPara="1" wrap="square" lIns="91425" tIns="91425" rIns="91425" bIns="91425" anchor="t" anchorCtr="0">
+            <a:noAutofit/>
+          </a:bodyPr>
+          <a:lstStyle/>
+          <a:p>
+            <a:pPr marL="0" lvl="0" indent="0" algn="l" rtl="0">
+              <a:spcBef>
+                <a:spcPts val="0"/>
+              </a:spcBef>
+              <a:spcAft>
+                <a:spcPts val="0"/>
+              </a:spcAft>
+              <a:buNone/>
+            </a:pPr>
+            <a:r>
+              <a:rPr lang="en" sz="2400" dirty="0"/>
+              <a:t>Component 4 v1 - Test Plan (and screenshot)</a:t>
+            </a:r>
+            <a:endParaRPr sz="2400" dirty="0"/>
+          </a:p>
+        </p:txBody>
+      </p:sp>
+      <p:graphicFrame>
+        <p:nvGraphicFramePr>
+          <p:cNvPr id="79" name="Google Shape;79;p17"/>
+          <p:cNvGraphicFramePr/>
+          <p:nvPr>
+            <p:extLst>
+              <p:ext uri="{D42A27DB-BD31-4B8C-83A1-F6EECF244321}">
+                <p14:modId xmlns:p14="http://schemas.microsoft.com/office/powerpoint/2010/main" val="742396958"/>
+              </p:ext>
+            </p:extLst>
+          </p:nvPr>
+        </p:nvGraphicFramePr>
+        <p:xfrm>
+          <a:off x="426000" y="3255675"/>
+          <a:ext cx="8520600" cy="1828740"/>
+        </p:xfrm>
+        <a:graphic>
+          <a:graphicData uri="http://schemas.openxmlformats.org/drawingml/2006/table">
+            <a:tbl>
+              <a:tblPr>
+                <a:noFill/>
+                <a:tableStyleId>{E1099E06-0E6B-448D-9D27-60429F06E6F4}</a:tableStyleId>
+              </a:tblPr>
+              <a:tblGrid>
+                <a:gridCol w="4260300">
+                  <a:extLst>
+                    <a:ext uri="{9D8B030D-6E8A-4147-A177-3AD203B41FA5}">
+                      <a16:colId xmlns:a16="http://schemas.microsoft.com/office/drawing/2014/main" val="20000"/>
+                    </a:ext>
+                  </a:extLst>
+                </a:gridCol>
+                <a:gridCol w="4260300">
+                  <a:extLst>
+                    <a:ext uri="{9D8B030D-6E8A-4147-A177-3AD203B41FA5}">
+                      <a16:colId xmlns:a16="http://schemas.microsoft.com/office/drawing/2014/main" val="20001"/>
+                    </a:ext>
+                  </a:extLst>
+                </a:gridCol>
+              </a:tblGrid>
+              <a:tr h="381000">
+                <a:tc>
+                  <a:txBody>
+                    <a:bodyPr/>
+                    <a:lstStyle/>
+                    <a:p>
+                      <a:pPr marL="0" lvl="0" indent="0" algn="l" rtl="0">
+                        <a:spcBef>
+                          <a:spcPts val="0"/>
+                        </a:spcBef>
+                        <a:spcAft>
+                          <a:spcPts val="0"/>
+                        </a:spcAft>
+                        <a:buNone/>
+                      </a:pPr>
+                      <a:r>
+                        <a:rPr lang="en" sz="1800" b="1" dirty="0"/>
+                        <a:t>Test Case</a:t>
+                      </a:r>
+                      <a:endParaRPr sz="1800" b="1" dirty="0"/>
+                    </a:p>
+                  </a:txBody>
+                  <a:tcPr marL="91425" marR="91425" marT="91425" marB="91425">
+                    <a:solidFill>
+                      <a:srgbClr val="CCCCCC"/>
+                    </a:solidFill>
+                  </a:tcPr>
+                </a:tc>
+                <a:tc>
+                  <a:txBody>
+                    <a:bodyPr/>
+                    <a:lstStyle/>
+                    <a:p>
+                      <a:pPr marL="0" lvl="0" indent="0" algn="l" rtl="0">
+                        <a:spcBef>
+                          <a:spcPts val="0"/>
+                        </a:spcBef>
+                        <a:spcAft>
+                          <a:spcPts val="0"/>
+                        </a:spcAft>
+                        <a:buNone/>
+                      </a:pPr>
+                      <a:r>
+                        <a:rPr lang="en" sz="1800" b="1"/>
+                        <a:t>Expected Values</a:t>
+                      </a:r>
+                      <a:endParaRPr sz="1800" b="1"/>
+                    </a:p>
+                  </a:txBody>
+                  <a:tcPr marL="91425" marR="91425" marT="91425" marB="91425">
+                    <a:solidFill>
+                      <a:srgbClr val="CCCCCC"/>
+                    </a:solidFill>
+                  </a:tcPr>
+                </a:tc>
+                <a:extLst>
+                  <a:ext uri="{0D108BD9-81ED-4DB2-BD59-A6C34878D82A}">
+                    <a16:rowId xmlns:a16="http://schemas.microsoft.com/office/drawing/2014/main" val="10000"/>
+                  </a:ext>
+                </a:extLst>
+              </a:tr>
+              <a:tr h="396200">
+                <a:tc>
+                  <a:txBody>
+                    <a:bodyPr/>
+                    <a:lstStyle/>
+                    <a:p>
+                      <a:pPr marL="0" lvl="0" indent="0" algn="l" rtl="0">
+                        <a:spcBef>
+                          <a:spcPts val="0"/>
+                        </a:spcBef>
+                        <a:spcAft>
+                          <a:spcPts val="0"/>
+                        </a:spcAft>
+                        <a:buNone/>
+                      </a:pPr>
+                      <a:r>
+                        <a:rPr lang="en-NZ" sz="1300" dirty="0"/>
+                        <a:t>Input name</a:t>
+                      </a:r>
+                    </a:p>
+                    <a:p>
+                      <a:pPr marL="0" lvl="0" indent="0" algn="l" rtl="0">
+                        <a:spcBef>
+                          <a:spcPts val="0"/>
+                        </a:spcBef>
+                        <a:spcAft>
+                          <a:spcPts val="0"/>
+                        </a:spcAft>
+                        <a:buNone/>
+                      </a:pPr>
+                      <a:r>
+                        <a:rPr lang="en-NZ" sz="1300" dirty="0"/>
+                        <a:t>Input phone number</a:t>
+                      </a:r>
+                    </a:p>
+                    <a:p>
+                      <a:pPr marL="0" lvl="0" indent="0" algn="l" rtl="0">
+                        <a:spcBef>
+                          <a:spcPts val="0"/>
+                        </a:spcBef>
+                        <a:spcAft>
+                          <a:spcPts val="0"/>
+                        </a:spcAft>
+                        <a:buNone/>
+                      </a:pPr>
+                      <a:r>
+                        <a:rPr lang="en-NZ" sz="1300" dirty="0"/>
+                        <a:t>Input house number</a:t>
+                      </a:r>
+                    </a:p>
+                    <a:p>
+                      <a:pPr marL="0" lvl="0" indent="0" algn="l" rtl="0">
+                        <a:spcBef>
+                          <a:spcPts val="0"/>
+                        </a:spcBef>
+                        <a:spcAft>
+                          <a:spcPts val="0"/>
+                        </a:spcAft>
+                        <a:buNone/>
+                      </a:pPr>
+                      <a:r>
+                        <a:rPr lang="en-NZ" sz="1300" dirty="0"/>
+                        <a:t>Street name</a:t>
+                      </a:r>
+                    </a:p>
+                    <a:p>
+                      <a:pPr marL="0" lvl="0" indent="0" algn="l" rtl="0">
+                        <a:spcBef>
+                          <a:spcPts val="0"/>
+                        </a:spcBef>
+                        <a:spcAft>
+                          <a:spcPts val="0"/>
+                        </a:spcAft>
+                        <a:buNone/>
+                      </a:pPr>
+                      <a:r>
+                        <a:rPr lang="en-NZ" sz="1300" dirty="0"/>
+                        <a:t>Suburb name</a:t>
+                      </a:r>
+                    </a:p>
+                    <a:p>
+                      <a:pPr marL="0" lvl="0" indent="0" algn="l" rtl="0">
+                        <a:spcBef>
+                          <a:spcPts val="0"/>
+                        </a:spcBef>
+                        <a:spcAft>
+                          <a:spcPts val="0"/>
+                        </a:spcAft>
+                        <a:buNone/>
+                      </a:pPr>
+                      <a:r>
+                        <a:rPr lang="en-NZ" sz="1300" dirty="0"/>
+                        <a:t>Left input blank</a:t>
+                      </a:r>
+                      <a:endParaRPr sz="1300" dirty="0"/>
+                    </a:p>
+                  </a:txBody>
+                  <a:tcPr marL="91425" marR="91425" marT="91425" marB="91425"/>
+                </a:tc>
+                <a:tc>
+                  <a:txBody>
+                    <a:bodyPr/>
+                    <a:lstStyle/>
+                    <a:p>
+                      <a:pPr marL="0" lvl="0" indent="0" algn="l" rtl="0">
+                        <a:spcBef>
+                          <a:spcPts val="0"/>
+                        </a:spcBef>
+                        <a:spcAft>
+                          <a:spcPts val="0"/>
+                        </a:spcAft>
+                        <a:buNone/>
+                      </a:pPr>
+                      <a:r>
+                        <a:rPr lang="en-NZ" sz="1300" dirty="0"/>
+                        <a:t>Printed name correctly</a:t>
+                      </a:r>
+                    </a:p>
+                    <a:p>
+                      <a:pPr marL="0" lvl="0" indent="0" algn="l" rtl="0">
+                        <a:spcBef>
+                          <a:spcPts val="0"/>
+                        </a:spcBef>
+                        <a:spcAft>
+                          <a:spcPts val="0"/>
+                        </a:spcAft>
+                        <a:buNone/>
+                      </a:pPr>
+                      <a:r>
+                        <a:rPr lang="en-NZ" sz="1300" dirty="0"/>
+                        <a:t>Printed phone number correctly </a:t>
+                      </a:r>
+                    </a:p>
+                    <a:p>
+                      <a:pPr marL="0" lvl="0" indent="0" algn="l" rtl="0">
+                        <a:spcBef>
+                          <a:spcPts val="0"/>
+                        </a:spcBef>
+                        <a:spcAft>
+                          <a:spcPts val="0"/>
+                        </a:spcAft>
+                        <a:buNone/>
+                      </a:pPr>
+                      <a:r>
+                        <a:rPr lang="en-NZ" sz="1300" dirty="0"/>
+                        <a:t>Accept blank and printed blank input</a:t>
+                      </a:r>
+                    </a:p>
+                    <a:p>
+                      <a:pPr marL="0" lvl="0" indent="0" algn="l" rtl="0">
+                        <a:spcBef>
+                          <a:spcPts val="0"/>
+                        </a:spcBef>
+                        <a:spcAft>
+                          <a:spcPts val="0"/>
+                        </a:spcAft>
+                        <a:buNone/>
+                      </a:pPr>
+                      <a:r>
+                        <a:rPr lang="en-NZ" sz="1300" dirty="0"/>
+                        <a:t>Printed street name</a:t>
+                      </a:r>
+                    </a:p>
+                    <a:p>
+                      <a:pPr marL="0" lvl="0" indent="0" algn="l" rtl="0">
+                        <a:spcBef>
+                          <a:spcPts val="0"/>
+                        </a:spcBef>
+                        <a:spcAft>
+                          <a:spcPts val="0"/>
+                        </a:spcAft>
+                        <a:buNone/>
+                      </a:pPr>
+                      <a:r>
+                        <a:rPr lang="en-NZ" sz="1300" dirty="0"/>
+                        <a:t>Printed suburb name</a:t>
+                      </a:r>
+                    </a:p>
+                    <a:p>
+                      <a:pPr marL="0" lvl="0" indent="0" algn="l" rtl="0">
+                        <a:spcBef>
+                          <a:spcPts val="0"/>
+                        </a:spcBef>
+                        <a:spcAft>
+                          <a:spcPts val="0"/>
+                        </a:spcAft>
+                        <a:buNone/>
+                      </a:pPr>
+                      <a:r>
+                        <a:rPr lang="en-NZ" sz="1300" dirty="0"/>
+                        <a:t>Asked for </a:t>
+                      </a:r>
+                      <a:r>
+                        <a:rPr lang="en-NZ" sz="1300"/>
+                        <a:t>input again	</a:t>
+                      </a:r>
+                      <a:endParaRPr sz="1300" dirty="0"/>
+                    </a:p>
+                  </a:txBody>
+                  <a:tcPr marL="91425" marR="91425" marT="91425" marB="91425"/>
+                </a:tc>
+                <a:extLst>
+                  <a:ext uri="{0D108BD9-81ED-4DB2-BD59-A6C34878D82A}">
+                    <a16:rowId xmlns:a16="http://schemas.microsoft.com/office/drawing/2014/main" val="10001"/>
+                  </a:ext>
+                </a:extLst>
+              </a:tr>
+            </a:tbl>
+          </a:graphicData>
+        </a:graphic>
+      </p:graphicFrame>
+      <p:pic>
+        <p:nvPicPr>
+          <p:cNvPr id="3" name="Picture 2">
+            <a:extLst>
+              <a:ext uri="{FF2B5EF4-FFF2-40B4-BE49-F238E27FC236}">
+                <a16:creationId xmlns:a16="http://schemas.microsoft.com/office/drawing/2014/main" id="{3DB47A2F-33DD-4DC4-9B2E-79D2DBD68C4A}"/>
+              </a:ext>
+            </a:extLst>
+          </p:cNvPr>
+          <p:cNvPicPr>
+            <a:picLocks noChangeAspect="1"/>
+          </p:cNvPicPr>
+          <p:nvPr/>
+        </p:nvPicPr>
+        <p:blipFill>
+          <a:blip r:embed="rId3"/>
+          <a:stretch>
+            <a:fillRect/>
+          </a:stretch>
+        </p:blipFill>
+        <p:spPr>
+          <a:xfrm>
+            <a:off x="687104" y="690065"/>
+            <a:ext cx="2787616" cy="2500925"/>
+          </a:xfrm>
+          <a:prstGeom prst="rect">
+            <a:avLst/>
+          </a:prstGeom>
+        </p:spPr>
+      </p:pic>
+      <p:pic>
+        <p:nvPicPr>
+          <p:cNvPr id="5" name="Picture 4">
+            <a:extLst>
+              <a:ext uri="{FF2B5EF4-FFF2-40B4-BE49-F238E27FC236}">
+                <a16:creationId xmlns:a16="http://schemas.microsoft.com/office/drawing/2014/main" id="{A20F300F-D754-409F-B71A-A41DC2146712}"/>
+              </a:ext>
+            </a:extLst>
+          </p:cNvPr>
+          <p:cNvPicPr>
+            <a:picLocks noChangeAspect="1"/>
+          </p:cNvPicPr>
+          <p:nvPr/>
+        </p:nvPicPr>
+        <p:blipFill>
+          <a:blip r:embed="rId4"/>
+          <a:stretch>
+            <a:fillRect/>
+          </a:stretch>
+        </p:blipFill>
+        <p:spPr>
+          <a:xfrm>
+            <a:off x="4067244" y="887560"/>
+            <a:ext cx="4172532" cy="2000529"/>
+          </a:xfrm>
+          <a:prstGeom prst="rect">
+            <a:avLst/>
+          </a:prstGeom>
+        </p:spPr>
+      </p:pic>
+    </p:spTree>
+    <p:extLst>
+      <p:ext uri="{BB962C8B-B14F-4D97-AF65-F5344CB8AC3E}">
+        <p14:creationId xmlns:p14="http://schemas.microsoft.com/office/powerpoint/2010/main" val="3054406559"/>
+      </p:ext>
+    </p:extLst>
+  </p:cSld>
+  <p:clrMapOvr>
+    <a:masterClrMapping/>
+  </p:clrMapOvr>
+</p:sld>
+</file>
+
+<file path=ppt/slides/slide24.xml><?xml version="1.0" encoding="utf-8"?>
+<p:sld xmlns:a="http://schemas.openxmlformats.org/drawingml/2006/main" xmlns:r="http://schemas.openxmlformats.org/officeDocument/2006/relationships" xmlns:p="http://schemas.openxmlformats.org/presentationml/2006/main">
+  <p:cSld>
     <p:bg>
       <p:bgPr>
         <a:solidFill>
@@ -12551,7 +13402,7 @@
 </p:sld>
 </file>
 
-<file path=ppt/slides/slide23.xml><?xml version="1.0" encoding="utf-8"?>
+<file path=ppt/slides/slide25.xml><?xml version="1.0" encoding="utf-8"?>
 <p:sld xmlns:a="http://schemas.openxmlformats.org/drawingml/2006/main" xmlns:r="http://schemas.openxmlformats.org/officeDocument/2006/relationships" xmlns:p="http://schemas.openxmlformats.org/presentationml/2006/main">
   <p:cSld>
     <p:bg>

--- a/022_91893+_+91897+Documentation.pptx
+++ b/022_91893+_+91897+Documentation.pptx
@@ -5,7 +5,7 @@
     <p:sldMasterId id="2147483659" r:id="rId1"/>
   </p:sldMasterIdLst>
   <p:notesMasterIdLst>
-    <p:notesMasterId r:id="rId27"/>
+    <p:notesMasterId r:id="rId31"/>
   </p:notesMasterIdLst>
   <p:sldIdLst>
     <p:sldId id="256" r:id="rId2"/>
@@ -31,8 +31,12 @@
     <p:sldId id="280" r:id="rId22"/>
     <p:sldId id="281" r:id="rId23"/>
     <p:sldId id="282" r:id="rId24"/>
-    <p:sldId id="261" r:id="rId25"/>
-    <p:sldId id="262" r:id="rId26"/>
+    <p:sldId id="283" r:id="rId25"/>
+    <p:sldId id="284" r:id="rId26"/>
+    <p:sldId id="285" r:id="rId27"/>
+    <p:sldId id="286" r:id="rId28"/>
+    <p:sldId id="261" r:id="rId29"/>
+    <p:sldId id="262" r:id="rId30"/>
   </p:sldIdLst>
   <p:sldSz cx="9144000" cy="5143500" type="screen16x9"/>
   <p:notesSz cx="6858000" cy="9144000"/>
@@ -297,7 +301,7 @@
   <pc:docChgLst>
     <pc:chgData name="Danett Pepito" userId="ddef1e2176689e9a" providerId="LiveId" clId="{53BB49C2-00DF-4AB6-9D9D-351DBF063D16}"/>
     <pc:docChg chg="undo custSel addSld delSld modSld sldOrd">
-      <pc:chgData name="Danett Pepito" userId="ddef1e2176689e9a" providerId="LiveId" clId="{53BB49C2-00DF-4AB6-9D9D-351DBF063D16}" dt="2022-02-28T21:56:11.393" v="1346" actId="20577"/>
+      <pc:chgData name="Danett Pepito" userId="ddef1e2176689e9a" providerId="LiveId" clId="{53BB49C2-00DF-4AB6-9D9D-351DBF063D16}" dt="2022-03-01T20:33:48.422" v="1407" actId="1076"/>
       <pc:docMkLst>
         <pc:docMk/>
       </pc:docMkLst>
@@ -1235,6 +1239,146 @@
           </ac:picMkLst>
         </pc:picChg>
       </pc:sldChg>
+      <pc:sldChg chg="addSp delSp modSp add mod">
+        <pc:chgData name="Danett Pepito" userId="ddef1e2176689e9a" providerId="LiveId" clId="{53BB49C2-00DF-4AB6-9D9D-351DBF063D16}" dt="2022-03-01T20:11:14.747" v="1364" actId="1076"/>
+        <pc:sldMkLst>
+          <pc:docMk/>
+          <pc:sldMk cId="872163139" sldId="283"/>
+        </pc:sldMkLst>
+        <pc:spChg chg="mod">
+          <ac:chgData name="Danett Pepito" userId="ddef1e2176689e9a" providerId="LiveId" clId="{53BB49C2-00DF-4AB6-9D9D-351DBF063D16}" dt="2022-03-01T20:10:26.175" v="1356" actId="20577"/>
+          <ac:spMkLst>
+            <pc:docMk/>
+            <pc:sldMk cId="872163139" sldId="283"/>
+            <ac:spMk id="73" creationId="{00000000-0000-0000-0000-000000000000}"/>
+          </ac:spMkLst>
+        </pc:spChg>
+        <pc:picChg chg="add mod">
+          <ac:chgData name="Danett Pepito" userId="ddef1e2176689e9a" providerId="LiveId" clId="{53BB49C2-00DF-4AB6-9D9D-351DBF063D16}" dt="2022-03-01T20:11:14.747" v="1364" actId="1076"/>
+          <ac:picMkLst>
+            <pc:docMk/>
+            <pc:sldMk cId="872163139" sldId="283"/>
+            <ac:picMk id="3" creationId="{68F19E0E-F021-4DF4-944A-26E005F119F0}"/>
+          </ac:picMkLst>
+        </pc:picChg>
+        <pc:picChg chg="del">
+          <ac:chgData name="Danett Pepito" userId="ddef1e2176689e9a" providerId="LiveId" clId="{53BB49C2-00DF-4AB6-9D9D-351DBF063D16}" dt="2022-03-01T20:11:09.305" v="1361" actId="478"/>
+          <ac:picMkLst>
+            <pc:docMk/>
+            <pc:sldMk cId="872163139" sldId="283"/>
+            <ac:picMk id="4" creationId="{994B848F-63E8-4428-B2FD-CDB9DE1FDDA9}"/>
+          </ac:picMkLst>
+        </pc:picChg>
+      </pc:sldChg>
+      <pc:sldChg chg="addSp delSp modSp add mod replId">
+        <pc:chgData name="Danett Pepito" userId="ddef1e2176689e9a" providerId="LiveId" clId="{53BB49C2-00DF-4AB6-9D9D-351DBF063D16}" dt="2022-03-01T20:21:07.754" v="1395" actId="20577"/>
+        <pc:sldMkLst>
+          <pc:docMk/>
+          <pc:sldMk cId="425023443" sldId="284"/>
+        </pc:sldMkLst>
+        <pc:spChg chg="mod">
+          <ac:chgData name="Danett Pepito" userId="ddef1e2176689e9a" providerId="LiveId" clId="{53BB49C2-00DF-4AB6-9D9D-351DBF063D16}" dt="2022-03-01T20:10:30.603" v="1358" actId="20577"/>
+          <ac:spMkLst>
+            <pc:docMk/>
+            <pc:sldMk cId="425023443" sldId="284"/>
+            <ac:spMk id="78" creationId="{00000000-0000-0000-0000-000000000000}"/>
+          </ac:spMkLst>
+        </pc:spChg>
+        <pc:graphicFrameChg chg="modGraphic">
+          <ac:chgData name="Danett Pepito" userId="ddef1e2176689e9a" providerId="LiveId" clId="{53BB49C2-00DF-4AB6-9D9D-351DBF063D16}" dt="2022-03-01T20:21:07.754" v="1395" actId="20577"/>
+          <ac:graphicFrameMkLst>
+            <pc:docMk/>
+            <pc:sldMk cId="425023443" sldId="284"/>
+            <ac:graphicFrameMk id="79" creationId="{00000000-0000-0000-0000-000000000000}"/>
+          </ac:graphicFrameMkLst>
+        </pc:graphicFrameChg>
+        <pc:picChg chg="del">
+          <ac:chgData name="Danett Pepito" userId="ddef1e2176689e9a" providerId="LiveId" clId="{53BB49C2-00DF-4AB6-9D9D-351DBF063D16}" dt="2022-03-01T20:10:38.486" v="1359" actId="478"/>
+          <ac:picMkLst>
+            <pc:docMk/>
+            <pc:sldMk cId="425023443" sldId="284"/>
+            <ac:picMk id="3" creationId="{3DB47A2F-33DD-4DC4-9B2E-79D2DBD68C4A}"/>
+          </ac:picMkLst>
+        </pc:picChg>
+        <pc:picChg chg="add mod">
+          <ac:chgData name="Danett Pepito" userId="ddef1e2176689e9a" providerId="LiveId" clId="{53BB49C2-00DF-4AB6-9D9D-351DBF063D16}" dt="2022-03-01T20:19:57.759" v="1371" actId="1076"/>
+          <ac:picMkLst>
+            <pc:docMk/>
+            <pc:sldMk cId="425023443" sldId="284"/>
+            <ac:picMk id="4" creationId="{A63FC167-7201-4185-AD0D-A1A5C0118B50}"/>
+          </ac:picMkLst>
+        </pc:picChg>
+        <pc:picChg chg="del">
+          <ac:chgData name="Danett Pepito" userId="ddef1e2176689e9a" providerId="LiveId" clId="{53BB49C2-00DF-4AB6-9D9D-351DBF063D16}" dt="2022-03-01T20:10:39.351" v="1360" actId="478"/>
+          <ac:picMkLst>
+            <pc:docMk/>
+            <pc:sldMk cId="425023443" sldId="284"/>
+            <ac:picMk id="5" creationId="{A20F300F-D754-409F-B71A-A41DC2146712}"/>
+          </ac:picMkLst>
+        </pc:picChg>
+        <pc:picChg chg="add mod">
+          <ac:chgData name="Danett Pepito" userId="ddef1e2176689e9a" providerId="LiveId" clId="{53BB49C2-00DF-4AB6-9D9D-351DBF063D16}" dt="2022-03-01T20:20:14.116" v="1373" actId="1076"/>
+          <ac:picMkLst>
+            <pc:docMk/>
+            <pc:sldMk cId="425023443" sldId="284"/>
+            <ac:picMk id="7" creationId="{E6EE6A81-9169-451B-B19E-1EEC663162DB}"/>
+          </ac:picMkLst>
+        </pc:picChg>
+      </pc:sldChg>
+      <pc:sldChg chg="delSp add mod">
+        <pc:chgData name="Danett Pepito" userId="ddef1e2176689e9a" providerId="LiveId" clId="{53BB49C2-00DF-4AB6-9D9D-351DBF063D16}" dt="2022-03-01T20:32:33.252" v="1397" actId="478"/>
+        <pc:sldMkLst>
+          <pc:docMk/>
+          <pc:sldMk cId="597073633" sldId="285"/>
+        </pc:sldMkLst>
+        <pc:picChg chg="del">
+          <ac:chgData name="Danett Pepito" userId="ddef1e2176689e9a" providerId="LiveId" clId="{53BB49C2-00DF-4AB6-9D9D-351DBF063D16}" dt="2022-03-01T20:32:33.252" v="1397" actId="478"/>
+          <ac:picMkLst>
+            <pc:docMk/>
+            <pc:sldMk cId="597073633" sldId="285"/>
+            <ac:picMk id="3" creationId="{68F19E0E-F021-4DF4-944A-26E005F119F0}"/>
+          </ac:picMkLst>
+        </pc:picChg>
+      </pc:sldChg>
+      <pc:sldChg chg="addSp delSp modSp add mod replId">
+        <pc:chgData name="Danett Pepito" userId="ddef1e2176689e9a" providerId="LiveId" clId="{53BB49C2-00DF-4AB6-9D9D-351DBF063D16}" dt="2022-03-01T20:33:48.422" v="1407" actId="1076"/>
+        <pc:sldMkLst>
+          <pc:docMk/>
+          <pc:sldMk cId="1149234813" sldId="286"/>
+        </pc:sldMkLst>
+        <pc:picChg chg="add mod">
+          <ac:chgData name="Danett Pepito" userId="ddef1e2176689e9a" providerId="LiveId" clId="{53BB49C2-00DF-4AB6-9D9D-351DBF063D16}" dt="2022-03-01T20:32:41.824" v="1403" actId="1076"/>
+          <ac:picMkLst>
+            <pc:docMk/>
+            <pc:sldMk cId="1149234813" sldId="286"/>
+            <ac:picMk id="3" creationId="{D088232B-DFBC-435E-858F-CB6FBD7CAD6F}"/>
+          </ac:picMkLst>
+        </pc:picChg>
+        <pc:picChg chg="del">
+          <ac:chgData name="Danett Pepito" userId="ddef1e2176689e9a" providerId="LiveId" clId="{53BB49C2-00DF-4AB6-9D9D-351DBF063D16}" dt="2022-03-01T20:33:44.402" v="1404" actId="478"/>
+          <ac:picMkLst>
+            <pc:docMk/>
+            <pc:sldMk cId="1149234813" sldId="286"/>
+            <ac:picMk id="4" creationId="{A63FC167-7201-4185-AD0D-A1A5C0118B50}"/>
+          </ac:picMkLst>
+        </pc:picChg>
+        <pc:picChg chg="add mod">
+          <ac:chgData name="Danett Pepito" userId="ddef1e2176689e9a" providerId="LiveId" clId="{53BB49C2-00DF-4AB6-9D9D-351DBF063D16}" dt="2022-03-01T20:33:48.422" v="1407" actId="1076"/>
+          <ac:picMkLst>
+            <pc:docMk/>
+            <pc:sldMk cId="1149234813" sldId="286"/>
+            <ac:picMk id="6" creationId="{38648B43-C8D9-46A0-8904-CD24F850A19C}"/>
+          </ac:picMkLst>
+        </pc:picChg>
+        <pc:picChg chg="del">
+          <ac:chgData name="Danett Pepito" userId="ddef1e2176689e9a" providerId="LiveId" clId="{53BB49C2-00DF-4AB6-9D9D-351DBF063D16}" dt="2022-03-01T20:32:35.127" v="1398" actId="478"/>
+          <ac:picMkLst>
+            <pc:docMk/>
+            <pc:sldMk cId="1149234813" sldId="286"/>
+            <ac:picMk id="7" creationId="{E6EE6A81-9169-451B-B19E-1EEC663162DB}"/>
+          </ac:picMkLst>
+        </pc:picChg>
+      </pc:sldChg>
     </pc:docChg>
   </pc:docChgLst>
   <pc:docChgLst>
@@ -3463,6 +3607,442 @@
   <p:cSld>
     <p:spTree>
       <p:nvGrpSpPr>
+        <p:cNvPr id="1" name="Shape 69"/>
+        <p:cNvGrpSpPr/>
+        <p:nvPr/>
+      </p:nvGrpSpPr>
+      <p:grpSpPr>
+        <a:xfrm>
+          <a:off x="0" y="0"/>
+          <a:ext cx="0" cy="0"/>
+          <a:chOff x="0" y="0"/>
+          <a:chExt cx="0" cy="0"/>
+        </a:xfrm>
+      </p:grpSpPr>
+      <p:sp>
+        <p:nvSpPr>
+          <p:cNvPr id="70" name="Google Shape;70;gac10fef634_0_16:notes"/>
+          <p:cNvSpPr>
+            <a:spLocks noGrp="1" noRot="1" noChangeAspect="1"/>
+          </p:cNvSpPr>
+          <p:nvPr>
+            <p:ph type="sldImg" idx="2"/>
+          </p:nvPr>
+        </p:nvSpPr>
+        <p:spPr>
+          <a:xfrm>
+            <a:off x="381000" y="685800"/>
+            <a:ext cx="6096000" cy="3429000"/>
+          </a:xfrm>
+          <a:custGeom>
+            <a:avLst/>
+            <a:gdLst/>
+            <a:ahLst/>
+            <a:cxnLst/>
+            <a:rect l="l" t="t" r="r" b="b"/>
+            <a:pathLst>
+              <a:path w="120000" h="120000" extrusionOk="0">
+                <a:moveTo>
+                  <a:pt x="0" y="0"/>
+                </a:moveTo>
+                <a:lnTo>
+                  <a:pt x="120000" y="0"/>
+                </a:lnTo>
+                <a:lnTo>
+                  <a:pt x="120000" y="120000"/>
+                </a:lnTo>
+                <a:lnTo>
+                  <a:pt x="0" y="120000"/>
+                </a:lnTo>
+                <a:close/>
+              </a:path>
+            </a:pathLst>
+          </a:custGeom>
+        </p:spPr>
+      </p:sp>
+      <p:sp>
+        <p:nvSpPr>
+          <p:cNvPr id="71" name="Google Shape;71;gac10fef634_0_16:notes"/>
+          <p:cNvSpPr txBox="1">
+            <a:spLocks noGrp="1"/>
+          </p:cNvSpPr>
+          <p:nvPr>
+            <p:ph type="body" idx="1"/>
+          </p:nvPr>
+        </p:nvSpPr>
+        <p:spPr>
+          <a:xfrm>
+            <a:off x="685800" y="4343400"/>
+            <a:ext cx="5486400" cy="4114800"/>
+          </a:xfrm>
+          <a:prstGeom prst="rect">
+            <a:avLst/>
+          </a:prstGeom>
+        </p:spPr>
+        <p:txBody>
+          <a:bodyPr spcFirstLastPara="1" wrap="square" lIns="91425" tIns="91425" rIns="91425" bIns="91425" anchor="t" anchorCtr="0">
+            <a:noAutofit/>
+          </a:bodyPr>
+          <a:lstStyle/>
+          <a:p>
+            <a:pPr marL="0" lvl="0" indent="0" algn="l" rtl="0">
+              <a:spcBef>
+                <a:spcPts val="0"/>
+              </a:spcBef>
+              <a:spcAft>
+                <a:spcPts val="0"/>
+              </a:spcAft>
+              <a:buNone/>
+            </a:pPr>
+            <a:endParaRPr/>
+          </a:p>
+        </p:txBody>
+      </p:sp>
+    </p:spTree>
+    <p:extLst>
+      <p:ext uri="{BB962C8B-B14F-4D97-AF65-F5344CB8AC3E}">
+        <p14:creationId xmlns:p14="http://schemas.microsoft.com/office/powerpoint/2010/main" val="4183629312"/>
+      </p:ext>
+    </p:extLst>
+  </p:cSld>
+  <p:clrMapOvr>
+    <a:masterClrMapping/>
+  </p:clrMapOvr>
+</p:notes>
+</file>
+
+<file path=ppt/notesSlides/notesSlide25.xml><?xml version="1.0" encoding="utf-8"?>
+<p:notes xmlns:a="http://schemas.openxmlformats.org/drawingml/2006/main" xmlns:r="http://schemas.openxmlformats.org/officeDocument/2006/relationships" xmlns:p="http://schemas.openxmlformats.org/presentationml/2006/main" showMasterSp="0" showMasterPhAnim="0">
+  <p:cSld>
+    <p:spTree>
+      <p:nvGrpSpPr>
+        <p:cNvPr id="1" name="Shape 74"/>
+        <p:cNvGrpSpPr/>
+        <p:nvPr/>
+      </p:nvGrpSpPr>
+      <p:grpSpPr>
+        <a:xfrm>
+          <a:off x="0" y="0"/>
+          <a:ext cx="0" cy="0"/>
+          <a:chOff x="0" y="0"/>
+          <a:chExt cx="0" cy="0"/>
+        </a:xfrm>
+      </p:grpSpPr>
+      <p:sp>
+        <p:nvSpPr>
+          <p:cNvPr id="75" name="Google Shape;75;gac10fef634_0_20:notes"/>
+          <p:cNvSpPr>
+            <a:spLocks noGrp="1" noRot="1" noChangeAspect="1"/>
+          </p:cNvSpPr>
+          <p:nvPr>
+            <p:ph type="sldImg" idx="2"/>
+          </p:nvPr>
+        </p:nvSpPr>
+        <p:spPr>
+          <a:xfrm>
+            <a:off x="381000" y="685800"/>
+            <a:ext cx="6096000" cy="3429000"/>
+          </a:xfrm>
+          <a:custGeom>
+            <a:avLst/>
+            <a:gdLst/>
+            <a:ahLst/>
+            <a:cxnLst/>
+            <a:rect l="l" t="t" r="r" b="b"/>
+            <a:pathLst>
+              <a:path w="120000" h="120000" extrusionOk="0">
+                <a:moveTo>
+                  <a:pt x="0" y="0"/>
+                </a:moveTo>
+                <a:lnTo>
+                  <a:pt x="120000" y="0"/>
+                </a:lnTo>
+                <a:lnTo>
+                  <a:pt x="120000" y="120000"/>
+                </a:lnTo>
+                <a:lnTo>
+                  <a:pt x="0" y="120000"/>
+                </a:lnTo>
+                <a:close/>
+              </a:path>
+            </a:pathLst>
+          </a:custGeom>
+        </p:spPr>
+      </p:sp>
+      <p:sp>
+        <p:nvSpPr>
+          <p:cNvPr id="76" name="Google Shape;76;gac10fef634_0_20:notes"/>
+          <p:cNvSpPr txBox="1">
+            <a:spLocks noGrp="1"/>
+          </p:cNvSpPr>
+          <p:nvPr>
+            <p:ph type="body" idx="1"/>
+          </p:nvPr>
+        </p:nvSpPr>
+        <p:spPr>
+          <a:xfrm>
+            <a:off x="685800" y="4343400"/>
+            <a:ext cx="5486400" cy="4114800"/>
+          </a:xfrm>
+          <a:prstGeom prst="rect">
+            <a:avLst/>
+          </a:prstGeom>
+        </p:spPr>
+        <p:txBody>
+          <a:bodyPr spcFirstLastPara="1" wrap="square" lIns="91425" tIns="91425" rIns="91425" bIns="91425" anchor="t" anchorCtr="0">
+            <a:noAutofit/>
+          </a:bodyPr>
+          <a:lstStyle/>
+          <a:p>
+            <a:pPr marL="0" lvl="0" indent="0" algn="l" rtl="0">
+              <a:spcBef>
+                <a:spcPts val="0"/>
+              </a:spcBef>
+              <a:spcAft>
+                <a:spcPts val="0"/>
+              </a:spcAft>
+              <a:buNone/>
+            </a:pPr>
+            <a:endParaRPr/>
+          </a:p>
+        </p:txBody>
+      </p:sp>
+    </p:spTree>
+    <p:extLst>
+      <p:ext uri="{BB962C8B-B14F-4D97-AF65-F5344CB8AC3E}">
+        <p14:creationId xmlns:p14="http://schemas.microsoft.com/office/powerpoint/2010/main" val="1715034860"/>
+      </p:ext>
+    </p:extLst>
+  </p:cSld>
+  <p:clrMapOvr>
+    <a:masterClrMapping/>
+  </p:clrMapOvr>
+</p:notes>
+</file>
+
+<file path=ppt/notesSlides/notesSlide26.xml><?xml version="1.0" encoding="utf-8"?>
+<p:notes xmlns:a="http://schemas.openxmlformats.org/drawingml/2006/main" xmlns:r="http://schemas.openxmlformats.org/officeDocument/2006/relationships" xmlns:p="http://schemas.openxmlformats.org/presentationml/2006/main" showMasterSp="0" showMasterPhAnim="0">
+  <p:cSld>
+    <p:spTree>
+      <p:nvGrpSpPr>
+        <p:cNvPr id="1" name="Shape 69"/>
+        <p:cNvGrpSpPr/>
+        <p:nvPr/>
+      </p:nvGrpSpPr>
+      <p:grpSpPr>
+        <a:xfrm>
+          <a:off x="0" y="0"/>
+          <a:ext cx="0" cy="0"/>
+          <a:chOff x="0" y="0"/>
+          <a:chExt cx="0" cy="0"/>
+        </a:xfrm>
+      </p:grpSpPr>
+      <p:sp>
+        <p:nvSpPr>
+          <p:cNvPr id="70" name="Google Shape;70;gac10fef634_0_16:notes"/>
+          <p:cNvSpPr>
+            <a:spLocks noGrp="1" noRot="1" noChangeAspect="1"/>
+          </p:cNvSpPr>
+          <p:nvPr>
+            <p:ph type="sldImg" idx="2"/>
+          </p:nvPr>
+        </p:nvSpPr>
+        <p:spPr>
+          <a:xfrm>
+            <a:off x="381000" y="685800"/>
+            <a:ext cx="6096000" cy="3429000"/>
+          </a:xfrm>
+          <a:custGeom>
+            <a:avLst/>
+            <a:gdLst/>
+            <a:ahLst/>
+            <a:cxnLst/>
+            <a:rect l="l" t="t" r="r" b="b"/>
+            <a:pathLst>
+              <a:path w="120000" h="120000" extrusionOk="0">
+                <a:moveTo>
+                  <a:pt x="0" y="0"/>
+                </a:moveTo>
+                <a:lnTo>
+                  <a:pt x="120000" y="0"/>
+                </a:lnTo>
+                <a:lnTo>
+                  <a:pt x="120000" y="120000"/>
+                </a:lnTo>
+                <a:lnTo>
+                  <a:pt x="0" y="120000"/>
+                </a:lnTo>
+                <a:close/>
+              </a:path>
+            </a:pathLst>
+          </a:custGeom>
+        </p:spPr>
+      </p:sp>
+      <p:sp>
+        <p:nvSpPr>
+          <p:cNvPr id="71" name="Google Shape;71;gac10fef634_0_16:notes"/>
+          <p:cNvSpPr txBox="1">
+            <a:spLocks noGrp="1"/>
+          </p:cNvSpPr>
+          <p:nvPr>
+            <p:ph type="body" idx="1"/>
+          </p:nvPr>
+        </p:nvSpPr>
+        <p:spPr>
+          <a:xfrm>
+            <a:off x="685800" y="4343400"/>
+            <a:ext cx="5486400" cy="4114800"/>
+          </a:xfrm>
+          <a:prstGeom prst="rect">
+            <a:avLst/>
+          </a:prstGeom>
+        </p:spPr>
+        <p:txBody>
+          <a:bodyPr spcFirstLastPara="1" wrap="square" lIns="91425" tIns="91425" rIns="91425" bIns="91425" anchor="t" anchorCtr="0">
+            <a:noAutofit/>
+          </a:bodyPr>
+          <a:lstStyle/>
+          <a:p>
+            <a:pPr marL="0" lvl="0" indent="0" algn="l" rtl="0">
+              <a:spcBef>
+                <a:spcPts val="0"/>
+              </a:spcBef>
+              <a:spcAft>
+                <a:spcPts val="0"/>
+              </a:spcAft>
+              <a:buNone/>
+            </a:pPr>
+            <a:endParaRPr/>
+          </a:p>
+        </p:txBody>
+      </p:sp>
+    </p:spTree>
+    <p:extLst>
+      <p:ext uri="{BB962C8B-B14F-4D97-AF65-F5344CB8AC3E}">
+        <p14:creationId xmlns:p14="http://schemas.microsoft.com/office/powerpoint/2010/main" val="388463686"/>
+      </p:ext>
+    </p:extLst>
+  </p:cSld>
+  <p:clrMapOvr>
+    <a:masterClrMapping/>
+  </p:clrMapOvr>
+</p:notes>
+</file>
+
+<file path=ppt/notesSlides/notesSlide27.xml><?xml version="1.0" encoding="utf-8"?>
+<p:notes xmlns:a="http://schemas.openxmlformats.org/drawingml/2006/main" xmlns:r="http://schemas.openxmlformats.org/officeDocument/2006/relationships" xmlns:p="http://schemas.openxmlformats.org/presentationml/2006/main" showMasterSp="0" showMasterPhAnim="0">
+  <p:cSld>
+    <p:spTree>
+      <p:nvGrpSpPr>
+        <p:cNvPr id="1" name="Shape 74"/>
+        <p:cNvGrpSpPr/>
+        <p:nvPr/>
+      </p:nvGrpSpPr>
+      <p:grpSpPr>
+        <a:xfrm>
+          <a:off x="0" y="0"/>
+          <a:ext cx="0" cy="0"/>
+          <a:chOff x="0" y="0"/>
+          <a:chExt cx="0" cy="0"/>
+        </a:xfrm>
+      </p:grpSpPr>
+      <p:sp>
+        <p:nvSpPr>
+          <p:cNvPr id="75" name="Google Shape;75;gac10fef634_0_20:notes"/>
+          <p:cNvSpPr>
+            <a:spLocks noGrp="1" noRot="1" noChangeAspect="1"/>
+          </p:cNvSpPr>
+          <p:nvPr>
+            <p:ph type="sldImg" idx="2"/>
+          </p:nvPr>
+        </p:nvSpPr>
+        <p:spPr>
+          <a:xfrm>
+            <a:off x="381000" y="685800"/>
+            <a:ext cx="6096000" cy="3429000"/>
+          </a:xfrm>
+          <a:custGeom>
+            <a:avLst/>
+            <a:gdLst/>
+            <a:ahLst/>
+            <a:cxnLst/>
+            <a:rect l="l" t="t" r="r" b="b"/>
+            <a:pathLst>
+              <a:path w="120000" h="120000" extrusionOk="0">
+                <a:moveTo>
+                  <a:pt x="0" y="0"/>
+                </a:moveTo>
+                <a:lnTo>
+                  <a:pt x="120000" y="0"/>
+                </a:lnTo>
+                <a:lnTo>
+                  <a:pt x="120000" y="120000"/>
+                </a:lnTo>
+                <a:lnTo>
+                  <a:pt x="0" y="120000"/>
+                </a:lnTo>
+                <a:close/>
+              </a:path>
+            </a:pathLst>
+          </a:custGeom>
+        </p:spPr>
+      </p:sp>
+      <p:sp>
+        <p:nvSpPr>
+          <p:cNvPr id="76" name="Google Shape;76;gac10fef634_0_20:notes"/>
+          <p:cNvSpPr txBox="1">
+            <a:spLocks noGrp="1"/>
+          </p:cNvSpPr>
+          <p:nvPr>
+            <p:ph type="body" idx="1"/>
+          </p:nvPr>
+        </p:nvSpPr>
+        <p:spPr>
+          <a:xfrm>
+            <a:off x="685800" y="4343400"/>
+            <a:ext cx="5486400" cy="4114800"/>
+          </a:xfrm>
+          <a:prstGeom prst="rect">
+            <a:avLst/>
+          </a:prstGeom>
+        </p:spPr>
+        <p:txBody>
+          <a:bodyPr spcFirstLastPara="1" wrap="square" lIns="91425" tIns="91425" rIns="91425" bIns="91425" anchor="t" anchorCtr="0">
+            <a:noAutofit/>
+          </a:bodyPr>
+          <a:lstStyle/>
+          <a:p>
+            <a:pPr marL="0" lvl="0" indent="0" algn="l" rtl="0">
+              <a:spcBef>
+                <a:spcPts val="0"/>
+              </a:spcBef>
+              <a:spcAft>
+                <a:spcPts val="0"/>
+              </a:spcAft>
+              <a:buNone/>
+            </a:pPr>
+            <a:endParaRPr/>
+          </a:p>
+        </p:txBody>
+      </p:sp>
+    </p:spTree>
+    <p:extLst>
+      <p:ext uri="{BB962C8B-B14F-4D97-AF65-F5344CB8AC3E}">
+        <p14:creationId xmlns:p14="http://schemas.microsoft.com/office/powerpoint/2010/main" val="2870524391"/>
+      </p:ext>
+    </p:extLst>
+  </p:cSld>
+  <p:clrMapOvr>
+    <a:masterClrMapping/>
+  </p:clrMapOvr>
+</p:notes>
+</file>
+
+<file path=ppt/notesSlides/notesSlide28.xml><?xml version="1.0" encoding="utf-8"?>
+<p:notes xmlns:a="http://schemas.openxmlformats.org/drawingml/2006/main" xmlns:r="http://schemas.openxmlformats.org/officeDocument/2006/relationships" xmlns:p="http://schemas.openxmlformats.org/presentationml/2006/main" showMasterSp="0" showMasterPhAnim="0">
+  <p:cSld>
+    <p:spTree>
+      <p:nvGrpSpPr>
         <p:cNvPr id="1" name="Shape 80"/>
         <p:cNvGrpSpPr/>
         <p:nvPr/>
@@ -3583,7 +4163,7 @@
 </p:notes>
 </file>
 
-<file path=ppt/notesSlides/notesSlide25.xml><?xml version="1.0" encoding="utf-8"?>
+<file path=ppt/notesSlides/notesSlide29.xml><?xml version="1.0" encoding="utf-8"?>
 <p:notes xmlns:a="http://schemas.openxmlformats.org/drawingml/2006/main" xmlns:r="http://schemas.openxmlformats.org/officeDocument/2006/relationships" xmlns:p="http://schemas.openxmlformats.org/presentationml/2006/main" showMasterSp="0" showMasterPhAnim="0">
   <p:cSld>
     <p:spTree>
@@ -13288,6 +13868,1052 @@
 <file path=ppt/slides/slide24.xml><?xml version="1.0" encoding="utf-8"?>
 <p:sld xmlns:a="http://schemas.openxmlformats.org/drawingml/2006/main" xmlns:r="http://schemas.openxmlformats.org/officeDocument/2006/relationships" xmlns:p="http://schemas.openxmlformats.org/presentationml/2006/main">
   <p:cSld>
+    <p:spTree>
+      <p:nvGrpSpPr>
+        <p:cNvPr id="1" name="Shape 72"/>
+        <p:cNvGrpSpPr/>
+        <p:nvPr/>
+      </p:nvGrpSpPr>
+      <p:grpSpPr>
+        <a:xfrm>
+          <a:off x="0" y="0"/>
+          <a:ext cx="0" cy="0"/>
+          <a:chOff x="0" y="0"/>
+          <a:chExt cx="0" cy="0"/>
+        </a:xfrm>
+      </p:grpSpPr>
+      <p:sp>
+        <p:nvSpPr>
+          <p:cNvPr id="73" name="Google Shape;73;p16"/>
+          <p:cNvSpPr txBox="1">
+            <a:spLocks noGrp="1"/>
+          </p:cNvSpPr>
+          <p:nvPr>
+            <p:ph type="title"/>
+          </p:nvPr>
+        </p:nvSpPr>
+        <p:spPr>
+          <a:xfrm>
+            <a:off x="311700" y="445025"/>
+            <a:ext cx="8520600" cy="572700"/>
+          </a:xfrm>
+          <a:prstGeom prst="rect">
+            <a:avLst/>
+          </a:prstGeom>
+        </p:spPr>
+        <p:txBody>
+          <a:bodyPr spcFirstLastPara="1" wrap="square" lIns="91425" tIns="91425" rIns="91425" bIns="91425" anchor="t" anchorCtr="0">
+            <a:noAutofit/>
+          </a:bodyPr>
+          <a:lstStyle/>
+          <a:p>
+            <a:pPr marL="0" lvl="0" indent="0" algn="l" rtl="0">
+              <a:spcBef>
+                <a:spcPts val="0"/>
+              </a:spcBef>
+              <a:spcAft>
+                <a:spcPts val="0"/>
+              </a:spcAft>
+              <a:buNone/>
+            </a:pPr>
+            <a:r>
+              <a:rPr lang="en" dirty="0"/>
+              <a:t>Component 4 Delivery info version 2</a:t>
+            </a:r>
+            <a:endParaRPr dirty="0"/>
+          </a:p>
+        </p:txBody>
+      </p:sp>
+      <p:pic>
+        <p:nvPicPr>
+          <p:cNvPr id="3" name="Picture 2">
+            <a:extLst>
+              <a:ext uri="{FF2B5EF4-FFF2-40B4-BE49-F238E27FC236}">
+                <a16:creationId xmlns:a16="http://schemas.microsoft.com/office/drawing/2014/main" id="{68F19E0E-F021-4DF4-944A-26E005F119F0}"/>
+              </a:ext>
+            </a:extLst>
+          </p:cNvPr>
+          <p:cNvPicPr>
+            <a:picLocks noChangeAspect="1"/>
+          </p:cNvPicPr>
+          <p:nvPr/>
+        </p:nvPicPr>
+        <p:blipFill>
+          <a:blip r:embed="rId3"/>
+          <a:stretch>
+            <a:fillRect/>
+          </a:stretch>
+        </p:blipFill>
+        <p:spPr>
+          <a:xfrm>
+            <a:off x="693420" y="1131428"/>
+            <a:ext cx="7551420" cy="3496028"/>
+          </a:xfrm>
+          <a:prstGeom prst="rect">
+            <a:avLst/>
+          </a:prstGeom>
+        </p:spPr>
+      </p:pic>
+    </p:spTree>
+    <p:extLst>
+      <p:ext uri="{BB962C8B-B14F-4D97-AF65-F5344CB8AC3E}">
+        <p14:creationId xmlns:p14="http://schemas.microsoft.com/office/powerpoint/2010/main" val="872163139"/>
+      </p:ext>
+    </p:extLst>
+  </p:cSld>
+  <p:clrMapOvr>
+    <a:masterClrMapping/>
+  </p:clrMapOvr>
+</p:sld>
+</file>
+
+<file path=ppt/slides/slide25.xml><?xml version="1.0" encoding="utf-8"?>
+<p:sld xmlns:a="http://schemas.openxmlformats.org/drawingml/2006/main" xmlns:r="http://schemas.openxmlformats.org/officeDocument/2006/relationships" xmlns:p="http://schemas.openxmlformats.org/presentationml/2006/main">
+  <p:cSld>
+    <p:spTree>
+      <p:nvGrpSpPr>
+        <p:cNvPr id="1" name="Shape 77"/>
+        <p:cNvGrpSpPr/>
+        <p:nvPr/>
+      </p:nvGrpSpPr>
+      <p:grpSpPr>
+        <a:xfrm>
+          <a:off x="0" y="0"/>
+          <a:ext cx="0" cy="0"/>
+          <a:chOff x="0" y="0"/>
+          <a:chExt cx="0" cy="0"/>
+        </a:xfrm>
+      </p:grpSpPr>
+      <p:sp>
+        <p:nvSpPr>
+          <p:cNvPr id="78" name="Google Shape;78;p17"/>
+          <p:cNvSpPr txBox="1">
+            <a:spLocks noGrp="1"/>
+          </p:cNvSpPr>
+          <p:nvPr>
+            <p:ph type="title"/>
+          </p:nvPr>
+        </p:nvSpPr>
+        <p:spPr>
+          <a:xfrm>
+            <a:off x="311700" y="117365"/>
+            <a:ext cx="8520600" cy="572700"/>
+          </a:xfrm>
+          <a:prstGeom prst="rect">
+            <a:avLst/>
+          </a:prstGeom>
+        </p:spPr>
+        <p:txBody>
+          <a:bodyPr spcFirstLastPara="1" wrap="square" lIns="91425" tIns="91425" rIns="91425" bIns="91425" anchor="t" anchorCtr="0">
+            <a:noAutofit/>
+          </a:bodyPr>
+          <a:lstStyle/>
+          <a:p>
+            <a:pPr marL="0" lvl="0" indent="0" algn="l" rtl="0">
+              <a:spcBef>
+                <a:spcPts val="0"/>
+              </a:spcBef>
+              <a:spcAft>
+                <a:spcPts val="0"/>
+              </a:spcAft>
+              <a:buNone/>
+            </a:pPr>
+            <a:r>
+              <a:rPr lang="en" sz="2400" dirty="0"/>
+              <a:t>Component 4 v2 - Test Plan (and screenshot)</a:t>
+            </a:r>
+            <a:endParaRPr sz="2400" dirty="0"/>
+          </a:p>
+        </p:txBody>
+      </p:sp>
+      <p:graphicFrame>
+        <p:nvGraphicFramePr>
+          <p:cNvPr id="79" name="Google Shape;79;p17"/>
+          <p:cNvGraphicFramePr/>
+          <p:nvPr>
+            <p:extLst>
+              <p:ext uri="{D42A27DB-BD31-4B8C-83A1-F6EECF244321}">
+                <p14:modId xmlns:p14="http://schemas.microsoft.com/office/powerpoint/2010/main" val="1125550740"/>
+              </p:ext>
+            </p:extLst>
+          </p:nvPr>
+        </p:nvGraphicFramePr>
+        <p:xfrm>
+          <a:off x="426000" y="3255675"/>
+          <a:ext cx="8520600" cy="1828740"/>
+        </p:xfrm>
+        <a:graphic>
+          <a:graphicData uri="http://schemas.openxmlformats.org/drawingml/2006/table">
+            <a:tbl>
+              <a:tblPr>
+                <a:noFill/>
+                <a:tableStyleId>{E1099E06-0E6B-448D-9D27-60429F06E6F4}</a:tableStyleId>
+              </a:tblPr>
+              <a:tblGrid>
+                <a:gridCol w="4260300">
+                  <a:extLst>
+                    <a:ext uri="{9D8B030D-6E8A-4147-A177-3AD203B41FA5}">
+                      <a16:colId xmlns:a16="http://schemas.microsoft.com/office/drawing/2014/main" val="20000"/>
+                    </a:ext>
+                  </a:extLst>
+                </a:gridCol>
+                <a:gridCol w="4260300">
+                  <a:extLst>
+                    <a:ext uri="{9D8B030D-6E8A-4147-A177-3AD203B41FA5}">
+                      <a16:colId xmlns:a16="http://schemas.microsoft.com/office/drawing/2014/main" val="20001"/>
+                    </a:ext>
+                  </a:extLst>
+                </a:gridCol>
+              </a:tblGrid>
+              <a:tr h="381000">
+                <a:tc>
+                  <a:txBody>
+                    <a:bodyPr/>
+                    <a:lstStyle/>
+                    <a:p>
+                      <a:pPr marL="0" lvl="0" indent="0" algn="l" rtl="0">
+                        <a:spcBef>
+                          <a:spcPts val="0"/>
+                        </a:spcBef>
+                        <a:spcAft>
+                          <a:spcPts val="0"/>
+                        </a:spcAft>
+                        <a:buNone/>
+                      </a:pPr>
+                      <a:r>
+                        <a:rPr lang="en" sz="1800" b="1" dirty="0"/>
+                        <a:t>Test Case</a:t>
+                      </a:r>
+                      <a:endParaRPr sz="1800" b="1" dirty="0"/>
+                    </a:p>
+                  </a:txBody>
+                  <a:tcPr marL="91425" marR="91425" marT="91425" marB="91425">
+                    <a:solidFill>
+                      <a:srgbClr val="CCCCCC"/>
+                    </a:solidFill>
+                  </a:tcPr>
+                </a:tc>
+                <a:tc>
+                  <a:txBody>
+                    <a:bodyPr/>
+                    <a:lstStyle/>
+                    <a:p>
+                      <a:pPr marL="0" lvl="0" indent="0" algn="l" rtl="0">
+                        <a:spcBef>
+                          <a:spcPts val="0"/>
+                        </a:spcBef>
+                        <a:spcAft>
+                          <a:spcPts val="0"/>
+                        </a:spcAft>
+                        <a:buNone/>
+                      </a:pPr>
+                      <a:r>
+                        <a:rPr lang="en" sz="1800" b="1"/>
+                        <a:t>Expected Values</a:t>
+                      </a:r>
+                      <a:endParaRPr sz="1800" b="1"/>
+                    </a:p>
+                  </a:txBody>
+                  <a:tcPr marL="91425" marR="91425" marT="91425" marB="91425">
+                    <a:solidFill>
+                      <a:srgbClr val="CCCCCC"/>
+                    </a:solidFill>
+                  </a:tcPr>
+                </a:tc>
+                <a:extLst>
+                  <a:ext uri="{0D108BD9-81ED-4DB2-BD59-A6C34878D82A}">
+                    <a16:rowId xmlns:a16="http://schemas.microsoft.com/office/drawing/2014/main" val="10000"/>
+                  </a:ext>
+                </a:extLst>
+              </a:tr>
+              <a:tr h="396200">
+                <a:tc>
+                  <a:txBody>
+                    <a:bodyPr/>
+                    <a:lstStyle/>
+                    <a:p>
+                      <a:pPr marL="0" lvl="0" indent="0" algn="l" rtl="0">
+                        <a:spcBef>
+                          <a:spcPts val="0"/>
+                        </a:spcBef>
+                        <a:spcAft>
+                          <a:spcPts val="0"/>
+                        </a:spcAft>
+                        <a:buNone/>
+                      </a:pPr>
+                      <a:r>
+                        <a:rPr lang="en-NZ" sz="1300" dirty="0"/>
+                        <a:t>Input name</a:t>
+                      </a:r>
+                    </a:p>
+                    <a:p>
+                      <a:pPr marL="0" lvl="0" indent="0" algn="l" rtl="0">
+                        <a:spcBef>
+                          <a:spcPts val="0"/>
+                        </a:spcBef>
+                        <a:spcAft>
+                          <a:spcPts val="0"/>
+                        </a:spcAft>
+                        <a:buNone/>
+                      </a:pPr>
+                      <a:r>
+                        <a:rPr lang="en-NZ" sz="1300" dirty="0"/>
+                        <a:t>Input phone number</a:t>
+                      </a:r>
+                    </a:p>
+                    <a:p>
+                      <a:pPr marL="0" lvl="0" indent="0" algn="l" rtl="0">
+                        <a:spcBef>
+                          <a:spcPts val="0"/>
+                        </a:spcBef>
+                        <a:spcAft>
+                          <a:spcPts val="0"/>
+                        </a:spcAft>
+                        <a:buNone/>
+                      </a:pPr>
+                      <a:r>
+                        <a:rPr lang="en-NZ" sz="1300" dirty="0"/>
+                        <a:t>Input house number</a:t>
+                      </a:r>
+                    </a:p>
+                    <a:p>
+                      <a:pPr marL="0" lvl="0" indent="0" algn="l" rtl="0">
+                        <a:spcBef>
+                          <a:spcPts val="0"/>
+                        </a:spcBef>
+                        <a:spcAft>
+                          <a:spcPts val="0"/>
+                        </a:spcAft>
+                        <a:buNone/>
+                      </a:pPr>
+                      <a:r>
+                        <a:rPr lang="en-NZ" sz="1300" dirty="0"/>
+                        <a:t>Street name</a:t>
+                      </a:r>
+                    </a:p>
+                    <a:p>
+                      <a:pPr marL="0" lvl="0" indent="0" algn="l" rtl="0">
+                        <a:spcBef>
+                          <a:spcPts val="0"/>
+                        </a:spcBef>
+                        <a:spcAft>
+                          <a:spcPts val="0"/>
+                        </a:spcAft>
+                        <a:buNone/>
+                      </a:pPr>
+                      <a:r>
+                        <a:rPr lang="en-NZ" sz="1300" dirty="0"/>
+                        <a:t>Suburb name</a:t>
+                      </a:r>
+                    </a:p>
+                    <a:p>
+                      <a:pPr marL="0" lvl="0" indent="0" algn="l" rtl="0">
+                        <a:spcBef>
+                          <a:spcPts val="0"/>
+                        </a:spcBef>
+                        <a:spcAft>
+                          <a:spcPts val="0"/>
+                        </a:spcAft>
+                        <a:buNone/>
+                      </a:pPr>
+                      <a:r>
+                        <a:rPr lang="en-NZ" sz="1300" dirty="0"/>
+                        <a:t>Left input blank</a:t>
+                      </a:r>
+                      <a:endParaRPr sz="1300" dirty="0"/>
+                    </a:p>
+                  </a:txBody>
+                  <a:tcPr marL="91425" marR="91425" marT="91425" marB="91425"/>
+                </a:tc>
+                <a:tc>
+                  <a:txBody>
+                    <a:bodyPr/>
+                    <a:lstStyle/>
+                    <a:p>
+                      <a:pPr marL="0" lvl="0" indent="0" algn="l" rtl="0">
+                        <a:spcBef>
+                          <a:spcPts val="0"/>
+                        </a:spcBef>
+                        <a:spcAft>
+                          <a:spcPts val="0"/>
+                        </a:spcAft>
+                        <a:buNone/>
+                      </a:pPr>
+                      <a:r>
+                        <a:rPr lang="en-NZ" sz="1300" dirty="0"/>
+                        <a:t>Printed name correctly</a:t>
+                      </a:r>
+                    </a:p>
+                    <a:p>
+                      <a:pPr marL="0" lvl="0" indent="0" algn="l" rtl="0">
+                        <a:spcBef>
+                          <a:spcPts val="0"/>
+                        </a:spcBef>
+                        <a:spcAft>
+                          <a:spcPts val="0"/>
+                        </a:spcAft>
+                        <a:buNone/>
+                      </a:pPr>
+                      <a:r>
+                        <a:rPr lang="en-NZ" sz="1300" dirty="0"/>
+                        <a:t>Printed phone number correctly </a:t>
+                      </a:r>
+                    </a:p>
+                    <a:p>
+                      <a:pPr marL="0" lvl="0" indent="0" algn="l" rtl="0">
+                        <a:spcBef>
+                          <a:spcPts val="0"/>
+                        </a:spcBef>
+                        <a:spcAft>
+                          <a:spcPts val="0"/>
+                        </a:spcAft>
+                        <a:buNone/>
+                      </a:pPr>
+                      <a:r>
+                        <a:rPr lang="en-NZ" sz="1300" dirty="0"/>
+                        <a:t>Printed house number</a:t>
+                      </a:r>
+                    </a:p>
+                    <a:p>
+                      <a:pPr marL="0" lvl="0" indent="0" algn="l" rtl="0">
+                        <a:spcBef>
+                          <a:spcPts val="0"/>
+                        </a:spcBef>
+                        <a:spcAft>
+                          <a:spcPts val="0"/>
+                        </a:spcAft>
+                        <a:buNone/>
+                      </a:pPr>
+                      <a:r>
+                        <a:rPr lang="en-NZ" sz="1300" dirty="0"/>
+                        <a:t>Printed street name</a:t>
+                      </a:r>
+                    </a:p>
+                    <a:p>
+                      <a:pPr marL="0" lvl="0" indent="0" algn="l" rtl="0">
+                        <a:spcBef>
+                          <a:spcPts val="0"/>
+                        </a:spcBef>
+                        <a:spcAft>
+                          <a:spcPts val="0"/>
+                        </a:spcAft>
+                        <a:buNone/>
+                      </a:pPr>
+                      <a:r>
+                        <a:rPr lang="en-NZ" sz="1300" dirty="0"/>
+                        <a:t>Printed suburb name</a:t>
+                      </a:r>
+                    </a:p>
+                    <a:p>
+                      <a:pPr marL="0" lvl="0" indent="0" algn="l" rtl="0">
+                        <a:spcBef>
+                          <a:spcPts val="0"/>
+                        </a:spcBef>
+                        <a:spcAft>
+                          <a:spcPts val="0"/>
+                        </a:spcAft>
+                        <a:buNone/>
+                      </a:pPr>
+                      <a:r>
+                        <a:rPr lang="en-NZ" sz="1300" dirty="0"/>
+                        <a:t>Asked for input again	</a:t>
+                      </a:r>
+                      <a:endParaRPr sz="1300" dirty="0"/>
+                    </a:p>
+                  </a:txBody>
+                  <a:tcPr marL="91425" marR="91425" marT="91425" marB="91425"/>
+                </a:tc>
+                <a:extLst>
+                  <a:ext uri="{0D108BD9-81ED-4DB2-BD59-A6C34878D82A}">
+                    <a16:rowId xmlns:a16="http://schemas.microsoft.com/office/drawing/2014/main" val="10001"/>
+                  </a:ext>
+                </a:extLst>
+              </a:tr>
+            </a:tbl>
+          </a:graphicData>
+        </a:graphic>
+      </p:graphicFrame>
+      <p:pic>
+        <p:nvPicPr>
+          <p:cNvPr id="4" name="Picture 3">
+            <a:extLst>
+              <a:ext uri="{FF2B5EF4-FFF2-40B4-BE49-F238E27FC236}">
+                <a16:creationId xmlns:a16="http://schemas.microsoft.com/office/drawing/2014/main" id="{A63FC167-7201-4185-AD0D-A1A5C0118B50}"/>
+              </a:ext>
+            </a:extLst>
+          </p:cNvPr>
+          <p:cNvPicPr>
+            <a:picLocks noChangeAspect="1"/>
+          </p:cNvPicPr>
+          <p:nvPr/>
+        </p:nvPicPr>
+        <p:blipFill>
+          <a:blip r:embed="rId3"/>
+          <a:stretch>
+            <a:fillRect/>
+          </a:stretch>
+        </p:blipFill>
+        <p:spPr>
+          <a:xfrm>
+            <a:off x="847819" y="605020"/>
+            <a:ext cx="2874939" cy="2565610"/>
+          </a:xfrm>
+          <a:prstGeom prst="rect">
+            <a:avLst/>
+          </a:prstGeom>
+        </p:spPr>
+      </p:pic>
+      <p:pic>
+        <p:nvPicPr>
+          <p:cNvPr id="7" name="Picture 6">
+            <a:extLst>
+              <a:ext uri="{FF2B5EF4-FFF2-40B4-BE49-F238E27FC236}">
+                <a16:creationId xmlns:a16="http://schemas.microsoft.com/office/drawing/2014/main" id="{E6EE6A81-9169-451B-B19E-1EEC663162DB}"/>
+              </a:ext>
+            </a:extLst>
+          </p:cNvPr>
+          <p:cNvPicPr>
+            <a:picLocks noChangeAspect="1"/>
+          </p:cNvPicPr>
+          <p:nvPr/>
+        </p:nvPicPr>
+        <p:blipFill>
+          <a:blip r:embed="rId4"/>
+          <a:stretch>
+            <a:fillRect/>
+          </a:stretch>
+        </p:blipFill>
+        <p:spPr>
+          <a:xfrm>
+            <a:off x="4767979" y="690065"/>
+            <a:ext cx="3372321" cy="2333951"/>
+          </a:xfrm>
+          <a:prstGeom prst="rect">
+            <a:avLst/>
+          </a:prstGeom>
+        </p:spPr>
+      </p:pic>
+    </p:spTree>
+    <p:extLst>
+      <p:ext uri="{BB962C8B-B14F-4D97-AF65-F5344CB8AC3E}">
+        <p14:creationId xmlns:p14="http://schemas.microsoft.com/office/powerpoint/2010/main" val="425023443"/>
+      </p:ext>
+    </p:extLst>
+  </p:cSld>
+  <p:clrMapOvr>
+    <a:masterClrMapping/>
+  </p:clrMapOvr>
+</p:sld>
+</file>
+
+<file path=ppt/slides/slide26.xml><?xml version="1.0" encoding="utf-8"?>
+<p:sld xmlns:a="http://schemas.openxmlformats.org/drawingml/2006/main" xmlns:r="http://schemas.openxmlformats.org/officeDocument/2006/relationships" xmlns:p="http://schemas.openxmlformats.org/presentationml/2006/main">
+  <p:cSld>
+    <p:spTree>
+      <p:nvGrpSpPr>
+        <p:cNvPr id="1" name="Shape 72"/>
+        <p:cNvGrpSpPr/>
+        <p:nvPr/>
+      </p:nvGrpSpPr>
+      <p:grpSpPr>
+        <a:xfrm>
+          <a:off x="0" y="0"/>
+          <a:ext cx="0" cy="0"/>
+          <a:chOff x="0" y="0"/>
+          <a:chExt cx="0" cy="0"/>
+        </a:xfrm>
+      </p:grpSpPr>
+      <p:sp>
+        <p:nvSpPr>
+          <p:cNvPr id="73" name="Google Shape;73;p16"/>
+          <p:cNvSpPr txBox="1">
+            <a:spLocks noGrp="1"/>
+          </p:cNvSpPr>
+          <p:nvPr>
+            <p:ph type="title"/>
+          </p:nvPr>
+        </p:nvSpPr>
+        <p:spPr>
+          <a:xfrm>
+            <a:off x="311700" y="445025"/>
+            <a:ext cx="8520600" cy="572700"/>
+          </a:xfrm>
+          <a:prstGeom prst="rect">
+            <a:avLst/>
+          </a:prstGeom>
+        </p:spPr>
+        <p:txBody>
+          <a:bodyPr spcFirstLastPara="1" wrap="square" lIns="91425" tIns="91425" rIns="91425" bIns="91425" anchor="t" anchorCtr="0">
+            <a:noAutofit/>
+          </a:bodyPr>
+          <a:lstStyle/>
+          <a:p>
+            <a:pPr marL="0" lvl="0" indent="0" algn="l" rtl="0">
+              <a:spcBef>
+                <a:spcPts val="0"/>
+              </a:spcBef>
+              <a:spcAft>
+                <a:spcPts val="0"/>
+              </a:spcAft>
+              <a:buNone/>
+            </a:pPr>
+            <a:r>
+              <a:rPr lang="en" dirty="0"/>
+              <a:t>Component 4 Delivery info version 2</a:t>
+            </a:r>
+            <a:endParaRPr dirty="0"/>
+          </a:p>
+        </p:txBody>
+      </p:sp>
+    </p:spTree>
+    <p:extLst>
+      <p:ext uri="{BB962C8B-B14F-4D97-AF65-F5344CB8AC3E}">
+        <p14:creationId xmlns:p14="http://schemas.microsoft.com/office/powerpoint/2010/main" val="597073633"/>
+      </p:ext>
+    </p:extLst>
+  </p:cSld>
+  <p:clrMapOvr>
+    <a:masterClrMapping/>
+  </p:clrMapOvr>
+</p:sld>
+</file>
+
+<file path=ppt/slides/slide27.xml><?xml version="1.0" encoding="utf-8"?>
+<p:sld xmlns:a="http://schemas.openxmlformats.org/drawingml/2006/main" xmlns:r="http://schemas.openxmlformats.org/officeDocument/2006/relationships" xmlns:p="http://schemas.openxmlformats.org/presentationml/2006/main">
+  <p:cSld>
+    <p:spTree>
+      <p:nvGrpSpPr>
+        <p:cNvPr id="1" name="Shape 77"/>
+        <p:cNvGrpSpPr/>
+        <p:nvPr/>
+      </p:nvGrpSpPr>
+      <p:grpSpPr>
+        <a:xfrm>
+          <a:off x="0" y="0"/>
+          <a:ext cx="0" cy="0"/>
+          <a:chOff x="0" y="0"/>
+          <a:chExt cx="0" cy="0"/>
+        </a:xfrm>
+      </p:grpSpPr>
+      <p:sp>
+        <p:nvSpPr>
+          <p:cNvPr id="78" name="Google Shape;78;p17"/>
+          <p:cNvSpPr txBox="1">
+            <a:spLocks noGrp="1"/>
+          </p:cNvSpPr>
+          <p:nvPr>
+            <p:ph type="title"/>
+          </p:nvPr>
+        </p:nvSpPr>
+        <p:spPr>
+          <a:xfrm>
+            <a:off x="311700" y="117365"/>
+            <a:ext cx="8520600" cy="572700"/>
+          </a:xfrm>
+          <a:prstGeom prst="rect">
+            <a:avLst/>
+          </a:prstGeom>
+        </p:spPr>
+        <p:txBody>
+          <a:bodyPr spcFirstLastPara="1" wrap="square" lIns="91425" tIns="91425" rIns="91425" bIns="91425" anchor="t" anchorCtr="0">
+            <a:noAutofit/>
+          </a:bodyPr>
+          <a:lstStyle/>
+          <a:p>
+            <a:pPr marL="0" lvl="0" indent="0" algn="l" rtl="0">
+              <a:spcBef>
+                <a:spcPts val="0"/>
+              </a:spcBef>
+              <a:spcAft>
+                <a:spcPts val="0"/>
+              </a:spcAft>
+              <a:buNone/>
+            </a:pPr>
+            <a:r>
+              <a:rPr lang="en" sz="2400" dirty="0"/>
+              <a:t>Component 4 v2 - Test Plan (and screenshot)</a:t>
+            </a:r>
+            <a:endParaRPr sz="2400" dirty="0"/>
+          </a:p>
+        </p:txBody>
+      </p:sp>
+      <p:graphicFrame>
+        <p:nvGraphicFramePr>
+          <p:cNvPr id="79" name="Google Shape;79;p17"/>
+          <p:cNvGraphicFramePr/>
+          <p:nvPr/>
+        </p:nvGraphicFramePr>
+        <p:xfrm>
+          <a:off x="426000" y="3255675"/>
+          <a:ext cx="8520600" cy="1828740"/>
+        </p:xfrm>
+        <a:graphic>
+          <a:graphicData uri="http://schemas.openxmlformats.org/drawingml/2006/table">
+            <a:tbl>
+              <a:tblPr>
+                <a:noFill/>
+                <a:tableStyleId>{E1099E06-0E6B-448D-9D27-60429F06E6F4}</a:tableStyleId>
+              </a:tblPr>
+              <a:tblGrid>
+                <a:gridCol w="4260300">
+                  <a:extLst>
+                    <a:ext uri="{9D8B030D-6E8A-4147-A177-3AD203B41FA5}">
+                      <a16:colId xmlns:a16="http://schemas.microsoft.com/office/drawing/2014/main" val="20000"/>
+                    </a:ext>
+                  </a:extLst>
+                </a:gridCol>
+                <a:gridCol w="4260300">
+                  <a:extLst>
+                    <a:ext uri="{9D8B030D-6E8A-4147-A177-3AD203B41FA5}">
+                      <a16:colId xmlns:a16="http://schemas.microsoft.com/office/drawing/2014/main" val="20001"/>
+                    </a:ext>
+                  </a:extLst>
+                </a:gridCol>
+              </a:tblGrid>
+              <a:tr h="381000">
+                <a:tc>
+                  <a:txBody>
+                    <a:bodyPr/>
+                    <a:lstStyle/>
+                    <a:p>
+                      <a:pPr marL="0" lvl="0" indent="0" algn="l" rtl="0">
+                        <a:spcBef>
+                          <a:spcPts val="0"/>
+                        </a:spcBef>
+                        <a:spcAft>
+                          <a:spcPts val="0"/>
+                        </a:spcAft>
+                        <a:buNone/>
+                      </a:pPr>
+                      <a:r>
+                        <a:rPr lang="en" sz="1800" b="1" dirty="0"/>
+                        <a:t>Test Case</a:t>
+                      </a:r>
+                      <a:endParaRPr sz="1800" b="1" dirty="0"/>
+                    </a:p>
+                  </a:txBody>
+                  <a:tcPr marL="91425" marR="91425" marT="91425" marB="91425">
+                    <a:solidFill>
+                      <a:srgbClr val="CCCCCC"/>
+                    </a:solidFill>
+                  </a:tcPr>
+                </a:tc>
+                <a:tc>
+                  <a:txBody>
+                    <a:bodyPr/>
+                    <a:lstStyle/>
+                    <a:p>
+                      <a:pPr marL="0" lvl="0" indent="0" algn="l" rtl="0">
+                        <a:spcBef>
+                          <a:spcPts val="0"/>
+                        </a:spcBef>
+                        <a:spcAft>
+                          <a:spcPts val="0"/>
+                        </a:spcAft>
+                        <a:buNone/>
+                      </a:pPr>
+                      <a:r>
+                        <a:rPr lang="en" sz="1800" b="1"/>
+                        <a:t>Expected Values</a:t>
+                      </a:r>
+                      <a:endParaRPr sz="1800" b="1"/>
+                    </a:p>
+                  </a:txBody>
+                  <a:tcPr marL="91425" marR="91425" marT="91425" marB="91425">
+                    <a:solidFill>
+                      <a:srgbClr val="CCCCCC"/>
+                    </a:solidFill>
+                  </a:tcPr>
+                </a:tc>
+                <a:extLst>
+                  <a:ext uri="{0D108BD9-81ED-4DB2-BD59-A6C34878D82A}">
+                    <a16:rowId xmlns:a16="http://schemas.microsoft.com/office/drawing/2014/main" val="10000"/>
+                  </a:ext>
+                </a:extLst>
+              </a:tr>
+              <a:tr h="396200">
+                <a:tc>
+                  <a:txBody>
+                    <a:bodyPr/>
+                    <a:lstStyle/>
+                    <a:p>
+                      <a:pPr marL="0" lvl="0" indent="0" algn="l" rtl="0">
+                        <a:spcBef>
+                          <a:spcPts val="0"/>
+                        </a:spcBef>
+                        <a:spcAft>
+                          <a:spcPts val="0"/>
+                        </a:spcAft>
+                        <a:buNone/>
+                      </a:pPr>
+                      <a:r>
+                        <a:rPr lang="en-NZ" sz="1300" dirty="0"/>
+                        <a:t>Input name</a:t>
+                      </a:r>
+                    </a:p>
+                    <a:p>
+                      <a:pPr marL="0" lvl="0" indent="0" algn="l" rtl="0">
+                        <a:spcBef>
+                          <a:spcPts val="0"/>
+                        </a:spcBef>
+                        <a:spcAft>
+                          <a:spcPts val="0"/>
+                        </a:spcAft>
+                        <a:buNone/>
+                      </a:pPr>
+                      <a:r>
+                        <a:rPr lang="en-NZ" sz="1300" dirty="0"/>
+                        <a:t>Input phone number</a:t>
+                      </a:r>
+                    </a:p>
+                    <a:p>
+                      <a:pPr marL="0" lvl="0" indent="0" algn="l" rtl="0">
+                        <a:spcBef>
+                          <a:spcPts val="0"/>
+                        </a:spcBef>
+                        <a:spcAft>
+                          <a:spcPts val="0"/>
+                        </a:spcAft>
+                        <a:buNone/>
+                      </a:pPr>
+                      <a:r>
+                        <a:rPr lang="en-NZ" sz="1300" dirty="0"/>
+                        <a:t>Input house number</a:t>
+                      </a:r>
+                    </a:p>
+                    <a:p>
+                      <a:pPr marL="0" lvl="0" indent="0" algn="l" rtl="0">
+                        <a:spcBef>
+                          <a:spcPts val="0"/>
+                        </a:spcBef>
+                        <a:spcAft>
+                          <a:spcPts val="0"/>
+                        </a:spcAft>
+                        <a:buNone/>
+                      </a:pPr>
+                      <a:r>
+                        <a:rPr lang="en-NZ" sz="1300" dirty="0"/>
+                        <a:t>Street name</a:t>
+                      </a:r>
+                    </a:p>
+                    <a:p>
+                      <a:pPr marL="0" lvl="0" indent="0" algn="l" rtl="0">
+                        <a:spcBef>
+                          <a:spcPts val="0"/>
+                        </a:spcBef>
+                        <a:spcAft>
+                          <a:spcPts val="0"/>
+                        </a:spcAft>
+                        <a:buNone/>
+                      </a:pPr>
+                      <a:r>
+                        <a:rPr lang="en-NZ" sz="1300" dirty="0"/>
+                        <a:t>Suburb name</a:t>
+                      </a:r>
+                    </a:p>
+                    <a:p>
+                      <a:pPr marL="0" lvl="0" indent="0" algn="l" rtl="0">
+                        <a:spcBef>
+                          <a:spcPts val="0"/>
+                        </a:spcBef>
+                        <a:spcAft>
+                          <a:spcPts val="0"/>
+                        </a:spcAft>
+                        <a:buNone/>
+                      </a:pPr>
+                      <a:r>
+                        <a:rPr lang="en-NZ" sz="1300" dirty="0"/>
+                        <a:t>Left input blank</a:t>
+                      </a:r>
+                      <a:endParaRPr sz="1300" dirty="0"/>
+                    </a:p>
+                  </a:txBody>
+                  <a:tcPr marL="91425" marR="91425" marT="91425" marB="91425"/>
+                </a:tc>
+                <a:tc>
+                  <a:txBody>
+                    <a:bodyPr/>
+                    <a:lstStyle/>
+                    <a:p>
+                      <a:pPr marL="0" lvl="0" indent="0" algn="l" rtl="0">
+                        <a:spcBef>
+                          <a:spcPts val="0"/>
+                        </a:spcBef>
+                        <a:spcAft>
+                          <a:spcPts val="0"/>
+                        </a:spcAft>
+                        <a:buNone/>
+                      </a:pPr>
+                      <a:r>
+                        <a:rPr lang="en-NZ" sz="1300" dirty="0"/>
+                        <a:t>Printed name correctly</a:t>
+                      </a:r>
+                    </a:p>
+                    <a:p>
+                      <a:pPr marL="0" lvl="0" indent="0" algn="l" rtl="0">
+                        <a:spcBef>
+                          <a:spcPts val="0"/>
+                        </a:spcBef>
+                        <a:spcAft>
+                          <a:spcPts val="0"/>
+                        </a:spcAft>
+                        <a:buNone/>
+                      </a:pPr>
+                      <a:r>
+                        <a:rPr lang="en-NZ" sz="1300" dirty="0"/>
+                        <a:t>Printed phone number correctly </a:t>
+                      </a:r>
+                    </a:p>
+                    <a:p>
+                      <a:pPr marL="0" lvl="0" indent="0" algn="l" rtl="0">
+                        <a:spcBef>
+                          <a:spcPts val="0"/>
+                        </a:spcBef>
+                        <a:spcAft>
+                          <a:spcPts val="0"/>
+                        </a:spcAft>
+                        <a:buNone/>
+                      </a:pPr>
+                      <a:r>
+                        <a:rPr lang="en-NZ" sz="1300" dirty="0"/>
+                        <a:t>Printed house number</a:t>
+                      </a:r>
+                    </a:p>
+                    <a:p>
+                      <a:pPr marL="0" lvl="0" indent="0" algn="l" rtl="0">
+                        <a:spcBef>
+                          <a:spcPts val="0"/>
+                        </a:spcBef>
+                        <a:spcAft>
+                          <a:spcPts val="0"/>
+                        </a:spcAft>
+                        <a:buNone/>
+                      </a:pPr>
+                      <a:r>
+                        <a:rPr lang="en-NZ" sz="1300" dirty="0"/>
+                        <a:t>Printed street name</a:t>
+                      </a:r>
+                    </a:p>
+                    <a:p>
+                      <a:pPr marL="0" lvl="0" indent="0" algn="l" rtl="0">
+                        <a:spcBef>
+                          <a:spcPts val="0"/>
+                        </a:spcBef>
+                        <a:spcAft>
+                          <a:spcPts val="0"/>
+                        </a:spcAft>
+                        <a:buNone/>
+                      </a:pPr>
+                      <a:r>
+                        <a:rPr lang="en-NZ" sz="1300" dirty="0"/>
+                        <a:t>Printed suburb name</a:t>
+                      </a:r>
+                    </a:p>
+                    <a:p>
+                      <a:pPr marL="0" lvl="0" indent="0" algn="l" rtl="0">
+                        <a:spcBef>
+                          <a:spcPts val="0"/>
+                        </a:spcBef>
+                        <a:spcAft>
+                          <a:spcPts val="0"/>
+                        </a:spcAft>
+                        <a:buNone/>
+                      </a:pPr>
+                      <a:r>
+                        <a:rPr lang="en-NZ" sz="1300" dirty="0"/>
+                        <a:t>Asked for input again	</a:t>
+                      </a:r>
+                      <a:endParaRPr sz="1300" dirty="0"/>
+                    </a:p>
+                  </a:txBody>
+                  <a:tcPr marL="91425" marR="91425" marT="91425" marB="91425"/>
+                </a:tc>
+                <a:extLst>
+                  <a:ext uri="{0D108BD9-81ED-4DB2-BD59-A6C34878D82A}">
+                    <a16:rowId xmlns:a16="http://schemas.microsoft.com/office/drawing/2014/main" val="10001"/>
+                  </a:ext>
+                </a:extLst>
+              </a:tr>
+            </a:tbl>
+          </a:graphicData>
+        </a:graphic>
+      </p:graphicFrame>
+      <p:pic>
+        <p:nvPicPr>
+          <p:cNvPr id="3" name="Picture 2">
+            <a:extLst>
+              <a:ext uri="{FF2B5EF4-FFF2-40B4-BE49-F238E27FC236}">
+                <a16:creationId xmlns:a16="http://schemas.microsoft.com/office/drawing/2014/main" id="{D088232B-DFBC-435E-858F-CB6FBD7CAD6F}"/>
+              </a:ext>
+            </a:extLst>
+          </p:cNvPr>
+          <p:cNvPicPr>
+            <a:picLocks noChangeAspect="1"/>
+          </p:cNvPicPr>
+          <p:nvPr/>
+        </p:nvPicPr>
+        <p:blipFill>
+          <a:blip r:embed="rId3"/>
+          <a:stretch>
+            <a:fillRect/>
+          </a:stretch>
+        </p:blipFill>
+        <p:spPr>
+          <a:xfrm>
+            <a:off x="4258877" y="767430"/>
+            <a:ext cx="4407783" cy="2240790"/>
+          </a:xfrm>
+          <a:prstGeom prst="rect">
+            <a:avLst/>
+          </a:prstGeom>
+        </p:spPr>
+      </p:pic>
+      <p:pic>
+        <p:nvPicPr>
+          <p:cNvPr id="6" name="Picture 5">
+            <a:extLst>
+              <a:ext uri="{FF2B5EF4-FFF2-40B4-BE49-F238E27FC236}">
+                <a16:creationId xmlns:a16="http://schemas.microsoft.com/office/drawing/2014/main" id="{38648B43-C8D9-46A0-8904-CD24F850A19C}"/>
+              </a:ext>
+            </a:extLst>
+          </p:cNvPr>
+          <p:cNvPicPr>
+            <a:picLocks noChangeAspect="1"/>
+          </p:cNvPicPr>
+          <p:nvPr/>
+        </p:nvPicPr>
+        <p:blipFill>
+          <a:blip r:embed="rId4"/>
+          <a:stretch>
+            <a:fillRect/>
+          </a:stretch>
+        </p:blipFill>
+        <p:spPr>
+          <a:xfrm>
+            <a:off x="825242" y="612761"/>
+            <a:ext cx="2787902" cy="2550127"/>
+          </a:xfrm>
+          <a:prstGeom prst="rect">
+            <a:avLst/>
+          </a:prstGeom>
+        </p:spPr>
+      </p:pic>
+    </p:spTree>
+    <p:extLst>
+      <p:ext uri="{BB962C8B-B14F-4D97-AF65-F5344CB8AC3E}">
+        <p14:creationId xmlns:p14="http://schemas.microsoft.com/office/powerpoint/2010/main" val="1149234813"/>
+      </p:ext>
+    </p:extLst>
+  </p:cSld>
+  <p:clrMapOvr>
+    <a:masterClrMapping/>
+  </p:clrMapOvr>
+</p:sld>
+</file>
+
+<file path=ppt/slides/slide28.xml><?xml version="1.0" encoding="utf-8"?>
+<p:sld xmlns:a="http://schemas.openxmlformats.org/drawingml/2006/main" xmlns:r="http://schemas.openxmlformats.org/officeDocument/2006/relationships" xmlns:p="http://schemas.openxmlformats.org/presentationml/2006/main">
+  <p:cSld>
     <p:bg>
       <p:bgPr>
         <a:solidFill>
@@ -13402,7 +15028,7 @@
 </p:sld>
 </file>
 
-<file path=ppt/slides/slide25.xml><?xml version="1.0" encoding="utf-8"?>
+<file path=ppt/slides/slide29.xml><?xml version="1.0" encoding="utf-8"?>
 <p:sld xmlns:a="http://schemas.openxmlformats.org/drawingml/2006/main" xmlns:r="http://schemas.openxmlformats.org/officeDocument/2006/relationships" xmlns:p="http://schemas.openxmlformats.org/presentationml/2006/main">
   <p:cSld>
     <p:bg>

--- a/022_91893+_+91897+Documentation.pptx
+++ b/022_91893+_+91897+Documentation.pptx
@@ -5,7 +5,7 @@
     <p:sldMasterId id="2147483659" r:id="rId1"/>
   </p:sldMasterIdLst>
   <p:notesMasterIdLst>
-    <p:notesMasterId r:id="rId31"/>
+    <p:notesMasterId r:id="rId33"/>
   </p:notesMasterIdLst>
   <p:sldIdLst>
     <p:sldId id="256" r:id="rId2"/>
@@ -35,8 +35,10 @@
     <p:sldId id="284" r:id="rId26"/>
     <p:sldId id="285" r:id="rId27"/>
     <p:sldId id="286" r:id="rId28"/>
-    <p:sldId id="261" r:id="rId29"/>
-    <p:sldId id="262" r:id="rId30"/>
+    <p:sldId id="288" r:id="rId29"/>
+    <p:sldId id="289" r:id="rId30"/>
+    <p:sldId id="261" r:id="rId31"/>
+    <p:sldId id="262" r:id="rId32"/>
   </p:sldIdLst>
   <p:sldSz cx="9144000" cy="5143500" type="screen16x9"/>
   <p:notesSz cx="6858000" cy="9144000"/>
@@ -301,7 +303,7 @@
   <pc:docChgLst>
     <pc:chgData name="Danett Pepito" userId="ddef1e2176689e9a" providerId="LiveId" clId="{53BB49C2-00DF-4AB6-9D9D-351DBF063D16}"/>
     <pc:docChg chg="undo custSel addSld delSld modSld sldOrd">
-      <pc:chgData name="Danett Pepito" userId="ddef1e2176689e9a" providerId="LiveId" clId="{53BB49C2-00DF-4AB6-9D9D-351DBF063D16}" dt="2022-03-01T20:33:48.422" v="1407" actId="1076"/>
+      <pc:chgData name="Danett Pepito" userId="ddef1e2176689e9a" providerId="LiveId" clId="{53BB49C2-00DF-4AB6-9D9D-351DBF063D16}" dt="2022-03-02T08:31:37.358" v="1559" actId="1076"/>
       <pc:docMkLst>
         <pc:docMk/>
       </pc:docMkLst>
@@ -1325,8 +1327,8 @@
           </ac:picMkLst>
         </pc:picChg>
       </pc:sldChg>
-      <pc:sldChg chg="delSp add mod">
-        <pc:chgData name="Danett Pepito" userId="ddef1e2176689e9a" providerId="LiveId" clId="{53BB49C2-00DF-4AB6-9D9D-351DBF063D16}" dt="2022-03-01T20:32:33.252" v="1397" actId="478"/>
+      <pc:sldChg chg="addSp delSp modSp add mod">
+        <pc:chgData name="Danett Pepito" userId="ddef1e2176689e9a" providerId="LiveId" clId="{53BB49C2-00DF-4AB6-9D9D-351DBF063D16}" dt="2022-03-01T20:51:12.999" v="1436" actId="1076"/>
         <pc:sldMkLst>
           <pc:docMk/>
           <pc:sldMk cId="597073633" sldId="285"/>
@@ -1337,6 +1339,14 @@
             <pc:docMk/>
             <pc:sldMk cId="597073633" sldId="285"/>
             <ac:picMk id="3" creationId="{68F19E0E-F021-4DF4-944A-26E005F119F0}"/>
+          </ac:picMkLst>
+        </pc:picChg>
+        <pc:picChg chg="add mod">
+          <ac:chgData name="Danett Pepito" userId="ddef1e2176689e9a" providerId="LiveId" clId="{53BB49C2-00DF-4AB6-9D9D-351DBF063D16}" dt="2022-03-01T20:51:12.999" v="1436" actId="1076"/>
+          <ac:picMkLst>
+            <pc:docMk/>
+            <pc:sldMk cId="597073633" sldId="285"/>
+            <ac:picMk id="3" creationId="{8CD02DBC-1EC3-43ED-BC6B-CA49AE41A780}"/>
           </ac:picMkLst>
         </pc:picChg>
       </pc:sldChg>
@@ -1376,6 +1386,130 @@
             <pc:docMk/>
             <pc:sldMk cId="1149234813" sldId="286"/>
             <ac:picMk id="7" creationId="{E6EE6A81-9169-451B-B19E-1EEC663162DB}"/>
+          </ac:picMkLst>
+        </pc:picChg>
+      </pc:sldChg>
+      <pc:sldChg chg="add del">
+        <pc:chgData name="Danett Pepito" userId="ddef1e2176689e9a" providerId="LiveId" clId="{53BB49C2-00DF-4AB6-9D9D-351DBF063D16}" dt="2022-03-01T20:50:20.119" v="1409" actId="47"/>
+        <pc:sldMkLst>
+          <pc:docMk/>
+          <pc:sldMk cId="447507140" sldId="287"/>
+        </pc:sldMkLst>
+      </pc:sldChg>
+      <pc:sldChg chg="addSp delSp modSp add mod replId">
+        <pc:chgData name="Danett Pepito" userId="ddef1e2176689e9a" providerId="LiveId" clId="{53BB49C2-00DF-4AB6-9D9D-351DBF063D16}" dt="2022-03-02T08:21:35.214" v="1461" actId="1076"/>
+        <pc:sldMkLst>
+          <pc:docMk/>
+          <pc:sldMk cId="958280587" sldId="288"/>
+        </pc:sldMkLst>
+        <pc:spChg chg="mod">
+          <ac:chgData name="Danett Pepito" userId="ddef1e2176689e9a" providerId="LiveId" clId="{53BB49C2-00DF-4AB6-9D9D-351DBF063D16}" dt="2022-03-01T20:50:33.549" v="1431" actId="20577"/>
+          <ac:spMkLst>
+            <pc:docMk/>
+            <pc:sldMk cId="958280587" sldId="288"/>
+            <ac:spMk id="73" creationId="{00000000-0000-0000-0000-000000000000}"/>
+          </ac:spMkLst>
+        </pc:spChg>
+        <pc:picChg chg="add del mod">
+          <ac:chgData name="Danett Pepito" userId="ddef1e2176689e9a" providerId="LiveId" clId="{53BB49C2-00DF-4AB6-9D9D-351DBF063D16}" dt="2022-03-02T08:21:31.590" v="1458" actId="478"/>
+          <ac:picMkLst>
+            <pc:docMk/>
+            <pc:sldMk cId="958280587" sldId="288"/>
+            <ac:picMk id="3" creationId="{89B2A5FF-F9D0-41AA-B188-A5DE6A862D8D}"/>
+          </ac:picMkLst>
+        </pc:picChg>
+        <pc:picChg chg="add mod">
+          <ac:chgData name="Danett Pepito" userId="ddef1e2176689e9a" providerId="LiveId" clId="{53BB49C2-00DF-4AB6-9D9D-351DBF063D16}" dt="2022-03-02T08:21:35.214" v="1461" actId="1076"/>
+          <ac:picMkLst>
+            <pc:docMk/>
+            <pc:sldMk cId="958280587" sldId="288"/>
+            <ac:picMk id="4" creationId="{8DFE631F-169D-4ACA-816C-A1A1167060F7}"/>
+          </ac:picMkLst>
+        </pc:picChg>
+      </pc:sldChg>
+      <pc:sldChg chg="addSp delSp modSp add mod replId">
+        <pc:chgData name="Danett Pepito" userId="ddef1e2176689e9a" providerId="LiveId" clId="{53BB49C2-00DF-4AB6-9D9D-351DBF063D16}" dt="2022-03-02T08:31:37.358" v="1559" actId="1076"/>
+        <pc:sldMkLst>
+          <pc:docMk/>
+          <pc:sldMk cId="3870465551" sldId="289"/>
+        </pc:sldMkLst>
+        <pc:spChg chg="mod">
+          <ac:chgData name="Danett Pepito" userId="ddef1e2176689e9a" providerId="LiveId" clId="{53BB49C2-00DF-4AB6-9D9D-351DBF063D16}" dt="2022-03-02T08:29:45.389" v="1481" actId="20577"/>
+          <ac:spMkLst>
+            <pc:docMk/>
+            <pc:sldMk cId="3870465551" sldId="289"/>
+            <ac:spMk id="78" creationId="{00000000-0000-0000-0000-000000000000}"/>
+          </ac:spMkLst>
+        </pc:spChg>
+        <pc:graphicFrameChg chg="mod modGraphic">
+          <ac:chgData name="Danett Pepito" userId="ddef1e2176689e9a" providerId="LiveId" clId="{53BB49C2-00DF-4AB6-9D9D-351DBF063D16}" dt="2022-03-02T08:30:47.572" v="1555" actId="1076"/>
+          <ac:graphicFrameMkLst>
+            <pc:docMk/>
+            <pc:sldMk cId="3870465551" sldId="289"/>
+            <ac:graphicFrameMk id="79" creationId="{00000000-0000-0000-0000-000000000000}"/>
+          </ac:graphicFrameMkLst>
+        </pc:graphicFrameChg>
+        <pc:picChg chg="del">
+          <ac:chgData name="Danett Pepito" userId="ddef1e2176689e9a" providerId="LiveId" clId="{53BB49C2-00DF-4AB6-9D9D-351DBF063D16}" dt="2022-03-01T20:51:18.439" v="1438" actId="478"/>
+          <ac:picMkLst>
+            <pc:docMk/>
+            <pc:sldMk cId="3870465551" sldId="289"/>
+            <ac:picMk id="3" creationId="{D088232B-DFBC-435E-858F-CB6FBD7CAD6F}"/>
+          </ac:picMkLst>
+        </pc:picChg>
+        <pc:picChg chg="add mod">
+          <ac:chgData name="Danett Pepito" userId="ddef1e2176689e9a" providerId="LiveId" clId="{53BB49C2-00DF-4AB6-9D9D-351DBF063D16}" dt="2022-03-02T08:31:35.386" v="1558" actId="1076"/>
+          <ac:picMkLst>
+            <pc:docMk/>
+            <pc:sldMk cId="3870465551" sldId="289"/>
+            <ac:picMk id="3" creationId="{DDC9A41C-C65C-40F3-BE8A-32DE22E5C5A0}"/>
+          </ac:picMkLst>
+        </pc:picChg>
+        <pc:picChg chg="add mod">
+          <ac:chgData name="Danett Pepito" userId="ddef1e2176689e9a" providerId="LiveId" clId="{53BB49C2-00DF-4AB6-9D9D-351DBF063D16}" dt="2022-03-02T08:31:37.358" v="1559" actId="1076"/>
+          <ac:picMkLst>
+            <pc:docMk/>
+            <pc:sldMk cId="3870465551" sldId="289"/>
+            <ac:picMk id="5" creationId="{D3864A86-5F6D-42D2-8BB5-B750C3887909}"/>
+          </ac:picMkLst>
+        </pc:picChg>
+        <pc:picChg chg="del">
+          <ac:chgData name="Danett Pepito" userId="ddef1e2176689e9a" providerId="LiveId" clId="{53BB49C2-00DF-4AB6-9D9D-351DBF063D16}" dt="2022-03-01T20:51:17.519" v="1437" actId="478"/>
+          <ac:picMkLst>
+            <pc:docMk/>
+            <pc:sldMk cId="3870465551" sldId="289"/>
+            <ac:picMk id="6" creationId="{38648B43-C8D9-46A0-8904-CD24F850A19C}"/>
+          </ac:picMkLst>
+        </pc:picChg>
+      </pc:sldChg>
+      <pc:sldChg chg="addSp delSp modSp add del mod">
+        <pc:chgData name="Danett Pepito" userId="ddef1e2176689e9a" providerId="LiveId" clId="{53BB49C2-00DF-4AB6-9D9D-351DBF063D16}" dt="2022-03-02T08:29:23.559" v="1468" actId="47"/>
+        <pc:sldMkLst>
+          <pc:docMk/>
+          <pc:sldMk cId="3348665066" sldId="290"/>
+        </pc:sldMkLst>
+        <pc:spChg chg="mod">
+          <ac:chgData name="Danett Pepito" userId="ddef1e2176689e9a" providerId="LiveId" clId="{53BB49C2-00DF-4AB6-9D9D-351DBF063D16}" dt="2022-03-01T20:53:14.499" v="1456" actId="20577"/>
+          <ac:spMkLst>
+            <pc:docMk/>
+            <pc:sldMk cId="3348665066" sldId="290"/>
+            <ac:spMk id="73" creationId="{00000000-0000-0000-0000-000000000000}"/>
+          </ac:spMkLst>
+        </pc:spChg>
+        <pc:picChg chg="add del">
+          <ac:chgData name="Danett Pepito" userId="ddef1e2176689e9a" providerId="LiveId" clId="{53BB49C2-00DF-4AB6-9D9D-351DBF063D16}" dt="2022-03-02T08:29:02.049" v="1463" actId="478"/>
+          <ac:picMkLst>
+            <pc:docMk/>
+            <pc:sldMk cId="3348665066" sldId="290"/>
+            <ac:picMk id="3" creationId="{77696CD4-7541-443D-8B15-21792C4AA096}"/>
+          </ac:picMkLst>
+        </pc:picChg>
+        <pc:picChg chg="del">
+          <ac:chgData name="Danett Pepito" userId="ddef1e2176689e9a" providerId="LiveId" clId="{53BB49C2-00DF-4AB6-9D9D-351DBF063D16}" dt="2022-03-01T20:53:17.179" v="1457" actId="478"/>
+          <ac:picMkLst>
+            <pc:docMk/>
+            <pc:sldMk cId="3348665066" sldId="290"/>
+            <ac:picMk id="3" creationId="{89B2A5FF-F9D0-41AA-B188-A5DE6A862D8D}"/>
           </ac:picMkLst>
         </pc:picChg>
       </pc:sldChg>
@@ -4043,7 +4177,7 @@
   <p:cSld>
     <p:spTree>
       <p:nvGrpSpPr>
-        <p:cNvPr id="1" name="Shape 80"/>
+        <p:cNvPr id="1" name="Shape 69"/>
         <p:cNvGrpSpPr/>
         <p:nvPr/>
       </p:nvGrpSpPr>
@@ -4057,7 +4191,7 @@
       </p:grpSpPr>
       <p:sp>
         <p:nvSpPr>
-          <p:cNvPr id="81" name="Google Shape;81;gac10fef634_0_25:notes"/>
+          <p:cNvPr id="70" name="Google Shape;70;gac10fef634_0_16:notes"/>
           <p:cNvSpPr>
             <a:spLocks noGrp="1" noRot="1" noChangeAspect="1"/>
           </p:cNvSpPr>
@@ -4098,7 +4232,7 @@
       </p:sp>
       <p:sp>
         <p:nvSpPr>
-          <p:cNvPr id="82" name="Google Shape;82;gac10fef634_0_25:notes"/>
+          <p:cNvPr id="71" name="Google Shape;71;gac10fef634_0_16:notes"/>
           <p:cNvSpPr txBox="1">
             <a:spLocks noGrp="1"/>
           </p:cNvSpPr>
@@ -4128,27 +4262,6 @@
               <a:spcAft>
                 <a:spcPts val="0"/>
               </a:spcAft>
-              <a:buClr>
-                <a:schemeClr val="dk1"/>
-              </a:buClr>
-              <a:buSzPts val="1100"/>
-              <a:buFont typeface="Arial"/>
-              <a:buNone/>
-            </a:pPr>
-            <a:r>
-              <a:rPr lang="en"/>
-              <a:t>Your version control evidence should go here.  This could be in the form of annotated screenshots which show you you managed this process or you could make a brief screencast explaining how you implemented version control.</a:t>
-            </a:r>
-            <a:endParaRPr/>
-          </a:p>
-          <a:p>
-            <a:pPr marL="0" lvl="0" indent="0" algn="l" rtl="0">
-              <a:spcBef>
-                <a:spcPts val="0"/>
-              </a:spcBef>
-              <a:spcAft>
-                <a:spcPts val="0"/>
-              </a:spcAft>
               <a:buNone/>
             </a:pPr>
             <a:endParaRPr/>
@@ -4156,6 +4269,11 @@
         </p:txBody>
       </p:sp>
     </p:spTree>
+    <p:extLst>
+      <p:ext uri="{BB962C8B-B14F-4D97-AF65-F5344CB8AC3E}">
+        <p14:creationId xmlns:p14="http://schemas.microsoft.com/office/powerpoint/2010/main" val="1571212316"/>
+      </p:ext>
+    </p:extLst>
   </p:cSld>
   <p:clrMapOvr>
     <a:masterClrMapping/>
@@ -4168,7 +4286,7 @@
   <p:cSld>
     <p:spTree>
       <p:nvGrpSpPr>
-        <p:cNvPr id="1" name="Shape 86"/>
+        <p:cNvPr id="1" name="Shape 74"/>
         <p:cNvGrpSpPr/>
         <p:nvPr/>
       </p:nvGrpSpPr>
@@ -4182,7 +4300,7 @@
       </p:grpSpPr>
       <p:sp>
         <p:nvSpPr>
-          <p:cNvPr id="87" name="Google Shape;87;gac10fef634_0_30:notes"/>
+          <p:cNvPr id="75" name="Google Shape;75;gac10fef634_0_20:notes"/>
           <p:cNvSpPr>
             <a:spLocks noGrp="1" noRot="1" noChangeAspect="1"/>
           </p:cNvSpPr>
@@ -4223,7 +4341,7 @@
       </p:sp>
       <p:sp>
         <p:nvSpPr>
-          <p:cNvPr id="88" name="Google Shape;88;gac10fef634_0_30:notes"/>
+          <p:cNvPr id="76" name="Google Shape;76;gac10fef634_0_20:notes"/>
           <p:cNvSpPr txBox="1">
             <a:spLocks noGrp="1"/>
           </p:cNvSpPr>
@@ -4255,15 +4373,16 @@
               </a:spcAft>
               <a:buNone/>
             </a:pPr>
-            <a:r>
-              <a:rPr lang="en"/>
-              <a:t>Discusses how the information from planning, testing and trialling of components assisted in the development of a high-quality outcome</a:t>
-            </a:r>
             <a:endParaRPr/>
           </a:p>
         </p:txBody>
       </p:sp>
     </p:spTree>
+    <p:extLst>
+      <p:ext uri="{BB962C8B-B14F-4D97-AF65-F5344CB8AC3E}">
+        <p14:creationId xmlns:p14="http://schemas.microsoft.com/office/powerpoint/2010/main" val="3985071935"/>
+      </p:ext>
+    </p:extLst>
   </p:cSld>
   <p:clrMapOvr>
     <a:masterClrMapping/>
@@ -4384,6 +4503,239 @@
               </a:spcAft>
               <a:buNone/>
             </a:pPr>
+            <a:endParaRPr/>
+          </a:p>
+        </p:txBody>
+      </p:sp>
+    </p:spTree>
+  </p:cSld>
+  <p:clrMapOvr>
+    <a:masterClrMapping/>
+  </p:clrMapOvr>
+</p:notes>
+</file>
+
+<file path=ppt/notesSlides/notesSlide30.xml><?xml version="1.0" encoding="utf-8"?>
+<p:notes xmlns:a="http://schemas.openxmlformats.org/drawingml/2006/main" xmlns:r="http://schemas.openxmlformats.org/officeDocument/2006/relationships" xmlns:p="http://schemas.openxmlformats.org/presentationml/2006/main" showMasterSp="0" showMasterPhAnim="0">
+  <p:cSld>
+    <p:spTree>
+      <p:nvGrpSpPr>
+        <p:cNvPr id="1" name="Shape 80"/>
+        <p:cNvGrpSpPr/>
+        <p:nvPr/>
+      </p:nvGrpSpPr>
+      <p:grpSpPr>
+        <a:xfrm>
+          <a:off x="0" y="0"/>
+          <a:ext cx="0" cy="0"/>
+          <a:chOff x="0" y="0"/>
+          <a:chExt cx="0" cy="0"/>
+        </a:xfrm>
+      </p:grpSpPr>
+      <p:sp>
+        <p:nvSpPr>
+          <p:cNvPr id="81" name="Google Shape;81;gac10fef634_0_25:notes"/>
+          <p:cNvSpPr>
+            <a:spLocks noGrp="1" noRot="1" noChangeAspect="1"/>
+          </p:cNvSpPr>
+          <p:nvPr>
+            <p:ph type="sldImg" idx="2"/>
+          </p:nvPr>
+        </p:nvSpPr>
+        <p:spPr>
+          <a:xfrm>
+            <a:off x="381000" y="685800"/>
+            <a:ext cx="6096000" cy="3429000"/>
+          </a:xfrm>
+          <a:custGeom>
+            <a:avLst/>
+            <a:gdLst/>
+            <a:ahLst/>
+            <a:cxnLst/>
+            <a:rect l="l" t="t" r="r" b="b"/>
+            <a:pathLst>
+              <a:path w="120000" h="120000" extrusionOk="0">
+                <a:moveTo>
+                  <a:pt x="0" y="0"/>
+                </a:moveTo>
+                <a:lnTo>
+                  <a:pt x="120000" y="0"/>
+                </a:lnTo>
+                <a:lnTo>
+                  <a:pt x="120000" y="120000"/>
+                </a:lnTo>
+                <a:lnTo>
+                  <a:pt x="0" y="120000"/>
+                </a:lnTo>
+                <a:close/>
+              </a:path>
+            </a:pathLst>
+          </a:custGeom>
+        </p:spPr>
+      </p:sp>
+      <p:sp>
+        <p:nvSpPr>
+          <p:cNvPr id="82" name="Google Shape;82;gac10fef634_0_25:notes"/>
+          <p:cNvSpPr txBox="1">
+            <a:spLocks noGrp="1"/>
+          </p:cNvSpPr>
+          <p:nvPr>
+            <p:ph type="body" idx="1"/>
+          </p:nvPr>
+        </p:nvSpPr>
+        <p:spPr>
+          <a:xfrm>
+            <a:off x="685800" y="4343400"/>
+            <a:ext cx="5486400" cy="4114800"/>
+          </a:xfrm>
+          <a:prstGeom prst="rect">
+            <a:avLst/>
+          </a:prstGeom>
+        </p:spPr>
+        <p:txBody>
+          <a:bodyPr spcFirstLastPara="1" wrap="square" lIns="91425" tIns="91425" rIns="91425" bIns="91425" anchor="t" anchorCtr="0">
+            <a:noAutofit/>
+          </a:bodyPr>
+          <a:lstStyle/>
+          <a:p>
+            <a:pPr marL="0" lvl="0" indent="0" algn="l" rtl="0">
+              <a:spcBef>
+                <a:spcPts val="0"/>
+              </a:spcBef>
+              <a:spcAft>
+                <a:spcPts val="0"/>
+              </a:spcAft>
+              <a:buClr>
+                <a:schemeClr val="dk1"/>
+              </a:buClr>
+              <a:buSzPts val="1100"/>
+              <a:buFont typeface="Arial"/>
+              <a:buNone/>
+            </a:pPr>
+            <a:r>
+              <a:rPr lang="en"/>
+              <a:t>Your version control evidence should go here.  This could be in the form of annotated screenshots which show you you managed this process or you could make a brief screencast explaining how you implemented version control.</a:t>
+            </a:r>
+            <a:endParaRPr/>
+          </a:p>
+          <a:p>
+            <a:pPr marL="0" lvl="0" indent="0" algn="l" rtl="0">
+              <a:spcBef>
+                <a:spcPts val="0"/>
+              </a:spcBef>
+              <a:spcAft>
+                <a:spcPts val="0"/>
+              </a:spcAft>
+              <a:buNone/>
+            </a:pPr>
+            <a:endParaRPr/>
+          </a:p>
+        </p:txBody>
+      </p:sp>
+    </p:spTree>
+  </p:cSld>
+  <p:clrMapOvr>
+    <a:masterClrMapping/>
+  </p:clrMapOvr>
+</p:notes>
+</file>
+
+<file path=ppt/notesSlides/notesSlide31.xml><?xml version="1.0" encoding="utf-8"?>
+<p:notes xmlns:a="http://schemas.openxmlformats.org/drawingml/2006/main" xmlns:r="http://schemas.openxmlformats.org/officeDocument/2006/relationships" xmlns:p="http://schemas.openxmlformats.org/presentationml/2006/main" showMasterSp="0" showMasterPhAnim="0">
+  <p:cSld>
+    <p:spTree>
+      <p:nvGrpSpPr>
+        <p:cNvPr id="1" name="Shape 86"/>
+        <p:cNvGrpSpPr/>
+        <p:nvPr/>
+      </p:nvGrpSpPr>
+      <p:grpSpPr>
+        <a:xfrm>
+          <a:off x="0" y="0"/>
+          <a:ext cx="0" cy="0"/>
+          <a:chOff x="0" y="0"/>
+          <a:chExt cx="0" cy="0"/>
+        </a:xfrm>
+      </p:grpSpPr>
+      <p:sp>
+        <p:nvSpPr>
+          <p:cNvPr id="87" name="Google Shape;87;gac10fef634_0_30:notes"/>
+          <p:cNvSpPr>
+            <a:spLocks noGrp="1" noRot="1" noChangeAspect="1"/>
+          </p:cNvSpPr>
+          <p:nvPr>
+            <p:ph type="sldImg" idx="2"/>
+          </p:nvPr>
+        </p:nvSpPr>
+        <p:spPr>
+          <a:xfrm>
+            <a:off x="381000" y="685800"/>
+            <a:ext cx="6096000" cy="3429000"/>
+          </a:xfrm>
+          <a:custGeom>
+            <a:avLst/>
+            <a:gdLst/>
+            <a:ahLst/>
+            <a:cxnLst/>
+            <a:rect l="l" t="t" r="r" b="b"/>
+            <a:pathLst>
+              <a:path w="120000" h="120000" extrusionOk="0">
+                <a:moveTo>
+                  <a:pt x="0" y="0"/>
+                </a:moveTo>
+                <a:lnTo>
+                  <a:pt x="120000" y="0"/>
+                </a:lnTo>
+                <a:lnTo>
+                  <a:pt x="120000" y="120000"/>
+                </a:lnTo>
+                <a:lnTo>
+                  <a:pt x="0" y="120000"/>
+                </a:lnTo>
+                <a:close/>
+              </a:path>
+            </a:pathLst>
+          </a:custGeom>
+        </p:spPr>
+      </p:sp>
+      <p:sp>
+        <p:nvSpPr>
+          <p:cNvPr id="88" name="Google Shape;88;gac10fef634_0_30:notes"/>
+          <p:cNvSpPr txBox="1">
+            <a:spLocks noGrp="1"/>
+          </p:cNvSpPr>
+          <p:nvPr>
+            <p:ph type="body" idx="1"/>
+          </p:nvPr>
+        </p:nvSpPr>
+        <p:spPr>
+          <a:xfrm>
+            <a:off x="685800" y="4343400"/>
+            <a:ext cx="5486400" cy="4114800"/>
+          </a:xfrm>
+          <a:prstGeom prst="rect">
+            <a:avLst/>
+          </a:prstGeom>
+        </p:spPr>
+        <p:txBody>
+          <a:bodyPr spcFirstLastPara="1" wrap="square" lIns="91425" tIns="91425" rIns="91425" bIns="91425" anchor="t" anchorCtr="0">
+            <a:noAutofit/>
+          </a:bodyPr>
+          <a:lstStyle/>
+          <a:p>
+            <a:pPr marL="0" lvl="0" indent="0" algn="l" rtl="0">
+              <a:spcBef>
+                <a:spcPts val="0"/>
+              </a:spcBef>
+              <a:spcAft>
+                <a:spcPts val="0"/>
+              </a:spcAft>
+              <a:buNone/>
+            </a:pPr>
+            <a:r>
+              <a:rPr lang="en"/>
+              <a:t>Discusses how the information from planning, testing and trialling of components assisted in the development of a high-quality outcome</a:t>
+            </a:r>
             <a:endParaRPr/>
           </a:p>
         </p:txBody>
@@ -14465,6 +14817,36 @@
           </a:p>
         </p:txBody>
       </p:sp>
+      <p:pic>
+        <p:nvPicPr>
+          <p:cNvPr id="3" name="Picture 2">
+            <a:extLst>
+              <a:ext uri="{FF2B5EF4-FFF2-40B4-BE49-F238E27FC236}">
+                <a16:creationId xmlns:a16="http://schemas.microsoft.com/office/drawing/2014/main" id="{8CD02DBC-1EC3-43ED-BC6B-CA49AE41A780}"/>
+              </a:ext>
+            </a:extLst>
+          </p:cNvPr>
+          <p:cNvPicPr>
+            <a:picLocks noChangeAspect="1"/>
+          </p:cNvPicPr>
+          <p:nvPr/>
+        </p:nvPicPr>
+        <p:blipFill>
+          <a:blip r:embed="rId3"/>
+          <a:stretch>
+            <a:fillRect/>
+          </a:stretch>
+        </p:blipFill>
+        <p:spPr>
+          <a:xfrm>
+            <a:off x="723900" y="1147428"/>
+            <a:ext cx="7307580" cy="3551047"/>
+          </a:xfrm>
+          <a:prstGeom prst="rect">
+            <a:avLst/>
+          </a:prstGeom>
+        </p:spPr>
+      </p:pic>
     </p:spTree>
     <p:extLst>
       <p:ext uri="{BB962C8B-B14F-4D97-AF65-F5344CB8AC3E}">
@@ -14914,17 +15296,9 @@
 <file path=ppt/slides/slide28.xml><?xml version="1.0" encoding="utf-8"?>
 <p:sld xmlns:a="http://schemas.openxmlformats.org/drawingml/2006/main" xmlns:r="http://schemas.openxmlformats.org/officeDocument/2006/relationships" xmlns:p="http://schemas.openxmlformats.org/presentationml/2006/main">
   <p:cSld>
-    <p:bg>
-      <p:bgPr>
-        <a:solidFill>
-          <a:srgbClr val="D9EAD3"/>
-        </a:solidFill>
-        <a:effectLst/>
-      </p:bgPr>
-    </p:bg>
     <p:spTree>
       <p:nvGrpSpPr>
-        <p:cNvPr id="1" name="Shape 83"/>
+        <p:cNvPr id="1" name="Shape 72"/>
         <p:cNvGrpSpPr/>
         <p:nvPr/>
       </p:nvGrpSpPr>
@@ -14938,7 +15312,7 @@
       </p:grpSpPr>
       <p:sp>
         <p:nvSpPr>
-          <p:cNvPr id="84" name="Google Shape;84;p18"/>
+          <p:cNvPr id="73" name="Google Shape;73;p16"/>
           <p:cNvSpPr txBox="1">
             <a:spLocks noGrp="1"/>
           </p:cNvSpPr>
@@ -14971,56 +15345,49 @@
               <a:buNone/>
             </a:pPr>
             <a:r>
-              <a:rPr lang="en"/>
-              <a:t>Version Control Evidence</a:t>
+              <a:rPr lang="en" dirty="0"/>
+              <a:t>Component 5 Pizza Menu version 1</a:t>
             </a:r>
-            <a:endParaRPr/>
+            <a:endParaRPr dirty="0"/>
           </a:p>
         </p:txBody>
       </p:sp>
-      <p:sp>
-        <p:nvSpPr>
-          <p:cNvPr id="85" name="Google Shape;85;p18"/>
-          <p:cNvSpPr txBox="1">
-            <a:spLocks noGrp="1"/>
-          </p:cNvSpPr>
-          <p:nvPr>
-            <p:ph type="body" idx="1"/>
-          </p:nvPr>
-        </p:nvSpPr>
+      <p:pic>
+        <p:nvPicPr>
+          <p:cNvPr id="4" name="Picture 3">
+            <a:extLst>
+              <a:ext uri="{FF2B5EF4-FFF2-40B4-BE49-F238E27FC236}">
+                <a16:creationId xmlns:a16="http://schemas.microsoft.com/office/drawing/2014/main" id="{8DFE631F-169D-4ACA-816C-A1A1167060F7}"/>
+              </a:ext>
+            </a:extLst>
+          </p:cNvPr>
+          <p:cNvPicPr>
+            <a:picLocks noChangeAspect="1"/>
+          </p:cNvPicPr>
+          <p:nvPr/>
+        </p:nvPicPr>
+        <p:blipFill>
+          <a:blip r:embed="rId3"/>
+          <a:stretch>
+            <a:fillRect/>
+          </a:stretch>
+        </p:blipFill>
         <p:spPr>
           <a:xfrm>
-            <a:off x="311700" y="1152475"/>
-            <a:ext cx="8464200" cy="3739200"/>
+            <a:off x="227512" y="1372660"/>
+            <a:ext cx="8604788" cy="2398179"/>
           </a:xfrm>
           <a:prstGeom prst="rect">
             <a:avLst/>
           </a:prstGeom>
         </p:spPr>
-        <p:txBody>
-          <a:bodyPr spcFirstLastPara="1" wrap="square" lIns="91425" tIns="91425" rIns="91425" bIns="91425" anchor="t" anchorCtr="0">
-            <a:noAutofit/>
-          </a:bodyPr>
-          <a:lstStyle/>
-          <a:p>
-            <a:pPr marL="0" lvl="0" indent="0" algn="l" rtl="0">
-              <a:spcBef>
-                <a:spcPts val="0"/>
-              </a:spcBef>
-              <a:spcAft>
-                <a:spcPts val="1600"/>
-              </a:spcAft>
-              <a:buNone/>
-            </a:pPr>
-            <a:r>
-              <a:rPr lang="en" i="1"/>
-              <a:t>Your version control evidence should go here.  This could be in the form of annotated screenshots which show you you managed this process or you could make a brief screencast explaining how you implemented version control.</a:t>
-            </a:r>
-            <a:endParaRPr i="1"/>
-          </a:p>
-        </p:txBody>
-      </p:sp>
+      </p:pic>
     </p:spTree>
+    <p:extLst>
+      <p:ext uri="{BB962C8B-B14F-4D97-AF65-F5344CB8AC3E}">
+        <p14:creationId xmlns:p14="http://schemas.microsoft.com/office/powerpoint/2010/main" val="958280587"/>
+      </p:ext>
+    </p:extLst>
   </p:cSld>
   <p:clrMapOvr>
     <a:masterClrMapping/>
@@ -15031,17 +15398,9 @@
 <file path=ppt/slides/slide29.xml><?xml version="1.0" encoding="utf-8"?>
 <p:sld xmlns:a="http://schemas.openxmlformats.org/drawingml/2006/main" xmlns:r="http://schemas.openxmlformats.org/officeDocument/2006/relationships" xmlns:p="http://schemas.openxmlformats.org/presentationml/2006/main">
   <p:cSld>
-    <p:bg>
-      <p:bgPr>
-        <a:solidFill>
-          <a:srgbClr val="FFE599"/>
-        </a:solidFill>
-        <a:effectLst/>
-      </p:bgPr>
-    </p:bg>
     <p:spTree>
       <p:nvGrpSpPr>
-        <p:cNvPr id="1" name="Shape 89"/>
+        <p:cNvPr id="1" name="Shape 77"/>
         <p:cNvGrpSpPr/>
         <p:nvPr/>
       </p:nvGrpSpPr>
@@ -15055,18 +15414,18 @@
       </p:grpSpPr>
       <p:sp>
         <p:nvSpPr>
-          <p:cNvPr id="90" name="Google Shape;90;p19"/>
+          <p:cNvPr id="78" name="Google Shape;78;p17"/>
           <p:cNvSpPr txBox="1">
             <a:spLocks noGrp="1"/>
           </p:cNvSpPr>
           <p:nvPr>
-            <p:ph type="body" idx="1"/>
+            <p:ph type="title"/>
           </p:nvPr>
         </p:nvSpPr>
         <p:spPr>
           <a:xfrm>
-            <a:off x="311700" y="397700"/>
-            <a:ext cx="8520600" cy="4171200"/>
+            <a:off x="311700" y="117365"/>
+            <a:ext cx="8520600" cy="572700"/>
           </a:xfrm>
           <a:prstGeom prst="rect">
             <a:avLst/>
@@ -15083,23 +15442,241 @@
                 <a:spcPts val="0"/>
               </a:spcBef>
               <a:spcAft>
-                <a:spcPts val="1600"/>
+                <a:spcPts val="0"/>
               </a:spcAft>
               <a:buNone/>
             </a:pPr>
             <a:r>
-              <a:rPr lang="en" b="1" i="1">
-                <a:solidFill>
-                  <a:srgbClr val="595959"/>
-                </a:solidFill>
-              </a:rPr>
-              <a:t>Discusses how the information from planning, testing and trialling of components assisted in the development of a high-quality outcome</a:t>
+              <a:rPr lang="en" sz="2400" dirty="0"/>
+              <a:t>Component 5 Pizza Menu v1</a:t>
             </a:r>
-            <a:endParaRPr/>
+            <a:endParaRPr sz="2400" dirty="0"/>
           </a:p>
         </p:txBody>
       </p:sp>
+      <p:graphicFrame>
+        <p:nvGraphicFramePr>
+          <p:cNvPr id="79" name="Google Shape;79;p17"/>
+          <p:cNvGraphicFramePr/>
+          <p:nvPr>
+            <p:extLst>
+              <p:ext uri="{D42A27DB-BD31-4B8C-83A1-F6EECF244321}">
+                <p14:modId xmlns:p14="http://schemas.microsoft.com/office/powerpoint/2010/main" val="1281034383"/>
+              </p:ext>
+            </p:extLst>
+          </p:nvPr>
+        </p:nvGraphicFramePr>
+        <p:xfrm>
+          <a:off x="311700" y="3901193"/>
+          <a:ext cx="8520600" cy="853370"/>
+        </p:xfrm>
+        <a:graphic>
+          <a:graphicData uri="http://schemas.openxmlformats.org/drawingml/2006/table">
+            <a:tbl>
+              <a:tblPr>
+                <a:noFill/>
+                <a:tableStyleId>{E1099E06-0E6B-448D-9D27-60429F06E6F4}</a:tableStyleId>
+              </a:tblPr>
+              <a:tblGrid>
+                <a:gridCol w="4260300">
+                  <a:extLst>
+                    <a:ext uri="{9D8B030D-6E8A-4147-A177-3AD203B41FA5}">
+                      <a16:colId xmlns:a16="http://schemas.microsoft.com/office/drawing/2014/main" val="20000"/>
+                    </a:ext>
+                  </a:extLst>
+                </a:gridCol>
+                <a:gridCol w="4260300">
+                  <a:extLst>
+                    <a:ext uri="{9D8B030D-6E8A-4147-A177-3AD203B41FA5}">
+                      <a16:colId xmlns:a16="http://schemas.microsoft.com/office/drawing/2014/main" val="20001"/>
+                    </a:ext>
+                  </a:extLst>
+                </a:gridCol>
+              </a:tblGrid>
+              <a:tr h="381000">
+                <a:tc>
+                  <a:txBody>
+                    <a:bodyPr/>
+                    <a:lstStyle/>
+                    <a:p>
+                      <a:pPr marL="0" lvl="0" indent="0" algn="l" rtl="0">
+                        <a:spcBef>
+                          <a:spcPts val="0"/>
+                        </a:spcBef>
+                        <a:spcAft>
+                          <a:spcPts val="0"/>
+                        </a:spcAft>
+                        <a:buNone/>
+                      </a:pPr>
+                      <a:r>
+                        <a:rPr lang="en" sz="1800" b="1" dirty="0"/>
+                        <a:t>Test Case</a:t>
+                      </a:r>
+                      <a:endParaRPr sz="1800" b="1" dirty="0"/>
+                    </a:p>
+                  </a:txBody>
+                  <a:tcPr marL="91425" marR="91425" marT="91425" marB="91425">
+                    <a:solidFill>
+                      <a:srgbClr val="CCCCCC"/>
+                    </a:solidFill>
+                  </a:tcPr>
+                </a:tc>
+                <a:tc>
+                  <a:txBody>
+                    <a:bodyPr/>
+                    <a:lstStyle/>
+                    <a:p>
+                      <a:pPr marL="0" lvl="0" indent="0" algn="l" rtl="0">
+                        <a:spcBef>
+                          <a:spcPts val="0"/>
+                        </a:spcBef>
+                        <a:spcAft>
+                          <a:spcPts val="0"/>
+                        </a:spcAft>
+                        <a:buNone/>
+                      </a:pPr>
+                      <a:r>
+                        <a:rPr lang="en" sz="1800" b="1"/>
+                        <a:t>Expected Values</a:t>
+                      </a:r>
+                      <a:endParaRPr sz="1800" b="1"/>
+                    </a:p>
+                  </a:txBody>
+                  <a:tcPr marL="91425" marR="91425" marT="91425" marB="91425">
+                    <a:solidFill>
+                      <a:srgbClr val="CCCCCC"/>
+                    </a:solidFill>
+                  </a:tcPr>
+                </a:tc>
+                <a:extLst>
+                  <a:ext uri="{0D108BD9-81ED-4DB2-BD59-A6C34878D82A}">
+                    <a16:rowId xmlns:a16="http://schemas.microsoft.com/office/drawing/2014/main" val="10000"/>
+                  </a:ext>
+                </a:extLst>
+              </a:tr>
+              <a:tr h="396200">
+                <a:tc>
+                  <a:txBody>
+                    <a:bodyPr/>
+                    <a:lstStyle/>
+                    <a:p>
+                      <a:pPr marL="0" lvl="0" indent="0" algn="l" rtl="0">
+                        <a:spcBef>
+                          <a:spcPts val="0"/>
+                        </a:spcBef>
+                        <a:spcAft>
+                          <a:spcPts val="0"/>
+                        </a:spcAft>
+                        <a:buNone/>
+                      </a:pPr>
+                      <a:r>
+                        <a:rPr lang="en-NZ" sz="1300" dirty="0"/>
+                        <a:t>Run file</a:t>
+                      </a:r>
+                      <a:endParaRPr sz="1300" dirty="0"/>
+                    </a:p>
+                  </a:txBody>
+                  <a:tcPr marL="91425" marR="91425" marT="91425" marB="91425"/>
+                </a:tc>
+                <a:tc>
+                  <a:txBody>
+                    <a:bodyPr/>
+                    <a:lstStyle/>
+                    <a:p>
+                      <a:pPr marL="0" lvl="0" indent="0" algn="l" rtl="0">
+                        <a:spcBef>
+                          <a:spcPts val="0"/>
+                        </a:spcBef>
+                        <a:spcAft>
+                          <a:spcPts val="0"/>
+                        </a:spcAft>
+                        <a:buNone/>
+                      </a:pPr>
+                      <a:r>
+                        <a:rPr lang="en-NZ" sz="1300" dirty="0"/>
+                        <a:t>Printed a list with index number, pizzas and prices </a:t>
+                      </a:r>
+                      <a:endParaRPr sz="1300" dirty="0"/>
+                    </a:p>
+                  </a:txBody>
+                  <a:tcPr marL="91425" marR="91425" marT="91425" marB="91425"/>
+                </a:tc>
+                <a:extLst>
+                  <a:ext uri="{0D108BD9-81ED-4DB2-BD59-A6C34878D82A}">
+                    <a16:rowId xmlns:a16="http://schemas.microsoft.com/office/drawing/2014/main" val="10001"/>
+                  </a:ext>
+                </a:extLst>
+              </a:tr>
+            </a:tbl>
+          </a:graphicData>
+        </a:graphic>
+      </p:graphicFrame>
+      <p:pic>
+        <p:nvPicPr>
+          <p:cNvPr id="3" name="Picture 2">
+            <a:extLst>
+              <a:ext uri="{FF2B5EF4-FFF2-40B4-BE49-F238E27FC236}">
+                <a16:creationId xmlns:a16="http://schemas.microsoft.com/office/drawing/2014/main" id="{DDC9A41C-C65C-40F3-BE8A-32DE22E5C5A0}"/>
+              </a:ext>
+            </a:extLst>
+          </p:cNvPr>
+          <p:cNvPicPr>
+            <a:picLocks noChangeAspect="1"/>
+          </p:cNvPicPr>
+          <p:nvPr/>
+        </p:nvPicPr>
+        <p:blipFill>
+          <a:blip r:embed="rId3"/>
+          <a:stretch>
+            <a:fillRect/>
+          </a:stretch>
+        </p:blipFill>
+        <p:spPr>
+          <a:xfrm>
+            <a:off x="75480" y="1028770"/>
+            <a:ext cx="6005280" cy="1640823"/>
+          </a:xfrm>
+          <a:prstGeom prst="rect">
+            <a:avLst/>
+          </a:prstGeom>
+        </p:spPr>
+      </p:pic>
+      <p:pic>
+        <p:nvPicPr>
+          <p:cNvPr id="5" name="Picture 4">
+            <a:extLst>
+              <a:ext uri="{FF2B5EF4-FFF2-40B4-BE49-F238E27FC236}">
+                <a16:creationId xmlns:a16="http://schemas.microsoft.com/office/drawing/2014/main" id="{D3864A86-5F6D-42D2-8BB5-B750C3887909}"/>
+              </a:ext>
+            </a:extLst>
+          </p:cNvPr>
+          <p:cNvPicPr>
+            <a:picLocks noChangeAspect="1"/>
+          </p:cNvPicPr>
+          <p:nvPr/>
+        </p:nvPicPr>
+        <p:blipFill>
+          <a:blip r:embed="rId4"/>
+          <a:stretch>
+            <a:fillRect/>
+          </a:stretch>
+        </p:blipFill>
+        <p:spPr>
+          <a:xfrm>
+            <a:off x="6095575" y="1581011"/>
+            <a:ext cx="3048425" cy="1981477"/>
+          </a:xfrm>
+          <a:prstGeom prst="rect">
+            <a:avLst/>
+          </a:prstGeom>
+        </p:spPr>
+      </p:pic>
     </p:spTree>
+    <p:extLst>
+      <p:ext uri="{BB962C8B-B14F-4D97-AF65-F5344CB8AC3E}">
+        <p14:creationId xmlns:p14="http://schemas.microsoft.com/office/powerpoint/2010/main" val="3870465551"/>
+      </p:ext>
+    </p:extLst>
   </p:cSld>
   <p:clrMapOvr>
     <a:masterClrMapping/>
@@ -15233,6 +15810,202 @@
           </a:prstGeom>
         </p:spPr>
       </p:pic>
+    </p:spTree>
+  </p:cSld>
+  <p:clrMapOvr>
+    <a:masterClrMapping/>
+  </p:clrMapOvr>
+</p:sld>
+</file>
+
+<file path=ppt/slides/slide30.xml><?xml version="1.0" encoding="utf-8"?>
+<p:sld xmlns:a="http://schemas.openxmlformats.org/drawingml/2006/main" xmlns:r="http://schemas.openxmlformats.org/officeDocument/2006/relationships" xmlns:p="http://schemas.openxmlformats.org/presentationml/2006/main">
+  <p:cSld>
+    <p:bg>
+      <p:bgPr>
+        <a:solidFill>
+          <a:srgbClr val="D9EAD3"/>
+        </a:solidFill>
+        <a:effectLst/>
+      </p:bgPr>
+    </p:bg>
+    <p:spTree>
+      <p:nvGrpSpPr>
+        <p:cNvPr id="1" name="Shape 83"/>
+        <p:cNvGrpSpPr/>
+        <p:nvPr/>
+      </p:nvGrpSpPr>
+      <p:grpSpPr>
+        <a:xfrm>
+          <a:off x="0" y="0"/>
+          <a:ext cx="0" cy="0"/>
+          <a:chOff x="0" y="0"/>
+          <a:chExt cx="0" cy="0"/>
+        </a:xfrm>
+      </p:grpSpPr>
+      <p:sp>
+        <p:nvSpPr>
+          <p:cNvPr id="84" name="Google Shape;84;p18"/>
+          <p:cNvSpPr txBox="1">
+            <a:spLocks noGrp="1"/>
+          </p:cNvSpPr>
+          <p:nvPr>
+            <p:ph type="title"/>
+          </p:nvPr>
+        </p:nvSpPr>
+        <p:spPr>
+          <a:xfrm>
+            <a:off x="311700" y="445025"/>
+            <a:ext cx="8520600" cy="572700"/>
+          </a:xfrm>
+          <a:prstGeom prst="rect">
+            <a:avLst/>
+          </a:prstGeom>
+        </p:spPr>
+        <p:txBody>
+          <a:bodyPr spcFirstLastPara="1" wrap="square" lIns="91425" tIns="91425" rIns="91425" bIns="91425" anchor="t" anchorCtr="0">
+            <a:noAutofit/>
+          </a:bodyPr>
+          <a:lstStyle/>
+          <a:p>
+            <a:pPr marL="0" lvl="0" indent="0" algn="l" rtl="0">
+              <a:spcBef>
+                <a:spcPts val="0"/>
+              </a:spcBef>
+              <a:spcAft>
+                <a:spcPts val="0"/>
+              </a:spcAft>
+              <a:buNone/>
+            </a:pPr>
+            <a:r>
+              <a:rPr lang="en"/>
+              <a:t>Version Control Evidence</a:t>
+            </a:r>
+            <a:endParaRPr/>
+          </a:p>
+        </p:txBody>
+      </p:sp>
+      <p:sp>
+        <p:nvSpPr>
+          <p:cNvPr id="85" name="Google Shape;85;p18"/>
+          <p:cNvSpPr txBox="1">
+            <a:spLocks noGrp="1"/>
+          </p:cNvSpPr>
+          <p:nvPr>
+            <p:ph type="body" idx="1"/>
+          </p:nvPr>
+        </p:nvSpPr>
+        <p:spPr>
+          <a:xfrm>
+            <a:off x="311700" y="1152475"/>
+            <a:ext cx="8464200" cy="3739200"/>
+          </a:xfrm>
+          <a:prstGeom prst="rect">
+            <a:avLst/>
+          </a:prstGeom>
+        </p:spPr>
+        <p:txBody>
+          <a:bodyPr spcFirstLastPara="1" wrap="square" lIns="91425" tIns="91425" rIns="91425" bIns="91425" anchor="t" anchorCtr="0">
+            <a:noAutofit/>
+          </a:bodyPr>
+          <a:lstStyle/>
+          <a:p>
+            <a:pPr marL="0" lvl="0" indent="0" algn="l" rtl="0">
+              <a:spcBef>
+                <a:spcPts val="0"/>
+              </a:spcBef>
+              <a:spcAft>
+                <a:spcPts val="1600"/>
+              </a:spcAft>
+              <a:buNone/>
+            </a:pPr>
+            <a:r>
+              <a:rPr lang="en" i="1"/>
+              <a:t>Your version control evidence should go here.  This could be in the form of annotated screenshots which show you you managed this process or you could make a brief screencast explaining how you implemented version control.</a:t>
+            </a:r>
+            <a:endParaRPr i="1"/>
+          </a:p>
+        </p:txBody>
+      </p:sp>
+    </p:spTree>
+  </p:cSld>
+  <p:clrMapOvr>
+    <a:masterClrMapping/>
+  </p:clrMapOvr>
+</p:sld>
+</file>
+
+<file path=ppt/slides/slide31.xml><?xml version="1.0" encoding="utf-8"?>
+<p:sld xmlns:a="http://schemas.openxmlformats.org/drawingml/2006/main" xmlns:r="http://schemas.openxmlformats.org/officeDocument/2006/relationships" xmlns:p="http://schemas.openxmlformats.org/presentationml/2006/main">
+  <p:cSld>
+    <p:bg>
+      <p:bgPr>
+        <a:solidFill>
+          <a:srgbClr val="FFE599"/>
+        </a:solidFill>
+        <a:effectLst/>
+      </p:bgPr>
+    </p:bg>
+    <p:spTree>
+      <p:nvGrpSpPr>
+        <p:cNvPr id="1" name="Shape 89"/>
+        <p:cNvGrpSpPr/>
+        <p:nvPr/>
+      </p:nvGrpSpPr>
+      <p:grpSpPr>
+        <a:xfrm>
+          <a:off x="0" y="0"/>
+          <a:ext cx="0" cy="0"/>
+          <a:chOff x="0" y="0"/>
+          <a:chExt cx="0" cy="0"/>
+        </a:xfrm>
+      </p:grpSpPr>
+      <p:sp>
+        <p:nvSpPr>
+          <p:cNvPr id="90" name="Google Shape;90;p19"/>
+          <p:cNvSpPr txBox="1">
+            <a:spLocks noGrp="1"/>
+          </p:cNvSpPr>
+          <p:nvPr>
+            <p:ph type="body" idx="1"/>
+          </p:nvPr>
+        </p:nvSpPr>
+        <p:spPr>
+          <a:xfrm>
+            <a:off x="311700" y="397700"/>
+            <a:ext cx="8520600" cy="4171200"/>
+          </a:xfrm>
+          <a:prstGeom prst="rect">
+            <a:avLst/>
+          </a:prstGeom>
+        </p:spPr>
+        <p:txBody>
+          <a:bodyPr spcFirstLastPara="1" wrap="square" lIns="91425" tIns="91425" rIns="91425" bIns="91425" anchor="t" anchorCtr="0">
+            <a:noAutofit/>
+          </a:bodyPr>
+          <a:lstStyle/>
+          <a:p>
+            <a:pPr marL="0" lvl="0" indent="0" algn="l" rtl="0">
+              <a:spcBef>
+                <a:spcPts val="0"/>
+              </a:spcBef>
+              <a:spcAft>
+                <a:spcPts val="1600"/>
+              </a:spcAft>
+              <a:buNone/>
+            </a:pPr>
+            <a:r>
+              <a:rPr lang="en" b="1" i="1">
+                <a:solidFill>
+                  <a:srgbClr val="595959"/>
+                </a:solidFill>
+              </a:rPr>
+              <a:t>Discusses how the information from planning, testing and trialling of components assisted in the development of a high-quality outcome</a:t>
+            </a:r>
+            <a:endParaRPr/>
+          </a:p>
+        </p:txBody>
+      </p:sp>
     </p:spTree>
   </p:cSld>
   <p:clrMapOvr>

--- a/022_91893+_+91897+Documentation.pptx
+++ b/022_91893+_+91897+Documentation.pptx
@@ -5,7 +5,7 @@
     <p:sldMasterId id="2147483659" r:id="rId1"/>
   </p:sldMasterIdLst>
   <p:notesMasterIdLst>
-    <p:notesMasterId r:id="rId33"/>
+    <p:notesMasterId r:id="rId37"/>
   </p:notesMasterIdLst>
   <p:sldIdLst>
     <p:sldId id="256" r:id="rId2"/>
@@ -37,8 +37,12 @@
     <p:sldId id="286" r:id="rId28"/>
     <p:sldId id="288" r:id="rId29"/>
     <p:sldId id="289" r:id="rId30"/>
-    <p:sldId id="261" r:id="rId31"/>
-    <p:sldId id="262" r:id="rId32"/>
+    <p:sldId id="290" r:id="rId31"/>
+    <p:sldId id="291" r:id="rId32"/>
+    <p:sldId id="292" r:id="rId33"/>
+    <p:sldId id="293" r:id="rId34"/>
+    <p:sldId id="261" r:id="rId35"/>
+    <p:sldId id="262" r:id="rId36"/>
   </p:sldIdLst>
   <p:sldSz cx="9144000" cy="5143500" type="screen16x9"/>
   <p:notesSz cx="6858000" cy="9144000"/>
@@ -303,7 +307,7 @@
   <pc:docChgLst>
     <pc:chgData name="Danett Pepito" userId="ddef1e2176689e9a" providerId="LiveId" clId="{53BB49C2-00DF-4AB6-9D9D-351DBF063D16}"/>
     <pc:docChg chg="undo custSel addSld delSld modSld sldOrd">
-      <pc:chgData name="Danett Pepito" userId="ddef1e2176689e9a" providerId="LiveId" clId="{53BB49C2-00DF-4AB6-9D9D-351DBF063D16}" dt="2022-03-02T08:31:37.358" v="1559" actId="1076"/>
+      <pc:chgData name="Danett Pepito" userId="ddef1e2176689e9a" providerId="LiveId" clId="{53BB49C2-00DF-4AB6-9D9D-351DBF063D16}" dt="2022-03-04T01:40:48.534" v="1733" actId="1076"/>
       <pc:docMkLst>
         <pc:docMk/>
       </pc:docMkLst>
@@ -1482,6 +1486,37 @@
           </ac:picMkLst>
         </pc:picChg>
       </pc:sldChg>
+      <pc:sldChg chg="addSp delSp modSp add mod">
+        <pc:chgData name="Danett Pepito" userId="ddef1e2176689e9a" providerId="LiveId" clId="{53BB49C2-00DF-4AB6-9D9D-351DBF063D16}" dt="2022-03-04T01:25:36.786" v="1566" actId="1076"/>
+        <pc:sldMkLst>
+          <pc:docMk/>
+          <pc:sldMk cId="1406421830" sldId="290"/>
+        </pc:sldMkLst>
+        <pc:spChg chg="mod">
+          <ac:chgData name="Danett Pepito" userId="ddef1e2176689e9a" providerId="LiveId" clId="{53BB49C2-00DF-4AB6-9D9D-351DBF063D16}" dt="2022-03-04T01:25:28.791" v="1562" actId="20577"/>
+          <ac:spMkLst>
+            <pc:docMk/>
+            <pc:sldMk cId="1406421830" sldId="290"/>
+            <ac:spMk id="73" creationId="{00000000-0000-0000-0000-000000000000}"/>
+          </ac:spMkLst>
+        </pc:spChg>
+        <pc:picChg chg="add mod">
+          <ac:chgData name="Danett Pepito" userId="ddef1e2176689e9a" providerId="LiveId" clId="{53BB49C2-00DF-4AB6-9D9D-351DBF063D16}" dt="2022-03-04T01:25:36.786" v="1566" actId="1076"/>
+          <ac:picMkLst>
+            <pc:docMk/>
+            <pc:sldMk cId="1406421830" sldId="290"/>
+            <ac:picMk id="3" creationId="{C037B67D-2166-4ACF-AD4D-66DE10DB6537}"/>
+          </ac:picMkLst>
+        </pc:picChg>
+        <pc:picChg chg="del">
+          <ac:chgData name="Danett Pepito" userId="ddef1e2176689e9a" providerId="LiveId" clId="{53BB49C2-00DF-4AB6-9D9D-351DBF063D16}" dt="2022-03-04T01:25:30.026" v="1563" actId="478"/>
+          <ac:picMkLst>
+            <pc:docMk/>
+            <pc:sldMk cId="1406421830" sldId="290"/>
+            <ac:picMk id="4" creationId="{8DFE631F-169D-4ACA-816C-A1A1167060F7}"/>
+          </ac:picMkLst>
+        </pc:picChg>
+      </pc:sldChg>
       <pc:sldChg chg="addSp delSp modSp add del mod">
         <pc:chgData name="Danett Pepito" userId="ddef1e2176689e9a" providerId="LiveId" clId="{53BB49C2-00DF-4AB6-9D9D-351DBF063D16}" dt="2022-03-02T08:29:23.559" v="1468" actId="47"/>
         <pc:sldMkLst>
@@ -1510,6 +1545,147 @@
             <pc:docMk/>
             <pc:sldMk cId="3348665066" sldId="290"/>
             <ac:picMk id="3" creationId="{89B2A5FF-F9D0-41AA-B188-A5DE6A862D8D}"/>
+          </ac:picMkLst>
+        </pc:picChg>
+      </pc:sldChg>
+      <pc:sldChg chg="addSp delSp modSp add mod replId">
+        <pc:chgData name="Danett Pepito" userId="ddef1e2176689e9a" providerId="LiveId" clId="{53BB49C2-00DF-4AB6-9D9D-351DBF063D16}" dt="2022-03-04T01:28:54.427" v="1676" actId="20577"/>
+        <pc:sldMkLst>
+          <pc:docMk/>
+          <pc:sldMk cId="1124617019" sldId="291"/>
+        </pc:sldMkLst>
+        <pc:spChg chg="mod">
+          <ac:chgData name="Danett Pepito" userId="ddef1e2176689e9a" providerId="LiveId" clId="{53BB49C2-00DF-4AB6-9D9D-351DBF063D16}" dt="2022-03-04T01:28:54.427" v="1676" actId="20577"/>
+          <ac:spMkLst>
+            <pc:docMk/>
+            <pc:sldMk cId="1124617019" sldId="291"/>
+            <ac:spMk id="78" creationId="{00000000-0000-0000-0000-000000000000}"/>
+          </ac:spMkLst>
+        </pc:spChg>
+        <pc:graphicFrameChg chg="mod modGraphic">
+          <ac:chgData name="Danett Pepito" userId="ddef1e2176689e9a" providerId="LiveId" clId="{53BB49C2-00DF-4AB6-9D9D-351DBF063D16}" dt="2022-03-04T01:28:33.756" v="1668" actId="1076"/>
+          <ac:graphicFrameMkLst>
+            <pc:docMk/>
+            <pc:sldMk cId="1124617019" sldId="291"/>
+            <ac:graphicFrameMk id="79" creationId="{00000000-0000-0000-0000-000000000000}"/>
+          </ac:graphicFrameMkLst>
+        </pc:graphicFrameChg>
+        <pc:picChg chg="del">
+          <ac:chgData name="Danett Pepito" userId="ddef1e2176689e9a" providerId="LiveId" clId="{53BB49C2-00DF-4AB6-9D9D-351DBF063D16}" dt="2022-03-04T01:25:38.629" v="1567" actId="478"/>
+          <ac:picMkLst>
+            <pc:docMk/>
+            <pc:sldMk cId="1124617019" sldId="291"/>
+            <ac:picMk id="3" creationId="{DDC9A41C-C65C-40F3-BE8A-32DE22E5C5A0}"/>
+          </ac:picMkLst>
+        </pc:picChg>
+        <pc:picChg chg="add mod">
+          <ac:chgData name="Danett Pepito" userId="ddef1e2176689e9a" providerId="LiveId" clId="{53BB49C2-00DF-4AB6-9D9D-351DBF063D16}" dt="2022-03-04T01:26:14.726" v="1577" actId="14100"/>
+          <ac:picMkLst>
+            <pc:docMk/>
+            <pc:sldMk cId="1124617019" sldId="291"/>
+            <ac:picMk id="4" creationId="{8959F50F-6641-4B3C-B7A0-83D3B9ED58F5}"/>
+          </ac:picMkLst>
+        </pc:picChg>
+        <pc:picChg chg="del">
+          <ac:chgData name="Danett Pepito" userId="ddef1e2176689e9a" providerId="LiveId" clId="{53BB49C2-00DF-4AB6-9D9D-351DBF063D16}" dt="2022-03-04T01:25:39.581" v="1568" actId="478"/>
+          <ac:picMkLst>
+            <pc:docMk/>
+            <pc:sldMk cId="1124617019" sldId="291"/>
+            <ac:picMk id="5" creationId="{D3864A86-5F6D-42D2-8BB5-B750C3887909}"/>
+          </ac:picMkLst>
+        </pc:picChg>
+        <pc:picChg chg="add mod">
+          <ac:chgData name="Danett Pepito" userId="ddef1e2176689e9a" providerId="LiveId" clId="{53BB49C2-00DF-4AB6-9D9D-351DBF063D16}" dt="2022-03-04T01:26:16.298" v="1578" actId="1076"/>
+          <ac:picMkLst>
+            <pc:docMk/>
+            <pc:sldMk cId="1124617019" sldId="291"/>
+            <ac:picMk id="7" creationId="{715EF539-F142-43E7-9C00-FCE19E8BD118}"/>
+          </ac:picMkLst>
+        </pc:picChg>
+      </pc:sldChg>
+      <pc:sldChg chg="addSp delSp modSp add mod">
+        <pc:chgData name="Danett Pepito" userId="ddef1e2176689e9a" providerId="LiveId" clId="{53BB49C2-00DF-4AB6-9D9D-351DBF063D16}" dt="2022-03-04T01:40:48.534" v="1733" actId="1076"/>
+        <pc:sldMkLst>
+          <pc:docMk/>
+          <pc:sldMk cId="3848710726" sldId="292"/>
+        </pc:sldMkLst>
+        <pc:spChg chg="mod">
+          <ac:chgData name="Danett Pepito" userId="ddef1e2176689e9a" providerId="LiveId" clId="{53BB49C2-00DF-4AB6-9D9D-351DBF063D16}" dt="2022-03-04T01:28:57.433" v="1678" actId="20577"/>
+          <ac:spMkLst>
+            <pc:docMk/>
+            <pc:sldMk cId="3848710726" sldId="292"/>
+            <ac:spMk id="73" creationId="{00000000-0000-0000-0000-000000000000}"/>
+          </ac:spMkLst>
+        </pc:spChg>
+        <pc:picChg chg="del">
+          <ac:chgData name="Danett Pepito" userId="ddef1e2176689e9a" providerId="LiveId" clId="{53BB49C2-00DF-4AB6-9D9D-351DBF063D16}" dt="2022-03-04T01:28:45.626" v="1670" actId="478"/>
+          <ac:picMkLst>
+            <pc:docMk/>
+            <pc:sldMk cId="3848710726" sldId="292"/>
+            <ac:picMk id="3" creationId="{C037B67D-2166-4ACF-AD4D-66DE10DB6537}"/>
+          </ac:picMkLst>
+        </pc:picChg>
+        <pc:picChg chg="add del mod">
+          <ac:chgData name="Danett Pepito" userId="ddef1e2176689e9a" providerId="LiveId" clId="{53BB49C2-00DF-4AB6-9D9D-351DBF063D16}" dt="2022-03-04T01:38:07.774" v="1681" actId="478"/>
+          <ac:picMkLst>
+            <pc:docMk/>
+            <pc:sldMk cId="3848710726" sldId="292"/>
+            <ac:picMk id="4" creationId="{B79783F8-B11E-462D-9AC9-B5276EAA0AC9}"/>
+          </ac:picMkLst>
+        </pc:picChg>
+        <pc:picChg chg="add mod modCrop">
+          <ac:chgData name="Danett Pepito" userId="ddef1e2176689e9a" providerId="LiveId" clId="{53BB49C2-00DF-4AB6-9D9D-351DBF063D16}" dt="2022-03-04T01:40:48.534" v="1733" actId="1076"/>
+          <ac:picMkLst>
+            <pc:docMk/>
+            <pc:sldMk cId="3848710726" sldId="292"/>
+            <ac:picMk id="6" creationId="{C85DC2CC-1FA0-41B8-8FAF-0007276BCE01}"/>
+          </ac:picMkLst>
+        </pc:picChg>
+      </pc:sldChg>
+      <pc:sldChg chg="addSp delSp modSp add mod replId">
+        <pc:chgData name="Danett Pepito" userId="ddef1e2176689e9a" providerId="LiveId" clId="{53BB49C2-00DF-4AB6-9D9D-351DBF063D16}" dt="2022-03-04T01:39:21.760" v="1723" actId="20577"/>
+        <pc:sldMkLst>
+          <pc:docMk/>
+          <pc:sldMk cId="3444984008" sldId="293"/>
+        </pc:sldMkLst>
+        <pc:spChg chg="mod">
+          <ac:chgData name="Danett Pepito" userId="ddef1e2176689e9a" providerId="LiveId" clId="{53BB49C2-00DF-4AB6-9D9D-351DBF063D16}" dt="2022-03-04T01:39:21.760" v="1723" actId="20577"/>
+          <ac:spMkLst>
+            <pc:docMk/>
+            <pc:sldMk cId="3444984008" sldId="293"/>
+            <ac:spMk id="78" creationId="{00000000-0000-0000-0000-000000000000}"/>
+          </ac:spMkLst>
+        </pc:spChg>
+        <pc:picChg chg="add mod">
+          <ac:chgData name="Danett Pepito" userId="ddef1e2176689e9a" providerId="LiveId" clId="{53BB49C2-00DF-4AB6-9D9D-351DBF063D16}" dt="2022-03-04T01:39:05.485" v="1692" actId="1076"/>
+          <ac:picMkLst>
+            <pc:docMk/>
+            <pc:sldMk cId="3444984008" sldId="293"/>
+            <ac:picMk id="3" creationId="{2F2F9A82-9041-442E-85B2-61CA47F49C5D}"/>
+          </ac:picMkLst>
+        </pc:picChg>
+        <pc:picChg chg="del">
+          <ac:chgData name="Danett Pepito" userId="ddef1e2176689e9a" providerId="LiveId" clId="{53BB49C2-00DF-4AB6-9D9D-351DBF063D16}" dt="2022-03-04T01:28:47.198" v="1671" actId="478"/>
+          <ac:picMkLst>
+            <pc:docMk/>
+            <pc:sldMk cId="3444984008" sldId="293"/>
+            <ac:picMk id="4" creationId="{8959F50F-6641-4B3C-B7A0-83D3B9ED58F5}"/>
+          </ac:picMkLst>
+        </pc:picChg>
+        <pc:picChg chg="add mod">
+          <ac:chgData name="Danett Pepito" userId="ddef1e2176689e9a" providerId="LiveId" clId="{53BB49C2-00DF-4AB6-9D9D-351DBF063D16}" dt="2022-03-04T01:39:07.826" v="1693" actId="1076"/>
+          <ac:picMkLst>
+            <pc:docMk/>
+            <pc:sldMk cId="3444984008" sldId="293"/>
+            <ac:picMk id="6" creationId="{93C06565-7896-4D37-ACE1-66E718270569}"/>
+          </ac:picMkLst>
+        </pc:picChg>
+        <pc:picChg chg="del">
+          <ac:chgData name="Danett Pepito" userId="ddef1e2176689e9a" providerId="LiveId" clId="{53BB49C2-00DF-4AB6-9D9D-351DBF063D16}" dt="2022-03-04T01:28:48.501" v="1672" actId="478"/>
+          <ac:picMkLst>
+            <pc:docMk/>
+            <pc:sldMk cId="3444984008" sldId="293"/>
+            <ac:picMk id="7" creationId="{715EF539-F142-43E7-9C00-FCE19E8BD118}"/>
           </ac:picMkLst>
         </pc:picChg>
       </pc:sldChg>
@@ -4520,6 +4696,442 @@
   <p:cSld>
     <p:spTree>
       <p:nvGrpSpPr>
+        <p:cNvPr id="1" name="Shape 69"/>
+        <p:cNvGrpSpPr/>
+        <p:nvPr/>
+      </p:nvGrpSpPr>
+      <p:grpSpPr>
+        <a:xfrm>
+          <a:off x="0" y="0"/>
+          <a:ext cx="0" cy="0"/>
+          <a:chOff x="0" y="0"/>
+          <a:chExt cx="0" cy="0"/>
+        </a:xfrm>
+      </p:grpSpPr>
+      <p:sp>
+        <p:nvSpPr>
+          <p:cNvPr id="70" name="Google Shape;70;gac10fef634_0_16:notes"/>
+          <p:cNvSpPr>
+            <a:spLocks noGrp="1" noRot="1" noChangeAspect="1"/>
+          </p:cNvSpPr>
+          <p:nvPr>
+            <p:ph type="sldImg" idx="2"/>
+          </p:nvPr>
+        </p:nvSpPr>
+        <p:spPr>
+          <a:xfrm>
+            <a:off x="381000" y="685800"/>
+            <a:ext cx="6096000" cy="3429000"/>
+          </a:xfrm>
+          <a:custGeom>
+            <a:avLst/>
+            <a:gdLst/>
+            <a:ahLst/>
+            <a:cxnLst/>
+            <a:rect l="l" t="t" r="r" b="b"/>
+            <a:pathLst>
+              <a:path w="120000" h="120000" extrusionOk="0">
+                <a:moveTo>
+                  <a:pt x="0" y="0"/>
+                </a:moveTo>
+                <a:lnTo>
+                  <a:pt x="120000" y="0"/>
+                </a:lnTo>
+                <a:lnTo>
+                  <a:pt x="120000" y="120000"/>
+                </a:lnTo>
+                <a:lnTo>
+                  <a:pt x="0" y="120000"/>
+                </a:lnTo>
+                <a:close/>
+              </a:path>
+            </a:pathLst>
+          </a:custGeom>
+        </p:spPr>
+      </p:sp>
+      <p:sp>
+        <p:nvSpPr>
+          <p:cNvPr id="71" name="Google Shape;71;gac10fef634_0_16:notes"/>
+          <p:cNvSpPr txBox="1">
+            <a:spLocks noGrp="1"/>
+          </p:cNvSpPr>
+          <p:nvPr>
+            <p:ph type="body" idx="1"/>
+          </p:nvPr>
+        </p:nvSpPr>
+        <p:spPr>
+          <a:xfrm>
+            <a:off x="685800" y="4343400"/>
+            <a:ext cx="5486400" cy="4114800"/>
+          </a:xfrm>
+          <a:prstGeom prst="rect">
+            <a:avLst/>
+          </a:prstGeom>
+        </p:spPr>
+        <p:txBody>
+          <a:bodyPr spcFirstLastPara="1" wrap="square" lIns="91425" tIns="91425" rIns="91425" bIns="91425" anchor="t" anchorCtr="0">
+            <a:noAutofit/>
+          </a:bodyPr>
+          <a:lstStyle/>
+          <a:p>
+            <a:pPr marL="0" lvl="0" indent="0" algn="l" rtl="0">
+              <a:spcBef>
+                <a:spcPts val="0"/>
+              </a:spcBef>
+              <a:spcAft>
+                <a:spcPts val="0"/>
+              </a:spcAft>
+              <a:buNone/>
+            </a:pPr>
+            <a:endParaRPr/>
+          </a:p>
+        </p:txBody>
+      </p:sp>
+    </p:spTree>
+    <p:extLst>
+      <p:ext uri="{BB962C8B-B14F-4D97-AF65-F5344CB8AC3E}">
+        <p14:creationId xmlns:p14="http://schemas.microsoft.com/office/powerpoint/2010/main" val="1326340874"/>
+      </p:ext>
+    </p:extLst>
+  </p:cSld>
+  <p:clrMapOvr>
+    <a:masterClrMapping/>
+  </p:clrMapOvr>
+</p:notes>
+</file>
+
+<file path=ppt/notesSlides/notesSlide31.xml><?xml version="1.0" encoding="utf-8"?>
+<p:notes xmlns:a="http://schemas.openxmlformats.org/drawingml/2006/main" xmlns:r="http://schemas.openxmlformats.org/officeDocument/2006/relationships" xmlns:p="http://schemas.openxmlformats.org/presentationml/2006/main" showMasterSp="0" showMasterPhAnim="0">
+  <p:cSld>
+    <p:spTree>
+      <p:nvGrpSpPr>
+        <p:cNvPr id="1" name="Shape 74"/>
+        <p:cNvGrpSpPr/>
+        <p:nvPr/>
+      </p:nvGrpSpPr>
+      <p:grpSpPr>
+        <a:xfrm>
+          <a:off x="0" y="0"/>
+          <a:ext cx="0" cy="0"/>
+          <a:chOff x="0" y="0"/>
+          <a:chExt cx="0" cy="0"/>
+        </a:xfrm>
+      </p:grpSpPr>
+      <p:sp>
+        <p:nvSpPr>
+          <p:cNvPr id="75" name="Google Shape;75;gac10fef634_0_20:notes"/>
+          <p:cNvSpPr>
+            <a:spLocks noGrp="1" noRot="1" noChangeAspect="1"/>
+          </p:cNvSpPr>
+          <p:nvPr>
+            <p:ph type="sldImg" idx="2"/>
+          </p:nvPr>
+        </p:nvSpPr>
+        <p:spPr>
+          <a:xfrm>
+            <a:off x="381000" y="685800"/>
+            <a:ext cx="6096000" cy="3429000"/>
+          </a:xfrm>
+          <a:custGeom>
+            <a:avLst/>
+            <a:gdLst/>
+            <a:ahLst/>
+            <a:cxnLst/>
+            <a:rect l="l" t="t" r="r" b="b"/>
+            <a:pathLst>
+              <a:path w="120000" h="120000" extrusionOk="0">
+                <a:moveTo>
+                  <a:pt x="0" y="0"/>
+                </a:moveTo>
+                <a:lnTo>
+                  <a:pt x="120000" y="0"/>
+                </a:lnTo>
+                <a:lnTo>
+                  <a:pt x="120000" y="120000"/>
+                </a:lnTo>
+                <a:lnTo>
+                  <a:pt x="0" y="120000"/>
+                </a:lnTo>
+                <a:close/>
+              </a:path>
+            </a:pathLst>
+          </a:custGeom>
+        </p:spPr>
+      </p:sp>
+      <p:sp>
+        <p:nvSpPr>
+          <p:cNvPr id="76" name="Google Shape;76;gac10fef634_0_20:notes"/>
+          <p:cNvSpPr txBox="1">
+            <a:spLocks noGrp="1"/>
+          </p:cNvSpPr>
+          <p:nvPr>
+            <p:ph type="body" idx="1"/>
+          </p:nvPr>
+        </p:nvSpPr>
+        <p:spPr>
+          <a:xfrm>
+            <a:off x="685800" y="4343400"/>
+            <a:ext cx="5486400" cy="4114800"/>
+          </a:xfrm>
+          <a:prstGeom prst="rect">
+            <a:avLst/>
+          </a:prstGeom>
+        </p:spPr>
+        <p:txBody>
+          <a:bodyPr spcFirstLastPara="1" wrap="square" lIns="91425" tIns="91425" rIns="91425" bIns="91425" anchor="t" anchorCtr="0">
+            <a:noAutofit/>
+          </a:bodyPr>
+          <a:lstStyle/>
+          <a:p>
+            <a:pPr marL="0" lvl="0" indent="0" algn="l" rtl="0">
+              <a:spcBef>
+                <a:spcPts val="0"/>
+              </a:spcBef>
+              <a:spcAft>
+                <a:spcPts val="0"/>
+              </a:spcAft>
+              <a:buNone/>
+            </a:pPr>
+            <a:endParaRPr/>
+          </a:p>
+        </p:txBody>
+      </p:sp>
+    </p:spTree>
+    <p:extLst>
+      <p:ext uri="{BB962C8B-B14F-4D97-AF65-F5344CB8AC3E}">
+        <p14:creationId xmlns:p14="http://schemas.microsoft.com/office/powerpoint/2010/main" val="1095880878"/>
+      </p:ext>
+    </p:extLst>
+  </p:cSld>
+  <p:clrMapOvr>
+    <a:masterClrMapping/>
+  </p:clrMapOvr>
+</p:notes>
+</file>
+
+<file path=ppt/notesSlides/notesSlide32.xml><?xml version="1.0" encoding="utf-8"?>
+<p:notes xmlns:a="http://schemas.openxmlformats.org/drawingml/2006/main" xmlns:r="http://schemas.openxmlformats.org/officeDocument/2006/relationships" xmlns:p="http://schemas.openxmlformats.org/presentationml/2006/main" showMasterSp="0" showMasterPhAnim="0">
+  <p:cSld>
+    <p:spTree>
+      <p:nvGrpSpPr>
+        <p:cNvPr id="1" name="Shape 69"/>
+        <p:cNvGrpSpPr/>
+        <p:nvPr/>
+      </p:nvGrpSpPr>
+      <p:grpSpPr>
+        <a:xfrm>
+          <a:off x="0" y="0"/>
+          <a:ext cx="0" cy="0"/>
+          <a:chOff x="0" y="0"/>
+          <a:chExt cx="0" cy="0"/>
+        </a:xfrm>
+      </p:grpSpPr>
+      <p:sp>
+        <p:nvSpPr>
+          <p:cNvPr id="70" name="Google Shape;70;gac10fef634_0_16:notes"/>
+          <p:cNvSpPr>
+            <a:spLocks noGrp="1" noRot="1" noChangeAspect="1"/>
+          </p:cNvSpPr>
+          <p:nvPr>
+            <p:ph type="sldImg" idx="2"/>
+          </p:nvPr>
+        </p:nvSpPr>
+        <p:spPr>
+          <a:xfrm>
+            <a:off x="381000" y="685800"/>
+            <a:ext cx="6096000" cy="3429000"/>
+          </a:xfrm>
+          <a:custGeom>
+            <a:avLst/>
+            <a:gdLst/>
+            <a:ahLst/>
+            <a:cxnLst/>
+            <a:rect l="l" t="t" r="r" b="b"/>
+            <a:pathLst>
+              <a:path w="120000" h="120000" extrusionOk="0">
+                <a:moveTo>
+                  <a:pt x="0" y="0"/>
+                </a:moveTo>
+                <a:lnTo>
+                  <a:pt x="120000" y="0"/>
+                </a:lnTo>
+                <a:lnTo>
+                  <a:pt x="120000" y="120000"/>
+                </a:lnTo>
+                <a:lnTo>
+                  <a:pt x="0" y="120000"/>
+                </a:lnTo>
+                <a:close/>
+              </a:path>
+            </a:pathLst>
+          </a:custGeom>
+        </p:spPr>
+      </p:sp>
+      <p:sp>
+        <p:nvSpPr>
+          <p:cNvPr id="71" name="Google Shape;71;gac10fef634_0_16:notes"/>
+          <p:cNvSpPr txBox="1">
+            <a:spLocks noGrp="1"/>
+          </p:cNvSpPr>
+          <p:nvPr>
+            <p:ph type="body" idx="1"/>
+          </p:nvPr>
+        </p:nvSpPr>
+        <p:spPr>
+          <a:xfrm>
+            <a:off x="685800" y="4343400"/>
+            <a:ext cx="5486400" cy="4114800"/>
+          </a:xfrm>
+          <a:prstGeom prst="rect">
+            <a:avLst/>
+          </a:prstGeom>
+        </p:spPr>
+        <p:txBody>
+          <a:bodyPr spcFirstLastPara="1" wrap="square" lIns="91425" tIns="91425" rIns="91425" bIns="91425" anchor="t" anchorCtr="0">
+            <a:noAutofit/>
+          </a:bodyPr>
+          <a:lstStyle/>
+          <a:p>
+            <a:pPr marL="0" lvl="0" indent="0" algn="l" rtl="0">
+              <a:spcBef>
+                <a:spcPts val="0"/>
+              </a:spcBef>
+              <a:spcAft>
+                <a:spcPts val="0"/>
+              </a:spcAft>
+              <a:buNone/>
+            </a:pPr>
+            <a:endParaRPr/>
+          </a:p>
+        </p:txBody>
+      </p:sp>
+    </p:spTree>
+    <p:extLst>
+      <p:ext uri="{BB962C8B-B14F-4D97-AF65-F5344CB8AC3E}">
+        <p14:creationId xmlns:p14="http://schemas.microsoft.com/office/powerpoint/2010/main" val="3172066445"/>
+      </p:ext>
+    </p:extLst>
+  </p:cSld>
+  <p:clrMapOvr>
+    <a:masterClrMapping/>
+  </p:clrMapOvr>
+</p:notes>
+</file>
+
+<file path=ppt/notesSlides/notesSlide33.xml><?xml version="1.0" encoding="utf-8"?>
+<p:notes xmlns:a="http://schemas.openxmlformats.org/drawingml/2006/main" xmlns:r="http://schemas.openxmlformats.org/officeDocument/2006/relationships" xmlns:p="http://schemas.openxmlformats.org/presentationml/2006/main" showMasterSp="0" showMasterPhAnim="0">
+  <p:cSld>
+    <p:spTree>
+      <p:nvGrpSpPr>
+        <p:cNvPr id="1" name="Shape 74"/>
+        <p:cNvGrpSpPr/>
+        <p:nvPr/>
+      </p:nvGrpSpPr>
+      <p:grpSpPr>
+        <a:xfrm>
+          <a:off x="0" y="0"/>
+          <a:ext cx="0" cy="0"/>
+          <a:chOff x="0" y="0"/>
+          <a:chExt cx="0" cy="0"/>
+        </a:xfrm>
+      </p:grpSpPr>
+      <p:sp>
+        <p:nvSpPr>
+          <p:cNvPr id="75" name="Google Shape;75;gac10fef634_0_20:notes"/>
+          <p:cNvSpPr>
+            <a:spLocks noGrp="1" noRot="1" noChangeAspect="1"/>
+          </p:cNvSpPr>
+          <p:nvPr>
+            <p:ph type="sldImg" idx="2"/>
+          </p:nvPr>
+        </p:nvSpPr>
+        <p:spPr>
+          <a:xfrm>
+            <a:off x="381000" y="685800"/>
+            <a:ext cx="6096000" cy="3429000"/>
+          </a:xfrm>
+          <a:custGeom>
+            <a:avLst/>
+            <a:gdLst/>
+            <a:ahLst/>
+            <a:cxnLst/>
+            <a:rect l="l" t="t" r="r" b="b"/>
+            <a:pathLst>
+              <a:path w="120000" h="120000" extrusionOk="0">
+                <a:moveTo>
+                  <a:pt x="0" y="0"/>
+                </a:moveTo>
+                <a:lnTo>
+                  <a:pt x="120000" y="0"/>
+                </a:lnTo>
+                <a:lnTo>
+                  <a:pt x="120000" y="120000"/>
+                </a:lnTo>
+                <a:lnTo>
+                  <a:pt x="0" y="120000"/>
+                </a:lnTo>
+                <a:close/>
+              </a:path>
+            </a:pathLst>
+          </a:custGeom>
+        </p:spPr>
+      </p:sp>
+      <p:sp>
+        <p:nvSpPr>
+          <p:cNvPr id="76" name="Google Shape;76;gac10fef634_0_20:notes"/>
+          <p:cNvSpPr txBox="1">
+            <a:spLocks noGrp="1"/>
+          </p:cNvSpPr>
+          <p:nvPr>
+            <p:ph type="body" idx="1"/>
+          </p:nvPr>
+        </p:nvSpPr>
+        <p:spPr>
+          <a:xfrm>
+            <a:off x="685800" y="4343400"/>
+            <a:ext cx="5486400" cy="4114800"/>
+          </a:xfrm>
+          <a:prstGeom prst="rect">
+            <a:avLst/>
+          </a:prstGeom>
+        </p:spPr>
+        <p:txBody>
+          <a:bodyPr spcFirstLastPara="1" wrap="square" lIns="91425" tIns="91425" rIns="91425" bIns="91425" anchor="t" anchorCtr="0">
+            <a:noAutofit/>
+          </a:bodyPr>
+          <a:lstStyle/>
+          <a:p>
+            <a:pPr marL="0" lvl="0" indent="0" algn="l" rtl="0">
+              <a:spcBef>
+                <a:spcPts val="0"/>
+              </a:spcBef>
+              <a:spcAft>
+                <a:spcPts val="0"/>
+              </a:spcAft>
+              <a:buNone/>
+            </a:pPr>
+            <a:endParaRPr/>
+          </a:p>
+        </p:txBody>
+      </p:sp>
+    </p:spTree>
+    <p:extLst>
+      <p:ext uri="{BB962C8B-B14F-4D97-AF65-F5344CB8AC3E}">
+        <p14:creationId xmlns:p14="http://schemas.microsoft.com/office/powerpoint/2010/main" val="38009069"/>
+      </p:ext>
+    </p:extLst>
+  </p:cSld>
+  <p:clrMapOvr>
+    <a:masterClrMapping/>
+  </p:clrMapOvr>
+</p:notes>
+</file>
+
+<file path=ppt/notesSlides/notesSlide34.xml><?xml version="1.0" encoding="utf-8"?>
+<p:notes xmlns:a="http://schemas.openxmlformats.org/drawingml/2006/main" xmlns:r="http://schemas.openxmlformats.org/officeDocument/2006/relationships" xmlns:p="http://schemas.openxmlformats.org/presentationml/2006/main" showMasterSp="0" showMasterPhAnim="0">
+  <p:cSld>
+    <p:spTree>
+      <p:nvGrpSpPr>
         <p:cNvPr id="1" name="Shape 80"/>
         <p:cNvGrpSpPr/>
         <p:nvPr/>
@@ -4640,7 +5252,7 @@
 </p:notes>
 </file>
 
-<file path=ppt/notesSlides/notesSlide31.xml><?xml version="1.0" encoding="utf-8"?>
+<file path=ppt/notesSlides/notesSlide35.xml><?xml version="1.0" encoding="utf-8"?>
 <p:notes xmlns:a="http://schemas.openxmlformats.org/drawingml/2006/main" xmlns:r="http://schemas.openxmlformats.org/officeDocument/2006/relationships" xmlns:p="http://schemas.openxmlformats.org/presentationml/2006/main" showMasterSp="0" showMasterPhAnim="0">
   <p:cSld>
     <p:spTree>
@@ -15821,6 +16433,781 @@
 <file path=ppt/slides/slide30.xml><?xml version="1.0" encoding="utf-8"?>
 <p:sld xmlns:a="http://schemas.openxmlformats.org/drawingml/2006/main" xmlns:r="http://schemas.openxmlformats.org/officeDocument/2006/relationships" xmlns:p="http://schemas.openxmlformats.org/presentationml/2006/main">
   <p:cSld>
+    <p:spTree>
+      <p:nvGrpSpPr>
+        <p:cNvPr id="1" name="Shape 72"/>
+        <p:cNvGrpSpPr/>
+        <p:nvPr/>
+      </p:nvGrpSpPr>
+      <p:grpSpPr>
+        <a:xfrm>
+          <a:off x="0" y="0"/>
+          <a:ext cx="0" cy="0"/>
+          <a:chOff x="0" y="0"/>
+          <a:chExt cx="0" cy="0"/>
+        </a:xfrm>
+      </p:grpSpPr>
+      <p:sp>
+        <p:nvSpPr>
+          <p:cNvPr id="73" name="Google Shape;73;p16"/>
+          <p:cNvSpPr txBox="1">
+            <a:spLocks noGrp="1"/>
+          </p:cNvSpPr>
+          <p:nvPr>
+            <p:ph type="title"/>
+          </p:nvPr>
+        </p:nvSpPr>
+        <p:spPr>
+          <a:xfrm>
+            <a:off x="311700" y="445025"/>
+            <a:ext cx="8520600" cy="572700"/>
+          </a:xfrm>
+          <a:prstGeom prst="rect">
+            <a:avLst/>
+          </a:prstGeom>
+        </p:spPr>
+        <p:txBody>
+          <a:bodyPr spcFirstLastPara="1" wrap="square" lIns="91425" tIns="91425" rIns="91425" bIns="91425" anchor="t" anchorCtr="0">
+            <a:noAutofit/>
+          </a:bodyPr>
+          <a:lstStyle/>
+          <a:p>
+            <a:pPr marL="0" lvl="0" indent="0" algn="l" rtl="0">
+              <a:spcBef>
+                <a:spcPts val="0"/>
+              </a:spcBef>
+              <a:spcAft>
+                <a:spcPts val="0"/>
+              </a:spcAft>
+              <a:buNone/>
+            </a:pPr>
+            <a:r>
+              <a:rPr lang="en" dirty="0"/>
+              <a:t>Component 5 Pizza Menu version 2</a:t>
+            </a:r>
+            <a:endParaRPr dirty="0"/>
+          </a:p>
+        </p:txBody>
+      </p:sp>
+      <p:pic>
+        <p:nvPicPr>
+          <p:cNvPr id="3" name="Picture 2">
+            <a:extLst>
+              <a:ext uri="{FF2B5EF4-FFF2-40B4-BE49-F238E27FC236}">
+                <a16:creationId xmlns:a16="http://schemas.microsoft.com/office/drawing/2014/main" id="{C037B67D-2166-4ACF-AD4D-66DE10DB6537}"/>
+              </a:ext>
+            </a:extLst>
+          </p:cNvPr>
+          <p:cNvPicPr>
+            <a:picLocks noChangeAspect="1"/>
+          </p:cNvPicPr>
+          <p:nvPr/>
+        </p:nvPicPr>
+        <p:blipFill>
+          <a:blip r:embed="rId3"/>
+          <a:stretch>
+            <a:fillRect/>
+          </a:stretch>
+        </p:blipFill>
+        <p:spPr>
+          <a:xfrm>
+            <a:off x="266700" y="1655529"/>
+            <a:ext cx="8610600" cy="2278380"/>
+          </a:xfrm>
+          <a:prstGeom prst="rect">
+            <a:avLst/>
+          </a:prstGeom>
+        </p:spPr>
+      </p:pic>
+    </p:spTree>
+    <p:extLst>
+      <p:ext uri="{BB962C8B-B14F-4D97-AF65-F5344CB8AC3E}">
+        <p14:creationId xmlns:p14="http://schemas.microsoft.com/office/powerpoint/2010/main" val="1406421830"/>
+      </p:ext>
+    </p:extLst>
+  </p:cSld>
+  <p:clrMapOvr>
+    <a:masterClrMapping/>
+  </p:clrMapOvr>
+</p:sld>
+</file>
+
+<file path=ppt/slides/slide31.xml><?xml version="1.0" encoding="utf-8"?>
+<p:sld xmlns:a="http://schemas.openxmlformats.org/drawingml/2006/main" xmlns:r="http://schemas.openxmlformats.org/officeDocument/2006/relationships" xmlns:p="http://schemas.openxmlformats.org/presentationml/2006/main">
+  <p:cSld>
+    <p:spTree>
+      <p:nvGrpSpPr>
+        <p:cNvPr id="1" name="Shape 77"/>
+        <p:cNvGrpSpPr/>
+        <p:nvPr/>
+      </p:nvGrpSpPr>
+      <p:grpSpPr>
+        <a:xfrm>
+          <a:off x="0" y="0"/>
+          <a:ext cx="0" cy="0"/>
+          <a:chOff x="0" y="0"/>
+          <a:chExt cx="0" cy="0"/>
+        </a:xfrm>
+      </p:grpSpPr>
+      <p:sp>
+        <p:nvSpPr>
+          <p:cNvPr id="78" name="Google Shape;78;p17"/>
+          <p:cNvSpPr txBox="1">
+            <a:spLocks noGrp="1"/>
+          </p:cNvSpPr>
+          <p:nvPr>
+            <p:ph type="title"/>
+          </p:nvPr>
+        </p:nvSpPr>
+        <p:spPr>
+          <a:xfrm>
+            <a:off x="311700" y="117365"/>
+            <a:ext cx="8520600" cy="572700"/>
+          </a:xfrm>
+          <a:prstGeom prst="rect">
+            <a:avLst/>
+          </a:prstGeom>
+        </p:spPr>
+        <p:txBody>
+          <a:bodyPr spcFirstLastPara="1" wrap="square" lIns="91425" tIns="91425" rIns="91425" bIns="91425" anchor="t" anchorCtr="0">
+            <a:noAutofit/>
+          </a:bodyPr>
+          <a:lstStyle/>
+          <a:p>
+            <a:pPr marL="0" lvl="0" indent="0" algn="l" rtl="0">
+              <a:spcBef>
+                <a:spcPts val="0"/>
+              </a:spcBef>
+              <a:spcAft>
+                <a:spcPts val="0"/>
+              </a:spcAft>
+              <a:buNone/>
+            </a:pPr>
+            <a:r>
+              <a:rPr lang="en" sz="2400" dirty="0"/>
+              <a:t>Component 5 Pizza Menu v2</a:t>
+            </a:r>
+            <a:endParaRPr sz="2400" dirty="0"/>
+          </a:p>
+        </p:txBody>
+      </p:sp>
+      <p:graphicFrame>
+        <p:nvGraphicFramePr>
+          <p:cNvPr id="79" name="Google Shape;79;p17"/>
+          <p:cNvGraphicFramePr/>
+          <p:nvPr>
+            <p:extLst>
+              <p:ext uri="{D42A27DB-BD31-4B8C-83A1-F6EECF244321}">
+                <p14:modId xmlns:p14="http://schemas.microsoft.com/office/powerpoint/2010/main" val="889568118"/>
+              </p:ext>
+            </p:extLst>
+          </p:nvPr>
+        </p:nvGraphicFramePr>
+        <p:xfrm>
+          <a:off x="311700" y="3672593"/>
+          <a:ext cx="8520600" cy="1234380"/>
+        </p:xfrm>
+        <a:graphic>
+          <a:graphicData uri="http://schemas.openxmlformats.org/drawingml/2006/table">
+            <a:tbl>
+              <a:tblPr>
+                <a:noFill/>
+                <a:tableStyleId>{E1099E06-0E6B-448D-9D27-60429F06E6F4}</a:tableStyleId>
+              </a:tblPr>
+              <a:tblGrid>
+                <a:gridCol w="4260300">
+                  <a:extLst>
+                    <a:ext uri="{9D8B030D-6E8A-4147-A177-3AD203B41FA5}">
+                      <a16:colId xmlns:a16="http://schemas.microsoft.com/office/drawing/2014/main" val="20000"/>
+                    </a:ext>
+                  </a:extLst>
+                </a:gridCol>
+                <a:gridCol w="4260300">
+                  <a:extLst>
+                    <a:ext uri="{9D8B030D-6E8A-4147-A177-3AD203B41FA5}">
+                      <a16:colId xmlns:a16="http://schemas.microsoft.com/office/drawing/2014/main" val="20001"/>
+                    </a:ext>
+                  </a:extLst>
+                </a:gridCol>
+              </a:tblGrid>
+              <a:tr h="381000">
+                <a:tc>
+                  <a:txBody>
+                    <a:bodyPr/>
+                    <a:lstStyle/>
+                    <a:p>
+                      <a:pPr marL="0" lvl="0" indent="0" algn="l" rtl="0">
+                        <a:spcBef>
+                          <a:spcPts val="0"/>
+                        </a:spcBef>
+                        <a:spcAft>
+                          <a:spcPts val="0"/>
+                        </a:spcAft>
+                        <a:buNone/>
+                      </a:pPr>
+                      <a:r>
+                        <a:rPr lang="en" sz="1800" b="1" dirty="0"/>
+                        <a:t>Test Case</a:t>
+                      </a:r>
+                      <a:endParaRPr sz="1800" b="1" dirty="0"/>
+                    </a:p>
+                  </a:txBody>
+                  <a:tcPr marL="91425" marR="91425" marT="91425" marB="91425">
+                    <a:solidFill>
+                      <a:srgbClr val="CCCCCC"/>
+                    </a:solidFill>
+                  </a:tcPr>
+                </a:tc>
+                <a:tc>
+                  <a:txBody>
+                    <a:bodyPr/>
+                    <a:lstStyle/>
+                    <a:p>
+                      <a:pPr marL="0" lvl="0" indent="0" algn="l" rtl="0">
+                        <a:spcBef>
+                          <a:spcPts val="0"/>
+                        </a:spcBef>
+                        <a:spcAft>
+                          <a:spcPts val="0"/>
+                        </a:spcAft>
+                        <a:buNone/>
+                      </a:pPr>
+                      <a:r>
+                        <a:rPr lang="en" sz="1800" b="1"/>
+                        <a:t>Expected Values</a:t>
+                      </a:r>
+                      <a:endParaRPr sz="1800" b="1"/>
+                    </a:p>
+                  </a:txBody>
+                  <a:tcPr marL="91425" marR="91425" marT="91425" marB="91425">
+                    <a:solidFill>
+                      <a:srgbClr val="CCCCCC"/>
+                    </a:solidFill>
+                  </a:tcPr>
+                </a:tc>
+                <a:extLst>
+                  <a:ext uri="{0D108BD9-81ED-4DB2-BD59-A6C34878D82A}">
+                    <a16:rowId xmlns:a16="http://schemas.microsoft.com/office/drawing/2014/main" val="10000"/>
+                  </a:ext>
+                </a:extLst>
+              </a:tr>
+              <a:tr h="396200">
+                <a:tc>
+                  <a:txBody>
+                    <a:bodyPr/>
+                    <a:lstStyle/>
+                    <a:p>
+                      <a:pPr marL="0" lvl="0" indent="0" algn="l" rtl="0">
+                        <a:spcBef>
+                          <a:spcPts val="0"/>
+                        </a:spcBef>
+                        <a:spcAft>
+                          <a:spcPts val="0"/>
+                        </a:spcAft>
+                        <a:buNone/>
+                      </a:pPr>
+                      <a:r>
+                        <a:rPr lang="en-NZ" sz="1300" dirty="0"/>
+                        <a:t>Run file</a:t>
+                      </a:r>
+                      <a:endParaRPr sz="1300" dirty="0"/>
+                    </a:p>
+                  </a:txBody>
+                  <a:tcPr marL="91425" marR="91425" marT="91425" marB="91425"/>
+                </a:tc>
+                <a:tc>
+                  <a:txBody>
+                    <a:bodyPr/>
+                    <a:lstStyle/>
+                    <a:p>
+                      <a:pPr marL="0" lvl="0" indent="0" algn="l" rtl="0">
+                        <a:spcBef>
+                          <a:spcPts val="0"/>
+                        </a:spcBef>
+                        <a:spcAft>
+                          <a:spcPts val="0"/>
+                        </a:spcAft>
+                        <a:buNone/>
+                      </a:pPr>
+                      <a:r>
+                        <a:rPr lang="en-NZ" sz="1300" dirty="0"/>
+                        <a:t>Printed a list with index number, pizzas and prices with price formatted to 2 decimal places and dollar sign. Menu starts at 1.</a:t>
+                      </a:r>
+                      <a:endParaRPr sz="1300" dirty="0"/>
+                    </a:p>
+                  </a:txBody>
+                  <a:tcPr marL="91425" marR="91425" marT="91425" marB="91425"/>
+                </a:tc>
+                <a:extLst>
+                  <a:ext uri="{0D108BD9-81ED-4DB2-BD59-A6C34878D82A}">
+                    <a16:rowId xmlns:a16="http://schemas.microsoft.com/office/drawing/2014/main" val="10001"/>
+                  </a:ext>
+                </a:extLst>
+              </a:tr>
+            </a:tbl>
+          </a:graphicData>
+        </a:graphic>
+      </p:graphicFrame>
+      <p:pic>
+        <p:nvPicPr>
+          <p:cNvPr id="4" name="Picture 3">
+            <a:extLst>
+              <a:ext uri="{FF2B5EF4-FFF2-40B4-BE49-F238E27FC236}">
+                <a16:creationId xmlns:a16="http://schemas.microsoft.com/office/drawing/2014/main" id="{8959F50F-6641-4B3C-B7A0-83D3B9ED58F5}"/>
+              </a:ext>
+            </a:extLst>
+          </p:cNvPr>
+          <p:cNvPicPr>
+            <a:picLocks noChangeAspect="1"/>
+          </p:cNvPicPr>
+          <p:nvPr/>
+        </p:nvPicPr>
+        <p:blipFill>
+          <a:blip r:embed="rId3"/>
+          <a:stretch>
+            <a:fillRect/>
+          </a:stretch>
+        </p:blipFill>
+        <p:spPr>
+          <a:xfrm>
+            <a:off x="83100" y="690065"/>
+            <a:ext cx="7174176" cy="1573075"/>
+          </a:xfrm>
+          <a:prstGeom prst="rect">
+            <a:avLst/>
+          </a:prstGeom>
+        </p:spPr>
+      </p:pic>
+      <p:pic>
+        <p:nvPicPr>
+          <p:cNvPr id="7" name="Picture 6">
+            <a:extLst>
+              <a:ext uri="{FF2B5EF4-FFF2-40B4-BE49-F238E27FC236}">
+                <a16:creationId xmlns:a16="http://schemas.microsoft.com/office/drawing/2014/main" id="{715EF539-F142-43E7-9C00-FCE19E8BD118}"/>
+              </a:ext>
+            </a:extLst>
+          </p:cNvPr>
+          <p:cNvPicPr>
+            <a:picLocks noChangeAspect="1"/>
+          </p:cNvPicPr>
+          <p:nvPr/>
+        </p:nvPicPr>
+        <p:blipFill>
+          <a:blip r:embed="rId4"/>
+          <a:stretch>
+            <a:fillRect/>
+          </a:stretch>
+        </p:blipFill>
+        <p:spPr>
+          <a:xfrm>
+            <a:off x="6226299" y="1262765"/>
+            <a:ext cx="2772162" cy="2181529"/>
+          </a:xfrm>
+          <a:prstGeom prst="rect">
+            <a:avLst/>
+          </a:prstGeom>
+        </p:spPr>
+      </p:pic>
+    </p:spTree>
+    <p:extLst>
+      <p:ext uri="{BB962C8B-B14F-4D97-AF65-F5344CB8AC3E}">
+        <p14:creationId xmlns:p14="http://schemas.microsoft.com/office/powerpoint/2010/main" val="1124617019"/>
+      </p:ext>
+    </p:extLst>
+  </p:cSld>
+  <p:clrMapOvr>
+    <a:masterClrMapping/>
+  </p:clrMapOvr>
+</p:sld>
+</file>
+
+<file path=ppt/slides/slide32.xml><?xml version="1.0" encoding="utf-8"?>
+<p:sld xmlns:a="http://schemas.openxmlformats.org/drawingml/2006/main" xmlns:r="http://schemas.openxmlformats.org/officeDocument/2006/relationships" xmlns:p="http://schemas.openxmlformats.org/presentationml/2006/main">
+  <p:cSld>
+    <p:spTree>
+      <p:nvGrpSpPr>
+        <p:cNvPr id="1" name="Shape 72"/>
+        <p:cNvGrpSpPr/>
+        <p:nvPr/>
+      </p:nvGrpSpPr>
+      <p:grpSpPr>
+        <a:xfrm>
+          <a:off x="0" y="0"/>
+          <a:ext cx="0" cy="0"/>
+          <a:chOff x="0" y="0"/>
+          <a:chExt cx="0" cy="0"/>
+        </a:xfrm>
+      </p:grpSpPr>
+      <p:sp>
+        <p:nvSpPr>
+          <p:cNvPr id="73" name="Google Shape;73;p16"/>
+          <p:cNvSpPr txBox="1">
+            <a:spLocks noGrp="1"/>
+          </p:cNvSpPr>
+          <p:nvPr>
+            <p:ph type="title"/>
+          </p:nvPr>
+        </p:nvSpPr>
+        <p:spPr>
+          <a:xfrm>
+            <a:off x="311700" y="445025"/>
+            <a:ext cx="8520600" cy="572700"/>
+          </a:xfrm>
+          <a:prstGeom prst="rect">
+            <a:avLst/>
+          </a:prstGeom>
+        </p:spPr>
+        <p:txBody>
+          <a:bodyPr spcFirstLastPara="1" wrap="square" lIns="91425" tIns="91425" rIns="91425" bIns="91425" anchor="t" anchorCtr="0">
+            <a:noAutofit/>
+          </a:bodyPr>
+          <a:lstStyle/>
+          <a:p>
+            <a:pPr marL="0" lvl="0" indent="0" algn="l" rtl="0">
+              <a:spcBef>
+                <a:spcPts val="0"/>
+              </a:spcBef>
+              <a:spcAft>
+                <a:spcPts val="0"/>
+              </a:spcAft>
+              <a:buNone/>
+            </a:pPr>
+            <a:r>
+              <a:rPr lang="en" dirty="0"/>
+              <a:t>Component 5 Pizza Menu version 3</a:t>
+            </a:r>
+            <a:endParaRPr dirty="0"/>
+          </a:p>
+        </p:txBody>
+      </p:sp>
+      <p:pic>
+        <p:nvPicPr>
+          <p:cNvPr id="6" name="Picture 5">
+            <a:extLst>
+              <a:ext uri="{FF2B5EF4-FFF2-40B4-BE49-F238E27FC236}">
+                <a16:creationId xmlns:a16="http://schemas.microsoft.com/office/drawing/2014/main" id="{C85DC2CC-1FA0-41B8-8FAF-0007276BCE01}"/>
+              </a:ext>
+            </a:extLst>
+          </p:cNvPr>
+          <p:cNvPicPr>
+            <a:picLocks noChangeAspect="1"/>
+          </p:cNvPicPr>
+          <p:nvPr/>
+        </p:nvPicPr>
+        <p:blipFill rotWithShape="1">
+          <a:blip r:embed="rId3"/>
+          <a:srcRect l="25225"/>
+          <a:stretch/>
+        </p:blipFill>
+        <p:spPr>
+          <a:xfrm>
+            <a:off x="922020" y="1078594"/>
+            <a:ext cx="7299960" cy="3675004"/>
+          </a:xfrm>
+          <a:prstGeom prst="rect">
+            <a:avLst/>
+          </a:prstGeom>
+        </p:spPr>
+      </p:pic>
+    </p:spTree>
+    <p:extLst>
+      <p:ext uri="{BB962C8B-B14F-4D97-AF65-F5344CB8AC3E}">
+        <p14:creationId xmlns:p14="http://schemas.microsoft.com/office/powerpoint/2010/main" val="3848710726"/>
+      </p:ext>
+    </p:extLst>
+  </p:cSld>
+  <p:clrMapOvr>
+    <a:masterClrMapping/>
+  </p:clrMapOvr>
+</p:sld>
+</file>
+
+<file path=ppt/slides/slide33.xml><?xml version="1.0" encoding="utf-8"?>
+<p:sld xmlns:a="http://schemas.openxmlformats.org/drawingml/2006/main" xmlns:r="http://schemas.openxmlformats.org/officeDocument/2006/relationships" xmlns:p="http://schemas.openxmlformats.org/presentationml/2006/main">
+  <p:cSld>
+    <p:spTree>
+      <p:nvGrpSpPr>
+        <p:cNvPr id="1" name="Shape 77"/>
+        <p:cNvGrpSpPr/>
+        <p:nvPr/>
+      </p:nvGrpSpPr>
+      <p:grpSpPr>
+        <a:xfrm>
+          <a:off x="0" y="0"/>
+          <a:ext cx="0" cy="0"/>
+          <a:chOff x="0" y="0"/>
+          <a:chExt cx="0" cy="0"/>
+        </a:xfrm>
+      </p:grpSpPr>
+      <p:sp>
+        <p:nvSpPr>
+          <p:cNvPr id="78" name="Google Shape;78;p17"/>
+          <p:cNvSpPr txBox="1">
+            <a:spLocks noGrp="1"/>
+          </p:cNvSpPr>
+          <p:nvPr>
+            <p:ph type="title"/>
+          </p:nvPr>
+        </p:nvSpPr>
+        <p:spPr>
+          <a:xfrm>
+            <a:off x="311700" y="117365"/>
+            <a:ext cx="8520600" cy="572700"/>
+          </a:xfrm>
+          <a:prstGeom prst="rect">
+            <a:avLst/>
+          </a:prstGeom>
+        </p:spPr>
+        <p:txBody>
+          <a:bodyPr spcFirstLastPara="1" wrap="square" lIns="91425" tIns="91425" rIns="91425" bIns="91425" anchor="t" anchorCtr="0">
+            <a:noAutofit/>
+          </a:bodyPr>
+          <a:lstStyle/>
+          <a:p>
+            <a:pPr marL="0" lvl="0" indent="0" algn="l" rtl="0">
+              <a:spcBef>
+                <a:spcPts val="0"/>
+              </a:spcBef>
+              <a:spcAft>
+                <a:spcPts val="0"/>
+              </a:spcAft>
+              <a:buNone/>
+            </a:pPr>
+            <a:r>
+              <a:rPr lang="en" sz="2400" dirty="0"/>
+              <a:t>Component 5 Pizza Menu integrated into main program</a:t>
+            </a:r>
+            <a:endParaRPr sz="2400" dirty="0"/>
+          </a:p>
+        </p:txBody>
+      </p:sp>
+      <p:graphicFrame>
+        <p:nvGraphicFramePr>
+          <p:cNvPr id="79" name="Google Shape;79;p17"/>
+          <p:cNvGraphicFramePr/>
+          <p:nvPr/>
+        </p:nvGraphicFramePr>
+        <p:xfrm>
+          <a:off x="311700" y="3672593"/>
+          <a:ext cx="8520600" cy="1234380"/>
+        </p:xfrm>
+        <a:graphic>
+          <a:graphicData uri="http://schemas.openxmlformats.org/drawingml/2006/table">
+            <a:tbl>
+              <a:tblPr>
+                <a:noFill/>
+                <a:tableStyleId>{E1099E06-0E6B-448D-9D27-60429F06E6F4}</a:tableStyleId>
+              </a:tblPr>
+              <a:tblGrid>
+                <a:gridCol w="4260300">
+                  <a:extLst>
+                    <a:ext uri="{9D8B030D-6E8A-4147-A177-3AD203B41FA5}">
+                      <a16:colId xmlns:a16="http://schemas.microsoft.com/office/drawing/2014/main" val="20000"/>
+                    </a:ext>
+                  </a:extLst>
+                </a:gridCol>
+                <a:gridCol w="4260300">
+                  <a:extLst>
+                    <a:ext uri="{9D8B030D-6E8A-4147-A177-3AD203B41FA5}">
+                      <a16:colId xmlns:a16="http://schemas.microsoft.com/office/drawing/2014/main" val="20001"/>
+                    </a:ext>
+                  </a:extLst>
+                </a:gridCol>
+              </a:tblGrid>
+              <a:tr h="381000">
+                <a:tc>
+                  <a:txBody>
+                    <a:bodyPr/>
+                    <a:lstStyle/>
+                    <a:p>
+                      <a:pPr marL="0" lvl="0" indent="0" algn="l" rtl="0">
+                        <a:spcBef>
+                          <a:spcPts val="0"/>
+                        </a:spcBef>
+                        <a:spcAft>
+                          <a:spcPts val="0"/>
+                        </a:spcAft>
+                        <a:buNone/>
+                      </a:pPr>
+                      <a:r>
+                        <a:rPr lang="en" sz="1800" b="1" dirty="0"/>
+                        <a:t>Test Case</a:t>
+                      </a:r>
+                      <a:endParaRPr sz="1800" b="1" dirty="0"/>
+                    </a:p>
+                  </a:txBody>
+                  <a:tcPr marL="91425" marR="91425" marT="91425" marB="91425">
+                    <a:solidFill>
+                      <a:srgbClr val="CCCCCC"/>
+                    </a:solidFill>
+                  </a:tcPr>
+                </a:tc>
+                <a:tc>
+                  <a:txBody>
+                    <a:bodyPr/>
+                    <a:lstStyle/>
+                    <a:p>
+                      <a:pPr marL="0" lvl="0" indent="0" algn="l" rtl="0">
+                        <a:spcBef>
+                          <a:spcPts val="0"/>
+                        </a:spcBef>
+                        <a:spcAft>
+                          <a:spcPts val="0"/>
+                        </a:spcAft>
+                        <a:buNone/>
+                      </a:pPr>
+                      <a:r>
+                        <a:rPr lang="en" sz="1800" b="1"/>
+                        <a:t>Expected Values</a:t>
+                      </a:r>
+                      <a:endParaRPr sz="1800" b="1"/>
+                    </a:p>
+                  </a:txBody>
+                  <a:tcPr marL="91425" marR="91425" marT="91425" marB="91425">
+                    <a:solidFill>
+                      <a:srgbClr val="CCCCCC"/>
+                    </a:solidFill>
+                  </a:tcPr>
+                </a:tc>
+                <a:extLst>
+                  <a:ext uri="{0D108BD9-81ED-4DB2-BD59-A6C34878D82A}">
+                    <a16:rowId xmlns:a16="http://schemas.microsoft.com/office/drawing/2014/main" val="10000"/>
+                  </a:ext>
+                </a:extLst>
+              </a:tr>
+              <a:tr h="396200">
+                <a:tc>
+                  <a:txBody>
+                    <a:bodyPr/>
+                    <a:lstStyle/>
+                    <a:p>
+                      <a:pPr marL="0" lvl="0" indent="0" algn="l" rtl="0">
+                        <a:spcBef>
+                          <a:spcPts val="0"/>
+                        </a:spcBef>
+                        <a:spcAft>
+                          <a:spcPts val="0"/>
+                        </a:spcAft>
+                        <a:buNone/>
+                      </a:pPr>
+                      <a:r>
+                        <a:rPr lang="en-NZ" sz="1300" dirty="0"/>
+                        <a:t>Run file</a:t>
+                      </a:r>
+                      <a:endParaRPr sz="1300" dirty="0"/>
+                    </a:p>
+                  </a:txBody>
+                  <a:tcPr marL="91425" marR="91425" marT="91425" marB="91425"/>
+                </a:tc>
+                <a:tc>
+                  <a:txBody>
+                    <a:bodyPr/>
+                    <a:lstStyle/>
+                    <a:p>
+                      <a:pPr marL="0" lvl="0" indent="0" algn="l" rtl="0">
+                        <a:spcBef>
+                          <a:spcPts val="0"/>
+                        </a:spcBef>
+                        <a:spcAft>
+                          <a:spcPts val="0"/>
+                        </a:spcAft>
+                        <a:buNone/>
+                      </a:pPr>
+                      <a:r>
+                        <a:rPr lang="en-NZ" sz="1300" dirty="0"/>
+                        <a:t>Printed a list with index number, pizzas and prices with price formatted to 2 decimal places and dollar sign. Menu starts at 1.</a:t>
+                      </a:r>
+                      <a:endParaRPr sz="1300" dirty="0"/>
+                    </a:p>
+                  </a:txBody>
+                  <a:tcPr marL="91425" marR="91425" marT="91425" marB="91425"/>
+                </a:tc>
+                <a:extLst>
+                  <a:ext uri="{0D108BD9-81ED-4DB2-BD59-A6C34878D82A}">
+                    <a16:rowId xmlns:a16="http://schemas.microsoft.com/office/drawing/2014/main" val="10001"/>
+                  </a:ext>
+                </a:extLst>
+              </a:tr>
+            </a:tbl>
+          </a:graphicData>
+        </a:graphic>
+      </p:graphicFrame>
+      <p:pic>
+        <p:nvPicPr>
+          <p:cNvPr id="3" name="Picture 2">
+            <a:extLst>
+              <a:ext uri="{FF2B5EF4-FFF2-40B4-BE49-F238E27FC236}">
+                <a16:creationId xmlns:a16="http://schemas.microsoft.com/office/drawing/2014/main" id="{2F2F9A82-9041-442E-85B2-61CA47F49C5D}"/>
+              </a:ext>
+            </a:extLst>
+          </p:cNvPr>
+          <p:cNvPicPr>
+            <a:picLocks noChangeAspect="1"/>
+          </p:cNvPicPr>
+          <p:nvPr/>
+        </p:nvPicPr>
+        <p:blipFill>
+          <a:blip r:embed="rId3"/>
+          <a:stretch>
+            <a:fillRect/>
+          </a:stretch>
+        </p:blipFill>
+        <p:spPr>
+          <a:xfrm>
+            <a:off x="129735" y="656106"/>
+            <a:ext cx="5885951" cy="1016815"/>
+          </a:xfrm>
+          <a:prstGeom prst="rect">
+            <a:avLst/>
+          </a:prstGeom>
+        </p:spPr>
+      </p:pic>
+      <p:pic>
+        <p:nvPicPr>
+          <p:cNvPr id="6" name="Picture 5">
+            <a:extLst>
+              <a:ext uri="{FF2B5EF4-FFF2-40B4-BE49-F238E27FC236}">
+                <a16:creationId xmlns:a16="http://schemas.microsoft.com/office/drawing/2014/main" id="{93C06565-7896-4D37-ACE1-66E718270569}"/>
+              </a:ext>
+            </a:extLst>
+          </p:cNvPr>
+          <p:cNvPicPr>
+            <a:picLocks noChangeAspect="1"/>
+          </p:cNvPicPr>
+          <p:nvPr/>
+        </p:nvPicPr>
+        <p:blipFill>
+          <a:blip r:embed="rId4"/>
+          <a:stretch>
+            <a:fillRect/>
+          </a:stretch>
+        </p:blipFill>
+        <p:spPr>
+          <a:xfrm>
+            <a:off x="5926182" y="656106"/>
+            <a:ext cx="3088083" cy="2952206"/>
+          </a:xfrm>
+          <a:prstGeom prst="rect">
+            <a:avLst/>
+          </a:prstGeom>
+        </p:spPr>
+      </p:pic>
+    </p:spTree>
+    <p:extLst>
+      <p:ext uri="{BB962C8B-B14F-4D97-AF65-F5344CB8AC3E}">
+        <p14:creationId xmlns:p14="http://schemas.microsoft.com/office/powerpoint/2010/main" val="3444984008"/>
+      </p:ext>
+    </p:extLst>
+  </p:cSld>
+  <p:clrMapOvr>
+    <a:masterClrMapping/>
+  </p:clrMapOvr>
+</p:sld>
+</file>
+
+<file path=ppt/slides/slide34.xml><?xml version="1.0" encoding="utf-8"?>
+<p:sld xmlns:a="http://schemas.openxmlformats.org/drawingml/2006/main" xmlns:r="http://schemas.openxmlformats.org/officeDocument/2006/relationships" xmlns:p="http://schemas.openxmlformats.org/presentationml/2006/main">
+  <p:cSld>
     <p:bg>
       <p:bgPr>
         <a:solidFill>
@@ -15935,7 +17322,7 @@
 </p:sld>
 </file>
 
-<file path=ppt/slides/slide31.xml><?xml version="1.0" encoding="utf-8"?>
+<file path=ppt/slides/slide35.xml><?xml version="1.0" encoding="utf-8"?>
 <p:sld xmlns:a="http://schemas.openxmlformats.org/drawingml/2006/main" xmlns:r="http://schemas.openxmlformats.org/officeDocument/2006/relationships" xmlns:p="http://schemas.openxmlformats.org/presentationml/2006/main">
   <p:cSld>
     <p:bg>

--- a/022_91893+_+91897+Documentation.pptx
+++ b/022_91893+_+91897+Documentation.pptx
@@ -5,7 +5,7 @@
     <p:sldMasterId id="2147483659" r:id="rId1"/>
   </p:sldMasterIdLst>
   <p:notesMasterIdLst>
-    <p:notesMasterId r:id="rId37"/>
+    <p:notesMasterId r:id="rId39"/>
   </p:notesMasterIdLst>
   <p:sldIdLst>
     <p:sldId id="256" r:id="rId2"/>
@@ -41,8 +41,10 @@
     <p:sldId id="291" r:id="rId32"/>
     <p:sldId id="292" r:id="rId33"/>
     <p:sldId id="293" r:id="rId34"/>
-    <p:sldId id="261" r:id="rId35"/>
-    <p:sldId id="262" r:id="rId36"/>
+    <p:sldId id="294" r:id="rId35"/>
+    <p:sldId id="295" r:id="rId36"/>
+    <p:sldId id="261" r:id="rId37"/>
+    <p:sldId id="262" r:id="rId38"/>
   </p:sldIdLst>
   <p:sldSz cx="9144000" cy="5143500" type="screen16x9"/>
   <p:notesSz cx="6858000" cy="9144000"/>
@@ -307,7 +309,7 @@
   <pc:docChgLst>
     <pc:chgData name="Danett Pepito" userId="ddef1e2176689e9a" providerId="LiveId" clId="{53BB49C2-00DF-4AB6-9D9D-351DBF063D16}"/>
     <pc:docChg chg="undo custSel addSld delSld modSld sldOrd">
-      <pc:chgData name="Danett Pepito" userId="ddef1e2176689e9a" providerId="LiveId" clId="{53BB49C2-00DF-4AB6-9D9D-351DBF063D16}" dt="2022-03-04T01:40:48.534" v="1733" actId="1076"/>
+      <pc:chgData name="Danett Pepito" userId="ddef1e2176689e9a" providerId="LiveId" clId="{53BB49C2-00DF-4AB6-9D9D-351DBF063D16}" dt="2022-03-04T01:56:35.896" v="1786" actId="20577"/>
       <pc:docMkLst>
         <pc:docMk/>
       </pc:docMkLst>
@@ -1689,6 +1691,76 @@
           </ac:picMkLst>
         </pc:picChg>
       </pc:sldChg>
+      <pc:sldChg chg="addSp delSp modSp add mod">
+        <pc:chgData name="Danett Pepito" userId="ddef1e2176689e9a" providerId="LiveId" clId="{53BB49C2-00DF-4AB6-9D9D-351DBF063D16}" dt="2022-03-04T01:56:21.006" v="1776" actId="1076"/>
+        <pc:sldMkLst>
+          <pc:docMk/>
+          <pc:sldMk cId="1976478525" sldId="294"/>
+        </pc:sldMkLst>
+        <pc:spChg chg="mod">
+          <ac:chgData name="Danett Pepito" userId="ddef1e2176689e9a" providerId="LiveId" clId="{53BB49C2-00DF-4AB6-9D9D-351DBF063D16}" dt="2022-03-04T01:56:15.445" v="1773" actId="20577"/>
+          <ac:spMkLst>
+            <pc:docMk/>
+            <pc:sldMk cId="1976478525" sldId="294"/>
+            <ac:spMk id="73" creationId="{00000000-0000-0000-0000-000000000000}"/>
+          </ac:spMkLst>
+        </pc:spChg>
+        <pc:picChg chg="add mod">
+          <ac:chgData name="Danett Pepito" userId="ddef1e2176689e9a" providerId="LiveId" clId="{53BB49C2-00DF-4AB6-9D9D-351DBF063D16}" dt="2022-03-04T01:56:21.006" v="1776" actId="1076"/>
+          <ac:picMkLst>
+            <pc:docMk/>
+            <pc:sldMk cId="1976478525" sldId="294"/>
+            <ac:picMk id="3" creationId="{C2A4F427-BA10-457A-B732-5C6058BACD49}"/>
+          </ac:picMkLst>
+        </pc:picChg>
+        <pc:picChg chg="del">
+          <ac:chgData name="Danett Pepito" userId="ddef1e2176689e9a" providerId="LiveId" clId="{53BB49C2-00DF-4AB6-9D9D-351DBF063D16}" dt="2022-03-04T01:55:45.113" v="1735" actId="478"/>
+          <ac:picMkLst>
+            <pc:docMk/>
+            <pc:sldMk cId="1976478525" sldId="294"/>
+            <ac:picMk id="6" creationId="{C85DC2CC-1FA0-41B8-8FAF-0007276BCE01}"/>
+          </ac:picMkLst>
+        </pc:picChg>
+      </pc:sldChg>
+      <pc:sldChg chg="delSp modSp add mod replId">
+        <pc:chgData name="Danett Pepito" userId="ddef1e2176689e9a" providerId="LiveId" clId="{53BB49C2-00DF-4AB6-9D9D-351DBF063D16}" dt="2022-03-04T01:56:35.896" v="1786" actId="20577"/>
+        <pc:sldMkLst>
+          <pc:docMk/>
+          <pc:sldMk cId="4279234847" sldId="295"/>
+        </pc:sldMkLst>
+        <pc:spChg chg="mod">
+          <ac:chgData name="Danett Pepito" userId="ddef1e2176689e9a" providerId="LiveId" clId="{53BB49C2-00DF-4AB6-9D9D-351DBF063D16}" dt="2022-03-04T01:56:35.896" v="1786" actId="20577"/>
+          <ac:spMkLst>
+            <pc:docMk/>
+            <pc:sldMk cId="4279234847" sldId="295"/>
+            <ac:spMk id="78" creationId="{00000000-0000-0000-0000-000000000000}"/>
+          </ac:spMkLst>
+        </pc:spChg>
+        <pc:graphicFrameChg chg="modGraphic">
+          <ac:chgData name="Danett Pepito" userId="ddef1e2176689e9a" providerId="LiveId" clId="{53BB49C2-00DF-4AB6-9D9D-351DBF063D16}" dt="2022-03-04T01:55:55.718" v="1738" actId="20577"/>
+          <ac:graphicFrameMkLst>
+            <pc:docMk/>
+            <pc:sldMk cId="4279234847" sldId="295"/>
+            <ac:graphicFrameMk id="79" creationId="{00000000-0000-0000-0000-000000000000}"/>
+          </ac:graphicFrameMkLst>
+        </pc:graphicFrameChg>
+        <pc:picChg chg="del">
+          <ac:chgData name="Danett Pepito" userId="ddef1e2176689e9a" providerId="LiveId" clId="{53BB49C2-00DF-4AB6-9D9D-351DBF063D16}" dt="2022-03-04T01:55:47.321" v="1736" actId="478"/>
+          <ac:picMkLst>
+            <pc:docMk/>
+            <pc:sldMk cId="4279234847" sldId="295"/>
+            <ac:picMk id="3" creationId="{2F2F9A82-9041-442E-85B2-61CA47F49C5D}"/>
+          </ac:picMkLst>
+        </pc:picChg>
+        <pc:picChg chg="del">
+          <ac:chgData name="Danett Pepito" userId="ddef1e2176689e9a" providerId="LiveId" clId="{53BB49C2-00DF-4AB6-9D9D-351DBF063D16}" dt="2022-03-04T01:55:47.321" v="1736" actId="478"/>
+          <ac:picMkLst>
+            <pc:docMk/>
+            <pc:sldMk cId="4279234847" sldId="295"/>
+            <ac:picMk id="6" creationId="{93C06565-7896-4D37-ACE1-66E718270569}"/>
+          </ac:picMkLst>
+        </pc:picChg>
+      </pc:sldChg>
     </pc:docChg>
   </pc:docChgLst>
   <pc:docChgLst>
@@ -5132,6 +5204,224 @@
   <p:cSld>
     <p:spTree>
       <p:nvGrpSpPr>
+        <p:cNvPr id="1" name="Shape 69"/>
+        <p:cNvGrpSpPr/>
+        <p:nvPr/>
+      </p:nvGrpSpPr>
+      <p:grpSpPr>
+        <a:xfrm>
+          <a:off x="0" y="0"/>
+          <a:ext cx="0" cy="0"/>
+          <a:chOff x="0" y="0"/>
+          <a:chExt cx="0" cy="0"/>
+        </a:xfrm>
+      </p:grpSpPr>
+      <p:sp>
+        <p:nvSpPr>
+          <p:cNvPr id="70" name="Google Shape;70;gac10fef634_0_16:notes"/>
+          <p:cNvSpPr>
+            <a:spLocks noGrp="1" noRot="1" noChangeAspect="1"/>
+          </p:cNvSpPr>
+          <p:nvPr>
+            <p:ph type="sldImg" idx="2"/>
+          </p:nvPr>
+        </p:nvSpPr>
+        <p:spPr>
+          <a:xfrm>
+            <a:off x="381000" y="685800"/>
+            <a:ext cx="6096000" cy="3429000"/>
+          </a:xfrm>
+          <a:custGeom>
+            <a:avLst/>
+            <a:gdLst/>
+            <a:ahLst/>
+            <a:cxnLst/>
+            <a:rect l="l" t="t" r="r" b="b"/>
+            <a:pathLst>
+              <a:path w="120000" h="120000" extrusionOk="0">
+                <a:moveTo>
+                  <a:pt x="0" y="0"/>
+                </a:moveTo>
+                <a:lnTo>
+                  <a:pt x="120000" y="0"/>
+                </a:lnTo>
+                <a:lnTo>
+                  <a:pt x="120000" y="120000"/>
+                </a:lnTo>
+                <a:lnTo>
+                  <a:pt x="0" y="120000"/>
+                </a:lnTo>
+                <a:close/>
+              </a:path>
+            </a:pathLst>
+          </a:custGeom>
+        </p:spPr>
+      </p:sp>
+      <p:sp>
+        <p:nvSpPr>
+          <p:cNvPr id="71" name="Google Shape;71;gac10fef634_0_16:notes"/>
+          <p:cNvSpPr txBox="1">
+            <a:spLocks noGrp="1"/>
+          </p:cNvSpPr>
+          <p:nvPr>
+            <p:ph type="body" idx="1"/>
+          </p:nvPr>
+        </p:nvSpPr>
+        <p:spPr>
+          <a:xfrm>
+            <a:off x="685800" y="4343400"/>
+            <a:ext cx="5486400" cy="4114800"/>
+          </a:xfrm>
+          <a:prstGeom prst="rect">
+            <a:avLst/>
+          </a:prstGeom>
+        </p:spPr>
+        <p:txBody>
+          <a:bodyPr spcFirstLastPara="1" wrap="square" lIns="91425" tIns="91425" rIns="91425" bIns="91425" anchor="t" anchorCtr="0">
+            <a:noAutofit/>
+          </a:bodyPr>
+          <a:lstStyle/>
+          <a:p>
+            <a:pPr marL="0" lvl="0" indent="0" algn="l" rtl="0">
+              <a:spcBef>
+                <a:spcPts val="0"/>
+              </a:spcBef>
+              <a:spcAft>
+                <a:spcPts val="0"/>
+              </a:spcAft>
+              <a:buNone/>
+            </a:pPr>
+            <a:endParaRPr/>
+          </a:p>
+        </p:txBody>
+      </p:sp>
+    </p:spTree>
+    <p:extLst>
+      <p:ext uri="{BB962C8B-B14F-4D97-AF65-F5344CB8AC3E}">
+        <p14:creationId xmlns:p14="http://schemas.microsoft.com/office/powerpoint/2010/main" val="361939049"/>
+      </p:ext>
+    </p:extLst>
+  </p:cSld>
+  <p:clrMapOvr>
+    <a:masterClrMapping/>
+  </p:clrMapOvr>
+</p:notes>
+</file>
+
+<file path=ppt/notesSlides/notesSlide35.xml><?xml version="1.0" encoding="utf-8"?>
+<p:notes xmlns:a="http://schemas.openxmlformats.org/drawingml/2006/main" xmlns:r="http://schemas.openxmlformats.org/officeDocument/2006/relationships" xmlns:p="http://schemas.openxmlformats.org/presentationml/2006/main" showMasterSp="0" showMasterPhAnim="0">
+  <p:cSld>
+    <p:spTree>
+      <p:nvGrpSpPr>
+        <p:cNvPr id="1" name="Shape 74"/>
+        <p:cNvGrpSpPr/>
+        <p:nvPr/>
+      </p:nvGrpSpPr>
+      <p:grpSpPr>
+        <a:xfrm>
+          <a:off x="0" y="0"/>
+          <a:ext cx="0" cy="0"/>
+          <a:chOff x="0" y="0"/>
+          <a:chExt cx="0" cy="0"/>
+        </a:xfrm>
+      </p:grpSpPr>
+      <p:sp>
+        <p:nvSpPr>
+          <p:cNvPr id="75" name="Google Shape;75;gac10fef634_0_20:notes"/>
+          <p:cNvSpPr>
+            <a:spLocks noGrp="1" noRot="1" noChangeAspect="1"/>
+          </p:cNvSpPr>
+          <p:nvPr>
+            <p:ph type="sldImg" idx="2"/>
+          </p:nvPr>
+        </p:nvSpPr>
+        <p:spPr>
+          <a:xfrm>
+            <a:off x="381000" y="685800"/>
+            <a:ext cx="6096000" cy="3429000"/>
+          </a:xfrm>
+          <a:custGeom>
+            <a:avLst/>
+            <a:gdLst/>
+            <a:ahLst/>
+            <a:cxnLst/>
+            <a:rect l="l" t="t" r="r" b="b"/>
+            <a:pathLst>
+              <a:path w="120000" h="120000" extrusionOk="0">
+                <a:moveTo>
+                  <a:pt x="0" y="0"/>
+                </a:moveTo>
+                <a:lnTo>
+                  <a:pt x="120000" y="0"/>
+                </a:lnTo>
+                <a:lnTo>
+                  <a:pt x="120000" y="120000"/>
+                </a:lnTo>
+                <a:lnTo>
+                  <a:pt x="0" y="120000"/>
+                </a:lnTo>
+                <a:close/>
+              </a:path>
+            </a:pathLst>
+          </a:custGeom>
+        </p:spPr>
+      </p:sp>
+      <p:sp>
+        <p:nvSpPr>
+          <p:cNvPr id="76" name="Google Shape;76;gac10fef634_0_20:notes"/>
+          <p:cNvSpPr txBox="1">
+            <a:spLocks noGrp="1"/>
+          </p:cNvSpPr>
+          <p:nvPr>
+            <p:ph type="body" idx="1"/>
+          </p:nvPr>
+        </p:nvSpPr>
+        <p:spPr>
+          <a:xfrm>
+            <a:off x="685800" y="4343400"/>
+            <a:ext cx="5486400" cy="4114800"/>
+          </a:xfrm>
+          <a:prstGeom prst="rect">
+            <a:avLst/>
+          </a:prstGeom>
+        </p:spPr>
+        <p:txBody>
+          <a:bodyPr spcFirstLastPara="1" wrap="square" lIns="91425" tIns="91425" rIns="91425" bIns="91425" anchor="t" anchorCtr="0">
+            <a:noAutofit/>
+          </a:bodyPr>
+          <a:lstStyle/>
+          <a:p>
+            <a:pPr marL="0" lvl="0" indent="0" algn="l" rtl="0">
+              <a:spcBef>
+                <a:spcPts val="0"/>
+              </a:spcBef>
+              <a:spcAft>
+                <a:spcPts val="0"/>
+              </a:spcAft>
+              <a:buNone/>
+            </a:pPr>
+            <a:endParaRPr/>
+          </a:p>
+        </p:txBody>
+      </p:sp>
+    </p:spTree>
+    <p:extLst>
+      <p:ext uri="{BB962C8B-B14F-4D97-AF65-F5344CB8AC3E}">
+        <p14:creationId xmlns:p14="http://schemas.microsoft.com/office/powerpoint/2010/main" val="710035946"/>
+      </p:ext>
+    </p:extLst>
+  </p:cSld>
+  <p:clrMapOvr>
+    <a:masterClrMapping/>
+  </p:clrMapOvr>
+</p:notes>
+</file>
+
+<file path=ppt/notesSlides/notesSlide36.xml><?xml version="1.0" encoding="utf-8"?>
+<p:notes xmlns:a="http://schemas.openxmlformats.org/drawingml/2006/main" xmlns:r="http://schemas.openxmlformats.org/officeDocument/2006/relationships" xmlns:p="http://schemas.openxmlformats.org/presentationml/2006/main" showMasterSp="0" showMasterPhAnim="0">
+  <p:cSld>
+    <p:spTree>
+      <p:nvGrpSpPr>
         <p:cNvPr id="1" name="Shape 80"/>
         <p:cNvGrpSpPr/>
         <p:nvPr/>
@@ -5252,7 +5542,7 @@
 </p:notes>
 </file>
 
-<file path=ppt/notesSlides/notesSlide35.xml><?xml version="1.0" encoding="utf-8"?>
+<file path=ppt/notesSlides/notesSlide37.xml><?xml version="1.0" encoding="utf-8"?>
 <p:notes xmlns:a="http://schemas.openxmlformats.org/drawingml/2006/main" xmlns:r="http://schemas.openxmlformats.org/officeDocument/2006/relationships" xmlns:p="http://schemas.openxmlformats.org/presentationml/2006/main" showMasterSp="0" showMasterPhAnim="0">
   <p:cSld>
     <p:spTree>
@@ -17208,6 +17498,329 @@
 <file path=ppt/slides/slide34.xml><?xml version="1.0" encoding="utf-8"?>
 <p:sld xmlns:a="http://schemas.openxmlformats.org/drawingml/2006/main" xmlns:r="http://schemas.openxmlformats.org/officeDocument/2006/relationships" xmlns:p="http://schemas.openxmlformats.org/presentationml/2006/main">
   <p:cSld>
+    <p:spTree>
+      <p:nvGrpSpPr>
+        <p:cNvPr id="1" name="Shape 72"/>
+        <p:cNvGrpSpPr/>
+        <p:nvPr/>
+      </p:nvGrpSpPr>
+      <p:grpSpPr>
+        <a:xfrm>
+          <a:off x="0" y="0"/>
+          <a:ext cx="0" cy="0"/>
+          <a:chOff x="0" y="0"/>
+          <a:chExt cx="0" cy="0"/>
+        </a:xfrm>
+      </p:grpSpPr>
+      <p:sp>
+        <p:nvSpPr>
+          <p:cNvPr id="73" name="Google Shape;73;p16"/>
+          <p:cNvSpPr txBox="1">
+            <a:spLocks noGrp="1"/>
+          </p:cNvSpPr>
+          <p:nvPr>
+            <p:ph type="title"/>
+          </p:nvPr>
+        </p:nvSpPr>
+        <p:spPr>
+          <a:xfrm>
+            <a:off x="311700" y="445025"/>
+            <a:ext cx="8520600" cy="572700"/>
+          </a:xfrm>
+          <a:prstGeom prst="rect">
+            <a:avLst/>
+          </a:prstGeom>
+        </p:spPr>
+        <p:txBody>
+          <a:bodyPr spcFirstLastPara="1" wrap="square" lIns="91425" tIns="91425" rIns="91425" bIns="91425" anchor="t" anchorCtr="0">
+            <a:noAutofit/>
+          </a:bodyPr>
+          <a:lstStyle/>
+          <a:p>
+            <a:pPr marL="0" lvl="0" indent="0" algn="l" rtl="0">
+              <a:spcBef>
+                <a:spcPts val="0"/>
+              </a:spcBef>
+              <a:spcAft>
+                <a:spcPts val="0"/>
+              </a:spcAft>
+              <a:buNone/>
+            </a:pPr>
+            <a:r>
+              <a:rPr lang="en" dirty="0"/>
+              <a:t>Component 6 Pizza Order v1 (Trello screenshot)</a:t>
+            </a:r>
+            <a:endParaRPr dirty="0"/>
+          </a:p>
+        </p:txBody>
+      </p:sp>
+      <p:pic>
+        <p:nvPicPr>
+          <p:cNvPr id="3" name="Picture 2">
+            <a:extLst>
+              <a:ext uri="{FF2B5EF4-FFF2-40B4-BE49-F238E27FC236}">
+                <a16:creationId xmlns:a16="http://schemas.microsoft.com/office/drawing/2014/main" id="{C2A4F427-BA10-457A-B732-5C6058BACD49}"/>
+              </a:ext>
+            </a:extLst>
+          </p:cNvPr>
+          <p:cNvPicPr>
+            <a:picLocks noChangeAspect="1"/>
+          </p:cNvPicPr>
+          <p:nvPr/>
+        </p:nvPicPr>
+        <p:blipFill>
+          <a:blip r:embed="rId3"/>
+          <a:stretch>
+            <a:fillRect/>
+          </a:stretch>
+        </p:blipFill>
+        <p:spPr>
+          <a:xfrm>
+            <a:off x="357414" y="1440180"/>
+            <a:ext cx="8429171" cy="2889151"/>
+          </a:xfrm>
+          <a:prstGeom prst="rect">
+            <a:avLst/>
+          </a:prstGeom>
+        </p:spPr>
+      </p:pic>
+    </p:spTree>
+    <p:extLst>
+      <p:ext uri="{BB962C8B-B14F-4D97-AF65-F5344CB8AC3E}">
+        <p14:creationId xmlns:p14="http://schemas.microsoft.com/office/powerpoint/2010/main" val="1976478525"/>
+      </p:ext>
+    </p:extLst>
+  </p:cSld>
+  <p:clrMapOvr>
+    <a:masterClrMapping/>
+  </p:clrMapOvr>
+</p:sld>
+</file>
+
+<file path=ppt/slides/slide35.xml><?xml version="1.0" encoding="utf-8"?>
+<p:sld xmlns:a="http://schemas.openxmlformats.org/drawingml/2006/main" xmlns:r="http://schemas.openxmlformats.org/officeDocument/2006/relationships" xmlns:p="http://schemas.openxmlformats.org/presentationml/2006/main">
+  <p:cSld>
+    <p:spTree>
+      <p:nvGrpSpPr>
+        <p:cNvPr id="1" name="Shape 77"/>
+        <p:cNvGrpSpPr/>
+        <p:nvPr/>
+      </p:nvGrpSpPr>
+      <p:grpSpPr>
+        <a:xfrm>
+          <a:off x="0" y="0"/>
+          <a:ext cx="0" cy="0"/>
+          <a:chOff x="0" y="0"/>
+          <a:chExt cx="0" cy="0"/>
+        </a:xfrm>
+      </p:grpSpPr>
+      <p:sp>
+        <p:nvSpPr>
+          <p:cNvPr id="78" name="Google Shape;78;p17"/>
+          <p:cNvSpPr txBox="1">
+            <a:spLocks noGrp="1"/>
+          </p:cNvSpPr>
+          <p:nvPr>
+            <p:ph type="title"/>
+          </p:nvPr>
+        </p:nvSpPr>
+        <p:spPr>
+          <a:xfrm>
+            <a:off x="311700" y="117365"/>
+            <a:ext cx="8520600" cy="572700"/>
+          </a:xfrm>
+          <a:prstGeom prst="rect">
+            <a:avLst/>
+          </a:prstGeom>
+        </p:spPr>
+        <p:txBody>
+          <a:bodyPr spcFirstLastPara="1" wrap="square" lIns="91425" tIns="91425" rIns="91425" bIns="91425" anchor="t" anchorCtr="0">
+            <a:noAutofit/>
+          </a:bodyPr>
+          <a:lstStyle/>
+          <a:p>
+            <a:pPr marL="0" lvl="0" indent="0" algn="l" rtl="0">
+              <a:spcBef>
+                <a:spcPts val="0"/>
+              </a:spcBef>
+              <a:spcAft>
+                <a:spcPts val="0"/>
+              </a:spcAft>
+              <a:buNone/>
+            </a:pPr>
+            <a:r>
+              <a:rPr lang="en" sz="2400" dirty="0"/>
+              <a:t>Component 6 Pizza Order	v1</a:t>
+            </a:r>
+            <a:endParaRPr sz="2400" dirty="0"/>
+          </a:p>
+        </p:txBody>
+      </p:sp>
+      <p:graphicFrame>
+        <p:nvGraphicFramePr>
+          <p:cNvPr id="79" name="Google Shape;79;p17"/>
+          <p:cNvGraphicFramePr/>
+          <p:nvPr>
+            <p:extLst>
+              <p:ext uri="{D42A27DB-BD31-4B8C-83A1-F6EECF244321}">
+                <p14:modId xmlns:p14="http://schemas.microsoft.com/office/powerpoint/2010/main" val="3492461427"/>
+              </p:ext>
+            </p:extLst>
+          </p:nvPr>
+        </p:nvGraphicFramePr>
+        <p:xfrm>
+          <a:off x="311700" y="3672593"/>
+          <a:ext cx="8520600" cy="853370"/>
+        </p:xfrm>
+        <a:graphic>
+          <a:graphicData uri="http://schemas.openxmlformats.org/drawingml/2006/table">
+            <a:tbl>
+              <a:tblPr>
+                <a:noFill/>
+                <a:tableStyleId>{E1099E06-0E6B-448D-9D27-60429F06E6F4}</a:tableStyleId>
+              </a:tblPr>
+              <a:tblGrid>
+                <a:gridCol w="4260300">
+                  <a:extLst>
+                    <a:ext uri="{9D8B030D-6E8A-4147-A177-3AD203B41FA5}">
+                      <a16:colId xmlns:a16="http://schemas.microsoft.com/office/drawing/2014/main" val="20000"/>
+                    </a:ext>
+                  </a:extLst>
+                </a:gridCol>
+                <a:gridCol w="4260300">
+                  <a:extLst>
+                    <a:ext uri="{9D8B030D-6E8A-4147-A177-3AD203B41FA5}">
+                      <a16:colId xmlns:a16="http://schemas.microsoft.com/office/drawing/2014/main" val="20001"/>
+                    </a:ext>
+                  </a:extLst>
+                </a:gridCol>
+              </a:tblGrid>
+              <a:tr h="381000">
+                <a:tc>
+                  <a:txBody>
+                    <a:bodyPr/>
+                    <a:lstStyle/>
+                    <a:p>
+                      <a:pPr marL="0" lvl="0" indent="0" algn="l" rtl="0">
+                        <a:spcBef>
+                          <a:spcPts val="0"/>
+                        </a:spcBef>
+                        <a:spcAft>
+                          <a:spcPts val="0"/>
+                        </a:spcAft>
+                        <a:buNone/>
+                      </a:pPr>
+                      <a:r>
+                        <a:rPr lang="en" sz="1800" b="1" dirty="0"/>
+                        <a:t>Test Case</a:t>
+                      </a:r>
+                      <a:endParaRPr sz="1800" b="1" dirty="0"/>
+                    </a:p>
+                  </a:txBody>
+                  <a:tcPr marL="91425" marR="91425" marT="91425" marB="91425">
+                    <a:solidFill>
+                      <a:srgbClr val="CCCCCC"/>
+                    </a:solidFill>
+                  </a:tcPr>
+                </a:tc>
+                <a:tc>
+                  <a:txBody>
+                    <a:bodyPr/>
+                    <a:lstStyle/>
+                    <a:p>
+                      <a:pPr marL="0" lvl="0" indent="0" algn="l" rtl="0">
+                        <a:spcBef>
+                          <a:spcPts val="0"/>
+                        </a:spcBef>
+                        <a:spcAft>
+                          <a:spcPts val="0"/>
+                        </a:spcAft>
+                        <a:buNone/>
+                      </a:pPr>
+                      <a:r>
+                        <a:rPr lang="en" sz="1800" b="1"/>
+                        <a:t>Expected Values</a:t>
+                      </a:r>
+                      <a:endParaRPr sz="1800" b="1"/>
+                    </a:p>
+                  </a:txBody>
+                  <a:tcPr marL="91425" marR="91425" marT="91425" marB="91425">
+                    <a:solidFill>
+                      <a:srgbClr val="CCCCCC"/>
+                    </a:solidFill>
+                  </a:tcPr>
+                </a:tc>
+                <a:extLst>
+                  <a:ext uri="{0D108BD9-81ED-4DB2-BD59-A6C34878D82A}">
+                    <a16:rowId xmlns:a16="http://schemas.microsoft.com/office/drawing/2014/main" val="10000"/>
+                  </a:ext>
+                </a:extLst>
+              </a:tr>
+              <a:tr h="396200">
+                <a:tc>
+                  <a:txBody>
+                    <a:bodyPr/>
+                    <a:lstStyle/>
+                    <a:p>
+                      <a:pPr marL="0" lvl="0" indent="0" algn="l" rtl="0">
+                        <a:spcBef>
+                          <a:spcPts val="0"/>
+                        </a:spcBef>
+                        <a:spcAft>
+                          <a:spcPts val="0"/>
+                        </a:spcAft>
+                        <a:buNone/>
+                      </a:pPr>
+                      <a:endParaRPr sz="1300" dirty="0"/>
+                    </a:p>
+                  </a:txBody>
+                  <a:tcPr marL="91425" marR="91425" marT="91425" marB="91425"/>
+                </a:tc>
+                <a:tc>
+                  <a:txBody>
+                    <a:bodyPr/>
+                    <a:lstStyle/>
+                    <a:p>
+                      <a:pPr marL="0" lvl="0" indent="0" algn="l" rtl="0">
+                        <a:spcBef>
+                          <a:spcPts val="0"/>
+                        </a:spcBef>
+                        <a:spcAft>
+                          <a:spcPts val="0"/>
+                        </a:spcAft>
+                        <a:buNone/>
+                      </a:pPr>
+                      <a:endParaRPr sz="1300" dirty="0"/>
+                    </a:p>
+                  </a:txBody>
+                  <a:tcPr marL="91425" marR="91425" marT="91425" marB="91425"/>
+                </a:tc>
+                <a:extLst>
+                  <a:ext uri="{0D108BD9-81ED-4DB2-BD59-A6C34878D82A}">
+                    <a16:rowId xmlns:a16="http://schemas.microsoft.com/office/drawing/2014/main" val="10001"/>
+                  </a:ext>
+                </a:extLst>
+              </a:tr>
+            </a:tbl>
+          </a:graphicData>
+        </a:graphic>
+      </p:graphicFrame>
+    </p:spTree>
+    <p:extLst>
+      <p:ext uri="{BB962C8B-B14F-4D97-AF65-F5344CB8AC3E}">
+        <p14:creationId xmlns:p14="http://schemas.microsoft.com/office/powerpoint/2010/main" val="4279234847"/>
+      </p:ext>
+    </p:extLst>
+  </p:cSld>
+  <p:clrMapOvr>
+    <a:masterClrMapping/>
+  </p:clrMapOvr>
+</p:sld>
+</file>
+
+<file path=ppt/slides/slide36.xml><?xml version="1.0" encoding="utf-8"?>
+<p:sld xmlns:a="http://schemas.openxmlformats.org/drawingml/2006/main" xmlns:r="http://schemas.openxmlformats.org/officeDocument/2006/relationships" xmlns:p="http://schemas.openxmlformats.org/presentationml/2006/main">
+  <p:cSld>
     <p:bg>
       <p:bgPr>
         <a:solidFill>
@@ -17322,7 +17935,7 @@
 </p:sld>
 </file>
 
-<file path=ppt/slides/slide35.xml><?xml version="1.0" encoding="utf-8"?>
+<file path=ppt/slides/slide37.xml><?xml version="1.0" encoding="utf-8"?>
 <p:sld xmlns:a="http://schemas.openxmlformats.org/drawingml/2006/main" xmlns:r="http://schemas.openxmlformats.org/officeDocument/2006/relationships" xmlns:p="http://schemas.openxmlformats.org/presentationml/2006/main">
   <p:cSld>
     <p:bg>

--- a/022_91893+_+91897+Documentation.pptx
+++ b/022_91893+_+91897+Documentation.pptx
@@ -309,7 +309,7 @@
   <pc:docChgLst>
     <pc:chgData name="Danett Pepito" userId="ddef1e2176689e9a" providerId="LiveId" clId="{53BB49C2-00DF-4AB6-9D9D-351DBF063D16}"/>
     <pc:docChg chg="undo custSel addSld delSld modSld sldOrd">
-      <pc:chgData name="Danett Pepito" userId="ddef1e2176689e9a" providerId="LiveId" clId="{53BB49C2-00DF-4AB6-9D9D-351DBF063D16}" dt="2022-03-04T01:56:35.896" v="1786" actId="20577"/>
+      <pc:chgData name="Danett Pepito" userId="ddef1e2176689e9a" providerId="LiveId" clId="{53BB49C2-00DF-4AB6-9D9D-351DBF063D16}" dt="2022-03-06T01:46:15.783" v="1912" actId="1076"/>
       <pc:docMkLst>
         <pc:docMk/>
       </pc:docMkLst>
@@ -1722,8 +1722,8 @@
           </ac:picMkLst>
         </pc:picChg>
       </pc:sldChg>
-      <pc:sldChg chg="delSp modSp add mod replId">
-        <pc:chgData name="Danett Pepito" userId="ddef1e2176689e9a" providerId="LiveId" clId="{53BB49C2-00DF-4AB6-9D9D-351DBF063D16}" dt="2022-03-04T01:56:35.896" v="1786" actId="20577"/>
+      <pc:sldChg chg="addSp delSp modSp add mod replId">
+        <pc:chgData name="Danett Pepito" userId="ddef1e2176689e9a" providerId="LiveId" clId="{53BB49C2-00DF-4AB6-9D9D-351DBF063D16}" dt="2022-03-06T01:46:15.783" v="1912" actId="1076"/>
         <pc:sldMkLst>
           <pc:docMk/>
           <pc:sldMk cId="4279234847" sldId="295"/>
@@ -1737,7 +1737,7 @@
           </ac:spMkLst>
         </pc:spChg>
         <pc:graphicFrameChg chg="modGraphic">
-          <ac:chgData name="Danett Pepito" userId="ddef1e2176689e9a" providerId="LiveId" clId="{53BB49C2-00DF-4AB6-9D9D-351DBF063D16}" dt="2022-03-04T01:55:55.718" v="1738" actId="20577"/>
+          <ac:chgData name="Danett Pepito" userId="ddef1e2176689e9a" providerId="LiveId" clId="{53BB49C2-00DF-4AB6-9D9D-351DBF063D16}" dt="2022-03-06T01:46:08.509" v="1908" actId="20577"/>
           <ac:graphicFrameMkLst>
             <pc:docMk/>
             <pc:sldMk cId="4279234847" sldId="295"/>
@@ -1752,12 +1752,44 @@
             <ac:picMk id="3" creationId="{2F2F9A82-9041-442E-85B2-61CA47F49C5D}"/>
           </ac:picMkLst>
         </pc:picChg>
+        <pc:picChg chg="add mod">
+          <ac:chgData name="Danett Pepito" userId="ddef1e2176689e9a" providerId="LiveId" clId="{53BB49C2-00DF-4AB6-9D9D-351DBF063D16}" dt="2022-03-06T01:45:35.948" v="1898" actId="1076"/>
+          <ac:picMkLst>
+            <pc:docMk/>
+            <pc:sldMk cId="4279234847" sldId="295"/>
+            <ac:picMk id="3" creationId="{B46A7241-FFB4-495A-82DD-1E0440344F29}"/>
+          </ac:picMkLst>
+        </pc:picChg>
+        <pc:picChg chg="add mod">
+          <ac:chgData name="Danett Pepito" userId="ddef1e2176689e9a" providerId="LiveId" clId="{53BB49C2-00DF-4AB6-9D9D-351DBF063D16}" dt="2022-03-06T01:46:06.148" v="1906" actId="1076"/>
+          <ac:picMkLst>
+            <pc:docMk/>
+            <pc:sldMk cId="4279234847" sldId="295"/>
+            <ac:picMk id="5" creationId="{C615D503-53B7-48CF-81C5-C959A4FFE7B6}"/>
+          </ac:picMkLst>
+        </pc:picChg>
         <pc:picChg chg="del">
           <ac:chgData name="Danett Pepito" userId="ddef1e2176689e9a" providerId="LiveId" clId="{53BB49C2-00DF-4AB6-9D9D-351DBF063D16}" dt="2022-03-04T01:55:47.321" v="1736" actId="478"/>
           <ac:picMkLst>
             <pc:docMk/>
             <pc:sldMk cId="4279234847" sldId="295"/>
             <ac:picMk id="6" creationId="{93C06565-7896-4D37-ACE1-66E718270569}"/>
+          </ac:picMkLst>
+        </pc:picChg>
+        <pc:picChg chg="add del mod">
+          <ac:chgData name="Danett Pepito" userId="ddef1e2176689e9a" providerId="LiveId" clId="{53BB49C2-00DF-4AB6-9D9D-351DBF063D16}" dt="2022-03-06T01:45:55.820" v="1902" actId="478"/>
+          <ac:picMkLst>
+            <pc:docMk/>
+            <pc:sldMk cId="4279234847" sldId="295"/>
+            <ac:picMk id="7" creationId="{A0E95F6F-2D99-46D2-B10E-04DA3E7D3CF2}"/>
+          </ac:picMkLst>
+        </pc:picChg>
+        <pc:picChg chg="add mod">
+          <ac:chgData name="Danett Pepito" userId="ddef1e2176689e9a" providerId="LiveId" clId="{53BB49C2-00DF-4AB6-9D9D-351DBF063D16}" dt="2022-03-06T01:46:15.783" v="1912" actId="1076"/>
+          <ac:picMkLst>
+            <pc:docMk/>
+            <pc:sldMk cId="4279234847" sldId="295"/>
+            <ac:picMk id="9" creationId="{04344325-43DF-451B-AE09-E74B46D25321}"/>
           </ac:picMkLst>
         </pc:picChg>
       </pc:sldChg>
@@ -17663,14 +17695,14 @@
           <p:nvPr>
             <p:extLst>
               <p:ext uri="{D42A27DB-BD31-4B8C-83A1-F6EECF244321}">
-                <p14:modId xmlns:p14="http://schemas.microsoft.com/office/powerpoint/2010/main" val="3492461427"/>
+                <p14:modId xmlns:p14="http://schemas.microsoft.com/office/powerpoint/2010/main" val="1625678253"/>
               </p:ext>
             </p:extLst>
           </p:nvPr>
         </p:nvGraphicFramePr>
         <p:xfrm>
           <a:off x="311700" y="3672593"/>
-          <a:ext cx="8520600" cy="853370"/>
+          <a:ext cx="8520600" cy="1432500"/>
         </p:xfrm>
         <a:graphic>
           <a:graphicData uri="http://schemas.openxmlformats.org/drawingml/2006/table">
@@ -17771,6 +17803,25 @@
                         </a:spcAft>
                         <a:buNone/>
                       </a:pPr>
+                      <a:r>
+                        <a:rPr lang="en-NZ" sz="1300" dirty="0"/>
+                        <a:t>Enter 5 pizzas</a:t>
+                      </a:r>
+                    </a:p>
+                    <a:p>
+                      <a:pPr marL="0" lvl="0" indent="0" algn="l" rtl="0">
+                        <a:spcBef>
+                          <a:spcPts val="0"/>
+                        </a:spcBef>
+                        <a:spcAft>
+                          <a:spcPts val="0"/>
+                        </a:spcAft>
+                        <a:buNone/>
+                      </a:pPr>
+                      <a:r>
+                        <a:rPr lang="en-NZ" sz="1300" dirty="0"/>
+                        <a:t>Entered ‘cat’</a:t>
+                      </a:r>
                       <a:endParaRPr sz="1300" dirty="0"/>
                     </a:p>
                   </a:txBody>
@@ -17780,6 +17831,48 @@
                   <a:txBody>
                     <a:bodyPr/>
                     <a:lstStyle/>
+                    <a:p>
+                      <a:pPr marL="0" lvl="0" indent="0" algn="l" rtl="0">
+                        <a:spcBef>
+                          <a:spcPts val="0"/>
+                        </a:spcBef>
+                        <a:spcAft>
+                          <a:spcPts val="0"/>
+                        </a:spcAft>
+                        <a:buNone/>
+                      </a:pPr>
+                      <a:r>
+                        <a:rPr lang="en-NZ" sz="1300" dirty="0"/>
+                        <a:t>Stepped through the menu choice 5 times</a:t>
+                      </a:r>
+                    </a:p>
+                    <a:p>
+                      <a:pPr marL="0" lvl="0" indent="0" algn="l" rtl="0">
+                        <a:spcBef>
+                          <a:spcPts val="0"/>
+                        </a:spcBef>
+                        <a:spcAft>
+                          <a:spcPts val="0"/>
+                        </a:spcAft>
+                        <a:buNone/>
+                      </a:pPr>
+                      <a:r>
+                        <a:rPr lang="en-NZ" sz="1300" dirty="0"/>
+                        <a:t>Program broke</a:t>
+                      </a:r>
+                    </a:p>
+                    <a:p>
+                      <a:pPr marL="0" lvl="0" indent="0" algn="l" rtl="0">
+                        <a:spcBef>
+                          <a:spcPts val="0"/>
+                        </a:spcBef>
+                        <a:spcAft>
+                          <a:spcPts val="0"/>
+                        </a:spcAft>
+                        <a:buNone/>
+                      </a:pPr>
+                      <a:endParaRPr lang="en-NZ" sz="1300" dirty="0"/>
+                    </a:p>
                     <a:p>
                       <a:pPr marL="0" lvl="0" indent="0" algn="l" rtl="0">
                         <a:spcBef>
@@ -17805,6 +17898,96 @@
           </a:graphicData>
         </a:graphic>
       </p:graphicFrame>
+      <p:pic>
+        <p:nvPicPr>
+          <p:cNvPr id="3" name="Picture 2">
+            <a:extLst>
+              <a:ext uri="{FF2B5EF4-FFF2-40B4-BE49-F238E27FC236}">
+                <a16:creationId xmlns:a16="http://schemas.microsoft.com/office/drawing/2014/main" id="{B46A7241-FFB4-495A-82DD-1E0440344F29}"/>
+              </a:ext>
+            </a:extLst>
+          </p:cNvPr>
+          <p:cNvPicPr>
+            <a:picLocks noChangeAspect="1"/>
+          </p:cNvPicPr>
+          <p:nvPr/>
+        </p:nvPicPr>
+        <p:blipFill>
+          <a:blip r:embed="rId3"/>
+          <a:stretch>
+            <a:fillRect/>
+          </a:stretch>
+        </p:blipFill>
+        <p:spPr>
+          <a:xfrm>
+            <a:off x="311700" y="793854"/>
+            <a:ext cx="4536576" cy="2774950"/>
+          </a:xfrm>
+          <a:prstGeom prst="rect">
+            <a:avLst/>
+          </a:prstGeom>
+        </p:spPr>
+      </p:pic>
+      <p:pic>
+        <p:nvPicPr>
+          <p:cNvPr id="5" name="Picture 4">
+            <a:extLst>
+              <a:ext uri="{FF2B5EF4-FFF2-40B4-BE49-F238E27FC236}">
+                <a16:creationId xmlns:a16="http://schemas.microsoft.com/office/drawing/2014/main" id="{C615D503-53B7-48CF-81C5-C959A4FFE7B6}"/>
+              </a:ext>
+            </a:extLst>
+          </p:cNvPr>
+          <p:cNvPicPr>
+            <a:picLocks noChangeAspect="1"/>
+          </p:cNvPicPr>
+          <p:nvPr/>
+        </p:nvPicPr>
+        <p:blipFill>
+          <a:blip r:embed="rId4"/>
+          <a:stretch>
+            <a:fillRect/>
+          </a:stretch>
+        </p:blipFill>
+        <p:spPr>
+          <a:xfrm>
+            <a:off x="5025476" y="146845"/>
+            <a:ext cx="3806824" cy="3421959"/>
+          </a:xfrm>
+          <a:prstGeom prst="rect">
+            <a:avLst/>
+          </a:prstGeom>
+        </p:spPr>
+      </p:pic>
+      <p:pic>
+        <p:nvPicPr>
+          <p:cNvPr id="9" name="Picture 8">
+            <a:extLst>
+              <a:ext uri="{FF2B5EF4-FFF2-40B4-BE49-F238E27FC236}">
+                <a16:creationId xmlns:a16="http://schemas.microsoft.com/office/drawing/2014/main" id="{04344325-43DF-451B-AE09-E74B46D25321}"/>
+              </a:ext>
+            </a:extLst>
+          </p:cNvPr>
+          <p:cNvPicPr>
+            <a:picLocks noChangeAspect="1"/>
+          </p:cNvPicPr>
+          <p:nvPr/>
+        </p:nvPicPr>
+        <p:blipFill>
+          <a:blip r:embed="rId5"/>
+          <a:stretch>
+            <a:fillRect/>
+          </a:stretch>
+        </p:blipFill>
+        <p:spPr>
+          <a:xfrm>
+            <a:off x="4637393" y="4612486"/>
+            <a:ext cx="4095127" cy="413649"/>
+          </a:xfrm>
+          <a:prstGeom prst="rect">
+            <a:avLst/>
+          </a:prstGeom>
+        </p:spPr>
+      </p:pic>
     </p:spTree>
     <p:extLst>
       <p:ext uri="{BB962C8B-B14F-4D97-AF65-F5344CB8AC3E}">

--- a/022_91893+_+91897+Documentation.pptx
+++ b/022_91893+_+91897+Documentation.pptx
@@ -5,7 +5,7 @@
     <p:sldMasterId id="2147483659" r:id="rId1"/>
   </p:sldMasterIdLst>
   <p:notesMasterIdLst>
-    <p:notesMasterId r:id="rId39"/>
+    <p:notesMasterId r:id="rId48"/>
   </p:notesMasterIdLst>
   <p:sldIdLst>
     <p:sldId id="256" r:id="rId2"/>
@@ -43,8 +43,17 @@
     <p:sldId id="293" r:id="rId34"/>
     <p:sldId id="294" r:id="rId35"/>
     <p:sldId id="295" r:id="rId36"/>
-    <p:sldId id="261" r:id="rId37"/>
-    <p:sldId id="262" r:id="rId38"/>
+    <p:sldId id="296" r:id="rId37"/>
+    <p:sldId id="297" r:id="rId38"/>
+    <p:sldId id="298" r:id="rId39"/>
+    <p:sldId id="299" r:id="rId40"/>
+    <p:sldId id="301" r:id="rId41"/>
+    <p:sldId id="300" r:id="rId42"/>
+    <p:sldId id="302" r:id="rId43"/>
+    <p:sldId id="303" r:id="rId44"/>
+    <p:sldId id="304" r:id="rId45"/>
+    <p:sldId id="261" r:id="rId46"/>
+    <p:sldId id="262" r:id="rId47"/>
   </p:sldIdLst>
   <p:sldSz cx="9144000" cy="5143500" type="screen16x9"/>
   <p:notesSz cx="6858000" cy="9144000"/>
@@ -299,7 +308,7 @@
 <file path=ppt/revisionInfo.xml><?xml version="1.0" encoding="utf-8"?>
 <p1510:revInfo xmlns:a="http://schemas.openxmlformats.org/drawingml/2006/main" xmlns:r="http://schemas.openxmlformats.org/officeDocument/2006/relationships" xmlns:p1510="http://schemas.microsoft.com/office/powerpoint/2015/10/main">
   <p1510:revLst>
-    <p1510:client id="{53BB49C2-00DF-4AB6-9D9D-351DBF063D16}" v="2" dt="2022-02-28T21:51:25.208"/>
+    <p1510:client id="{53BB49C2-00DF-4AB6-9D9D-351DBF063D16}" v="3" dt="2022-03-07T23:11:44.189"/>
   </p1510:revLst>
 </p1510:revInfo>
 </file>
@@ -309,7 +318,7 @@
   <pc:docChgLst>
     <pc:chgData name="Danett Pepito" userId="ddef1e2176689e9a" providerId="LiveId" clId="{53BB49C2-00DF-4AB6-9D9D-351DBF063D16}"/>
     <pc:docChg chg="undo custSel addSld delSld modSld sldOrd">
-      <pc:chgData name="Danett Pepito" userId="ddef1e2176689e9a" providerId="LiveId" clId="{53BB49C2-00DF-4AB6-9D9D-351DBF063D16}" dt="2022-03-06T01:46:15.783" v="1912" actId="1076"/>
+      <pc:chgData name="Danett Pepito" userId="ddef1e2176689e9a" providerId="LiveId" clId="{53BB49C2-00DF-4AB6-9D9D-351DBF063D16}" dt="2022-03-09T01:44:35.703" v="2338" actId="14100"/>
       <pc:docMkLst>
         <pc:docMk/>
       </pc:docMkLst>
@@ -1793,6 +1802,293 @@
           </ac:picMkLst>
         </pc:picChg>
       </pc:sldChg>
+      <pc:sldChg chg="addSp delSp modSp add mod">
+        <pc:chgData name="Danett Pepito" userId="ddef1e2176689e9a" providerId="LiveId" clId="{53BB49C2-00DF-4AB6-9D9D-351DBF063D16}" dt="2022-03-07T22:41:12.802" v="1936" actId="478"/>
+        <pc:sldMkLst>
+          <pc:docMk/>
+          <pc:sldMk cId="35525833" sldId="296"/>
+        </pc:sldMkLst>
+        <pc:spChg chg="mod">
+          <ac:chgData name="Danett Pepito" userId="ddef1e2176689e9a" providerId="LiveId" clId="{53BB49C2-00DF-4AB6-9D9D-351DBF063D16}" dt="2022-03-07T22:40:03.821" v="1925" actId="20577"/>
+          <ac:spMkLst>
+            <pc:docMk/>
+            <pc:sldMk cId="35525833" sldId="296"/>
+            <ac:spMk id="73" creationId="{00000000-0000-0000-0000-000000000000}"/>
+          </ac:spMkLst>
+        </pc:spChg>
+        <pc:picChg chg="del">
+          <ac:chgData name="Danett Pepito" userId="ddef1e2176689e9a" providerId="LiveId" clId="{53BB49C2-00DF-4AB6-9D9D-351DBF063D16}" dt="2022-03-07T22:38:04.709" v="1914" actId="478"/>
+          <ac:picMkLst>
+            <pc:docMk/>
+            <pc:sldMk cId="35525833" sldId="296"/>
+            <ac:picMk id="3" creationId="{C2A4F427-BA10-457A-B732-5C6058BACD49}"/>
+          </ac:picMkLst>
+        </pc:picChg>
+        <pc:picChg chg="add del mod">
+          <ac:chgData name="Danett Pepito" userId="ddef1e2176689e9a" providerId="LiveId" clId="{53BB49C2-00DF-4AB6-9D9D-351DBF063D16}" dt="2022-03-07T22:41:12.802" v="1936" actId="478"/>
+          <ac:picMkLst>
+            <pc:docMk/>
+            <pc:sldMk cId="35525833" sldId="296"/>
+            <ac:picMk id="4" creationId="{D47DB1C1-0850-4B03-B116-6CEABD508F2E}"/>
+          </ac:picMkLst>
+        </pc:picChg>
+      </pc:sldChg>
+      <pc:sldChg chg="delSp modSp add del mod replId">
+        <pc:chgData name="Danett Pepito" userId="ddef1e2176689e9a" providerId="LiveId" clId="{53BB49C2-00DF-4AB6-9D9D-351DBF063D16}" dt="2022-03-07T22:40:10.480" v="1928" actId="478"/>
+        <pc:sldMkLst>
+          <pc:docMk/>
+          <pc:sldMk cId="2906120932" sldId="297"/>
+        </pc:sldMkLst>
+        <pc:spChg chg="mod">
+          <ac:chgData name="Danett Pepito" userId="ddef1e2176689e9a" providerId="LiveId" clId="{53BB49C2-00DF-4AB6-9D9D-351DBF063D16}" dt="2022-03-07T22:40:07.549" v="1927" actId="20577"/>
+          <ac:spMkLst>
+            <pc:docMk/>
+            <pc:sldMk cId="2906120932" sldId="297"/>
+            <ac:spMk id="78" creationId="{00000000-0000-0000-0000-000000000000}"/>
+          </ac:spMkLst>
+        </pc:spChg>
+        <pc:picChg chg="del">
+          <ac:chgData name="Danett Pepito" userId="ddef1e2176689e9a" providerId="LiveId" clId="{53BB49C2-00DF-4AB6-9D9D-351DBF063D16}" dt="2022-03-07T22:38:08.288" v="1917" actId="478"/>
+          <ac:picMkLst>
+            <pc:docMk/>
+            <pc:sldMk cId="2906120932" sldId="297"/>
+            <ac:picMk id="3" creationId="{B46A7241-FFB4-495A-82DD-1E0440344F29}"/>
+          </ac:picMkLst>
+        </pc:picChg>
+        <pc:picChg chg="del">
+          <ac:chgData name="Danett Pepito" userId="ddef1e2176689e9a" providerId="LiveId" clId="{53BB49C2-00DF-4AB6-9D9D-351DBF063D16}" dt="2022-03-07T22:38:09.349" v="1918" actId="478"/>
+          <ac:picMkLst>
+            <pc:docMk/>
+            <pc:sldMk cId="2906120932" sldId="297"/>
+            <ac:picMk id="5" creationId="{C615D503-53B7-48CF-81C5-C959A4FFE7B6}"/>
+          </ac:picMkLst>
+        </pc:picChg>
+        <pc:picChg chg="del">
+          <ac:chgData name="Danett Pepito" userId="ddef1e2176689e9a" providerId="LiveId" clId="{53BB49C2-00DF-4AB6-9D9D-351DBF063D16}" dt="2022-03-07T22:40:10.480" v="1928" actId="478"/>
+          <ac:picMkLst>
+            <pc:docMk/>
+            <pc:sldMk cId="2906120932" sldId="297"/>
+            <ac:picMk id="9" creationId="{04344325-43DF-451B-AE09-E74B46D25321}"/>
+          </ac:picMkLst>
+        </pc:picChg>
+      </pc:sldChg>
+      <pc:sldChg chg="addSp modSp add mod">
+        <pc:chgData name="Danett Pepito" userId="ddef1e2176689e9a" providerId="LiveId" clId="{53BB49C2-00DF-4AB6-9D9D-351DBF063D16}" dt="2022-03-07T22:41:16.212" v="1938" actId="1076"/>
+        <pc:sldMkLst>
+          <pc:docMk/>
+          <pc:sldMk cId="2931849585" sldId="298"/>
+        </pc:sldMkLst>
+        <pc:spChg chg="mod">
+          <ac:chgData name="Danett Pepito" userId="ddef1e2176689e9a" providerId="LiveId" clId="{53BB49C2-00DF-4AB6-9D9D-351DBF063D16}" dt="2022-03-07T22:40:13.566" v="1930" actId="20577"/>
+          <ac:spMkLst>
+            <pc:docMk/>
+            <pc:sldMk cId="2931849585" sldId="298"/>
+            <ac:spMk id="73" creationId="{00000000-0000-0000-0000-000000000000}"/>
+          </ac:spMkLst>
+        </pc:spChg>
+        <pc:picChg chg="add mod">
+          <ac:chgData name="Danett Pepito" userId="ddef1e2176689e9a" providerId="LiveId" clId="{53BB49C2-00DF-4AB6-9D9D-351DBF063D16}" dt="2022-03-07T22:41:16.212" v="1938" actId="1076"/>
+          <ac:picMkLst>
+            <pc:docMk/>
+            <pc:sldMk cId="2931849585" sldId="298"/>
+            <ac:picMk id="3" creationId="{99043D0B-EBA6-41A0-A1BA-2F7F26166CAE}"/>
+          </ac:picMkLst>
+        </pc:picChg>
+      </pc:sldChg>
+      <pc:sldChg chg="addSp delSp modSp add mod replId">
+        <pc:chgData name="Danett Pepito" userId="ddef1e2176689e9a" providerId="LiveId" clId="{53BB49C2-00DF-4AB6-9D9D-351DBF063D16}" dt="2022-03-07T23:12:20.829" v="2249" actId="1076"/>
+        <pc:sldMkLst>
+          <pc:docMk/>
+          <pc:sldMk cId="1200876533" sldId="299"/>
+        </pc:sldMkLst>
+        <pc:spChg chg="mod">
+          <ac:chgData name="Danett Pepito" userId="ddef1e2176689e9a" providerId="LiveId" clId="{53BB49C2-00DF-4AB6-9D9D-351DBF063D16}" dt="2022-03-07T22:40:16.431" v="1932" actId="20577"/>
+          <ac:spMkLst>
+            <pc:docMk/>
+            <pc:sldMk cId="1200876533" sldId="299"/>
+            <ac:spMk id="78" creationId="{00000000-0000-0000-0000-000000000000}"/>
+          </ac:spMkLst>
+        </pc:spChg>
+        <pc:graphicFrameChg chg="mod modGraphic">
+          <ac:chgData name="Danett Pepito" userId="ddef1e2176689e9a" providerId="LiveId" clId="{53BB49C2-00DF-4AB6-9D9D-351DBF063D16}" dt="2022-03-07T23:12:20.829" v="2249" actId="1076"/>
+          <ac:graphicFrameMkLst>
+            <pc:docMk/>
+            <pc:sldMk cId="1200876533" sldId="299"/>
+            <ac:graphicFrameMk id="79" creationId="{00000000-0000-0000-0000-000000000000}"/>
+          </ac:graphicFrameMkLst>
+        </pc:graphicFrameChg>
+        <pc:picChg chg="add mod">
+          <ac:chgData name="Danett Pepito" userId="ddef1e2176689e9a" providerId="LiveId" clId="{53BB49C2-00DF-4AB6-9D9D-351DBF063D16}" dt="2022-03-07T23:09:28.320" v="2076" actId="1076"/>
+          <ac:picMkLst>
+            <pc:docMk/>
+            <pc:sldMk cId="1200876533" sldId="299"/>
+            <ac:picMk id="3" creationId="{A32BC27C-5607-4A6C-9894-334C28A8D0CC}"/>
+          </ac:picMkLst>
+        </pc:picChg>
+        <pc:picChg chg="add del mod">
+          <ac:chgData name="Danett Pepito" userId="ddef1e2176689e9a" providerId="LiveId" clId="{53BB49C2-00DF-4AB6-9D9D-351DBF063D16}" dt="2022-03-07T23:09:01.958" v="2073" actId="478"/>
+          <ac:picMkLst>
+            <pc:docMk/>
+            <pc:sldMk cId="1200876533" sldId="299"/>
+            <ac:picMk id="5" creationId="{54A13BB5-DB02-488B-A15A-8F0CE1A6D729}"/>
+          </ac:picMkLst>
+        </pc:picChg>
+        <pc:picChg chg="add del mod">
+          <ac:chgData name="Danett Pepito" userId="ddef1e2176689e9a" providerId="LiveId" clId="{53BB49C2-00DF-4AB6-9D9D-351DBF063D16}" dt="2022-03-07T23:10:43.035" v="2097" actId="478"/>
+          <ac:picMkLst>
+            <pc:docMk/>
+            <pc:sldMk cId="1200876533" sldId="299"/>
+            <ac:picMk id="7" creationId="{E822E670-E9E1-42DF-B222-4D5AB6A90045}"/>
+          </ac:picMkLst>
+        </pc:picChg>
+        <pc:picChg chg="del">
+          <ac:chgData name="Danett Pepito" userId="ddef1e2176689e9a" providerId="LiveId" clId="{53BB49C2-00DF-4AB6-9D9D-351DBF063D16}" dt="2022-03-07T22:40:18" v="1933" actId="478"/>
+          <ac:picMkLst>
+            <pc:docMk/>
+            <pc:sldMk cId="1200876533" sldId="299"/>
+            <ac:picMk id="9" creationId="{04344325-43DF-451B-AE09-E74B46D25321}"/>
+          </ac:picMkLst>
+        </pc:picChg>
+        <pc:picChg chg="add mod">
+          <ac:chgData name="Danett Pepito" userId="ddef1e2176689e9a" providerId="LiveId" clId="{53BB49C2-00DF-4AB6-9D9D-351DBF063D16}" dt="2022-03-07T23:10:49.879" v="2101" actId="1076"/>
+          <ac:picMkLst>
+            <pc:docMk/>
+            <pc:sldMk cId="1200876533" sldId="299"/>
+            <ac:picMk id="9" creationId="{A3355BBD-AA9C-4412-990F-0BF75020069C}"/>
+          </ac:picMkLst>
+        </pc:picChg>
+      </pc:sldChg>
+      <pc:sldChg chg="addSp delSp modSp add mod ord">
+        <pc:chgData name="Danett Pepito" userId="ddef1e2176689e9a" providerId="LiveId" clId="{53BB49C2-00DF-4AB6-9D9D-351DBF063D16}" dt="2022-03-09T01:37:40.446" v="2326" actId="1076"/>
+        <pc:sldMkLst>
+          <pc:docMk/>
+          <pc:sldMk cId="533899205" sldId="300"/>
+        </pc:sldMkLst>
+        <pc:picChg chg="del">
+          <ac:chgData name="Danett Pepito" userId="ddef1e2176689e9a" providerId="LiveId" clId="{53BB49C2-00DF-4AB6-9D9D-351DBF063D16}" dt="2022-03-09T01:31:53.572" v="2251" actId="478"/>
+          <ac:picMkLst>
+            <pc:docMk/>
+            <pc:sldMk cId="533899205" sldId="300"/>
+            <ac:picMk id="3" creationId="{99043D0B-EBA6-41A0-A1BA-2F7F26166CAE}"/>
+          </ac:picMkLst>
+        </pc:picChg>
+        <pc:picChg chg="add mod">
+          <ac:chgData name="Danett Pepito" userId="ddef1e2176689e9a" providerId="LiveId" clId="{53BB49C2-00DF-4AB6-9D9D-351DBF063D16}" dt="2022-03-09T01:37:40.446" v="2326" actId="1076"/>
+          <ac:picMkLst>
+            <pc:docMk/>
+            <pc:sldMk cId="533899205" sldId="300"/>
+            <ac:picMk id="4" creationId="{444BC511-9C83-44A6-92D3-1C4447692345}"/>
+          </ac:picMkLst>
+        </pc:picChg>
+      </pc:sldChg>
+      <pc:sldChg chg="delSp add mod replId">
+        <pc:chgData name="Danett Pepito" userId="ddef1e2176689e9a" providerId="LiveId" clId="{53BB49C2-00DF-4AB6-9D9D-351DBF063D16}" dt="2022-03-09T01:31:58.296" v="2253" actId="478"/>
+        <pc:sldMkLst>
+          <pc:docMk/>
+          <pc:sldMk cId="3149223107" sldId="301"/>
+        </pc:sldMkLst>
+        <pc:picChg chg="del">
+          <ac:chgData name="Danett Pepito" userId="ddef1e2176689e9a" providerId="LiveId" clId="{53BB49C2-00DF-4AB6-9D9D-351DBF063D16}" dt="2022-03-09T01:31:57.344" v="2252" actId="478"/>
+          <ac:picMkLst>
+            <pc:docMk/>
+            <pc:sldMk cId="3149223107" sldId="301"/>
+            <ac:picMk id="3" creationId="{A32BC27C-5607-4A6C-9894-334C28A8D0CC}"/>
+          </ac:picMkLst>
+        </pc:picChg>
+        <pc:picChg chg="del">
+          <ac:chgData name="Danett Pepito" userId="ddef1e2176689e9a" providerId="LiveId" clId="{53BB49C2-00DF-4AB6-9D9D-351DBF063D16}" dt="2022-03-09T01:31:58.296" v="2253" actId="478"/>
+          <ac:picMkLst>
+            <pc:docMk/>
+            <pc:sldMk cId="3149223107" sldId="301"/>
+            <ac:picMk id="9" creationId="{A3355BBD-AA9C-4412-990F-0BF75020069C}"/>
+          </ac:picMkLst>
+        </pc:picChg>
+      </pc:sldChg>
+      <pc:sldChg chg="addSp modSp add mod">
+        <pc:chgData name="Danett Pepito" userId="ddef1e2176689e9a" providerId="LiveId" clId="{53BB49C2-00DF-4AB6-9D9D-351DBF063D16}" dt="2022-03-09T01:35:31.456" v="2319" actId="1076"/>
+        <pc:sldMkLst>
+          <pc:docMk/>
+          <pc:sldMk cId="3752834461" sldId="302"/>
+        </pc:sldMkLst>
+        <pc:spChg chg="mod">
+          <ac:chgData name="Danett Pepito" userId="ddef1e2176689e9a" providerId="LiveId" clId="{53BB49C2-00DF-4AB6-9D9D-351DBF063D16}" dt="2022-03-09T01:33:47.442" v="2258" actId="20577"/>
+          <ac:spMkLst>
+            <pc:docMk/>
+            <pc:sldMk cId="3752834461" sldId="302"/>
+            <ac:spMk id="78" creationId="{00000000-0000-0000-0000-000000000000}"/>
+          </ac:spMkLst>
+        </pc:spChg>
+        <pc:graphicFrameChg chg="mod modGraphic">
+          <ac:chgData name="Danett Pepito" userId="ddef1e2176689e9a" providerId="LiveId" clId="{53BB49C2-00DF-4AB6-9D9D-351DBF063D16}" dt="2022-03-09T01:35:31.456" v="2319" actId="1076"/>
+          <ac:graphicFrameMkLst>
+            <pc:docMk/>
+            <pc:sldMk cId="3752834461" sldId="302"/>
+            <ac:graphicFrameMk id="79" creationId="{00000000-0000-0000-0000-000000000000}"/>
+          </ac:graphicFrameMkLst>
+        </pc:graphicFrameChg>
+        <pc:picChg chg="add mod">
+          <ac:chgData name="Danett Pepito" userId="ddef1e2176689e9a" providerId="LiveId" clId="{53BB49C2-00DF-4AB6-9D9D-351DBF063D16}" dt="2022-03-09T01:34:33.582" v="2263" actId="1076"/>
+          <ac:picMkLst>
+            <pc:docMk/>
+            <pc:sldMk cId="3752834461" sldId="302"/>
+            <ac:picMk id="3" creationId="{B7A55239-EFA8-4175-99E9-D020E51D99B1}"/>
+          </ac:picMkLst>
+        </pc:picChg>
+        <pc:picChg chg="add mod">
+          <ac:chgData name="Danett Pepito" userId="ddef1e2176689e9a" providerId="LiveId" clId="{53BB49C2-00DF-4AB6-9D9D-351DBF063D16}" dt="2022-03-09T01:34:40.701" v="2266" actId="1076"/>
+          <ac:picMkLst>
+            <pc:docMk/>
+            <pc:sldMk cId="3752834461" sldId="302"/>
+            <ac:picMk id="5" creationId="{8C2EB4CB-6352-407F-AC83-AC279BA4EAE2}"/>
+          </ac:picMkLst>
+        </pc:picChg>
+      </pc:sldChg>
+      <pc:sldChg chg="addSp delSp modSp add mod">
+        <pc:chgData name="Danett Pepito" userId="ddef1e2176689e9a" providerId="LiveId" clId="{53BB49C2-00DF-4AB6-9D9D-351DBF063D16}" dt="2022-03-09T01:38:30.809" v="2333" actId="1076"/>
+        <pc:sldMkLst>
+          <pc:docMk/>
+          <pc:sldMk cId="1157835744" sldId="303"/>
+        </pc:sldMkLst>
+        <pc:picChg chg="add mod">
+          <ac:chgData name="Danett Pepito" userId="ddef1e2176689e9a" providerId="LiveId" clId="{53BB49C2-00DF-4AB6-9D9D-351DBF063D16}" dt="2022-03-09T01:38:30.809" v="2333" actId="1076"/>
+          <ac:picMkLst>
+            <pc:docMk/>
+            <pc:sldMk cId="1157835744" sldId="303"/>
+            <ac:picMk id="3" creationId="{174B531D-4322-49EB-B8A0-88E9D5ECE841}"/>
+          </ac:picMkLst>
+        </pc:picChg>
+        <pc:picChg chg="del">
+          <ac:chgData name="Danett Pepito" userId="ddef1e2176689e9a" providerId="LiveId" clId="{53BB49C2-00DF-4AB6-9D9D-351DBF063D16}" dt="2022-03-09T01:37:54.008" v="2328" actId="478"/>
+          <ac:picMkLst>
+            <pc:docMk/>
+            <pc:sldMk cId="1157835744" sldId="303"/>
+            <ac:picMk id="4" creationId="{444BC511-9C83-44A6-92D3-1C4447692345}"/>
+          </ac:picMkLst>
+        </pc:picChg>
+      </pc:sldChg>
+      <pc:sldChg chg="addSp delSp modSp add mod replId">
+        <pc:chgData name="Danett Pepito" userId="ddef1e2176689e9a" providerId="LiveId" clId="{53BB49C2-00DF-4AB6-9D9D-351DBF063D16}" dt="2022-03-09T01:44:35.703" v="2338" actId="14100"/>
+        <pc:sldMkLst>
+          <pc:docMk/>
+          <pc:sldMk cId="2990662085" sldId="304"/>
+        </pc:sldMkLst>
+        <pc:picChg chg="del">
+          <ac:chgData name="Danett Pepito" userId="ddef1e2176689e9a" providerId="LiveId" clId="{53BB49C2-00DF-4AB6-9D9D-351DBF063D16}" dt="2022-03-09T01:43:43.855" v="2334" actId="478"/>
+          <ac:picMkLst>
+            <pc:docMk/>
+            <pc:sldMk cId="2990662085" sldId="304"/>
+            <ac:picMk id="3" creationId="{B7A55239-EFA8-4175-99E9-D020E51D99B1}"/>
+          </ac:picMkLst>
+        </pc:picChg>
+        <pc:picChg chg="add mod">
+          <ac:chgData name="Danett Pepito" userId="ddef1e2176689e9a" providerId="LiveId" clId="{53BB49C2-00DF-4AB6-9D9D-351DBF063D16}" dt="2022-03-09T01:44:35.703" v="2338" actId="14100"/>
+          <ac:picMkLst>
+            <pc:docMk/>
+            <pc:sldMk cId="2990662085" sldId="304"/>
+            <ac:picMk id="4" creationId="{15E85F53-BB49-45E1-8404-79D501B0BF3C}"/>
+          </ac:picMkLst>
+        </pc:picChg>
+      </pc:sldChg>
     </pc:docChg>
   </pc:docChgLst>
   <pc:docChgLst>
@@ -5454,7 +5750,7 @@
   <p:cSld>
     <p:spTree>
       <p:nvGrpSpPr>
-        <p:cNvPr id="1" name="Shape 80"/>
+        <p:cNvPr id="1" name="Shape 69"/>
         <p:cNvGrpSpPr/>
         <p:nvPr/>
       </p:nvGrpSpPr>
@@ -5468,7 +5764,7 @@
       </p:grpSpPr>
       <p:sp>
         <p:nvSpPr>
-          <p:cNvPr id="81" name="Google Shape;81;gac10fef634_0_25:notes"/>
+          <p:cNvPr id="70" name="Google Shape;70;gac10fef634_0_16:notes"/>
           <p:cNvSpPr>
             <a:spLocks noGrp="1" noRot="1" noChangeAspect="1"/>
           </p:cNvSpPr>
@@ -5509,7 +5805,7 @@
       </p:sp>
       <p:sp>
         <p:nvSpPr>
-          <p:cNvPr id="82" name="Google Shape;82;gac10fef634_0_25:notes"/>
+          <p:cNvPr id="71" name="Google Shape;71;gac10fef634_0_16:notes"/>
           <p:cNvSpPr txBox="1">
             <a:spLocks noGrp="1"/>
           </p:cNvSpPr>
@@ -5539,27 +5835,6 @@
               <a:spcAft>
                 <a:spcPts val="0"/>
               </a:spcAft>
-              <a:buClr>
-                <a:schemeClr val="dk1"/>
-              </a:buClr>
-              <a:buSzPts val="1100"/>
-              <a:buFont typeface="Arial"/>
-              <a:buNone/>
-            </a:pPr>
-            <a:r>
-              <a:rPr lang="en"/>
-              <a:t>Your version control evidence should go here.  This could be in the form of annotated screenshots which show you you managed this process or you could make a brief screencast explaining how you implemented version control.</a:t>
-            </a:r>
-            <a:endParaRPr/>
-          </a:p>
-          <a:p>
-            <a:pPr marL="0" lvl="0" indent="0" algn="l" rtl="0">
-              <a:spcBef>
-                <a:spcPts val="0"/>
-              </a:spcBef>
-              <a:spcAft>
-                <a:spcPts val="0"/>
-              </a:spcAft>
               <a:buNone/>
             </a:pPr>
             <a:endParaRPr/>
@@ -5567,6 +5842,11 @@
         </p:txBody>
       </p:sp>
     </p:spTree>
+    <p:extLst>
+      <p:ext uri="{BB962C8B-B14F-4D97-AF65-F5344CB8AC3E}">
+        <p14:creationId xmlns:p14="http://schemas.microsoft.com/office/powerpoint/2010/main" val="1754644888"/>
+      </p:ext>
+    </p:extLst>
   </p:cSld>
   <p:clrMapOvr>
     <a:masterClrMapping/>
@@ -5579,7 +5859,7 @@
   <p:cSld>
     <p:spTree>
       <p:nvGrpSpPr>
-        <p:cNvPr id="1" name="Shape 86"/>
+        <p:cNvPr id="1" name="Shape 74"/>
         <p:cNvGrpSpPr/>
         <p:nvPr/>
       </p:nvGrpSpPr>
@@ -5593,7 +5873,7 @@
       </p:grpSpPr>
       <p:sp>
         <p:nvSpPr>
-          <p:cNvPr id="87" name="Google Shape;87;gac10fef634_0_30:notes"/>
+          <p:cNvPr id="75" name="Google Shape;75;gac10fef634_0_20:notes"/>
           <p:cNvSpPr>
             <a:spLocks noGrp="1" noRot="1" noChangeAspect="1"/>
           </p:cNvSpPr>
@@ -5634,7 +5914,7 @@
       </p:sp>
       <p:sp>
         <p:nvSpPr>
-          <p:cNvPr id="88" name="Google Shape;88;gac10fef634_0_30:notes"/>
+          <p:cNvPr id="76" name="Google Shape;76;gac10fef634_0_20:notes"/>
           <p:cNvSpPr txBox="1">
             <a:spLocks noGrp="1"/>
           </p:cNvSpPr>
@@ -5666,15 +5946,234 @@
               </a:spcAft>
               <a:buNone/>
             </a:pPr>
-            <a:r>
-              <a:rPr lang="en"/>
-              <a:t>Discusses how the information from planning, testing and trialling of components assisted in the development of a high-quality outcome</a:t>
-            </a:r>
             <a:endParaRPr/>
           </a:p>
         </p:txBody>
       </p:sp>
     </p:spTree>
+    <p:extLst>
+      <p:ext uri="{BB962C8B-B14F-4D97-AF65-F5344CB8AC3E}">
+        <p14:creationId xmlns:p14="http://schemas.microsoft.com/office/powerpoint/2010/main" val="1373948457"/>
+      </p:ext>
+    </p:extLst>
+  </p:cSld>
+  <p:clrMapOvr>
+    <a:masterClrMapping/>
+  </p:clrMapOvr>
+</p:notes>
+</file>
+
+<file path=ppt/notesSlides/notesSlide38.xml><?xml version="1.0" encoding="utf-8"?>
+<p:notes xmlns:a="http://schemas.openxmlformats.org/drawingml/2006/main" xmlns:r="http://schemas.openxmlformats.org/officeDocument/2006/relationships" xmlns:p="http://schemas.openxmlformats.org/presentationml/2006/main" showMasterSp="0" showMasterPhAnim="0">
+  <p:cSld>
+    <p:spTree>
+      <p:nvGrpSpPr>
+        <p:cNvPr id="1" name="Shape 69"/>
+        <p:cNvGrpSpPr/>
+        <p:nvPr/>
+      </p:nvGrpSpPr>
+      <p:grpSpPr>
+        <a:xfrm>
+          <a:off x="0" y="0"/>
+          <a:ext cx="0" cy="0"/>
+          <a:chOff x="0" y="0"/>
+          <a:chExt cx="0" cy="0"/>
+        </a:xfrm>
+      </p:grpSpPr>
+      <p:sp>
+        <p:nvSpPr>
+          <p:cNvPr id="70" name="Google Shape;70;gac10fef634_0_16:notes"/>
+          <p:cNvSpPr>
+            <a:spLocks noGrp="1" noRot="1" noChangeAspect="1"/>
+          </p:cNvSpPr>
+          <p:nvPr>
+            <p:ph type="sldImg" idx="2"/>
+          </p:nvPr>
+        </p:nvSpPr>
+        <p:spPr>
+          <a:xfrm>
+            <a:off x="381000" y="685800"/>
+            <a:ext cx="6096000" cy="3429000"/>
+          </a:xfrm>
+          <a:custGeom>
+            <a:avLst/>
+            <a:gdLst/>
+            <a:ahLst/>
+            <a:cxnLst/>
+            <a:rect l="l" t="t" r="r" b="b"/>
+            <a:pathLst>
+              <a:path w="120000" h="120000" extrusionOk="0">
+                <a:moveTo>
+                  <a:pt x="0" y="0"/>
+                </a:moveTo>
+                <a:lnTo>
+                  <a:pt x="120000" y="0"/>
+                </a:lnTo>
+                <a:lnTo>
+                  <a:pt x="120000" y="120000"/>
+                </a:lnTo>
+                <a:lnTo>
+                  <a:pt x="0" y="120000"/>
+                </a:lnTo>
+                <a:close/>
+              </a:path>
+            </a:pathLst>
+          </a:custGeom>
+        </p:spPr>
+      </p:sp>
+      <p:sp>
+        <p:nvSpPr>
+          <p:cNvPr id="71" name="Google Shape;71;gac10fef634_0_16:notes"/>
+          <p:cNvSpPr txBox="1">
+            <a:spLocks noGrp="1"/>
+          </p:cNvSpPr>
+          <p:nvPr>
+            <p:ph type="body" idx="1"/>
+          </p:nvPr>
+        </p:nvSpPr>
+        <p:spPr>
+          <a:xfrm>
+            <a:off x="685800" y="4343400"/>
+            <a:ext cx="5486400" cy="4114800"/>
+          </a:xfrm>
+          <a:prstGeom prst="rect">
+            <a:avLst/>
+          </a:prstGeom>
+        </p:spPr>
+        <p:txBody>
+          <a:bodyPr spcFirstLastPara="1" wrap="square" lIns="91425" tIns="91425" rIns="91425" bIns="91425" anchor="t" anchorCtr="0">
+            <a:noAutofit/>
+          </a:bodyPr>
+          <a:lstStyle/>
+          <a:p>
+            <a:pPr marL="0" lvl="0" indent="0" algn="l" rtl="0">
+              <a:spcBef>
+                <a:spcPts val="0"/>
+              </a:spcBef>
+              <a:spcAft>
+                <a:spcPts val="0"/>
+              </a:spcAft>
+              <a:buNone/>
+            </a:pPr>
+            <a:endParaRPr/>
+          </a:p>
+        </p:txBody>
+      </p:sp>
+    </p:spTree>
+    <p:extLst>
+      <p:ext uri="{BB962C8B-B14F-4D97-AF65-F5344CB8AC3E}">
+        <p14:creationId xmlns:p14="http://schemas.microsoft.com/office/powerpoint/2010/main" val="2175596414"/>
+      </p:ext>
+    </p:extLst>
+  </p:cSld>
+  <p:clrMapOvr>
+    <a:masterClrMapping/>
+  </p:clrMapOvr>
+</p:notes>
+</file>
+
+<file path=ppt/notesSlides/notesSlide39.xml><?xml version="1.0" encoding="utf-8"?>
+<p:notes xmlns:a="http://schemas.openxmlformats.org/drawingml/2006/main" xmlns:r="http://schemas.openxmlformats.org/officeDocument/2006/relationships" xmlns:p="http://schemas.openxmlformats.org/presentationml/2006/main" showMasterSp="0" showMasterPhAnim="0">
+  <p:cSld>
+    <p:spTree>
+      <p:nvGrpSpPr>
+        <p:cNvPr id="1" name="Shape 74"/>
+        <p:cNvGrpSpPr/>
+        <p:nvPr/>
+      </p:nvGrpSpPr>
+      <p:grpSpPr>
+        <a:xfrm>
+          <a:off x="0" y="0"/>
+          <a:ext cx="0" cy="0"/>
+          <a:chOff x="0" y="0"/>
+          <a:chExt cx="0" cy="0"/>
+        </a:xfrm>
+      </p:grpSpPr>
+      <p:sp>
+        <p:nvSpPr>
+          <p:cNvPr id="75" name="Google Shape;75;gac10fef634_0_20:notes"/>
+          <p:cNvSpPr>
+            <a:spLocks noGrp="1" noRot="1" noChangeAspect="1"/>
+          </p:cNvSpPr>
+          <p:nvPr>
+            <p:ph type="sldImg" idx="2"/>
+          </p:nvPr>
+        </p:nvSpPr>
+        <p:spPr>
+          <a:xfrm>
+            <a:off x="381000" y="685800"/>
+            <a:ext cx="6096000" cy="3429000"/>
+          </a:xfrm>
+          <a:custGeom>
+            <a:avLst/>
+            <a:gdLst/>
+            <a:ahLst/>
+            <a:cxnLst/>
+            <a:rect l="l" t="t" r="r" b="b"/>
+            <a:pathLst>
+              <a:path w="120000" h="120000" extrusionOk="0">
+                <a:moveTo>
+                  <a:pt x="0" y="0"/>
+                </a:moveTo>
+                <a:lnTo>
+                  <a:pt x="120000" y="0"/>
+                </a:lnTo>
+                <a:lnTo>
+                  <a:pt x="120000" y="120000"/>
+                </a:lnTo>
+                <a:lnTo>
+                  <a:pt x="0" y="120000"/>
+                </a:lnTo>
+                <a:close/>
+              </a:path>
+            </a:pathLst>
+          </a:custGeom>
+        </p:spPr>
+      </p:sp>
+      <p:sp>
+        <p:nvSpPr>
+          <p:cNvPr id="76" name="Google Shape;76;gac10fef634_0_20:notes"/>
+          <p:cNvSpPr txBox="1">
+            <a:spLocks noGrp="1"/>
+          </p:cNvSpPr>
+          <p:nvPr>
+            <p:ph type="body" idx="1"/>
+          </p:nvPr>
+        </p:nvSpPr>
+        <p:spPr>
+          <a:xfrm>
+            <a:off x="685800" y="4343400"/>
+            <a:ext cx="5486400" cy="4114800"/>
+          </a:xfrm>
+          <a:prstGeom prst="rect">
+            <a:avLst/>
+          </a:prstGeom>
+        </p:spPr>
+        <p:txBody>
+          <a:bodyPr spcFirstLastPara="1" wrap="square" lIns="91425" tIns="91425" rIns="91425" bIns="91425" anchor="t" anchorCtr="0">
+            <a:noAutofit/>
+          </a:bodyPr>
+          <a:lstStyle/>
+          <a:p>
+            <a:pPr marL="0" lvl="0" indent="0" algn="l" rtl="0">
+              <a:spcBef>
+                <a:spcPts val="0"/>
+              </a:spcBef>
+              <a:spcAft>
+                <a:spcPts val="0"/>
+              </a:spcAft>
+              <a:buNone/>
+            </a:pPr>
+            <a:endParaRPr/>
+          </a:p>
+        </p:txBody>
+      </p:sp>
+    </p:spTree>
+    <p:extLst>
+      <p:ext uri="{BB962C8B-B14F-4D97-AF65-F5344CB8AC3E}">
+        <p14:creationId xmlns:p14="http://schemas.microsoft.com/office/powerpoint/2010/main" val="3542453366"/>
+      </p:ext>
+    </p:extLst>
   </p:cSld>
   <p:clrMapOvr>
     <a:masterClrMapping/>
@@ -5774,6 +6273,784 @@
               </a:spcAft>
               <a:buNone/>
             </a:pPr>
+            <a:endParaRPr/>
+          </a:p>
+        </p:txBody>
+      </p:sp>
+    </p:spTree>
+  </p:cSld>
+  <p:clrMapOvr>
+    <a:masterClrMapping/>
+  </p:clrMapOvr>
+</p:notes>
+</file>
+
+<file path=ppt/notesSlides/notesSlide40.xml><?xml version="1.0" encoding="utf-8"?>
+<p:notes xmlns:a="http://schemas.openxmlformats.org/drawingml/2006/main" xmlns:r="http://schemas.openxmlformats.org/officeDocument/2006/relationships" xmlns:p="http://schemas.openxmlformats.org/presentationml/2006/main" showMasterSp="0" showMasterPhAnim="0">
+  <p:cSld>
+    <p:spTree>
+      <p:nvGrpSpPr>
+        <p:cNvPr id="1" name="Shape 74"/>
+        <p:cNvGrpSpPr/>
+        <p:nvPr/>
+      </p:nvGrpSpPr>
+      <p:grpSpPr>
+        <a:xfrm>
+          <a:off x="0" y="0"/>
+          <a:ext cx="0" cy="0"/>
+          <a:chOff x="0" y="0"/>
+          <a:chExt cx="0" cy="0"/>
+        </a:xfrm>
+      </p:grpSpPr>
+      <p:sp>
+        <p:nvSpPr>
+          <p:cNvPr id="75" name="Google Shape;75;gac10fef634_0_20:notes"/>
+          <p:cNvSpPr>
+            <a:spLocks noGrp="1" noRot="1" noChangeAspect="1"/>
+          </p:cNvSpPr>
+          <p:nvPr>
+            <p:ph type="sldImg" idx="2"/>
+          </p:nvPr>
+        </p:nvSpPr>
+        <p:spPr>
+          <a:xfrm>
+            <a:off x="381000" y="685800"/>
+            <a:ext cx="6096000" cy="3429000"/>
+          </a:xfrm>
+          <a:custGeom>
+            <a:avLst/>
+            <a:gdLst/>
+            <a:ahLst/>
+            <a:cxnLst/>
+            <a:rect l="l" t="t" r="r" b="b"/>
+            <a:pathLst>
+              <a:path w="120000" h="120000" extrusionOk="0">
+                <a:moveTo>
+                  <a:pt x="0" y="0"/>
+                </a:moveTo>
+                <a:lnTo>
+                  <a:pt x="120000" y="0"/>
+                </a:lnTo>
+                <a:lnTo>
+                  <a:pt x="120000" y="120000"/>
+                </a:lnTo>
+                <a:lnTo>
+                  <a:pt x="0" y="120000"/>
+                </a:lnTo>
+                <a:close/>
+              </a:path>
+            </a:pathLst>
+          </a:custGeom>
+        </p:spPr>
+      </p:sp>
+      <p:sp>
+        <p:nvSpPr>
+          <p:cNvPr id="76" name="Google Shape;76;gac10fef634_0_20:notes"/>
+          <p:cNvSpPr txBox="1">
+            <a:spLocks noGrp="1"/>
+          </p:cNvSpPr>
+          <p:nvPr>
+            <p:ph type="body" idx="1"/>
+          </p:nvPr>
+        </p:nvSpPr>
+        <p:spPr>
+          <a:xfrm>
+            <a:off x="685800" y="4343400"/>
+            <a:ext cx="5486400" cy="4114800"/>
+          </a:xfrm>
+          <a:prstGeom prst="rect">
+            <a:avLst/>
+          </a:prstGeom>
+        </p:spPr>
+        <p:txBody>
+          <a:bodyPr spcFirstLastPara="1" wrap="square" lIns="91425" tIns="91425" rIns="91425" bIns="91425" anchor="t" anchorCtr="0">
+            <a:noAutofit/>
+          </a:bodyPr>
+          <a:lstStyle/>
+          <a:p>
+            <a:pPr marL="0" lvl="0" indent="0" algn="l" rtl="0">
+              <a:spcBef>
+                <a:spcPts val="0"/>
+              </a:spcBef>
+              <a:spcAft>
+                <a:spcPts val="0"/>
+              </a:spcAft>
+              <a:buNone/>
+            </a:pPr>
+            <a:endParaRPr/>
+          </a:p>
+        </p:txBody>
+      </p:sp>
+    </p:spTree>
+    <p:extLst>
+      <p:ext uri="{BB962C8B-B14F-4D97-AF65-F5344CB8AC3E}">
+        <p14:creationId xmlns:p14="http://schemas.microsoft.com/office/powerpoint/2010/main" val="323184479"/>
+      </p:ext>
+    </p:extLst>
+  </p:cSld>
+  <p:clrMapOvr>
+    <a:masterClrMapping/>
+  </p:clrMapOvr>
+</p:notes>
+</file>
+
+<file path=ppt/notesSlides/notesSlide41.xml><?xml version="1.0" encoding="utf-8"?>
+<p:notes xmlns:a="http://schemas.openxmlformats.org/drawingml/2006/main" xmlns:r="http://schemas.openxmlformats.org/officeDocument/2006/relationships" xmlns:p="http://schemas.openxmlformats.org/presentationml/2006/main" showMasterSp="0" showMasterPhAnim="0">
+  <p:cSld>
+    <p:spTree>
+      <p:nvGrpSpPr>
+        <p:cNvPr id="1" name="Shape 69"/>
+        <p:cNvGrpSpPr/>
+        <p:nvPr/>
+      </p:nvGrpSpPr>
+      <p:grpSpPr>
+        <a:xfrm>
+          <a:off x="0" y="0"/>
+          <a:ext cx="0" cy="0"/>
+          <a:chOff x="0" y="0"/>
+          <a:chExt cx="0" cy="0"/>
+        </a:xfrm>
+      </p:grpSpPr>
+      <p:sp>
+        <p:nvSpPr>
+          <p:cNvPr id="70" name="Google Shape;70;gac10fef634_0_16:notes"/>
+          <p:cNvSpPr>
+            <a:spLocks noGrp="1" noRot="1" noChangeAspect="1"/>
+          </p:cNvSpPr>
+          <p:nvPr>
+            <p:ph type="sldImg" idx="2"/>
+          </p:nvPr>
+        </p:nvSpPr>
+        <p:spPr>
+          <a:xfrm>
+            <a:off x="381000" y="685800"/>
+            <a:ext cx="6096000" cy="3429000"/>
+          </a:xfrm>
+          <a:custGeom>
+            <a:avLst/>
+            <a:gdLst/>
+            <a:ahLst/>
+            <a:cxnLst/>
+            <a:rect l="l" t="t" r="r" b="b"/>
+            <a:pathLst>
+              <a:path w="120000" h="120000" extrusionOk="0">
+                <a:moveTo>
+                  <a:pt x="0" y="0"/>
+                </a:moveTo>
+                <a:lnTo>
+                  <a:pt x="120000" y="0"/>
+                </a:lnTo>
+                <a:lnTo>
+                  <a:pt x="120000" y="120000"/>
+                </a:lnTo>
+                <a:lnTo>
+                  <a:pt x="0" y="120000"/>
+                </a:lnTo>
+                <a:close/>
+              </a:path>
+            </a:pathLst>
+          </a:custGeom>
+        </p:spPr>
+      </p:sp>
+      <p:sp>
+        <p:nvSpPr>
+          <p:cNvPr id="71" name="Google Shape;71;gac10fef634_0_16:notes"/>
+          <p:cNvSpPr txBox="1">
+            <a:spLocks noGrp="1"/>
+          </p:cNvSpPr>
+          <p:nvPr>
+            <p:ph type="body" idx="1"/>
+          </p:nvPr>
+        </p:nvSpPr>
+        <p:spPr>
+          <a:xfrm>
+            <a:off x="685800" y="4343400"/>
+            <a:ext cx="5486400" cy="4114800"/>
+          </a:xfrm>
+          <a:prstGeom prst="rect">
+            <a:avLst/>
+          </a:prstGeom>
+        </p:spPr>
+        <p:txBody>
+          <a:bodyPr spcFirstLastPara="1" wrap="square" lIns="91425" tIns="91425" rIns="91425" bIns="91425" anchor="t" anchorCtr="0">
+            <a:noAutofit/>
+          </a:bodyPr>
+          <a:lstStyle/>
+          <a:p>
+            <a:pPr marL="0" lvl="0" indent="0" algn="l" rtl="0">
+              <a:spcBef>
+                <a:spcPts val="0"/>
+              </a:spcBef>
+              <a:spcAft>
+                <a:spcPts val="0"/>
+              </a:spcAft>
+              <a:buNone/>
+            </a:pPr>
+            <a:endParaRPr/>
+          </a:p>
+        </p:txBody>
+      </p:sp>
+    </p:spTree>
+    <p:extLst>
+      <p:ext uri="{BB962C8B-B14F-4D97-AF65-F5344CB8AC3E}">
+        <p14:creationId xmlns:p14="http://schemas.microsoft.com/office/powerpoint/2010/main" val="1910197183"/>
+      </p:ext>
+    </p:extLst>
+  </p:cSld>
+  <p:clrMapOvr>
+    <a:masterClrMapping/>
+  </p:clrMapOvr>
+</p:notes>
+</file>
+
+<file path=ppt/notesSlides/notesSlide42.xml><?xml version="1.0" encoding="utf-8"?>
+<p:notes xmlns:a="http://schemas.openxmlformats.org/drawingml/2006/main" xmlns:r="http://schemas.openxmlformats.org/officeDocument/2006/relationships" xmlns:p="http://schemas.openxmlformats.org/presentationml/2006/main" showMasterSp="0" showMasterPhAnim="0">
+  <p:cSld>
+    <p:spTree>
+      <p:nvGrpSpPr>
+        <p:cNvPr id="1" name="Shape 74"/>
+        <p:cNvGrpSpPr/>
+        <p:nvPr/>
+      </p:nvGrpSpPr>
+      <p:grpSpPr>
+        <a:xfrm>
+          <a:off x="0" y="0"/>
+          <a:ext cx="0" cy="0"/>
+          <a:chOff x="0" y="0"/>
+          <a:chExt cx="0" cy="0"/>
+        </a:xfrm>
+      </p:grpSpPr>
+      <p:sp>
+        <p:nvSpPr>
+          <p:cNvPr id="75" name="Google Shape;75;gac10fef634_0_20:notes"/>
+          <p:cNvSpPr>
+            <a:spLocks noGrp="1" noRot="1" noChangeAspect="1"/>
+          </p:cNvSpPr>
+          <p:nvPr>
+            <p:ph type="sldImg" idx="2"/>
+          </p:nvPr>
+        </p:nvSpPr>
+        <p:spPr>
+          <a:xfrm>
+            <a:off x="381000" y="685800"/>
+            <a:ext cx="6096000" cy="3429000"/>
+          </a:xfrm>
+          <a:custGeom>
+            <a:avLst/>
+            <a:gdLst/>
+            <a:ahLst/>
+            <a:cxnLst/>
+            <a:rect l="l" t="t" r="r" b="b"/>
+            <a:pathLst>
+              <a:path w="120000" h="120000" extrusionOk="0">
+                <a:moveTo>
+                  <a:pt x="0" y="0"/>
+                </a:moveTo>
+                <a:lnTo>
+                  <a:pt x="120000" y="0"/>
+                </a:lnTo>
+                <a:lnTo>
+                  <a:pt x="120000" y="120000"/>
+                </a:lnTo>
+                <a:lnTo>
+                  <a:pt x="0" y="120000"/>
+                </a:lnTo>
+                <a:close/>
+              </a:path>
+            </a:pathLst>
+          </a:custGeom>
+        </p:spPr>
+      </p:sp>
+      <p:sp>
+        <p:nvSpPr>
+          <p:cNvPr id="76" name="Google Shape;76;gac10fef634_0_20:notes"/>
+          <p:cNvSpPr txBox="1">
+            <a:spLocks noGrp="1"/>
+          </p:cNvSpPr>
+          <p:nvPr>
+            <p:ph type="body" idx="1"/>
+          </p:nvPr>
+        </p:nvSpPr>
+        <p:spPr>
+          <a:xfrm>
+            <a:off x="685800" y="4343400"/>
+            <a:ext cx="5486400" cy="4114800"/>
+          </a:xfrm>
+          <a:prstGeom prst="rect">
+            <a:avLst/>
+          </a:prstGeom>
+        </p:spPr>
+        <p:txBody>
+          <a:bodyPr spcFirstLastPara="1" wrap="square" lIns="91425" tIns="91425" rIns="91425" bIns="91425" anchor="t" anchorCtr="0">
+            <a:noAutofit/>
+          </a:bodyPr>
+          <a:lstStyle/>
+          <a:p>
+            <a:pPr marL="0" lvl="0" indent="0" algn="l" rtl="0">
+              <a:spcBef>
+                <a:spcPts val="0"/>
+              </a:spcBef>
+              <a:spcAft>
+                <a:spcPts val="0"/>
+              </a:spcAft>
+              <a:buNone/>
+            </a:pPr>
+            <a:endParaRPr/>
+          </a:p>
+        </p:txBody>
+      </p:sp>
+    </p:spTree>
+    <p:extLst>
+      <p:ext uri="{BB962C8B-B14F-4D97-AF65-F5344CB8AC3E}">
+        <p14:creationId xmlns:p14="http://schemas.microsoft.com/office/powerpoint/2010/main" val="2528670542"/>
+      </p:ext>
+    </p:extLst>
+  </p:cSld>
+  <p:clrMapOvr>
+    <a:masterClrMapping/>
+  </p:clrMapOvr>
+</p:notes>
+</file>
+
+<file path=ppt/notesSlides/notesSlide43.xml><?xml version="1.0" encoding="utf-8"?>
+<p:notes xmlns:a="http://schemas.openxmlformats.org/drawingml/2006/main" xmlns:r="http://schemas.openxmlformats.org/officeDocument/2006/relationships" xmlns:p="http://schemas.openxmlformats.org/presentationml/2006/main" showMasterSp="0" showMasterPhAnim="0">
+  <p:cSld>
+    <p:spTree>
+      <p:nvGrpSpPr>
+        <p:cNvPr id="1" name="Shape 69"/>
+        <p:cNvGrpSpPr/>
+        <p:nvPr/>
+      </p:nvGrpSpPr>
+      <p:grpSpPr>
+        <a:xfrm>
+          <a:off x="0" y="0"/>
+          <a:ext cx="0" cy="0"/>
+          <a:chOff x="0" y="0"/>
+          <a:chExt cx="0" cy="0"/>
+        </a:xfrm>
+      </p:grpSpPr>
+      <p:sp>
+        <p:nvSpPr>
+          <p:cNvPr id="70" name="Google Shape;70;gac10fef634_0_16:notes"/>
+          <p:cNvSpPr>
+            <a:spLocks noGrp="1" noRot="1" noChangeAspect="1"/>
+          </p:cNvSpPr>
+          <p:nvPr>
+            <p:ph type="sldImg" idx="2"/>
+          </p:nvPr>
+        </p:nvSpPr>
+        <p:spPr>
+          <a:xfrm>
+            <a:off x="381000" y="685800"/>
+            <a:ext cx="6096000" cy="3429000"/>
+          </a:xfrm>
+          <a:custGeom>
+            <a:avLst/>
+            <a:gdLst/>
+            <a:ahLst/>
+            <a:cxnLst/>
+            <a:rect l="l" t="t" r="r" b="b"/>
+            <a:pathLst>
+              <a:path w="120000" h="120000" extrusionOk="0">
+                <a:moveTo>
+                  <a:pt x="0" y="0"/>
+                </a:moveTo>
+                <a:lnTo>
+                  <a:pt x="120000" y="0"/>
+                </a:lnTo>
+                <a:lnTo>
+                  <a:pt x="120000" y="120000"/>
+                </a:lnTo>
+                <a:lnTo>
+                  <a:pt x="0" y="120000"/>
+                </a:lnTo>
+                <a:close/>
+              </a:path>
+            </a:pathLst>
+          </a:custGeom>
+        </p:spPr>
+      </p:sp>
+      <p:sp>
+        <p:nvSpPr>
+          <p:cNvPr id="71" name="Google Shape;71;gac10fef634_0_16:notes"/>
+          <p:cNvSpPr txBox="1">
+            <a:spLocks noGrp="1"/>
+          </p:cNvSpPr>
+          <p:nvPr>
+            <p:ph type="body" idx="1"/>
+          </p:nvPr>
+        </p:nvSpPr>
+        <p:spPr>
+          <a:xfrm>
+            <a:off x="685800" y="4343400"/>
+            <a:ext cx="5486400" cy="4114800"/>
+          </a:xfrm>
+          <a:prstGeom prst="rect">
+            <a:avLst/>
+          </a:prstGeom>
+        </p:spPr>
+        <p:txBody>
+          <a:bodyPr spcFirstLastPara="1" wrap="square" lIns="91425" tIns="91425" rIns="91425" bIns="91425" anchor="t" anchorCtr="0">
+            <a:noAutofit/>
+          </a:bodyPr>
+          <a:lstStyle/>
+          <a:p>
+            <a:pPr marL="0" lvl="0" indent="0" algn="l" rtl="0">
+              <a:spcBef>
+                <a:spcPts val="0"/>
+              </a:spcBef>
+              <a:spcAft>
+                <a:spcPts val="0"/>
+              </a:spcAft>
+              <a:buNone/>
+            </a:pPr>
+            <a:endParaRPr/>
+          </a:p>
+        </p:txBody>
+      </p:sp>
+    </p:spTree>
+    <p:extLst>
+      <p:ext uri="{BB962C8B-B14F-4D97-AF65-F5344CB8AC3E}">
+        <p14:creationId xmlns:p14="http://schemas.microsoft.com/office/powerpoint/2010/main" val="1975391690"/>
+      </p:ext>
+    </p:extLst>
+  </p:cSld>
+  <p:clrMapOvr>
+    <a:masterClrMapping/>
+  </p:clrMapOvr>
+</p:notes>
+</file>
+
+<file path=ppt/notesSlides/notesSlide44.xml><?xml version="1.0" encoding="utf-8"?>
+<p:notes xmlns:a="http://schemas.openxmlformats.org/drawingml/2006/main" xmlns:r="http://schemas.openxmlformats.org/officeDocument/2006/relationships" xmlns:p="http://schemas.openxmlformats.org/presentationml/2006/main" showMasterSp="0" showMasterPhAnim="0">
+  <p:cSld>
+    <p:spTree>
+      <p:nvGrpSpPr>
+        <p:cNvPr id="1" name="Shape 74"/>
+        <p:cNvGrpSpPr/>
+        <p:nvPr/>
+      </p:nvGrpSpPr>
+      <p:grpSpPr>
+        <a:xfrm>
+          <a:off x="0" y="0"/>
+          <a:ext cx="0" cy="0"/>
+          <a:chOff x="0" y="0"/>
+          <a:chExt cx="0" cy="0"/>
+        </a:xfrm>
+      </p:grpSpPr>
+      <p:sp>
+        <p:nvSpPr>
+          <p:cNvPr id="75" name="Google Shape;75;gac10fef634_0_20:notes"/>
+          <p:cNvSpPr>
+            <a:spLocks noGrp="1" noRot="1" noChangeAspect="1"/>
+          </p:cNvSpPr>
+          <p:nvPr>
+            <p:ph type="sldImg" idx="2"/>
+          </p:nvPr>
+        </p:nvSpPr>
+        <p:spPr>
+          <a:xfrm>
+            <a:off x="381000" y="685800"/>
+            <a:ext cx="6096000" cy="3429000"/>
+          </a:xfrm>
+          <a:custGeom>
+            <a:avLst/>
+            <a:gdLst/>
+            <a:ahLst/>
+            <a:cxnLst/>
+            <a:rect l="l" t="t" r="r" b="b"/>
+            <a:pathLst>
+              <a:path w="120000" h="120000" extrusionOk="0">
+                <a:moveTo>
+                  <a:pt x="0" y="0"/>
+                </a:moveTo>
+                <a:lnTo>
+                  <a:pt x="120000" y="0"/>
+                </a:lnTo>
+                <a:lnTo>
+                  <a:pt x="120000" y="120000"/>
+                </a:lnTo>
+                <a:lnTo>
+                  <a:pt x="0" y="120000"/>
+                </a:lnTo>
+                <a:close/>
+              </a:path>
+            </a:pathLst>
+          </a:custGeom>
+        </p:spPr>
+      </p:sp>
+      <p:sp>
+        <p:nvSpPr>
+          <p:cNvPr id="76" name="Google Shape;76;gac10fef634_0_20:notes"/>
+          <p:cNvSpPr txBox="1">
+            <a:spLocks noGrp="1"/>
+          </p:cNvSpPr>
+          <p:nvPr>
+            <p:ph type="body" idx="1"/>
+          </p:nvPr>
+        </p:nvSpPr>
+        <p:spPr>
+          <a:xfrm>
+            <a:off x="685800" y="4343400"/>
+            <a:ext cx="5486400" cy="4114800"/>
+          </a:xfrm>
+          <a:prstGeom prst="rect">
+            <a:avLst/>
+          </a:prstGeom>
+        </p:spPr>
+        <p:txBody>
+          <a:bodyPr spcFirstLastPara="1" wrap="square" lIns="91425" tIns="91425" rIns="91425" bIns="91425" anchor="t" anchorCtr="0">
+            <a:noAutofit/>
+          </a:bodyPr>
+          <a:lstStyle/>
+          <a:p>
+            <a:pPr marL="0" lvl="0" indent="0" algn="l" rtl="0">
+              <a:spcBef>
+                <a:spcPts val="0"/>
+              </a:spcBef>
+              <a:spcAft>
+                <a:spcPts val="0"/>
+              </a:spcAft>
+              <a:buNone/>
+            </a:pPr>
+            <a:endParaRPr/>
+          </a:p>
+        </p:txBody>
+      </p:sp>
+    </p:spTree>
+    <p:extLst>
+      <p:ext uri="{BB962C8B-B14F-4D97-AF65-F5344CB8AC3E}">
+        <p14:creationId xmlns:p14="http://schemas.microsoft.com/office/powerpoint/2010/main" val="3476588469"/>
+      </p:ext>
+    </p:extLst>
+  </p:cSld>
+  <p:clrMapOvr>
+    <a:masterClrMapping/>
+  </p:clrMapOvr>
+</p:notes>
+</file>
+
+<file path=ppt/notesSlides/notesSlide45.xml><?xml version="1.0" encoding="utf-8"?>
+<p:notes xmlns:a="http://schemas.openxmlformats.org/drawingml/2006/main" xmlns:r="http://schemas.openxmlformats.org/officeDocument/2006/relationships" xmlns:p="http://schemas.openxmlformats.org/presentationml/2006/main" showMasterSp="0" showMasterPhAnim="0">
+  <p:cSld>
+    <p:spTree>
+      <p:nvGrpSpPr>
+        <p:cNvPr id="1" name="Shape 80"/>
+        <p:cNvGrpSpPr/>
+        <p:nvPr/>
+      </p:nvGrpSpPr>
+      <p:grpSpPr>
+        <a:xfrm>
+          <a:off x="0" y="0"/>
+          <a:ext cx="0" cy="0"/>
+          <a:chOff x="0" y="0"/>
+          <a:chExt cx="0" cy="0"/>
+        </a:xfrm>
+      </p:grpSpPr>
+      <p:sp>
+        <p:nvSpPr>
+          <p:cNvPr id="81" name="Google Shape;81;gac10fef634_0_25:notes"/>
+          <p:cNvSpPr>
+            <a:spLocks noGrp="1" noRot="1" noChangeAspect="1"/>
+          </p:cNvSpPr>
+          <p:nvPr>
+            <p:ph type="sldImg" idx="2"/>
+          </p:nvPr>
+        </p:nvSpPr>
+        <p:spPr>
+          <a:xfrm>
+            <a:off x="381000" y="685800"/>
+            <a:ext cx="6096000" cy="3429000"/>
+          </a:xfrm>
+          <a:custGeom>
+            <a:avLst/>
+            <a:gdLst/>
+            <a:ahLst/>
+            <a:cxnLst/>
+            <a:rect l="l" t="t" r="r" b="b"/>
+            <a:pathLst>
+              <a:path w="120000" h="120000" extrusionOk="0">
+                <a:moveTo>
+                  <a:pt x="0" y="0"/>
+                </a:moveTo>
+                <a:lnTo>
+                  <a:pt x="120000" y="0"/>
+                </a:lnTo>
+                <a:lnTo>
+                  <a:pt x="120000" y="120000"/>
+                </a:lnTo>
+                <a:lnTo>
+                  <a:pt x="0" y="120000"/>
+                </a:lnTo>
+                <a:close/>
+              </a:path>
+            </a:pathLst>
+          </a:custGeom>
+        </p:spPr>
+      </p:sp>
+      <p:sp>
+        <p:nvSpPr>
+          <p:cNvPr id="82" name="Google Shape;82;gac10fef634_0_25:notes"/>
+          <p:cNvSpPr txBox="1">
+            <a:spLocks noGrp="1"/>
+          </p:cNvSpPr>
+          <p:nvPr>
+            <p:ph type="body" idx="1"/>
+          </p:nvPr>
+        </p:nvSpPr>
+        <p:spPr>
+          <a:xfrm>
+            <a:off x="685800" y="4343400"/>
+            <a:ext cx="5486400" cy="4114800"/>
+          </a:xfrm>
+          <a:prstGeom prst="rect">
+            <a:avLst/>
+          </a:prstGeom>
+        </p:spPr>
+        <p:txBody>
+          <a:bodyPr spcFirstLastPara="1" wrap="square" lIns="91425" tIns="91425" rIns="91425" bIns="91425" anchor="t" anchorCtr="0">
+            <a:noAutofit/>
+          </a:bodyPr>
+          <a:lstStyle/>
+          <a:p>
+            <a:pPr marL="0" lvl="0" indent="0" algn="l" rtl="0">
+              <a:spcBef>
+                <a:spcPts val="0"/>
+              </a:spcBef>
+              <a:spcAft>
+                <a:spcPts val="0"/>
+              </a:spcAft>
+              <a:buClr>
+                <a:schemeClr val="dk1"/>
+              </a:buClr>
+              <a:buSzPts val="1100"/>
+              <a:buFont typeface="Arial"/>
+              <a:buNone/>
+            </a:pPr>
+            <a:r>
+              <a:rPr lang="en"/>
+              <a:t>Your version control evidence should go here.  This could be in the form of annotated screenshots which show you you managed this process or you could make a brief screencast explaining how you implemented version control.</a:t>
+            </a:r>
+            <a:endParaRPr/>
+          </a:p>
+          <a:p>
+            <a:pPr marL="0" lvl="0" indent="0" algn="l" rtl="0">
+              <a:spcBef>
+                <a:spcPts val="0"/>
+              </a:spcBef>
+              <a:spcAft>
+                <a:spcPts val="0"/>
+              </a:spcAft>
+              <a:buNone/>
+            </a:pPr>
+            <a:endParaRPr/>
+          </a:p>
+        </p:txBody>
+      </p:sp>
+    </p:spTree>
+  </p:cSld>
+  <p:clrMapOvr>
+    <a:masterClrMapping/>
+  </p:clrMapOvr>
+</p:notes>
+</file>
+
+<file path=ppt/notesSlides/notesSlide46.xml><?xml version="1.0" encoding="utf-8"?>
+<p:notes xmlns:a="http://schemas.openxmlformats.org/drawingml/2006/main" xmlns:r="http://schemas.openxmlformats.org/officeDocument/2006/relationships" xmlns:p="http://schemas.openxmlformats.org/presentationml/2006/main" showMasterSp="0" showMasterPhAnim="0">
+  <p:cSld>
+    <p:spTree>
+      <p:nvGrpSpPr>
+        <p:cNvPr id="1" name="Shape 86"/>
+        <p:cNvGrpSpPr/>
+        <p:nvPr/>
+      </p:nvGrpSpPr>
+      <p:grpSpPr>
+        <a:xfrm>
+          <a:off x="0" y="0"/>
+          <a:ext cx="0" cy="0"/>
+          <a:chOff x="0" y="0"/>
+          <a:chExt cx="0" cy="0"/>
+        </a:xfrm>
+      </p:grpSpPr>
+      <p:sp>
+        <p:nvSpPr>
+          <p:cNvPr id="87" name="Google Shape;87;gac10fef634_0_30:notes"/>
+          <p:cNvSpPr>
+            <a:spLocks noGrp="1" noRot="1" noChangeAspect="1"/>
+          </p:cNvSpPr>
+          <p:nvPr>
+            <p:ph type="sldImg" idx="2"/>
+          </p:nvPr>
+        </p:nvSpPr>
+        <p:spPr>
+          <a:xfrm>
+            <a:off x="381000" y="685800"/>
+            <a:ext cx="6096000" cy="3429000"/>
+          </a:xfrm>
+          <a:custGeom>
+            <a:avLst/>
+            <a:gdLst/>
+            <a:ahLst/>
+            <a:cxnLst/>
+            <a:rect l="l" t="t" r="r" b="b"/>
+            <a:pathLst>
+              <a:path w="120000" h="120000" extrusionOk="0">
+                <a:moveTo>
+                  <a:pt x="0" y="0"/>
+                </a:moveTo>
+                <a:lnTo>
+                  <a:pt x="120000" y="0"/>
+                </a:lnTo>
+                <a:lnTo>
+                  <a:pt x="120000" y="120000"/>
+                </a:lnTo>
+                <a:lnTo>
+                  <a:pt x="0" y="120000"/>
+                </a:lnTo>
+                <a:close/>
+              </a:path>
+            </a:pathLst>
+          </a:custGeom>
+        </p:spPr>
+      </p:sp>
+      <p:sp>
+        <p:nvSpPr>
+          <p:cNvPr id="88" name="Google Shape;88;gac10fef634_0_30:notes"/>
+          <p:cNvSpPr txBox="1">
+            <a:spLocks noGrp="1"/>
+          </p:cNvSpPr>
+          <p:nvPr>
+            <p:ph type="body" idx="1"/>
+          </p:nvPr>
+        </p:nvSpPr>
+        <p:spPr>
+          <a:xfrm>
+            <a:off x="685800" y="4343400"/>
+            <a:ext cx="5486400" cy="4114800"/>
+          </a:xfrm>
+          <a:prstGeom prst="rect">
+            <a:avLst/>
+          </a:prstGeom>
+        </p:spPr>
+        <p:txBody>
+          <a:bodyPr spcFirstLastPara="1" wrap="square" lIns="91425" tIns="91425" rIns="91425" bIns="91425" anchor="t" anchorCtr="0">
+            <a:noAutofit/>
+          </a:bodyPr>
+          <a:lstStyle/>
+          <a:p>
+            <a:pPr marL="0" lvl="0" indent="0" algn="l" rtl="0">
+              <a:spcBef>
+                <a:spcPts val="0"/>
+              </a:spcBef>
+              <a:spcAft>
+                <a:spcPts val="0"/>
+              </a:spcAft>
+              <a:buNone/>
+            </a:pPr>
+            <a:r>
+              <a:rPr lang="en"/>
+              <a:t>Discusses how the information from planning, testing and trialling of components assisted in the development of a high-quality outcome</a:t>
+            </a:r>
             <a:endParaRPr/>
           </a:p>
         </p:txBody>
@@ -18004,17 +19281,9 @@
 <file path=ppt/slides/slide36.xml><?xml version="1.0" encoding="utf-8"?>
 <p:sld xmlns:a="http://schemas.openxmlformats.org/drawingml/2006/main" xmlns:r="http://schemas.openxmlformats.org/officeDocument/2006/relationships" xmlns:p="http://schemas.openxmlformats.org/presentationml/2006/main">
   <p:cSld>
-    <p:bg>
-      <p:bgPr>
-        <a:solidFill>
-          <a:srgbClr val="D9EAD3"/>
-        </a:solidFill>
-        <a:effectLst/>
-      </p:bgPr>
-    </p:bg>
     <p:spTree>
       <p:nvGrpSpPr>
-        <p:cNvPr id="1" name="Shape 83"/>
+        <p:cNvPr id="1" name="Shape 72"/>
         <p:cNvGrpSpPr/>
         <p:nvPr/>
       </p:nvGrpSpPr>
@@ -18028,7 +19297,7 @@
       </p:grpSpPr>
       <p:sp>
         <p:nvSpPr>
-          <p:cNvPr id="84" name="Google Shape;84;p18"/>
+          <p:cNvPr id="73" name="Google Shape;73;p16"/>
           <p:cNvSpPr txBox="1">
             <a:spLocks noGrp="1"/>
           </p:cNvSpPr>
@@ -18061,56 +19330,19 @@
               <a:buNone/>
             </a:pPr>
             <a:r>
-              <a:rPr lang="en"/>
-              <a:t>Version Control Evidence</a:t>
+              <a:rPr lang="en" dirty="0"/>
+              <a:t>Component 6 Pizza Order v2 (Trello screenshot)</a:t>
             </a:r>
-            <a:endParaRPr/>
-          </a:p>
-        </p:txBody>
-      </p:sp>
-      <p:sp>
-        <p:nvSpPr>
-          <p:cNvPr id="85" name="Google Shape;85;p18"/>
-          <p:cNvSpPr txBox="1">
-            <a:spLocks noGrp="1"/>
-          </p:cNvSpPr>
-          <p:nvPr>
-            <p:ph type="body" idx="1"/>
-          </p:nvPr>
-        </p:nvSpPr>
-        <p:spPr>
-          <a:xfrm>
-            <a:off x="311700" y="1152475"/>
-            <a:ext cx="8464200" cy="3739200"/>
-          </a:xfrm>
-          <a:prstGeom prst="rect">
-            <a:avLst/>
-          </a:prstGeom>
-        </p:spPr>
-        <p:txBody>
-          <a:bodyPr spcFirstLastPara="1" wrap="square" lIns="91425" tIns="91425" rIns="91425" bIns="91425" anchor="t" anchorCtr="0">
-            <a:noAutofit/>
-          </a:bodyPr>
-          <a:lstStyle/>
-          <a:p>
-            <a:pPr marL="0" lvl="0" indent="0" algn="l" rtl="0">
-              <a:spcBef>
-                <a:spcPts val="0"/>
-              </a:spcBef>
-              <a:spcAft>
-                <a:spcPts val="1600"/>
-              </a:spcAft>
-              <a:buNone/>
-            </a:pPr>
-            <a:r>
-              <a:rPr lang="en" i="1"/>
-              <a:t>Your version control evidence should go here.  This could be in the form of annotated screenshots which show you you managed this process or you could make a brief screencast explaining how you implemented version control.</a:t>
-            </a:r>
-            <a:endParaRPr i="1"/>
+            <a:endParaRPr dirty="0"/>
           </a:p>
         </p:txBody>
       </p:sp>
     </p:spTree>
+    <p:extLst>
+      <p:ext uri="{BB962C8B-B14F-4D97-AF65-F5344CB8AC3E}">
+        <p14:creationId xmlns:p14="http://schemas.microsoft.com/office/powerpoint/2010/main" val="35525833"/>
+      </p:ext>
+    </p:extLst>
   </p:cSld>
   <p:clrMapOvr>
     <a:masterClrMapping/>
@@ -18121,17 +19353,9 @@
 <file path=ppt/slides/slide37.xml><?xml version="1.0" encoding="utf-8"?>
 <p:sld xmlns:a="http://schemas.openxmlformats.org/drawingml/2006/main" xmlns:r="http://schemas.openxmlformats.org/officeDocument/2006/relationships" xmlns:p="http://schemas.openxmlformats.org/presentationml/2006/main">
   <p:cSld>
-    <p:bg>
-      <p:bgPr>
-        <a:solidFill>
-          <a:srgbClr val="FFE599"/>
-        </a:solidFill>
-        <a:effectLst/>
-      </p:bgPr>
-    </p:bg>
     <p:spTree>
       <p:nvGrpSpPr>
-        <p:cNvPr id="1" name="Shape 89"/>
+        <p:cNvPr id="1" name="Shape 77"/>
         <p:cNvGrpSpPr/>
         <p:nvPr/>
       </p:nvGrpSpPr>
@@ -18145,18 +19369,18 @@
       </p:grpSpPr>
       <p:sp>
         <p:nvSpPr>
-          <p:cNvPr id="90" name="Google Shape;90;p19"/>
+          <p:cNvPr id="78" name="Google Shape;78;p17"/>
           <p:cNvSpPr txBox="1">
             <a:spLocks noGrp="1"/>
           </p:cNvSpPr>
           <p:nvPr>
-            <p:ph type="body" idx="1"/>
+            <p:ph type="title"/>
           </p:nvPr>
         </p:nvSpPr>
         <p:spPr>
           <a:xfrm>
-            <a:off x="311700" y="397700"/>
-            <a:ext cx="8520600" cy="4171200"/>
+            <a:off x="311700" y="117365"/>
+            <a:ext cx="8520600" cy="572700"/>
           </a:xfrm>
           <a:prstGeom prst="rect">
             <a:avLst/>
@@ -18173,23 +19397,778 @@
                 <a:spcPts val="0"/>
               </a:spcBef>
               <a:spcAft>
-                <a:spcPts val="1600"/>
+                <a:spcPts val="0"/>
               </a:spcAft>
               <a:buNone/>
             </a:pPr>
             <a:r>
-              <a:rPr lang="en" b="1" i="1">
-                <a:solidFill>
-                  <a:srgbClr val="595959"/>
-                </a:solidFill>
-              </a:rPr>
-              <a:t>Discusses how the information from planning, testing and trialling of components assisted in the development of a high-quality outcome</a:t>
+              <a:rPr lang="en" sz="2400" dirty="0"/>
+              <a:t>Component 6 Pizza Order	v2</a:t>
             </a:r>
-            <a:endParaRPr/>
+            <a:endParaRPr sz="2400" dirty="0"/>
           </a:p>
         </p:txBody>
       </p:sp>
+      <p:graphicFrame>
+        <p:nvGraphicFramePr>
+          <p:cNvPr id="79" name="Google Shape;79;p17"/>
+          <p:cNvGraphicFramePr/>
+          <p:nvPr/>
+        </p:nvGraphicFramePr>
+        <p:xfrm>
+          <a:off x="311700" y="3672593"/>
+          <a:ext cx="8520600" cy="1432500"/>
+        </p:xfrm>
+        <a:graphic>
+          <a:graphicData uri="http://schemas.openxmlformats.org/drawingml/2006/table">
+            <a:tbl>
+              <a:tblPr>
+                <a:noFill/>
+                <a:tableStyleId>{E1099E06-0E6B-448D-9D27-60429F06E6F4}</a:tableStyleId>
+              </a:tblPr>
+              <a:tblGrid>
+                <a:gridCol w="4260300">
+                  <a:extLst>
+                    <a:ext uri="{9D8B030D-6E8A-4147-A177-3AD203B41FA5}">
+                      <a16:colId xmlns:a16="http://schemas.microsoft.com/office/drawing/2014/main" val="20000"/>
+                    </a:ext>
+                  </a:extLst>
+                </a:gridCol>
+                <a:gridCol w="4260300">
+                  <a:extLst>
+                    <a:ext uri="{9D8B030D-6E8A-4147-A177-3AD203B41FA5}">
+                      <a16:colId xmlns:a16="http://schemas.microsoft.com/office/drawing/2014/main" val="20001"/>
+                    </a:ext>
+                  </a:extLst>
+                </a:gridCol>
+              </a:tblGrid>
+              <a:tr h="381000">
+                <a:tc>
+                  <a:txBody>
+                    <a:bodyPr/>
+                    <a:lstStyle/>
+                    <a:p>
+                      <a:pPr marL="0" lvl="0" indent="0" algn="l" rtl="0">
+                        <a:spcBef>
+                          <a:spcPts val="0"/>
+                        </a:spcBef>
+                        <a:spcAft>
+                          <a:spcPts val="0"/>
+                        </a:spcAft>
+                        <a:buNone/>
+                      </a:pPr>
+                      <a:r>
+                        <a:rPr lang="en" sz="1800" b="1" dirty="0"/>
+                        <a:t>Test Case</a:t>
+                      </a:r>
+                      <a:endParaRPr sz="1800" b="1" dirty="0"/>
+                    </a:p>
+                  </a:txBody>
+                  <a:tcPr marL="91425" marR="91425" marT="91425" marB="91425">
+                    <a:solidFill>
+                      <a:srgbClr val="CCCCCC"/>
+                    </a:solidFill>
+                  </a:tcPr>
+                </a:tc>
+                <a:tc>
+                  <a:txBody>
+                    <a:bodyPr/>
+                    <a:lstStyle/>
+                    <a:p>
+                      <a:pPr marL="0" lvl="0" indent="0" algn="l" rtl="0">
+                        <a:spcBef>
+                          <a:spcPts val="0"/>
+                        </a:spcBef>
+                        <a:spcAft>
+                          <a:spcPts val="0"/>
+                        </a:spcAft>
+                        <a:buNone/>
+                      </a:pPr>
+                      <a:r>
+                        <a:rPr lang="en" sz="1800" b="1"/>
+                        <a:t>Expected Values</a:t>
+                      </a:r>
+                      <a:endParaRPr sz="1800" b="1"/>
+                    </a:p>
+                  </a:txBody>
+                  <a:tcPr marL="91425" marR="91425" marT="91425" marB="91425">
+                    <a:solidFill>
+                      <a:srgbClr val="CCCCCC"/>
+                    </a:solidFill>
+                  </a:tcPr>
+                </a:tc>
+                <a:extLst>
+                  <a:ext uri="{0D108BD9-81ED-4DB2-BD59-A6C34878D82A}">
+                    <a16:rowId xmlns:a16="http://schemas.microsoft.com/office/drawing/2014/main" val="10000"/>
+                  </a:ext>
+                </a:extLst>
+              </a:tr>
+              <a:tr h="396200">
+                <a:tc>
+                  <a:txBody>
+                    <a:bodyPr/>
+                    <a:lstStyle/>
+                    <a:p>
+                      <a:pPr marL="0" lvl="0" indent="0" algn="l" rtl="0">
+                        <a:spcBef>
+                          <a:spcPts val="0"/>
+                        </a:spcBef>
+                        <a:spcAft>
+                          <a:spcPts val="0"/>
+                        </a:spcAft>
+                        <a:buNone/>
+                      </a:pPr>
+                      <a:r>
+                        <a:rPr lang="en-NZ" sz="1300" dirty="0"/>
+                        <a:t>Enter 5 pizzas</a:t>
+                      </a:r>
+                    </a:p>
+                    <a:p>
+                      <a:pPr marL="0" lvl="0" indent="0" algn="l" rtl="0">
+                        <a:spcBef>
+                          <a:spcPts val="0"/>
+                        </a:spcBef>
+                        <a:spcAft>
+                          <a:spcPts val="0"/>
+                        </a:spcAft>
+                        <a:buNone/>
+                      </a:pPr>
+                      <a:r>
+                        <a:rPr lang="en-NZ" sz="1300" dirty="0"/>
+                        <a:t>Entered ‘cat’</a:t>
+                      </a:r>
+                      <a:endParaRPr sz="1300" dirty="0"/>
+                    </a:p>
+                  </a:txBody>
+                  <a:tcPr marL="91425" marR="91425" marT="91425" marB="91425"/>
+                </a:tc>
+                <a:tc>
+                  <a:txBody>
+                    <a:bodyPr/>
+                    <a:lstStyle/>
+                    <a:p>
+                      <a:pPr marL="0" lvl="0" indent="0" algn="l" rtl="0">
+                        <a:spcBef>
+                          <a:spcPts val="0"/>
+                        </a:spcBef>
+                        <a:spcAft>
+                          <a:spcPts val="0"/>
+                        </a:spcAft>
+                        <a:buNone/>
+                      </a:pPr>
+                      <a:r>
+                        <a:rPr lang="en-NZ" sz="1300" dirty="0"/>
+                        <a:t>Stepped through the menu choice 5 times</a:t>
+                      </a:r>
+                    </a:p>
+                    <a:p>
+                      <a:pPr marL="0" lvl="0" indent="0" algn="l" rtl="0">
+                        <a:spcBef>
+                          <a:spcPts val="0"/>
+                        </a:spcBef>
+                        <a:spcAft>
+                          <a:spcPts val="0"/>
+                        </a:spcAft>
+                        <a:buNone/>
+                      </a:pPr>
+                      <a:r>
+                        <a:rPr lang="en-NZ" sz="1300" dirty="0"/>
+                        <a:t>Program broke</a:t>
+                      </a:r>
+                    </a:p>
+                    <a:p>
+                      <a:pPr marL="0" lvl="0" indent="0" algn="l" rtl="0">
+                        <a:spcBef>
+                          <a:spcPts val="0"/>
+                        </a:spcBef>
+                        <a:spcAft>
+                          <a:spcPts val="0"/>
+                        </a:spcAft>
+                        <a:buNone/>
+                      </a:pPr>
+                      <a:endParaRPr lang="en-NZ" sz="1300" dirty="0"/>
+                    </a:p>
+                    <a:p>
+                      <a:pPr marL="0" lvl="0" indent="0" algn="l" rtl="0">
+                        <a:spcBef>
+                          <a:spcPts val="0"/>
+                        </a:spcBef>
+                        <a:spcAft>
+                          <a:spcPts val="0"/>
+                        </a:spcAft>
+                        <a:buNone/>
+                      </a:pPr>
+                      <a:endParaRPr sz="1300" dirty="0"/>
+                    </a:p>
+                  </a:txBody>
+                  <a:tcPr marL="91425" marR="91425" marT="91425" marB="91425"/>
+                </a:tc>
+                <a:extLst>
+                  <a:ext uri="{0D108BD9-81ED-4DB2-BD59-A6C34878D82A}">
+                    <a16:rowId xmlns:a16="http://schemas.microsoft.com/office/drawing/2014/main" val="10001"/>
+                  </a:ext>
+                </a:extLst>
+              </a:tr>
+            </a:tbl>
+          </a:graphicData>
+        </a:graphic>
+      </p:graphicFrame>
     </p:spTree>
+    <p:extLst>
+      <p:ext uri="{BB962C8B-B14F-4D97-AF65-F5344CB8AC3E}">
+        <p14:creationId xmlns:p14="http://schemas.microsoft.com/office/powerpoint/2010/main" val="2906120932"/>
+      </p:ext>
+    </p:extLst>
+  </p:cSld>
+  <p:clrMapOvr>
+    <a:masterClrMapping/>
+  </p:clrMapOvr>
+</p:sld>
+</file>
+
+<file path=ppt/slides/slide38.xml><?xml version="1.0" encoding="utf-8"?>
+<p:sld xmlns:a="http://schemas.openxmlformats.org/drawingml/2006/main" xmlns:r="http://schemas.openxmlformats.org/officeDocument/2006/relationships" xmlns:p="http://schemas.openxmlformats.org/presentationml/2006/main">
+  <p:cSld>
+    <p:spTree>
+      <p:nvGrpSpPr>
+        <p:cNvPr id="1" name="Shape 72"/>
+        <p:cNvGrpSpPr/>
+        <p:nvPr/>
+      </p:nvGrpSpPr>
+      <p:grpSpPr>
+        <a:xfrm>
+          <a:off x="0" y="0"/>
+          <a:ext cx="0" cy="0"/>
+          <a:chOff x="0" y="0"/>
+          <a:chExt cx="0" cy="0"/>
+        </a:xfrm>
+      </p:grpSpPr>
+      <p:sp>
+        <p:nvSpPr>
+          <p:cNvPr id="73" name="Google Shape;73;p16"/>
+          <p:cNvSpPr txBox="1">
+            <a:spLocks noGrp="1"/>
+          </p:cNvSpPr>
+          <p:nvPr>
+            <p:ph type="title"/>
+          </p:nvPr>
+        </p:nvSpPr>
+        <p:spPr>
+          <a:xfrm>
+            <a:off x="311700" y="445025"/>
+            <a:ext cx="8520600" cy="572700"/>
+          </a:xfrm>
+          <a:prstGeom prst="rect">
+            <a:avLst/>
+          </a:prstGeom>
+        </p:spPr>
+        <p:txBody>
+          <a:bodyPr spcFirstLastPara="1" wrap="square" lIns="91425" tIns="91425" rIns="91425" bIns="91425" anchor="t" anchorCtr="0">
+            <a:noAutofit/>
+          </a:bodyPr>
+          <a:lstStyle/>
+          <a:p>
+            <a:pPr marL="0" lvl="0" indent="0" algn="l" rtl="0">
+              <a:spcBef>
+                <a:spcPts val="0"/>
+              </a:spcBef>
+              <a:spcAft>
+                <a:spcPts val="0"/>
+              </a:spcAft>
+              <a:buNone/>
+            </a:pPr>
+            <a:r>
+              <a:rPr lang="en" dirty="0"/>
+              <a:t>Component 6 Pizza Order v3 (Trello screenshot)</a:t>
+            </a:r>
+            <a:endParaRPr dirty="0"/>
+          </a:p>
+        </p:txBody>
+      </p:sp>
+      <p:pic>
+        <p:nvPicPr>
+          <p:cNvPr id="3" name="Picture 2">
+            <a:extLst>
+              <a:ext uri="{FF2B5EF4-FFF2-40B4-BE49-F238E27FC236}">
+                <a16:creationId xmlns:a16="http://schemas.microsoft.com/office/drawing/2014/main" id="{99043D0B-EBA6-41A0-A1BA-2F7F26166CAE}"/>
+              </a:ext>
+            </a:extLst>
+          </p:cNvPr>
+          <p:cNvPicPr>
+            <a:picLocks noChangeAspect="1"/>
+          </p:cNvPicPr>
+          <p:nvPr/>
+        </p:nvPicPr>
+        <p:blipFill>
+          <a:blip r:embed="rId3"/>
+          <a:stretch>
+            <a:fillRect/>
+          </a:stretch>
+        </p:blipFill>
+        <p:spPr>
+          <a:xfrm>
+            <a:off x="680478" y="1126101"/>
+            <a:ext cx="8011643" cy="3572374"/>
+          </a:xfrm>
+          <a:prstGeom prst="rect">
+            <a:avLst/>
+          </a:prstGeom>
+        </p:spPr>
+      </p:pic>
+    </p:spTree>
+    <p:extLst>
+      <p:ext uri="{BB962C8B-B14F-4D97-AF65-F5344CB8AC3E}">
+        <p14:creationId xmlns:p14="http://schemas.microsoft.com/office/powerpoint/2010/main" val="2931849585"/>
+      </p:ext>
+    </p:extLst>
+  </p:cSld>
+  <p:clrMapOvr>
+    <a:masterClrMapping/>
+  </p:clrMapOvr>
+</p:sld>
+</file>
+
+<file path=ppt/slides/slide39.xml><?xml version="1.0" encoding="utf-8"?>
+<p:sld xmlns:a="http://schemas.openxmlformats.org/drawingml/2006/main" xmlns:r="http://schemas.openxmlformats.org/officeDocument/2006/relationships" xmlns:p="http://schemas.openxmlformats.org/presentationml/2006/main">
+  <p:cSld>
+    <p:spTree>
+      <p:nvGrpSpPr>
+        <p:cNvPr id="1" name="Shape 77"/>
+        <p:cNvGrpSpPr/>
+        <p:nvPr/>
+      </p:nvGrpSpPr>
+      <p:grpSpPr>
+        <a:xfrm>
+          <a:off x="0" y="0"/>
+          <a:ext cx="0" cy="0"/>
+          <a:chOff x="0" y="0"/>
+          <a:chExt cx="0" cy="0"/>
+        </a:xfrm>
+      </p:grpSpPr>
+      <p:sp>
+        <p:nvSpPr>
+          <p:cNvPr id="78" name="Google Shape;78;p17"/>
+          <p:cNvSpPr txBox="1">
+            <a:spLocks noGrp="1"/>
+          </p:cNvSpPr>
+          <p:nvPr>
+            <p:ph type="title"/>
+          </p:nvPr>
+        </p:nvSpPr>
+        <p:spPr>
+          <a:xfrm>
+            <a:off x="311700" y="117365"/>
+            <a:ext cx="8520600" cy="572700"/>
+          </a:xfrm>
+          <a:prstGeom prst="rect">
+            <a:avLst/>
+          </a:prstGeom>
+        </p:spPr>
+        <p:txBody>
+          <a:bodyPr spcFirstLastPara="1" wrap="square" lIns="91425" tIns="91425" rIns="91425" bIns="91425" anchor="t" anchorCtr="0">
+            <a:noAutofit/>
+          </a:bodyPr>
+          <a:lstStyle/>
+          <a:p>
+            <a:pPr marL="0" lvl="0" indent="0" algn="l" rtl="0">
+              <a:spcBef>
+                <a:spcPts val="0"/>
+              </a:spcBef>
+              <a:spcAft>
+                <a:spcPts val="0"/>
+              </a:spcAft>
+              <a:buNone/>
+            </a:pPr>
+            <a:r>
+              <a:rPr lang="en" sz="2400" dirty="0"/>
+              <a:t>Component 6 Pizza Order	v3</a:t>
+            </a:r>
+            <a:endParaRPr sz="2400" dirty="0"/>
+          </a:p>
+        </p:txBody>
+      </p:sp>
+      <p:graphicFrame>
+        <p:nvGraphicFramePr>
+          <p:cNvPr id="79" name="Google Shape;79;p17"/>
+          <p:cNvGraphicFramePr/>
+          <p:nvPr>
+            <p:extLst>
+              <p:ext uri="{D42A27DB-BD31-4B8C-83A1-F6EECF244321}">
+                <p14:modId xmlns:p14="http://schemas.microsoft.com/office/powerpoint/2010/main" val="589079939"/>
+              </p:ext>
+            </p:extLst>
+          </p:nvPr>
+        </p:nvGraphicFramePr>
+        <p:xfrm>
+          <a:off x="311700" y="3197395"/>
+          <a:ext cx="8520600" cy="1828740"/>
+        </p:xfrm>
+        <a:graphic>
+          <a:graphicData uri="http://schemas.openxmlformats.org/drawingml/2006/table">
+            <a:tbl>
+              <a:tblPr>
+                <a:noFill/>
+                <a:tableStyleId>{E1099E06-0E6B-448D-9D27-60429F06E6F4}</a:tableStyleId>
+              </a:tblPr>
+              <a:tblGrid>
+                <a:gridCol w="4260300">
+                  <a:extLst>
+                    <a:ext uri="{9D8B030D-6E8A-4147-A177-3AD203B41FA5}">
+                      <a16:colId xmlns:a16="http://schemas.microsoft.com/office/drawing/2014/main" val="20000"/>
+                    </a:ext>
+                  </a:extLst>
+                </a:gridCol>
+                <a:gridCol w="4260300">
+                  <a:extLst>
+                    <a:ext uri="{9D8B030D-6E8A-4147-A177-3AD203B41FA5}">
+                      <a16:colId xmlns:a16="http://schemas.microsoft.com/office/drawing/2014/main" val="20001"/>
+                    </a:ext>
+                  </a:extLst>
+                </a:gridCol>
+              </a:tblGrid>
+              <a:tr h="381000">
+                <a:tc>
+                  <a:txBody>
+                    <a:bodyPr/>
+                    <a:lstStyle/>
+                    <a:p>
+                      <a:pPr marL="0" lvl="0" indent="0" algn="l" rtl="0">
+                        <a:spcBef>
+                          <a:spcPts val="0"/>
+                        </a:spcBef>
+                        <a:spcAft>
+                          <a:spcPts val="0"/>
+                        </a:spcAft>
+                        <a:buNone/>
+                      </a:pPr>
+                      <a:r>
+                        <a:rPr lang="en" sz="1800" b="1" dirty="0"/>
+                        <a:t>Test Case</a:t>
+                      </a:r>
+                      <a:endParaRPr sz="1800" b="1" dirty="0"/>
+                    </a:p>
+                  </a:txBody>
+                  <a:tcPr marL="91425" marR="91425" marT="91425" marB="91425">
+                    <a:solidFill>
+                      <a:srgbClr val="CCCCCC"/>
+                    </a:solidFill>
+                  </a:tcPr>
+                </a:tc>
+                <a:tc>
+                  <a:txBody>
+                    <a:bodyPr/>
+                    <a:lstStyle/>
+                    <a:p>
+                      <a:pPr marL="0" lvl="0" indent="0" algn="l" rtl="0">
+                        <a:spcBef>
+                          <a:spcPts val="0"/>
+                        </a:spcBef>
+                        <a:spcAft>
+                          <a:spcPts val="0"/>
+                        </a:spcAft>
+                        <a:buNone/>
+                      </a:pPr>
+                      <a:r>
+                        <a:rPr lang="en" sz="1800" b="1"/>
+                        <a:t>Expected Values</a:t>
+                      </a:r>
+                      <a:endParaRPr sz="1800" b="1"/>
+                    </a:p>
+                  </a:txBody>
+                  <a:tcPr marL="91425" marR="91425" marT="91425" marB="91425">
+                    <a:solidFill>
+                      <a:srgbClr val="CCCCCC"/>
+                    </a:solidFill>
+                  </a:tcPr>
+                </a:tc>
+                <a:extLst>
+                  <a:ext uri="{0D108BD9-81ED-4DB2-BD59-A6C34878D82A}">
+                    <a16:rowId xmlns:a16="http://schemas.microsoft.com/office/drawing/2014/main" val="10000"/>
+                  </a:ext>
+                </a:extLst>
+              </a:tr>
+              <a:tr h="396200">
+                <a:tc>
+                  <a:txBody>
+                    <a:bodyPr/>
+                    <a:lstStyle/>
+                    <a:p>
+                      <a:pPr marL="0" lvl="0" indent="0" algn="l" rtl="0">
+                        <a:spcBef>
+                          <a:spcPts val="0"/>
+                        </a:spcBef>
+                        <a:spcAft>
+                          <a:spcPts val="0"/>
+                        </a:spcAft>
+                        <a:buNone/>
+                      </a:pPr>
+                      <a:r>
+                        <a:rPr lang="en-NZ" sz="1300" dirty="0"/>
+                        <a:t>W</a:t>
+                      </a:r>
+                    </a:p>
+                    <a:p>
+                      <a:pPr marL="0" lvl="0" indent="0" algn="l" rtl="0">
+                        <a:spcBef>
+                          <a:spcPts val="0"/>
+                        </a:spcBef>
+                        <a:spcAft>
+                          <a:spcPts val="0"/>
+                        </a:spcAft>
+                        <a:buNone/>
+                      </a:pPr>
+                      <a:r>
+                        <a:rPr lang="en-NZ" sz="1300" dirty="0"/>
+                        <a:t>%</a:t>
+                      </a:r>
+                    </a:p>
+                    <a:p>
+                      <a:pPr marL="0" lvl="0" indent="0" algn="l" rtl="0">
+                        <a:spcBef>
+                          <a:spcPts val="0"/>
+                        </a:spcBef>
+                        <a:spcAft>
+                          <a:spcPts val="0"/>
+                        </a:spcAft>
+                        <a:buNone/>
+                      </a:pPr>
+                      <a:r>
+                        <a:rPr lang="en-NZ" sz="1300" dirty="0"/>
+                        <a:t>Space</a:t>
+                      </a:r>
+                    </a:p>
+                    <a:p>
+                      <a:pPr marL="0" lvl="0" indent="0" algn="l" rtl="0">
+                        <a:spcBef>
+                          <a:spcPts val="0"/>
+                        </a:spcBef>
+                        <a:spcAft>
+                          <a:spcPts val="0"/>
+                        </a:spcAft>
+                        <a:buNone/>
+                      </a:pPr>
+                      <a:r>
+                        <a:rPr lang="en-NZ" sz="1300" dirty="0"/>
+                        <a:t>7</a:t>
+                      </a:r>
+                    </a:p>
+                    <a:p>
+                      <a:pPr marL="0" lvl="0" indent="0" algn="l" rtl="0">
+                        <a:spcBef>
+                          <a:spcPts val="0"/>
+                        </a:spcBef>
+                        <a:spcAft>
+                          <a:spcPts val="0"/>
+                        </a:spcAft>
+                        <a:buNone/>
+                      </a:pPr>
+                      <a:r>
+                        <a:rPr lang="en-NZ" sz="1300" dirty="0"/>
+                        <a:t>0</a:t>
+                      </a:r>
+                    </a:p>
+                    <a:p>
+                      <a:pPr marL="0" lvl="0" indent="0" algn="l" rtl="0">
+                        <a:spcBef>
+                          <a:spcPts val="0"/>
+                        </a:spcBef>
+                        <a:spcAft>
+                          <a:spcPts val="0"/>
+                        </a:spcAft>
+                        <a:buNone/>
+                      </a:pPr>
+                      <a:r>
+                        <a:rPr lang="en-NZ" sz="1300" dirty="0"/>
+                        <a:t>4</a:t>
+                      </a:r>
+                    </a:p>
+                  </a:txBody>
+                  <a:tcPr marL="91425" marR="91425" marT="91425" marB="91425"/>
+                </a:tc>
+                <a:tc>
+                  <a:txBody>
+                    <a:bodyPr/>
+                    <a:lstStyle/>
+                    <a:p>
+                      <a:pPr marL="0" lvl="0" indent="0" algn="l" rtl="0">
+                        <a:spcBef>
+                          <a:spcPts val="0"/>
+                        </a:spcBef>
+                        <a:spcAft>
+                          <a:spcPts val="0"/>
+                        </a:spcAft>
+                        <a:buNone/>
+                      </a:pPr>
+                      <a:r>
+                        <a:rPr lang="en-NZ" sz="1300" dirty="0"/>
+                        <a:t>Not a valid number</a:t>
+                      </a:r>
+                    </a:p>
+                    <a:p>
+                      <a:pPr marL="0" lvl="0" indent="0" algn="l" rtl="0">
+                        <a:spcBef>
+                          <a:spcPts val="0"/>
+                        </a:spcBef>
+                        <a:spcAft>
+                          <a:spcPts val="0"/>
+                        </a:spcAft>
+                        <a:buNone/>
+                      </a:pPr>
+                      <a:r>
+                        <a:rPr lang="en-NZ" sz="1300" dirty="0"/>
+                        <a:t>Not a valid number</a:t>
+                      </a:r>
+                    </a:p>
+                    <a:p>
+                      <a:pPr marL="0" lvl="0" indent="0" algn="l" rtl="0">
+                        <a:spcBef>
+                          <a:spcPts val="0"/>
+                        </a:spcBef>
+                        <a:spcAft>
+                          <a:spcPts val="0"/>
+                        </a:spcAft>
+                        <a:buNone/>
+                      </a:pPr>
+                      <a:r>
+                        <a:rPr lang="en-NZ" sz="1300" dirty="0"/>
+                        <a:t>Not a valid number</a:t>
+                      </a:r>
+                    </a:p>
+                    <a:p>
+                      <a:pPr marL="0" lvl="0" indent="0" algn="l" rtl="0">
+                        <a:spcBef>
+                          <a:spcPts val="0"/>
+                        </a:spcBef>
+                        <a:spcAft>
+                          <a:spcPts val="0"/>
+                        </a:spcAft>
+                        <a:buNone/>
+                      </a:pPr>
+                      <a:r>
+                        <a:rPr lang="en-NZ" sz="1300" dirty="0"/>
+                        <a:t>Must be between 1 and 5</a:t>
+                      </a:r>
+                    </a:p>
+                    <a:p>
+                      <a:pPr marL="0" marR="0" lvl="0" indent="0" algn="l" defTabSz="914400" rtl="0" eaLnBrk="1" fontAlgn="auto" latinLnBrk="0" hangingPunct="1">
+                        <a:lnSpc>
+                          <a:spcPct val="100000"/>
+                        </a:lnSpc>
+                        <a:spcBef>
+                          <a:spcPts val="0"/>
+                        </a:spcBef>
+                        <a:spcAft>
+                          <a:spcPts val="0"/>
+                        </a:spcAft>
+                        <a:buClr>
+                          <a:srgbClr val="000000"/>
+                        </a:buClr>
+                        <a:buSzTx/>
+                        <a:buFont typeface="Arial"/>
+                        <a:buNone/>
+                        <a:tabLst/>
+                        <a:defRPr/>
+                      </a:pPr>
+                      <a:r>
+                        <a:rPr lang="en-NZ" sz="1300" dirty="0"/>
+                        <a:t>Must be between 1 and 5</a:t>
+                      </a:r>
+                    </a:p>
+                    <a:p>
+                      <a:pPr marL="0" lvl="0" indent="0" algn="l" rtl="0">
+                        <a:spcBef>
+                          <a:spcPts val="0"/>
+                        </a:spcBef>
+                        <a:spcAft>
+                          <a:spcPts val="0"/>
+                        </a:spcAft>
+                        <a:buNone/>
+                      </a:pPr>
+                      <a:r>
+                        <a:rPr lang="en-NZ" sz="1300" dirty="0"/>
+                        <a:t>Accepted continues to order</a:t>
+                      </a:r>
+                      <a:endParaRPr sz="1300" dirty="0"/>
+                    </a:p>
+                  </a:txBody>
+                  <a:tcPr marL="91425" marR="91425" marT="91425" marB="91425"/>
+                </a:tc>
+                <a:extLst>
+                  <a:ext uri="{0D108BD9-81ED-4DB2-BD59-A6C34878D82A}">
+                    <a16:rowId xmlns:a16="http://schemas.microsoft.com/office/drawing/2014/main" val="10001"/>
+                  </a:ext>
+                </a:extLst>
+              </a:tr>
+            </a:tbl>
+          </a:graphicData>
+        </a:graphic>
+      </p:graphicFrame>
+      <p:pic>
+        <p:nvPicPr>
+          <p:cNvPr id="3" name="Picture 2">
+            <a:extLst>
+              <a:ext uri="{FF2B5EF4-FFF2-40B4-BE49-F238E27FC236}">
+                <a16:creationId xmlns:a16="http://schemas.microsoft.com/office/drawing/2014/main" id="{A32BC27C-5607-4A6C-9894-334C28A8D0CC}"/>
+              </a:ext>
+            </a:extLst>
+          </p:cNvPr>
+          <p:cNvPicPr>
+            <a:picLocks noChangeAspect="1"/>
+          </p:cNvPicPr>
+          <p:nvPr/>
+        </p:nvPicPr>
+        <p:blipFill>
+          <a:blip r:embed="rId3"/>
+          <a:stretch>
+            <a:fillRect/>
+          </a:stretch>
+        </p:blipFill>
+        <p:spPr>
+          <a:xfrm>
+            <a:off x="122107" y="770424"/>
+            <a:ext cx="4806230" cy="1801326"/>
+          </a:xfrm>
+          <a:prstGeom prst="rect">
+            <a:avLst/>
+          </a:prstGeom>
+        </p:spPr>
+      </p:pic>
+      <p:pic>
+        <p:nvPicPr>
+          <p:cNvPr id="9" name="Picture 8">
+            <a:extLst>
+              <a:ext uri="{FF2B5EF4-FFF2-40B4-BE49-F238E27FC236}">
+                <a16:creationId xmlns:a16="http://schemas.microsoft.com/office/drawing/2014/main" id="{A3355BBD-AA9C-4412-990F-0BF75020069C}"/>
+              </a:ext>
+            </a:extLst>
+          </p:cNvPr>
+          <p:cNvPicPr>
+            <a:picLocks noChangeAspect="1"/>
+          </p:cNvPicPr>
+          <p:nvPr/>
+        </p:nvPicPr>
+        <p:blipFill>
+          <a:blip r:embed="rId4"/>
+          <a:stretch>
+            <a:fillRect/>
+          </a:stretch>
+        </p:blipFill>
+        <p:spPr>
+          <a:xfrm>
+            <a:off x="5189220" y="403715"/>
+            <a:ext cx="3702185" cy="2343889"/>
+          </a:xfrm>
+          <a:prstGeom prst="rect">
+            <a:avLst/>
+          </a:prstGeom>
+        </p:spPr>
+      </p:pic>
+    </p:spTree>
+    <p:extLst>
+      <p:ext uri="{BB962C8B-B14F-4D97-AF65-F5344CB8AC3E}">
+        <p14:creationId xmlns:p14="http://schemas.microsoft.com/office/powerpoint/2010/main" val="1200876533"/>
+      </p:ext>
+    </p:extLst>
   </p:cSld>
   <p:clrMapOvr>
     <a:masterClrMapping/>
@@ -18334,6 +20313,1678 @@
           </a:prstGeom>
         </p:spPr>
       </p:pic>
+    </p:spTree>
+  </p:cSld>
+  <p:clrMapOvr>
+    <a:masterClrMapping/>
+  </p:clrMapOvr>
+</p:sld>
+</file>
+
+<file path=ppt/slides/slide40.xml><?xml version="1.0" encoding="utf-8"?>
+<p:sld xmlns:a="http://schemas.openxmlformats.org/drawingml/2006/main" xmlns:r="http://schemas.openxmlformats.org/officeDocument/2006/relationships" xmlns:p="http://schemas.openxmlformats.org/presentationml/2006/main">
+  <p:cSld>
+    <p:spTree>
+      <p:nvGrpSpPr>
+        <p:cNvPr id="1" name="Shape 77"/>
+        <p:cNvGrpSpPr/>
+        <p:nvPr/>
+      </p:nvGrpSpPr>
+      <p:grpSpPr>
+        <a:xfrm>
+          <a:off x="0" y="0"/>
+          <a:ext cx="0" cy="0"/>
+          <a:chOff x="0" y="0"/>
+          <a:chExt cx="0" cy="0"/>
+        </a:xfrm>
+      </p:grpSpPr>
+      <p:sp>
+        <p:nvSpPr>
+          <p:cNvPr id="78" name="Google Shape;78;p17"/>
+          <p:cNvSpPr txBox="1">
+            <a:spLocks noGrp="1"/>
+          </p:cNvSpPr>
+          <p:nvPr>
+            <p:ph type="title"/>
+          </p:nvPr>
+        </p:nvSpPr>
+        <p:spPr>
+          <a:xfrm>
+            <a:off x="311700" y="117365"/>
+            <a:ext cx="8520600" cy="572700"/>
+          </a:xfrm>
+          <a:prstGeom prst="rect">
+            <a:avLst/>
+          </a:prstGeom>
+        </p:spPr>
+        <p:txBody>
+          <a:bodyPr spcFirstLastPara="1" wrap="square" lIns="91425" tIns="91425" rIns="91425" bIns="91425" anchor="t" anchorCtr="0">
+            <a:noAutofit/>
+          </a:bodyPr>
+          <a:lstStyle/>
+          <a:p>
+            <a:pPr marL="0" lvl="0" indent="0" algn="l" rtl="0">
+              <a:spcBef>
+                <a:spcPts val="0"/>
+              </a:spcBef>
+              <a:spcAft>
+                <a:spcPts val="0"/>
+              </a:spcAft>
+              <a:buNone/>
+            </a:pPr>
+            <a:r>
+              <a:rPr lang="en" sz="2400" dirty="0"/>
+              <a:t>Component 6 Pizza Order	v3</a:t>
+            </a:r>
+            <a:endParaRPr sz="2400" dirty="0"/>
+          </a:p>
+        </p:txBody>
+      </p:sp>
+      <p:graphicFrame>
+        <p:nvGraphicFramePr>
+          <p:cNvPr id="79" name="Google Shape;79;p17"/>
+          <p:cNvGraphicFramePr/>
+          <p:nvPr/>
+        </p:nvGraphicFramePr>
+        <p:xfrm>
+          <a:off x="311700" y="3197395"/>
+          <a:ext cx="8520600" cy="1828740"/>
+        </p:xfrm>
+        <a:graphic>
+          <a:graphicData uri="http://schemas.openxmlformats.org/drawingml/2006/table">
+            <a:tbl>
+              <a:tblPr>
+                <a:noFill/>
+                <a:tableStyleId>{E1099E06-0E6B-448D-9D27-60429F06E6F4}</a:tableStyleId>
+              </a:tblPr>
+              <a:tblGrid>
+                <a:gridCol w="4260300">
+                  <a:extLst>
+                    <a:ext uri="{9D8B030D-6E8A-4147-A177-3AD203B41FA5}">
+                      <a16:colId xmlns:a16="http://schemas.microsoft.com/office/drawing/2014/main" val="20000"/>
+                    </a:ext>
+                  </a:extLst>
+                </a:gridCol>
+                <a:gridCol w="4260300">
+                  <a:extLst>
+                    <a:ext uri="{9D8B030D-6E8A-4147-A177-3AD203B41FA5}">
+                      <a16:colId xmlns:a16="http://schemas.microsoft.com/office/drawing/2014/main" val="20001"/>
+                    </a:ext>
+                  </a:extLst>
+                </a:gridCol>
+              </a:tblGrid>
+              <a:tr h="381000">
+                <a:tc>
+                  <a:txBody>
+                    <a:bodyPr/>
+                    <a:lstStyle/>
+                    <a:p>
+                      <a:pPr marL="0" lvl="0" indent="0" algn="l" rtl="0">
+                        <a:spcBef>
+                          <a:spcPts val="0"/>
+                        </a:spcBef>
+                        <a:spcAft>
+                          <a:spcPts val="0"/>
+                        </a:spcAft>
+                        <a:buNone/>
+                      </a:pPr>
+                      <a:r>
+                        <a:rPr lang="en" sz="1800" b="1" dirty="0"/>
+                        <a:t>Test Case</a:t>
+                      </a:r>
+                      <a:endParaRPr sz="1800" b="1" dirty="0"/>
+                    </a:p>
+                  </a:txBody>
+                  <a:tcPr marL="91425" marR="91425" marT="91425" marB="91425">
+                    <a:solidFill>
+                      <a:srgbClr val="CCCCCC"/>
+                    </a:solidFill>
+                  </a:tcPr>
+                </a:tc>
+                <a:tc>
+                  <a:txBody>
+                    <a:bodyPr/>
+                    <a:lstStyle/>
+                    <a:p>
+                      <a:pPr marL="0" lvl="0" indent="0" algn="l" rtl="0">
+                        <a:spcBef>
+                          <a:spcPts val="0"/>
+                        </a:spcBef>
+                        <a:spcAft>
+                          <a:spcPts val="0"/>
+                        </a:spcAft>
+                        <a:buNone/>
+                      </a:pPr>
+                      <a:r>
+                        <a:rPr lang="en" sz="1800" b="1"/>
+                        <a:t>Expected Values</a:t>
+                      </a:r>
+                      <a:endParaRPr sz="1800" b="1"/>
+                    </a:p>
+                  </a:txBody>
+                  <a:tcPr marL="91425" marR="91425" marT="91425" marB="91425">
+                    <a:solidFill>
+                      <a:srgbClr val="CCCCCC"/>
+                    </a:solidFill>
+                  </a:tcPr>
+                </a:tc>
+                <a:extLst>
+                  <a:ext uri="{0D108BD9-81ED-4DB2-BD59-A6C34878D82A}">
+                    <a16:rowId xmlns:a16="http://schemas.microsoft.com/office/drawing/2014/main" val="10000"/>
+                  </a:ext>
+                </a:extLst>
+              </a:tr>
+              <a:tr h="396200">
+                <a:tc>
+                  <a:txBody>
+                    <a:bodyPr/>
+                    <a:lstStyle/>
+                    <a:p>
+                      <a:pPr marL="0" lvl="0" indent="0" algn="l" rtl="0">
+                        <a:spcBef>
+                          <a:spcPts val="0"/>
+                        </a:spcBef>
+                        <a:spcAft>
+                          <a:spcPts val="0"/>
+                        </a:spcAft>
+                        <a:buNone/>
+                      </a:pPr>
+                      <a:r>
+                        <a:rPr lang="en-NZ" sz="1300" dirty="0"/>
+                        <a:t>W</a:t>
+                      </a:r>
+                    </a:p>
+                    <a:p>
+                      <a:pPr marL="0" lvl="0" indent="0" algn="l" rtl="0">
+                        <a:spcBef>
+                          <a:spcPts val="0"/>
+                        </a:spcBef>
+                        <a:spcAft>
+                          <a:spcPts val="0"/>
+                        </a:spcAft>
+                        <a:buNone/>
+                      </a:pPr>
+                      <a:r>
+                        <a:rPr lang="en-NZ" sz="1300" dirty="0"/>
+                        <a:t>%</a:t>
+                      </a:r>
+                    </a:p>
+                    <a:p>
+                      <a:pPr marL="0" lvl="0" indent="0" algn="l" rtl="0">
+                        <a:spcBef>
+                          <a:spcPts val="0"/>
+                        </a:spcBef>
+                        <a:spcAft>
+                          <a:spcPts val="0"/>
+                        </a:spcAft>
+                        <a:buNone/>
+                      </a:pPr>
+                      <a:r>
+                        <a:rPr lang="en-NZ" sz="1300" dirty="0"/>
+                        <a:t>Space</a:t>
+                      </a:r>
+                    </a:p>
+                    <a:p>
+                      <a:pPr marL="0" lvl="0" indent="0" algn="l" rtl="0">
+                        <a:spcBef>
+                          <a:spcPts val="0"/>
+                        </a:spcBef>
+                        <a:spcAft>
+                          <a:spcPts val="0"/>
+                        </a:spcAft>
+                        <a:buNone/>
+                      </a:pPr>
+                      <a:r>
+                        <a:rPr lang="en-NZ" sz="1300" dirty="0"/>
+                        <a:t>7</a:t>
+                      </a:r>
+                    </a:p>
+                    <a:p>
+                      <a:pPr marL="0" lvl="0" indent="0" algn="l" rtl="0">
+                        <a:spcBef>
+                          <a:spcPts val="0"/>
+                        </a:spcBef>
+                        <a:spcAft>
+                          <a:spcPts val="0"/>
+                        </a:spcAft>
+                        <a:buNone/>
+                      </a:pPr>
+                      <a:r>
+                        <a:rPr lang="en-NZ" sz="1300" dirty="0"/>
+                        <a:t>0</a:t>
+                      </a:r>
+                    </a:p>
+                    <a:p>
+                      <a:pPr marL="0" lvl="0" indent="0" algn="l" rtl="0">
+                        <a:spcBef>
+                          <a:spcPts val="0"/>
+                        </a:spcBef>
+                        <a:spcAft>
+                          <a:spcPts val="0"/>
+                        </a:spcAft>
+                        <a:buNone/>
+                      </a:pPr>
+                      <a:r>
+                        <a:rPr lang="en-NZ" sz="1300" dirty="0"/>
+                        <a:t>4</a:t>
+                      </a:r>
+                    </a:p>
+                  </a:txBody>
+                  <a:tcPr marL="91425" marR="91425" marT="91425" marB="91425"/>
+                </a:tc>
+                <a:tc>
+                  <a:txBody>
+                    <a:bodyPr/>
+                    <a:lstStyle/>
+                    <a:p>
+                      <a:pPr marL="0" lvl="0" indent="0" algn="l" rtl="0">
+                        <a:spcBef>
+                          <a:spcPts val="0"/>
+                        </a:spcBef>
+                        <a:spcAft>
+                          <a:spcPts val="0"/>
+                        </a:spcAft>
+                        <a:buNone/>
+                      </a:pPr>
+                      <a:r>
+                        <a:rPr lang="en-NZ" sz="1300" dirty="0"/>
+                        <a:t>Not a valid number</a:t>
+                      </a:r>
+                    </a:p>
+                    <a:p>
+                      <a:pPr marL="0" lvl="0" indent="0" algn="l" rtl="0">
+                        <a:spcBef>
+                          <a:spcPts val="0"/>
+                        </a:spcBef>
+                        <a:spcAft>
+                          <a:spcPts val="0"/>
+                        </a:spcAft>
+                        <a:buNone/>
+                      </a:pPr>
+                      <a:r>
+                        <a:rPr lang="en-NZ" sz="1300" dirty="0"/>
+                        <a:t>Not a valid number</a:t>
+                      </a:r>
+                    </a:p>
+                    <a:p>
+                      <a:pPr marL="0" lvl="0" indent="0" algn="l" rtl="0">
+                        <a:spcBef>
+                          <a:spcPts val="0"/>
+                        </a:spcBef>
+                        <a:spcAft>
+                          <a:spcPts val="0"/>
+                        </a:spcAft>
+                        <a:buNone/>
+                      </a:pPr>
+                      <a:r>
+                        <a:rPr lang="en-NZ" sz="1300" dirty="0"/>
+                        <a:t>Not a valid number</a:t>
+                      </a:r>
+                    </a:p>
+                    <a:p>
+                      <a:pPr marL="0" lvl="0" indent="0" algn="l" rtl="0">
+                        <a:spcBef>
+                          <a:spcPts val="0"/>
+                        </a:spcBef>
+                        <a:spcAft>
+                          <a:spcPts val="0"/>
+                        </a:spcAft>
+                        <a:buNone/>
+                      </a:pPr>
+                      <a:r>
+                        <a:rPr lang="en-NZ" sz="1300" dirty="0"/>
+                        <a:t>Must be between 1 and 5</a:t>
+                      </a:r>
+                    </a:p>
+                    <a:p>
+                      <a:pPr marL="0" marR="0" lvl="0" indent="0" algn="l" defTabSz="914400" rtl="0" eaLnBrk="1" fontAlgn="auto" latinLnBrk="0" hangingPunct="1">
+                        <a:lnSpc>
+                          <a:spcPct val="100000"/>
+                        </a:lnSpc>
+                        <a:spcBef>
+                          <a:spcPts val="0"/>
+                        </a:spcBef>
+                        <a:spcAft>
+                          <a:spcPts val="0"/>
+                        </a:spcAft>
+                        <a:buClr>
+                          <a:srgbClr val="000000"/>
+                        </a:buClr>
+                        <a:buSzTx/>
+                        <a:buFont typeface="Arial"/>
+                        <a:buNone/>
+                        <a:tabLst/>
+                        <a:defRPr/>
+                      </a:pPr>
+                      <a:r>
+                        <a:rPr lang="en-NZ" sz="1300" dirty="0"/>
+                        <a:t>Must be between 1 and 5</a:t>
+                      </a:r>
+                    </a:p>
+                    <a:p>
+                      <a:pPr marL="0" lvl="0" indent="0" algn="l" rtl="0">
+                        <a:spcBef>
+                          <a:spcPts val="0"/>
+                        </a:spcBef>
+                        <a:spcAft>
+                          <a:spcPts val="0"/>
+                        </a:spcAft>
+                        <a:buNone/>
+                      </a:pPr>
+                      <a:r>
+                        <a:rPr lang="en-NZ" sz="1300" dirty="0"/>
+                        <a:t>Accepted continues to order</a:t>
+                      </a:r>
+                      <a:endParaRPr sz="1300" dirty="0"/>
+                    </a:p>
+                  </a:txBody>
+                  <a:tcPr marL="91425" marR="91425" marT="91425" marB="91425"/>
+                </a:tc>
+                <a:extLst>
+                  <a:ext uri="{0D108BD9-81ED-4DB2-BD59-A6C34878D82A}">
+                    <a16:rowId xmlns:a16="http://schemas.microsoft.com/office/drawing/2014/main" val="10001"/>
+                  </a:ext>
+                </a:extLst>
+              </a:tr>
+            </a:tbl>
+          </a:graphicData>
+        </a:graphic>
+      </p:graphicFrame>
+    </p:spTree>
+    <p:extLst>
+      <p:ext uri="{BB962C8B-B14F-4D97-AF65-F5344CB8AC3E}">
+        <p14:creationId xmlns:p14="http://schemas.microsoft.com/office/powerpoint/2010/main" val="3149223107"/>
+      </p:ext>
+    </p:extLst>
+  </p:cSld>
+  <p:clrMapOvr>
+    <a:masterClrMapping/>
+  </p:clrMapOvr>
+</p:sld>
+</file>
+
+<file path=ppt/slides/slide41.xml><?xml version="1.0" encoding="utf-8"?>
+<p:sld xmlns:a="http://schemas.openxmlformats.org/drawingml/2006/main" xmlns:r="http://schemas.openxmlformats.org/officeDocument/2006/relationships" xmlns:p="http://schemas.openxmlformats.org/presentationml/2006/main">
+  <p:cSld>
+    <p:spTree>
+      <p:nvGrpSpPr>
+        <p:cNvPr id="1" name="Shape 72"/>
+        <p:cNvGrpSpPr/>
+        <p:nvPr/>
+      </p:nvGrpSpPr>
+      <p:grpSpPr>
+        <a:xfrm>
+          <a:off x="0" y="0"/>
+          <a:ext cx="0" cy="0"/>
+          <a:chOff x="0" y="0"/>
+          <a:chExt cx="0" cy="0"/>
+        </a:xfrm>
+      </p:grpSpPr>
+      <p:sp>
+        <p:nvSpPr>
+          <p:cNvPr id="73" name="Google Shape;73;p16"/>
+          <p:cNvSpPr txBox="1">
+            <a:spLocks noGrp="1"/>
+          </p:cNvSpPr>
+          <p:nvPr>
+            <p:ph type="title"/>
+          </p:nvPr>
+        </p:nvSpPr>
+        <p:spPr>
+          <a:xfrm>
+            <a:off x="311700" y="445025"/>
+            <a:ext cx="8520600" cy="572700"/>
+          </a:xfrm>
+          <a:prstGeom prst="rect">
+            <a:avLst/>
+          </a:prstGeom>
+        </p:spPr>
+        <p:txBody>
+          <a:bodyPr spcFirstLastPara="1" wrap="square" lIns="91425" tIns="91425" rIns="91425" bIns="91425" anchor="t" anchorCtr="0">
+            <a:noAutofit/>
+          </a:bodyPr>
+          <a:lstStyle/>
+          <a:p>
+            <a:pPr marL="0" lvl="0" indent="0" algn="l" rtl="0">
+              <a:spcBef>
+                <a:spcPts val="0"/>
+              </a:spcBef>
+              <a:spcAft>
+                <a:spcPts val="0"/>
+              </a:spcAft>
+              <a:buNone/>
+            </a:pPr>
+            <a:r>
+              <a:rPr lang="en" dirty="0"/>
+              <a:t>Component 6 Pizza Order v3 (Trello screenshot)</a:t>
+            </a:r>
+            <a:endParaRPr dirty="0"/>
+          </a:p>
+        </p:txBody>
+      </p:sp>
+      <p:pic>
+        <p:nvPicPr>
+          <p:cNvPr id="4" name="Picture 3">
+            <a:extLst>
+              <a:ext uri="{FF2B5EF4-FFF2-40B4-BE49-F238E27FC236}">
+                <a16:creationId xmlns:a16="http://schemas.microsoft.com/office/drawing/2014/main" id="{444BC511-9C83-44A6-92D3-1C4447692345}"/>
+              </a:ext>
+            </a:extLst>
+          </p:cNvPr>
+          <p:cNvPicPr>
+            <a:picLocks noChangeAspect="1"/>
+          </p:cNvPicPr>
+          <p:nvPr/>
+        </p:nvPicPr>
+        <p:blipFill>
+          <a:blip r:embed="rId3"/>
+          <a:stretch>
+            <a:fillRect/>
+          </a:stretch>
+        </p:blipFill>
+        <p:spPr>
+          <a:xfrm>
+            <a:off x="2095500" y="1127198"/>
+            <a:ext cx="4953000" cy="3728313"/>
+          </a:xfrm>
+          <a:prstGeom prst="rect">
+            <a:avLst/>
+          </a:prstGeom>
+        </p:spPr>
+      </p:pic>
+    </p:spTree>
+    <p:extLst>
+      <p:ext uri="{BB962C8B-B14F-4D97-AF65-F5344CB8AC3E}">
+        <p14:creationId xmlns:p14="http://schemas.microsoft.com/office/powerpoint/2010/main" val="533899205"/>
+      </p:ext>
+    </p:extLst>
+  </p:cSld>
+  <p:clrMapOvr>
+    <a:masterClrMapping/>
+  </p:clrMapOvr>
+</p:sld>
+</file>
+
+<file path=ppt/slides/slide42.xml><?xml version="1.0" encoding="utf-8"?>
+<p:sld xmlns:a="http://schemas.openxmlformats.org/drawingml/2006/main" xmlns:r="http://schemas.openxmlformats.org/officeDocument/2006/relationships" xmlns:p="http://schemas.openxmlformats.org/presentationml/2006/main">
+  <p:cSld>
+    <p:spTree>
+      <p:nvGrpSpPr>
+        <p:cNvPr id="1" name="Shape 77"/>
+        <p:cNvGrpSpPr/>
+        <p:nvPr/>
+      </p:nvGrpSpPr>
+      <p:grpSpPr>
+        <a:xfrm>
+          <a:off x="0" y="0"/>
+          <a:ext cx="0" cy="0"/>
+          <a:chOff x="0" y="0"/>
+          <a:chExt cx="0" cy="0"/>
+        </a:xfrm>
+      </p:grpSpPr>
+      <p:sp>
+        <p:nvSpPr>
+          <p:cNvPr id="78" name="Google Shape;78;p17"/>
+          <p:cNvSpPr txBox="1">
+            <a:spLocks noGrp="1"/>
+          </p:cNvSpPr>
+          <p:nvPr>
+            <p:ph type="title"/>
+          </p:nvPr>
+        </p:nvSpPr>
+        <p:spPr>
+          <a:xfrm>
+            <a:off x="311700" y="117365"/>
+            <a:ext cx="8520600" cy="572700"/>
+          </a:xfrm>
+          <a:prstGeom prst="rect">
+            <a:avLst/>
+          </a:prstGeom>
+        </p:spPr>
+        <p:txBody>
+          <a:bodyPr spcFirstLastPara="1" wrap="square" lIns="91425" tIns="91425" rIns="91425" bIns="91425" anchor="t" anchorCtr="0">
+            <a:noAutofit/>
+          </a:bodyPr>
+          <a:lstStyle/>
+          <a:p>
+            <a:pPr marL="0" lvl="0" indent="0" algn="l" rtl="0">
+              <a:spcBef>
+                <a:spcPts val="0"/>
+              </a:spcBef>
+              <a:spcAft>
+                <a:spcPts val="0"/>
+              </a:spcAft>
+              <a:buNone/>
+            </a:pPr>
+            <a:r>
+              <a:rPr lang="en" sz="2400" dirty="0"/>
+              <a:t>Component 6 Pizza Order	v4</a:t>
+            </a:r>
+            <a:endParaRPr sz="2400" dirty="0"/>
+          </a:p>
+        </p:txBody>
+      </p:sp>
+      <p:graphicFrame>
+        <p:nvGraphicFramePr>
+          <p:cNvPr id="79" name="Google Shape;79;p17"/>
+          <p:cNvGraphicFramePr/>
+          <p:nvPr>
+            <p:extLst>
+              <p:ext uri="{D42A27DB-BD31-4B8C-83A1-F6EECF244321}">
+                <p14:modId xmlns:p14="http://schemas.microsoft.com/office/powerpoint/2010/main" val="4208603992"/>
+              </p:ext>
+            </p:extLst>
+          </p:nvPr>
+        </p:nvGraphicFramePr>
+        <p:xfrm>
+          <a:off x="311700" y="2923075"/>
+          <a:ext cx="8520600" cy="2103060"/>
+        </p:xfrm>
+        <a:graphic>
+          <a:graphicData uri="http://schemas.openxmlformats.org/drawingml/2006/table">
+            <a:tbl>
+              <a:tblPr>
+                <a:noFill/>
+                <a:tableStyleId>{E1099E06-0E6B-448D-9D27-60429F06E6F4}</a:tableStyleId>
+              </a:tblPr>
+              <a:tblGrid>
+                <a:gridCol w="4260300">
+                  <a:extLst>
+                    <a:ext uri="{9D8B030D-6E8A-4147-A177-3AD203B41FA5}">
+                      <a16:colId xmlns:a16="http://schemas.microsoft.com/office/drawing/2014/main" val="20000"/>
+                    </a:ext>
+                  </a:extLst>
+                </a:gridCol>
+                <a:gridCol w="4260300">
+                  <a:extLst>
+                    <a:ext uri="{9D8B030D-6E8A-4147-A177-3AD203B41FA5}">
+                      <a16:colId xmlns:a16="http://schemas.microsoft.com/office/drawing/2014/main" val="20001"/>
+                    </a:ext>
+                  </a:extLst>
+                </a:gridCol>
+              </a:tblGrid>
+              <a:tr h="381000">
+                <a:tc>
+                  <a:txBody>
+                    <a:bodyPr/>
+                    <a:lstStyle/>
+                    <a:p>
+                      <a:pPr marL="0" lvl="0" indent="0" algn="l" rtl="0">
+                        <a:spcBef>
+                          <a:spcPts val="0"/>
+                        </a:spcBef>
+                        <a:spcAft>
+                          <a:spcPts val="0"/>
+                        </a:spcAft>
+                        <a:buNone/>
+                      </a:pPr>
+                      <a:r>
+                        <a:rPr lang="en" sz="1800" b="1" dirty="0"/>
+                        <a:t>Test Case – picking pizza number from menu</a:t>
+                      </a:r>
+                      <a:endParaRPr sz="1800" b="1" dirty="0"/>
+                    </a:p>
+                  </a:txBody>
+                  <a:tcPr marL="91425" marR="91425" marT="91425" marB="91425">
+                    <a:solidFill>
+                      <a:srgbClr val="CCCCCC"/>
+                    </a:solidFill>
+                  </a:tcPr>
+                </a:tc>
+                <a:tc>
+                  <a:txBody>
+                    <a:bodyPr/>
+                    <a:lstStyle/>
+                    <a:p>
+                      <a:pPr marL="0" lvl="0" indent="0" algn="l" rtl="0">
+                        <a:spcBef>
+                          <a:spcPts val="0"/>
+                        </a:spcBef>
+                        <a:spcAft>
+                          <a:spcPts val="0"/>
+                        </a:spcAft>
+                        <a:buNone/>
+                      </a:pPr>
+                      <a:r>
+                        <a:rPr lang="en" sz="1800" b="1"/>
+                        <a:t>Expected Values</a:t>
+                      </a:r>
+                      <a:endParaRPr sz="1800" b="1"/>
+                    </a:p>
+                  </a:txBody>
+                  <a:tcPr marL="91425" marR="91425" marT="91425" marB="91425">
+                    <a:solidFill>
+                      <a:srgbClr val="CCCCCC"/>
+                    </a:solidFill>
+                  </a:tcPr>
+                </a:tc>
+                <a:extLst>
+                  <a:ext uri="{0D108BD9-81ED-4DB2-BD59-A6C34878D82A}">
+                    <a16:rowId xmlns:a16="http://schemas.microsoft.com/office/drawing/2014/main" val="10000"/>
+                  </a:ext>
+                </a:extLst>
+              </a:tr>
+              <a:tr h="396200">
+                <a:tc>
+                  <a:txBody>
+                    <a:bodyPr/>
+                    <a:lstStyle/>
+                    <a:p>
+                      <a:pPr marL="0" lvl="0" indent="0" algn="l" rtl="0">
+                        <a:spcBef>
+                          <a:spcPts val="0"/>
+                        </a:spcBef>
+                        <a:spcAft>
+                          <a:spcPts val="0"/>
+                        </a:spcAft>
+                        <a:buNone/>
+                      </a:pPr>
+                      <a:r>
+                        <a:rPr lang="en-NZ" sz="1300" dirty="0"/>
+                        <a:t>W</a:t>
+                      </a:r>
+                    </a:p>
+                    <a:p>
+                      <a:pPr marL="0" lvl="0" indent="0" algn="l" rtl="0">
+                        <a:spcBef>
+                          <a:spcPts val="0"/>
+                        </a:spcBef>
+                        <a:spcAft>
+                          <a:spcPts val="0"/>
+                        </a:spcAft>
+                        <a:buNone/>
+                      </a:pPr>
+                      <a:r>
+                        <a:rPr lang="en-NZ" sz="1300" dirty="0"/>
+                        <a:t>%</a:t>
+                      </a:r>
+                    </a:p>
+                    <a:p>
+                      <a:pPr marL="0" lvl="0" indent="0" algn="l" rtl="0">
+                        <a:spcBef>
+                          <a:spcPts val="0"/>
+                        </a:spcBef>
+                        <a:spcAft>
+                          <a:spcPts val="0"/>
+                        </a:spcAft>
+                        <a:buNone/>
+                      </a:pPr>
+                      <a:r>
+                        <a:rPr lang="en-NZ" sz="1300" dirty="0"/>
+                        <a:t>Space</a:t>
+                      </a:r>
+                    </a:p>
+                    <a:p>
+                      <a:pPr marL="0" lvl="0" indent="0" algn="l" rtl="0">
+                        <a:spcBef>
+                          <a:spcPts val="0"/>
+                        </a:spcBef>
+                        <a:spcAft>
+                          <a:spcPts val="0"/>
+                        </a:spcAft>
+                        <a:buNone/>
+                      </a:pPr>
+                      <a:r>
+                        <a:rPr lang="en-NZ" sz="1300" dirty="0"/>
+                        <a:t>7</a:t>
+                      </a:r>
+                    </a:p>
+                    <a:p>
+                      <a:pPr marL="0" lvl="0" indent="0" algn="l" rtl="0">
+                        <a:spcBef>
+                          <a:spcPts val="0"/>
+                        </a:spcBef>
+                        <a:spcAft>
+                          <a:spcPts val="0"/>
+                        </a:spcAft>
+                        <a:buNone/>
+                      </a:pPr>
+                      <a:r>
+                        <a:rPr lang="en-NZ" sz="1300" dirty="0"/>
+                        <a:t>0</a:t>
+                      </a:r>
+                    </a:p>
+                    <a:p>
+                      <a:pPr marL="0" lvl="0" indent="0" algn="l" rtl="0">
+                        <a:spcBef>
+                          <a:spcPts val="0"/>
+                        </a:spcBef>
+                        <a:spcAft>
+                          <a:spcPts val="0"/>
+                        </a:spcAft>
+                        <a:buNone/>
+                      </a:pPr>
+                      <a:r>
+                        <a:rPr lang="en-NZ" sz="1300" dirty="0"/>
+                        <a:t>4</a:t>
+                      </a:r>
+                    </a:p>
+                  </a:txBody>
+                  <a:tcPr marL="91425" marR="91425" marT="91425" marB="91425"/>
+                </a:tc>
+                <a:tc>
+                  <a:txBody>
+                    <a:bodyPr/>
+                    <a:lstStyle/>
+                    <a:p>
+                      <a:pPr marL="0" lvl="0" indent="0" algn="l" rtl="0">
+                        <a:spcBef>
+                          <a:spcPts val="0"/>
+                        </a:spcBef>
+                        <a:spcAft>
+                          <a:spcPts val="0"/>
+                        </a:spcAft>
+                        <a:buNone/>
+                      </a:pPr>
+                      <a:r>
+                        <a:rPr lang="en-NZ" sz="1300" dirty="0"/>
+                        <a:t>Not a valid number</a:t>
+                      </a:r>
+                    </a:p>
+                    <a:p>
+                      <a:pPr marL="0" lvl="0" indent="0" algn="l" rtl="0">
+                        <a:spcBef>
+                          <a:spcPts val="0"/>
+                        </a:spcBef>
+                        <a:spcAft>
+                          <a:spcPts val="0"/>
+                        </a:spcAft>
+                        <a:buNone/>
+                      </a:pPr>
+                      <a:r>
+                        <a:rPr lang="en-NZ" sz="1300" dirty="0"/>
+                        <a:t>Not a valid number</a:t>
+                      </a:r>
+                    </a:p>
+                    <a:p>
+                      <a:pPr marL="0" lvl="0" indent="0" algn="l" rtl="0">
+                        <a:spcBef>
+                          <a:spcPts val="0"/>
+                        </a:spcBef>
+                        <a:spcAft>
+                          <a:spcPts val="0"/>
+                        </a:spcAft>
+                        <a:buNone/>
+                      </a:pPr>
+                      <a:r>
+                        <a:rPr lang="en-NZ" sz="1300" dirty="0"/>
+                        <a:t>Not a valid number</a:t>
+                      </a:r>
+                    </a:p>
+                    <a:p>
+                      <a:pPr marL="0" lvl="0" indent="0" algn="l" rtl="0">
+                        <a:spcBef>
+                          <a:spcPts val="0"/>
+                        </a:spcBef>
+                        <a:spcAft>
+                          <a:spcPts val="0"/>
+                        </a:spcAft>
+                        <a:buNone/>
+                      </a:pPr>
+                      <a:r>
+                        <a:rPr lang="en-NZ" sz="1300" dirty="0"/>
+                        <a:t>Must be between 1 and 5</a:t>
+                      </a:r>
+                    </a:p>
+                    <a:p>
+                      <a:pPr marL="0" marR="0" lvl="0" indent="0" algn="l" defTabSz="914400" rtl="0" eaLnBrk="1" fontAlgn="auto" latinLnBrk="0" hangingPunct="1">
+                        <a:lnSpc>
+                          <a:spcPct val="100000"/>
+                        </a:lnSpc>
+                        <a:spcBef>
+                          <a:spcPts val="0"/>
+                        </a:spcBef>
+                        <a:spcAft>
+                          <a:spcPts val="0"/>
+                        </a:spcAft>
+                        <a:buClr>
+                          <a:srgbClr val="000000"/>
+                        </a:buClr>
+                        <a:buSzTx/>
+                        <a:buFont typeface="Arial"/>
+                        <a:buNone/>
+                        <a:tabLst/>
+                        <a:defRPr/>
+                      </a:pPr>
+                      <a:r>
+                        <a:rPr lang="en-NZ" sz="1300" dirty="0"/>
+                        <a:t>Must be between 1 and 5</a:t>
+                      </a:r>
+                    </a:p>
+                    <a:p>
+                      <a:pPr marL="0" lvl="0" indent="0" algn="l" rtl="0">
+                        <a:spcBef>
+                          <a:spcPts val="0"/>
+                        </a:spcBef>
+                        <a:spcAft>
+                          <a:spcPts val="0"/>
+                        </a:spcAft>
+                        <a:buNone/>
+                      </a:pPr>
+                      <a:r>
+                        <a:rPr lang="en-NZ" sz="1300" dirty="0"/>
+                        <a:t>Accepted continues to order</a:t>
+                      </a:r>
+                      <a:endParaRPr sz="1300" dirty="0"/>
+                    </a:p>
+                  </a:txBody>
+                  <a:tcPr marL="91425" marR="91425" marT="91425" marB="91425"/>
+                </a:tc>
+                <a:extLst>
+                  <a:ext uri="{0D108BD9-81ED-4DB2-BD59-A6C34878D82A}">
+                    <a16:rowId xmlns:a16="http://schemas.microsoft.com/office/drawing/2014/main" val="10001"/>
+                  </a:ext>
+                </a:extLst>
+              </a:tr>
+            </a:tbl>
+          </a:graphicData>
+        </a:graphic>
+      </p:graphicFrame>
+      <p:pic>
+        <p:nvPicPr>
+          <p:cNvPr id="3" name="Picture 2">
+            <a:extLst>
+              <a:ext uri="{FF2B5EF4-FFF2-40B4-BE49-F238E27FC236}">
+                <a16:creationId xmlns:a16="http://schemas.microsoft.com/office/drawing/2014/main" id="{B7A55239-EFA8-4175-99E9-D020E51D99B1}"/>
+              </a:ext>
+            </a:extLst>
+          </p:cNvPr>
+          <p:cNvPicPr>
+            <a:picLocks noChangeAspect="1"/>
+          </p:cNvPicPr>
+          <p:nvPr/>
+        </p:nvPicPr>
+        <p:blipFill>
+          <a:blip r:embed="rId3"/>
+          <a:stretch>
+            <a:fillRect/>
+          </a:stretch>
+        </p:blipFill>
+        <p:spPr>
+          <a:xfrm>
+            <a:off x="311700" y="890352"/>
+            <a:ext cx="4604956" cy="1894580"/>
+          </a:xfrm>
+          <a:prstGeom prst="rect">
+            <a:avLst/>
+          </a:prstGeom>
+        </p:spPr>
+      </p:pic>
+      <p:pic>
+        <p:nvPicPr>
+          <p:cNvPr id="5" name="Picture 4">
+            <a:extLst>
+              <a:ext uri="{FF2B5EF4-FFF2-40B4-BE49-F238E27FC236}">
+                <a16:creationId xmlns:a16="http://schemas.microsoft.com/office/drawing/2014/main" id="{8C2EB4CB-6352-407F-AC83-AC279BA4EAE2}"/>
+              </a:ext>
+            </a:extLst>
+          </p:cNvPr>
+          <p:cNvPicPr>
+            <a:picLocks noChangeAspect="1"/>
+          </p:cNvPicPr>
+          <p:nvPr/>
+        </p:nvPicPr>
+        <p:blipFill>
+          <a:blip r:embed="rId4"/>
+          <a:stretch>
+            <a:fillRect/>
+          </a:stretch>
+        </p:blipFill>
+        <p:spPr>
+          <a:xfrm>
+            <a:off x="5157732" y="890352"/>
+            <a:ext cx="3674568" cy="1894580"/>
+          </a:xfrm>
+          <a:prstGeom prst="rect">
+            <a:avLst/>
+          </a:prstGeom>
+        </p:spPr>
+      </p:pic>
+    </p:spTree>
+    <p:extLst>
+      <p:ext uri="{BB962C8B-B14F-4D97-AF65-F5344CB8AC3E}">
+        <p14:creationId xmlns:p14="http://schemas.microsoft.com/office/powerpoint/2010/main" val="3752834461"/>
+      </p:ext>
+    </p:extLst>
+  </p:cSld>
+  <p:clrMapOvr>
+    <a:masterClrMapping/>
+  </p:clrMapOvr>
+</p:sld>
+</file>
+
+<file path=ppt/slides/slide43.xml><?xml version="1.0" encoding="utf-8"?>
+<p:sld xmlns:a="http://schemas.openxmlformats.org/drawingml/2006/main" xmlns:r="http://schemas.openxmlformats.org/officeDocument/2006/relationships" xmlns:p="http://schemas.openxmlformats.org/presentationml/2006/main">
+  <p:cSld>
+    <p:spTree>
+      <p:nvGrpSpPr>
+        <p:cNvPr id="1" name="Shape 72"/>
+        <p:cNvGrpSpPr/>
+        <p:nvPr/>
+      </p:nvGrpSpPr>
+      <p:grpSpPr>
+        <a:xfrm>
+          <a:off x="0" y="0"/>
+          <a:ext cx="0" cy="0"/>
+          <a:chOff x="0" y="0"/>
+          <a:chExt cx="0" cy="0"/>
+        </a:xfrm>
+      </p:grpSpPr>
+      <p:sp>
+        <p:nvSpPr>
+          <p:cNvPr id="73" name="Google Shape;73;p16"/>
+          <p:cNvSpPr txBox="1">
+            <a:spLocks noGrp="1"/>
+          </p:cNvSpPr>
+          <p:nvPr>
+            <p:ph type="title"/>
+          </p:nvPr>
+        </p:nvSpPr>
+        <p:spPr>
+          <a:xfrm>
+            <a:off x="311700" y="445025"/>
+            <a:ext cx="8520600" cy="572700"/>
+          </a:xfrm>
+          <a:prstGeom prst="rect">
+            <a:avLst/>
+          </a:prstGeom>
+        </p:spPr>
+        <p:txBody>
+          <a:bodyPr spcFirstLastPara="1" wrap="square" lIns="91425" tIns="91425" rIns="91425" bIns="91425" anchor="t" anchorCtr="0">
+            <a:noAutofit/>
+          </a:bodyPr>
+          <a:lstStyle/>
+          <a:p>
+            <a:pPr marL="0" lvl="0" indent="0" algn="l" rtl="0">
+              <a:spcBef>
+                <a:spcPts val="0"/>
+              </a:spcBef>
+              <a:spcAft>
+                <a:spcPts val="0"/>
+              </a:spcAft>
+              <a:buNone/>
+            </a:pPr>
+            <a:r>
+              <a:rPr lang="en" dirty="0"/>
+              <a:t>Component 6 Pizza Order v3 (Trello screenshot)</a:t>
+            </a:r>
+            <a:endParaRPr dirty="0"/>
+          </a:p>
+        </p:txBody>
+      </p:sp>
+      <p:pic>
+        <p:nvPicPr>
+          <p:cNvPr id="3" name="Picture 2">
+            <a:extLst>
+              <a:ext uri="{FF2B5EF4-FFF2-40B4-BE49-F238E27FC236}">
+                <a16:creationId xmlns:a16="http://schemas.microsoft.com/office/drawing/2014/main" id="{174B531D-4322-49EB-B8A0-88E9D5ECE841}"/>
+              </a:ext>
+            </a:extLst>
+          </p:cNvPr>
+          <p:cNvPicPr>
+            <a:picLocks noChangeAspect="1"/>
+          </p:cNvPicPr>
+          <p:nvPr/>
+        </p:nvPicPr>
+        <p:blipFill>
+          <a:blip r:embed="rId3"/>
+          <a:stretch>
+            <a:fillRect/>
+          </a:stretch>
+        </p:blipFill>
+        <p:spPr>
+          <a:xfrm>
+            <a:off x="617220" y="1109312"/>
+            <a:ext cx="7909560" cy="3743295"/>
+          </a:xfrm>
+          <a:prstGeom prst="rect">
+            <a:avLst/>
+          </a:prstGeom>
+        </p:spPr>
+      </p:pic>
+    </p:spTree>
+    <p:extLst>
+      <p:ext uri="{BB962C8B-B14F-4D97-AF65-F5344CB8AC3E}">
+        <p14:creationId xmlns:p14="http://schemas.microsoft.com/office/powerpoint/2010/main" val="1157835744"/>
+      </p:ext>
+    </p:extLst>
+  </p:cSld>
+  <p:clrMapOvr>
+    <a:masterClrMapping/>
+  </p:clrMapOvr>
+</p:sld>
+</file>
+
+<file path=ppt/slides/slide44.xml><?xml version="1.0" encoding="utf-8"?>
+<p:sld xmlns:a="http://schemas.openxmlformats.org/drawingml/2006/main" xmlns:r="http://schemas.openxmlformats.org/officeDocument/2006/relationships" xmlns:p="http://schemas.openxmlformats.org/presentationml/2006/main">
+  <p:cSld>
+    <p:spTree>
+      <p:nvGrpSpPr>
+        <p:cNvPr id="1" name="Shape 77"/>
+        <p:cNvGrpSpPr/>
+        <p:nvPr/>
+      </p:nvGrpSpPr>
+      <p:grpSpPr>
+        <a:xfrm>
+          <a:off x="0" y="0"/>
+          <a:ext cx="0" cy="0"/>
+          <a:chOff x="0" y="0"/>
+          <a:chExt cx="0" cy="0"/>
+        </a:xfrm>
+      </p:grpSpPr>
+      <p:sp>
+        <p:nvSpPr>
+          <p:cNvPr id="78" name="Google Shape;78;p17"/>
+          <p:cNvSpPr txBox="1">
+            <a:spLocks noGrp="1"/>
+          </p:cNvSpPr>
+          <p:nvPr>
+            <p:ph type="title"/>
+          </p:nvPr>
+        </p:nvSpPr>
+        <p:spPr>
+          <a:xfrm>
+            <a:off x="311700" y="117365"/>
+            <a:ext cx="8520600" cy="572700"/>
+          </a:xfrm>
+          <a:prstGeom prst="rect">
+            <a:avLst/>
+          </a:prstGeom>
+        </p:spPr>
+        <p:txBody>
+          <a:bodyPr spcFirstLastPara="1" wrap="square" lIns="91425" tIns="91425" rIns="91425" bIns="91425" anchor="t" anchorCtr="0">
+            <a:noAutofit/>
+          </a:bodyPr>
+          <a:lstStyle/>
+          <a:p>
+            <a:pPr marL="0" lvl="0" indent="0" algn="l" rtl="0">
+              <a:spcBef>
+                <a:spcPts val="0"/>
+              </a:spcBef>
+              <a:spcAft>
+                <a:spcPts val="0"/>
+              </a:spcAft>
+              <a:buNone/>
+            </a:pPr>
+            <a:r>
+              <a:rPr lang="en" sz="2400" dirty="0"/>
+              <a:t>Component 6 Pizza Order	v4</a:t>
+            </a:r>
+            <a:endParaRPr sz="2400" dirty="0"/>
+          </a:p>
+        </p:txBody>
+      </p:sp>
+      <p:graphicFrame>
+        <p:nvGraphicFramePr>
+          <p:cNvPr id="79" name="Google Shape;79;p17"/>
+          <p:cNvGraphicFramePr/>
+          <p:nvPr/>
+        </p:nvGraphicFramePr>
+        <p:xfrm>
+          <a:off x="311700" y="2923075"/>
+          <a:ext cx="8520600" cy="2103060"/>
+        </p:xfrm>
+        <a:graphic>
+          <a:graphicData uri="http://schemas.openxmlformats.org/drawingml/2006/table">
+            <a:tbl>
+              <a:tblPr>
+                <a:noFill/>
+                <a:tableStyleId>{E1099E06-0E6B-448D-9D27-60429F06E6F4}</a:tableStyleId>
+              </a:tblPr>
+              <a:tblGrid>
+                <a:gridCol w="4260300">
+                  <a:extLst>
+                    <a:ext uri="{9D8B030D-6E8A-4147-A177-3AD203B41FA5}">
+                      <a16:colId xmlns:a16="http://schemas.microsoft.com/office/drawing/2014/main" val="20000"/>
+                    </a:ext>
+                  </a:extLst>
+                </a:gridCol>
+                <a:gridCol w="4260300">
+                  <a:extLst>
+                    <a:ext uri="{9D8B030D-6E8A-4147-A177-3AD203B41FA5}">
+                      <a16:colId xmlns:a16="http://schemas.microsoft.com/office/drawing/2014/main" val="20001"/>
+                    </a:ext>
+                  </a:extLst>
+                </a:gridCol>
+              </a:tblGrid>
+              <a:tr h="381000">
+                <a:tc>
+                  <a:txBody>
+                    <a:bodyPr/>
+                    <a:lstStyle/>
+                    <a:p>
+                      <a:pPr marL="0" lvl="0" indent="0" algn="l" rtl="0">
+                        <a:spcBef>
+                          <a:spcPts val="0"/>
+                        </a:spcBef>
+                        <a:spcAft>
+                          <a:spcPts val="0"/>
+                        </a:spcAft>
+                        <a:buNone/>
+                      </a:pPr>
+                      <a:r>
+                        <a:rPr lang="en" sz="1800" b="1" dirty="0"/>
+                        <a:t>Test Case – picking pizza number from menu</a:t>
+                      </a:r>
+                      <a:endParaRPr sz="1800" b="1" dirty="0"/>
+                    </a:p>
+                  </a:txBody>
+                  <a:tcPr marL="91425" marR="91425" marT="91425" marB="91425">
+                    <a:solidFill>
+                      <a:srgbClr val="CCCCCC"/>
+                    </a:solidFill>
+                  </a:tcPr>
+                </a:tc>
+                <a:tc>
+                  <a:txBody>
+                    <a:bodyPr/>
+                    <a:lstStyle/>
+                    <a:p>
+                      <a:pPr marL="0" lvl="0" indent="0" algn="l" rtl="0">
+                        <a:spcBef>
+                          <a:spcPts val="0"/>
+                        </a:spcBef>
+                        <a:spcAft>
+                          <a:spcPts val="0"/>
+                        </a:spcAft>
+                        <a:buNone/>
+                      </a:pPr>
+                      <a:r>
+                        <a:rPr lang="en" sz="1800" b="1"/>
+                        <a:t>Expected Values</a:t>
+                      </a:r>
+                      <a:endParaRPr sz="1800" b="1"/>
+                    </a:p>
+                  </a:txBody>
+                  <a:tcPr marL="91425" marR="91425" marT="91425" marB="91425">
+                    <a:solidFill>
+                      <a:srgbClr val="CCCCCC"/>
+                    </a:solidFill>
+                  </a:tcPr>
+                </a:tc>
+                <a:extLst>
+                  <a:ext uri="{0D108BD9-81ED-4DB2-BD59-A6C34878D82A}">
+                    <a16:rowId xmlns:a16="http://schemas.microsoft.com/office/drawing/2014/main" val="10000"/>
+                  </a:ext>
+                </a:extLst>
+              </a:tr>
+              <a:tr h="396200">
+                <a:tc>
+                  <a:txBody>
+                    <a:bodyPr/>
+                    <a:lstStyle/>
+                    <a:p>
+                      <a:pPr marL="0" lvl="0" indent="0" algn="l" rtl="0">
+                        <a:spcBef>
+                          <a:spcPts val="0"/>
+                        </a:spcBef>
+                        <a:spcAft>
+                          <a:spcPts val="0"/>
+                        </a:spcAft>
+                        <a:buNone/>
+                      </a:pPr>
+                      <a:r>
+                        <a:rPr lang="en-NZ" sz="1300" dirty="0"/>
+                        <a:t>W</a:t>
+                      </a:r>
+                    </a:p>
+                    <a:p>
+                      <a:pPr marL="0" lvl="0" indent="0" algn="l" rtl="0">
+                        <a:spcBef>
+                          <a:spcPts val="0"/>
+                        </a:spcBef>
+                        <a:spcAft>
+                          <a:spcPts val="0"/>
+                        </a:spcAft>
+                        <a:buNone/>
+                      </a:pPr>
+                      <a:r>
+                        <a:rPr lang="en-NZ" sz="1300" dirty="0"/>
+                        <a:t>%</a:t>
+                      </a:r>
+                    </a:p>
+                    <a:p>
+                      <a:pPr marL="0" lvl="0" indent="0" algn="l" rtl="0">
+                        <a:spcBef>
+                          <a:spcPts val="0"/>
+                        </a:spcBef>
+                        <a:spcAft>
+                          <a:spcPts val="0"/>
+                        </a:spcAft>
+                        <a:buNone/>
+                      </a:pPr>
+                      <a:r>
+                        <a:rPr lang="en-NZ" sz="1300" dirty="0"/>
+                        <a:t>Space</a:t>
+                      </a:r>
+                    </a:p>
+                    <a:p>
+                      <a:pPr marL="0" lvl="0" indent="0" algn="l" rtl="0">
+                        <a:spcBef>
+                          <a:spcPts val="0"/>
+                        </a:spcBef>
+                        <a:spcAft>
+                          <a:spcPts val="0"/>
+                        </a:spcAft>
+                        <a:buNone/>
+                      </a:pPr>
+                      <a:r>
+                        <a:rPr lang="en-NZ" sz="1300" dirty="0"/>
+                        <a:t>7</a:t>
+                      </a:r>
+                    </a:p>
+                    <a:p>
+                      <a:pPr marL="0" lvl="0" indent="0" algn="l" rtl="0">
+                        <a:spcBef>
+                          <a:spcPts val="0"/>
+                        </a:spcBef>
+                        <a:spcAft>
+                          <a:spcPts val="0"/>
+                        </a:spcAft>
+                        <a:buNone/>
+                      </a:pPr>
+                      <a:r>
+                        <a:rPr lang="en-NZ" sz="1300" dirty="0"/>
+                        <a:t>0</a:t>
+                      </a:r>
+                    </a:p>
+                    <a:p>
+                      <a:pPr marL="0" lvl="0" indent="0" algn="l" rtl="0">
+                        <a:spcBef>
+                          <a:spcPts val="0"/>
+                        </a:spcBef>
+                        <a:spcAft>
+                          <a:spcPts val="0"/>
+                        </a:spcAft>
+                        <a:buNone/>
+                      </a:pPr>
+                      <a:r>
+                        <a:rPr lang="en-NZ" sz="1300" dirty="0"/>
+                        <a:t>4</a:t>
+                      </a:r>
+                    </a:p>
+                  </a:txBody>
+                  <a:tcPr marL="91425" marR="91425" marT="91425" marB="91425"/>
+                </a:tc>
+                <a:tc>
+                  <a:txBody>
+                    <a:bodyPr/>
+                    <a:lstStyle/>
+                    <a:p>
+                      <a:pPr marL="0" lvl="0" indent="0" algn="l" rtl="0">
+                        <a:spcBef>
+                          <a:spcPts val="0"/>
+                        </a:spcBef>
+                        <a:spcAft>
+                          <a:spcPts val="0"/>
+                        </a:spcAft>
+                        <a:buNone/>
+                      </a:pPr>
+                      <a:r>
+                        <a:rPr lang="en-NZ" sz="1300" dirty="0"/>
+                        <a:t>Not a valid number</a:t>
+                      </a:r>
+                    </a:p>
+                    <a:p>
+                      <a:pPr marL="0" lvl="0" indent="0" algn="l" rtl="0">
+                        <a:spcBef>
+                          <a:spcPts val="0"/>
+                        </a:spcBef>
+                        <a:spcAft>
+                          <a:spcPts val="0"/>
+                        </a:spcAft>
+                        <a:buNone/>
+                      </a:pPr>
+                      <a:r>
+                        <a:rPr lang="en-NZ" sz="1300" dirty="0"/>
+                        <a:t>Not a valid number</a:t>
+                      </a:r>
+                    </a:p>
+                    <a:p>
+                      <a:pPr marL="0" lvl="0" indent="0" algn="l" rtl="0">
+                        <a:spcBef>
+                          <a:spcPts val="0"/>
+                        </a:spcBef>
+                        <a:spcAft>
+                          <a:spcPts val="0"/>
+                        </a:spcAft>
+                        <a:buNone/>
+                      </a:pPr>
+                      <a:r>
+                        <a:rPr lang="en-NZ" sz="1300" dirty="0"/>
+                        <a:t>Not a valid number</a:t>
+                      </a:r>
+                    </a:p>
+                    <a:p>
+                      <a:pPr marL="0" lvl="0" indent="0" algn="l" rtl="0">
+                        <a:spcBef>
+                          <a:spcPts val="0"/>
+                        </a:spcBef>
+                        <a:spcAft>
+                          <a:spcPts val="0"/>
+                        </a:spcAft>
+                        <a:buNone/>
+                      </a:pPr>
+                      <a:r>
+                        <a:rPr lang="en-NZ" sz="1300" dirty="0"/>
+                        <a:t>Must be between 1 and 5</a:t>
+                      </a:r>
+                    </a:p>
+                    <a:p>
+                      <a:pPr marL="0" marR="0" lvl="0" indent="0" algn="l" defTabSz="914400" rtl="0" eaLnBrk="1" fontAlgn="auto" latinLnBrk="0" hangingPunct="1">
+                        <a:lnSpc>
+                          <a:spcPct val="100000"/>
+                        </a:lnSpc>
+                        <a:spcBef>
+                          <a:spcPts val="0"/>
+                        </a:spcBef>
+                        <a:spcAft>
+                          <a:spcPts val="0"/>
+                        </a:spcAft>
+                        <a:buClr>
+                          <a:srgbClr val="000000"/>
+                        </a:buClr>
+                        <a:buSzTx/>
+                        <a:buFont typeface="Arial"/>
+                        <a:buNone/>
+                        <a:tabLst/>
+                        <a:defRPr/>
+                      </a:pPr>
+                      <a:r>
+                        <a:rPr lang="en-NZ" sz="1300" dirty="0"/>
+                        <a:t>Must be between 1 and 5</a:t>
+                      </a:r>
+                    </a:p>
+                    <a:p>
+                      <a:pPr marL="0" lvl="0" indent="0" algn="l" rtl="0">
+                        <a:spcBef>
+                          <a:spcPts val="0"/>
+                        </a:spcBef>
+                        <a:spcAft>
+                          <a:spcPts val="0"/>
+                        </a:spcAft>
+                        <a:buNone/>
+                      </a:pPr>
+                      <a:r>
+                        <a:rPr lang="en-NZ" sz="1300" dirty="0"/>
+                        <a:t>Accepted continues to order</a:t>
+                      </a:r>
+                      <a:endParaRPr sz="1300" dirty="0"/>
+                    </a:p>
+                  </a:txBody>
+                  <a:tcPr marL="91425" marR="91425" marT="91425" marB="91425"/>
+                </a:tc>
+                <a:extLst>
+                  <a:ext uri="{0D108BD9-81ED-4DB2-BD59-A6C34878D82A}">
+                    <a16:rowId xmlns:a16="http://schemas.microsoft.com/office/drawing/2014/main" val="10001"/>
+                  </a:ext>
+                </a:extLst>
+              </a:tr>
+            </a:tbl>
+          </a:graphicData>
+        </a:graphic>
+      </p:graphicFrame>
+      <p:pic>
+        <p:nvPicPr>
+          <p:cNvPr id="5" name="Picture 4">
+            <a:extLst>
+              <a:ext uri="{FF2B5EF4-FFF2-40B4-BE49-F238E27FC236}">
+                <a16:creationId xmlns:a16="http://schemas.microsoft.com/office/drawing/2014/main" id="{8C2EB4CB-6352-407F-AC83-AC279BA4EAE2}"/>
+              </a:ext>
+            </a:extLst>
+          </p:cNvPr>
+          <p:cNvPicPr>
+            <a:picLocks noChangeAspect="1"/>
+          </p:cNvPicPr>
+          <p:nvPr/>
+        </p:nvPicPr>
+        <p:blipFill>
+          <a:blip r:embed="rId3"/>
+          <a:stretch>
+            <a:fillRect/>
+          </a:stretch>
+        </p:blipFill>
+        <p:spPr>
+          <a:xfrm>
+            <a:off x="5157732" y="890352"/>
+            <a:ext cx="3674568" cy="1894580"/>
+          </a:xfrm>
+          <a:prstGeom prst="rect">
+            <a:avLst/>
+          </a:prstGeom>
+        </p:spPr>
+      </p:pic>
+      <p:pic>
+        <p:nvPicPr>
+          <p:cNvPr id="4" name="Picture 3">
+            <a:extLst>
+              <a:ext uri="{FF2B5EF4-FFF2-40B4-BE49-F238E27FC236}">
+                <a16:creationId xmlns:a16="http://schemas.microsoft.com/office/drawing/2014/main" id="{15E85F53-BB49-45E1-8404-79D501B0BF3C}"/>
+              </a:ext>
+            </a:extLst>
+          </p:cNvPr>
+          <p:cNvPicPr>
+            <a:picLocks noChangeAspect="1"/>
+          </p:cNvPicPr>
+          <p:nvPr/>
+        </p:nvPicPr>
+        <p:blipFill>
+          <a:blip r:embed="rId4"/>
+          <a:stretch>
+            <a:fillRect/>
+          </a:stretch>
+        </p:blipFill>
+        <p:spPr>
+          <a:xfrm>
+            <a:off x="761999" y="613410"/>
+            <a:ext cx="3543301" cy="2247982"/>
+          </a:xfrm>
+          <a:prstGeom prst="rect">
+            <a:avLst/>
+          </a:prstGeom>
+        </p:spPr>
+      </p:pic>
+    </p:spTree>
+    <p:extLst>
+      <p:ext uri="{BB962C8B-B14F-4D97-AF65-F5344CB8AC3E}">
+        <p14:creationId xmlns:p14="http://schemas.microsoft.com/office/powerpoint/2010/main" val="2990662085"/>
+      </p:ext>
+    </p:extLst>
+  </p:cSld>
+  <p:clrMapOvr>
+    <a:masterClrMapping/>
+  </p:clrMapOvr>
+</p:sld>
+</file>
+
+<file path=ppt/slides/slide45.xml><?xml version="1.0" encoding="utf-8"?>
+<p:sld xmlns:a="http://schemas.openxmlformats.org/drawingml/2006/main" xmlns:r="http://schemas.openxmlformats.org/officeDocument/2006/relationships" xmlns:p="http://schemas.openxmlformats.org/presentationml/2006/main">
+  <p:cSld>
+    <p:bg>
+      <p:bgPr>
+        <a:solidFill>
+          <a:srgbClr val="D9EAD3"/>
+        </a:solidFill>
+        <a:effectLst/>
+      </p:bgPr>
+    </p:bg>
+    <p:spTree>
+      <p:nvGrpSpPr>
+        <p:cNvPr id="1" name="Shape 83"/>
+        <p:cNvGrpSpPr/>
+        <p:nvPr/>
+      </p:nvGrpSpPr>
+      <p:grpSpPr>
+        <a:xfrm>
+          <a:off x="0" y="0"/>
+          <a:ext cx="0" cy="0"/>
+          <a:chOff x="0" y="0"/>
+          <a:chExt cx="0" cy="0"/>
+        </a:xfrm>
+      </p:grpSpPr>
+      <p:sp>
+        <p:nvSpPr>
+          <p:cNvPr id="84" name="Google Shape;84;p18"/>
+          <p:cNvSpPr txBox="1">
+            <a:spLocks noGrp="1"/>
+          </p:cNvSpPr>
+          <p:nvPr>
+            <p:ph type="title"/>
+          </p:nvPr>
+        </p:nvSpPr>
+        <p:spPr>
+          <a:xfrm>
+            <a:off x="311700" y="445025"/>
+            <a:ext cx="8520600" cy="572700"/>
+          </a:xfrm>
+          <a:prstGeom prst="rect">
+            <a:avLst/>
+          </a:prstGeom>
+        </p:spPr>
+        <p:txBody>
+          <a:bodyPr spcFirstLastPara="1" wrap="square" lIns="91425" tIns="91425" rIns="91425" bIns="91425" anchor="t" anchorCtr="0">
+            <a:noAutofit/>
+          </a:bodyPr>
+          <a:lstStyle/>
+          <a:p>
+            <a:pPr marL="0" lvl="0" indent="0" algn="l" rtl="0">
+              <a:spcBef>
+                <a:spcPts val="0"/>
+              </a:spcBef>
+              <a:spcAft>
+                <a:spcPts val="0"/>
+              </a:spcAft>
+              <a:buNone/>
+            </a:pPr>
+            <a:r>
+              <a:rPr lang="en"/>
+              <a:t>Version Control Evidence</a:t>
+            </a:r>
+            <a:endParaRPr/>
+          </a:p>
+        </p:txBody>
+      </p:sp>
+      <p:sp>
+        <p:nvSpPr>
+          <p:cNvPr id="85" name="Google Shape;85;p18"/>
+          <p:cNvSpPr txBox="1">
+            <a:spLocks noGrp="1"/>
+          </p:cNvSpPr>
+          <p:nvPr>
+            <p:ph type="body" idx="1"/>
+          </p:nvPr>
+        </p:nvSpPr>
+        <p:spPr>
+          <a:xfrm>
+            <a:off x="311700" y="1152475"/>
+            <a:ext cx="8464200" cy="3739200"/>
+          </a:xfrm>
+          <a:prstGeom prst="rect">
+            <a:avLst/>
+          </a:prstGeom>
+        </p:spPr>
+        <p:txBody>
+          <a:bodyPr spcFirstLastPara="1" wrap="square" lIns="91425" tIns="91425" rIns="91425" bIns="91425" anchor="t" anchorCtr="0">
+            <a:noAutofit/>
+          </a:bodyPr>
+          <a:lstStyle/>
+          <a:p>
+            <a:pPr marL="0" lvl="0" indent="0" algn="l" rtl="0">
+              <a:spcBef>
+                <a:spcPts val="0"/>
+              </a:spcBef>
+              <a:spcAft>
+                <a:spcPts val="1600"/>
+              </a:spcAft>
+              <a:buNone/>
+            </a:pPr>
+            <a:r>
+              <a:rPr lang="en" i="1"/>
+              <a:t>Your version control evidence should go here.  This could be in the form of annotated screenshots which show you you managed this process or you could make a brief screencast explaining how you implemented version control.</a:t>
+            </a:r>
+            <a:endParaRPr i="1"/>
+          </a:p>
+        </p:txBody>
+      </p:sp>
+    </p:spTree>
+  </p:cSld>
+  <p:clrMapOvr>
+    <a:masterClrMapping/>
+  </p:clrMapOvr>
+</p:sld>
+</file>
+
+<file path=ppt/slides/slide46.xml><?xml version="1.0" encoding="utf-8"?>
+<p:sld xmlns:a="http://schemas.openxmlformats.org/drawingml/2006/main" xmlns:r="http://schemas.openxmlformats.org/officeDocument/2006/relationships" xmlns:p="http://schemas.openxmlformats.org/presentationml/2006/main">
+  <p:cSld>
+    <p:bg>
+      <p:bgPr>
+        <a:solidFill>
+          <a:srgbClr val="FFE599"/>
+        </a:solidFill>
+        <a:effectLst/>
+      </p:bgPr>
+    </p:bg>
+    <p:spTree>
+      <p:nvGrpSpPr>
+        <p:cNvPr id="1" name="Shape 89"/>
+        <p:cNvGrpSpPr/>
+        <p:nvPr/>
+      </p:nvGrpSpPr>
+      <p:grpSpPr>
+        <a:xfrm>
+          <a:off x="0" y="0"/>
+          <a:ext cx="0" cy="0"/>
+          <a:chOff x="0" y="0"/>
+          <a:chExt cx="0" cy="0"/>
+        </a:xfrm>
+      </p:grpSpPr>
+      <p:sp>
+        <p:nvSpPr>
+          <p:cNvPr id="90" name="Google Shape;90;p19"/>
+          <p:cNvSpPr txBox="1">
+            <a:spLocks noGrp="1"/>
+          </p:cNvSpPr>
+          <p:nvPr>
+            <p:ph type="body" idx="1"/>
+          </p:nvPr>
+        </p:nvSpPr>
+        <p:spPr>
+          <a:xfrm>
+            <a:off x="311700" y="397700"/>
+            <a:ext cx="8520600" cy="4171200"/>
+          </a:xfrm>
+          <a:prstGeom prst="rect">
+            <a:avLst/>
+          </a:prstGeom>
+        </p:spPr>
+        <p:txBody>
+          <a:bodyPr spcFirstLastPara="1" wrap="square" lIns="91425" tIns="91425" rIns="91425" bIns="91425" anchor="t" anchorCtr="0">
+            <a:noAutofit/>
+          </a:bodyPr>
+          <a:lstStyle/>
+          <a:p>
+            <a:pPr marL="0" lvl="0" indent="0" algn="l" rtl="0">
+              <a:spcBef>
+                <a:spcPts val="0"/>
+              </a:spcBef>
+              <a:spcAft>
+                <a:spcPts val="1600"/>
+              </a:spcAft>
+              <a:buNone/>
+            </a:pPr>
+            <a:r>
+              <a:rPr lang="en" b="1" i="1">
+                <a:solidFill>
+                  <a:srgbClr val="595959"/>
+                </a:solidFill>
+              </a:rPr>
+              <a:t>Discusses how the information from planning, testing and trialling of components assisted in the development of a high-quality outcome</a:t>
+            </a:r>
+            <a:endParaRPr/>
+          </a:p>
+        </p:txBody>
+      </p:sp>
     </p:spTree>
   </p:cSld>
   <p:clrMapOvr>
